--- a/presentations/java_future.pptx
+++ b/presentations/java_future.pptx
@@ -2135,7 +2135,7 @@
           <a:p>
             <a:r>
               <a:rPr lang="en-US" dirty="0" smtClean="0"/>
-              <a:t>WHAT IS JAVA EXECUTOR?</a:t>
+              <a:t>WHAT IS JAVA FUTURE?</a:t>
             </a:r>
             <a:endParaRPr lang="en-US" dirty="0"/>
           </a:p>
@@ -2181,7 +2181,7 @@
       </p:sp>
       <p:pic>
         <p:nvPicPr>
-          <p:cNvPr id="3" name="Picture 2"/>
+          <p:cNvPr id="16" name="Picture 15"/>
           <p:cNvPicPr>
             <a:picLocks noChangeAspect="1"/>
           </p:cNvPicPr>
@@ -2195,39 +2195,80 @@
         </p:blipFill>
         <p:spPr>
           <a:xfrm>
-            <a:off x="1600200" y="3200400"/>
-            <a:ext cx="8458200" cy="2755900"/>
+            <a:off x="5162550" y="1447715"/>
+            <a:ext cx="5791200" cy="4441288"/>
           </a:xfrm>
           <a:prstGeom prst="rect">
             <a:avLst/>
           </a:prstGeom>
         </p:spPr>
       </p:pic>
-      <p:pic>
-        <p:nvPicPr>
-          <p:cNvPr id="4" name="Picture 3"/>
-          <p:cNvPicPr>
-            <a:picLocks noChangeAspect="1"/>
-          </p:cNvPicPr>
+      <p:sp>
+        <p:nvSpPr>
+          <p:cNvPr id="6" name="Rectangle 5"/>
+          <p:cNvSpPr/>
           <p:nvPr/>
-        </p:nvPicPr>
-        <p:blipFill rotWithShape="1">
-          <a:blip r:embed="rId2"/>
-          <a:srcRect t="13135" b="17097"/>
-          <a:stretch>
-            <a:fillRect/>
-          </a:stretch>
-        </p:blipFill>
-        <p:spPr>
-          <a:xfrm>
-            <a:off x="2209800" y="2438400"/>
-            <a:ext cx="8735595" cy="250103"/>
-          </a:xfrm>
-          <a:prstGeom prst="rect">
-            <a:avLst/>
-          </a:prstGeom>
-        </p:spPr>
-      </p:pic>
+        </p:nvSpPr>
+        <p:spPr>
+          <a:xfrm>
+            <a:off x="1326515" y="1956435"/>
+            <a:ext cx="1565910" cy="798830"/>
+          </a:xfrm>
+          <a:prstGeom prst="rect">
+            <a:avLst/>
+          </a:prstGeom>
+        </p:spPr>
+        <p:txBody>
+          <a:bodyPr wrap="square">
+            <a:spAutoFit/>
+          </a:bodyPr>
+          <a:p>
+            <a:r>
+              <a:rPr lang="en-US" b="1" i="1" dirty="0" err="1" smtClean="0">
+                <a:solidFill>
+                  <a:srgbClr val="333333"/>
+                </a:solidFill>
+                <a:latin typeface="raleway" charset="0"/>
+              </a:rPr>
+              <a:t>10 threads</a:t>
+            </a:r>
+            <a:endParaRPr lang="en-US" b="1" i="1" dirty="0" err="1" smtClean="0">
+              <a:solidFill>
+                <a:srgbClr val="333333"/>
+              </a:solidFill>
+              <a:latin typeface="raleway" charset="0"/>
+            </a:endParaRPr>
+          </a:p>
+          <a:p>
+            <a:r>
+              <a:rPr lang="en-US" sz="1600" b="1" i="1" u="none" strike="noStrike" dirty="0" smtClean="0">
+                <a:solidFill>
+                  <a:srgbClr val="333333"/>
+                </a:solidFill>
+                <a:effectLst/>
+                <a:latin typeface="raleway" charset="0"/>
+              </a:rPr>
+              <a:t>100 task</a:t>
+            </a:r>
+            <a:endParaRPr lang="en-US" sz="1200" b="1" i="1" u="none" strike="noStrike" dirty="0" smtClean="0">
+              <a:solidFill>
+                <a:srgbClr val="333333"/>
+              </a:solidFill>
+              <a:effectLst/>
+              <a:latin typeface="raleway" charset="0"/>
+            </a:endParaRPr>
+          </a:p>
+          <a:p>
+            <a:endParaRPr lang="en-US" sz="1200" b="1" i="1" u="none" strike="noStrike" dirty="0" smtClean="0">
+              <a:solidFill>
+                <a:srgbClr val="333333"/>
+              </a:solidFill>
+              <a:effectLst/>
+              <a:latin typeface="raleway" charset="0"/>
+            </a:endParaRPr>
+          </a:p>
+        </p:txBody>
+      </p:sp>
     </p:spTree>
   </p:cSld>
   <p:clrMapOvr>
@@ -2515,8 +2556,8 @@
         </p:nvSpPr>
         <p:spPr>
           <a:xfrm>
-            <a:off x="820420" y="1221086"/>
-            <a:ext cx="4876800" cy="645160"/>
+            <a:off x="840740" y="4312285"/>
+            <a:ext cx="6213475" cy="553085"/>
           </a:xfrm>
           <a:prstGeom prst="rect">
             <a:avLst/>
@@ -2564,15 +2605,20 @@
           </a:p>
           <a:p>
             <a:r>
-              <a:rPr lang="en-US" b="1" dirty="0" smtClean="0">
+              <a:rPr lang="en-US" sz="1200" b="1" dirty="0" smtClean="0">
                 <a:solidFill>
                   <a:srgbClr val="555555"/>
                 </a:solidFill>
                 <a:latin typeface="Lora" charset="0"/>
               </a:rPr>
-              <a:t>Start all tasks same time</a:t>
-            </a:r>
-            <a:endParaRPr lang="en-US" dirty="0"/>
+              <a:t>Submit multiple tasks and wait for all of them to complete.</a:t>
+            </a:r>
+            <a:endParaRPr lang="en-US" sz="1200" b="1" dirty="0" smtClean="0">
+              <a:solidFill>
+                <a:srgbClr val="555555"/>
+              </a:solidFill>
+              <a:latin typeface="Lora" charset="0"/>
+            </a:endParaRPr>
           </a:p>
         </p:txBody>
       </p:sp>
@@ -2584,8 +2630,8 @@
         </p:nvSpPr>
         <p:spPr>
           <a:xfrm>
-            <a:off x="820420" y="2072621"/>
-            <a:ext cx="4917440" cy="645160"/>
+            <a:off x="820420" y="2393315"/>
+            <a:ext cx="11018520" cy="553085"/>
           </a:xfrm>
           <a:prstGeom prst="rect">
             <a:avLst/>
@@ -2624,19 +2670,18 @@
           </a:p>
           <a:p>
             <a:r>
-              <a:rPr lang="en-US" b="1" dirty="0" smtClean="0">
+              <a:rPr lang="en-US" sz="1200" b="1" dirty="0" smtClean="0">
                 <a:solidFill>
                   <a:srgbClr val="333333"/>
                 </a:solidFill>
                 <a:latin typeface="raleway" charset="0"/>
               </a:rPr>
-              <a:t>Check a task is finished</a:t>
-            </a:r>
-            <a:endParaRPr lang="en-US" b="1" u="none" strike="noStrike" dirty="0">
+              <a:t>check whether the task is completed or not</a:t>
+            </a:r>
+            <a:endParaRPr lang="en-US" sz="1200" b="1" dirty="0" smtClean="0">
               <a:solidFill>
                 <a:srgbClr val="333333"/>
               </a:solidFill>
-              <a:effectLst/>
               <a:latin typeface="raleway" charset="0"/>
             </a:endParaRPr>
           </a:p>
@@ -2650,8 +2695,8 @@
         </p:nvSpPr>
         <p:spPr>
           <a:xfrm>
-            <a:off x="820420" y="2924156"/>
-            <a:ext cx="7688580" cy="645160"/>
+            <a:off x="838200" y="1295400"/>
+            <a:ext cx="17228185" cy="553085"/>
           </a:xfrm>
           <a:prstGeom prst="rect">
             <a:avLst/>
@@ -2730,7 +2775,7 @@
           </a:p>
           <a:p>
             <a:r>
-              <a:rPr lang="en-US" b="1" dirty="0" smtClean="0">
+              <a:rPr lang="en-US" sz="1200" b="1" dirty="0" smtClean="0">
                 <a:solidFill>
                   <a:srgbClr val="333333"/>
                 </a:solidFill>
@@ -2739,13 +2784,62 @@
               <a:t>Get return value in limit of time</a:t>
             </a:r>
             <a:r>
+              <a:rPr lang="en-US" sz="1200" b="1" i="1" dirty="0" smtClean="0">
+                <a:solidFill>
+                  <a:srgbClr val="333333"/>
+                </a:solidFill>
+                <a:latin typeface="raleway" charset="0"/>
+              </a:rPr>
+              <a:t> </a:t>
+            </a:r>
+            <a:endParaRPr lang="en-US" sz="1200" b="1" i="1" u="none" strike="noStrike" dirty="0" smtClean="0">
+              <a:solidFill>
+                <a:srgbClr val="333333"/>
+              </a:solidFill>
+              <a:effectLst/>
+              <a:latin typeface="raleway" charset="0"/>
+            </a:endParaRPr>
+          </a:p>
+        </p:txBody>
+      </p:sp>
+      <p:sp>
+        <p:nvSpPr>
+          <p:cNvPr id="11" name="Rectangle 10"/>
+          <p:cNvSpPr/>
+          <p:nvPr/>
+        </p:nvSpPr>
+        <p:spPr>
+          <a:xfrm>
+            <a:off x="879475" y="3491230"/>
+            <a:ext cx="3007995" cy="368300"/>
+          </a:xfrm>
+          <a:prstGeom prst="rect">
+            <a:avLst/>
+          </a:prstGeom>
+        </p:spPr>
+        <p:txBody>
+          <a:bodyPr wrap="square">
+            <a:spAutoFit/>
+          </a:bodyPr>
+          <a:lstStyle/>
+          <a:p>
+            <a:r>
+              <a:rPr lang="en-US" b="1" i="1" dirty="0">
+                <a:solidFill>
+                  <a:srgbClr val="333333"/>
+                </a:solidFill>
+                <a:latin typeface="raleway" charset="0"/>
+              </a:rPr>
+              <a:t>c</a:t>
+            </a:r>
+            <a:r>
               <a:rPr lang="en-US" b="1" i="1" dirty="0" smtClean="0">
                 <a:solidFill>
                   <a:srgbClr val="333333"/>
                 </a:solidFill>
                 <a:latin typeface="raleway" charset="0"/>
               </a:rPr>
-              <a:t> </a:t>
+              <a:t>ancel() isCancel()</a:t>
             </a:r>
             <a:endParaRPr lang="en-US" b="1" i="0" u="none" strike="noStrike" dirty="0">
               <a:solidFill>
@@ -2759,166 +2853,77 @@
       </p:sp>
       <p:sp>
         <p:nvSpPr>
-          <p:cNvPr id="10" name="Rectangle 9"/>
+          <p:cNvPr id="4" name="Rectangle 3"/>
           <p:cNvSpPr/>
           <p:nvPr/>
         </p:nvSpPr>
         <p:spPr>
           <a:xfrm>
-            <a:off x="820420" y="3775691"/>
-            <a:ext cx="1202380" cy="368935"/>
-          </a:xfrm>
-          <a:prstGeom prst="rect">
-            <a:avLst/>
-          </a:prstGeom>
-        </p:spPr>
-        <p:txBody>
-          <a:bodyPr wrap="none">
+            <a:off x="820420" y="5410200"/>
+            <a:ext cx="5935980" cy="553085"/>
+          </a:xfrm>
+          <a:prstGeom prst="rect">
+            <a:avLst/>
+          </a:prstGeom>
+        </p:spPr>
+        <p:txBody>
+          <a:bodyPr wrap="square">
             <a:spAutoFit/>
           </a:bodyPr>
-          <a:lstStyle/>
-          <a:p>
-            <a:r>
-              <a:rPr lang="en-US" b="1" i="1" dirty="0" err="1" smtClean="0">
+          <a:p>
+            <a:r>
+              <a:rPr lang="en-US" b="1" i="1" dirty="0" err="1">
                 <a:solidFill>
-                  <a:srgbClr val="333333"/>
+                  <a:srgbClr val="555555"/>
                 </a:solidFill>
-                <a:latin typeface="raleway" charset="0"/>
+                <a:latin typeface="Lora" charset="0"/>
               </a:rPr>
-              <a:t>isTerminal</a:t>
-            </a:r>
-            <a:endParaRPr lang="en-US" b="1" i="0" u="none" strike="noStrike" dirty="0">
-              <a:solidFill>
-                <a:srgbClr val="333333"/>
-              </a:solidFill>
-              <a:effectLst/>
-              <a:latin typeface="raleway" charset="0"/>
-            </a:endParaRPr>
-          </a:p>
-        </p:txBody>
-      </p:sp>
-      <p:sp>
-        <p:nvSpPr>
-          <p:cNvPr id="11" name="Rectangle 10"/>
-          <p:cNvSpPr/>
-          <p:nvPr/>
-        </p:nvSpPr>
-        <p:spPr>
-          <a:xfrm>
-            <a:off x="820420" y="4351001"/>
-            <a:ext cx="954107" cy="368935"/>
-          </a:xfrm>
-          <a:prstGeom prst="rect">
-            <a:avLst/>
-          </a:prstGeom>
-        </p:spPr>
-        <p:txBody>
-          <a:bodyPr wrap="none">
-            <a:spAutoFit/>
-          </a:bodyPr>
-          <a:lstStyle/>
-          <a:p>
-            <a:r>
-              <a:rPr lang="en-US" b="1" i="1" dirty="0">
-                <a:solidFill>
-                  <a:srgbClr val="333333"/>
-                </a:solidFill>
-                <a:latin typeface="raleway" charset="0"/>
-              </a:rPr>
-              <a:t>c</a:t>
+              <a:t>invokeAny</a:t>
             </a:r>
             <a:r>
               <a:rPr lang="en-US" b="1" i="1" dirty="0" smtClean="0">
                 <a:solidFill>
-                  <a:srgbClr val="333333"/>
+                  <a:srgbClr val="555555"/>
                 </a:solidFill>
-                <a:latin typeface="raleway" charset="0"/>
+                <a:latin typeface="Lora" charset="0"/>
               </a:rPr>
-              <a:t>ancel()</a:t>
-            </a:r>
-            <a:endParaRPr lang="en-US" b="1" i="0" u="none" strike="noStrike" dirty="0">
+              <a:t>():</a:t>
+            </a:r>
+            <a:r>
+              <a:rPr lang="en-US" b="1" dirty="0" smtClean="0">
+                <a:solidFill>
+                  <a:srgbClr val="555555"/>
+                </a:solidFill>
+                <a:latin typeface="Lora" charset="0"/>
+              </a:rPr>
+              <a:t> </a:t>
+            </a:r>
+            <a:endParaRPr lang="en-US" b="1" dirty="0" smtClean="0">
               <a:solidFill>
-                <a:srgbClr val="333333"/>
+                <a:srgbClr val="555555"/>
               </a:solidFill>
-              <a:effectLst/>
-              <a:latin typeface="raleway" charset="0"/>
+              <a:latin typeface="Lora" charset="0"/>
             </a:endParaRPr>
           </a:p>
-        </p:txBody>
-      </p:sp>
-      <p:sp>
-        <p:nvSpPr>
-          <p:cNvPr id="12" name="Rectangle 11"/>
-          <p:cNvSpPr/>
-          <p:nvPr/>
-        </p:nvSpPr>
-        <p:spPr>
-          <a:xfrm>
-            <a:off x="820420" y="4926311"/>
-            <a:ext cx="1159292" cy="368935"/>
-          </a:xfrm>
-          <a:prstGeom prst="rect">
-            <a:avLst/>
-          </a:prstGeom>
-        </p:spPr>
-        <p:txBody>
-          <a:bodyPr wrap="none">
-            <a:spAutoFit/>
-          </a:bodyPr>
-          <a:lstStyle/>
-          <a:p>
-            <a:r>
-              <a:rPr lang="en-US" b="1" i="1" dirty="0" err="1" smtClean="0">
+          <a:p>
+            <a:r>
+              <a:rPr lang="en-US" sz="1200" b="1" dirty="0" smtClean="0">
                 <a:solidFill>
-                  <a:srgbClr val="333333"/>
+                  <a:srgbClr val="555555"/>
                 </a:solidFill>
-                <a:latin typeface="raleway" charset="0"/>
+                <a:latin typeface="Lora" charset="0"/>
               </a:rPr>
-              <a:t>isCancel</a:t>
-            </a:r>
-            <a:r>
-              <a:rPr lang="en-US" b="1" i="1" dirty="0" smtClean="0">
-                <a:solidFill>
-                  <a:srgbClr val="333333"/>
-                </a:solidFill>
-                <a:latin typeface="raleway" charset="0"/>
-              </a:rPr>
-              <a:t>()</a:t>
-            </a:r>
-            <a:endParaRPr lang="en-US" b="1" i="0" u="none" strike="noStrike" dirty="0">
+              <a:t>Submit multiple tasks and wait for any one of them to complete</a:t>
+            </a:r>
+            <a:endParaRPr lang="en-US" sz="1200" b="1" dirty="0" smtClean="0">
               <a:solidFill>
-                <a:srgbClr val="333333"/>
+                <a:srgbClr val="555555"/>
               </a:solidFill>
-              <a:effectLst/>
-              <a:latin typeface="raleway" charset="0"/>
+              <a:latin typeface="Lora" charset="0"/>
             </a:endParaRPr>
           </a:p>
         </p:txBody>
       </p:sp>
-      <p:pic>
-        <p:nvPicPr>
-          <p:cNvPr id="16" name="Picture 15"/>
-          <p:cNvPicPr>
-            <a:picLocks noChangeAspect="1"/>
-          </p:cNvPicPr>
-          <p:nvPr/>
-        </p:nvPicPr>
-        <p:blipFill>
-          <a:blip r:embed="rId1"/>
-          <a:stretch>
-            <a:fillRect/>
-          </a:stretch>
-        </p:blipFill>
-        <p:spPr>
-          <a:xfrm>
-            <a:off x="6096000" y="894630"/>
-            <a:ext cx="5791200" cy="4441288"/>
-          </a:xfrm>
-          <a:prstGeom prst="rect">
-            <a:avLst/>
-          </a:prstGeom>
-        </p:spPr>
-      </p:pic>
     </p:spTree>
   </p:cSld>
   <p:clrMapOvr>

--- a/presentations/java_future.pptx
+++ b/presentations/java_future.pptx
@@ -1,21 +1,30 @@
 
 <file path=ppt/presentation.xml><?xml version="1.0" encoding="utf-8"?>
-<p:presentation xmlns:a="http://schemas.openxmlformats.org/drawingml/2006/main" xmlns:r="http://schemas.openxmlformats.org/officeDocument/2006/relationships" xmlns:p="http://schemas.openxmlformats.org/presentationml/2006/main">
+<p:presentation xmlns:a="http://schemas.openxmlformats.org/drawingml/2006/main" xmlns:r="http://schemas.openxmlformats.org/officeDocument/2006/relationships" xmlns:p="http://schemas.openxmlformats.org/presentationml/2006/main" saveSubsetFonts="1">
   <p:sldMasterIdLst>
     <p:sldMasterId id="2147483648" r:id="rId1"/>
   </p:sldMasterIdLst>
   <p:notesMasterIdLst>
-    <p:notesMasterId r:id="rId4"/>
+    <p:notesMasterId r:id="rId16"/>
   </p:notesMasterIdLst>
   <p:handoutMasterIdLst>
-    <p:handoutMasterId r:id="rId9"/>
+    <p:handoutMasterId r:id="rId17"/>
   </p:handoutMasterIdLst>
   <p:sldIdLst>
-    <p:sldId id="299" r:id="rId3"/>
-    <p:sldId id="353" r:id="rId5"/>
-    <p:sldId id="349" r:id="rId6"/>
-    <p:sldId id="350" r:id="rId7"/>
-    <p:sldId id="352" r:id="rId8"/>
+    <p:sldId id="299" r:id="rId2"/>
+    <p:sldId id="358" r:id="rId3"/>
+    <p:sldId id="359" r:id="rId4"/>
+    <p:sldId id="360" r:id="rId5"/>
+    <p:sldId id="361" r:id="rId6"/>
+    <p:sldId id="363" r:id="rId7"/>
+    <p:sldId id="364" r:id="rId8"/>
+    <p:sldId id="362" r:id="rId9"/>
+    <p:sldId id="357" r:id="rId10"/>
+    <p:sldId id="365" r:id="rId11"/>
+    <p:sldId id="367" r:id="rId12"/>
+    <p:sldId id="368" r:id="rId13"/>
+    <p:sldId id="369" r:id="rId14"/>
+    <p:sldId id="370" r:id="rId15"/>
   </p:sldIdLst>
   <p:sldSz cx="12192000" cy="6858000"/>
   <p:notesSz cx="6858000" cy="9144000"/>
@@ -114,6 +123,35 @@
       </a:defRPr>
     </a:lvl9pPr>
   </p:defaultTextStyle>
+  <p:extLst>
+    <p:ext uri="{EFAFB233-063F-42B5-8137-9DF3F51BA10A}">
+      <p15:sldGuideLst xmlns:p15="http://schemas.microsoft.com/office/powerpoint/2012/main">
+        <p15:guide id="1" orient="horz" pos="432">
+          <p15:clr>
+            <a:srgbClr val="A4A3A4"/>
+          </p15:clr>
+        </p15:guide>
+        <p15:guide id="2" pos="528">
+          <p15:clr>
+            <a:srgbClr val="A4A3A4"/>
+          </p15:clr>
+        </p15:guide>
+        <p15:guide id="3" pos="7152">
+          <p15:clr>
+            <a:srgbClr val="A4A3A4"/>
+          </p15:clr>
+        </p15:guide>
+        <p15:guide id="4" orient="horz" pos="3888">
+          <p15:clr>
+            <a:srgbClr val="A4A3A4"/>
+          </p15:clr>
+        </p15:guide>
+      </p15:sldGuideLst>
+    </p:ext>
+    <p:ext uri="{2D200454-40CA-4A62-9FC3-DE9A4176ACB9}">
+      <p15:notesGuideLst xmlns:p15="http://schemas.microsoft.com/office/powerpoint/2012/main"/>
+    </p:ext>
+  </p:extLst>
 </p:presentation>
 </file>
 
@@ -199,6 +237,7 @@
           <a:p>
             <a:fld id="{D426F103-508E-467C-AF53-B35FDC2F36C0}" type="datetimeFigureOut">
               <a:rPr lang="en-US" smtClean="0"/>
+              <a:t>11/7/19</a:t>
             </a:fld>
             <a:endParaRPr lang="en-US"/>
           </a:p>
@@ -264,6 +303,7 @@
           <a:p>
             <a:fld id="{4C600A97-EEC9-4A42-B3B4-F5007EC270F7}" type="slidenum">
               <a:rPr lang="en-US" smtClean="0"/>
+              <a:t>‹#›</a:t>
             </a:fld>
             <a:endParaRPr lang="en-US"/>
           </a:p>
@@ -357,6 +397,7 @@
           <a:p>
             <a:fld id="{A90D6CB4-478E-4505-A839-A5849C2F988C}" type="datetimeFigureOut">
               <a:rPr lang="en-US" smtClean="0"/>
+              <a:t>11/7/19</a:t>
             </a:fld>
             <a:endParaRPr lang="en-US"/>
           </a:p>
@@ -423,7 +464,6 @@
               <a:rPr lang="en-US"/>
               <a:t>Edit Master text styles</a:t>
             </a:r>
-            <a:endParaRPr lang="en-US"/>
           </a:p>
           <a:p>
             <a:pPr lvl="1"/>
@@ -431,7 +471,6 @@
               <a:rPr lang="en-US"/>
               <a:t>Second level</a:t>
             </a:r>
-            <a:endParaRPr lang="en-US"/>
           </a:p>
           <a:p>
             <a:pPr lvl="2"/>
@@ -439,7 +478,6 @@
               <a:rPr lang="en-US"/>
               <a:t>Third level</a:t>
             </a:r>
-            <a:endParaRPr lang="en-US"/>
           </a:p>
           <a:p>
             <a:pPr lvl="3"/>
@@ -447,7 +485,6 @@
               <a:rPr lang="en-US"/>
               <a:t>Fourth level</a:t>
             </a:r>
-            <a:endParaRPr lang="en-US"/>
           </a:p>
           <a:p>
             <a:pPr lvl="4"/>
@@ -455,7 +492,6 @@
               <a:rPr lang="en-US"/>
               <a:t>Fifth level</a:t>
             </a:r>
-            <a:endParaRPr lang="en-US"/>
           </a:p>
         </p:txBody>
       </p:sp>
@@ -519,6 +555,7 @@
           <a:p>
             <a:fld id="{FEC4ED2C-DC4C-4AFD-8B22-623D9727471E}" type="slidenum">
               <a:rPr lang="en-US" smtClean="0"/>
+              <a:t>‹#›</a:t>
             </a:fld>
             <a:endParaRPr lang="en-US"/>
           </a:p>
@@ -687,6 +724,7 @@
           <a:p>
             <a:fld id="{FEC4ED2C-DC4C-4AFD-8B22-623D9727471E}" type="slidenum">
               <a:rPr lang="en-US" smtClean="0"/>
+              <a:t>1</a:t>
             </a:fld>
             <a:endParaRPr lang="en-US"/>
           </a:p>
@@ -744,7 +782,92 @@
           <a:bodyPr/>
           <a:lstStyle/>
           <a:p>
-            <a:endParaRPr lang="en-US" dirty="0"/>
+            <a:r>
+              <a:rPr lang="en-US" sz="1000" b="0" i="0" kern="1200" dirty="0" smtClean="0">
+                <a:solidFill>
+                  <a:schemeClr val="tx1"/>
+                </a:solidFill>
+                <a:effectLst/>
+                <a:latin typeface="+mn-lt"/>
+                <a:ea typeface="+mn-ea"/>
+                <a:cs typeface="+mn-cs"/>
+              </a:rPr>
+              <a:t>Advantage;</a:t>
+            </a:r>
+          </a:p>
+          <a:p>
+            <a:r>
+              <a:rPr lang="en-US" sz="1200" b="1" i="0" kern="1200" dirty="0" smtClean="0">
+                <a:solidFill>
+                  <a:schemeClr val="tx1"/>
+                </a:solidFill>
+                <a:effectLst/>
+                <a:latin typeface="+mn-lt"/>
+                <a:ea typeface="+mn-ea"/>
+                <a:cs typeface="+mn-cs"/>
+              </a:rPr>
+              <a:t>Thread Creation, Thread Management, Task submission and execution</a:t>
+            </a:r>
+            <a:endParaRPr lang="en-US" sz="1000" b="0" i="0" kern="1200" dirty="0" smtClean="0">
+              <a:solidFill>
+                <a:schemeClr val="tx1"/>
+              </a:solidFill>
+              <a:effectLst/>
+              <a:latin typeface="+mn-lt"/>
+              <a:ea typeface="+mn-ea"/>
+              <a:cs typeface="+mn-cs"/>
+            </a:endParaRPr>
+          </a:p>
+          <a:p>
+            <a:r>
+              <a:rPr lang="en-US" sz="1000" b="0" i="0" kern="1200" dirty="0" smtClean="0">
+                <a:solidFill>
+                  <a:schemeClr val="tx1"/>
+                </a:solidFill>
+                <a:effectLst/>
+                <a:latin typeface="+mn-lt"/>
+                <a:ea typeface="+mn-ea"/>
+                <a:cs typeface="+mn-cs"/>
+              </a:rPr>
+              <a:t>shutdown() </a:t>
+            </a:r>
+          </a:p>
+          <a:p>
+            <a:r>
+              <a:rPr lang="en-US" sz="1000" b="0" i="0" kern="1200" dirty="0" err="1" smtClean="0">
+                <a:solidFill>
+                  <a:schemeClr val="tx1"/>
+                </a:solidFill>
+                <a:effectLst/>
+                <a:latin typeface="+mn-lt"/>
+                <a:ea typeface="+mn-ea"/>
+                <a:cs typeface="+mn-cs"/>
+              </a:rPr>
+              <a:t>shutdownNow</a:t>
+            </a:r>
+            <a:r>
+              <a:rPr lang="en-US" sz="1000" b="0" i="0" kern="1200" dirty="0" smtClean="0">
+                <a:solidFill>
+                  <a:schemeClr val="tx1"/>
+                </a:solidFill>
+                <a:effectLst/>
+                <a:latin typeface="+mn-lt"/>
+                <a:ea typeface="+mn-ea"/>
+                <a:cs typeface="+mn-cs"/>
+              </a:rPr>
+              <a:t>() </a:t>
+            </a:r>
+          </a:p>
+          <a:p>
+            <a:endParaRPr lang="en-US" sz="1000" b="0" i="0" kern="1200" dirty="0" smtClean="0">
+              <a:solidFill>
+                <a:schemeClr val="tx1"/>
+              </a:solidFill>
+              <a:effectLst/>
+              <a:latin typeface="+mn-lt"/>
+              <a:ea typeface="+mn-ea"/>
+              <a:cs typeface="+mn-cs"/>
+            </a:endParaRPr>
           </a:p>
         </p:txBody>
       </p:sp>
@@ -765,168 +888,18 @@
           <a:p>
             <a:fld id="{FEC4ED2C-DC4C-4AFD-8B22-623D9727471E}" type="slidenum">
               <a:rPr lang="en-US" smtClean="0"/>
+              <a:t>3</a:t>
             </a:fld>
             <a:endParaRPr lang="en-US"/>
           </a:p>
         </p:txBody>
       </p:sp>
     </p:spTree>
-  </p:cSld>
-  <p:clrMapOvr>
-    <a:masterClrMapping/>
-  </p:clrMapOvr>
-</p:notes>
-</file>
-
-<file path=ppt/notesSlides/notesSlide3.xml><?xml version="1.0" encoding="utf-8"?>
-<p:notes xmlns:a="http://schemas.openxmlformats.org/drawingml/2006/main" xmlns:r="http://schemas.openxmlformats.org/officeDocument/2006/relationships" xmlns:p="http://schemas.openxmlformats.org/presentationml/2006/main">
-  <p:cSld>
-    <p:spTree>
-      <p:nvGrpSpPr>
-        <p:cNvPr id="1" name=""/>
-        <p:cNvGrpSpPr/>
-        <p:nvPr/>
-      </p:nvGrpSpPr>
-      <p:grpSpPr>
-        <a:xfrm>
-          <a:off x="0" y="0"/>
-          <a:ext cx="0" cy="0"/>
-          <a:chOff x="0" y="0"/>
-          <a:chExt cx="0" cy="0"/>
-        </a:xfrm>
-      </p:grpSpPr>
-      <p:sp>
-        <p:nvSpPr>
-          <p:cNvPr id="2" name="Slide Image Placeholder 1"/>
-          <p:cNvSpPr>
-            <a:spLocks noGrp="1" noRot="1" noChangeAspect="1"/>
-          </p:cNvSpPr>
-          <p:nvPr>
-            <p:ph type="sldImg"/>
-          </p:nvPr>
-        </p:nvSpPr>
-        <p:spPr/>
-      </p:sp>
-      <p:sp>
-        <p:nvSpPr>
-          <p:cNvPr id="3" name="Notes Placeholder 2"/>
-          <p:cNvSpPr>
-            <a:spLocks noGrp="1"/>
-          </p:cNvSpPr>
-          <p:nvPr>
-            <p:ph type="body" idx="1"/>
-          </p:nvPr>
-        </p:nvSpPr>
-        <p:spPr/>
-        <p:txBody>
-          <a:bodyPr/>
-          <a:lstStyle/>
-          <a:p>
-            <a:endParaRPr lang="en-US" dirty="0"/>
-          </a:p>
-        </p:txBody>
-      </p:sp>
-      <p:sp>
-        <p:nvSpPr>
-          <p:cNvPr id="4" name="Slide Number Placeholder 3"/>
-          <p:cNvSpPr>
-            <a:spLocks noGrp="1"/>
-          </p:cNvSpPr>
-          <p:nvPr>
-            <p:ph type="sldNum" sz="quarter" idx="10"/>
-          </p:nvPr>
-        </p:nvSpPr>
-        <p:spPr/>
-        <p:txBody>
-          <a:bodyPr/>
-          <a:lstStyle/>
-          <a:p>
-            <a:fld id="{FEC4ED2C-DC4C-4AFD-8B22-623D9727471E}" type="slidenum">
-              <a:rPr lang="en-US" smtClean="0"/>
-            </a:fld>
-            <a:endParaRPr lang="en-US"/>
-          </a:p>
-        </p:txBody>
-      </p:sp>
-    </p:spTree>
-  </p:cSld>
-  <p:clrMapOvr>
-    <a:masterClrMapping/>
-  </p:clrMapOvr>
-</p:notes>
-</file>
-
-<file path=ppt/notesSlides/notesSlide4.xml><?xml version="1.0" encoding="utf-8"?>
-<p:notes xmlns:a="http://schemas.openxmlformats.org/drawingml/2006/main" xmlns:r="http://schemas.openxmlformats.org/officeDocument/2006/relationships" xmlns:p="http://schemas.openxmlformats.org/presentationml/2006/main">
-  <p:cSld>
-    <p:spTree>
-      <p:nvGrpSpPr>
-        <p:cNvPr id="1" name=""/>
-        <p:cNvGrpSpPr/>
-        <p:nvPr/>
-      </p:nvGrpSpPr>
-      <p:grpSpPr>
-        <a:xfrm>
-          <a:off x="0" y="0"/>
-          <a:ext cx="0" cy="0"/>
-          <a:chOff x="0" y="0"/>
-          <a:chExt cx="0" cy="0"/>
-        </a:xfrm>
-      </p:grpSpPr>
-      <p:sp>
-        <p:nvSpPr>
-          <p:cNvPr id="2" name="Slide Image Placeholder 1"/>
-          <p:cNvSpPr>
-            <a:spLocks noGrp="1" noRot="1" noChangeAspect="1"/>
-          </p:cNvSpPr>
-          <p:nvPr>
-            <p:ph type="sldImg"/>
-          </p:nvPr>
-        </p:nvSpPr>
-        <p:spPr/>
-      </p:sp>
-      <p:sp>
-        <p:nvSpPr>
-          <p:cNvPr id="3" name="Notes Placeholder 2"/>
-          <p:cNvSpPr>
-            <a:spLocks noGrp="1"/>
-          </p:cNvSpPr>
-          <p:nvPr>
-            <p:ph type="body" idx="1"/>
-          </p:nvPr>
-        </p:nvSpPr>
-        <p:spPr/>
-        <p:txBody>
-          <a:bodyPr/>
-          <a:lstStyle/>
-          <a:p>
-            <a:endParaRPr lang="en-US" dirty="0"/>
-          </a:p>
-        </p:txBody>
-      </p:sp>
-      <p:sp>
-        <p:nvSpPr>
-          <p:cNvPr id="4" name="Slide Number Placeholder 3"/>
-          <p:cNvSpPr>
-            <a:spLocks noGrp="1"/>
-          </p:cNvSpPr>
-          <p:nvPr>
-            <p:ph type="sldNum" sz="quarter" idx="10"/>
-          </p:nvPr>
-        </p:nvSpPr>
-        <p:spPr/>
-        <p:txBody>
-          <a:bodyPr/>
-          <a:lstStyle/>
-          <a:p>
-            <a:fld id="{FEC4ED2C-DC4C-4AFD-8B22-623D9727471E}" type="slidenum">
-              <a:rPr lang="en-US" smtClean="0"/>
-            </a:fld>
-            <a:endParaRPr lang="en-US"/>
-          </a:p>
-        </p:txBody>
-      </p:sp>
-    </p:spTree>
+    <p:extLst>
+      <p:ext uri="{BB962C8B-B14F-4D97-AF65-F5344CB8AC3E}">
+        <p14:creationId xmlns:p14="http://schemas.microsoft.com/office/powerpoint/2010/main" val="875483266"/>
+      </p:ext>
+    </p:extLst>
   </p:cSld>
   <p:clrMapOvr>
     <a:masterClrMapping/>
@@ -998,7 +971,6 @@
               <a:rPr lang="en-US" dirty="0"/>
               <a:t>Edit Master text styles</a:t>
             </a:r>
-            <a:endParaRPr lang="en-US" dirty="0"/>
           </a:p>
         </p:txBody>
       </p:sp>
@@ -1039,7 +1011,6 @@
               <a:rPr lang="en-US" dirty="0"/>
               <a:t>Edit Master text styles</a:t>
             </a:r>
-            <a:endParaRPr lang="en-US" dirty="0"/>
           </a:p>
         </p:txBody>
       </p:sp>
@@ -1214,7 +1185,6 @@
               <a:rPr lang="en-US" dirty="0"/>
               <a:t>Edit Master text styles</a:t>
             </a:r>
-            <a:endParaRPr lang="en-US" dirty="0"/>
           </a:p>
         </p:txBody>
       </p:sp>
@@ -1270,7 +1240,6 @@
               <a:rPr lang="en-US" dirty="0"/>
               <a:t>Edit Master text styles</a:t>
             </a:r>
-            <a:endParaRPr lang="en-US" dirty="0"/>
           </a:p>
           <a:p>
             <a:pPr lvl="1"/>
@@ -1278,7 +1247,6 @@
               <a:rPr lang="en-US" dirty="0"/>
               <a:t>Second level</a:t>
             </a:r>
-            <a:endParaRPr lang="en-US" dirty="0"/>
           </a:p>
         </p:txBody>
       </p:sp>
@@ -1403,7 +1371,6 @@
               <a:rPr lang="en-US" dirty="0"/>
               <a:t>Edit Master text styles</a:t>
             </a:r>
-            <a:endParaRPr lang="en-US" dirty="0"/>
           </a:p>
         </p:txBody>
       </p:sp>
@@ -1576,7 +1543,6 @@
               <a:rPr lang="en-US" dirty="0"/>
               <a:t>Click to edit Master title style</a:t>
             </a:r>
-            <a:endParaRPr lang="en-US" dirty="0"/>
           </a:p>
         </p:txBody>
       </p:sp>
@@ -1622,7 +1588,6 @@
               <a:rPr lang="en-US" dirty="0"/>
               <a:t>Edit Master text styles</a:t>
             </a:r>
-            <a:endParaRPr lang="en-US" dirty="0"/>
           </a:p>
         </p:txBody>
       </p:sp>
@@ -1657,7 +1622,6 @@
               <a:rPr lang="en-US" dirty="0"/>
               <a:t>Insert Picture &gt; Send to Back</a:t>
             </a:r>
-            <a:endParaRPr lang="en-US" dirty="0"/>
           </a:p>
         </p:txBody>
       </p:sp>
@@ -1700,7 +1664,7 @@
           <p:nvPr userDrawn="1"/>
         </p:nvPicPr>
         <p:blipFill>
-          <a:blip r:embed="rId5" cstate="print">
+          <a:blip r:embed="rId6" cstate="print">
             <a:extLst>
               <a:ext uri="{28A0092B-C50C-407E-A947-70E740481C1C}">
                 <a14:useLocalDpi xmlns:a14="http://schemas.microsoft.com/office/drawing/2010/main" val="0"/>
@@ -2096,6 +2060,1378 @@
 </p:sld>
 </file>
 
+<file path=ppt/slides/slide10.xml><?xml version="1.0" encoding="utf-8"?>
+<p:sld xmlns:a="http://schemas.openxmlformats.org/drawingml/2006/main" xmlns:r="http://schemas.openxmlformats.org/officeDocument/2006/relationships" xmlns:p="http://schemas.openxmlformats.org/presentationml/2006/main">
+  <p:cSld>
+    <p:spTree>
+      <p:nvGrpSpPr>
+        <p:cNvPr id="1" name=""/>
+        <p:cNvGrpSpPr/>
+        <p:nvPr/>
+      </p:nvGrpSpPr>
+      <p:grpSpPr>
+        <a:xfrm>
+          <a:off x="0" y="0"/>
+          <a:ext cx="0" cy="0"/>
+          <a:chOff x="0" y="0"/>
+          <a:chExt cx="0" cy="0"/>
+        </a:xfrm>
+      </p:grpSpPr>
+      <p:sp>
+        <p:nvSpPr>
+          <p:cNvPr id="12" name="Content Placeholder 1"/>
+          <p:cNvSpPr txBox="1">
+            <a:spLocks/>
+          </p:cNvSpPr>
+          <p:nvPr/>
+        </p:nvSpPr>
+        <p:spPr>
+          <a:xfrm>
+            <a:off x="838199" y="685801"/>
+            <a:ext cx="9372601" cy="457200"/>
+          </a:xfrm>
+          <a:prstGeom prst="rect">
+            <a:avLst/>
+          </a:prstGeom>
+        </p:spPr>
+        <p:txBody>
+          <a:bodyPr/>
+          <a:lstStyle>
+            <a:lvl1pPr marL="0" indent="0" algn="l" defTabSz="914400" rtl="0" eaLnBrk="1" latinLnBrk="0" hangingPunct="1">
+              <a:lnSpc>
+                <a:spcPct val="90000"/>
+              </a:lnSpc>
+              <a:spcBef>
+                <a:spcPts val="1000"/>
+              </a:spcBef>
+              <a:buFont typeface="Arial" panose="020B0604020202020204" pitchFamily="34" charset="0"/>
+              <a:buNone/>
+              <a:defRPr sz="2800" b="1" i="0" kern="1200" baseline="0">
+                <a:solidFill>
+                  <a:schemeClr val="tx1"/>
+                </a:solidFill>
+                <a:latin typeface="+mn-lt"/>
+                <a:ea typeface="+mn-ea"/>
+                <a:cs typeface="+mn-cs"/>
+              </a:defRPr>
+            </a:lvl1pPr>
+            <a:lvl2pPr marL="685800" indent="-228600" algn="l" defTabSz="914400" rtl="0" eaLnBrk="1" latinLnBrk="0" hangingPunct="1">
+              <a:lnSpc>
+                <a:spcPct val="90000"/>
+              </a:lnSpc>
+              <a:spcBef>
+                <a:spcPts val="500"/>
+              </a:spcBef>
+              <a:buFont typeface="Arial" panose="020B0604020202020204" pitchFamily="34" charset="0"/>
+              <a:buChar char="•"/>
+              <a:defRPr sz="2400" kern="1200">
+                <a:solidFill>
+                  <a:schemeClr val="tx1"/>
+                </a:solidFill>
+                <a:latin typeface="+mn-lt"/>
+                <a:ea typeface="+mn-ea"/>
+                <a:cs typeface="+mn-cs"/>
+              </a:defRPr>
+            </a:lvl2pPr>
+            <a:lvl3pPr marL="1143000" indent="-228600" algn="l" defTabSz="914400" rtl="0" eaLnBrk="1" latinLnBrk="0" hangingPunct="1">
+              <a:lnSpc>
+                <a:spcPct val="90000"/>
+              </a:lnSpc>
+              <a:spcBef>
+                <a:spcPts val="500"/>
+              </a:spcBef>
+              <a:buFont typeface="Arial" panose="020B0604020202020204" pitchFamily="34" charset="0"/>
+              <a:buChar char="•"/>
+              <a:defRPr sz="2000" kern="1200">
+                <a:solidFill>
+                  <a:schemeClr val="tx1"/>
+                </a:solidFill>
+                <a:latin typeface="+mn-lt"/>
+                <a:ea typeface="+mn-ea"/>
+                <a:cs typeface="+mn-cs"/>
+              </a:defRPr>
+            </a:lvl3pPr>
+            <a:lvl4pPr marL="1600200" indent="-228600" algn="l" defTabSz="914400" rtl="0" eaLnBrk="1" latinLnBrk="0" hangingPunct="1">
+              <a:lnSpc>
+                <a:spcPct val="90000"/>
+              </a:lnSpc>
+              <a:spcBef>
+                <a:spcPts val="500"/>
+              </a:spcBef>
+              <a:buFont typeface="Arial" panose="020B0604020202020204" pitchFamily="34" charset="0"/>
+              <a:buChar char="•"/>
+              <a:defRPr sz="1800" kern="1200">
+                <a:solidFill>
+                  <a:schemeClr val="tx1"/>
+                </a:solidFill>
+                <a:latin typeface="+mn-lt"/>
+                <a:ea typeface="+mn-ea"/>
+                <a:cs typeface="+mn-cs"/>
+              </a:defRPr>
+            </a:lvl4pPr>
+            <a:lvl5pPr marL="2057400" indent="-228600" algn="l" defTabSz="914400" rtl="0" eaLnBrk="1" latinLnBrk="0" hangingPunct="1">
+              <a:lnSpc>
+                <a:spcPct val="90000"/>
+              </a:lnSpc>
+              <a:spcBef>
+                <a:spcPts val="500"/>
+              </a:spcBef>
+              <a:buFont typeface="Arial" panose="020B0604020202020204" pitchFamily="34" charset="0"/>
+              <a:buChar char="•"/>
+              <a:defRPr sz="1800" kern="1200">
+                <a:solidFill>
+                  <a:schemeClr val="tx1"/>
+                </a:solidFill>
+                <a:latin typeface="+mn-lt"/>
+                <a:ea typeface="+mn-ea"/>
+                <a:cs typeface="+mn-cs"/>
+              </a:defRPr>
+            </a:lvl5pPr>
+            <a:lvl6pPr marL="2514600" indent="-228600" algn="l" defTabSz="914400" rtl="0" eaLnBrk="1" latinLnBrk="0" hangingPunct="1">
+              <a:lnSpc>
+                <a:spcPct val="90000"/>
+              </a:lnSpc>
+              <a:spcBef>
+                <a:spcPts val="500"/>
+              </a:spcBef>
+              <a:buFont typeface="Arial" panose="020B0604020202020204" pitchFamily="34" charset="0"/>
+              <a:buChar char="•"/>
+              <a:defRPr sz="1800" kern="1200">
+                <a:solidFill>
+                  <a:schemeClr val="tx1"/>
+                </a:solidFill>
+                <a:latin typeface="+mn-lt"/>
+                <a:ea typeface="+mn-ea"/>
+                <a:cs typeface="+mn-cs"/>
+              </a:defRPr>
+            </a:lvl6pPr>
+            <a:lvl7pPr marL="2971800" indent="-228600" algn="l" defTabSz="914400" rtl="0" eaLnBrk="1" latinLnBrk="0" hangingPunct="1">
+              <a:lnSpc>
+                <a:spcPct val="90000"/>
+              </a:lnSpc>
+              <a:spcBef>
+                <a:spcPts val="500"/>
+              </a:spcBef>
+              <a:buFont typeface="Arial" panose="020B0604020202020204" pitchFamily="34" charset="0"/>
+              <a:buChar char="•"/>
+              <a:defRPr sz="1800" kern="1200">
+                <a:solidFill>
+                  <a:schemeClr val="tx1"/>
+                </a:solidFill>
+                <a:latin typeface="+mn-lt"/>
+                <a:ea typeface="+mn-ea"/>
+                <a:cs typeface="+mn-cs"/>
+              </a:defRPr>
+            </a:lvl7pPr>
+            <a:lvl8pPr marL="3429000" indent="-228600" algn="l" defTabSz="914400" rtl="0" eaLnBrk="1" latinLnBrk="0" hangingPunct="1">
+              <a:lnSpc>
+                <a:spcPct val="90000"/>
+              </a:lnSpc>
+              <a:spcBef>
+                <a:spcPts val="500"/>
+              </a:spcBef>
+              <a:buFont typeface="Arial" panose="020B0604020202020204" pitchFamily="34" charset="0"/>
+              <a:buChar char="•"/>
+              <a:defRPr sz="1800" kern="1200">
+                <a:solidFill>
+                  <a:schemeClr val="tx1"/>
+                </a:solidFill>
+                <a:latin typeface="+mn-lt"/>
+                <a:ea typeface="+mn-ea"/>
+                <a:cs typeface="+mn-cs"/>
+              </a:defRPr>
+            </a:lvl8pPr>
+            <a:lvl9pPr marL="3886200" indent="-228600" algn="l" defTabSz="914400" rtl="0" eaLnBrk="1" latinLnBrk="0" hangingPunct="1">
+              <a:lnSpc>
+                <a:spcPct val="90000"/>
+              </a:lnSpc>
+              <a:spcBef>
+                <a:spcPts val="500"/>
+              </a:spcBef>
+              <a:buFont typeface="Arial" panose="020B0604020202020204" pitchFamily="34" charset="0"/>
+              <a:buChar char="•"/>
+              <a:defRPr sz="1800" kern="1200">
+                <a:solidFill>
+                  <a:schemeClr val="tx1"/>
+                </a:solidFill>
+                <a:latin typeface="+mn-lt"/>
+                <a:ea typeface="+mn-ea"/>
+                <a:cs typeface="+mn-cs"/>
+              </a:defRPr>
+            </a:lvl9pPr>
+          </a:lstStyle>
+          <a:p>
+            <a:r>
+              <a:rPr lang="en-US" dirty="0" smtClean="0"/>
+              <a:t>SUPPLYASYNC, THENAPPLY, THENAPPLYASYNC </a:t>
+            </a:r>
+            <a:endParaRPr lang="en-US" dirty="0"/>
+          </a:p>
+        </p:txBody>
+      </p:sp>
+      <p:pic>
+        <p:nvPicPr>
+          <p:cNvPr id="15" name="Picture 14"/>
+          <p:cNvPicPr>
+            <a:picLocks noChangeAspect="1"/>
+          </p:cNvPicPr>
+          <p:nvPr/>
+        </p:nvPicPr>
+        <p:blipFill>
+          <a:blip r:embed="rId2"/>
+          <a:stretch>
+            <a:fillRect/>
+          </a:stretch>
+        </p:blipFill>
+        <p:spPr>
+          <a:xfrm>
+            <a:off x="838199" y="2057400"/>
+            <a:ext cx="7658100" cy="2311400"/>
+          </a:xfrm>
+          <a:prstGeom prst="rect">
+            <a:avLst/>
+          </a:prstGeom>
+        </p:spPr>
+      </p:pic>
+    </p:spTree>
+    <p:extLst>
+      <p:ext uri="{BB962C8B-B14F-4D97-AF65-F5344CB8AC3E}">
+        <p14:creationId xmlns:p14="http://schemas.microsoft.com/office/powerpoint/2010/main" val="1643875755"/>
+      </p:ext>
+    </p:extLst>
+  </p:cSld>
+  <p:clrMapOvr>
+    <a:masterClrMapping/>
+  </p:clrMapOvr>
+</p:sld>
+</file>
+
+<file path=ppt/slides/slide11.xml><?xml version="1.0" encoding="utf-8"?>
+<p:sld xmlns:a="http://schemas.openxmlformats.org/drawingml/2006/main" xmlns:r="http://schemas.openxmlformats.org/officeDocument/2006/relationships" xmlns:p="http://schemas.openxmlformats.org/presentationml/2006/main">
+  <p:cSld>
+    <p:spTree>
+      <p:nvGrpSpPr>
+        <p:cNvPr id="1" name=""/>
+        <p:cNvGrpSpPr/>
+        <p:nvPr/>
+      </p:nvGrpSpPr>
+      <p:grpSpPr>
+        <a:xfrm>
+          <a:off x="0" y="0"/>
+          <a:ext cx="0" cy="0"/>
+          <a:chOff x="0" y="0"/>
+          <a:chExt cx="0" cy="0"/>
+        </a:xfrm>
+      </p:grpSpPr>
+      <p:sp>
+        <p:nvSpPr>
+          <p:cNvPr id="12" name="Content Placeholder 1"/>
+          <p:cNvSpPr txBox="1">
+            <a:spLocks/>
+          </p:cNvSpPr>
+          <p:nvPr/>
+        </p:nvSpPr>
+        <p:spPr>
+          <a:xfrm>
+            <a:off x="838199" y="685801"/>
+            <a:ext cx="6934201" cy="457200"/>
+          </a:xfrm>
+          <a:prstGeom prst="rect">
+            <a:avLst/>
+          </a:prstGeom>
+        </p:spPr>
+        <p:txBody>
+          <a:bodyPr/>
+          <a:lstStyle>
+            <a:lvl1pPr marL="0" indent="0" algn="l" defTabSz="914400" rtl="0" eaLnBrk="1" latinLnBrk="0" hangingPunct="1">
+              <a:lnSpc>
+                <a:spcPct val="90000"/>
+              </a:lnSpc>
+              <a:spcBef>
+                <a:spcPts val="1000"/>
+              </a:spcBef>
+              <a:buFont typeface="Arial" panose="020B0604020202020204" pitchFamily="34" charset="0"/>
+              <a:buNone/>
+              <a:defRPr sz="2800" b="1" i="0" kern="1200" baseline="0">
+                <a:solidFill>
+                  <a:schemeClr val="tx1"/>
+                </a:solidFill>
+                <a:latin typeface="+mn-lt"/>
+                <a:ea typeface="+mn-ea"/>
+                <a:cs typeface="+mn-cs"/>
+              </a:defRPr>
+            </a:lvl1pPr>
+            <a:lvl2pPr marL="685800" indent="-228600" algn="l" defTabSz="914400" rtl="0" eaLnBrk="1" latinLnBrk="0" hangingPunct="1">
+              <a:lnSpc>
+                <a:spcPct val="90000"/>
+              </a:lnSpc>
+              <a:spcBef>
+                <a:spcPts val="500"/>
+              </a:spcBef>
+              <a:buFont typeface="Arial" panose="020B0604020202020204" pitchFamily="34" charset="0"/>
+              <a:buChar char="•"/>
+              <a:defRPr sz="2400" kern="1200">
+                <a:solidFill>
+                  <a:schemeClr val="tx1"/>
+                </a:solidFill>
+                <a:latin typeface="+mn-lt"/>
+                <a:ea typeface="+mn-ea"/>
+                <a:cs typeface="+mn-cs"/>
+              </a:defRPr>
+            </a:lvl2pPr>
+            <a:lvl3pPr marL="1143000" indent="-228600" algn="l" defTabSz="914400" rtl="0" eaLnBrk="1" latinLnBrk="0" hangingPunct="1">
+              <a:lnSpc>
+                <a:spcPct val="90000"/>
+              </a:lnSpc>
+              <a:spcBef>
+                <a:spcPts val="500"/>
+              </a:spcBef>
+              <a:buFont typeface="Arial" panose="020B0604020202020204" pitchFamily="34" charset="0"/>
+              <a:buChar char="•"/>
+              <a:defRPr sz="2000" kern="1200">
+                <a:solidFill>
+                  <a:schemeClr val="tx1"/>
+                </a:solidFill>
+                <a:latin typeface="+mn-lt"/>
+                <a:ea typeface="+mn-ea"/>
+                <a:cs typeface="+mn-cs"/>
+              </a:defRPr>
+            </a:lvl3pPr>
+            <a:lvl4pPr marL="1600200" indent="-228600" algn="l" defTabSz="914400" rtl="0" eaLnBrk="1" latinLnBrk="0" hangingPunct="1">
+              <a:lnSpc>
+                <a:spcPct val="90000"/>
+              </a:lnSpc>
+              <a:spcBef>
+                <a:spcPts val="500"/>
+              </a:spcBef>
+              <a:buFont typeface="Arial" panose="020B0604020202020204" pitchFamily="34" charset="0"/>
+              <a:buChar char="•"/>
+              <a:defRPr sz="1800" kern="1200">
+                <a:solidFill>
+                  <a:schemeClr val="tx1"/>
+                </a:solidFill>
+                <a:latin typeface="+mn-lt"/>
+                <a:ea typeface="+mn-ea"/>
+                <a:cs typeface="+mn-cs"/>
+              </a:defRPr>
+            </a:lvl4pPr>
+            <a:lvl5pPr marL="2057400" indent="-228600" algn="l" defTabSz="914400" rtl="0" eaLnBrk="1" latinLnBrk="0" hangingPunct="1">
+              <a:lnSpc>
+                <a:spcPct val="90000"/>
+              </a:lnSpc>
+              <a:spcBef>
+                <a:spcPts val="500"/>
+              </a:spcBef>
+              <a:buFont typeface="Arial" panose="020B0604020202020204" pitchFamily="34" charset="0"/>
+              <a:buChar char="•"/>
+              <a:defRPr sz="1800" kern="1200">
+                <a:solidFill>
+                  <a:schemeClr val="tx1"/>
+                </a:solidFill>
+                <a:latin typeface="+mn-lt"/>
+                <a:ea typeface="+mn-ea"/>
+                <a:cs typeface="+mn-cs"/>
+              </a:defRPr>
+            </a:lvl5pPr>
+            <a:lvl6pPr marL="2514600" indent="-228600" algn="l" defTabSz="914400" rtl="0" eaLnBrk="1" latinLnBrk="0" hangingPunct="1">
+              <a:lnSpc>
+                <a:spcPct val="90000"/>
+              </a:lnSpc>
+              <a:spcBef>
+                <a:spcPts val="500"/>
+              </a:spcBef>
+              <a:buFont typeface="Arial" panose="020B0604020202020204" pitchFamily="34" charset="0"/>
+              <a:buChar char="•"/>
+              <a:defRPr sz="1800" kern="1200">
+                <a:solidFill>
+                  <a:schemeClr val="tx1"/>
+                </a:solidFill>
+                <a:latin typeface="+mn-lt"/>
+                <a:ea typeface="+mn-ea"/>
+                <a:cs typeface="+mn-cs"/>
+              </a:defRPr>
+            </a:lvl6pPr>
+            <a:lvl7pPr marL="2971800" indent="-228600" algn="l" defTabSz="914400" rtl="0" eaLnBrk="1" latinLnBrk="0" hangingPunct="1">
+              <a:lnSpc>
+                <a:spcPct val="90000"/>
+              </a:lnSpc>
+              <a:spcBef>
+                <a:spcPts val="500"/>
+              </a:spcBef>
+              <a:buFont typeface="Arial" panose="020B0604020202020204" pitchFamily="34" charset="0"/>
+              <a:buChar char="•"/>
+              <a:defRPr sz="1800" kern="1200">
+                <a:solidFill>
+                  <a:schemeClr val="tx1"/>
+                </a:solidFill>
+                <a:latin typeface="+mn-lt"/>
+                <a:ea typeface="+mn-ea"/>
+                <a:cs typeface="+mn-cs"/>
+              </a:defRPr>
+            </a:lvl7pPr>
+            <a:lvl8pPr marL="3429000" indent="-228600" algn="l" defTabSz="914400" rtl="0" eaLnBrk="1" latinLnBrk="0" hangingPunct="1">
+              <a:lnSpc>
+                <a:spcPct val="90000"/>
+              </a:lnSpc>
+              <a:spcBef>
+                <a:spcPts val="500"/>
+              </a:spcBef>
+              <a:buFont typeface="Arial" panose="020B0604020202020204" pitchFamily="34" charset="0"/>
+              <a:buChar char="•"/>
+              <a:defRPr sz="1800" kern="1200">
+                <a:solidFill>
+                  <a:schemeClr val="tx1"/>
+                </a:solidFill>
+                <a:latin typeface="+mn-lt"/>
+                <a:ea typeface="+mn-ea"/>
+                <a:cs typeface="+mn-cs"/>
+              </a:defRPr>
+            </a:lvl8pPr>
+            <a:lvl9pPr marL="3886200" indent="-228600" algn="l" defTabSz="914400" rtl="0" eaLnBrk="1" latinLnBrk="0" hangingPunct="1">
+              <a:lnSpc>
+                <a:spcPct val="90000"/>
+              </a:lnSpc>
+              <a:spcBef>
+                <a:spcPts val="500"/>
+              </a:spcBef>
+              <a:buFont typeface="Arial" panose="020B0604020202020204" pitchFamily="34" charset="0"/>
+              <a:buChar char="•"/>
+              <a:defRPr sz="1800" kern="1200">
+                <a:solidFill>
+                  <a:schemeClr val="tx1"/>
+                </a:solidFill>
+                <a:latin typeface="+mn-lt"/>
+                <a:ea typeface="+mn-ea"/>
+                <a:cs typeface="+mn-cs"/>
+              </a:defRPr>
+            </a:lvl9pPr>
+          </a:lstStyle>
+          <a:p>
+            <a:r>
+              <a:rPr lang="en-US" dirty="0" smtClean="0"/>
+              <a:t>THENACCEPT vs THENRUN</a:t>
+            </a:r>
+            <a:endParaRPr lang="en-US" dirty="0"/>
+          </a:p>
+        </p:txBody>
+      </p:sp>
+      <p:pic>
+        <p:nvPicPr>
+          <p:cNvPr id="9" name="Picture 8"/>
+          <p:cNvPicPr>
+            <a:picLocks noChangeAspect="1"/>
+          </p:cNvPicPr>
+          <p:nvPr/>
+        </p:nvPicPr>
+        <p:blipFill>
+          <a:blip r:embed="rId2"/>
+          <a:stretch>
+            <a:fillRect/>
+          </a:stretch>
+        </p:blipFill>
+        <p:spPr>
+          <a:xfrm>
+            <a:off x="838199" y="1905000"/>
+            <a:ext cx="7340600" cy="1117600"/>
+          </a:xfrm>
+          <a:prstGeom prst="rect">
+            <a:avLst/>
+          </a:prstGeom>
+        </p:spPr>
+      </p:pic>
+      <p:pic>
+        <p:nvPicPr>
+          <p:cNvPr id="10" name="Picture 9"/>
+          <p:cNvPicPr>
+            <a:picLocks noChangeAspect="1"/>
+          </p:cNvPicPr>
+          <p:nvPr/>
+        </p:nvPicPr>
+        <p:blipFill>
+          <a:blip r:embed="rId3"/>
+          <a:stretch>
+            <a:fillRect/>
+          </a:stretch>
+        </p:blipFill>
+        <p:spPr>
+          <a:xfrm>
+            <a:off x="854675" y="3780480"/>
+            <a:ext cx="6515100" cy="1130300"/>
+          </a:xfrm>
+          <a:prstGeom prst="rect">
+            <a:avLst/>
+          </a:prstGeom>
+        </p:spPr>
+      </p:pic>
+    </p:spTree>
+    <p:extLst>
+      <p:ext uri="{BB962C8B-B14F-4D97-AF65-F5344CB8AC3E}">
+        <p14:creationId xmlns:p14="http://schemas.microsoft.com/office/powerpoint/2010/main" val="1302346594"/>
+      </p:ext>
+    </p:extLst>
+  </p:cSld>
+  <p:clrMapOvr>
+    <a:masterClrMapping/>
+  </p:clrMapOvr>
+</p:sld>
+</file>
+
+<file path=ppt/slides/slide12.xml><?xml version="1.0" encoding="utf-8"?>
+<p:sld xmlns:a="http://schemas.openxmlformats.org/drawingml/2006/main" xmlns:r="http://schemas.openxmlformats.org/officeDocument/2006/relationships" xmlns:p="http://schemas.openxmlformats.org/presentationml/2006/main">
+  <p:cSld>
+    <p:spTree>
+      <p:nvGrpSpPr>
+        <p:cNvPr id="1" name=""/>
+        <p:cNvGrpSpPr/>
+        <p:nvPr/>
+      </p:nvGrpSpPr>
+      <p:grpSpPr>
+        <a:xfrm>
+          <a:off x="0" y="0"/>
+          <a:ext cx="0" cy="0"/>
+          <a:chOff x="0" y="0"/>
+          <a:chExt cx="0" cy="0"/>
+        </a:xfrm>
+      </p:grpSpPr>
+      <p:sp>
+        <p:nvSpPr>
+          <p:cNvPr id="12" name="Content Placeholder 1"/>
+          <p:cNvSpPr txBox="1">
+            <a:spLocks/>
+          </p:cNvSpPr>
+          <p:nvPr/>
+        </p:nvSpPr>
+        <p:spPr>
+          <a:xfrm>
+            <a:off x="838199" y="685801"/>
+            <a:ext cx="6934201" cy="457200"/>
+          </a:xfrm>
+          <a:prstGeom prst="rect">
+            <a:avLst/>
+          </a:prstGeom>
+        </p:spPr>
+        <p:txBody>
+          <a:bodyPr/>
+          <a:lstStyle>
+            <a:lvl1pPr marL="0" indent="0" algn="l" defTabSz="914400" rtl="0" eaLnBrk="1" latinLnBrk="0" hangingPunct="1">
+              <a:lnSpc>
+                <a:spcPct val="90000"/>
+              </a:lnSpc>
+              <a:spcBef>
+                <a:spcPts val="1000"/>
+              </a:spcBef>
+              <a:buFont typeface="Arial" panose="020B0604020202020204" pitchFamily="34" charset="0"/>
+              <a:buNone/>
+              <a:defRPr sz="2800" b="1" i="0" kern="1200" baseline="0">
+                <a:solidFill>
+                  <a:schemeClr val="tx1"/>
+                </a:solidFill>
+                <a:latin typeface="+mn-lt"/>
+                <a:ea typeface="+mn-ea"/>
+                <a:cs typeface="+mn-cs"/>
+              </a:defRPr>
+            </a:lvl1pPr>
+            <a:lvl2pPr marL="685800" indent="-228600" algn="l" defTabSz="914400" rtl="0" eaLnBrk="1" latinLnBrk="0" hangingPunct="1">
+              <a:lnSpc>
+                <a:spcPct val="90000"/>
+              </a:lnSpc>
+              <a:spcBef>
+                <a:spcPts val="500"/>
+              </a:spcBef>
+              <a:buFont typeface="Arial" panose="020B0604020202020204" pitchFamily="34" charset="0"/>
+              <a:buChar char="•"/>
+              <a:defRPr sz="2400" kern="1200">
+                <a:solidFill>
+                  <a:schemeClr val="tx1"/>
+                </a:solidFill>
+                <a:latin typeface="+mn-lt"/>
+                <a:ea typeface="+mn-ea"/>
+                <a:cs typeface="+mn-cs"/>
+              </a:defRPr>
+            </a:lvl2pPr>
+            <a:lvl3pPr marL="1143000" indent="-228600" algn="l" defTabSz="914400" rtl="0" eaLnBrk="1" latinLnBrk="0" hangingPunct="1">
+              <a:lnSpc>
+                <a:spcPct val="90000"/>
+              </a:lnSpc>
+              <a:spcBef>
+                <a:spcPts val="500"/>
+              </a:spcBef>
+              <a:buFont typeface="Arial" panose="020B0604020202020204" pitchFamily="34" charset="0"/>
+              <a:buChar char="•"/>
+              <a:defRPr sz="2000" kern="1200">
+                <a:solidFill>
+                  <a:schemeClr val="tx1"/>
+                </a:solidFill>
+                <a:latin typeface="+mn-lt"/>
+                <a:ea typeface="+mn-ea"/>
+                <a:cs typeface="+mn-cs"/>
+              </a:defRPr>
+            </a:lvl3pPr>
+            <a:lvl4pPr marL="1600200" indent="-228600" algn="l" defTabSz="914400" rtl="0" eaLnBrk="1" latinLnBrk="0" hangingPunct="1">
+              <a:lnSpc>
+                <a:spcPct val="90000"/>
+              </a:lnSpc>
+              <a:spcBef>
+                <a:spcPts val="500"/>
+              </a:spcBef>
+              <a:buFont typeface="Arial" panose="020B0604020202020204" pitchFamily="34" charset="0"/>
+              <a:buChar char="•"/>
+              <a:defRPr sz="1800" kern="1200">
+                <a:solidFill>
+                  <a:schemeClr val="tx1"/>
+                </a:solidFill>
+                <a:latin typeface="+mn-lt"/>
+                <a:ea typeface="+mn-ea"/>
+                <a:cs typeface="+mn-cs"/>
+              </a:defRPr>
+            </a:lvl4pPr>
+            <a:lvl5pPr marL="2057400" indent="-228600" algn="l" defTabSz="914400" rtl="0" eaLnBrk="1" latinLnBrk="0" hangingPunct="1">
+              <a:lnSpc>
+                <a:spcPct val="90000"/>
+              </a:lnSpc>
+              <a:spcBef>
+                <a:spcPts val="500"/>
+              </a:spcBef>
+              <a:buFont typeface="Arial" panose="020B0604020202020204" pitchFamily="34" charset="0"/>
+              <a:buChar char="•"/>
+              <a:defRPr sz="1800" kern="1200">
+                <a:solidFill>
+                  <a:schemeClr val="tx1"/>
+                </a:solidFill>
+                <a:latin typeface="+mn-lt"/>
+                <a:ea typeface="+mn-ea"/>
+                <a:cs typeface="+mn-cs"/>
+              </a:defRPr>
+            </a:lvl5pPr>
+            <a:lvl6pPr marL="2514600" indent="-228600" algn="l" defTabSz="914400" rtl="0" eaLnBrk="1" latinLnBrk="0" hangingPunct="1">
+              <a:lnSpc>
+                <a:spcPct val="90000"/>
+              </a:lnSpc>
+              <a:spcBef>
+                <a:spcPts val="500"/>
+              </a:spcBef>
+              <a:buFont typeface="Arial" panose="020B0604020202020204" pitchFamily="34" charset="0"/>
+              <a:buChar char="•"/>
+              <a:defRPr sz="1800" kern="1200">
+                <a:solidFill>
+                  <a:schemeClr val="tx1"/>
+                </a:solidFill>
+                <a:latin typeface="+mn-lt"/>
+                <a:ea typeface="+mn-ea"/>
+                <a:cs typeface="+mn-cs"/>
+              </a:defRPr>
+            </a:lvl6pPr>
+            <a:lvl7pPr marL="2971800" indent="-228600" algn="l" defTabSz="914400" rtl="0" eaLnBrk="1" latinLnBrk="0" hangingPunct="1">
+              <a:lnSpc>
+                <a:spcPct val="90000"/>
+              </a:lnSpc>
+              <a:spcBef>
+                <a:spcPts val="500"/>
+              </a:spcBef>
+              <a:buFont typeface="Arial" panose="020B0604020202020204" pitchFamily="34" charset="0"/>
+              <a:buChar char="•"/>
+              <a:defRPr sz="1800" kern="1200">
+                <a:solidFill>
+                  <a:schemeClr val="tx1"/>
+                </a:solidFill>
+                <a:latin typeface="+mn-lt"/>
+                <a:ea typeface="+mn-ea"/>
+                <a:cs typeface="+mn-cs"/>
+              </a:defRPr>
+            </a:lvl7pPr>
+            <a:lvl8pPr marL="3429000" indent="-228600" algn="l" defTabSz="914400" rtl="0" eaLnBrk="1" latinLnBrk="0" hangingPunct="1">
+              <a:lnSpc>
+                <a:spcPct val="90000"/>
+              </a:lnSpc>
+              <a:spcBef>
+                <a:spcPts val="500"/>
+              </a:spcBef>
+              <a:buFont typeface="Arial" panose="020B0604020202020204" pitchFamily="34" charset="0"/>
+              <a:buChar char="•"/>
+              <a:defRPr sz="1800" kern="1200">
+                <a:solidFill>
+                  <a:schemeClr val="tx1"/>
+                </a:solidFill>
+                <a:latin typeface="+mn-lt"/>
+                <a:ea typeface="+mn-ea"/>
+                <a:cs typeface="+mn-cs"/>
+              </a:defRPr>
+            </a:lvl8pPr>
+            <a:lvl9pPr marL="3886200" indent="-228600" algn="l" defTabSz="914400" rtl="0" eaLnBrk="1" latinLnBrk="0" hangingPunct="1">
+              <a:lnSpc>
+                <a:spcPct val="90000"/>
+              </a:lnSpc>
+              <a:spcBef>
+                <a:spcPts val="500"/>
+              </a:spcBef>
+              <a:buFont typeface="Arial" panose="020B0604020202020204" pitchFamily="34" charset="0"/>
+              <a:buChar char="•"/>
+              <a:defRPr sz="1800" kern="1200">
+                <a:solidFill>
+                  <a:schemeClr val="tx1"/>
+                </a:solidFill>
+                <a:latin typeface="+mn-lt"/>
+                <a:ea typeface="+mn-ea"/>
+                <a:cs typeface="+mn-cs"/>
+              </a:defRPr>
+            </a:lvl9pPr>
+          </a:lstStyle>
+          <a:p>
+            <a:r>
+              <a:rPr lang="en-US" dirty="0" smtClean="0"/>
+              <a:t>ALLOF/ANYOF</a:t>
+            </a:r>
+            <a:endParaRPr lang="en-US" dirty="0"/>
+          </a:p>
+        </p:txBody>
+      </p:sp>
+      <p:pic>
+        <p:nvPicPr>
+          <p:cNvPr id="2" name="Picture 1"/>
+          <p:cNvPicPr>
+            <a:picLocks noChangeAspect="1"/>
+          </p:cNvPicPr>
+          <p:nvPr/>
+        </p:nvPicPr>
+        <p:blipFill>
+          <a:blip r:embed="rId2"/>
+          <a:stretch>
+            <a:fillRect/>
+          </a:stretch>
+        </p:blipFill>
+        <p:spPr>
+          <a:xfrm>
+            <a:off x="801129" y="1371600"/>
+            <a:ext cx="10591800" cy="4495800"/>
+          </a:xfrm>
+          <a:prstGeom prst="rect">
+            <a:avLst/>
+          </a:prstGeom>
+        </p:spPr>
+      </p:pic>
+      <p:pic>
+        <p:nvPicPr>
+          <p:cNvPr id="9" name="Picture 8"/>
+          <p:cNvPicPr>
+            <a:picLocks noChangeAspect="1"/>
+          </p:cNvPicPr>
+          <p:nvPr/>
+        </p:nvPicPr>
+        <p:blipFill>
+          <a:blip r:embed="rId2"/>
+          <a:stretch>
+            <a:fillRect/>
+          </a:stretch>
+        </p:blipFill>
+        <p:spPr>
+          <a:xfrm>
+            <a:off x="953529" y="1524000"/>
+            <a:ext cx="10591800" cy="4495800"/>
+          </a:xfrm>
+          <a:prstGeom prst="rect">
+            <a:avLst/>
+          </a:prstGeom>
+        </p:spPr>
+      </p:pic>
+      <p:pic>
+        <p:nvPicPr>
+          <p:cNvPr id="10" name="Picture 9"/>
+          <p:cNvPicPr>
+            <a:picLocks noChangeAspect="1"/>
+          </p:cNvPicPr>
+          <p:nvPr/>
+        </p:nvPicPr>
+        <p:blipFill>
+          <a:blip r:embed="rId2"/>
+          <a:stretch>
+            <a:fillRect/>
+          </a:stretch>
+        </p:blipFill>
+        <p:spPr>
+          <a:xfrm>
+            <a:off x="1105929" y="1676400"/>
+            <a:ext cx="10591800" cy="4495800"/>
+          </a:xfrm>
+          <a:prstGeom prst="rect">
+            <a:avLst/>
+          </a:prstGeom>
+        </p:spPr>
+      </p:pic>
+    </p:spTree>
+    <p:extLst>
+      <p:ext uri="{BB962C8B-B14F-4D97-AF65-F5344CB8AC3E}">
+        <p14:creationId xmlns:p14="http://schemas.microsoft.com/office/powerpoint/2010/main" val="1686201678"/>
+      </p:ext>
+    </p:extLst>
+  </p:cSld>
+  <p:clrMapOvr>
+    <a:masterClrMapping/>
+  </p:clrMapOvr>
+</p:sld>
+</file>
+
+<file path=ppt/slides/slide13.xml><?xml version="1.0" encoding="utf-8"?>
+<p:sld xmlns:a="http://schemas.openxmlformats.org/drawingml/2006/main" xmlns:r="http://schemas.openxmlformats.org/officeDocument/2006/relationships" xmlns:p="http://schemas.openxmlformats.org/presentationml/2006/main">
+  <p:cSld>
+    <p:spTree>
+      <p:nvGrpSpPr>
+        <p:cNvPr id="1" name=""/>
+        <p:cNvGrpSpPr/>
+        <p:nvPr/>
+      </p:nvGrpSpPr>
+      <p:grpSpPr>
+        <a:xfrm>
+          <a:off x="0" y="0"/>
+          <a:ext cx="0" cy="0"/>
+          <a:chOff x="0" y="0"/>
+          <a:chExt cx="0" cy="0"/>
+        </a:xfrm>
+      </p:grpSpPr>
+      <p:sp>
+        <p:nvSpPr>
+          <p:cNvPr id="12" name="Content Placeholder 1"/>
+          <p:cNvSpPr txBox="1">
+            <a:spLocks/>
+          </p:cNvSpPr>
+          <p:nvPr/>
+        </p:nvSpPr>
+        <p:spPr>
+          <a:xfrm>
+            <a:off x="838199" y="685801"/>
+            <a:ext cx="6934201" cy="457200"/>
+          </a:xfrm>
+          <a:prstGeom prst="rect">
+            <a:avLst/>
+          </a:prstGeom>
+        </p:spPr>
+        <p:txBody>
+          <a:bodyPr/>
+          <a:lstStyle>
+            <a:lvl1pPr marL="0" indent="0" algn="l" defTabSz="914400" rtl="0" eaLnBrk="1" latinLnBrk="0" hangingPunct="1">
+              <a:lnSpc>
+                <a:spcPct val="90000"/>
+              </a:lnSpc>
+              <a:spcBef>
+                <a:spcPts val="1000"/>
+              </a:spcBef>
+              <a:buFont typeface="Arial" panose="020B0604020202020204" pitchFamily="34" charset="0"/>
+              <a:buNone/>
+              <a:defRPr sz="2800" b="1" i="0" kern="1200" baseline="0">
+                <a:solidFill>
+                  <a:schemeClr val="tx1"/>
+                </a:solidFill>
+                <a:latin typeface="+mn-lt"/>
+                <a:ea typeface="+mn-ea"/>
+                <a:cs typeface="+mn-cs"/>
+              </a:defRPr>
+            </a:lvl1pPr>
+            <a:lvl2pPr marL="685800" indent="-228600" algn="l" defTabSz="914400" rtl="0" eaLnBrk="1" latinLnBrk="0" hangingPunct="1">
+              <a:lnSpc>
+                <a:spcPct val="90000"/>
+              </a:lnSpc>
+              <a:spcBef>
+                <a:spcPts val="500"/>
+              </a:spcBef>
+              <a:buFont typeface="Arial" panose="020B0604020202020204" pitchFamily="34" charset="0"/>
+              <a:buChar char="•"/>
+              <a:defRPr sz="2400" kern="1200">
+                <a:solidFill>
+                  <a:schemeClr val="tx1"/>
+                </a:solidFill>
+                <a:latin typeface="+mn-lt"/>
+                <a:ea typeface="+mn-ea"/>
+                <a:cs typeface="+mn-cs"/>
+              </a:defRPr>
+            </a:lvl2pPr>
+            <a:lvl3pPr marL="1143000" indent="-228600" algn="l" defTabSz="914400" rtl="0" eaLnBrk="1" latinLnBrk="0" hangingPunct="1">
+              <a:lnSpc>
+                <a:spcPct val="90000"/>
+              </a:lnSpc>
+              <a:spcBef>
+                <a:spcPts val="500"/>
+              </a:spcBef>
+              <a:buFont typeface="Arial" panose="020B0604020202020204" pitchFamily="34" charset="0"/>
+              <a:buChar char="•"/>
+              <a:defRPr sz="2000" kern="1200">
+                <a:solidFill>
+                  <a:schemeClr val="tx1"/>
+                </a:solidFill>
+                <a:latin typeface="+mn-lt"/>
+                <a:ea typeface="+mn-ea"/>
+                <a:cs typeface="+mn-cs"/>
+              </a:defRPr>
+            </a:lvl3pPr>
+            <a:lvl4pPr marL="1600200" indent="-228600" algn="l" defTabSz="914400" rtl="0" eaLnBrk="1" latinLnBrk="0" hangingPunct="1">
+              <a:lnSpc>
+                <a:spcPct val="90000"/>
+              </a:lnSpc>
+              <a:spcBef>
+                <a:spcPts val="500"/>
+              </a:spcBef>
+              <a:buFont typeface="Arial" panose="020B0604020202020204" pitchFamily="34" charset="0"/>
+              <a:buChar char="•"/>
+              <a:defRPr sz="1800" kern="1200">
+                <a:solidFill>
+                  <a:schemeClr val="tx1"/>
+                </a:solidFill>
+                <a:latin typeface="+mn-lt"/>
+                <a:ea typeface="+mn-ea"/>
+                <a:cs typeface="+mn-cs"/>
+              </a:defRPr>
+            </a:lvl4pPr>
+            <a:lvl5pPr marL="2057400" indent="-228600" algn="l" defTabSz="914400" rtl="0" eaLnBrk="1" latinLnBrk="0" hangingPunct="1">
+              <a:lnSpc>
+                <a:spcPct val="90000"/>
+              </a:lnSpc>
+              <a:spcBef>
+                <a:spcPts val="500"/>
+              </a:spcBef>
+              <a:buFont typeface="Arial" panose="020B0604020202020204" pitchFamily="34" charset="0"/>
+              <a:buChar char="•"/>
+              <a:defRPr sz="1800" kern="1200">
+                <a:solidFill>
+                  <a:schemeClr val="tx1"/>
+                </a:solidFill>
+                <a:latin typeface="+mn-lt"/>
+                <a:ea typeface="+mn-ea"/>
+                <a:cs typeface="+mn-cs"/>
+              </a:defRPr>
+            </a:lvl5pPr>
+            <a:lvl6pPr marL="2514600" indent="-228600" algn="l" defTabSz="914400" rtl="0" eaLnBrk="1" latinLnBrk="0" hangingPunct="1">
+              <a:lnSpc>
+                <a:spcPct val="90000"/>
+              </a:lnSpc>
+              <a:spcBef>
+                <a:spcPts val="500"/>
+              </a:spcBef>
+              <a:buFont typeface="Arial" panose="020B0604020202020204" pitchFamily="34" charset="0"/>
+              <a:buChar char="•"/>
+              <a:defRPr sz="1800" kern="1200">
+                <a:solidFill>
+                  <a:schemeClr val="tx1"/>
+                </a:solidFill>
+                <a:latin typeface="+mn-lt"/>
+                <a:ea typeface="+mn-ea"/>
+                <a:cs typeface="+mn-cs"/>
+              </a:defRPr>
+            </a:lvl6pPr>
+            <a:lvl7pPr marL="2971800" indent="-228600" algn="l" defTabSz="914400" rtl="0" eaLnBrk="1" latinLnBrk="0" hangingPunct="1">
+              <a:lnSpc>
+                <a:spcPct val="90000"/>
+              </a:lnSpc>
+              <a:spcBef>
+                <a:spcPts val="500"/>
+              </a:spcBef>
+              <a:buFont typeface="Arial" panose="020B0604020202020204" pitchFamily="34" charset="0"/>
+              <a:buChar char="•"/>
+              <a:defRPr sz="1800" kern="1200">
+                <a:solidFill>
+                  <a:schemeClr val="tx1"/>
+                </a:solidFill>
+                <a:latin typeface="+mn-lt"/>
+                <a:ea typeface="+mn-ea"/>
+                <a:cs typeface="+mn-cs"/>
+              </a:defRPr>
+            </a:lvl7pPr>
+            <a:lvl8pPr marL="3429000" indent="-228600" algn="l" defTabSz="914400" rtl="0" eaLnBrk="1" latinLnBrk="0" hangingPunct="1">
+              <a:lnSpc>
+                <a:spcPct val="90000"/>
+              </a:lnSpc>
+              <a:spcBef>
+                <a:spcPts val="500"/>
+              </a:spcBef>
+              <a:buFont typeface="Arial" panose="020B0604020202020204" pitchFamily="34" charset="0"/>
+              <a:buChar char="•"/>
+              <a:defRPr sz="1800" kern="1200">
+                <a:solidFill>
+                  <a:schemeClr val="tx1"/>
+                </a:solidFill>
+                <a:latin typeface="+mn-lt"/>
+                <a:ea typeface="+mn-ea"/>
+                <a:cs typeface="+mn-cs"/>
+              </a:defRPr>
+            </a:lvl8pPr>
+            <a:lvl9pPr marL="3886200" indent="-228600" algn="l" defTabSz="914400" rtl="0" eaLnBrk="1" latinLnBrk="0" hangingPunct="1">
+              <a:lnSpc>
+                <a:spcPct val="90000"/>
+              </a:lnSpc>
+              <a:spcBef>
+                <a:spcPts val="500"/>
+              </a:spcBef>
+              <a:buFont typeface="Arial" panose="020B0604020202020204" pitchFamily="34" charset="0"/>
+              <a:buChar char="•"/>
+              <a:defRPr sz="1800" kern="1200">
+                <a:solidFill>
+                  <a:schemeClr val="tx1"/>
+                </a:solidFill>
+                <a:latin typeface="+mn-lt"/>
+                <a:ea typeface="+mn-ea"/>
+                <a:cs typeface="+mn-cs"/>
+              </a:defRPr>
+            </a:lvl9pPr>
+          </a:lstStyle>
+          <a:p>
+            <a:r>
+              <a:rPr lang="en-US" dirty="0" smtClean="0"/>
+              <a:t>HANDLE EXCEPTION</a:t>
+            </a:r>
+            <a:endParaRPr lang="en-US" dirty="0"/>
+          </a:p>
+        </p:txBody>
+      </p:sp>
+      <p:pic>
+        <p:nvPicPr>
+          <p:cNvPr id="3" name="Picture 2"/>
+          <p:cNvPicPr>
+            <a:picLocks noChangeAspect="1"/>
+          </p:cNvPicPr>
+          <p:nvPr/>
+        </p:nvPicPr>
+        <p:blipFill>
+          <a:blip r:embed="rId2">
+            <a:extLst>
+              <a:ext uri="{28A0092B-C50C-407E-A947-70E740481C1C}">
+                <a14:useLocalDpi xmlns:a14="http://schemas.microsoft.com/office/drawing/2010/main" val="0"/>
+              </a:ext>
+            </a:extLst>
+          </a:blip>
+          <a:stretch>
+            <a:fillRect/>
+          </a:stretch>
+        </p:blipFill>
+        <p:spPr>
+          <a:xfrm>
+            <a:off x="2222500" y="2235200"/>
+            <a:ext cx="7734300" cy="2374900"/>
+          </a:xfrm>
+          <a:prstGeom prst="rect">
+            <a:avLst/>
+          </a:prstGeom>
+        </p:spPr>
+      </p:pic>
+    </p:spTree>
+    <p:extLst>
+      <p:ext uri="{BB962C8B-B14F-4D97-AF65-F5344CB8AC3E}">
+        <p14:creationId xmlns:p14="http://schemas.microsoft.com/office/powerpoint/2010/main" val="213184654"/>
+      </p:ext>
+    </p:extLst>
+  </p:cSld>
+  <p:clrMapOvr>
+    <a:masterClrMapping/>
+  </p:clrMapOvr>
+</p:sld>
+</file>
+
+<file path=ppt/slides/slide14.xml><?xml version="1.0" encoding="utf-8"?>
+<p:sld xmlns:a="http://schemas.openxmlformats.org/drawingml/2006/main" xmlns:r="http://schemas.openxmlformats.org/officeDocument/2006/relationships" xmlns:p="http://schemas.openxmlformats.org/presentationml/2006/main">
+  <p:cSld>
+    <p:spTree>
+      <p:nvGrpSpPr>
+        <p:cNvPr id="1" name=""/>
+        <p:cNvGrpSpPr/>
+        <p:nvPr/>
+      </p:nvGrpSpPr>
+      <p:grpSpPr>
+        <a:xfrm>
+          <a:off x="0" y="0"/>
+          <a:ext cx="0" cy="0"/>
+          <a:chOff x="0" y="0"/>
+          <a:chExt cx="0" cy="0"/>
+        </a:xfrm>
+      </p:grpSpPr>
+      <p:sp>
+        <p:nvSpPr>
+          <p:cNvPr id="12" name="Content Placeholder 1"/>
+          <p:cNvSpPr txBox="1">
+            <a:spLocks/>
+          </p:cNvSpPr>
+          <p:nvPr/>
+        </p:nvSpPr>
+        <p:spPr>
+          <a:xfrm>
+            <a:off x="838199" y="685801"/>
+            <a:ext cx="6934201" cy="457200"/>
+          </a:xfrm>
+          <a:prstGeom prst="rect">
+            <a:avLst/>
+          </a:prstGeom>
+        </p:spPr>
+        <p:txBody>
+          <a:bodyPr/>
+          <a:lstStyle>
+            <a:lvl1pPr marL="0" indent="0" algn="l" defTabSz="914400" rtl="0" eaLnBrk="1" latinLnBrk="0" hangingPunct="1">
+              <a:lnSpc>
+                <a:spcPct val="90000"/>
+              </a:lnSpc>
+              <a:spcBef>
+                <a:spcPts val="1000"/>
+              </a:spcBef>
+              <a:buFont typeface="Arial" panose="020B0604020202020204" pitchFamily="34" charset="0"/>
+              <a:buNone/>
+              <a:defRPr sz="2800" b="1" i="0" kern="1200" baseline="0">
+                <a:solidFill>
+                  <a:schemeClr val="tx1"/>
+                </a:solidFill>
+                <a:latin typeface="+mn-lt"/>
+                <a:ea typeface="+mn-ea"/>
+                <a:cs typeface="+mn-cs"/>
+              </a:defRPr>
+            </a:lvl1pPr>
+            <a:lvl2pPr marL="685800" indent="-228600" algn="l" defTabSz="914400" rtl="0" eaLnBrk="1" latinLnBrk="0" hangingPunct="1">
+              <a:lnSpc>
+                <a:spcPct val="90000"/>
+              </a:lnSpc>
+              <a:spcBef>
+                <a:spcPts val="500"/>
+              </a:spcBef>
+              <a:buFont typeface="Arial" panose="020B0604020202020204" pitchFamily="34" charset="0"/>
+              <a:buChar char="•"/>
+              <a:defRPr sz="2400" kern="1200">
+                <a:solidFill>
+                  <a:schemeClr val="tx1"/>
+                </a:solidFill>
+                <a:latin typeface="+mn-lt"/>
+                <a:ea typeface="+mn-ea"/>
+                <a:cs typeface="+mn-cs"/>
+              </a:defRPr>
+            </a:lvl2pPr>
+            <a:lvl3pPr marL="1143000" indent="-228600" algn="l" defTabSz="914400" rtl="0" eaLnBrk="1" latinLnBrk="0" hangingPunct="1">
+              <a:lnSpc>
+                <a:spcPct val="90000"/>
+              </a:lnSpc>
+              <a:spcBef>
+                <a:spcPts val="500"/>
+              </a:spcBef>
+              <a:buFont typeface="Arial" panose="020B0604020202020204" pitchFamily="34" charset="0"/>
+              <a:buChar char="•"/>
+              <a:defRPr sz="2000" kern="1200">
+                <a:solidFill>
+                  <a:schemeClr val="tx1"/>
+                </a:solidFill>
+                <a:latin typeface="+mn-lt"/>
+                <a:ea typeface="+mn-ea"/>
+                <a:cs typeface="+mn-cs"/>
+              </a:defRPr>
+            </a:lvl3pPr>
+            <a:lvl4pPr marL="1600200" indent="-228600" algn="l" defTabSz="914400" rtl="0" eaLnBrk="1" latinLnBrk="0" hangingPunct="1">
+              <a:lnSpc>
+                <a:spcPct val="90000"/>
+              </a:lnSpc>
+              <a:spcBef>
+                <a:spcPts val="500"/>
+              </a:spcBef>
+              <a:buFont typeface="Arial" panose="020B0604020202020204" pitchFamily="34" charset="0"/>
+              <a:buChar char="•"/>
+              <a:defRPr sz="1800" kern="1200">
+                <a:solidFill>
+                  <a:schemeClr val="tx1"/>
+                </a:solidFill>
+                <a:latin typeface="+mn-lt"/>
+                <a:ea typeface="+mn-ea"/>
+                <a:cs typeface="+mn-cs"/>
+              </a:defRPr>
+            </a:lvl4pPr>
+            <a:lvl5pPr marL="2057400" indent="-228600" algn="l" defTabSz="914400" rtl="0" eaLnBrk="1" latinLnBrk="0" hangingPunct="1">
+              <a:lnSpc>
+                <a:spcPct val="90000"/>
+              </a:lnSpc>
+              <a:spcBef>
+                <a:spcPts val="500"/>
+              </a:spcBef>
+              <a:buFont typeface="Arial" panose="020B0604020202020204" pitchFamily="34" charset="0"/>
+              <a:buChar char="•"/>
+              <a:defRPr sz="1800" kern="1200">
+                <a:solidFill>
+                  <a:schemeClr val="tx1"/>
+                </a:solidFill>
+                <a:latin typeface="+mn-lt"/>
+                <a:ea typeface="+mn-ea"/>
+                <a:cs typeface="+mn-cs"/>
+              </a:defRPr>
+            </a:lvl5pPr>
+            <a:lvl6pPr marL="2514600" indent="-228600" algn="l" defTabSz="914400" rtl="0" eaLnBrk="1" latinLnBrk="0" hangingPunct="1">
+              <a:lnSpc>
+                <a:spcPct val="90000"/>
+              </a:lnSpc>
+              <a:spcBef>
+                <a:spcPts val="500"/>
+              </a:spcBef>
+              <a:buFont typeface="Arial" panose="020B0604020202020204" pitchFamily="34" charset="0"/>
+              <a:buChar char="•"/>
+              <a:defRPr sz="1800" kern="1200">
+                <a:solidFill>
+                  <a:schemeClr val="tx1"/>
+                </a:solidFill>
+                <a:latin typeface="+mn-lt"/>
+                <a:ea typeface="+mn-ea"/>
+                <a:cs typeface="+mn-cs"/>
+              </a:defRPr>
+            </a:lvl6pPr>
+            <a:lvl7pPr marL="2971800" indent="-228600" algn="l" defTabSz="914400" rtl="0" eaLnBrk="1" latinLnBrk="0" hangingPunct="1">
+              <a:lnSpc>
+                <a:spcPct val="90000"/>
+              </a:lnSpc>
+              <a:spcBef>
+                <a:spcPts val="500"/>
+              </a:spcBef>
+              <a:buFont typeface="Arial" panose="020B0604020202020204" pitchFamily="34" charset="0"/>
+              <a:buChar char="•"/>
+              <a:defRPr sz="1800" kern="1200">
+                <a:solidFill>
+                  <a:schemeClr val="tx1"/>
+                </a:solidFill>
+                <a:latin typeface="+mn-lt"/>
+                <a:ea typeface="+mn-ea"/>
+                <a:cs typeface="+mn-cs"/>
+              </a:defRPr>
+            </a:lvl7pPr>
+            <a:lvl8pPr marL="3429000" indent="-228600" algn="l" defTabSz="914400" rtl="0" eaLnBrk="1" latinLnBrk="0" hangingPunct="1">
+              <a:lnSpc>
+                <a:spcPct val="90000"/>
+              </a:lnSpc>
+              <a:spcBef>
+                <a:spcPts val="500"/>
+              </a:spcBef>
+              <a:buFont typeface="Arial" panose="020B0604020202020204" pitchFamily="34" charset="0"/>
+              <a:buChar char="•"/>
+              <a:defRPr sz="1800" kern="1200">
+                <a:solidFill>
+                  <a:schemeClr val="tx1"/>
+                </a:solidFill>
+                <a:latin typeface="+mn-lt"/>
+                <a:ea typeface="+mn-ea"/>
+                <a:cs typeface="+mn-cs"/>
+              </a:defRPr>
+            </a:lvl8pPr>
+            <a:lvl9pPr marL="3886200" indent="-228600" algn="l" defTabSz="914400" rtl="0" eaLnBrk="1" latinLnBrk="0" hangingPunct="1">
+              <a:lnSpc>
+                <a:spcPct val="90000"/>
+              </a:lnSpc>
+              <a:spcBef>
+                <a:spcPts val="500"/>
+              </a:spcBef>
+              <a:buFont typeface="Arial" panose="020B0604020202020204" pitchFamily="34" charset="0"/>
+              <a:buChar char="•"/>
+              <a:defRPr sz="1800" kern="1200">
+                <a:solidFill>
+                  <a:schemeClr val="tx1"/>
+                </a:solidFill>
+                <a:latin typeface="+mn-lt"/>
+                <a:ea typeface="+mn-ea"/>
+                <a:cs typeface="+mn-cs"/>
+              </a:defRPr>
+            </a:lvl9pPr>
+          </a:lstStyle>
+          <a:p>
+            <a:r>
+              <a:rPr lang="en-US" dirty="0" smtClean="0"/>
+              <a:t>THINGS TO DO</a:t>
+            </a:r>
+            <a:endParaRPr lang="en-US" dirty="0"/>
+          </a:p>
+        </p:txBody>
+      </p:sp>
+      <p:sp>
+        <p:nvSpPr>
+          <p:cNvPr id="4" name="Rectangle 3"/>
+          <p:cNvSpPr/>
+          <p:nvPr/>
+        </p:nvSpPr>
+        <p:spPr>
+          <a:xfrm>
+            <a:off x="865728" y="1806833"/>
+            <a:ext cx="9649872" cy="1754326"/>
+          </a:xfrm>
+          <a:prstGeom prst="rect">
+            <a:avLst/>
+          </a:prstGeom>
+        </p:spPr>
+        <p:txBody>
+          <a:bodyPr wrap="square">
+            <a:spAutoFit/>
+          </a:bodyPr>
+          <a:lstStyle/>
+          <a:p>
+            <a:r>
+              <a:rPr lang="en-US" b="1" i="1" dirty="0" smtClean="0"/>
+              <a:t>Edit the source code in </a:t>
+            </a:r>
+            <a:r>
+              <a:rPr lang="en-US" b="1" i="1" dirty="0" err="1" smtClean="0"/>
+              <a:t>DefaultSearchingService.java</a:t>
+            </a:r>
+            <a:endParaRPr lang="en-US" b="1" i="1" dirty="0" smtClean="0"/>
+          </a:p>
+          <a:p>
+            <a:pPr marL="342900" indent="-342900">
+              <a:buFont typeface="+mj-lt"/>
+              <a:buAutoNum type="arabicPeriod"/>
+            </a:pPr>
+            <a:r>
+              <a:rPr lang="en-US" b="1" i="1" dirty="0" smtClean="0"/>
+              <a:t>Execute generate URL parallel and use the Executor</a:t>
+            </a:r>
+          </a:p>
+          <a:p>
+            <a:pPr marL="342900" indent="-342900">
+              <a:buFont typeface="+mj-lt"/>
+              <a:buAutoNum type="arabicPeriod"/>
+            </a:pPr>
+            <a:r>
+              <a:rPr lang="en-US" b="1" i="1" dirty="0" smtClean="0"/>
+              <a:t>Execute API call in the same thread of each URL generated thread</a:t>
+            </a:r>
+          </a:p>
+          <a:p>
+            <a:pPr marL="342900" indent="-342900">
+              <a:buFont typeface="+mj-lt"/>
+              <a:buAutoNum type="arabicPeriod"/>
+            </a:pPr>
+            <a:r>
+              <a:rPr lang="en-US" b="1" i="1" dirty="0" smtClean="0"/>
+              <a:t>Process convert to </a:t>
+            </a:r>
+            <a:r>
+              <a:rPr lang="en-US" b="1" i="1" dirty="0" err="1" smtClean="0"/>
+              <a:t>BookDTO</a:t>
+            </a:r>
+            <a:r>
+              <a:rPr lang="en-US" b="1" i="1" dirty="0" smtClean="0"/>
+              <a:t> when any response’s done</a:t>
+            </a:r>
+          </a:p>
+          <a:p>
+            <a:pPr marL="342900" indent="-342900">
+              <a:buFont typeface="+mj-lt"/>
+              <a:buAutoNum type="arabicPeriod"/>
+            </a:pPr>
+            <a:r>
+              <a:rPr lang="en-US" b="1" i="1" dirty="0" smtClean="0"/>
+              <a:t>Use timeout with 10 seconds if request is pending but do not stop other thread</a:t>
+            </a:r>
+          </a:p>
+          <a:p>
+            <a:pPr marL="342900" indent="-342900">
+              <a:buFont typeface="+mj-lt"/>
+              <a:buAutoNum type="arabicPeriod"/>
+            </a:pPr>
+            <a:endParaRPr lang="en-US" b="1" i="1" dirty="0" smtClean="0"/>
+          </a:p>
+        </p:txBody>
+      </p:sp>
+    </p:spTree>
+    <p:extLst>
+      <p:ext uri="{BB962C8B-B14F-4D97-AF65-F5344CB8AC3E}">
+        <p14:creationId xmlns:p14="http://schemas.microsoft.com/office/powerpoint/2010/main" val="1733221672"/>
+      </p:ext>
+    </p:extLst>
+  </p:cSld>
+  <p:clrMapOvr>
+    <a:masterClrMapping/>
+  </p:clrMapOvr>
+</p:sld>
+</file>
+
 <file path=ppt/slides/slide2.xml><?xml version="1.0" encoding="utf-8"?>
 <p:sld xmlns:a="http://schemas.openxmlformats.org/drawingml/2006/main" xmlns:r="http://schemas.openxmlformats.org/officeDocument/2006/relationships" xmlns:p="http://schemas.openxmlformats.org/presentationml/2006/main">
   <p:cSld>
@@ -2125,155 +3461,871 @@
         </p:nvSpPr>
         <p:spPr>
           <a:xfrm>
-            <a:off x="838200" y="685801"/>
-            <a:ext cx="10515600" cy="609599"/>
+            <a:off x="1319341" y="1524000"/>
+            <a:ext cx="3870239" cy="457200"/>
           </a:xfrm>
         </p:spPr>
         <p:txBody>
           <a:bodyPr/>
           <a:lstStyle/>
           <a:p>
-            <a:r>
-              <a:rPr lang="en-US" dirty="0" smtClean="0"/>
-              <a:t>WHAT IS JAVA FUTURE?</a:t>
+            <a:pPr algn="ctr"/>
+            <a:r>
+              <a:rPr lang="en-US" smtClean="0"/>
+              <a:t>Implement Runnable</a:t>
             </a:r>
             <a:endParaRPr lang="en-US" dirty="0"/>
-          </a:p>
-        </p:txBody>
-      </p:sp>
-      <p:sp>
-        <p:nvSpPr>
-          <p:cNvPr id="9" name="TextBox 8"/>
-          <p:cNvSpPr txBox="1"/>
-          <p:nvPr/>
-        </p:nvSpPr>
-        <p:spPr>
-          <a:xfrm>
-            <a:off x="0" y="0"/>
-            <a:ext cx="3886200" cy="461665"/>
-          </a:xfrm>
-          <a:prstGeom prst="rect">
-            <a:avLst/>
-          </a:prstGeom>
-          <a:noFill/>
-        </p:spPr>
-        <p:txBody>
-          <a:bodyPr wrap="square" rtlCol="0">
-            <a:spAutoFit/>
-          </a:bodyPr>
-          <a:lstStyle/>
-          <a:p>
-            <a:r>
-              <a:rPr lang="en-US" sz="2400" i="1" dirty="0" smtClean="0">
-                <a:solidFill>
-                  <a:srgbClr val="02A9F7"/>
-                </a:solidFill>
-              </a:rPr>
-              <a:t>JAVA FUTURE</a:t>
-            </a:r>
-            <a:endParaRPr lang="en-US" sz="2400" i="1" dirty="0">
-              <a:solidFill>
-                <a:srgbClr val="02A9F7"/>
-              </a:solidFill>
-            </a:endParaRPr>
           </a:p>
         </p:txBody>
       </p:sp>
       <p:pic>
         <p:nvPicPr>
-          <p:cNvPr id="16" name="Picture 15"/>
+          <p:cNvPr id="4" name="Picture 3"/>
           <p:cNvPicPr>
             <a:picLocks noChangeAspect="1"/>
           </p:cNvPicPr>
           <p:nvPr/>
         </p:nvPicPr>
         <p:blipFill>
-          <a:blip r:embed="rId1"/>
+          <a:blip r:embed="rId2"/>
           <a:stretch>
             <a:fillRect/>
           </a:stretch>
         </p:blipFill>
         <p:spPr>
           <a:xfrm>
-            <a:off x="5162550" y="1447715"/>
-            <a:ext cx="5791200" cy="4441288"/>
+            <a:off x="873211" y="2209800"/>
+            <a:ext cx="4762500" cy="990600"/>
           </a:xfrm>
           <a:prstGeom prst="rect">
             <a:avLst/>
           </a:prstGeom>
+          <a:ln>
+            <a:solidFill>
+              <a:schemeClr val="tx1"/>
+            </a:solidFill>
+          </a:ln>
+        </p:spPr>
+      </p:pic>
+      <p:pic>
+        <p:nvPicPr>
+          <p:cNvPr id="5" name="Picture 4"/>
+          <p:cNvPicPr>
+            <a:picLocks noChangeAspect="1"/>
+          </p:cNvPicPr>
+          <p:nvPr/>
+        </p:nvPicPr>
+        <p:blipFill>
+          <a:blip r:embed="rId3"/>
+          <a:stretch>
+            <a:fillRect/>
+          </a:stretch>
+        </p:blipFill>
+        <p:spPr>
+          <a:xfrm>
+            <a:off x="7158166" y="2209800"/>
+            <a:ext cx="4305300" cy="927100"/>
+          </a:xfrm>
+          <a:prstGeom prst="rect">
+            <a:avLst/>
+          </a:prstGeom>
+          <a:ln>
+            <a:solidFill>
+              <a:schemeClr val="tx1"/>
+            </a:solidFill>
+          </a:ln>
         </p:spPr>
       </p:pic>
       <p:sp>
         <p:nvSpPr>
-          <p:cNvPr id="6" name="Rectangle 5"/>
-          <p:cNvSpPr/>
+          <p:cNvPr id="6" name="Content Placeholder 1"/>
+          <p:cNvSpPr txBox="1">
+            <a:spLocks/>
+          </p:cNvSpPr>
           <p:nvPr/>
         </p:nvSpPr>
         <p:spPr>
           <a:xfrm>
-            <a:off x="1326515" y="1956435"/>
-            <a:ext cx="1565910" cy="798830"/>
+            <a:off x="7672516" y="1524000"/>
+            <a:ext cx="3276600" cy="457200"/>
           </a:xfrm>
           <a:prstGeom prst="rect">
             <a:avLst/>
           </a:prstGeom>
         </p:spPr>
         <p:txBody>
-          <a:bodyPr wrap="square">
-            <a:spAutoFit/>
-          </a:bodyPr>
-          <a:p>
-            <a:r>
-              <a:rPr lang="en-US" b="1" i="1" dirty="0" err="1" smtClean="0">
-                <a:solidFill>
-                  <a:srgbClr val="333333"/>
-                </a:solidFill>
-                <a:latin typeface="raleway" charset="0"/>
+          <a:bodyPr/>
+          <a:lstStyle>
+            <a:lvl1pPr marL="0" indent="0" algn="l" defTabSz="914400" rtl="0" eaLnBrk="1" latinLnBrk="0" hangingPunct="1">
+              <a:lnSpc>
+                <a:spcPct val="90000"/>
+              </a:lnSpc>
+              <a:spcBef>
+                <a:spcPts val="1000"/>
+              </a:spcBef>
+              <a:buFont typeface="Arial" panose="020B0604020202020204" pitchFamily="34" charset="0"/>
+              <a:buNone/>
+              <a:defRPr sz="2800" b="1" i="0" kern="1200" baseline="0">
+                <a:solidFill>
+                  <a:schemeClr val="tx1"/>
+                </a:solidFill>
+                <a:latin typeface="+mn-lt"/>
+                <a:ea typeface="+mn-ea"/>
+                <a:cs typeface="+mn-cs"/>
+              </a:defRPr>
+            </a:lvl1pPr>
+            <a:lvl2pPr marL="685800" indent="-228600" algn="l" defTabSz="914400" rtl="0" eaLnBrk="1" latinLnBrk="0" hangingPunct="1">
+              <a:lnSpc>
+                <a:spcPct val="90000"/>
+              </a:lnSpc>
+              <a:spcBef>
+                <a:spcPts val="500"/>
+              </a:spcBef>
+              <a:buFont typeface="Arial" panose="020B0604020202020204" pitchFamily="34" charset="0"/>
+              <a:buChar char="•"/>
+              <a:defRPr sz="2400" kern="1200">
+                <a:solidFill>
+                  <a:schemeClr val="tx1"/>
+                </a:solidFill>
+                <a:latin typeface="+mn-lt"/>
+                <a:ea typeface="+mn-ea"/>
+                <a:cs typeface="+mn-cs"/>
+              </a:defRPr>
+            </a:lvl2pPr>
+            <a:lvl3pPr marL="1143000" indent="-228600" algn="l" defTabSz="914400" rtl="0" eaLnBrk="1" latinLnBrk="0" hangingPunct="1">
+              <a:lnSpc>
+                <a:spcPct val="90000"/>
+              </a:lnSpc>
+              <a:spcBef>
+                <a:spcPts val="500"/>
+              </a:spcBef>
+              <a:buFont typeface="Arial" panose="020B0604020202020204" pitchFamily="34" charset="0"/>
+              <a:buChar char="•"/>
+              <a:defRPr sz="2000" kern="1200">
+                <a:solidFill>
+                  <a:schemeClr val="tx1"/>
+                </a:solidFill>
+                <a:latin typeface="+mn-lt"/>
+                <a:ea typeface="+mn-ea"/>
+                <a:cs typeface="+mn-cs"/>
+              </a:defRPr>
+            </a:lvl3pPr>
+            <a:lvl4pPr marL="1600200" indent="-228600" algn="l" defTabSz="914400" rtl="0" eaLnBrk="1" latinLnBrk="0" hangingPunct="1">
+              <a:lnSpc>
+                <a:spcPct val="90000"/>
+              </a:lnSpc>
+              <a:spcBef>
+                <a:spcPts val="500"/>
+              </a:spcBef>
+              <a:buFont typeface="Arial" panose="020B0604020202020204" pitchFamily="34" charset="0"/>
+              <a:buChar char="•"/>
+              <a:defRPr sz="1800" kern="1200">
+                <a:solidFill>
+                  <a:schemeClr val="tx1"/>
+                </a:solidFill>
+                <a:latin typeface="+mn-lt"/>
+                <a:ea typeface="+mn-ea"/>
+                <a:cs typeface="+mn-cs"/>
+              </a:defRPr>
+            </a:lvl4pPr>
+            <a:lvl5pPr marL="2057400" indent="-228600" algn="l" defTabSz="914400" rtl="0" eaLnBrk="1" latinLnBrk="0" hangingPunct="1">
+              <a:lnSpc>
+                <a:spcPct val="90000"/>
+              </a:lnSpc>
+              <a:spcBef>
+                <a:spcPts val="500"/>
+              </a:spcBef>
+              <a:buFont typeface="Arial" panose="020B0604020202020204" pitchFamily="34" charset="0"/>
+              <a:buChar char="•"/>
+              <a:defRPr sz="1800" kern="1200">
+                <a:solidFill>
+                  <a:schemeClr val="tx1"/>
+                </a:solidFill>
+                <a:latin typeface="+mn-lt"/>
+                <a:ea typeface="+mn-ea"/>
+                <a:cs typeface="+mn-cs"/>
+              </a:defRPr>
+            </a:lvl5pPr>
+            <a:lvl6pPr marL="2514600" indent="-228600" algn="l" defTabSz="914400" rtl="0" eaLnBrk="1" latinLnBrk="0" hangingPunct="1">
+              <a:lnSpc>
+                <a:spcPct val="90000"/>
+              </a:lnSpc>
+              <a:spcBef>
+                <a:spcPts val="500"/>
+              </a:spcBef>
+              <a:buFont typeface="Arial" panose="020B0604020202020204" pitchFamily="34" charset="0"/>
+              <a:buChar char="•"/>
+              <a:defRPr sz="1800" kern="1200">
+                <a:solidFill>
+                  <a:schemeClr val="tx1"/>
+                </a:solidFill>
+                <a:latin typeface="+mn-lt"/>
+                <a:ea typeface="+mn-ea"/>
+                <a:cs typeface="+mn-cs"/>
+              </a:defRPr>
+            </a:lvl6pPr>
+            <a:lvl7pPr marL="2971800" indent="-228600" algn="l" defTabSz="914400" rtl="0" eaLnBrk="1" latinLnBrk="0" hangingPunct="1">
+              <a:lnSpc>
+                <a:spcPct val="90000"/>
+              </a:lnSpc>
+              <a:spcBef>
+                <a:spcPts val="500"/>
+              </a:spcBef>
+              <a:buFont typeface="Arial" panose="020B0604020202020204" pitchFamily="34" charset="0"/>
+              <a:buChar char="•"/>
+              <a:defRPr sz="1800" kern="1200">
+                <a:solidFill>
+                  <a:schemeClr val="tx1"/>
+                </a:solidFill>
+                <a:latin typeface="+mn-lt"/>
+                <a:ea typeface="+mn-ea"/>
+                <a:cs typeface="+mn-cs"/>
+              </a:defRPr>
+            </a:lvl7pPr>
+            <a:lvl8pPr marL="3429000" indent="-228600" algn="l" defTabSz="914400" rtl="0" eaLnBrk="1" latinLnBrk="0" hangingPunct="1">
+              <a:lnSpc>
+                <a:spcPct val="90000"/>
+              </a:lnSpc>
+              <a:spcBef>
+                <a:spcPts val="500"/>
+              </a:spcBef>
+              <a:buFont typeface="Arial" panose="020B0604020202020204" pitchFamily="34" charset="0"/>
+              <a:buChar char="•"/>
+              <a:defRPr sz="1800" kern="1200">
+                <a:solidFill>
+                  <a:schemeClr val="tx1"/>
+                </a:solidFill>
+                <a:latin typeface="+mn-lt"/>
+                <a:ea typeface="+mn-ea"/>
+                <a:cs typeface="+mn-cs"/>
+              </a:defRPr>
+            </a:lvl8pPr>
+            <a:lvl9pPr marL="3886200" indent="-228600" algn="l" defTabSz="914400" rtl="0" eaLnBrk="1" latinLnBrk="0" hangingPunct="1">
+              <a:lnSpc>
+                <a:spcPct val="90000"/>
+              </a:lnSpc>
+              <a:spcBef>
+                <a:spcPts val="500"/>
+              </a:spcBef>
+              <a:buFont typeface="Arial" panose="020B0604020202020204" pitchFamily="34" charset="0"/>
+              <a:buChar char="•"/>
+              <a:defRPr sz="1800" kern="1200">
+                <a:solidFill>
+                  <a:schemeClr val="tx1"/>
+                </a:solidFill>
+                <a:latin typeface="+mn-lt"/>
+                <a:ea typeface="+mn-ea"/>
+                <a:cs typeface="+mn-cs"/>
+              </a:defRPr>
+            </a:lvl9pPr>
+          </a:lstStyle>
+          <a:p>
+            <a:r>
+              <a:rPr lang="en-US" dirty="0" smtClean="0"/>
+              <a:t>Extend Thread</a:t>
+            </a:r>
+            <a:endParaRPr lang="en-US" dirty="0"/>
+          </a:p>
+        </p:txBody>
+      </p:sp>
+      <p:sp>
+        <p:nvSpPr>
+          <p:cNvPr id="7" name="Content Placeholder 1"/>
+          <p:cNvSpPr txBox="1">
+            <a:spLocks/>
+          </p:cNvSpPr>
+          <p:nvPr/>
+        </p:nvSpPr>
+        <p:spPr>
+          <a:xfrm>
+            <a:off x="838199" y="685801"/>
+            <a:ext cx="9067801" cy="457200"/>
+          </a:xfrm>
+          <a:prstGeom prst="rect">
+            <a:avLst/>
+          </a:prstGeom>
+        </p:spPr>
+        <p:txBody>
+          <a:bodyPr/>
+          <a:lstStyle>
+            <a:lvl1pPr marL="0" indent="0" algn="l" defTabSz="914400" rtl="0" eaLnBrk="1" latinLnBrk="0" hangingPunct="1">
+              <a:lnSpc>
+                <a:spcPct val="90000"/>
+              </a:lnSpc>
+              <a:spcBef>
+                <a:spcPts val="1000"/>
+              </a:spcBef>
+              <a:buFont typeface="Arial" panose="020B0604020202020204" pitchFamily="34" charset="0"/>
+              <a:buNone/>
+              <a:defRPr sz="2800" b="1" i="0" kern="1200" baseline="0">
+                <a:solidFill>
+                  <a:schemeClr val="tx1"/>
+                </a:solidFill>
+                <a:latin typeface="+mn-lt"/>
+                <a:ea typeface="+mn-ea"/>
+                <a:cs typeface="+mn-cs"/>
+              </a:defRPr>
+            </a:lvl1pPr>
+            <a:lvl2pPr marL="685800" indent="-228600" algn="l" defTabSz="914400" rtl="0" eaLnBrk="1" latinLnBrk="0" hangingPunct="1">
+              <a:lnSpc>
+                <a:spcPct val="90000"/>
+              </a:lnSpc>
+              <a:spcBef>
+                <a:spcPts val="500"/>
+              </a:spcBef>
+              <a:buFont typeface="Arial" panose="020B0604020202020204" pitchFamily="34" charset="0"/>
+              <a:buChar char="•"/>
+              <a:defRPr sz="2400" kern="1200">
+                <a:solidFill>
+                  <a:schemeClr val="tx1"/>
+                </a:solidFill>
+                <a:latin typeface="+mn-lt"/>
+                <a:ea typeface="+mn-ea"/>
+                <a:cs typeface="+mn-cs"/>
+              </a:defRPr>
+            </a:lvl2pPr>
+            <a:lvl3pPr marL="1143000" indent="-228600" algn="l" defTabSz="914400" rtl="0" eaLnBrk="1" latinLnBrk="0" hangingPunct="1">
+              <a:lnSpc>
+                <a:spcPct val="90000"/>
+              </a:lnSpc>
+              <a:spcBef>
+                <a:spcPts val="500"/>
+              </a:spcBef>
+              <a:buFont typeface="Arial" panose="020B0604020202020204" pitchFamily="34" charset="0"/>
+              <a:buChar char="•"/>
+              <a:defRPr sz="2000" kern="1200">
+                <a:solidFill>
+                  <a:schemeClr val="tx1"/>
+                </a:solidFill>
+                <a:latin typeface="+mn-lt"/>
+                <a:ea typeface="+mn-ea"/>
+                <a:cs typeface="+mn-cs"/>
+              </a:defRPr>
+            </a:lvl3pPr>
+            <a:lvl4pPr marL="1600200" indent="-228600" algn="l" defTabSz="914400" rtl="0" eaLnBrk="1" latinLnBrk="0" hangingPunct="1">
+              <a:lnSpc>
+                <a:spcPct val="90000"/>
+              </a:lnSpc>
+              <a:spcBef>
+                <a:spcPts val="500"/>
+              </a:spcBef>
+              <a:buFont typeface="Arial" panose="020B0604020202020204" pitchFamily="34" charset="0"/>
+              <a:buChar char="•"/>
+              <a:defRPr sz="1800" kern="1200">
+                <a:solidFill>
+                  <a:schemeClr val="tx1"/>
+                </a:solidFill>
+                <a:latin typeface="+mn-lt"/>
+                <a:ea typeface="+mn-ea"/>
+                <a:cs typeface="+mn-cs"/>
+              </a:defRPr>
+            </a:lvl4pPr>
+            <a:lvl5pPr marL="2057400" indent="-228600" algn="l" defTabSz="914400" rtl="0" eaLnBrk="1" latinLnBrk="0" hangingPunct="1">
+              <a:lnSpc>
+                <a:spcPct val="90000"/>
+              </a:lnSpc>
+              <a:spcBef>
+                <a:spcPts val="500"/>
+              </a:spcBef>
+              <a:buFont typeface="Arial" panose="020B0604020202020204" pitchFamily="34" charset="0"/>
+              <a:buChar char="•"/>
+              <a:defRPr sz="1800" kern="1200">
+                <a:solidFill>
+                  <a:schemeClr val="tx1"/>
+                </a:solidFill>
+                <a:latin typeface="+mn-lt"/>
+                <a:ea typeface="+mn-ea"/>
+                <a:cs typeface="+mn-cs"/>
+              </a:defRPr>
+            </a:lvl5pPr>
+            <a:lvl6pPr marL="2514600" indent="-228600" algn="l" defTabSz="914400" rtl="0" eaLnBrk="1" latinLnBrk="0" hangingPunct="1">
+              <a:lnSpc>
+                <a:spcPct val="90000"/>
+              </a:lnSpc>
+              <a:spcBef>
+                <a:spcPts val="500"/>
+              </a:spcBef>
+              <a:buFont typeface="Arial" panose="020B0604020202020204" pitchFamily="34" charset="0"/>
+              <a:buChar char="•"/>
+              <a:defRPr sz="1800" kern="1200">
+                <a:solidFill>
+                  <a:schemeClr val="tx1"/>
+                </a:solidFill>
+                <a:latin typeface="+mn-lt"/>
+                <a:ea typeface="+mn-ea"/>
+                <a:cs typeface="+mn-cs"/>
+              </a:defRPr>
+            </a:lvl6pPr>
+            <a:lvl7pPr marL="2971800" indent="-228600" algn="l" defTabSz="914400" rtl="0" eaLnBrk="1" latinLnBrk="0" hangingPunct="1">
+              <a:lnSpc>
+                <a:spcPct val="90000"/>
+              </a:lnSpc>
+              <a:spcBef>
+                <a:spcPts val="500"/>
+              </a:spcBef>
+              <a:buFont typeface="Arial" panose="020B0604020202020204" pitchFamily="34" charset="0"/>
+              <a:buChar char="•"/>
+              <a:defRPr sz="1800" kern="1200">
+                <a:solidFill>
+                  <a:schemeClr val="tx1"/>
+                </a:solidFill>
+                <a:latin typeface="+mn-lt"/>
+                <a:ea typeface="+mn-ea"/>
+                <a:cs typeface="+mn-cs"/>
+              </a:defRPr>
+            </a:lvl7pPr>
+            <a:lvl8pPr marL="3429000" indent="-228600" algn="l" defTabSz="914400" rtl="0" eaLnBrk="1" latinLnBrk="0" hangingPunct="1">
+              <a:lnSpc>
+                <a:spcPct val="90000"/>
+              </a:lnSpc>
+              <a:spcBef>
+                <a:spcPts val="500"/>
+              </a:spcBef>
+              <a:buFont typeface="Arial" panose="020B0604020202020204" pitchFamily="34" charset="0"/>
+              <a:buChar char="•"/>
+              <a:defRPr sz="1800" kern="1200">
+                <a:solidFill>
+                  <a:schemeClr val="tx1"/>
+                </a:solidFill>
+                <a:latin typeface="+mn-lt"/>
+                <a:ea typeface="+mn-ea"/>
+                <a:cs typeface="+mn-cs"/>
+              </a:defRPr>
+            </a:lvl8pPr>
+            <a:lvl9pPr marL="3886200" indent="-228600" algn="l" defTabSz="914400" rtl="0" eaLnBrk="1" latinLnBrk="0" hangingPunct="1">
+              <a:lnSpc>
+                <a:spcPct val="90000"/>
+              </a:lnSpc>
+              <a:spcBef>
+                <a:spcPts val="500"/>
+              </a:spcBef>
+              <a:buFont typeface="Arial" panose="020B0604020202020204" pitchFamily="34" charset="0"/>
+              <a:buChar char="•"/>
+              <a:defRPr sz="1800" kern="1200">
+                <a:solidFill>
+                  <a:schemeClr val="tx1"/>
+                </a:solidFill>
+                <a:latin typeface="+mn-lt"/>
+                <a:ea typeface="+mn-ea"/>
+                <a:cs typeface="+mn-cs"/>
+              </a:defRPr>
+            </a:lvl9pPr>
+          </a:lstStyle>
+          <a:p>
+            <a:r>
+              <a:rPr lang="en-US" i="1" dirty="0"/>
+              <a:t>TRADITIONAL ASYNCHRONOUS BEST PRACTICE</a:t>
+            </a:r>
+          </a:p>
+          <a:p>
+            <a:r>
+              <a:rPr lang="en-US" i="1" dirty="0" smtClean="0"/>
+              <a:t> </a:t>
+            </a:r>
+            <a:endParaRPr lang="en-US" i="1" dirty="0"/>
+          </a:p>
+        </p:txBody>
+      </p:sp>
+      <p:pic>
+        <p:nvPicPr>
+          <p:cNvPr id="8" name="Picture 7"/>
+          <p:cNvPicPr>
+            <a:picLocks noChangeAspect="1"/>
+          </p:cNvPicPr>
+          <p:nvPr/>
+        </p:nvPicPr>
+        <p:blipFill>
+          <a:blip r:embed="rId4"/>
+          <a:stretch>
+            <a:fillRect/>
+          </a:stretch>
+        </p:blipFill>
+        <p:spPr>
+          <a:xfrm>
+            <a:off x="1178010" y="3247768"/>
+            <a:ext cx="4152900" cy="787400"/>
+          </a:xfrm>
+          <a:prstGeom prst="rect">
+            <a:avLst/>
+          </a:prstGeom>
+          <a:ln>
+            <a:solidFill>
+              <a:schemeClr val="tx1"/>
+            </a:solidFill>
+          </a:ln>
+        </p:spPr>
+      </p:pic>
+      <p:pic>
+        <p:nvPicPr>
+          <p:cNvPr id="12" name="Picture 11"/>
+          <p:cNvPicPr>
+            <a:picLocks noChangeAspect="1"/>
+          </p:cNvPicPr>
+          <p:nvPr/>
+        </p:nvPicPr>
+        <p:blipFill>
+          <a:blip r:embed="rId5"/>
+          <a:stretch>
+            <a:fillRect/>
+          </a:stretch>
+        </p:blipFill>
+        <p:spPr>
+          <a:xfrm>
+            <a:off x="7270836" y="3200400"/>
+            <a:ext cx="3949700" cy="749300"/>
+          </a:xfrm>
+          <a:prstGeom prst="rect">
+            <a:avLst/>
+          </a:prstGeom>
+          <a:ln>
+            <a:solidFill>
+              <a:schemeClr val="tx1"/>
+            </a:solidFill>
+          </a:ln>
+        </p:spPr>
+      </p:pic>
+      <p:pic>
+        <p:nvPicPr>
+          <p:cNvPr id="15" name="Picture 14"/>
+          <p:cNvPicPr>
+            <a:picLocks noChangeAspect="1"/>
+          </p:cNvPicPr>
+          <p:nvPr/>
+        </p:nvPicPr>
+        <p:blipFill>
+          <a:blip r:embed="rId6">
+            <a:extLst>
+              <a:ext uri="{28A0092B-C50C-407E-A947-70E740481C1C}">
+                <a14:useLocalDpi xmlns:a14="http://schemas.microsoft.com/office/drawing/2010/main" val="0"/>
+              </a:ext>
+            </a:extLst>
+          </a:blip>
+          <a:stretch>
+            <a:fillRect/>
+          </a:stretch>
+        </p:blipFill>
+        <p:spPr>
+          <a:xfrm>
+            <a:off x="3657600" y="5562600"/>
+            <a:ext cx="5372100" cy="939800"/>
+          </a:xfrm>
+          <a:prstGeom prst="rect">
+            <a:avLst/>
+          </a:prstGeom>
+          <a:ln>
+            <a:solidFill>
+              <a:schemeClr val="tx1"/>
+            </a:solidFill>
+          </a:ln>
+        </p:spPr>
+      </p:pic>
+      <p:cxnSp>
+        <p:nvCxnSpPr>
+          <p:cNvPr id="17" name="Straight Arrow Connector 16"/>
+          <p:cNvCxnSpPr>
+            <a:stCxn id="8" idx="2"/>
+            <a:endCxn id="15" idx="0"/>
+          </p:cNvCxnSpPr>
+          <p:nvPr/>
+        </p:nvCxnSpPr>
+        <p:spPr>
+          <a:xfrm>
+            <a:off x="3254460" y="4035168"/>
+            <a:ext cx="3089190" cy="1527432"/>
+          </a:xfrm>
+          <a:prstGeom prst="straightConnector1">
+            <a:avLst/>
+          </a:prstGeom>
+          <a:ln w="28575">
+            <a:solidFill>
+              <a:schemeClr val="accent1"/>
+            </a:solidFill>
+            <a:tailEnd type="triangle"/>
+          </a:ln>
+        </p:spPr>
+        <p:style>
+          <a:lnRef idx="1">
+            <a:schemeClr val="accent1"/>
+          </a:lnRef>
+          <a:fillRef idx="0">
+            <a:schemeClr val="accent1"/>
+          </a:fillRef>
+          <a:effectRef idx="0">
+            <a:schemeClr val="accent1"/>
+          </a:effectRef>
+          <a:fontRef idx="minor">
+            <a:schemeClr val="tx1"/>
+          </a:fontRef>
+        </p:style>
+      </p:cxnSp>
+      <p:cxnSp>
+        <p:nvCxnSpPr>
+          <p:cNvPr id="18" name="Straight Arrow Connector 17"/>
+          <p:cNvCxnSpPr>
+            <a:stCxn id="12" idx="2"/>
+            <a:endCxn id="15" idx="0"/>
+          </p:cNvCxnSpPr>
+          <p:nvPr/>
+        </p:nvCxnSpPr>
+        <p:spPr>
+          <a:xfrm flipH="1">
+            <a:off x="6343650" y="3949700"/>
+            <a:ext cx="2902036" cy="1612900"/>
+          </a:xfrm>
+          <a:prstGeom prst="straightConnector1">
+            <a:avLst/>
+          </a:prstGeom>
+          <a:ln w="28575">
+            <a:solidFill>
+              <a:schemeClr val="accent1"/>
+            </a:solidFill>
+            <a:tailEnd type="triangle"/>
+          </a:ln>
+        </p:spPr>
+        <p:style>
+          <a:lnRef idx="1">
+            <a:schemeClr val="accent1"/>
+          </a:lnRef>
+          <a:fillRef idx="0">
+            <a:schemeClr val="accent1"/>
+          </a:fillRef>
+          <a:effectRef idx="0">
+            <a:schemeClr val="accent1"/>
+          </a:effectRef>
+          <a:fontRef idx="minor">
+            <a:schemeClr val="tx1"/>
+          </a:fontRef>
+        </p:style>
+      </p:cxnSp>
+      <p:sp>
+        <p:nvSpPr>
+          <p:cNvPr id="31" name="Content Placeholder 1"/>
+          <p:cNvSpPr txBox="1">
+            <a:spLocks/>
+          </p:cNvSpPr>
+          <p:nvPr/>
+        </p:nvSpPr>
+        <p:spPr>
+          <a:xfrm>
+            <a:off x="4426036" y="4476236"/>
+            <a:ext cx="3835228" cy="692664"/>
+          </a:xfrm>
+          <a:prstGeom prst="rect">
+            <a:avLst/>
+          </a:prstGeom>
+        </p:spPr>
+        <p:txBody>
+          <a:bodyPr/>
+          <a:lstStyle>
+            <a:lvl1pPr marL="0" indent="0" algn="l" defTabSz="914400" rtl="0" eaLnBrk="1" latinLnBrk="0" hangingPunct="1">
+              <a:lnSpc>
+                <a:spcPct val="90000"/>
+              </a:lnSpc>
+              <a:spcBef>
+                <a:spcPts val="1000"/>
+              </a:spcBef>
+              <a:buFont typeface="Arial" panose="020B0604020202020204" pitchFamily="34" charset="0"/>
+              <a:buNone/>
+              <a:defRPr sz="2800" b="1" i="0" kern="1200" baseline="0">
+                <a:solidFill>
+                  <a:schemeClr val="tx1"/>
+                </a:solidFill>
+                <a:latin typeface="+mn-lt"/>
+                <a:ea typeface="+mn-ea"/>
+                <a:cs typeface="+mn-cs"/>
+              </a:defRPr>
+            </a:lvl1pPr>
+            <a:lvl2pPr marL="685800" indent="-228600" algn="l" defTabSz="914400" rtl="0" eaLnBrk="1" latinLnBrk="0" hangingPunct="1">
+              <a:lnSpc>
+                <a:spcPct val="90000"/>
+              </a:lnSpc>
+              <a:spcBef>
+                <a:spcPts val="500"/>
+              </a:spcBef>
+              <a:buFont typeface="Arial" panose="020B0604020202020204" pitchFamily="34" charset="0"/>
+              <a:buChar char="•"/>
+              <a:defRPr sz="2400" kern="1200">
+                <a:solidFill>
+                  <a:schemeClr val="tx1"/>
+                </a:solidFill>
+                <a:latin typeface="+mn-lt"/>
+                <a:ea typeface="+mn-ea"/>
+                <a:cs typeface="+mn-cs"/>
+              </a:defRPr>
+            </a:lvl2pPr>
+            <a:lvl3pPr marL="1143000" indent="-228600" algn="l" defTabSz="914400" rtl="0" eaLnBrk="1" latinLnBrk="0" hangingPunct="1">
+              <a:lnSpc>
+                <a:spcPct val="90000"/>
+              </a:lnSpc>
+              <a:spcBef>
+                <a:spcPts val="500"/>
+              </a:spcBef>
+              <a:buFont typeface="Arial" panose="020B0604020202020204" pitchFamily="34" charset="0"/>
+              <a:buChar char="•"/>
+              <a:defRPr sz="2000" kern="1200">
+                <a:solidFill>
+                  <a:schemeClr val="tx1"/>
+                </a:solidFill>
+                <a:latin typeface="+mn-lt"/>
+                <a:ea typeface="+mn-ea"/>
+                <a:cs typeface="+mn-cs"/>
+              </a:defRPr>
+            </a:lvl3pPr>
+            <a:lvl4pPr marL="1600200" indent="-228600" algn="l" defTabSz="914400" rtl="0" eaLnBrk="1" latinLnBrk="0" hangingPunct="1">
+              <a:lnSpc>
+                <a:spcPct val="90000"/>
+              </a:lnSpc>
+              <a:spcBef>
+                <a:spcPts val="500"/>
+              </a:spcBef>
+              <a:buFont typeface="Arial" panose="020B0604020202020204" pitchFamily="34" charset="0"/>
+              <a:buChar char="•"/>
+              <a:defRPr sz="1800" kern="1200">
+                <a:solidFill>
+                  <a:schemeClr val="tx1"/>
+                </a:solidFill>
+                <a:latin typeface="+mn-lt"/>
+                <a:ea typeface="+mn-ea"/>
+                <a:cs typeface="+mn-cs"/>
+              </a:defRPr>
+            </a:lvl4pPr>
+            <a:lvl5pPr marL="2057400" indent="-228600" algn="l" defTabSz="914400" rtl="0" eaLnBrk="1" latinLnBrk="0" hangingPunct="1">
+              <a:lnSpc>
+                <a:spcPct val="90000"/>
+              </a:lnSpc>
+              <a:spcBef>
+                <a:spcPts val="500"/>
+              </a:spcBef>
+              <a:buFont typeface="Arial" panose="020B0604020202020204" pitchFamily="34" charset="0"/>
+              <a:buChar char="•"/>
+              <a:defRPr sz="1800" kern="1200">
+                <a:solidFill>
+                  <a:schemeClr val="tx1"/>
+                </a:solidFill>
+                <a:latin typeface="+mn-lt"/>
+                <a:ea typeface="+mn-ea"/>
+                <a:cs typeface="+mn-cs"/>
+              </a:defRPr>
+            </a:lvl5pPr>
+            <a:lvl6pPr marL="2514600" indent="-228600" algn="l" defTabSz="914400" rtl="0" eaLnBrk="1" latinLnBrk="0" hangingPunct="1">
+              <a:lnSpc>
+                <a:spcPct val="90000"/>
+              </a:lnSpc>
+              <a:spcBef>
+                <a:spcPts val="500"/>
+              </a:spcBef>
+              <a:buFont typeface="Arial" panose="020B0604020202020204" pitchFamily="34" charset="0"/>
+              <a:buChar char="•"/>
+              <a:defRPr sz="1800" kern="1200">
+                <a:solidFill>
+                  <a:schemeClr val="tx1"/>
+                </a:solidFill>
+                <a:latin typeface="+mn-lt"/>
+                <a:ea typeface="+mn-ea"/>
+                <a:cs typeface="+mn-cs"/>
+              </a:defRPr>
+            </a:lvl6pPr>
+            <a:lvl7pPr marL="2971800" indent="-228600" algn="l" defTabSz="914400" rtl="0" eaLnBrk="1" latinLnBrk="0" hangingPunct="1">
+              <a:lnSpc>
+                <a:spcPct val="90000"/>
+              </a:lnSpc>
+              <a:spcBef>
+                <a:spcPts val="500"/>
+              </a:spcBef>
+              <a:buFont typeface="Arial" panose="020B0604020202020204" pitchFamily="34" charset="0"/>
+              <a:buChar char="•"/>
+              <a:defRPr sz="1800" kern="1200">
+                <a:solidFill>
+                  <a:schemeClr val="tx1"/>
+                </a:solidFill>
+                <a:latin typeface="+mn-lt"/>
+                <a:ea typeface="+mn-ea"/>
+                <a:cs typeface="+mn-cs"/>
+              </a:defRPr>
+            </a:lvl7pPr>
+            <a:lvl8pPr marL="3429000" indent="-228600" algn="l" defTabSz="914400" rtl="0" eaLnBrk="1" latinLnBrk="0" hangingPunct="1">
+              <a:lnSpc>
+                <a:spcPct val="90000"/>
+              </a:lnSpc>
+              <a:spcBef>
+                <a:spcPts val="500"/>
+              </a:spcBef>
+              <a:buFont typeface="Arial" panose="020B0604020202020204" pitchFamily="34" charset="0"/>
+              <a:buChar char="•"/>
+              <a:defRPr sz="1800" kern="1200">
+                <a:solidFill>
+                  <a:schemeClr val="tx1"/>
+                </a:solidFill>
+                <a:latin typeface="+mn-lt"/>
+                <a:ea typeface="+mn-ea"/>
+                <a:cs typeface="+mn-cs"/>
+              </a:defRPr>
+            </a:lvl8pPr>
+            <a:lvl9pPr marL="3886200" indent="-228600" algn="l" defTabSz="914400" rtl="0" eaLnBrk="1" latinLnBrk="0" hangingPunct="1">
+              <a:lnSpc>
+                <a:spcPct val="90000"/>
+              </a:lnSpc>
+              <a:spcBef>
+                <a:spcPts val="500"/>
+              </a:spcBef>
+              <a:buFont typeface="Arial" panose="020B0604020202020204" pitchFamily="34" charset="0"/>
+              <a:buChar char="•"/>
+              <a:defRPr sz="1800" kern="1200">
+                <a:solidFill>
+                  <a:schemeClr val="tx1"/>
+                </a:solidFill>
+                <a:latin typeface="+mn-lt"/>
+                <a:ea typeface="+mn-ea"/>
+                <a:cs typeface="+mn-cs"/>
+              </a:defRPr>
+            </a:lvl9pPr>
+          </a:lstStyle>
+          <a:p>
+            <a:pPr algn="ctr"/>
+            <a:r>
+              <a:rPr lang="en-US" sz="1600" i="1" dirty="0" smtClean="0">
+                <a:solidFill>
+                  <a:schemeClr val="accent4"/>
+                </a:solidFill>
               </a:rPr>
-              <a:t>10 threads</a:t>
-            </a:r>
-            <a:endParaRPr lang="en-US" b="1" i="1" dirty="0" err="1" smtClean="0">
+              <a:t>Java 8 with </a:t>
+            </a:r>
+          </a:p>
+          <a:p>
+            <a:pPr algn="ctr"/>
+            <a:r>
+              <a:rPr lang="en-US" sz="1600" i="1" dirty="0" smtClean="0">
+                <a:solidFill>
+                  <a:schemeClr val="accent4"/>
+                </a:solidFill>
+              </a:rPr>
+              <a:t>Lambda Expression</a:t>
+            </a:r>
+            <a:endParaRPr lang="en-US" sz="1600" i="1" dirty="0">
               <a:solidFill>
-                <a:srgbClr val="333333"/>
+                <a:schemeClr val="accent4"/>
               </a:solidFill>
-              <a:latin typeface="raleway" charset="0"/>
-            </a:endParaRPr>
-          </a:p>
-          <a:p>
-            <a:r>
-              <a:rPr lang="en-US" sz="1600" b="1" i="1" u="none" strike="noStrike" dirty="0" smtClean="0">
-                <a:solidFill>
-                  <a:srgbClr val="333333"/>
-                </a:solidFill>
-                <a:effectLst/>
-                <a:latin typeface="raleway" charset="0"/>
-              </a:rPr>
-              <a:t>100 task</a:t>
-            </a:r>
-            <a:endParaRPr lang="en-US" sz="1200" b="1" i="1" u="none" strike="noStrike" dirty="0" smtClean="0">
-              <a:solidFill>
-                <a:srgbClr val="333333"/>
-              </a:solidFill>
-              <a:effectLst/>
-              <a:latin typeface="raleway" charset="0"/>
-            </a:endParaRPr>
-          </a:p>
-          <a:p>
-            <a:endParaRPr lang="en-US" sz="1200" b="1" i="1" u="none" strike="noStrike" dirty="0" smtClean="0">
-              <a:solidFill>
-                <a:srgbClr val="333333"/>
-              </a:solidFill>
-              <a:effectLst/>
-              <a:latin typeface="raleway" charset="0"/>
             </a:endParaRPr>
           </a:p>
         </p:txBody>
       </p:sp>
     </p:spTree>
+    <p:extLst>
+      <p:ext uri="{BB962C8B-B14F-4D97-AF65-F5344CB8AC3E}">
+        <p14:creationId xmlns:p14="http://schemas.microsoft.com/office/powerpoint/2010/main" val="1260189789"/>
+      </p:ext>
+    </p:extLst>
   </p:cSld>
   <p:clrMapOvr>
     <a:masterClrMapping/>
   </p:clrMapOvr>
+  <p:timing>
+    <p:tnLst>
+      <p:par>
+        <p:cTn id="1" dur="indefinite" restart="never" nodeType="tmRoot"/>
+      </p:par>
+    </p:tnLst>
+  </p:timing>
 </p:sld>
 </file>
 
@@ -2296,74 +4348,296 @@
       </p:grpSpPr>
       <p:sp>
         <p:nvSpPr>
-          <p:cNvPr id="2" name="Content Placeholder 1"/>
-          <p:cNvSpPr>
-            <a:spLocks noGrp="1"/>
+          <p:cNvPr id="27" name="Content Placeholder 1"/>
+          <p:cNvSpPr txBox="1">
+            <a:spLocks/>
           </p:cNvSpPr>
-          <p:nvPr>
-            <p:ph sz="quarter" idx="10"/>
-          </p:nvPr>
+          <p:nvPr/>
         </p:nvSpPr>
         <p:spPr>
           <a:xfrm>
-            <a:off x="838200" y="685801"/>
-            <a:ext cx="10515600" cy="609599"/>
-          </a:xfrm>
+            <a:off x="838199" y="685801"/>
+            <a:ext cx="9067801" cy="457200"/>
+          </a:xfrm>
+          <a:prstGeom prst="rect">
+            <a:avLst/>
+          </a:prstGeom>
         </p:spPr>
         <p:txBody>
           <a:bodyPr/>
-          <a:lstStyle/>
-          <a:p>
-            <a:r>
-              <a:rPr lang="en-US" dirty="0" smtClean="0"/>
-              <a:t>WHAT IS JAVA FUTURE?</a:t>
-            </a:r>
-            <a:endParaRPr lang="en-US" dirty="0"/>
+          <a:lstStyle>
+            <a:lvl1pPr marL="0" indent="0" algn="l" defTabSz="914400" rtl="0" eaLnBrk="1" latinLnBrk="0" hangingPunct="1">
+              <a:lnSpc>
+                <a:spcPct val="90000"/>
+              </a:lnSpc>
+              <a:spcBef>
+                <a:spcPts val="1000"/>
+              </a:spcBef>
+              <a:buFont typeface="Arial" panose="020B0604020202020204" pitchFamily="34" charset="0"/>
+              <a:buNone/>
+              <a:defRPr sz="2800" b="1" i="0" kern="1200" baseline="0">
+                <a:solidFill>
+                  <a:schemeClr val="tx1"/>
+                </a:solidFill>
+                <a:latin typeface="+mn-lt"/>
+                <a:ea typeface="+mn-ea"/>
+                <a:cs typeface="+mn-cs"/>
+              </a:defRPr>
+            </a:lvl1pPr>
+            <a:lvl2pPr marL="685800" indent="-228600" algn="l" defTabSz="914400" rtl="0" eaLnBrk="1" latinLnBrk="0" hangingPunct="1">
+              <a:lnSpc>
+                <a:spcPct val="90000"/>
+              </a:lnSpc>
+              <a:spcBef>
+                <a:spcPts val="500"/>
+              </a:spcBef>
+              <a:buFont typeface="Arial" panose="020B0604020202020204" pitchFamily="34" charset="0"/>
+              <a:buChar char="•"/>
+              <a:defRPr sz="2400" kern="1200">
+                <a:solidFill>
+                  <a:schemeClr val="tx1"/>
+                </a:solidFill>
+                <a:latin typeface="+mn-lt"/>
+                <a:ea typeface="+mn-ea"/>
+                <a:cs typeface="+mn-cs"/>
+              </a:defRPr>
+            </a:lvl2pPr>
+            <a:lvl3pPr marL="1143000" indent="-228600" algn="l" defTabSz="914400" rtl="0" eaLnBrk="1" latinLnBrk="0" hangingPunct="1">
+              <a:lnSpc>
+                <a:spcPct val="90000"/>
+              </a:lnSpc>
+              <a:spcBef>
+                <a:spcPts val="500"/>
+              </a:spcBef>
+              <a:buFont typeface="Arial" panose="020B0604020202020204" pitchFamily="34" charset="0"/>
+              <a:buChar char="•"/>
+              <a:defRPr sz="2000" kern="1200">
+                <a:solidFill>
+                  <a:schemeClr val="tx1"/>
+                </a:solidFill>
+                <a:latin typeface="+mn-lt"/>
+                <a:ea typeface="+mn-ea"/>
+                <a:cs typeface="+mn-cs"/>
+              </a:defRPr>
+            </a:lvl3pPr>
+            <a:lvl4pPr marL="1600200" indent="-228600" algn="l" defTabSz="914400" rtl="0" eaLnBrk="1" latinLnBrk="0" hangingPunct="1">
+              <a:lnSpc>
+                <a:spcPct val="90000"/>
+              </a:lnSpc>
+              <a:spcBef>
+                <a:spcPts val="500"/>
+              </a:spcBef>
+              <a:buFont typeface="Arial" panose="020B0604020202020204" pitchFamily="34" charset="0"/>
+              <a:buChar char="•"/>
+              <a:defRPr sz="1800" kern="1200">
+                <a:solidFill>
+                  <a:schemeClr val="tx1"/>
+                </a:solidFill>
+                <a:latin typeface="+mn-lt"/>
+                <a:ea typeface="+mn-ea"/>
+                <a:cs typeface="+mn-cs"/>
+              </a:defRPr>
+            </a:lvl4pPr>
+            <a:lvl5pPr marL="2057400" indent="-228600" algn="l" defTabSz="914400" rtl="0" eaLnBrk="1" latinLnBrk="0" hangingPunct="1">
+              <a:lnSpc>
+                <a:spcPct val="90000"/>
+              </a:lnSpc>
+              <a:spcBef>
+                <a:spcPts val="500"/>
+              </a:spcBef>
+              <a:buFont typeface="Arial" panose="020B0604020202020204" pitchFamily="34" charset="0"/>
+              <a:buChar char="•"/>
+              <a:defRPr sz="1800" kern="1200">
+                <a:solidFill>
+                  <a:schemeClr val="tx1"/>
+                </a:solidFill>
+                <a:latin typeface="+mn-lt"/>
+                <a:ea typeface="+mn-ea"/>
+                <a:cs typeface="+mn-cs"/>
+              </a:defRPr>
+            </a:lvl5pPr>
+            <a:lvl6pPr marL="2514600" indent="-228600" algn="l" defTabSz="914400" rtl="0" eaLnBrk="1" latinLnBrk="0" hangingPunct="1">
+              <a:lnSpc>
+                <a:spcPct val="90000"/>
+              </a:lnSpc>
+              <a:spcBef>
+                <a:spcPts val="500"/>
+              </a:spcBef>
+              <a:buFont typeface="Arial" panose="020B0604020202020204" pitchFamily="34" charset="0"/>
+              <a:buChar char="•"/>
+              <a:defRPr sz="1800" kern="1200">
+                <a:solidFill>
+                  <a:schemeClr val="tx1"/>
+                </a:solidFill>
+                <a:latin typeface="+mn-lt"/>
+                <a:ea typeface="+mn-ea"/>
+                <a:cs typeface="+mn-cs"/>
+              </a:defRPr>
+            </a:lvl6pPr>
+            <a:lvl7pPr marL="2971800" indent="-228600" algn="l" defTabSz="914400" rtl="0" eaLnBrk="1" latinLnBrk="0" hangingPunct="1">
+              <a:lnSpc>
+                <a:spcPct val="90000"/>
+              </a:lnSpc>
+              <a:spcBef>
+                <a:spcPts val="500"/>
+              </a:spcBef>
+              <a:buFont typeface="Arial" panose="020B0604020202020204" pitchFamily="34" charset="0"/>
+              <a:buChar char="•"/>
+              <a:defRPr sz="1800" kern="1200">
+                <a:solidFill>
+                  <a:schemeClr val="tx1"/>
+                </a:solidFill>
+                <a:latin typeface="+mn-lt"/>
+                <a:ea typeface="+mn-ea"/>
+                <a:cs typeface="+mn-cs"/>
+              </a:defRPr>
+            </a:lvl7pPr>
+            <a:lvl8pPr marL="3429000" indent="-228600" algn="l" defTabSz="914400" rtl="0" eaLnBrk="1" latinLnBrk="0" hangingPunct="1">
+              <a:lnSpc>
+                <a:spcPct val="90000"/>
+              </a:lnSpc>
+              <a:spcBef>
+                <a:spcPts val="500"/>
+              </a:spcBef>
+              <a:buFont typeface="Arial" panose="020B0604020202020204" pitchFamily="34" charset="0"/>
+              <a:buChar char="•"/>
+              <a:defRPr sz="1800" kern="1200">
+                <a:solidFill>
+                  <a:schemeClr val="tx1"/>
+                </a:solidFill>
+                <a:latin typeface="+mn-lt"/>
+                <a:ea typeface="+mn-ea"/>
+                <a:cs typeface="+mn-cs"/>
+              </a:defRPr>
+            </a:lvl8pPr>
+            <a:lvl9pPr marL="3886200" indent="-228600" algn="l" defTabSz="914400" rtl="0" eaLnBrk="1" latinLnBrk="0" hangingPunct="1">
+              <a:lnSpc>
+                <a:spcPct val="90000"/>
+              </a:lnSpc>
+              <a:spcBef>
+                <a:spcPts val="500"/>
+              </a:spcBef>
+              <a:buFont typeface="Arial" panose="020B0604020202020204" pitchFamily="34" charset="0"/>
+              <a:buChar char="•"/>
+              <a:defRPr sz="1800" kern="1200">
+                <a:solidFill>
+                  <a:schemeClr val="tx1"/>
+                </a:solidFill>
+                <a:latin typeface="+mn-lt"/>
+                <a:ea typeface="+mn-ea"/>
+                <a:cs typeface="+mn-cs"/>
+              </a:defRPr>
+            </a:lvl9pPr>
+          </a:lstStyle>
+          <a:p>
+            <a:r>
+              <a:rPr lang="en-US" i="1" dirty="0"/>
+              <a:t>TRADITIONAL ASYNCHRONOUS BEST PRACTICE</a:t>
+            </a:r>
+          </a:p>
+          <a:p>
+            <a:r>
+              <a:rPr lang="en-US" i="1" dirty="0" smtClean="0"/>
+              <a:t> </a:t>
+            </a:r>
+            <a:endParaRPr lang="en-US" i="1" dirty="0"/>
           </a:p>
         </p:txBody>
       </p:sp>
       <p:pic>
         <p:nvPicPr>
-          <p:cNvPr id="7" name="Picture 6"/>
+          <p:cNvPr id="23" name="Picture 22"/>
           <p:cNvPicPr>
             <a:picLocks noChangeAspect="1"/>
           </p:cNvPicPr>
           <p:nvPr/>
         </p:nvPicPr>
         <p:blipFill>
-          <a:blip r:embed="rId1"/>
+          <a:blip r:embed="rId3"/>
           <a:stretch>
             <a:fillRect/>
           </a:stretch>
         </p:blipFill>
         <p:spPr>
           <a:xfrm>
-            <a:off x="1308100" y="1295400"/>
-            <a:ext cx="3733800" cy="3180271"/>
+            <a:off x="317500" y="1981199"/>
+            <a:ext cx="5461000" cy="1117600"/>
           </a:xfrm>
           <a:prstGeom prst="rect">
             <a:avLst/>
           </a:prstGeom>
         </p:spPr>
       </p:pic>
+      <p:sp>
+        <p:nvSpPr>
+          <p:cNvPr id="28" name="Rectangle 27"/>
+          <p:cNvSpPr/>
+          <p:nvPr/>
+        </p:nvSpPr>
+        <p:spPr>
+          <a:xfrm>
+            <a:off x="2108844" y="1969359"/>
+            <a:ext cx="762000" cy="228600"/>
+          </a:xfrm>
+          <a:prstGeom prst="rect">
+            <a:avLst/>
+          </a:prstGeom>
+          <a:solidFill>
+            <a:schemeClr val="accent4">
+              <a:alpha val="36000"/>
+            </a:schemeClr>
+          </a:solidFill>
+          <a:ln/>
+        </p:spPr>
+        <p:style>
+          <a:lnRef idx="2">
+            <a:schemeClr val="accent4">
+              <a:shade val="50000"/>
+            </a:schemeClr>
+          </a:lnRef>
+          <a:fillRef idx="1">
+            <a:schemeClr val="accent4"/>
+          </a:fillRef>
+          <a:effectRef idx="0">
+            <a:schemeClr val="accent4"/>
+          </a:effectRef>
+          <a:fontRef idx="minor">
+            <a:schemeClr val="lt1"/>
+          </a:fontRef>
+        </p:style>
+        <p:txBody>
+          <a:bodyPr rtlCol="0" anchor="ctr"/>
+          <a:lstStyle/>
+          <a:p>
+            <a:pPr algn="ctr"/>
+            <a:endParaRPr lang="en-US"/>
+          </a:p>
+        </p:txBody>
+      </p:sp>
       <p:pic>
         <p:nvPicPr>
-          <p:cNvPr id="8" name="Picture 7"/>
+          <p:cNvPr id="32" name="Picture 31"/>
           <p:cNvPicPr>
             <a:picLocks noChangeAspect="1"/>
           </p:cNvPicPr>
           <p:nvPr/>
         </p:nvPicPr>
         <p:blipFill>
-          <a:blip r:embed="rId2"/>
+          <a:blip r:embed="rId4">
+            <a:extLst>
+              <a:ext uri="{28A0092B-C50C-407E-A947-70E740481C1C}">
+                <a14:useLocalDpi xmlns:a14="http://schemas.microsoft.com/office/drawing/2010/main" val="0"/>
+              </a:ext>
+            </a:extLst>
+          </a:blip>
           <a:stretch>
             <a:fillRect/>
           </a:stretch>
         </p:blipFill>
         <p:spPr>
-          <a:xfrm>
-            <a:off x="7543800" y="1252080"/>
-            <a:ext cx="3609036" cy="3251200"/>
+          <a:xfrm flipH="1">
+            <a:off x="4114800" y="1612899"/>
+            <a:ext cx="736601" cy="736601"/>
           </a:xfrm>
           <a:prstGeom prst="rect">
             <a:avLst/>
@@ -2372,96 +4646,1256 @@
       </p:pic>
       <p:sp>
         <p:nvSpPr>
-          <p:cNvPr id="9" name="TextBox 8"/>
-          <p:cNvSpPr txBox="1"/>
+          <p:cNvPr id="33" name="Down Arrow 32"/>
+          <p:cNvSpPr/>
           <p:nvPr/>
         </p:nvSpPr>
         <p:spPr>
           <a:xfrm>
-            <a:off x="0" y="0"/>
-            <a:ext cx="3886200" cy="461665"/>
+            <a:off x="1442224" y="3467101"/>
+            <a:ext cx="304800" cy="838200"/>
+          </a:xfrm>
+          <a:prstGeom prst="downArrow">
+            <a:avLst/>
+          </a:prstGeom>
+        </p:spPr>
+        <p:style>
+          <a:lnRef idx="2">
+            <a:schemeClr val="accent1">
+              <a:shade val="50000"/>
+            </a:schemeClr>
+          </a:lnRef>
+          <a:fillRef idx="1">
+            <a:schemeClr val="accent1"/>
+          </a:fillRef>
+          <a:effectRef idx="0">
+            <a:schemeClr val="accent1"/>
+          </a:effectRef>
+          <a:fontRef idx="minor">
+            <a:schemeClr val="lt1"/>
+          </a:fontRef>
+        </p:style>
+        <p:txBody>
+          <a:bodyPr rtlCol="0" anchor="ctr"/>
+          <a:lstStyle/>
+          <a:p>
+            <a:pPr algn="ctr"/>
+            <a:endParaRPr lang="en-US"/>
+          </a:p>
+        </p:txBody>
+      </p:sp>
+      <p:sp>
+        <p:nvSpPr>
+          <p:cNvPr id="34" name="Content Placeholder 1"/>
+          <p:cNvSpPr txBox="1">
+            <a:spLocks/>
+          </p:cNvSpPr>
+          <p:nvPr/>
+        </p:nvSpPr>
+        <p:spPr>
+          <a:xfrm>
+            <a:off x="-322990" y="4327270"/>
+            <a:ext cx="3835228" cy="346332"/>
           </a:xfrm>
           <a:prstGeom prst="rect">
             <a:avLst/>
           </a:prstGeom>
+        </p:spPr>
+        <p:txBody>
+          <a:bodyPr/>
+          <a:lstStyle>
+            <a:lvl1pPr marL="0" indent="0" algn="l" defTabSz="914400" rtl="0" eaLnBrk="1" latinLnBrk="0" hangingPunct="1">
+              <a:lnSpc>
+                <a:spcPct val="90000"/>
+              </a:lnSpc>
+              <a:spcBef>
+                <a:spcPts val="1000"/>
+              </a:spcBef>
+              <a:buFont typeface="Arial" panose="020B0604020202020204" pitchFamily="34" charset="0"/>
+              <a:buNone/>
+              <a:defRPr sz="2800" b="1" i="0" kern="1200" baseline="0">
+                <a:solidFill>
+                  <a:schemeClr val="tx1"/>
+                </a:solidFill>
+                <a:latin typeface="+mn-lt"/>
+                <a:ea typeface="+mn-ea"/>
+                <a:cs typeface="+mn-cs"/>
+              </a:defRPr>
+            </a:lvl1pPr>
+            <a:lvl2pPr marL="685800" indent="-228600" algn="l" defTabSz="914400" rtl="0" eaLnBrk="1" latinLnBrk="0" hangingPunct="1">
+              <a:lnSpc>
+                <a:spcPct val="90000"/>
+              </a:lnSpc>
+              <a:spcBef>
+                <a:spcPts val="500"/>
+              </a:spcBef>
+              <a:buFont typeface="Arial" panose="020B0604020202020204" pitchFamily="34" charset="0"/>
+              <a:buChar char="•"/>
+              <a:defRPr sz="2400" kern="1200">
+                <a:solidFill>
+                  <a:schemeClr val="tx1"/>
+                </a:solidFill>
+                <a:latin typeface="+mn-lt"/>
+                <a:ea typeface="+mn-ea"/>
+                <a:cs typeface="+mn-cs"/>
+              </a:defRPr>
+            </a:lvl2pPr>
+            <a:lvl3pPr marL="1143000" indent="-228600" algn="l" defTabSz="914400" rtl="0" eaLnBrk="1" latinLnBrk="0" hangingPunct="1">
+              <a:lnSpc>
+                <a:spcPct val="90000"/>
+              </a:lnSpc>
+              <a:spcBef>
+                <a:spcPts val="500"/>
+              </a:spcBef>
+              <a:buFont typeface="Arial" panose="020B0604020202020204" pitchFamily="34" charset="0"/>
+              <a:buChar char="•"/>
+              <a:defRPr sz="2000" kern="1200">
+                <a:solidFill>
+                  <a:schemeClr val="tx1"/>
+                </a:solidFill>
+                <a:latin typeface="+mn-lt"/>
+                <a:ea typeface="+mn-ea"/>
+                <a:cs typeface="+mn-cs"/>
+              </a:defRPr>
+            </a:lvl3pPr>
+            <a:lvl4pPr marL="1600200" indent="-228600" algn="l" defTabSz="914400" rtl="0" eaLnBrk="1" latinLnBrk="0" hangingPunct="1">
+              <a:lnSpc>
+                <a:spcPct val="90000"/>
+              </a:lnSpc>
+              <a:spcBef>
+                <a:spcPts val="500"/>
+              </a:spcBef>
+              <a:buFont typeface="Arial" panose="020B0604020202020204" pitchFamily="34" charset="0"/>
+              <a:buChar char="•"/>
+              <a:defRPr sz="1800" kern="1200">
+                <a:solidFill>
+                  <a:schemeClr val="tx1"/>
+                </a:solidFill>
+                <a:latin typeface="+mn-lt"/>
+                <a:ea typeface="+mn-ea"/>
+                <a:cs typeface="+mn-cs"/>
+              </a:defRPr>
+            </a:lvl4pPr>
+            <a:lvl5pPr marL="2057400" indent="-228600" algn="l" defTabSz="914400" rtl="0" eaLnBrk="1" latinLnBrk="0" hangingPunct="1">
+              <a:lnSpc>
+                <a:spcPct val="90000"/>
+              </a:lnSpc>
+              <a:spcBef>
+                <a:spcPts val="500"/>
+              </a:spcBef>
+              <a:buFont typeface="Arial" panose="020B0604020202020204" pitchFamily="34" charset="0"/>
+              <a:buChar char="•"/>
+              <a:defRPr sz="1800" kern="1200">
+                <a:solidFill>
+                  <a:schemeClr val="tx1"/>
+                </a:solidFill>
+                <a:latin typeface="+mn-lt"/>
+                <a:ea typeface="+mn-ea"/>
+                <a:cs typeface="+mn-cs"/>
+              </a:defRPr>
+            </a:lvl5pPr>
+            <a:lvl6pPr marL="2514600" indent="-228600" algn="l" defTabSz="914400" rtl="0" eaLnBrk="1" latinLnBrk="0" hangingPunct="1">
+              <a:lnSpc>
+                <a:spcPct val="90000"/>
+              </a:lnSpc>
+              <a:spcBef>
+                <a:spcPts val="500"/>
+              </a:spcBef>
+              <a:buFont typeface="Arial" panose="020B0604020202020204" pitchFamily="34" charset="0"/>
+              <a:buChar char="•"/>
+              <a:defRPr sz="1800" kern="1200">
+                <a:solidFill>
+                  <a:schemeClr val="tx1"/>
+                </a:solidFill>
+                <a:latin typeface="+mn-lt"/>
+                <a:ea typeface="+mn-ea"/>
+                <a:cs typeface="+mn-cs"/>
+              </a:defRPr>
+            </a:lvl6pPr>
+            <a:lvl7pPr marL="2971800" indent="-228600" algn="l" defTabSz="914400" rtl="0" eaLnBrk="1" latinLnBrk="0" hangingPunct="1">
+              <a:lnSpc>
+                <a:spcPct val="90000"/>
+              </a:lnSpc>
+              <a:spcBef>
+                <a:spcPts val="500"/>
+              </a:spcBef>
+              <a:buFont typeface="Arial" panose="020B0604020202020204" pitchFamily="34" charset="0"/>
+              <a:buChar char="•"/>
+              <a:defRPr sz="1800" kern="1200">
+                <a:solidFill>
+                  <a:schemeClr val="tx1"/>
+                </a:solidFill>
+                <a:latin typeface="+mn-lt"/>
+                <a:ea typeface="+mn-ea"/>
+                <a:cs typeface="+mn-cs"/>
+              </a:defRPr>
+            </a:lvl7pPr>
+            <a:lvl8pPr marL="3429000" indent="-228600" algn="l" defTabSz="914400" rtl="0" eaLnBrk="1" latinLnBrk="0" hangingPunct="1">
+              <a:lnSpc>
+                <a:spcPct val="90000"/>
+              </a:lnSpc>
+              <a:spcBef>
+                <a:spcPts val="500"/>
+              </a:spcBef>
+              <a:buFont typeface="Arial" panose="020B0604020202020204" pitchFamily="34" charset="0"/>
+              <a:buChar char="•"/>
+              <a:defRPr sz="1800" kern="1200">
+                <a:solidFill>
+                  <a:schemeClr val="tx1"/>
+                </a:solidFill>
+                <a:latin typeface="+mn-lt"/>
+                <a:ea typeface="+mn-ea"/>
+                <a:cs typeface="+mn-cs"/>
+              </a:defRPr>
+            </a:lvl8pPr>
+            <a:lvl9pPr marL="3886200" indent="-228600" algn="l" defTabSz="914400" rtl="0" eaLnBrk="1" latinLnBrk="0" hangingPunct="1">
+              <a:lnSpc>
+                <a:spcPct val="90000"/>
+              </a:lnSpc>
+              <a:spcBef>
+                <a:spcPts val="500"/>
+              </a:spcBef>
+              <a:buFont typeface="Arial" panose="020B0604020202020204" pitchFamily="34" charset="0"/>
+              <a:buChar char="•"/>
+              <a:defRPr sz="1800" kern="1200">
+                <a:solidFill>
+                  <a:schemeClr val="tx1"/>
+                </a:solidFill>
+                <a:latin typeface="+mn-lt"/>
+                <a:ea typeface="+mn-ea"/>
+                <a:cs typeface="+mn-cs"/>
+              </a:defRPr>
+            </a:lvl9pPr>
+          </a:lstStyle>
+          <a:p>
+            <a:pPr algn="ctr"/>
+            <a:r>
+              <a:rPr lang="en-US" sz="1600" i="1" dirty="0" smtClean="0">
+                <a:solidFill>
+                  <a:schemeClr val="accent4"/>
+                </a:solidFill>
+              </a:rPr>
+              <a:t>Java Executor Service</a:t>
+            </a:r>
+            <a:endParaRPr lang="en-US" sz="1600" i="1" dirty="0">
+              <a:solidFill>
+                <a:schemeClr val="accent4"/>
+              </a:solidFill>
+            </a:endParaRPr>
+          </a:p>
+        </p:txBody>
+      </p:sp>
+      <p:sp>
+        <p:nvSpPr>
+          <p:cNvPr id="35" name="Rectangle 34"/>
+          <p:cNvSpPr/>
+          <p:nvPr/>
+        </p:nvSpPr>
+        <p:spPr>
+          <a:xfrm>
+            <a:off x="3783743" y="2971963"/>
+            <a:ext cx="1143000" cy="1676400"/>
+          </a:xfrm>
+          <a:prstGeom prst="rect">
+            <a:avLst/>
+          </a:prstGeom>
           <a:noFill/>
-        </p:spPr>
+          <a:ln>
+            <a:solidFill>
+              <a:schemeClr val="tx1"/>
+            </a:solidFill>
+          </a:ln>
+        </p:spPr>
+        <p:style>
+          <a:lnRef idx="2">
+            <a:schemeClr val="accent1">
+              <a:shade val="50000"/>
+            </a:schemeClr>
+          </a:lnRef>
+          <a:fillRef idx="1">
+            <a:schemeClr val="accent1"/>
+          </a:fillRef>
+          <a:effectRef idx="0">
+            <a:schemeClr val="accent1"/>
+          </a:effectRef>
+          <a:fontRef idx="minor">
+            <a:schemeClr val="lt1"/>
+          </a:fontRef>
+        </p:style>
         <p:txBody>
-          <a:bodyPr wrap="square" rtlCol="0">
-            <a:spAutoFit/>
+          <a:bodyPr rtlCol="0" anchor="ctr"/>
+          <a:lstStyle/>
+          <a:p>
+            <a:pPr algn="ctr"/>
+            <a:r>
+              <a:rPr lang="en-US" b="1" dirty="0" smtClean="0">
+                <a:solidFill>
+                  <a:schemeClr val="tx1"/>
+                </a:solidFill>
+              </a:rPr>
+              <a:t>Submit Tasks</a:t>
+            </a:r>
+            <a:endParaRPr lang="en-US" b="1" dirty="0">
+              <a:solidFill>
+                <a:schemeClr val="tx1"/>
+              </a:solidFill>
+            </a:endParaRPr>
+          </a:p>
+        </p:txBody>
+      </p:sp>
+      <p:sp>
+        <p:nvSpPr>
+          <p:cNvPr id="36" name="Rectangle 35"/>
+          <p:cNvSpPr/>
+          <p:nvPr/>
+        </p:nvSpPr>
+        <p:spPr>
+          <a:xfrm>
+            <a:off x="5817221" y="3525103"/>
+            <a:ext cx="556202" cy="556048"/>
+          </a:xfrm>
+          <a:prstGeom prst="rect">
+            <a:avLst/>
+          </a:prstGeom>
+          <a:solidFill>
+            <a:schemeClr val="accent1">
+              <a:lumMod val="20000"/>
+              <a:lumOff val="80000"/>
+            </a:schemeClr>
+          </a:solidFill>
+          <a:ln>
+            <a:solidFill>
+              <a:schemeClr val="tx1"/>
+            </a:solidFill>
+          </a:ln>
+        </p:spPr>
+        <p:style>
+          <a:lnRef idx="2">
+            <a:schemeClr val="accent1">
+              <a:shade val="50000"/>
+            </a:schemeClr>
+          </a:lnRef>
+          <a:fillRef idx="1">
+            <a:schemeClr val="accent1"/>
+          </a:fillRef>
+          <a:effectRef idx="0">
+            <a:schemeClr val="accent1"/>
+          </a:effectRef>
+          <a:fontRef idx="minor">
+            <a:schemeClr val="lt1"/>
+          </a:fontRef>
+        </p:style>
+        <p:txBody>
+          <a:bodyPr rtlCol="0" anchor="ctr"/>
+          <a:lstStyle/>
+          <a:p>
+            <a:pPr algn="ctr"/>
+            <a:r>
+              <a:rPr lang="en-US" sz="1400" dirty="0" smtClean="0">
+                <a:solidFill>
+                  <a:schemeClr val="tx1"/>
+                </a:solidFill>
+              </a:rPr>
+              <a:t>Task </a:t>
+            </a:r>
+          </a:p>
+          <a:p>
+            <a:pPr algn="ctr"/>
+            <a:r>
+              <a:rPr lang="en-US" sz="1400" dirty="0" smtClean="0">
+                <a:solidFill>
+                  <a:schemeClr val="tx1"/>
+                </a:solidFill>
+              </a:rPr>
+              <a:t>1</a:t>
+            </a:r>
+            <a:endParaRPr lang="en-US" sz="1400" dirty="0">
+              <a:solidFill>
+                <a:schemeClr val="tx1"/>
+              </a:solidFill>
+            </a:endParaRPr>
+          </a:p>
+        </p:txBody>
+      </p:sp>
+      <p:sp>
+        <p:nvSpPr>
+          <p:cNvPr id="38" name="Rectangle 37"/>
+          <p:cNvSpPr/>
+          <p:nvPr/>
+        </p:nvSpPr>
+        <p:spPr>
+          <a:xfrm>
+            <a:off x="6543522" y="3525103"/>
+            <a:ext cx="599645" cy="556047"/>
+          </a:xfrm>
+          <a:prstGeom prst="rect">
+            <a:avLst/>
+          </a:prstGeom>
+          <a:solidFill>
+            <a:schemeClr val="accent1">
+              <a:lumMod val="20000"/>
+              <a:lumOff val="80000"/>
+            </a:schemeClr>
+          </a:solidFill>
+          <a:ln>
+            <a:solidFill>
+              <a:schemeClr val="tx1"/>
+            </a:solidFill>
+          </a:ln>
+        </p:spPr>
+        <p:style>
+          <a:lnRef idx="2">
+            <a:schemeClr val="accent1">
+              <a:shade val="50000"/>
+            </a:schemeClr>
+          </a:lnRef>
+          <a:fillRef idx="1">
+            <a:schemeClr val="accent1"/>
+          </a:fillRef>
+          <a:effectRef idx="0">
+            <a:schemeClr val="accent1"/>
+          </a:effectRef>
+          <a:fontRef idx="minor">
+            <a:schemeClr val="lt1"/>
+          </a:fontRef>
+        </p:style>
+        <p:txBody>
+          <a:bodyPr rtlCol="0" anchor="ctr"/>
+          <a:lstStyle/>
+          <a:p>
+            <a:pPr algn="ctr"/>
+            <a:r>
+              <a:rPr lang="en-US" sz="1400" dirty="0" smtClean="0">
+                <a:solidFill>
+                  <a:schemeClr val="tx1"/>
+                </a:solidFill>
+              </a:rPr>
+              <a:t>Task </a:t>
+            </a:r>
+          </a:p>
+          <a:p>
+            <a:pPr algn="ctr"/>
+            <a:r>
+              <a:rPr lang="en-US" sz="1400" dirty="0" smtClean="0">
+                <a:solidFill>
+                  <a:schemeClr val="tx1"/>
+                </a:solidFill>
+              </a:rPr>
+              <a:t>2</a:t>
+            </a:r>
+            <a:endParaRPr lang="en-US" sz="1400" dirty="0">
+              <a:solidFill>
+                <a:schemeClr val="tx1"/>
+              </a:solidFill>
+            </a:endParaRPr>
+          </a:p>
+        </p:txBody>
+      </p:sp>
+      <p:sp>
+        <p:nvSpPr>
+          <p:cNvPr id="39" name="Rectangle 38"/>
+          <p:cNvSpPr/>
+          <p:nvPr/>
+        </p:nvSpPr>
+        <p:spPr>
+          <a:xfrm>
+            <a:off x="7313266" y="3525103"/>
+            <a:ext cx="599645" cy="556047"/>
+          </a:xfrm>
+          <a:prstGeom prst="rect">
+            <a:avLst/>
+          </a:prstGeom>
+          <a:solidFill>
+            <a:schemeClr val="accent1">
+              <a:lumMod val="20000"/>
+              <a:lumOff val="80000"/>
+            </a:schemeClr>
+          </a:solidFill>
+          <a:ln>
+            <a:solidFill>
+              <a:schemeClr val="tx1"/>
+            </a:solidFill>
+          </a:ln>
+        </p:spPr>
+        <p:style>
+          <a:lnRef idx="2">
+            <a:schemeClr val="accent1">
+              <a:shade val="50000"/>
+            </a:schemeClr>
+          </a:lnRef>
+          <a:fillRef idx="1">
+            <a:schemeClr val="accent1"/>
+          </a:fillRef>
+          <a:effectRef idx="0">
+            <a:schemeClr val="accent1"/>
+          </a:effectRef>
+          <a:fontRef idx="minor">
+            <a:schemeClr val="lt1"/>
+          </a:fontRef>
+        </p:style>
+        <p:txBody>
+          <a:bodyPr rtlCol="0" anchor="ctr"/>
+          <a:lstStyle/>
+          <a:p>
+            <a:pPr algn="ctr"/>
+            <a:r>
+              <a:rPr lang="en-US" sz="1400" dirty="0" smtClean="0">
+                <a:solidFill>
+                  <a:schemeClr val="tx1"/>
+                </a:solidFill>
+              </a:rPr>
+              <a:t>Task </a:t>
+            </a:r>
+          </a:p>
+          <a:p>
+            <a:pPr algn="ctr"/>
+            <a:r>
+              <a:rPr lang="en-US" sz="1400" dirty="0" smtClean="0">
+                <a:solidFill>
+                  <a:schemeClr val="tx1"/>
+                </a:solidFill>
+              </a:rPr>
+              <a:t>3</a:t>
+            </a:r>
+            <a:endParaRPr lang="en-US" sz="1400" dirty="0">
+              <a:solidFill>
+                <a:schemeClr val="tx1"/>
+              </a:solidFill>
+            </a:endParaRPr>
+          </a:p>
+        </p:txBody>
+      </p:sp>
+      <p:sp>
+        <p:nvSpPr>
+          <p:cNvPr id="40" name="Rectangle 39"/>
+          <p:cNvSpPr/>
+          <p:nvPr/>
+        </p:nvSpPr>
+        <p:spPr>
+          <a:xfrm>
+            <a:off x="8546243" y="3539176"/>
+            <a:ext cx="723900" cy="541974"/>
+          </a:xfrm>
+          <a:prstGeom prst="rect">
+            <a:avLst/>
+          </a:prstGeom>
+          <a:solidFill>
+            <a:schemeClr val="accent1">
+              <a:lumMod val="20000"/>
+              <a:lumOff val="80000"/>
+            </a:schemeClr>
+          </a:solidFill>
+          <a:ln>
+            <a:solidFill>
+              <a:schemeClr val="tx1"/>
+            </a:solidFill>
+          </a:ln>
+        </p:spPr>
+        <p:style>
+          <a:lnRef idx="2">
+            <a:schemeClr val="accent1">
+              <a:shade val="50000"/>
+            </a:schemeClr>
+          </a:lnRef>
+          <a:fillRef idx="1">
+            <a:schemeClr val="accent1"/>
+          </a:fillRef>
+          <a:effectRef idx="0">
+            <a:schemeClr val="accent1"/>
+          </a:effectRef>
+          <a:fontRef idx="minor">
+            <a:schemeClr val="lt1"/>
+          </a:fontRef>
+        </p:style>
+        <p:txBody>
+          <a:bodyPr rtlCol="0" anchor="ctr"/>
+          <a:lstStyle/>
+          <a:p>
+            <a:pPr algn="ctr"/>
+            <a:r>
+              <a:rPr lang="en-US" sz="1400" dirty="0" smtClean="0">
+                <a:solidFill>
+                  <a:schemeClr val="tx1"/>
+                </a:solidFill>
+              </a:rPr>
+              <a:t>Task 10000</a:t>
+            </a:r>
+            <a:endParaRPr lang="en-US" sz="1400" dirty="0">
+              <a:solidFill>
+                <a:schemeClr val="tx1"/>
+              </a:solidFill>
+            </a:endParaRPr>
+          </a:p>
+        </p:txBody>
+      </p:sp>
+      <p:sp>
+        <p:nvSpPr>
+          <p:cNvPr id="41" name="Rectangle 40"/>
+          <p:cNvSpPr/>
+          <p:nvPr/>
+        </p:nvSpPr>
+        <p:spPr>
+          <a:xfrm>
+            <a:off x="8027720" y="3525103"/>
+            <a:ext cx="364198" cy="556047"/>
+          </a:xfrm>
+          <a:prstGeom prst="rect">
+            <a:avLst/>
+          </a:prstGeom>
+          <a:noFill/>
+          <a:ln>
+            <a:noFill/>
+          </a:ln>
+        </p:spPr>
+        <p:style>
+          <a:lnRef idx="2">
+            <a:schemeClr val="accent1">
+              <a:shade val="50000"/>
+            </a:schemeClr>
+          </a:lnRef>
+          <a:fillRef idx="1">
+            <a:schemeClr val="accent1"/>
+          </a:fillRef>
+          <a:effectRef idx="0">
+            <a:schemeClr val="accent1"/>
+          </a:effectRef>
+          <a:fontRef idx="minor">
+            <a:schemeClr val="lt1"/>
+          </a:fontRef>
+        </p:style>
+        <p:txBody>
+          <a:bodyPr rtlCol="0" anchor="ctr"/>
+          <a:lstStyle/>
+          <a:p>
+            <a:pPr algn="ctr"/>
+            <a:r>
+              <a:rPr lang="mr-IN" dirty="0" smtClean="0">
+                <a:solidFill>
+                  <a:schemeClr val="tx1"/>
+                </a:solidFill>
+              </a:rPr>
+              <a:t>…</a:t>
+            </a:r>
+            <a:endParaRPr lang="en-US" dirty="0">
+              <a:solidFill>
+                <a:schemeClr val="tx1"/>
+              </a:solidFill>
+            </a:endParaRPr>
+          </a:p>
+        </p:txBody>
+      </p:sp>
+      <p:sp>
+        <p:nvSpPr>
+          <p:cNvPr id="42" name="Rectangle 41"/>
+          <p:cNvSpPr/>
+          <p:nvPr/>
+        </p:nvSpPr>
+        <p:spPr>
+          <a:xfrm>
+            <a:off x="9982200" y="2667000"/>
+            <a:ext cx="1828800" cy="3048000"/>
+          </a:xfrm>
+          <a:prstGeom prst="rect">
+            <a:avLst/>
+          </a:prstGeom>
+          <a:noFill/>
+          <a:ln>
+            <a:solidFill>
+              <a:schemeClr val="tx1"/>
+            </a:solidFill>
+          </a:ln>
+        </p:spPr>
+        <p:style>
+          <a:lnRef idx="2">
+            <a:schemeClr val="accent1">
+              <a:shade val="50000"/>
+            </a:schemeClr>
+          </a:lnRef>
+          <a:fillRef idx="1">
+            <a:schemeClr val="accent1"/>
+          </a:fillRef>
+          <a:effectRef idx="0">
+            <a:schemeClr val="accent1"/>
+          </a:effectRef>
+          <a:fontRef idx="minor">
+            <a:schemeClr val="lt1"/>
+          </a:fontRef>
+        </p:style>
+        <p:txBody>
+          <a:bodyPr wrap="square" rtlCol="0" anchor="t">
+            <a:noAutofit/>
           </a:bodyPr>
           <a:lstStyle/>
           <a:p>
-            <a:r>
-              <a:rPr lang="en-US" sz="2400" i="1" dirty="0" smtClean="0">
-                <a:solidFill>
-                  <a:srgbClr val="02A9F7"/>
+            <a:pPr algn="ctr"/>
+            <a:r>
+              <a:rPr lang="en-US" b="1" i="1" dirty="0" smtClean="0">
+                <a:solidFill>
+                  <a:schemeClr val="tx1"/>
                 </a:solidFill>
               </a:rPr>
-              <a:t>JAVA FUTURE</a:t>
-            </a:r>
-            <a:endParaRPr lang="en-US" sz="2400" i="1" dirty="0">
+              <a:t>Thread Pool</a:t>
+            </a:r>
+            <a:endParaRPr lang="en-US" b="1" i="1" dirty="0">
               <a:solidFill>
-                <a:srgbClr val="02A9F7"/>
+                <a:schemeClr val="tx1"/>
               </a:solidFill>
             </a:endParaRPr>
           </a:p>
         </p:txBody>
       </p:sp>
+      <p:sp>
+        <p:nvSpPr>
+          <p:cNvPr id="43" name="Rectangle 42"/>
+          <p:cNvSpPr/>
+          <p:nvPr/>
+        </p:nvSpPr>
+        <p:spPr>
+          <a:xfrm>
+            <a:off x="10263315" y="3179800"/>
+            <a:ext cx="1347917" cy="440376"/>
+          </a:xfrm>
+          <a:prstGeom prst="rect">
+            <a:avLst/>
+          </a:prstGeom>
+          <a:solidFill>
+            <a:srgbClr val="FF9900"/>
+          </a:solidFill>
+          <a:ln>
+            <a:noFill/>
+          </a:ln>
+        </p:spPr>
+        <p:style>
+          <a:lnRef idx="2">
+            <a:schemeClr val="accent1">
+              <a:shade val="50000"/>
+            </a:schemeClr>
+          </a:lnRef>
+          <a:fillRef idx="1">
+            <a:schemeClr val="accent1"/>
+          </a:fillRef>
+          <a:effectRef idx="0">
+            <a:schemeClr val="accent1"/>
+          </a:effectRef>
+          <a:fontRef idx="minor">
+            <a:schemeClr val="lt1"/>
+          </a:fontRef>
+        </p:style>
+        <p:txBody>
+          <a:bodyPr rtlCol="0" anchor="ctr"/>
+          <a:lstStyle/>
+          <a:p>
+            <a:pPr algn="ctr"/>
+            <a:r>
+              <a:rPr lang="en-US" sz="1400" dirty="0" err="1" smtClean="0">
+                <a:solidFill>
+                  <a:schemeClr val="bg1"/>
+                </a:solidFill>
+              </a:rPr>
+              <a:t>ThreadPool</a:t>
+            </a:r>
+            <a:r>
+              <a:rPr lang="en-US" sz="1400" dirty="0" smtClean="0">
+                <a:solidFill>
+                  <a:schemeClr val="bg1"/>
+                </a:solidFill>
+              </a:rPr>
+              <a:t> 1</a:t>
+            </a:r>
+            <a:endParaRPr lang="en-US" sz="1400" dirty="0">
+              <a:solidFill>
+                <a:schemeClr val="bg1"/>
+              </a:solidFill>
+            </a:endParaRPr>
+          </a:p>
+        </p:txBody>
+      </p:sp>
+      <p:sp>
+        <p:nvSpPr>
+          <p:cNvPr id="44" name="Rectangle 43"/>
+          <p:cNvSpPr/>
+          <p:nvPr/>
+        </p:nvSpPr>
+        <p:spPr>
+          <a:xfrm>
+            <a:off x="10263315" y="3803127"/>
+            <a:ext cx="1347917" cy="440376"/>
+          </a:xfrm>
+          <a:prstGeom prst="rect">
+            <a:avLst/>
+          </a:prstGeom>
+          <a:solidFill>
+            <a:srgbClr val="FF9900"/>
+          </a:solidFill>
+          <a:ln>
+            <a:noFill/>
+          </a:ln>
+        </p:spPr>
+        <p:style>
+          <a:lnRef idx="2">
+            <a:schemeClr val="accent1">
+              <a:shade val="50000"/>
+            </a:schemeClr>
+          </a:lnRef>
+          <a:fillRef idx="1">
+            <a:schemeClr val="accent1"/>
+          </a:fillRef>
+          <a:effectRef idx="0">
+            <a:schemeClr val="accent1"/>
+          </a:effectRef>
+          <a:fontRef idx="minor">
+            <a:schemeClr val="lt1"/>
+          </a:fontRef>
+        </p:style>
+        <p:txBody>
+          <a:bodyPr rtlCol="0" anchor="ctr"/>
+          <a:lstStyle/>
+          <a:p>
+            <a:pPr algn="ctr"/>
+            <a:r>
+              <a:rPr lang="en-US" sz="1400" dirty="0" err="1" smtClean="0">
+                <a:solidFill>
+                  <a:schemeClr val="bg1"/>
+                </a:solidFill>
+              </a:rPr>
+              <a:t>ThreadPool</a:t>
+            </a:r>
+            <a:r>
+              <a:rPr lang="en-US" sz="1400" dirty="0" smtClean="0">
+                <a:solidFill>
+                  <a:schemeClr val="bg1"/>
+                </a:solidFill>
+              </a:rPr>
+              <a:t> 2</a:t>
+            </a:r>
+            <a:endParaRPr lang="en-US" sz="1400" dirty="0">
+              <a:solidFill>
+                <a:schemeClr val="bg1"/>
+              </a:solidFill>
+            </a:endParaRPr>
+          </a:p>
+        </p:txBody>
+      </p:sp>
+      <p:sp>
+        <p:nvSpPr>
+          <p:cNvPr id="46" name="Rectangle 45"/>
+          <p:cNvSpPr/>
+          <p:nvPr/>
+        </p:nvSpPr>
+        <p:spPr>
+          <a:xfrm>
+            <a:off x="10310683" y="4993668"/>
+            <a:ext cx="1347917" cy="440376"/>
+          </a:xfrm>
+          <a:prstGeom prst="rect">
+            <a:avLst/>
+          </a:prstGeom>
+          <a:solidFill>
+            <a:srgbClr val="FF9900"/>
+          </a:solidFill>
+          <a:ln>
+            <a:noFill/>
+          </a:ln>
+        </p:spPr>
+        <p:style>
+          <a:lnRef idx="2">
+            <a:schemeClr val="accent1">
+              <a:shade val="50000"/>
+            </a:schemeClr>
+          </a:lnRef>
+          <a:fillRef idx="1">
+            <a:schemeClr val="accent1"/>
+          </a:fillRef>
+          <a:effectRef idx="0">
+            <a:schemeClr val="accent1"/>
+          </a:effectRef>
+          <a:fontRef idx="minor">
+            <a:schemeClr val="lt1"/>
+          </a:fontRef>
+        </p:style>
+        <p:txBody>
+          <a:bodyPr rtlCol="0" anchor="ctr"/>
+          <a:lstStyle/>
+          <a:p>
+            <a:pPr algn="ctr"/>
+            <a:r>
+              <a:rPr lang="en-US" sz="1400" dirty="0" err="1" smtClean="0">
+                <a:solidFill>
+                  <a:schemeClr val="bg1"/>
+                </a:solidFill>
+              </a:rPr>
+              <a:t>ThreadPool</a:t>
+            </a:r>
+            <a:r>
+              <a:rPr lang="en-US" sz="1400" dirty="0" smtClean="0">
+                <a:solidFill>
+                  <a:schemeClr val="bg1"/>
+                </a:solidFill>
+              </a:rPr>
+              <a:t> 10</a:t>
+            </a:r>
+            <a:endParaRPr lang="en-US" sz="1400" dirty="0">
+              <a:solidFill>
+                <a:schemeClr val="bg1"/>
+              </a:solidFill>
+            </a:endParaRPr>
+          </a:p>
+        </p:txBody>
+      </p:sp>
+      <p:sp>
+        <p:nvSpPr>
+          <p:cNvPr id="47" name="Rectangle 46"/>
+          <p:cNvSpPr/>
+          <p:nvPr/>
+        </p:nvSpPr>
+        <p:spPr>
+          <a:xfrm>
+            <a:off x="10659591" y="4243503"/>
+            <a:ext cx="555366" cy="556047"/>
+          </a:xfrm>
+          <a:prstGeom prst="rect">
+            <a:avLst/>
+          </a:prstGeom>
+          <a:noFill/>
+          <a:ln>
+            <a:noFill/>
+          </a:ln>
+        </p:spPr>
+        <p:style>
+          <a:lnRef idx="2">
+            <a:schemeClr val="accent1">
+              <a:shade val="50000"/>
+            </a:schemeClr>
+          </a:lnRef>
+          <a:fillRef idx="1">
+            <a:schemeClr val="accent1"/>
+          </a:fillRef>
+          <a:effectRef idx="0">
+            <a:schemeClr val="accent1"/>
+          </a:effectRef>
+          <a:fontRef idx="minor">
+            <a:schemeClr val="lt1"/>
+          </a:fontRef>
+        </p:style>
+        <p:txBody>
+          <a:bodyPr rtlCol="0" anchor="ctr"/>
+          <a:lstStyle/>
+          <a:p>
+            <a:pPr algn="ctr"/>
+            <a:r>
+              <a:rPr lang="mr-IN" smtClean="0">
+                <a:solidFill>
+                  <a:schemeClr val="tx1"/>
+                </a:solidFill>
+              </a:rPr>
+              <a:t>…</a:t>
+            </a:r>
+            <a:endParaRPr lang="en-US" dirty="0">
+              <a:solidFill>
+                <a:schemeClr val="tx1"/>
+              </a:solidFill>
+            </a:endParaRPr>
+          </a:p>
+        </p:txBody>
+      </p:sp>
+      <p:cxnSp>
+        <p:nvCxnSpPr>
+          <p:cNvPr id="49" name="Straight Arrow Connector 48"/>
+          <p:cNvCxnSpPr>
+            <a:stCxn id="40" idx="3"/>
+            <a:endCxn id="43" idx="1"/>
+          </p:cNvCxnSpPr>
+          <p:nvPr/>
+        </p:nvCxnSpPr>
+        <p:spPr>
+          <a:xfrm flipV="1">
+            <a:off x="9270143" y="3399988"/>
+            <a:ext cx="993172" cy="410175"/>
+          </a:xfrm>
+          <a:prstGeom prst="straightConnector1">
+            <a:avLst/>
+          </a:prstGeom>
+          <a:ln>
+            <a:solidFill>
+              <a:schemeClr val="tx1"/>
+            </a:solidFill>
+            <a:tailEnd type="triangle"/>
+          </a:ln>
+        </p:spPr>
+        <p:style>
+          <a:lnRef idx="1">
+            <a:schemeClr val="accent1"/>
+          </a:lnRef>
+          <a:fillRef idx="0">
+            <a:schemeClr val="accent1"/>
+          </a:fillRef>
+          <a:effectRef idx="0">
+            <a:schemeClr val="accent1"/>
+          </a:effectRef>
+          <a:fontRef idx="minor">
+            <a:schemeClr val="tx1"/>
+          </a:fontRef>
+        </p:style>
+      </p:cxnSp>
+      <p:cxnSp>
+        <p:nvCxnSpPr>
+          <p:cNvPr id="50" name="Straight Arrow Connector 49"/>
+          <p:cNvCxnSpPr>
+            <a:stCxn id="40" idx="3"/>
+            <a:endCxn id="44" idx="1"/>
+          </p:cNvCxnSpPr>
+          <p:nvPr/>
+        </p:nvCxnSpPr>
+        <p:spPr>
+          <a:xfrm>
+            <a:off x="9270143" y="3810163"/>
+            <a:ext cx="993172" cy="213152"/>
+          </a:xfrm>
+          <a:prstGeom prst="straightConnector1">
+            <a:avLst/>
+          </a:prstGeom>
+          <a:ln>
+            <a:solidFill>
+              <a:schemeClr val="tx1"/>
+            </a:solidFill>
+            <a:tailEnd type="triangle"/>
+          </a:ln>
+        </p:spPr>
+        <p:style>
+          <a:lnRef idx="1">
+            <a:schemeClr val="accent1"/>
+          </a:lnRef>
+          <a:fillRef idx="0">
+            <a:schemeClr val="accent1"/>
+          </a:fillRef>
+          <a:effectRef idx="0">
+            <a:schemeClr val="accent1"/>
+          </a:effectRef>
+          <a:fontRef idx="minor">
+            <a:schemeClr val="tx1"/>
+          </a:fontRef>
+        </p:style>
+      </p:cxnSp>
+      <p:cxnSp>
+        <p:nvCxnSpPr>
+          <p:cNvPr id="53" name="Straight Arrow Connector 52"/>
+          <p:cNvCxnSpPr>
+            <a:stCxn id="40" idx="3"/>
+            <a:endCxn id="46" idx="1"/>
+          </p:cNvCxnSpPr>
+          <p:nvPr/>
+        </p:nvCxnSpPr>
+        <p:spPr>
+          <a:xfrm>
+            <a:off x="9270143" y="3810163"/>
+            <a:ext cx="1040540" cy="1403693"/>
+          </a:xfrm>
+          <a:prstGeom prst="straightConnector1">
+            <a:avLst/>
+          </a:prstGeom>
+          <a:ln>
+            <a:solidFill>
+              <a:schemeClr val="tx1"/>
+            </a:solidFill>
+            <a:tailEnd type="triangle"/>
+          </a:ln>
+        </p:spPr>
+        <p:style>
+          <a:lnRef idx="1">
+            <a:schemeClr val="accent1"/>
+          </a:lnRef>
+          <a:fillRef idx="0">
+            <a:schemeClr val="accent1"/>
+          </a:fillRef>
+          <a:effectRef idx="0">
+            <a:schemeClr val="accent1"/>
+          </a:effectRef>
+          <a:fontRef idx="minor">
+            <a:schemeClr val="tx1"/>
+          </a:fontRef>
+        </p:style>
+      </p:cxnSp>
+      <p:sp>
+        <p:nvSpPr>
+          <p:cNvPr id="69" name="Rounded Rectangle 68"/>
+          <p:cNvSpPr/>
+          <p:nvPr/>
+        </p:nvSpPr>
+        <p:spPr>
+          <a:xfrm>
+            <a:off x="5638800" y="1612899"/>
+            <a:ext cx="6400800" cy="4940301"/>
+          </a:xfrm>
+          <a:prstGeom prst="roundRect">
+            <a:avLst>
+              <a:gd name="adj" fmla="val 7663"/>
+            </a:avLst>
+          </a:prstGeom>
+          <a:noFill/>
+        </p:spPr>
+        <p:style>
+          <a:lnRef idx="2">
+            <a:schemeClr val="accent1">
+              <a:shade val="50000"/>
+            </a:schemeClr>
+          </a:lnRef>
+          <a:fillRef idx="1">
+            <a:schemeClr val="accent1"/>
+          </a:fillRef>
+          <a:effectRef idx="0">
+            <a:schemeClr val="accent1"/>
+          </a:effectRef>
+          <a:fontRef idx="minor">
+            <a:schemeClr val="lt1"/>
+          </a:fontRef>
+        </p:style>
+        <p:txBody>
+          <a:bodyPr rtlCol="0" anchor="t"/>
+          <a:lstStyle/>
+          <a:p>
+            <a:pPr algn="r"/>
+            <a:r>
+              <a:rPr lang="en-US" b="1" i="1" dirty="0" smtClean="0">
+                <a:solidFill>
+                  <a:schemeClr val="tx1"/>
+                </a:solidFill>
+              </a:rPr>
+              <a:t>EXECUTOR SERVICE</a:t>
+            </a:r>
+            <a:endParaRPr lang="en-US" b="1" i="1" dirty="0">
+              <a:solidFill>
+                <a:schemeClr val="tx1"/>
+              </a:solidFill>
+            </a:endParaRPr>
+          </a:p>
+        </p:txBody>
+      </p:sp>
+      <p:cxnSp>
+        <p:nvCxnSpPr>
+          <p:cNvPr id="73" name="Straight Arrow Connector 72"/>
+          <p:cNvCxnSpPr>
+            <a:stCxn id="35" idx="3"/>
+            <a:endCxn id="36" idx="1"/>
+          </p:cNvCxnSpPr>
+          <p:nvPr/>
+        </p:nvCxnSpPr>
+        <p:spPr>
+          <a:xfrm flipV="1">
+            <a:off x="4926743" y="3803127"/>
+            <a:ext cx="890478" cy="7036"/>
+          </a:xfrm>
+          <a:prstGeom prst="straightConnector1">
+            <a:avLst/>
+          </a:prstGeom>
+          <a:ln>
+            <a:solidFill>
+              <a:schemeClr val="tx1"/>
+            </a:solidFill>
+            <a:tailEnd type="triangle"/>
+          </a:ln>
+        </p:spPr>
+        <p:style>
+          <a:lnRef idx="1">
+            <a:schemeClr val="accent1"/>
+          </a:lnRef>
+          <a:fillRef idx="0">
+            <a:schemeClr val="accent1"/>
+          </a:fillRef>
+          <a:effectRef idx="0">
+            <a:schemeClr val="accent1"/>
+          </a:effectRef>
+          <a:fontRef idx="minor">
+            <a:schemeClr val="tx1"/>
+          </a:fontRef>
+        </p:style>
+      </p:cxnSp>
       <p:pic>
         <p:nvPicPr>
-          <p:cNvPr id="10" name="Picture 9"/>
-          <p:cNvPicPr>
-            <a:picLocks noChangeAspect="1"/>
-          </p:cNvPicPr>
-          <p:nvPr/>
-        </p:nvPicPr>
-        <p:blipFill rotWithShape="1">
-          <a:blip r:embed="rId3"/>
-          <a:srcRect/>
-          <a:stretch>
-            <a:fillRect/>
-          </a:stretch>
-        </p:blipFill>
-        <p:spPr>
-          <a:xfrm>
-            <a:off x="381000" y="4648200"/>
-            <a:ext cx="5588000" cy="1841500"/>
-          </a:xfrm>
-          <a:prstGeom prst="rect">
-            <a:avLst/>
-          </a:prstGeom>
-        </p:spPr>
-      </p:pic>
-      <p:pic>
-        <p:nvPicPr>
-          <p:cNvPr id="11" name="Picture 10"/>
+          <p:cNvPr id="81" name="Picture 80"/>
           <p:cNvPicPr>
             <a:picLocks noChangeAspect="1"/>
           </p:cNvPicPr>
           <p:nvPr/>
         </p:nvPicPr>
         <p:blipFill>
-          <a:blip r:embed="rId4"/>
+          <a:blip r:embed="rId5"/>
           <a:stretch>
             <a:fillRect/>
           </a:stretch>
         </p:blipFill>
         <p:spPr>
           <a:xfrm>
-            <a:off x="6890868" y="4612341"/>
-            <a:ext cx="4914900" cy="1701800"/>
+            <a:off x="102887" y="5021809"/>
+            <a:ext cx="6057900" cy="965200"/>
           </a:xfrm>
           <a:prstGeom prst="rect">
             <a:avLst/>
           </a:prstGeom>
         </p:spPr>
       </p:pic>
+      <p:sp>
+        <p:nvSpPr>
+          <p:cNvPr id="82" name="Rectangle 81"/>
+          <p:cNvSpPr/>
+          <p:nvPr/>
+        </p:nvSpPr>
+        <p:spPr>
+          <a:xfrm>
+            <a:off x="457198" y="5504409"/>
+            <a:ext cx="5791201" cy="355600"/>
+          </a:xfrm>
+          <a:prstGeom prst="rect">
+            <a:avLst/>
+          </a:prstGeom>
+          <a:solidFill>
+            <a:schemeClr val="accent4">
+              <a:alpha val="36000"/>
+            </a:schemeClr>
+          </a:solidFill>
+          <a:ln/>
+        </p:spPr>
+        <p:style>
+          <a:lnRef idx="2">
+            <a:schemeClr val="accent4">
+              <a:shade val="50000"/>
+            </a:schemeClr>
+          </a:lnRef>
+          <a:fillRef idx="1">
+            <a:schemeClr val="accent4"/>
+          </a:fillRef>
+          <a:effectRef idx="0">
+            <a:schemeClr val="accent4"/>
+          </a:effectRef>
+          <a:fontRef idx="minor">
+            <a:schemeClr val="lt1"/>
+          </a:fontRef>
+        </p:style>
+        <p:txBody>
+          <a:bodyPr rtlCol="0" anchor="ctr"/>
+          <a:lstStyle/>
+          <a:p>
+            <a:pPr algn="ctr"/>
+            <a:endParaRPr lang="en-US"/>
+          </a:p>
+        </p:txBody>
+      </p:sp>
     </p:spTree>
+    <p:extLst>
+      <p:ext uri="{BB962C8B-B14F-4D97-AF65-F5344CB8AC3E}">
+        <p14:creationId xmlns:p14="http://schemas.microsoft.com/office/powerpoint/2010/main" val="696114314"/>
+      </p:ext>
+    </p:extLst>
   </p:cSld>
   <p:clrMapOvr>
     <a:masterClrMapping/>
   </p:clrMapOvr>
+  <p:timing>
+    <p:tnLst>
+      <p:par>
+        <p:cTn id="1" dur="indefinite" restart="never" nodeType="tmRoot"/>
+      </p:par>
+    </p:tnLst>
+  </p:timing>
 </p:sld>
 </file>
 
@@ -2484,451 +5918,1300 @@
       </p:grpSpPr>
       <p:sp>
         <p:nvSpPr>
-          <p:cNvPr id="2" name="Content Placeholder 1"/>
+          <p:cNvPr id="16" name="Rectangle 15"/>
+          <p:cNvSpPr/>
+          <p:nvPr/>
+        </p:nvSpPr>
+        <p:spPr>
+          <a:xfrm>
+            <a:off x="2835876" y="3656846"/>
+            <a:ext cx="1714500" cy="457200"/>
+          </a:xfrm>
+          <a:prstGeom prst="rect">
+            <a:avLst/>
+          </a:prstGeom>
+          <a:noFill/>
+          <a:ln>
+            <a:noFill/>
+          </a:ln>
+        </p:spPr>
+        <p:style>
+          <a:lnRef idx="2">
+            <a:schemeClr val="accent1">
+              <a:shade val="50000"/>
+            </a:schemeClr>
+          </a:lnRef>
+          <a:fillRef idx="1">
+            <a:schemeClr val="accent1"/>
+          </a:fillRef>
+          <a:effectRef idx="0">
+            <a:schemeClr val="accent1"/>
+          </a:effectRef>
+          <a:fontRef idx="minor">
+            <a:schemeClr val="lt1"/>
+          </a:fontRef>
+        </p:style>
+        <p:txBody>
+          <a:bodyPr rtlCol="0" anchor="ctr"/>
+          <a:lstStyle/>
+          <a:p>
+            <a:pPr algn="ctr"/>
+            <a:r>
+              <a:rPr lang="en-US" sz="1400" i="1" dirty="0" smtClean="0">
+                <a:solidFill>
+                  <a:schemeClr val="tx1"/>
+                </a:solidFill>
+              </a:rPr>
+              <a:t>Runnable</a:t>
+            </a:r>
+            <a:endParaRPr lang="en-US" sz="1400" i="1" dirty="0">
+              <a:solidFill>
+                <a:schemeClr val="tx1"/>
+              </a:solidFill>
+            </a:endParaRPr>
+          </a:p>
+        </p:txBody>
+      </p:sp>
+      <p:cxnSp>
+        <p:nvCxnSpPr>
+          <p:cNvPr id="19" name="Straight Connector 18"/>
+          <p:cNvCxnSpPr/>
+          <p:nvPr/>
+        </p:nvCxnSpPr>
+        <p:spPr>
+          <a:xfrm>
+            <a:off x="1161021" y="2340684"/>
+            <a:ext cx="0" cy="2162430"/>
+          </a:xfrm>
+          <a:prstGeom prst="line">
+            <a:avLst/>
+          </a:prstGeom>
+          <a:ln>
+            <a:solidFill>
+              <a:schemeClr val="tx1"/>
+            </a:solidFill>
+          </a:ln>
+        </p:spPr>
+        <p:style>
+          <a:lnRef idx="1">
+            <a:schemeClr val="accent1"/>
+          </a:lnRef>
+          <a:fillRef idx="0">
+            <a:schemeClr val="accent1"/>
+          </a:fillRef>
+          <a:effectRef idx="0">
+            <a:schemeClr val="accent1"/>
+          </a:effectRef>
+          <a:fontRef idx="minor">
+            <a:schemeClr val="tx1"/>
+          </a:fontRef>
+        </p:style>
+      </p:cxnSp>
+      <p:sp>
+        <p:nvSpPr>
+          <p:cNvPr id="20" name="Rectangle 19"/>
           <p:cNvSpPr>
-            <a:spLocks noGrp="1"/>
+            <a:spLocks/>
           </p:cNvSpPr>
-          <p:nvPr>
-            <p:ph sz="quarter" idx="10"/>
-          </p:nvPr>
+          <p:nvPr/>
         </p:nvSpPr>
         <p:spPr>
           <a:xfrm>
-            <a:off x="838200" y="685801"/>
-            <a:ext cx="10515600" cy="609599"/>
-          </a:xfrm>
-        </p:spPr>
+            <a:off x="2020844" y="1874214"/>
+            <a:ext cx="2133600" cy="457200"/>
+          </a:xfrm>
+          <a:prstGeom prst="rect">
+            <a:avLst/>
+          </a:prstGeom>
+          <a:noFill/>
+          <a:ln>
+            <a:noFill/>
+          </a:ln>
+        </p:spPr>
+        <p:style>
+          <a:lnRef idx="2">
+            <a:schemeClr val="accent1">
+              <a:shade val="50000"/>
+            </a:schemeClr>
+          </a:lnRef>
+          <a:fillRef idx="1">
+            <a:schemeClr val="accent1"/>
+          </a:fillRef>
+          <a:effectRef idx="0">
+            <a:schemeClr val="accent1"/>
+          </a:effectRef>
+          <a:fontRef idx="minor">
+            <a:schemeClr val="lt1"/>
+          </a:fontRef>
+        </p:style>
         <p:txBody>
-          <a:bodyPr/>
+          <a:bodyPr rtlCol="0" anchor="ctr"/>
           <a:lstStyle/>
           <a:p>
-            <a:r>
-              <a:rPr lang="en-US" dirty="0" smtClean="0"/>
-              <a:t>ANYTHING ELSE?</a:t>
-            </a:r>
-            <a:endParaRPr lang="en-US" dirty="0"/>
+            <a:pPr algn="ctr"/>
+            <a:r>
+              <a:rPr lang="en-US" smtClean="0">
+                <a:solidFill>
+                  <a:schemeClr val="tx1"/>
+                </a:solidFill>
+              </a:rPr>
+              <a:t>Separate Thread </a:t>
+            </a:r>
+            <a:r>
+              <a:rPr lang="en-US" dirty="0" smtClean="0">
+                <a:solidFill>
+                  <a:schemeClr val="tx1"/>
+                </a:solidFill>
+              </a:rPr>
+              <a:t>	</a:t>
+            </a:r>
+            <a:endParaRPr lang="en-US" dirty="0">
+              <a:solidFill>
+                <a:schemeClr val="tx1"/>
+              </a:solidFill>
+            </a:endParaRPr>
           </a:p>
         </p:txBody>
       </p:sp>
       <p:sp>
         <p:nvSpPr>
-          <p:cNvPr id="9" name="TextBox 8"/>
-          <p:cNvSpPr txBox="1"/>
+          <p:cNvPr id="22" name="Bent-Up Arrow 21"/>
+          <p:cNvSpPr/>
           <p:nvPr/>
         </p:nvSpPr>
         <p:spPr>
-          <a:xfrm>
-            <a:off x="0" y="0"/>
-            <a:ext cx="3886200" cy="461665"/>
-          </a:xfrm>
-          <a:prstGeom prst="rect">
-            <a:avLst/>
-          </a:prstGeom>
-          <a:noFill/>
-        </p:spPr>
+          <a:xfrm flipV="1">
+            <a:off x="1161021" y="2902914"/>
+            <a:ext cx="1926623" cy="381000"/>
+          </a:xfrm>
+          <a:prstGeom prst="bentUpArrow">
+            <a:avLst>
+              <a:gd name="adj1" fmla="val 5835"/>
+              <a:gd name="adj2" fmla="val 25000"/>
+              <a:gd name="adj3" fmla="val 26474"/>
+            </a:avLst>
+          </a:prstGeom>
+          <a:solidFill>
+            <a:schemeClr val="tx1"/>
+          </a:solidFill>
+          <a:ln>
+            <a:noFill/>
+          </a:ln>
+        </p:spPr>
+        <p:style>
+          <a:lnRef idx="2">
+            <a:schemeClr val="accent1">
+              <a:shade val="50000"/>
+            </a:schemeClr>
+          </a:lnRef>
+          <a:fillRef idx="1">
+            <a:schemeClr val="accent1"/>
+          </a:fillRef>
+          <a:effectRef idx="0">
+            <a:schemeClr val="accent1"/>
+          </a:effectRef>
+          <a:fontRef idx="minor">
+            <a:schemeClr val="lt1"/>
+          </a:fontRef>
+        </p:style>
         <p:txBody>
-          <a:bodyPr wrap="square" rtlCol="0">
-            <a:spAutoFit/>
-          </a:bodyPr>
+          <a:bodyPr rtlCol="0" anchor="ctr"/>
           <a:lstStyle/>
           <a:p>
-            <a:r>
-              <a:rPr lang="en-US" sz="2400" i="1" dirty="0" smtClean="0">
-                <a:solidFill>
-                  <a:srgbClr val="02A9F7"/>
-                </a:solidFill>
-              </a:rPr>
-              <a:t>JAVA FUTURE</a:t>
-            </a:r>
-            <a:endParaRPr lang="en-US" sz="2400" i="1" dirty="0">
-              <a:solidFill>
-                <a:srgbClr val="02A9F7"/>
-              </a:solidFill>
-            </a:endParaRPr>
+            <a:pPr algn="ctr"/>
+            <a:endParaRPr lang="en-US"/>
           </a:p>
         </p:txBody>
       </p:sp>
       <p:sp>
         <p:nvSpPr>
-          <p:cNvPr id="3" name="Rectangle 2"/>
+          <p:cNvPr id="24" name="Rectangle 23"/>
           <p:cNvSpPr/>
           <p:nvPr/>
         </p:nvSpPr>
         <p:spPr>
           <a:xfrm>
-            <a:off x="840740" y="4312285"/>
-            <a:ext cx="6213475" cy="553085"/>
+            <a:off x="2135145" y="3283914"/>
+            <a:ext cx="1714500" cy="457200"/>
           </a:xfrm>
           <a:prstGeom prst="rect">
             <a:avLst/>
           </a:prstGeom>
-        </p:spPr>
+          <a:solidFill>
+            <a:schemeClr val="tx1"/>
+          </a:solidFill>
+          <a:ln>
+            <a:noFill/>
+          </a:ln>
+        </p:spPr>
+        <p:style>
+          <a:lnRef idx="2">
+            <a:schemeClr val="accent1">
+              <a:shade val="50000"/>
+            </a:schemeClr>
+          </a:lnRef>
+          <a:fillRef idx="1">
+            <a:schemeClr val="accent1"/>
+          </a:fillRef>
+          <a:effectRef idx="0">
+            <a:schemeClr val="accent1"/>
+          </a:effectRef>
+          <a:fontRef idx="minor">
+            <a:schemeClr val="lt1"/>
+          </a:fontRef>
+        </p:style>
         <p:txBody>
-          <a:bodyPr wrap="square">
-            <a:spAutoFit/>
-          </a:bodyPr>
+          <a:bodyPr rtlCol="0" anchor="ctr"/>
           <a:lstStyle/>
           <a:p>
-            <a:r>
-              <a:rPr lang="en-US" b="1" i="1" dirty="0" err="1">
-                <a:solidFill>
-                  <a:srgbClr val="555555"/>
-                </a:solidFill>
-                <a:latin typeface="Lora" charset="0"/>
+            <a:pPr algn="ctr"/>
+            <a:r>
+              <a:rPr lang="en-US" dirty="0" smtClean="0">
+                <a:solidFill>
+                  <a:schemeClr val="bg1"/>
+                </a:solidFill>
               </a:rPr>
-              <a:t>invokeAll</a:t>
-            </a:r>
-            <a:r>
-              <a:rPr lang="en-US" b="1" i="1" dirty="0" smtClean="0">
-                <a:solidFill>
-                  <a:srgbClr val="555555"/>
-                </a:solidFill>
-                <a:latin typeface="Lora" charset="0"/>
-              </a:rPr>
-              <a:t>():</a:t>
-            </a:r>
-            <a:r>
-              <a:rPr lang="en-US" b="1" dirty="0" smtClean="0">
-                <a:solidFill>
-                  <a:srgbClr val="555555"/>
-                </a:solidFill>
-                <a:latin typeface="Lora" charset="0"/>
-              </a:rPr>
-              <a:t> </a:t>
-            </a:r>
-            <a:endParaRPr lang="en-US" b="1" dirty="0" smtClean="0">
+              <a:t>Task</a:t>
+            </a:r>
+            <a:endParaRPr lang="en-US" dirty="0">
               <a:solidFill>
-                <a:srgbClr val="555555"/>
+                <a:schemeClr val="bg1"/>
               </a:solidFill>
-              <a:latin typeface="Lora" charset="0"/>
-            </a:endParaRPr>
-          </a:p>
-          <a:p>
-            <a:r>
-              <a:rPr lang="en-US" sz="1200" b="1" dirty="0" smtClean="0">
-                <a:solidFill>
-                  <a:srgbClr val="555555"/>
-                </a:solidFill>
-                <a:latin typeface="Lora" charset="0"/>
-              </a:rPr>
-              <a:t>Submit multiple tasks and wait for all of them to complete.</a:t>
-            </a:r>
-            <a:endParaRPr lang="en-US" sz="1200" b="1" dirty="0" smtClean="0">
-              <a:solidFill>
-                <a:srgbClr val="555555"/>
-              </a:solidFill>
-              <a:latin typeface="Lora" charset="0"/>
             </a:endParaRPr>
           </a:p>
         </p:txBody>
       </p:sp>
       <p:sp>
         <p:nvSpPr>
-          <p:cNvPr id="5" name="Rectangle 4"/>
-          <p:cNvSpPr/>
+          <p:cNvPr id="25" name="Rectangle 24"/>
+          <p:cNvSpPr>
+            <a:spLocks/>
+          </p:cNvSpPr>
           <p:nvPr/>
         </p:nvSpPr>
         <p:spPr>
           <a:xfrm>
-            <a:off x="820420" y="2393315"/>
-            <a:ext cx="11018520" cy="553085"/>
+            <a:off x="420645" y="1890696"/>
+            <a:ext cx="1714500" cy="457200"/>
           </a:xfrm>
           <a:prstGeom prst="rect">
             <a:avLst/>
           </a:prstGeom>
-        </p:spPr>
+          <a:noFill/>
+          <a:ln>
+            <a:noFill/>
+          </a:ln>
+        </p:spPr>
+        <p:style>
+          <a:lnRef idx="2">
+            <a:schemeClr val="accent1">
+              <a:shade val="50000"/>
+            </a:schemeClr>
+          </a:lnRef>
+          <a:fillRef idx="1">
+            <a:schemeClr val="accent1"/>
+          </a:fillRef>
+          <a:effectRef idx="0">
+            <a:schemeClr val="accent1"/>
+          </a:effectRef>
+          <a:fontRef idx="minor">
+            <a:schemeClr val="lt1"/>
+          </a:fontRef>
+        </p:style>
         <p:txBody>
-          <a:bodyPr wrap="square">
-            <a:spAutoFit/>
-          </a:bodyPr>
+          <a:bodyPr rtlCol="0" anchor="ctr"/>
           <a:lstStyle/>
           <a:p>
-            <a:r>
-              <a:rPr lang="en-US" b="1" i="1" dirty="0" err="1">
-                <a:solidFill>
-                  <a:srgbClr val="333333"/>
-                </a:solidFill>
-                <a:latin typeface="raleway" charset="0"/>
+            <a:pPr algn="ctr"/>
+            <a:r>
+              <a:rPr lang="en-US" dirty="0" err="1" smtClean="0">
+                <a:solidFill>
+                  <a:schemeClr val="tx1"/>
+                </a:solidFill>
               </a:rPr>
-              <a:t>isDone</a:t>
-            </a:r>
-            <a:r>
-              <a:rPr lang="en-US" b="1" i="1" dirty="0" smtClean="0">
-                <a:solidFill>
-                  <a:srgbClr val="333333"/>
-                </a:solidFill>
-                <a:latin typeface="raleway" charset="0"/>
-              </a:rPr>
-              <a:t>(): </a:t>
-            </a:r>
-            <a:endParaRPr lang="en-US" b="1" i="1" dirty="0" smtClean="0">
+              <a:t>MainThread</a:t>
+            </a:r>
+            <a:endParaRPr lang="en-US" dirty="0">
               <a:solidFill>
-                <a:srgbClr val="333333"/>
+                <a:schemeClr val="tx1"/>
               </a:solidFill>
-              <a:latin typeface="raleway" charset="0"/>
-            </a:endParaRPr>
-          </a:p>
-          <a:p>
-            <a:r>
-              <a:rPr lang="en-US" sz="1200" b="1" dirty="0" smtClean="0">
-                <a:solidFill>
-                  <a:srgbClr val="333333"/>
-                </a:solidFill>
-                <a:latin typeface="raleway" charset="0"/>
-              </a:rPr>
-              <a:t>check whether the task is completed or not</a:t>
-            </a:r>
-            <a:endParaRPr lang="en-US" sz="1200" b="1" dirty="0" smtClean="0">
-              <a:solidFill>
-                <a:srgbClr val="333333"/>
-              </a:solidFill>
-              <a:latin typeface="raleway" charset="0"/>
             </a:endParaRPr>
           </a:p>
         </p:txBody>
       </p:sp>
       <p:sp>
         <p:nvSpPr>
-          <p:cNvPr id="6" name="Rectangle 5"/>
+          <p:cNvPr id="26" name="Content Placeholder 1"/>
+          <p:cNvSpPr txBox="1">
+            <a:spLocks/>
+          </p:cNvSpPr>
+          <p:nvPr/>
+        </p:nvSpPr>
+        <p:spPr>
+          <a:xfrm>
+            <a:off x="838199" y="685801"/>
+            <a:ext cx="6934201" cy="457200"/>
+          </a:xfrm>
+          <a:prstGeom prst="rect">
+            <a:avLst/>
+          </a:prstGeom>
+        </p:spPr>
+        <p:txBody>
+          <a:bodyPr/>
+          <a:lstStyle>
+            <a:lvl1pPr marL="0" indent="0" algn="l" defTabSz="914400" rtl="0" eaLnBrk="1" latinLnBrk="0" hangingPunct="1">
+              <a:lnSpc>
+                <a:spcPct val="90000"/>
+              </a:lnSpc>
+              <a:spcBef>
+                <a:spcPts val="1000"/>
+              </a:spcBef>
+              <a:buFont typeface="Arial" panose="020B0604020202020204" pitchFamily="34" charset="0"/>
+              <a:buNone/>
+              <a:defRPr sz="2800" b="1" i="0" kern="1200" baseline="0">
+                <a:solidFill>
+                  <a:schemeClr val="tx1"/>
+                </a:solidFill>
+                <a:latin typeface="+mn-lt"/>
+                <a:ea typeface="+mn-ea"/>
+                <a:cs typeface="+mn-cs"/>
+              </a:defRPr>
+            </a:lvl1pPr>
+            <a:lvl2pPr marL="685800" indent="-228600" algn="l" defTabSz="914400" rtl="0" eaLnBrk="1" latinLnBrk="0" hangingPunct="1">
+              <a:lnSpc>
+                <a:spcPct val="90000"/>
+              </a:lnSpc>
+              <a:spcBef>
+                <a:spcPts val="500"/>
+              </a:spcBef>
+              <a:buFont typeface="Arial" panose="020B0604020202020204" pitchFamily="34" charset="0"/>
+              <a:buChar char="•"/>
+              <a:defRPr sz="2400" kern="1200">
+                <a:solidFill>
+                  <a:schemeClr val="tx1"/>
+                </a:solidFill>
+                <a:latin typeface="+mn-lt"/>
+                <a:ea typeface="+mn-ea"/>
+                <a:cs typeface="+mn-cs"/>
+              </a:defRPr>
+            </a:lvl2pPr>
+            <a:lvl3pPr marL="1143000" indent="-228600" algn="l" defTabSz="914400" rtl="0" eaLnBrk="1" latinLnBrk="0" hangingPunct="1">
+              <a:lnSpc>
+                <a:spcPct val="90000"/>
+              </a:lnSpc>
+              <a:spcBef>
+                <a:spcPts val="500"/>
+              </a:spcBef>
+              <a:buFont typeface="Arial" panose="020B0604020202020204" pitchFamily="34" charset="0"/>
+              <a:buChar char="•"/>
+              <a:defRPr sz="2000" kern="1200">
+                <a:solidFill>
+                  <a:schemeClr val="tx1"/>
+                </a:solidFill>
+                <a:latin typeface="+mn-lt"/>
+                <a:ea typeface="+mn-ea"/>
+                <a:cs typeface="+mn-cs"/>
+              </a:defRPr>
+            </a:lvl3pPr>
+            <a:lvl4pPr marL="1600200" indent="-228600" algn="l" defTabSz="914400" rtl="0" eaLnBrk="1" latinLnBrk="0" hangingPunct="1">
+              <a:lnSpc>
+                <a:spcPct val="90000"/>
+              </a:lnSpc>
+              <a:spcBef>
+                <a:spcPts val="500"/>
+              </a:spcBef>
+              <a:buFont typeface="Arial" panose="020B0604020202020204" pitchFamily="34" charset="0"/>
+              <a:buChar char="•"/>
+              <a:defRPr sz="1800" kern="1200">
+                <a:solidFill>
+                  <a:schemeClr val="tx1"/>
+                </a:solidFill>
+                <a:latin typeface="+mn-lt"/>
+                <a:ea typeface="+mn-ea"/>
+                <a:cs typeface="+mn-cs"/>
+              </a:defRPr>
+            </a:lvl4pPr>
+            <a:lvl5pPr marL="2057400" indent="-228600" algn="l" defTabSz="914400" rtl="0" eaLnBrk="1" latinLnBrk="0" hangingPunct="1">
+              <a:lnSpc>
+                <a:spcPct val="90000"/>
+              </a:lnSpc>
+              <a:spcBef>
+                <a:spcPts val="500"/>
+              </a:spcBef>
+              <a:buFont typeface="Arial" panose="020B0604020202020204" pitchFamily="34" charset="0"/>
+              <a:buChar char="•"/>
+              <a:defRPr sz="1800" kern="1200">
+                <a:solidFill>
+                  <a:schemeClr val="tx1"/>
+                </a:solidFill>
+                <a:latin typeface="+mn-lt"/>
+                <a:ea typeface="+mn-ea"/>
+                <a:cs typeface="+mn-cs"/>
+              </a:defRPr>
+            </a:lvl5pPr>
+            <a:lvl6pPr marL="2514600" indent="-228600" algn="l" defTabSz="914400" rtl="0" eaLnBrk="1" latinLnBrk="0" hangingPunct="1">
+              <a:lnSpc>
+                <a:spcPct val="90000"/>
+              </a:lnSpc>
+              <a:spcBef>
+                <a:spcPts val="500"/>
+              </a:spcBef>
+              <a:buFont typeface="Arial" panose="020B0604020202020204" pitchFamily="34" charset="0"/>
+              <a:buChar char="•"/>
+              <a:defRPr sz="1800" kern="1200">
+                <a:solidFill>
+                  <a:schemeClr val="tx1"/>
+                </a:solidFill>
+                <a:latin typeface="+mn-lt"/>
+                <a:ea typeface="+mn-ea"/>
+                <a:cs typeface="+mn-cs"/>
+              </a:defRPr>
+            </a:lvl6pPr>
+            <a:lvl7pPr marL="2971800" indent="-228600" algn="l" defTabSz="914400" rtl="0" eaLnBrk="1" latinLnBrk="0" hangingPunct="1">
+              <a:lnSpc>
+                <a:spcPct val="90000"/>
+              </a:lnSpc>
+              <a:spcBef>
+                <a:spcPts val="500"/>
+              </a:spcBef>
+              <a:buFont typeface="Arial" panose="020B0604020202020204" pitchFamily="34" charset="0"/>
+              <a:buChar char="•"/>
+              <a:defRPr sz="1800" kern="1200">
+                <a:solidFill>
+                  <a:schemeClr val="tx1"/>
+                </a:solidFill>
+                <a:latin typeface="+mn-lt"/>
+                <a:ea typeface="+mn-ea"/>
+                <a:cs typeface="+mn-cs"/>
+              </a:defRPr>
+            </a:lvl7pPr>
+            <a:lvl8pPr marL="3429000" indent="-228600" algn="l" defTabSz="914400" rtl="0" eaLnBrk="1" latinLnBrk="0" hangingPunct="1">
+              <a:lnSpc>
+                <a:spcPct val="90000"/>
+              </a:lnSpc>
+              <a:spcBef>
+                <a:spcPts val="500"/>
+              </a:spcBef>
+              <a:buFont typeface="Arial" panose="020B0604020202020204" pitchFamily="34" charset="0"/>
+              <a:buChar char="•"/>
+              <a:defRPr sz="1800" kern="1200">
+                <a:solidFill>
+                  <a:schemeClr val="tx1"/>
+                </a:solidFill>
+                <a:latin typeface="+mn-lt"/>
+                <a:ea typeface="+mn-ea"/>
+                <a:cs typeface="+mn-cs"/>
+              </a:defRPr>
+            </a:lvl8pPr>
+            <a:lvl9pPr marL="3886200" indent="-228600" algn="l" defTabSz="914400" rtl="0" eaLnBrk="1" latinLnBrk="0" hangingPunct="1">
+              <a:lnSpc>
+                <a:spcPct val="90000"/>
+              </a:lnSpc>
+              <a:spcBef>
+                <a:spcPts val="500"/>
+              </a:spcBef>
+              <a:buFont typeface="Arial" panose="020B0604020202020204" pitchFamily="34" charset="0"/>
+              <a:buChar char="•"/>
+              <a:defRPr sz="1800" kern="1200">
+                <a:solidFill>
+                  <a:schemeClr val="tx1"/>
+                </a:solidFill>
+                <a:latin typeface="+mn-lt"/>
+                <a:ea typeface="+mn-ea"/>
+                <a:cs typeface="+mn-cs"/>
+              </a:defRPr>
+            </a:lvl9pPr>
+          </a:lstStyle>
+          <a:p>
+            <a:r>
+              <a:rPr lang="en-US" dirty="0"/>
+              <a:t>WHAT IS FUTURE </a:t>
+            </a:r>
+            <a:r>
+              <a:rPr lang="en-US" dirty="0" smtClean="0"/>
+              <a:t>INTERFACE?</a:t>
+            </a:r>
+            <a:endParaRPr lang="en-US" dirty="0"/>
+          </a:p>
+        </p:txBody>
+      </p:sp>
+      <p:cxnSp>
+        <p:nvCxnSpPr>
+          <p:cNvPr id="3" name="Straight Arrow Connector 2"/>
+          <p:cNvCxnSpPr>
+            <a:stCxn id="24" idx="2"/>
+          </p:cNvCxnSpPr>
+          <p:nvPr/>
+        </p:nvCxnSpPr>
+        <p:spPr>
+          <a:xfrm>
+            <a:off x="2992395" y="3741114"/>
+            <a:ext cx="0" cy="533401"/>
+          </a:xfrm>
+          <a:prstGeom prst="straightConnector1">
+            <a:avLst/>
+          </a:prstGeom>
+          <a:ln>
+            <a:solidFill>
+              <a:schemeClr val="tx1"/>
+            </a:solidFill>
+            <a:tailEnd type="triangle"/>
+          </a:ln>
+        </p:spPr>
+        <p:style>
+          <a:lnRef idx="1">
+            <a:schemeClr val="accent1"/>
+          </a:lnRef>
+          <a:fillRef idx="0">
+            <a:schemeClr val="accent1"/>
+          </a:fillRef>
+          <a:effectRef idx="0">
+            <a:schemeClr val="accent1"/>
+          </a:effectRef>
+          <a:fontRef idx="minor">
+            <a:schemeClr val="tx1"/>
+          </a:fontRef>
+        </p:style>
+      </p:cxnSp>
+      <p:sp>
+        <p:nvSpPr>
+          <p:cNvPr id="6" name="Cross 5"/>
           <p:cNvSpPr/>
           <p:nvPr/>
         </p:nvSpPr>
         <p:spPr>
-          <a:xfrm>
-            <a:off x="838200" y="1295400"/>
-            <a:ext cx="17228185" cy="553085"/>
-          </a:xfrm>
-          <a:prstGeom prst="rect">
-            <a:avLst/>
-          </a:prstGeom>
-        </p:spPr>
+          <a:xfrm rot="2739549">
+            <a:off x="2649495" y="4168609"/>
+            <a:ext cx="685800" cy="685800"/>
+          </a:xfrm>
+          <a:prstGeom prst="plus">
+            <a:avLst>
+              <a:gd name="adj" fmla="val 41216"/>
+            </a:avLst>
+          </a:prstGeom>
+          <a:solidFill>
+            <a:schemeClr val="accent4"/>
+          </a:solidFill>
+          <a:ln>
+            <a:solidFill>
+              <a:schemeClr val="accent4"/>
+            </a:solidFill>
+          </a:ln>
+        </p:spPr>
+        <p:style>
+          <a:lnRef idx="2">
+            <a:schemeClr val="accent1">
+              <a:shade val="50000"/>
+            </a:schemeClr>
+          </a:lnRef>
+          <a:fillRef idx="1">
+            <a:schemeClr val="accent1"/>
+          </a:fillRef>
+          <a:effectRef idx="0">
+            <a:schemeClr val="accent1"/>
+          </a:effectRef>
+          <a:fontRef idx="minor">
+            <a:schemeClr val="lt1"/>
+          </a:fontRef>
+        </p:style>
         <p:txBody>
-          <a:bodyPr wrap="square">
-            <a:spAutoFit/>
-          </a:bodyPr>
+          <a:bodyPr rtlCol="0" anchor="ctr"/>
           <a:lstStyle/>
           <a:p>
-            <a:r>
-              <a:rPr lang="en-US" b="1" i="1" dirty="0" err="1" smtClean="0">
-                <a:solidFill>
-                  <a:srgbClr val="333333"/>
-                </a:solidFill>
-                <a:latin typeface="raleway" charset="0"/>
-              </a:rPr>
-              <a:t>get</a:t>
-            </a:r>
-            <a:r>
-              <a:rPr lang="en-US" b="1" i="1" dirty="0" smtClean="0">
-                <a:solidFill>
-                  <a:srgbClr val="333333"/>
-                </a:solidFill>
-                <a:latin typeface="raleway" charset="0"/>
-              </a:rPr>
-              <a:t>(</a:t>
-            </a:r>
-            <a:r>
-              <a:rPr lang="en-US" b="1" i="1" dirty="0" smtClean="0">
-                <a:solidFill>
-                  <a:srgbClr val="333333"/>
-                </a:solidFill>
-                <a:latin typeface="raleway" charset="0"/>
-              </a:rPr>
-              <a:t>timeout,</a:t>
-            </a:r>
-            <a:r>
-              <a:rPr lang="en-US" b="1" dirty="0"/>
-              <a:t> unit</a:t>
-            </a:r>
-            <a:r>
-              <a:rPr lang="en-US" b="1" i="1" dirty="0" smtClean="0">
-                <a:solidFill>
-                  <a:srgbClr val="333333"/>
-                </a:solidFill>
-                <a:latin typeface="raleway" charset="0"/>
-              </a:rPr>
-              <a:t> </a:t>
-            </a:r>
-            <a:r>
-              <a:rPr lang="en-US" b="1" i="1" dirty="0" smtClean="0">
-                <a:solidFill>
-                  <a:srgbClr val="333333"/>
-                </a:solidFill>
-                <a:latin typeface="raleway" charset="0"/>
-              </a:rPr>
-              <a:t>)</a:t>
-            </a:r>
-            <a:r>
-              <a:rPr lang="en-US" b="1" i="1" dirty="0" smtClean="0">
-                <a:solidFill>
-                  <a:srgbClr val="333333"/>
-                </a:solidFill>
-                <a:latin typeface="raleway" charset="0"/>
-              </a:rPr>
-              <a:t> : </a:t>
-            </a:r>
-            <a:endParaRPr lang="en-US" b="1" i="1" dirty="0" smtClean="0">
-              <a:solidFill>
-                <a:srgbClr val="333333"/>
-              </a:solidFill>
-              <a:latin typeface="raleway" charset="0"/>
-            </a:endParaRPr>
-          </a:p>
-          <a:p>
-            <a:r>
-              <a:rPr lang="en-US" sz="1200" b="1" dirty="0" smtClean="0">
-                <a:solidFill>
-                  <a:srgbClr val="333333"/>
-                </a:solidFill>
-                <a:latin typeface="raleway" charset="0"/>
-              </a:rPr>
-              <a:t>Get return value in limit of time</a:t>
-            </a:r>
-            <a:r>
-              <a:rPr lang="en-US" sz="1200" b="1" i="1" dirty="0" smtClean="0">
-                <a:solidFill>
-                  <a:srgbClr val="333333"/>
-                </a:solidFill>
-                <a:latin typeface="raleway" charset="0"/>
-              </a:rPr>
-              <a:t> </a:t>
-            </a:r>
-            <a:endParaRPr lang="en-US" sz="1200" b="1" i="1" u="none" strike="noStrike" dirty="0" smtClean="0">
-              <a:solidFill>
-                <a:srgbClr val="333333"/>
-              </a:solidFill>
-              <a:effectLst/>
-              <a:latin typeface="raleway" charset="0"/>
-            </a:endParaRPr>
+            <a:pPr algn="ctr"/>
+            <a:endParaRPr lang="en-US"/>
           </a:p>
         </p:txBody>
       </p:sp>
       <p:sp>
         <p:nvSpPr>
-          <p:cNvPr id="11" name="Rectangle 10"/>
+          <p:cNvPr id="17" name="Rectangle 16"/>
           <p:cNvSpPr/>
           <p:nvPr/>
         </p:nvSpPr>
         <p:spPr>
           <a:xfrm>
-            <a:off x="879475" y="3491230"/>
-            <a:ext cx="3007995" cy="368300"/>
+            <a:off x="10239629" y="3283914"/>
+            <a:ext cx="1714500" cy="457200"/>
           </a:xfrm>
           <a:prstGeom prst="rect">
             <a:avLst/>
           </a:prstGeom>
-        </p:spPr>
+          <a:noFill/>
+          <a:ln>
+            <a:noFill/>
+          </a:ln>
+        </p:spPr>
+        <p:style>
+          <a:lnRef idx="2">
+            <a:schemeClr val="accent1">
+              <a:shade val="50000"/>
+            </a:schemeClr>
+          </a:lnRef>
+          <a:fillRef idx="1">
+            <a:schemeClr val="accent1"/>
+          </a:fillRef>
+          <a:effectRef idx="0">
+            <a:schemeClr val="accent1"/>
+          </a:effectRef>
+          <a:fontRef idx="minor">
+            <a:schemeClr val="lt1"/>
+          </a:fontRef>
+        </p:style>
         <p:txBody>
-          <a:bodyPr wrap="square">
-            <a:spAutoFit/>
-          </a:bodyPr>
+          <a:bodyPr rtlCol="0" anchor="ctr"/>
           <a:lstStyle/>
           <a:p>
-            <a:r>
-              <a:rPr lang="en-US" b="1" i="1" dirty="0">
-                <a:solidFill>
-                  <a:srgbClr val="333333"/>
-                </a:solidFill>
-                <a:latin typeface="raleway" charset="0"/>
+            <a:pPr algn="ctr"/>
+            <a:r>
+              <a:rPr lang="en-US" sz="1400" i="1" smtClean="0">
+                <a:solidFill>
+                  <a:schemeClr val="tx1"/>
+                </a:solidFill>
               </a:rPr>
-              <a:t>c</a:t>
-            </a:r>
-            <a:r>
-              <a:rPr lang="en-US" b="1" i="1" dirty="0" smtClean="0">
-                <a:solidFill>
-                  <a:srgbClr val="333333"/>
-                </a:solidFill>
-                <a:latin typeface="raleway" charset="0"/>
+              <a:t>Callable</a:t>
+            </a:r>
+            <a:endParaRPr lang="en-US" sz="1400" i="1" dirty="0">
+              <a:solidFill>
+                <a:schemeClr val="tx1"/>
+              </a:solidFill>
+            </a:endParaRPr>
+          </a:p>
+        </p:txBody>
+      </p:sp>
+      <p:cxnSp>
+        <p:nvCxnSpPr>
+          <p:cNvPr id="18" name="Straight Connector 17"/>
+          <p:cNvCxnSpPr/>
+          <p:nvPr/>
+        </p:nvCxnSpPr>
+        <p:spPr>
+          <a:xfrm>
+            <a:off x="7687963" y="2340684"/>
+            <a:ext cx="0" cy="2038865"/>
+          </a:xfrm>
+          <a:prstGeom prst="line">
+            <a:avLst/>
+          </a:prstGeom>
+          <a:ln>
+            <a:solidFill>
+              <a:schemeClr val="tx1"/>
+            </a:solidFill>
+          </a:ln>
+        </p:spPr>
+        <p:style>
+          <a:lnRef idx="1">
+            <a:schemeClr val="accent1"/>
+          </a:lnRef>
+          <a:fillRef idx="0">
+            <a:schemeClr val="accent1"/>
+          </a:fillRef>
+          <a:effectRef idx="0">
+            <a:schemeClr val="accent1"/>
+          </a:effectRef>
+          <a:fontRef idx="minor">
+            <a:schemeClr val="tx1"/>
+          </a:fontRef>
+        </p:style>
+      </p:cxnSp>
+      <p:sp>
+        <p:nvSpPr>
+          <p:cNvPr id="21" name="Rectangle 20"/>
+          <p:cNvSpPr/>
+          <p:nvPr/>
+        </p:nvSpPr>
+        <p:spPr>
+          <a:xfrm>
+            <a:off x="8549331" y="1890696"/>
+            <a:ext cx="2133600" cy="457200"/>
+          </a:xfrm>
+          <a:prstGeom prst="rect">
+            <a:avLst/>
+          </a:prstGeom>
+          <a:noFill/>
+          <a:ln>
+            <a:noFill/>
+          </a:ln>
+        </p:spPr>
+        <p:style>
+          <a:lnRef idx="2">
+            <a:schemeClr val="accent1">
+              <a:shade val="50000"/>
+            </a:schemeClr>
+          </a:lnRef>
+          <a:fillRef idx="1">
+            <a:schemeClr val="accent1"/>
+          </a:fillRef>
+          <a:effectRef idx="0">
+            <a:schemeClr val="accent1"/>
+          </a:effectRef>
+          <a:fontRef idx="minor">
+            <a:schemeClr val="lt1"/>
+          </a:fontRef>
+        </p:style>
+        <p:txBody>
+          <a:bodyPr rtlCol="0" anchor="ctr"/>
+          <a:lstStyle/>
+          <a:p>
+            <a:pPr algn="ctr"/>
+            <a:r>
+              <a:rPr lang="en-US" smtClean="0">
+                <a:solidFill>
+                  <a:schemeClr val="tx1"/>
+                </a:solidFill>
               </a:rPr>
-              <a:t>ancel() isCancel()</a:t>
-            </a:r>
-            <a:endParaRPr lang="en-US" b="1" i="0" u="none" strike="noStrike" dirty="0">
+              <a:t>Separate Thread </a:t>
+            </a:r>
+            <a:r>
+              <a:rPr lang="en-US" dirty="0" smtClean="0">
+                <a:solidFill>
+                  <a:schemeClr val="tx1"/>
+                </a:solidFill>
+              </a:rPr>
+              <a:t>	</a:t>
+            </a:r>
+            <a:endParaRPr lang="en-US" dirty="0">
               <a:solidFill>
-                <a:srgbClr val="333333"/>
+                <a:schemeClr val="tx1"/>
               </a:solidFill>
-              <a:effectLst/>
-              <a:latin typeface="raleway" charset="0"/>
             </a:endParaRPr>
           </a:p>
         </p:txBody>
       </p:sp>
       <p:sp>
         <p:nvSpPr>
-          <p:cNvPr id="4" name="Rectangle 3"/>
+          <p:cNvPr id="23" name="Bent-Up Arrow 22"/>
           <p:cNvSpPr/>
           <p:nvPr/>
         </p:nvSpPr>
         <p:spPr>
-          <a:xfrm>
-            <a:off x="820420" y="5410200"/>
-            <a:ext cx="5935980" cy="553085"/>
+          <a:xfrm flipV="1">
+            <a:off x="7687963" y="2902914"/>
+            <a:ext cx="2181482" cy="381000"/>
+          </a:xfrm>
+          <a:prstGeom prst="bentUpArrow">
+            <a:avLst>
+              <a:gd name="adj1" fmla="val 5835"/>
+              <a:gd name="adj2" fmla="val 25000"/>
+              <a:gd name="adj3" fmla="val 26474"/>
+            </a:avLst>
+          </a:prstGeom>
+          <a:solidFill>
+            <a:schemeClr val="tx1"/>
+          </a:solidFill>
+          <a:ln>
+            <a:noFill/>
+          </a:ln>
+        </p:spPr>
+        <p:style>
+          <a:lnRef idx="2">
+            <a:schemeClr val="accent1">
+              <a:shade val="50000"/>
+            </a:schemeClr>
+          </a:lnRef>
+          <a:fillRef idx="1">
+            <a:schemeClr val="accent1"/>
+          </a:fillRef>
+          <a:effectRef idx="0">
+            <a:schemeClr val="accent1"/>
+          </a:effectRef>
+          <a:fontRef idx="minor">
+            <a:schemeClr val="lt1"/>
+          </a:fontRef>
+        </p:style>
+        <p:txBody>
+          <a:bodyPr rtlCol="0" anchor="ctr"/>
+          <a:lstStyle/>
+          <a:p>
+            <a:pPr algn="ctr"/>
+            <a:endParaRPr lang="en-US"/>
+          </a:p>
+        </p:txBody>
+      </p:sp>
+      <p:sp>
+        <p:nvSpPr>
+          <p:cNvPr id="27" name="Rectangle 26"/>
+          <p:cNvSpPr/>
+          <p:nvPr/>
+        </p:nvSpPr>
+        <p:spPr>
+          <a:xfrm>
+            <a:off x="8915400" y="3283914"/>
+            <a:ext cx="1714500" cy="457200"/>
           </a:xfrm>
           <a:prstGeom prst="rect">
             <a:avLst/>
           </a:prstGeom>
-        </p:spPr>
+          <a:solidFill>
+            <a:schemeClr val="tx1"/>
+          </a:solidFill>
+          <a:ln>
+            <a:noFill/>
+          </a:ln>
+        </p:spPr>
+        <p:style>
+          <a:lnRef idx="2">
+            <a:schemeClr val="accent1">
+              <a:shade val="50000"/>
+            </a:schemeClr>
+          </a:lnRef>
+          <a:fillRef idx="1">
+            <a:schemeClr val="accent1"/>
+          </a:fillRef>
+          <a:effectRef idx="0">
+            <a:schemeClr val="accent1"/>
+          </a:effectRef>
+          <a:fontRef idx="minor">
+            <a:schemeClr val="lt1"/>
+          </a:fontRef>
+        </p:style>
         <p:txBody>
-          <a:bodyPr wrap="square">
-            <a:spAutoFit/>
-          </a:bodyPr>
-          <a:p>
-            <a:r>
-              <a:rPr lang="en-US" b="1" i="1" dirty="0" err="1">
-                <a:solidFill>
-                  <a:srgbClr val="555555"/>
-                </a:solidFill>
-                <a:latin typeface="Lora" charset="0"/>
+          <a:bodyPr rtlCol="0" anchor="ctr"/>
+          <a:lstStyle/>
+          <a:p>
+            <a:pPr algn="ctr"/>
+            <a:r>
+              <a:rPr lang="en-US" dirty="0" smtClean="0">
+                <a:solidFill>
+                  <a:schemeClr val="bg1"/>
+                </a:solidFill>
               </a:rPr>
-              <a:t>invokeAny</a:t>
-            </a:r>
-            <a:r>
-              <a:rPr lang="en-US" b="1" i="1" dirty="0" smtClean="0">
-                <a:solidFill>
-                  <a:srgbClr val="555555"/>
-                </a:solidFill>
-                <a:latin typeface="Lora" charset="0"/>
+              <a:t>Task</a:t>
+            </a:r>
+            <a:endParaRPr lang="en-US" dirty="0">
+              <a:solidFill>
+                <a:schemeClr val="bg1"/>
+              </a:solidFill>
+            </a:endParaRPr>
+          </a:p>
+        </p:txBody>
+      </p:sp>
+      <p:sp>
+        <p:nvSpPr>
+          <p:cNvPr id="28" name="Rectangle 27"/>
+          <p:cNvSpPr/>
+          <p:nvPr/>
+        </p:nvSpPr>
+        <p:spPr>
+          <a:xfrm>
+            <a:off x="6947587" y="1890696"/>
+            <a:ext cx="1714500" cy="457200"/>
+          </a:xfrm>
+          <a:prstGeom prst="rect">
+            <a:avLst/>
+          </a:prstGeom>
+          <a:noFill/>
+          <a:ln>
+            <a:noFill/>
+          </a:ln>
+        </p:spPr>
+        <p:style>
+          <a:lnRef idx="2">
+            <a:schemeClr val="accent1">
+              <a:shade val="50000"/>
+            </a:schemeClr>
+          </a:lnRef>
+          <a:fillRef idx="1">
+            <a:schemeClr val="accent1"/>
+          </a:fillRef>
+          <a:effectRef idx="0">
+            <a:schemeClr val="accent1"/>
+          </a:effectRef>
+          <a:fontRef idx="minor">
+            <a:schemeClr val="lt1"/>
+          </a:fontRef>
+        </p:style>
+        <p:txBody>
+          <a:bodyPr rtlCol="0" anchor="ctr"/>
+          <a:lstStyle/>
+          <a:p>
+            <a:pPr algn="ctr"/>
+            <a:r>
+              <a:rPr lang="en-US" dirty="0" err="1" smtClean="0">
+                <a:solidFill>
+                  <a:schemeClr val="tx1"/>
+                </a:solidFill>
               </a:rPr>
-              <a:t>():</a:t>
-            </a:r>
-            <a:r>
-              <a:rPr lang="en-US" b="1" dirty="0" smtClean="0">
-                <a:solidFill>
-                  <a:srgbClr val="555555"/>
-                </a:solidFill>
-                <a:latin typeface="Lora" charset="0"/>
+              <a:t>MainThread</a:t>
+            </a:r>
+            <a:endParaRPr lang="en-US" dirty="0">
+              <a:solidFill>
+                <a:schemeClr val="tx1"/>
+              </a:solidFill>
+            </a:endParaRPr>
+          </a:p>
+        </p:txBody>
+      </p:sp>
+      <p:sp>
+        <p:nvSpPr>
+          <p:cNvPr id="31" name="Bent-Up Arrow 30"/>
+          <p:cNvSpPr/>
+          <p:nvPr/>
+        </p:nvSpPr>
+        <p:spPr>
+          <a:xfrm rot="5400000" flipV="1">
+            <a:off x="8473907" y="2955176"/>
+            <a:ext cx="533399" cy="2105279"/>
+          </a:xfrm>
+          <a:prstGeom prst="bentUpArrow">
+            <a:avLst>
+              <a:gd name="adj1" fmla="val 3618"/>
+              <a:gd name="adj2" fmla="val 25000"/>
+              <a:gd name="adj3" fmla="val 47323"/>
+            </a:avLst>
+          </a:prstGeom>
+          <a:solidFill>
+            <a:schemeClr val="tx1"/>
+          </a:solidFill>
+          <a:ln>
+            <a:noFill/>
+          </a:ln>
+        </p:spPr>
+        <p:style>
+          <a:lnRef idx="2">
+            <a:schemeClr val="accent1">
+              <a:shade val="50000"/>
+            </a:schemeClr>
+          </a:lnRef>
+          <a:fillRef idx="1">
+            <a:schemeClr val="accent1"/>
+          </a:fillRef>
+          <a:effectRef idx="0">
+            <a:schemeClr val="accent1"/>
+          </a:effectRef>
+          <a:fontRef idx="minor">
+            <a:schemeClr val="lt1"/>
+          </a:fontRef>
+        </p:style>
+        <p:txBody>
+          <a:bodyPr rtlCol="0" anchor="ctr"/>
+          <a:lstStyle/>
+          <a:p>
+            <a:pPr algn="ctr"/>
+            <a:endParaRPr lang="en-US"/>
+          </a:p>
+        </p:txBody>
+      </p:sp>
+      <p:pic>
+        <p:nvPicPr>
+          <p:cNvPr id="8" name="Picture 7"/>
+          <p:cNvPicPr>
+            <a:picLocks noChangeAspect="1"/>
+          </p:cNvPicPr>
+          <p:nvPr/>
+        </p:nvPicPr>
+        <p:blipFill>
+          <a:blip r:embed="rId2"/>
+          <a:stretch>
+            <a:fillRect/>
+          </a:stretch>
+        </p:blipFill>
+        <p:spPr>
+          <a:xfrm>
+            <a:off x="6022374" y="4927762"/>
+            <a:ext cx="6210300" cy="1308100"/>
+          </a:xfrm>
+          <a:prstGeom prst="rect">
+            <a:avLst/>
+          </a:prstGeom>
+        </p:spPr>
+      </p:pic>
+      <p:pic>
+        <p:nvPicPr>
+          <p:cNvPr id="13" name="Picture 12"/>
+          <p:cNvPicPr>
+            <a:picLocks noChangeAspect="1"/>
+          </p:cNvPicPr>
+          <p:nvPr/>
+        </p:nvPicPr>
+        <p:blipFill>
+          <a:blip r:embed="rId3"/>
+          <a:stretch>
+            <a:fillRect/>
+          </a:stretch>
+        </p:blipFill>
+        <p:spPr>
+          <a:xfrm>
+            <a:off x="622299" y="5029362"/>
+            <a:ext cx="4851400" cy="1104900"/>
+          </a:xfrm>
+          <a:prstGeom prst="rect">
+            <a:avLst/>
+          </a:prstGeom>
+        </p:spPr>
+      </p:pic>
+      <p:sp>
+        <p:nvSpPr>
+          <p:cNvPr id="33" name="Rectangle 32"/>
+          <p:cNvSpPr/>
+          <p:nvPr/>
+        </p:nvSpPr>
+        <p:spPr>
+          <a:xfrm>
+            <a:off x="7687962" y="5976370"/>
+            <a:ext cx="1456037" cy="259492"/>
+          </a:xfrm>
+          <a:prstGeom prst="rect">
+            <a:avLst/>
+          </a:prstGeom>
+          <a:solidFill>
+            <a:schemeClr val="accent4">
+              <a:alpha val="36000"/>
+            </a:schemeClr>
+          </a:solidFill>
+          <a:ln/>
+        </p:spPr>
+        <p:style>
+          <a:lnRef idx="2">
+            <a:schemeClr val="accent4">
+              <a:shade val="50000"/>
+            </a:schemeClr>
+          </a:lnRef>
+          <a:fillRef idx="1">
+            <a:schemeClr val="accent4"/>
+          </a:fillRef>
+          <a:effectRef idx="0">
+            <a:schemeClr val="accent4"/>
+          </a:effectRef>
+          <a:fontRef idx="minor">
+            <a:schemeClr val="lt1"/>
+          </a:fontRef>
+        </p:style>
+        <p:txBody>
+          <a:bodyPr rtlCol="0" anchor="ctr"/>
+          <a:lstStyle/>
+          <a:p>
+            <a:pPr algn="ctr"/>
+            <a:endParaRPr lang="en-US"/>
+          </a:p>
+        </p:txBody>
+      </p:sp>
+      <p:sp>
+        <p:nvSpPr>
+          <p:cNvPr id="34" name="Content Placeholder 1"/>
+          <p:cNvSpPr txBox="1">
+            <a:spLocks/>
+          </p:cNvSpPr>
+          <p:nvPr/>
+        </p:nvSpPr>
+        <p:spPr>
+          <a:xfrm>
+            <a:off x="7197293" y="4581034"/>
+            <a:ext cx="3835228" cy="346332"/>
+          </a:xfrm>
+          <a:prstGeom prst="rect">
+            <a:avLst/>
+          </a:prstGeom>
+        </p:spPr>
+        <p:txBody>
+          <a:bodyPr/>
+          <a:lstStyle>
+            <a:lvl1pPr marL="0" indent="0" algn="l" defTabSz="914400" rtl="0" eaLnBrk="1" latinLnBrk="0" hangingPunct="1">
+              <a:lnSpc>
+                <a:spcPct val="90000"/>
+              </a:lnSpc>
+              <a:spcBef>
+                <a:spcPts val="1000"/>
+              </a:spcBef>
+              <a:buFont typeface="Arial" panose="020B0604020202020204" pitchFamily="34" charset="0"/>
+              <a:buNone/>
+              <a:defRPr sz="2800" b="1" i="0" kern="1200" baseline="0">
+                <a:solidFill>
+                  <a:schemeClr val="tx1"/>
+                </a:solidFill>
+                <a:latin typeface="+mn-lt"/>
+                <a:ea typeface="+mn-ea"/>
+                <a:cs typeface="+mn-cs"/>
+              </a:defRPr>
+            </a:lvl1pPr>
+            <a:lvl2pPr marL="685800" indent="-228600" algn="l" defTabSz="914400" rtl="0" eaLnBrk="1" latinLnBrk="0" hangingPunct="1">
+              <a:lnSpc>
+                <a:spcPct val="90000"/>
+              </a:lnSpc>
+              <a:spcBef>
+                <a:spcPts val="500"/>
+              </a:spcBef>
+              <a:buFont typeface="Arial" panose="020B0604020202020204" pitchFamily="34" charset="0"/>
+              <a:buChar char="•"/>
+              <a:defRPr sz="2400" kern="1200">
+                <a:solidFill>
+                  <a:schemeClr val="tx1"/>
+                </a:solidFill>
+                <a:latin typeface="+mn-lt"/>
+                <a:ea typeface="+mn-ea"/>
+                <a:cs typeface="+mn-cs"/>
+              </a:defRPr>
+            </a:lvl2pPr>
+            <a:lvl3pPr marL="1143000" indent="-228600" algn="l" defTabSz="914400" rtl="0" eaLnBrk="1" latinLnBrk="0" hangingPunct="1">
+              <a:lnSpc>
+                <a:spcPct val="90000"/>
+              </a:lnSpc>
+              <a:spcBef>
+                <a:spcPts val="500"/>
+              </a:spcBef>
+              <a:buFont typeface="Arial" panose="020B0604020202020204" pitchFamily="34" charset="0"/>
+              <a:buChar char="•"/>
+              <a:defRPr sz="2000" kern="1200">
+                <a:solidFill>
+                  <a:schemeClr val="tx1"/>
+                </a:solidFill>
+                <a:latin typeface="+mn-lt"/>
+                <a:ea typeface="+mn-ea"/>
+                <a:cs typeface="+mn-cs"/>
+              </a:defRPr>
+            </a:lvl3pPr>
+            <a:lvl4pPr marL="1600200" indent="-228600" algn="l" defTabSz="914400" rtl="0" eaLnBrk="1" latinLnBrk="0" hangingPunct="1">
+              <a:lnSpc>
+                <a:spcPct val="90000"/>
+              </a:lnSpc>
+              <a:spcBef>
+                <a:spcPts val="500"/>
+              </a:spcBef>
+              <a:buFont typeface="Arial" panose="020B0604020202020204" pitchFamily="34" charset="0"/>
+              <a:buChar char="•"/>
+              <a:defRPr sz="1800" kern="1200">
+                <a:solidFill>
+                  <a:schemeClr val="tx1"/>
+                </a:solidFill>
+                <a:latin typeface="+mn-lt"/>
+                <a:ea typeface="+mn-ea"/>
+                <a:cs typeface="+mn-cs"/>
+              </a:defRPr>
+            </a:lvl4pPr>
+            <a:lvl5pPr marL="2057400" indent="-228600" algn="l" defTabSz="914400" rtl="0" eaLnBrk="1" latinLnBrk="0" hangingPunct="1">
+              <a:lnSpc>
+                <a:spcPct val="90000"/>
+              </a:lnSpc>
+              <a:spcBef>
+                <a:spcPts val="500"/>
+              </a:spcBef>
+              <a:buFont typeface="Arial" panose="020B0604020202020204" pitchFamily="34" charset="0"/>
+              <a:buChar char="•"/>
+              <a:defRPr sz="1800" kern="1200">
+                <a:solidFill>
+                  <a:schemeClr val="tx1"/>
+                </a:solidFill>
+                <a:latin typeface="+mn-lt"/>
+                <a:ea typeface="+mn-ea"/>
+                <a:cs typeface="+mn-cs"/>
+              </a:defRPr>
+            </a:lvl5pPr>
+            <a:lvl6pPr marL="2514600" indent="-228600" algn="l" defTabSz="914400" rtl="0" eaLnBrk="1" latinLnBrk="0" hangingPunct="1">
+              <a:lnSpc>
+                <a:spcPct val="90000"/>
+              </a:lnSpc>
+              <a:spcBef>
+                <a:spcPts val="500"/>
+              </a:spcBef>
+              <a:buFont typeface="Arial" panose="020B0604020202020204" pitchFamily="34" charset="0"/>
+              <a:buChar char="•"/>
+              <a:defRPr sz="1800" kern="1200">
+                <a:solidFill>
+                  <a:schemeClr val="tx1"/>
+                </a:solidFill>
+                <a:latin typeface="+mn-lt"/>
+                <a:ea typeface="+mn-ea"/>
+                <a:cs typeface="+mn-cs"/>
+              </a:defRPr>
+            </a:lvl6pPr>
+            <a:lvl7pPr marL="2971800" indent="-228600" algn="l" defTabSz="914400" rtl="0" eaLnBrk="1" latinLnBrk="0" hangingPunct="1">
+              <a:lnSpc>
+                <a:spcPct val="90000"/>
+              </a:lnSpc>
+              <a:spcBef>
+                <a:spcPts val="500"/>
+              </a:spcBef>
+              <a:buFont typeface="Arial" panose="020B0604020202020204" pitchFamily="34" charset="0"/>
+              <a:buChar char="•"/>
+              <a:defRPr sz="1800" kern="1200">
+                <a:solidFill>
+                  <a:schemeClr val="tx1"/>
+                </a:solidFill>
+                <a:latin typeface="+mn-lt"/>
+                <a:ea typeface="+mn-ea"/>
+                <a:cs typeface="+mn-cs"/>
+              </a:defRPr>
+            </a:lvl7pPr>
+            <a:lvl8pPr marL="3429000" indent="-228600" algn="l" defTabSz="914400" rtl="0" eaLnBrk="1" latinLnBrk="0" hangingPunct="1">
+              <a:lnSpc>
+                <a:spcPct val="90000"/>
+              </a:lnSpc>
+              <a:spcBef>
+                <a:spcPts val="500"/>
+              </a:spcBef>
+              <a:buFont typeface="Arial" panose="020B0604020202020204" pitchFamily="34" charset="0"/>
+              <a:buChar char="•"/>
+              <a:defRPr sz="1800" kern="1200">
+                <a:solidFill>
+                  <a:schemeClr val="tx1"/>
+                </a:solidFill>
+                <a:latin typeface="+mn-lt"/>
+                <a:ea typeface="+mn-ea"/>
+                <a:cs typeface="+mn-cs"/>
+              </a:defRPr>
+            </a:lvl8pPr>
+            <a:lvl9pPr marL="3886200" indent="-228600" algn="l" defTabSz="914400" rtl="0" eaLnBrk="1" latinLnBrk="0" hangingPunct="1">
+              <a:lnSpc>
+                <a:spcPct val="90000"/>
+              </a:lnSpc>
+              <a:spcBef>
+                <a:spcPts val="500"/>
+              </a:spcBef>
+              <a:buFont typeface="Arial" panose="020B0604020202020204" pitchFamily="34" charset="0"/>
+              <a:buChar char="•"/>
+              <a:defRPr sz="1800" kern="1200">
+                <a:solidFill>
+                  <a:schemeClr val="tx1"/>
+                </a:solidFill>
+                <a:latin typeface="+mn-lt"/>
+                <a:ea typeface="+mn-ea"/>
+                <a:cs typeface="+mn-cs"/>
+              </a:defRPr>
+            </a:lvl9pPr>
+          </a:lstStyle>
+          <a:p>
+            <a:pPr algn="ctr"/>
+            <a:r>
+              <a:rPr lang="en-US" sz="1600" b="0" i="1" dirty="0" smtClean="0">
+                <a:solidFill>
+                  <a:schemeClr val="accent4"/>
+                </a:solidFill>
               </a:rPr>
-              <a:t> </a:t>
-            </a:r>
-            <a:endParaRPr lang="en-US" b="1" dirty="0" smtClean="0">
+              <a:t>Return Value with </a:t>
+            </a:r>
+            <a:r>
+              <a:rPr lang="en-US" sz="1600" i="1" dirty="0" smtClean="0">
+                <a:solidFill>
+                  <a:schemeClr val="accent4"/>
+                </a:solidFill>
+              </a:rPr>
+              <a:t>get()</a:t>
+            </a:r>
+            <a:endParaRPr lang="en-US" sz="1600" i="1" dirty="0">
               <a:solidFill>
-                <a:srgbClr val="555555"/>
+                <a:schemeClr val="accent4"/>
               </a:solidFill>
-              <a:latin typeface="Lora" charset="0"/>
-            </a:endParaRPr>
-          </a:p>
-          <a:p>
-            <a:r>
-              <a:rPr lang="en-US" sz="1200" b="1" dirty="0" smtClean="0">
-                <a:solidFill>
-                  <a:srgbClr val="555555"/>
-                </a:solidFill>
-                <a:latin typeface="Lora" charset="0"/>
-              </a:rPr>
-              <a:t>Submit multiple tasks and wait for any one of them to complete</a:t>
-            </a:r>
-            <a:endParaRPr lang="en-US" sz="1200" b="1" dirty="0" smtClean="0">
-              <a:solidFill>
-                <a:srgbClr val="555555"/>
-              </a:solidFill>
-              <a:latin typeface="Lora" charset="0"/>
             </a:endParaRPr>
           </a:p>
         </p:txBody>
       </p:sp>
     </p:spTree>
+    <p:extLst>
+      <p:ext uri="{BB962C8B-B14F-4D97-AF65-F5344CB8AC3E}">
+        <p14:creationId xmlns:p14="http://schemas.microsoft.com/office/powerpoint/2010/main" val="1882451446"/>
+      </p:ext>
+    </p:extLst>
   </p:cSld>
   <p:clrMapOvr>
     <a:masterClrMapping/>
   </p:clrMapOvr>
+  <p:timing>
+    <p:tnLst>
+      <p:par>
+        <p:cTn id="1" dur="indefinite" restart="never" nodeType="tmRoot"/>
+      </p:par>
+    </p:tnLst>
+  </p:timing>
 </p:sld>
 </file>
 
@@ -2949,74 +7232,201 @@
           <a:chExt cx="0" cy="0"/>
         </a:xfrm>
       </p:grpSpPr>
-      <p:grpSp>
-        <p:nvGrpSpPr>
-          <p:cNvPr id="2" name="Group 1"/>
-          <p:cNvGrpSpPr/>
+      <p:sp>
+        <p:nvSpPr>
+          <p:cNvPr id="26" name="Content Placeholder 1"/>
+          <p:cNvSpPr txBox="1">
+            <a:spLocks/>
+          </p:cNvSpPr>
           <p:nvPr/>
-        </p:nvGrpSpPr>
-        <p:grpSpPr>
-          <a:xfrm>
-            <a:off x="6096000" y="1326292"/>
-            <a:ext cx="5244353" cy="3657599"/>
-            <a:chOff x="6109447" y="685801"/>
-            <a:chExt cx="4681440" cy="3200400"/>
-          </a:xfrm>
-        </p:grpSpPr>
-        <p:pic>
-          <p:nvPicPr>
-            <p:cNvPr id="4" name="Picture 3"/>
-            <p:cNvPicPr>
-              <a:picLocks noChangeAspect="1"/>
-            </p:cNvPicPr>
-            <p:nvPr/>
-          </p:nvPicPr>
-          <p:blipFill rotWithShape="1">
-            <a:blip r:embed="rId1"/>
-            <a:srcRect r="61868" b="36962"/>
-            <a:stretch>
-              <a:fillRect/>
-            </a:stretch>
-          </p:blipFill>
-          <p:spPr>
-            <a:xfrm>
-              <a:off x="6109447" y="685801"/>
-              <a:ext cx="2155661" cy="3200399"/>
-            </a:xfrm>
-            <a:prstGeom prst="rect">
-              <a:avLst/>
-            </a:prstGeom>
-          </p:spPr>
-        </p:pic>
-        <p:pic>
-          <p:nvPicPr>
-            <p:cNvPr id="5" name="Picture 4"/>
-            <p:cNvPicPr>
-              <a:picLocks noChangeAspect="1"/>
-            </p:cNvPicPr>
-            <p:nvPr/>
-          </p:nvPicPr>
-          <p:blipFill rotWithShape="1">
-            <a:blip r:embed="rId1"/>
-            <a:srcRect l="54411" b="36570"/>
-            <a:stretch>
-              <a:fillRect/>
-            </a:stretch>
-          </p:blipFill>
-          <p:spPr>
-            <a:xfrm>
-              <a:off x="8229600" y="685801"/>
-              <a:ext cx="2561287" cy="3200400"/>
-            </a:xfrm>
-            <a:prstGeom prst="rect">
-              <a:avLst/>
-            </a:prstGeom>
-          </p:spPr>
-        </p:pic>
-      </p:grpSp>
+        </p:nvSpPr>
+        <p:spPr>
+          <a:xfrm>
+            <a:off x="838199" y="685801"/>
+            <a:ext cx="6934201" cy="457200"/>
+          </a:xfrm>
+          <a:prstGeom prst="rect">
+            <a:avLst/>
+          </a:prstGeom>
+        </p:spPr>
+        <p:txBody>
+          <a:bodyPr/>
+          <a:lstStyle>
+            <a:lvl1pPr marL="0" indent="0" algn="l" defTabSz="914400" rtl="0" eaLnBrk="1" latinLnBrk="0" hangingPunct="1">
+              <a:lnSpc>
+                <a:spcPct val="90000"/>
+              </a:lnSpc>
+              <a:spcBef>
+                <a:spcPts val="1000"/>
+              </a:spcBef>
+              <a:buFont typeface="Arial" panose="020B0604020202020204" pitchFamily="34" charset="0"/>
+              <a:buNone/>
+              <a:defRPr sz="2800" b="1" i="0" kern="1200" baseline="0">
+                <a:solidFill>
+                  <a:schemeClr val="tx1"/>
+                </a:solidFill>
+                <a:latin typeface="+mn-lt"/>
+                <a:ea typeface="+mn-ea"/>
+                <a:cs typeface="+mn-cs"/>
+              </a:defRPr>
+            </a:lvl1pPr>
+            <a:lvl2pPr marL="685800" indent="-228600" algn="l" defTabSz="914400" rtl="0" eaLnBrk="1" latinLnBrk="0" hangingPunct="1">
+              <a:lnSpc>
+                <a:spcPct val="90000"/>
+              </a:lnSpc>
+              <a:spcBef>
+                <a:spcPts val="500"/>
+              </a:spcBef>
+              <a:buFont typeface="Arial" panose="020B0604020202020204" pitchFamily="34" charset="0"/>
+              <a:buChar char="•"/>
+              <a:defRPr sz="2400" kern="1200">
+                <a:solidFill>
+                  <a:schemeClr val="tx1"/>
+                </a:solidFill>
+                <a:latin typeface="+mn-lt"/>
+                <a:ea typeface="+mn-ea"/>
+                <a:cs typeface="+mn-cs"/>
+              </a:defRPr>
+            </a:lvl2pPr>
+            <a:lvl3pPr marL="1143000" indent="-228600" algn="l" defTabSz="914400" rtl="0" eaLnBrk="1" latinLnBrk="0" hangingPunct="1">
+              <a:lnSpc>
+                <a:spcPct val="90000"/>
+              </a:lnSpc>
+              <a:spcBef>
+                <a:spcPts val="500"/>
+              </a:spcBef>
+              <a:buFont typeface="Arial" panose="020B0604020202020204" pitchFamily="34" charset="0"/>
+              <a:buChar char="•"/>
+              <a:defRPr sz="2000" kern="1200">
+                <a:solidFill>
+                  <a:schemeClr val="tx1"/>
+                </a:solidFill>
+                <a:latin typeface="+mn-lt"/>
+                <a:ea typeface="+mn-ea"/>
+                <a:cs typeface="+mn-cs"/>
+              </a:defRPr>
+            </a:lvl3pPr>
+            <a:lvl4pPr marL="1600200" indent="-228600" algn="l" defTabSz="914400" rtl="0" eaLnBrk="1" latinLnBrk="0" hangingPunct="1">
+              <a:lnSpc>
+                <a:spcPct val="90000"/>
+              </a:lnSpc>
+              <a:spcBef>
+                <a:spcPts val="500"/>
+              </a:spcBef>
+              <a:buFont typeface="Arial" panose="020B0604020202020204" pitchFamily="34" charset="0"/>
+              <a:buChar char="•"/>
+              <a:defRPr sz="1800" kern="1200">
+                <a:solidFill>
+                  <a:schemeClr val="tx1"/>
+                </a:solidFill>
+                <a:latin typeface="+mn-lt"/>
+                <a:ea typeface="+mn-ea"/>
+                <a:cs typeface="+mn-cs"/>
+              </a:defRPr>
+            </a:lvl4pPr>
+            <a:lvl5pPr marL="2057400" indent="-228600" algn="l" defTabSz="914400" rtl="0" eaLnBrk="1" latinLnBrk="0" hangingPunct="1">
+              <a:lnSpc>
+                <a:spcPct val="90000"/>
+              </a:lnSpc>
+              <a:spcBef>
+                <a:spcPts val="500"/>
+              </a:spcBef>
+              <a:buFont typeface="Arial" panose="020B0604020202020204" pitchFamily="34" charset="0"/>
+              <a:buChar char="•"/>
+              <a:defRPr sz="1800" kern="1200">
+                <a:solidFill>
+                  <a:schemeClr val="tx1"/>
+                </a:solidFill>
+                <a:latin typeface="+mn-lt"/>
+                <a:ea typeface="+mn-ea"/>
+                <a:cs typeface="+mn-cs"/>
+              </a:defRPr>
+            </a:lvl5pPr>
+            <a:lvl6pPr marL="2514600" indent="-228600" algn="l" defTabSz="914400" rtl="0" eaLnBrk="1" latinLnBrk="0" hangingPunct="1">
+              <a:lnSpc>
+                <a:spcPct val="90000"/>
+              </a:lnSpc>
+              <a:spcBef>
+                <a:spcPts val="500"/>
+              </a:spcBef>
+              <a:buFont typeface="Arial" panose="020B0604020202020204" pitchFamily="34" charset="0"/>
+              <a:buChar char="•"/>
+              <a:defRPr sz="1800" kern="1200">
+                <a:solidFill>
+                  <a:schemeClr val="tx1"/>
+                </a:solidFill>
+                <a:latin typeface="+mn-lt"/>
+                <a:ea typeface="+mn-ea"/>
+                <a:cs typeface="+mn-cs"/>
+              </a:defRPr>
+            </a:lvl6pPr>
+            <a:lvl7pPr marL="2971800" indent="-228600" algn="l" defTabSz="914400" rtl="0" eaLnBrk="1" latinLnBrk="0" hangingPunct="1">
+              <a:lnSpc>
+                <a:spcPct val="90000"/>
+              </a:lnSpc>
+              <a:spcBef>
+                <a:spcPts val="500"/>
+              </a:spcBef>
+              <a:buFont typeface="Arial" panose="020B0604020202020204" pitchFamily="34" charset="0"/>
+              <a:buChar char="•"/>
+              <a:defRPr sz="1800" kern="1200">
+                <a:solidFill>
+                  <a:schemeClr val="tx1"/>
+                </a:solidFill>
+                <a:latin typeface="+mn-lt"/>
+                <a:ea typeface="+mn-ea"/>
+                <a:cs typeface="+mn-cs"/>
+              </a:defRPr>
+            </a:lvl7pPr>
+            <a:lvl8pPr marL="3429000" indent="-228600" algn="l" defTabSz="914400" rtl="0" eaLnBrk="1" latinLnBrk="0" hangingPunct="1">
+              <a:lnSpc>
+                <a:spcPct val="90000"/>
+              </a:lnSpc>
+              <a:spcBef>
+                <a:spcPts val="500"/>
+              </a:spcBef>
+              <a:buFont typeface="Arial" panose="020B0604020202020204" pitchFamily="34" charset="0"/>
+              <a:buChar char="•"/>
+              <a:defRPr sz="1800" kern="1200">
+                <a:solidFill>
+                  <a:schemeClr val="tx1"/>
+                </a:solidFill>
+                <a:latin typeface="+mn-lt"/>
+                <a:ea typeface="+mn-ea"/>
+                <a:cs typeface="+mn-cs"/>
+              </a:defRPr>
+            </a:lvl8pPr>
+            <a:lvl9pPr marL="3886200" indent="-228600" algn="l" defTabSz="914400" rtl="0" eaLnBrk="1" latinLnBrk="0" hangingPunct="1">
+              <a:lnSpc>
+                <a:spcPct val="90000"/>
+              </a:lnSpc>
+              <a:spcBef>
+                <a:spcPts val="500"/>
+              </a:spcBef>
+              <a:buFont typeface="Arial" panose="020B0604020202020204" pitchFamily="34" charset="0"/>
+              <a:buChar char="•"/>
+              <a:defRPr sz="1800" kern="1200">
+                <a:solidFill>
+                  <a:schemeClr val="tx1"/>
+                </a:solidFill>
+                <a:latin typeface="+mn-lt"/>
+                <a:ea typeface="+mn-ea"/>
+                <a:cs typeface="+mn-cs"/>
+              </a:defRPr>
+            </a:lvl9pPr>
+          </a:lstStyle>
+          <a:p>
+            <a:r>
+              <a:rPr lang="en-US" dirty="0" smtClean="0"/>
+              <a:t>WHAT IS FUTURE INTERFACE?</a:t>
+            </a:r>
+            <a:endParaRPr lang="en-US" dirty="0"/>
+          </a:p>
+        </p:txBody>
+      </p:sp>
       <p:pic>
         <p:nvPicPr>
-          <p:cNvPr id="7" name="Picture 6"/>
+          <p:cNvPr id="5" name="Picture 4"/>
           <p:cNvPicPr>
             <a:picLocks noChangeAspect="1"/>
           </p:cNvPicPr>
@@ -3030,8 +7440,32 @@
         </p:blipFill>
         <p:spPr>
           <a:xfrm>
-            <a:off x="685800" y="2252730"/>
-            <a:ext cx="4775200" cy="723900"/>
+            <a:off x="7029244" y="1691912"/>
+            <a:ext cx="5162756" cy="2775676"/>
+          </a:xfrm>
+          <a:prstGeom prst="rect">
+            <a:avLst/>
+          </a:prstGeom>
+        </p:spPr>
+      </p:pic>
+      <p:pic>
+        <p:nvPicPr>
+          <p:cNvPr id="7" name="Picture 6"/>
+          <p:cNvPicPr>
+            <a:picLocks noChangeAspect="1"/>
+          </p:cNvPicPr>
+          <p:nvPr/>
+        </p:nvPicPr>
+        <p:blipFill>
+          <a:blip r:embed="rId3"/>
+          <a:stretch>
+            <a:fillRect/>
+          </a:stretch>
+        </p:blipFill>
+        <p:spPr>
+          <a:xfrm>
+            <a:off x="762000" y="2057400"/>
+            <a:ext cx="6045200" cy="2044700"/>
           </a:xfrm>
           <a:prstGeom prst="rect">
             <a:avLst/>
@@ -3040,75 +7474,1727 @@
       </p:pic>
       <p:sp>
         <p:nvSpPr>
-          <p:cNvPr id="8" name="TextBox 7"/>
-          <p:cNvSpPr txBox="1"/>
+          <p:cNvPr id="45" name="Rectangle 44"/>
+          <p:cNvSpPr/>
           <p:nvPr/>
         </p:nvSpPr>
         <p:spPr>
           <a:xfrm>
-            <a:off x="0" y="0"/>
-            <a:ext cx="3886200" cy="461665"/>
+            <a:off x="1447800" y="3124200"/>
+            <a:ext cx="1676400" cy="228600"/>
           </a:xfrm>
           <a:prstGeom prst="rect">
             <a:avLst/>
           </a:prstGeom>
-          <a:noFill/>
-        </p:spPr>
+          <a:solidFill>
+            <a:schemeClr val="accent4">
+              <a:alpha val="36000"/>
+            </a:schemeClr>
+          </a:solidFill>
+          <a:ln/>
+        </p:spPr>
+        <p:style>
+          <a:lnRef idx="2">
+            <a:schemeClr val="accent4">
+              <a:shade val="50000"/>
+            </a:schemeClr>
+          </a:lnRef>
+          <a:fillRef idx="1">
+            <a:schemeClr val="accent4"/>
+          </a:fillRef>
+          <a:effectRef idx="0">
+            <a:schemeClr val="accent4"/>
+          </a:effectRef>
+          <a:fontRef idx="minor">
+            <a:schemeClr val="lt1"/>
+          </a:fontRef>
+        </p:style>
         <p:txBody>
-          <a:bodyPr wrap="square" rtlCol="0">
-            <a:spAutoFit/>
-          </a:bodyPr>
+          <a:bodyPr rtlCol="0" anchor="ctr"/>
           <a:lstStyle/>
           <a:p>
-            <a:r>
-              <a:rPr lang="en-US" sz="2400" i="1" dirty="0" smtClean="0">
-                <a:solidFill>
-                  <a:srgbClr val="02A9F7"/>
-                </a:solidFill>
-              </a:rPr>
-              <a:t>JAVA FUTURE</a:t>
-            </a:r>
-            <a:endParaRPr lang="en-US" sz="2400" i="1" dirty="0">
-              <a:solidFill>
-                <a:srgbClr val="02A9F7"/>
-              </a:solidFill>
-            </a:endParaRPr>
+            <a:pPr algn="ctr"/>
+            <a:endParaRPr lang="en-US"/>
+          </a:p>
+        </p:txBody>
+      </p:sp>
+    </p:spTree>
+    <p:extLst>
+      <p:ext uri="{BB962C8B-B14F-4D97-AF65-F5344CB8AC3E}">
+        <p14:creationId xmlns:p14="http://schemas.microsoft.com/office/powerpoint/2010/main" val="651758909"/>
+      </p:ext>
+    </p:extLst>
+  </p:cSld>
+  <p:clrMapOvr>
+    <a:masterClrMapping/>
+  </p:clrMapOvr>
+  <p:timing>
+    <p:tnLst>
+      <p:par>
+        <p:cTn id="1" dur="indefinite" restart="never" nodeType="tmRoot"/>
+      </p:par>
+    </p:tnLst>
+  </p:timing>
+</p:sld>
+</file>
+
+<file path=ppt/slides/slide6.xml><?xml version="1.0" encoding="utf-8"?>
+<p:sld xmlns:a="http://schemas.openxmlformats.org/drawingml/2006/main" xmlns:r="http://schemas.openxmlformats.org/officeDocument/2006/relationships" xmlns:p="http://schemas.openxmlformats.org/presentationml/2006/main">
+  <p:cSld>
+    <p:spTree>
+      <p:nvGrpSpPr>
+        <p:cNvPr id="1" name=""/>
+        <p:cNvGrpSpPr/>
+        <p:nvPr/>
+      </p:nvGrpSpPr>
+      <p:grpSpPr>
+        <a:xfrm>
+          <a:off x="0" y="0"/>
+          <a:ext cx="0" cy="0"/>
+          <a:chOff x="0" y="0"/>
+          <a:chExt cx="0" cy="0"/>
+        </a:xfrm>
+      </p:grpSpPr>
+      <p:sp>
+        <p:nvSpPr>
+          <p:cNvPr id="26" name="Content Placeholder 1"/>
+          <p:cNvSpPr txBox="1">
+            <a:spLocks/>
+          </p:cNvSpPr>
+          <p:nvPr/>
+        </p:nvSpPr>
+        <p:spPr>
+          <a:xfrm>
+            <a:off x="838199" y="685801"/>
+            <a:ext cx="6934201" cy="457200"/>
+          </a:xfrm>
+          <a:prstGeom prst="rect">
+            <a:avLst/>
+          </a:prstGeom>
+        </p:spPr>
+        <p:txBody>
+          <a:bodyPr/>
+          <a:lstStyle>
+            <a:lvl1pPr marL="0" indent="0" algn="l" defTabSz="914400" rtl="0" eaLnBrk="1" latinLnBrk="0" hangingPunct="1">
+              <a:lnSpc>
+                <a:spcPct val="90000"/>
+              </a:lnSpc>
+              <a:spcBef>
+                <a:spcPts val="1000"/>
+              </a:spcBef>
+              <a:buFont typeface="Arial" panose="020B0604020202020204" pitchFamily="34" charset="0"/>
+              <a:buNone/>
+              <a:defRPr sz="2800" b="1" i="0" kern="1200" baseline="0">
+                <a:solidFill>
+                  <a:schemeClr val="tx1"/>
+                </a:solidFill>
+                <a:latin typeface="+mn-lt"/>
+                <a:ea typeface="+mn-ea"/>
+                <a:cs typeface="+mn-cs"/>
+              </a:defRPr>
+            </a:lvl1pPr>
+            <a:lvl2pPr marL="685800" indent="-228600" algn="l" defTabSz="914400" rtl="0" eaLnBrk="1" latinLnBrk="0" hangingPunct="1">
+              <a:lnSpc>
+                <a:spcPct val="90000"/>
+              </a:lnSpc>
+              <a:spcBef>
+                <a:spcPts val="500"/>
+              </a:spcBef>
+              <a:buFont typeface="Arial" panose="020B0604020202020204" pitchFamily="34" charset="0"/>
+              <a:buChar char="•"/>
+              <a:defRPr sz="2400" kern="1200">
+                <a:solidFill>
+                  <a:schemeClr val="tx1"/>
+                </a:solidFill>
+                <a:latin typeface="+mn-lt"/>
+                <a:ea typeface="+mn-ea"/>
+                <a:cs typeface="+mn-cs"/>
+              </a:defRPr>
+            </a:lvl2pPr>
+            <a:lvl3pPr marL="1143000" indent="-228600" algn="l" defTabSz="914400" rtl="0" eaLnBrk="1" latinLnBrk="0" hangingPunct="1">
+              <a:lnSpc>
+                <a:spcPct val="90000"/>
+              </a:lnSpc>
+              <a:spcBef>
+                <a:spcPts val="500"/>
+              </a:spcBef>
+              <a:buFont typeface="Arial" panose="020B0604020202020204" pitchFamily="34" charset="0"/>
+              <a:buChar char="•"/>
+              <a:defRPr sz="2000" kern="1200">
+                <a:solidFill>
+                  <a:schemeClr val="tx1"/>
+                </a:solidFill>
+                <a:latin typeface="+mn-lt"/>
+                <a:ea typeface="+mn-ea"/>
+                <a:cs typeface="+mn-cs"/>
+              </a:defRPr>
+            </a:lvl3pPr>
+            <a:lvl4pPr marL="1600200" indent="-228600" algn="l" defTabSz="914400" rtl="0" eaLnBrk="1" latinLnBrk="0" hangingPunct="1">
+              <a:lnSpc>
+                <a:spcPct val="90000"/>
+              </a:lnSpc>
+              <a:spcBef>
+                <a:spcPts val="500"/>
+              </a:spcBef>
+              <a:buFont typeface="Arial" panose="020B0604020202020204" pitchFamily="34" charset="0"/>
+              <a:buChar char="•"/>
+              <a:defRPr sz="1800" kern="1200">
+                <a:solidFill>
+                  <a:schemeClr val="tx1"/>
+                </a:solidFill>
+                <a:latin typeface="+mn-lt"/>
+                <a:ea typeface="+mn-ea"/>
+                <a:cs typeface="+mn-cs"/>
+              </a:defRPr>
+            </a:lvl4pPr>
+            <a:lvl5pPr marL="2057400" indent="-228600" algn="l" defTabSz="914400" rtl="0" eaLnBrk="1" latinLnBrk="0" hangingPunct="1">
+              <a:lnSpc>
+                <a:spcPct val="90000"/>
+              </a:lnSpc>
+              <a:spcBef>
+                <a:spcPts val="500"/>
+              </a:spcBef>
+              <a:buFont typeface="Arial" panose="020B0604020202020204" pitchFamily="34" charset="0"/>
+              <a:buChar char="•"/>
+              <a:defRPr sz="1800" kern="1200">
+                <a:solidFill>
+                  <a:schemeClr val="tx1"/>
+                </a:solidFill>
+                <a:latin typeface="+mn-lt"/>
+                <a:ea typeface="+mn-ea"/>
+                <a:cs typeface="+mn-cs"/>
+              </a:defRPr>
+            </a:lvl5pPr>
+            <a:lvl6pPr marL="2514600" indent="-228600" algn="l" defTabSz="914400" rtl="0" eaLnBrk="1" latinLnBrk="0" hangingPunct="1">
+              <a:lnSpc>
+                <a:spcPct val="90000"/>
+              </a:lnSpc>
+              <a:spcBef>
+                <a:spcPts val="500"/>
+              </a:spcBef>
+              <a:buFont typeface="Arial" panose="020B0604020202020204" pitchFamily="34" charset="0"/>
+              <a:buChar char="•"/>
+              <a:defRPr sz="1800" kern="1200">
+                <a:solidFill>
+                  <a:schemeClr val="tx1"/>
+                </a:solidFill>
+                <a:latin typeface="+mn-lt"/>
+                <a:ea typeface="+mn-ea"/>
+                <a:cs typeface="+mn-cs"/>
+              </a:defRPr>
+            </a:lvl6pPr>
+            <a:lvl7pPr marL="2971800" indent="-228600" algn="l" defTabSz="914400" rtl="0" eaLnBrk="1" latinLnBrk="0" hangingPunct="1">
+              <a:lnSpc>
+                <a:spcPct val="90000"/>
+              </a:lnSpc>
+              <a:spcBef>
+                <a:spcPts val="500"/>
+              </a:spcBef>
+              <a:buFont typeface="Arial" panose="020B0604020202020204" pitchFamily="34" charset="0"/>
+              <a:buChar char="•"/>
+              <a:defRPr sz="1800" kern="1200">
+                <a:solidFill>
+                  <a:schemeClr val="tx1"/>
+                </a:solidFill>
+                <a:latin typeface="+mn-lt"/>
+                <a:ea typeface="+mn-ea"/>
+                <a:cs typeface="+mn-cs"/>
+              </a:defRPr>
+            </a:lvl7pPr>
+            <a:lvl8pPr marL="3429000" indent="-228600" algn="l" defTabSz="914400" rtl="0" eaLnBrk="1" latinLnBrk="0" hangingPunct="1">
+              <a:lnSpc>
+                <a:spcPct val="90000"/>
+              </a:lnSpc>
+              <a:spcBef>
+                <a:spcPts val="500"/>
+              </a:spcBef>
+              <a:buFont typeface="Arial" panose="020B0604020202020204" pitchFamily="34" charset="0"/>
+              <a:buChar char="•"/>
+              <a:defRPr sz="1800" kern="1200">
+                <a:solidFill>
+                  <a:schemeClr val="tx1"/>
+                </a:solidFill>
+                <a:latin typeface="+mn-lt"/>
+                <a:ea typeface="+mn-ea"/>
+                <a:cs typeface="+mn-cs"/>
+              </a:defRPr>
+            </a:lvl8pPr>
+            <a:lvl9pPr marL="3886200" indent="-228600" algn="l" defTabSz="914400" rtl="0" eaLnBrk="1" latinLnBrk="0" hangingPunct="1">
+              <a:lnSpc>
+                <a:spcPct val="90000"/>
+              </a:lnSpc>
+              <a:spcBef>
+                <a:spcPts val="500"/>
+              </a:spcBef>
+              <a:buFont typeface="Arial" panose="020B0604020202020204" pitchFamily="34" charset="0"/>
+              <a:buChar char="•"/>
+              <a:defRPr sz="1800" kern="1200">
+                <a:solidFill>
+                  <a:schemeClr val="tx1"/>
+                </a:solidFill>
+                <a:latin typeface="+mn-lt"/>
+                <a:ea typeface="+mn-ea"/>
+                <a:cs typeface="+mn-cs"/>
+              </a:defRPr>
+            </a:lvl9pPr>
+          </a:lstStyle>
+          <a:p>
+            <a:r>
+              <a:rPr lang="en-US" dirty="0"/>
+              <a:t>WHAT IS FUTURE </a:t>
+            </a:r>
+            <a:r>
+              <a:rPr lang="en-US" dirty="0" smtClean="0"/>
+              <a:t>INTERFACE?</a:t>
+            </a:r>
+            <a:endParaRPr lang="en-US" dirty="0"/>
+          </a:p>
+          <a:p>
+            <a:endParaRPr lang="en-US" dirty="0"/>
           </a:p>
         </p:txBody>
       </p:sp>
       <p:sp>
         <p:nvSpPr>
-          <p:cNvPr id="9" name="Content Placeholder 1"/>
-          <p:cNvSpPr>
-            <a:spLocks noGrp="1"/>
-          </p:cNvSpPr>
-          <p:nvPr>
-            <p:ph sz="quarter" idx="10"/>
-          </p:nvPr>
+          <p:cNvPr id="29" name="Rectangle 28"/>
+          <p:cNvSpPr/>
+          <p:nvPr/>
         </p:nvSpPr>
         <p:spPr>
           <a:xfrm>
-            <a:off x="838200" y="685801"/>
-            <a:ext cx="10515600" cy="609599"/>
-          </a:xfrm>
+            <a:off x="820420" y="4953000"/>
+            <a:ext cx="4876800" cy="645160"/>
+          </a:xfrm>
+          <a:prstGeom prst="rect">
+            <a:avLst/>
+          </a:prstGeom>
         </p:spPr>
         <p:txBody>
-          <a:bodyPr/>
+          <a:bodyPr wrap="square">
+            <a:spAutoFit/>
+          </a:bodyPr>
           <a:lstStyle/>
           <a:p>
             <a:r>
-              <a:rPr lang="en-US" dirty="0" smtClean="0"/>
-              <a:t>COMPLETABLE </a:t>
-            </a:r>
-            <a:r>
-              <a:rPr lang="en-US" dirty="0" smtClean="0"/>
-              <a:t>FUTURE</a:t>
+              <a:rPr lang="en-US" b="1" i="1" dirty="0" err="1">
+                <a:solidFill>
+                  <a:srgbClr val="555555"/>
+                </a:solidFill>
+                <a:latin typeface="Lora" charset="0"/>
+              </a:rPr>
+              <a:t>invokeAll</a:t>
+            </a:r>
+            <a:r>
+              <a:rPr lang="en-US" b="1" i="1" dirty="0" smtClean="0">
+                <a:solidFill>
+                  <a:srgbClr val="555555"/>
+                </a:solidFill>
+                <a:latin typeface="Lora" charset="0"/>
+              </a:rPr>
+              <a:t>():</a:t>
+            </a:r>
+            <a:r>
+              <a:rPr lang="en-US" b="1" dirty="0" smtClean="0">
+                <a:solidFill>
+                  <a:srgbClr val="555555"/>
+                </a:solidFill>
+                <a:latin typeface="Lora" charset="0"/>
+              </a:rPr>
+              <a:t> </a:t>
+            </a:r>
+          </a:p>
+          <a:p>
+            <a:r>
+              <a:rPr lang="en-US" b="1" dirty="0" smtClean="0">
+                <a:solidFill>
+                  <a:srgbClr val="555555"/>
+                </a:solidFill>
+                <a:latin typeface="Lora" charset="0"/>
+              </a:rPr>
+              <a:t>Start all tasks same time</a:t>
             </a:r>
             <a:endParaRPr lang="en-US" dirty="0"/>
+          </a:p>
+        </p:txBody>
+      </p:sp>
+      <p:sp>
+        <p:nvSpPr>
+          <p:cNvPr id="30" name="Rectangle 29"/>
+          <p:cNvSpPr/>
+          <p:nvPr/>
+        </p:nvSpPr>
+        <p:spPr>
+          <a:xfrm>
+            <a:off x="820420" y="1524000"/>
+            <a:ext cx="4917440" cy="645160"/>
+          </a:xfrm>
+          <a:prstGeom prst="rect">
+            <a:avLst/>
+          </a:prstGeom>
+        </p:spPr>
+        <p:txBody>
+          <a:bodyPr wrap="square">
+            <a:spAutoFit/>
+          </a:bodyPr>
+          <a:lstStyle/>
+          <a:p>
+            <a:r>
+              <a:rPr lang="en-US" b="1" i="1" dirty="0" err="1">
+                <a:solidFill>
+                  <a:srgbClr val="333333"/>
+                </a:solidFill>
+                <a:latin typeface="raleway" charset="0"/>
+              </a:rPr>
+              <a:t>isDone</a:t>
+            </a:r>
+            <a:r>
+              <a:rPr lang="en-US" b="1" i="1" dirty="0" smtClean="0">
+                <a:solidFill>
+                  <a:srgbClr val="333333"/>
+                </a:solidFill>
+                <a:latin typeface="raleway" charset="0"/>
+              </a:rPr>
+              <a:t>(): </a:t>
+            </a:r>
+          </a:p>
+          <a:p>
+            <a:r>
+              <a:rPr lang="en-US" b="1" dirty="0" smtClean="0">
+                <a:solidFill>
+                  <a:srgbClr val="333333"/>
+                </a:solidFill>
+                <a:latin typeface="raleway" charset="0"/>
+              </a:rPr>
+              <a:t>Check a task is finished</a:t>
+            </a:r>
+            <a:endParaRPr lang="en-US" b="1" u="none" strike="noStrike" dirty="0">
+              <a:solidFill>
+                <a:srgbClr val="333333"/>
+              </a:solidFill>
+              <a:effectLst/>
+              <a:latin typeface="raleway" charset="0"/>
+            </a:endParaRPr>
+          </a:p>
+        </p:txBody>
+      </p:sp>
+      <p:sp>
+        <p:nvSpPr>
+          <p:cNvPr id="35" name="Rectangle 34"/>
+          <p:cNvSpPr/>
+          <p:nvPr/>
+        </p:nvSpPr>
+        <p:spPr>
+          <a:xfrm>
+            <a:off x="797766" y="2380014"/>
+            <a:ext cx="7688580" cy="645160"/>
+          </a:xfrm>
+          <a:prstGeom prst="rect">
+            <a:avLst/>
+          </a:prstGeom>
+        </p:spPr>
+        <p:txBody>
+          <a:bodyPr wrap="square">
+            <a:spAutoFit/>
+          </a:bodyPr>
+          <a:lstStyle/>
+          <a:p>
+            <a:r>
+              <a:rPr lang="en-US" b="1" i="1" dirty="0" err="1" smtClean="0">
+                <a:solidFill>
+                  <a:srgbClr val="333333"/>
+                </a:solidFill>
+                <a:latin typeface="raleway" charset="0"/>
+              </a:rPr>
+              <a:t>get</a:t>
+            </a:r>
+            <a:r>
+              <a:rPr lang="en-US" b="1" i="1" dirty="0" smtClean="0">
+                <a:solidFill>
+                  <a:srgbClr val="333333"/>
+                </a:solidFill>
+                <a:latin typeface="raleway" charset="0"/>
+              </a:rPr>
+              <a:t>(timeout,</a:t>
+            </a:r>
+            <a:r>
+              <a:rPr lang="en-US" b="1" dirty="0"/>
+              <a:t> </a:t>
+            </a:r>
+            <a:r>
+              <a:rPr lang="en-US" sz="1600" b="1" i="1" dirty="0"/>
+              <a:t>unit</a:t>
+            </a:r>
+            <a:r>
+              <a:rPr lang="en-US" b="1" i="1" dirty="0" smtClean="0">
+                <a:solidFill>
+                  <a:srgbClr val="333333"/>
+                </a:solidFill>
+                <a:latin typeface="raleway" charset="0"/>
+              </a:rPr>
+              <a:t> ) : </a:t>
+            </a:r>
+          </a:p>
+          <a:p>
+            <a:r>
+              <a:rPr lang="en-US" b="1" dirty="0" smtClean="0">
+                <a:solidFill>
+                  <a:srgbClr val="333333"/>
+                </a:solidFill>
+                <a:latin typeface="raleway" charset="0"/>
+              </a:rPr>
+              <a:t>Get return value in limit of time</a:t>
+            </a:r>
+            <a:r>
+              <a:rPr lang="en-US" b="1" i="1" dirty="0" smtClean="0">
+                <a:solidFill>
+                  <a:srgbClr val="333333"/>
+                </a:solidFill>
+                <a:latin typeface="raleway" charset="0"/>
+              </a:rPr>
+              <a:t> </a:t>
+            </a:r>
+            <a:endParaRPr lang="en-US" b="1" i="0" u="none" strike="noStrike" dirty="0">
+              <a:solidFill>
+                <a:srgbClr val="333333"/>
+              </a:solidFill>
+              <a:effectLst/>
+              <a:latin typeface="raleway" charset="0"/>
+            </a:endParaRPr>
+          </a:p>
+        </p:txBody>
+      </p:sp>
+      <p:sp>
+        <p:nvSpPr>
+          <p:cNvPr id="36" name="Rectangle 35"/>
+          <p:cNvSpPr/>
+          <p:nvPr/>
+        </p:nvSpPr>
+        <p:spPr>
+          <a:xfrm>
+            <a:off x="820420" y="3227070"/>
+            <a:ext cx="1202380" cy="368935"/>
+          </a:xfrm>
+          <a:prstGeom prst="rect">
+            <a:avLst/>
+          </a:prstGeom>
+        </p:spPr>
+        <p:txBody>
+          <a:bodyPr wrap="none">
+            <a:spAutoFit/>
+          </a:bodyPr>
+          <a:lstStyle/>
+          <a:p>
+            <a:r>
+              <a:rPr lang="en-US" b="1" i="1" dirty="0" err="1" smtClean="0">
+                <a:solidFill>
+                  <a:srgbClr val="333333"/>
+                </a:solidFill>
+                <a:latin typeface="raleway" charset="0"/>
+              </a:rPr>
+              <a:t>isTerminal</a:t>
+            </a:r>
+            <a:endParaRPr lang="en-US" b="1" i="0" u="none" strike="noStrike" dirty="0">
+              <a:solidFill>
+                <a:srgbClr val="333333"/>
+              </a:solidFill>
+              <a:effectLst/>
+              <a:latin typeface="raleway" charset="0"/>
+            </a:endParaRPr>
+          </a:p>
+        </p:txBody>
+      </p:sp>
+      <p:sp>
+        <p:nvSpPr>
+          <p:cNvPr id="37" name="Rectangle 36"/>
+          <p:cNvSpPr/>
+          <p:nvPr/>
+        </p:nvSpPr>
+        <p:spPr>
+          <a:xfrm>
+            <a:off x="820420" y="3802380"/>
+            <a:ext cx="954107" cy="368935"/>
+          </a:xfrm>
+          <a:prstGeom prst="rect">
+            <a:avLst/>
+          </a:prstGeom>
+        </p:spPr>
+        <p:txBody>
+          <a:bodyPr wrap="none">
+            <a:spAutoFit/>
+          </a:bodyPr>
+          <a:lstStyle/>
+          <a:p>
+            <a:r>
+              <a:rPr lang="en-US" b="1" i="1" dirty="0">
+                <a:solidFill>
+                  <a:srgbClr val="333333"/>
+                </a:solidFill>
+                <a:latin typeface="raleway" charset="0"/>
+              </a:rPr>
+              <a:t>c</a:t>
+            </a:r>
+            <a:r>
+              <a:rPr lang="en-US" b="1" i="1" dirty="0" smtClean="0">
+                <a:solidFill>
+                  <a:srgbClr val="333333"/>
+                </a:solidFill>
+                <a:latin typeface="raleway" charset="0"/>
+              </a:rPr>
+              <a:t>ancel()</a:t>
+            </a:r>
+            <a:endParaRPr lang="en-US" b="1" i="0" u="none" strike="noStrike" dirty="0">
+              <a:solidFill>
+                <a:srgbClr val="333333"/>
+              </a:solidFill>
+              <a:effectLst/>
+              <a:latin typeface="raleway" charset="0"/>
+            </a:endParaRPr>
+          </a:p>
+        </p:txBody>
+      </p:sp>
+      <p:sp>
+        <p:nvSpPr>
+          <p:cNvPr id="38" name="Rectangle 37"/>
+          <p:cNvSpPr/>
+          <p:nvPr/>
+        </p:nvSpPr>
+        <p:spPr>
+          <a:xfrm>
+            <a:off x="820420" y="4377690"/>
+            <a:ext cx="1159292" cy="368935"/>
+          </a:xfrm>
+          <a:prstGeom prst="rect">
+            <a:avLst/>
+          </a:prstGeom>
+        </p:spPr>
+        <p:txBody>
+          <a:bodyPr wrap="none">
+            <a:spAutoFit/>
+          </a:bodyPr>
+          <a:lstStyle/>
+          <a:p>
+            <a:r>
+              <a:rPr lang="en-US" b="1" i="1" dirty="0" err="1" smtClean="0">
+                <a:solidFill>
+                  <a:srgbClr val="333333"/>
+                </a:solidFill>
+                <a:latin typeface="raleway" charset="0"/>
+              </a:rPr>
+              <a:t>isCancel</a:t>
+            </a:r>
+            <a:r>
+              <a:rPr lang="en-US" b="1" i="1" dirty="0" smtClean="0">
+                <a:solidFill>
+                  <a:srgbClr val="333333"/>
+                </a:solidFill>
+                <a:latin typeface="raleway" charset="0"/>
+              </a:rPr>
+              <a:t>()</a:t>
+            </a:r>
+            <a:endParaRPr lang="en-US" b="1" i="0" u="none" strike="noStrike" dirty="0">
+              <a:solidFill>
+                <a:srgbClr val="333333"/>
+              </a:solidFill>
+              <a:effectLst/>
+              <a:latin typeface="raleway" charset="0"/>
+            </a:endParaRPr>
+          </a:p>
+        </p:txBody>
+      </p:sp>
+      <p:pic>
+        <p:nvPicPr>
+          <p:cNvPr id="3" name="Picture 2"/>
+          <p:cNvPicPr>
+            <a:picLocks noChangeAspect="1"/>
+          </p:cNvPicPr>
+          <p:nvPr/>
+        </p:nvPicPr>
+        <p:blipFill>
+          <a:blip r:embed="rId2"/>
+          <a:stretch>
+            <a:fillRect/>
+          </a:stretch>
+        </p:blipFill>
+        <p:spPr>
+          <a:xfrm>
+            <a:off x="5562600" y="2336233"/>
+            <a:ext cx="6083300" cy="2095500"/>
+          </a:xfrm>
+          <a:prstGeom prst="rect">
+            <a:avLst/>
+          </a:prstGeom>
+        </p:spPr>
+      </p:pic>
+      <p:sp>
+        <p:nvSpPr>
+          <p:cNvPr id="12" name="Rectangle 11"/>
+          <p:cNvSpPr/>
+          <p:nvPr/>
+        </p:nvSpPr>
+        <p:spPr>
+          <a:xfrm>
+            <a:off x="5867400" y="3596004"/>
+            <a:ext cx="5181600" cy="290195"/>
+          </a:xfrm>
+          <a:prstGeom prst="rect">
+            <a:avLst/>
+          </a:prstGeom>
+          <a:solidFill>
+            <a:schemeClr val="accent4">
+              <a:alpha val="36000"/>
+            </a:schemeClr>
+          </a:solidFill>
+          <a:ln/>
+        </p:spPr>
+        <p:style>
+          <a:lnRef idx="2">
+            <a:schemeClr val="accent4">
+              <a:shade val="50000"/>
+            </a:schemeClr>
+          </a:lnRef>
+          <a:fillRef idx="1">
+            <a:schemeClr val="accent4"/>
+          </a:fillRef>
+          <a:effectRef idx="0">
+            <a:schemeClr val="accent4"/>
+          </a:effectRef>
+          <a:fontRef idx="minor">
+            <a:schemeClr val="lt1"/>
+          </a:fontRef>
+        </p:style>
+        <p:txBody>
+          <a:bodyPr rtlCol="0" anchor="ctr"/>
+          <a:lstStyle/>
+          <a:p>
+            <a:pPr algn="ctr"/>
+            <a:endParaRPr lang="en-US"/>
           </a:p>
         </p:txBody>
       </p:sp>
     </p:spTree>
+    <p:extLst>
+      <p:ext uri="{BB962C8B-B14F-4D97-AF65-F5344CB8AC3E}">
+        <p14:creationId xmlns:p14="http://schemas.microsoft.com/office/powerpoint/2010/main" val="1411937322"/>
+      </p:ext>
+    </p:extLst>
+  </p:cSld>
+  <p:clrMapOvr>
+    <a:masterClrMapping/>
+  </p:clrMapOvr>
+  <p:timing>
+    <p:tnLst>
+      <p:par>
+        <p:cTn id="1" dur="indefinite" restart="never" nodeType="tmRoot"/>
+      </p:par>
+    </p:tnLst>
+  </p:timing>
+</p:sld>
+</file>
+
+<file path=ppt/slides/slide7.xml><?xml version="1.0" encoding="utf-8"?>
+<p:sld xmlns:a="http://schemas.openxmlformats.org/drawingml/2006/main" xmlns:r="http://schemas.openxmlformats.org/officeDocument/2006/relationships" xmlns:p="http://schemas.openxmlformats.org/presentationml/2006/main">
+  <p:cSld>
+    <p:spTree>
+      <p:nvGrpSpPr>
+        <p:cNvPr id="1" name=""/>
+        <p:cNvGrpSpPr/>
+        <p:nvPr/>
+      </p:nvGrpSpPr>
+      <p:grpSpPr>
+        <a:xfrm>
+          <a:off x="0" y="0"/>
+          <a:ext cx="0" cy="0"/>
+          <a:chOff x="0" y="0"/>
+          <a:chExt cx="0" cy="0"/>
+        </a:xfrm>
+      </p:grpSpPr>
+      <p:sp>
+        <p:nvSpPr>
+          <p:cNvPr id="26" name="Content Placeholder 1"/>
+          <p:cNvSpPr txBox="1">
+            <a:spLocks/>
+          </p:cNvSpPr>
+          <p:nvPr/>
+        </p:nvSpPr>
+        <p:spPr>
+          <a:xfrm>
+            <a:off x="838199" y="685801"/>
+            <a:ext cx="6934201" cy="457200"/>
+          </a:xfrm>
+          <a:prstGeom prst="rect">
+            <a:avLst/>
+          </a:prstGeom>
+        </p:spPr>
+        <p:txBody>
+          <a:bodyPr/>
+          <a:lstStyle>
+            <a:lvl1pPr marL="0" indent="0" algn="l" defTabSz="914400" rtl="0" eaLnBrk="1" latinLnBrk="0" hangingPunct="1">
+              <a:lnSpc>
+                <a:spcPct val="90000"/>
+              </a:lnSpc>
+              <a:spcBef>
+                <a:spcPts val="1000"/>
+              </a:spcBef>
+              <a:buFont typeface="Arial" panose="020B0604020202020204" pitchFamily="34" charset="0"/>
+              <a:buNone/>
+              <a:defRPr sz="2800" b="1" i="0" kern="1200" baseline="0">
+                <a:solidFill>
+                  <a:schemeClr val="tx1"/>
+                </a:solidFill>
+                <a:latin typeface="+mn-lt"/>
+                <a:ea typeface="+mn-ea"/>
+                <a:cs typeface="+mn-cs"/>
+              </a:defRPr>
+            </a:lvl1pPr>
+            <a:lvl2pPr marL="685800" indent="-228600" algn="l" defTabSz="914400" rtl="0" eaLnBrk="1" latinLnBrk="0" hangingPunct="1">
+              <a:lnSpc>
+                <a:spcPct val="90000"/>
+              </a:lnSpc>
+              <a:spcBef>
+                <a:spcPts val="500"/>
+              </a:spcBef>
+              <a:buFont typeface="Arial" panose="020B0604020202020204" pitchFamily="34" charset="0"/>
+              <a:buChar char="•"/>
+              <a:defRPr sz="2400" kern="1200">
+                <a:solidFill>
+                  <a:schemeClr val="tx1"/>
+                </a:solidFill>
+                <a:latin typeface="+mn-lt"/>
+                <a:ea typeface="+mn-ea"/>
+                <a:cs typeface="+mn-cs"/>
+              </a:defRPr>
+            </a:lvl2pPr>
+            <a:lvl3pPr marL="1143000" indent="-228600" algn="l" defTabSz="914400" rtl="0" eaLnBrk="1" latinLnBrk="0" hangingPunct="1">
+              <a:lnSpc>
+                <a:spcPct val="90000"/>
+              </a:lnSpc>
+              <a:spcBef>
+                <a:spcPts val="500"/>
+              </a:spcBef>
+              <a:buFont typeface="Arial" panose="020B0604020202020204" pitchFamily="34" charset="0"/>
+              <a:buChar char="•"/>
+              <a:defRPr sz="2000" kern="1200">
+                <a:solidFill>
+                  <a:schemeClr val="tx1"/>
+                </a:solidFill>
+                <a:latin typeface="+mn-lt"/>
+                <a:ea typeface="+mn-ea"/>
+                <a:cs typeface="+mn-cs"/>
+              </a:defRPr>
+            </a:lvl3pPr>
+            <a:lvl4pPr marL="1600200" indent="-228600" algn="l" defTabSz="914400" rtl="0" eaLnBrk="1" latinLnBrk="0" hangingPunct="1">
+              <a:lnSpc>
+                <a:spcPct val="90000"/>
+              </a:lnSpc>
+              <a:spcBef>
+                <a:spcPts val="500"/>
+              </a:spcBef>
+              <a:buFont typeface="Arial" panose="020B0604020202020204" pitchFamily="34" charset="0"/>
+              <a:buChar char="•"/>
+              <a:defRPr sz="1800" kern="1200">
+                <a:solidFill>
+                  <a:schemeClr val="tx1"/>
+                </a:solidFill>
+                <a:latin typeface="+mn-lt"/>
+                <a:ea typeface="+mn-ea"/>
+                <a:cs typeface="+mn-cs"/>
+              </a:defRPr>
+            </a:lvl4pPr>
+            <a:lvl5pPr marL="2057400" indent="-228600" algn="l" defTabSz="914400" rtl="0" eaLnBrk="1" latinLnBrk="0" hangingPunct="1">
+              <a:lnSpc>
+                <a:spcPct val="90000"/>
+              </a:lnSpc>
+              <a:spcBef>
+                <a:spcPts val="500"/>
+              </a:spcBef>
+              <a:buFont typeface="Arial" panose="020B0604020202020204" pitchFamily="34" charset="0"/>
+              <a:buChar char="•"/>
+              <a:defRPr sz="1800" kern="1200">
+                <a:solidFill>
+                  <a:schemeClr val="tx1"/>
+                </a:solidFill>
+                <a:latin typeface="+mn-lt"/>
+                <a:ea typeface="+mn-ea"/>
+                <a:cs typeface="+mn-cs"/>
+              </a:defRPr>
+            </a:lvl5pPr>
+            <a:lvl6pPr marL="2514600" indent="-228600" algn="l" defTabSz="914400" rtl="0" eaLnBrk="1" latinLnBrk="0" hangingPunct="1">
+              <a:lnSpc>
+                <a:spcPct val="90000"/>
+              </a:lnSpc>
+              <a:spcBef>
+                <a:spcPts val="500"/>
+              </a:spcBef>
+              <a:buFont typeface="Arial" panose="020B0604020202020204" pitchFamily="34" charset="0"/>
+              <a:buChar char="•"/>
+              <a:defRPr sz="1800" kern="1200">
+                <a:solidFill>
+                  <a:schemeClr val="tx1"/>
+                </a:solidFill>
+                <a:latin typeface="+mn-lt"/>
+                <a:ea typeface="+mn-ea"/>
+                <a:cs typeface="+mn-cs"/>
+              </a:defRPr>
+            </a:lvl6pPr>
+            <a:lvl7pPr marL="2971800" indent="-228600" algn="l" defTabSz="914400" rtl="0" eaLnBrk="1" latinLnBrk="0" hangingPunct="1">
+              <a:lnSpc>
+                <a:spcPct val="90000"/>
+              </a:lnSpc>
+              <a:spcBef>
+                <a:spcPts val="500"/>
+              </a:spcBef>
+              <a:buFont typeface="Arial" panose="020B0604020202020204" pitchFamily="34" charset="0"/>
+              <a:buChar char="•"/>
+              <a:defRPr sz="1800" kern="1200">
+                <a:solidFill>
+                  <a:schemeClr val="tx1"/>
+                </a:solidFill>
+                <a:latin typeface="+mn-lt"/>
+                <a:ea typeface="+mn-ea"/>
+                <a:cs typeface="+mn-cs"/>
+              </a:defRPr>
+            </a:lvl7pPr>
+            <a:lvl8pPr marL="3429000" indent="-228600" algn="l" defTabSz="914400" rtl="0" eaLnBrk="1" latinLnBrk="0" hangingPunct="1">
+              <a:lnSpc>
+                <a:spcPct val="90000"/>
+              </a:lnSpc>
+              <a:spcBef>
+                <a:spcPts val="500"/>
+              </a:spcBef>
+              <a:buFont typeface="Arial" panose="020B0604020202020204" pitchFamily="34" charset="0"/>
+              <a:buChar char="•"/>
+              <a:defRPr sz="1800" kern="1200">
+                <a:solidFill>
+                  <a:schemeClr val="tx1"/>
+                </a:solidFill>
+                <a:latin typeface="+mn-lt"/>
+                <a:ea typeface="+mn-ea"/>
+                <a:cs typeface="+mn-cs"/>
+              </a:defRPr>
+            </a:lvl8pPr>
+            <a:lvl9pPr marL="3886200" indent="-228600" algn="l" defTabSz="914400" rtl="0" eaLnBrk="1" latinLnBrk="0" hangingPunct="1">
+              <a:lnSpc>
+                <a:spcPct val="90000"/>
+              </a:lnSpc>
+              <a:spcBef>
+                <a:spcPts val="500"/>
+              </a:spcBef>
+              <a:buFont typeface="Arial" panose="020B0604020202020204" pitchFamily="34" charset="0"/>
+              <a:buChar char="•"/>
+              <a:defRPr sz="1800" kern="1200">
+                <a:solidFill>
+                  <a:schemeClr val="tx1"/>
+                </a:solidFill>
+                <a:latin typeface="+mn-lt"/>
+                <a:ea typeface="+mn-ea"/>
+                <a:cs typeface="+mn-cs"/>
+              </a:defRPr>
+            </a:lvl9pPr>
+          </a:lstStyle>
+          <a:p>
+            <a:r>
+              <a:rPr lang="en-US" dirty="0" smtClean="0"/>
+              <a:t>WHY DEVELOPER IGNORES FUTURE?</a:t>
+            </a:r>
+            <a:endParaRPr lang="en-US" dirty="0"/>
+          </a:p>
+        </p:txBody>
+      </p:sp>
+      <p:sp>
+        <p:nvSpPr>
+          <p:cNvPr id="12" name="Rectangle 11"/>
+          <p:cNvSpPr/>
+          <p:nvPr/>
+        </p:nvSpPr>
+        <p:spPr>
+          <a:xfrm>
+            <a:off x="865728" y="1806833"/>
+            <a:ext cx="4917440" cy="369332"/>
+          </a:xfrm>
+          <a:prstGeom prst="rect">
+            <a:avLst/>
+          </a:prstGeom>
+        </p:spPr>
+        <p:txBody>
+          <a:bodyPr wrap="square">
+            <a:spAutoFit/>
+          </a:bodyPr>
+          <a:lstStyle/>
+          <a:p>
+            <a:r>
+              <a:rPr lang="en-US" b="1" i="1" dirty="0" smtClean="0">
+                <a:solidFill>
+                  <a:srgbClr val="333333"/>
+                </a:solidFill>
+                <a:latin typeface="raleway" charset="0"/>
+              </a:rPr>
+              <a:t>1. </a:t>
+            </a:r>
+            <a:r>
+              <a:rPr lang="en-US" b="1" i="1" dirty="0" smtClean="0"/>
+              <a:t>Blocking</a:t>
+            </a:r>
+            <a:endParaRPr lang="en-US" b="1" i="1" u="none" strike="noStrike" dirty="0">
+              <a:solidFill>
+                <a:srgbClr val="333333"/>
+              </a:solidFill>
+              <a:effectLst/>
+              <a:latin typeface="raleway" charset="0"/>
+            </a:endParaRPr>
+          </a:p>
+        </p:txBody>
+      </p:sp>
+      <p:pic>
+        <p:nvPicPr>
+          <p:cNvPr id="2" name="Picture 1"/>
+          <p:cNvPicPr>
+            <a:picLocks noChangeAspect="1"/>
+          </p:cNvPicPr>
+          <p:nvPr/>
+        </p:nvPicPr>
+        <p:blipFill>
+          <a:blip r:embed="rId2"/>
+          <a:stretch>
+            <a:fillRect/>
+          </a:stretch>
+        </p:blipFill>
+        <p:spPr>
+          <a:xfrm>
+            <a:off x="3505200" y="1778001"/>
+            <a:ext cx="8153400" cy="4484731"/>
+          </a:xfrm>
+          <a:prstGeom prst="rect">
+            <a:avLst/>
+          </a:prstGeom>
+        </p:spPr>
+      </p:pic>
+    </p:spTree>
+    <p:extLst>
+      <p:ext uri="{BB962C8B-B14F-4D97-AF65-F5344CB8AC3E}">
+        <p14:creationId xmlns:p14="http://schemas.microsoft.com/office/powerpoint/2010/main" val="591994963"/>
+      </p:ext>
+    </p:extLst>
+  </p:cSld>
+  <p:clrMapOvr>
+    <a:masterClrMapping/>
+  </p:clrMapOvr>
+  <p:timing>
+    <p:tnLst>
+      <p:par>
+        <p:cTn id="1" dur="indefinite" restart="never" nodeType="tmRoot"/>
+      </p:par>
+    </p:tnLst>
+  </p:timing>
+</p:sld>
+</file>
+
+<file path=ppt/slides/slide8.xml><?xml version="1.0" encoding="utf-8"?>
+<p:sld xmlns:a="http://schemas.openxmlformats.org/drawingml/2006/main" xmlns:r="http://schemas.openxmlformats.org/officeDocument/2006/relationships" xmlns:p="http://schemas.openxmlformats.org/presentationml/2006/main">
+  <p:cSld>
+    <p:spTree>
+      <p:nvGrpSpPr>
+        <p:cNvPr id="1" name=""/>
+        <p:cNvGrpSpPr/>
+        <p:nvPr/>
+      </p:nvGrpSpPr>
+      <p:grpSpPr>
+        <a:xfrm>
+          <a:off x="0" y="0"/>
+          <a:ext cx="0" cy="0"/>
+          <a:chOff x="0" y="0"/>
+          <a:chExt cx="0" cy="0"/>
+        </a:xfrm>
+      </p:grpSpPr>
+      <p:sp>
+        <p:nvSpPr>
+          <p:cNvPr id="26" name="Content Placeholder 1"/>
+          <p:cNvSpPr txBox="1">
+            <a:spLocks/>
+          </p:cNvSpPr>
+          <p:nvPr/>
+        </p:nvSpPr>
+        <p:spPr>
+          <a:xfrm>
+            <a:off x="838199" y="685801"/>
+            <a:ext cx="6934201" cy="457200"/>
+          </a:xfrm>
+          <a:prstGeom prst="rect">
+            <a:avLst/>
+          </a:prstGeom>
+        </p:spPr>
+        <p:txBody>
+          <a:bodyPr/>
+          <a:lstStyle>
+            <a:lvl1pPr marL="0" indent="0" algn="l" defTabSz="914400" rtl="0" eaLnBrk="1" latinLnBrk="0" hangingPunct="1">
+              <a:lnSpc>
+                <a:spcPct val="90000"/>
+              </a:lnSpc>
+              <a:spcBef>
+                <a:spcPts val="1000"/>
+              </a:spcBef>
+              <a:buFont typeface="Arial" panose="020B0604020202020204" pitchFamily="34" charset="0"/>
+              <a:buNone/>
+              <a:defRPr sz="2800" b="1" i="0" kern="1200" baseline="0">
+                <a:solidFill>
+                  <a:schemeClr val="tx1"/>
+                </a:solidFill>
+                <a:latin typeface="+mn-lt"/>
+                <a:ea typeface="+mn-ea"/>
+                <a:cs typeface="+mn-cs"/>
+              </a:defRPr>
+            </a:lvl1pPr>
+            <a:lvl2pPr marL="685800" indent="-228600" algn="l" defTabSz="914400" rtl="0" eaLnBrk="1" latinLnBrk="0" hangingPunct="1">
+              <a:lnSpc>
+                <a:spcPct val="90000"/>
+              </a:lnSpc>
+              <a:spcBef>
+                <a:spcPts val="500"/>
+              </a:spcBef>
+              <a:buFont typeface="Arial" panose="020B0604020202020204" pitchFamily="34" charset="0"/>
+              <a:buChar char="•"/>
+              <a:defRPr sz="2400" kern="1200">
+                <a:solidFill>
+                  <a:schemeClr val="tx1"/>
+                </a:solidFill>
+                <a:latin typeface="+mn-lt"/>
+                <a:ea typeface="+mn-ea"/>
+                <a:cs typeface="+mn-cs"/>
+              </a:defRPr>
+            </a:lvl2pPr>
+            <a:lvl3pPr marL="1143000" indent="-228600" algn="l" defTabSz="914400" rtl="0" eaLnBrk="1" latinLnBrk="0" hangingPunct="1">
+              <a:lnSpc>
+                <a:spcPct val="90000"/>
+              </a:lnSpc>
+              <a:spcBef>
+                <a:spcPts val="500"/>
+              </a:spcBef>
+              <a:buFont typeface="Arial" panose="020B0604020202020204" pitchFamily="34" charset="0"/>
+              <a:buChar char="•"/>
+              <a:defRPr sz="2000" kern="1200">
+                <a:solidFill>
+                  <a:schemeClr val="tx1"/>
+                </a:solidFill>
+                <a:latin typeface="+mn-lt"/>
+                <a:ea typeface="+mn-ea"/>
+                <a:cs typeface="+mn-cs"/>
+              </a:defRPr>
+            </a:lvl3pPr>
+            <a:lvl4pPr marL="1600200" indent="-228600" algn="l" defTabSz="914400" rtl="0" eaLnBrk="1" latinLnBrk="0" hangingPunct="1">
+              <a:lnSpc>
+                <a:spcPct val="90000"/>
+              </a:lnSpc>
+              <a:spcBef>
+                <a:spcPts val="500"/>
+              </a:spcBef>
+              <a:buFont typeface="Arial" panose="020B0604020202020204" pitchFamily="34" charset="0"/>
+              <a:buChar char="•"/>
+              <a:defRPr sz="1800" kern="1200">
+                <a:solidFill>
+                  <a:schemeClr val="tx1"/>
+                </a:solidFill>
+                <a:latin typeface="+mn-lt"/>
+                <a:ea typeface="+mn-ea"/>
+                <a:cs typeface="+mn-cs"/>
+              </a:defRPr>
+            </a:lvl4pPr>
+            <a:lvl5pPr marL="2057400" indent="-228600" algn="l" defTabSz="914400" rtl="0" eaLnBrk="1" latinLnBrk="0" hangingPunct="1">
+              <a:lnSpc>
+                <a:spcPct val="90000"/>
+              </a:lnSpc>
+              <a:spcBef>
+                <a:spcPts val="500"/>
+              </a:spcBef>
+              <a:buFont typeface="Arial" panose="020B0604020202020204" pitchFamily="34" charset="0"/>
+              <a:buChar char="•"/>
+              <a:defRPr sz="1800" kern="1200">
+                <a:solidFill>
+                  <a:schemeClr val="tx1"/>
+                </a:solidFill>
+                <a:latin typeface="+mn-lt"/>
+                <a:ea typeface="+mn-ea"/>
+                <a:cs typeface="+mn-cs"/>
+              </a:defRPr>
+            </a:lvl5pPr>
+            <a:lvl6pPr marL="2514600" indent="-228600" algn="l" defTabSz="914400" rtl="0" eaLnBrk="1" latinLnBrk="0" hangingPunct="1">
+              <a:lnSpc>
+                <a:spcPct val="90000"/>
+              </a:lnSpc>
+              <a:spcBef>
+                <a:spcPts val="500"/>
+              </a:spcBef>
+              <a:buFont typeface="Arial" panose="020B0604020202020204" pitchFamily="34" charset="0"/>
+              <a:buChar char="•"/>
+              <a:defRPr sz="1800" kern="1200">
+                <a:solidFill>
+                  <a:schemeClr val="tx1"/>
+                </a:solidFill>
+                <a:latin typeface="+mn-lt"/>
+                <a:ea typeface="+mn-ea"/>
+                <a:cs typeface="+mn-cs"/>
+              </a:defRPr>
+            </a:lvl6pPr>
+            <a:lvl7pPr marL="2971800" indent="-228600" algn="l" defTabSz="914400" rtl="0" eaLnBrk="1" latinLnBrk="0" hangingPunct="1">
+              <a:lnSpc>
+                <a:spcPct val="90000"/>
+              </a:lnSpc>
+              <a:spcBef>
+                <a:spcPts val="500"/>
+              </a:spcBef>
+              <a:buFont typeface="Arial" panose="020B0604020202020204" pitchFamily="34" charset="0"/>
+              <a:buChar char="•"/>
+              <a:defRPr sz="1800" kern="1200">
+                <a:solidFill>
+                  <a:schemeClr val="tx1"/>
+                </a:solidFill>
+                <a:latin typeface="+mn-lt"/>
+                <a:ea typeface="+mn-ea"/>
+                <a:cs typeface="+mn-cs"/>
+              </a:defRPr>
+            </a:lvl7pPr>
+            <a:lvl8pPr marL="3429000" indent="-228600" algn="l" defTabSz="914400" rtl="0" eaLnBrk="1" latinLnBrk="0" hangingPunct="1">
+              <a:lnSpc>
+                <a:spcPct val="90000"/>
+              </a:lnSpc>
+              <a:spcBef>
+                <a:spcPts val="500"/>
+              </a:spcBef>
+              <a:buFont typeface="Arial" panose="020B0604020202020204" pitchFamily="34" charset="0"/>
+              <a:buChar char="•"/>
+              <a:defRPr sz="1800" kern="1200">
+                <a:solidFill>
+                  <a:schemeClr val="tx1"/>
+                </a:solidFill>
+                <a:latin typeface="+mn-lt"/>
+                <a:ea typeface="+mn-ea"/>
+                <a:cs typeface="+mn-cs"/>
+              </a:defRPr>
+            </a:lvl8pPr>
+            <a:lvl9pPr marL="3886200" indent="-228600" algn="l" defTabSz="914400" rtl="0" eaLnBrk="1" latinLnBrk="0" hangingPunct="1">
+              <a:lnSpc>
+                <a:spcPct val="90000"/>
+              </a:lnSpc>
+              <a:spcBef>
+                <a:spcPts val="500"/>
+              </a:spcBef>
+              <a:buFont typeface="Arial" panose="020B0604020202020204" pitchFamily="34" charset="0"/>
+              <a:buChar char="•"/>
+              <a:defRPr sz="1800" kern="1200">
+                <a:solidFill>
+                  <a:schemeClr val="tx1"/>
+                </a:solidFill>
+                <a:latin typeface="+mn-lt"/>
+                <a:ea typeface="+mn-ea"/>
+                <a:cs typeface="+mn-cs"/>
+              </a:defRPr>
+            </a:lvl9pPr>
+          </a:lstStyle>
+          <a:p>
+            <a:r>
+              <a:rPr lang="en-US" dirty="0" smtClean="0"/>
+              <a:t>WHY DEVELOPER IGNORES FUTURE?</a:t>
+            </a:r>
+            <a:endParaRPr lang="en-US" dirty="0"/>
+          </a:p>
+        </p:txBody>
+      </p:sp>
+      <p:sp>
+        <p:nvSpPr>
+          <p:cNvPr id="11" name="Rectangle 10"/>
+          <p:cNvSpPr/>
+          <p:nvPr/>
+        </p:nvSpPr>
+        <p:spPr>
+          <a:xfrm>
+            <a:off x="853371" y="2413690"/>
+            <a:ext cx="4917440" cy="369332"/>
+          </a:xfrm>
+          <a:prstGeom prst="rect">
+            <a:avLst/>
+          </a:prstGeom>
+        </p:spPr>
+        <p:txBody>
+          <a:bodyPr wrap="square">
+            <a:spAutoFit/>
+          </a:bodyPr>
+          <a:lstStyle/>
+          <a:p>
+            <a:r>
+              <a:rPr lang="en-US" b="1" i="1" dirty="0">
+                <a:solidFill>
+                  <a:srgbClr val="333333"/>
+                </a:solidFill>
+                <a:latin typeface="raleway" charset="0"/>
+              </a:rPr>
+              <a:t>2</a:t>
+            </a:r>
+            <a:r>
+              <a:rPr lang="en-US" b="1" i="1" dirty="0" smtClean="0">
+                <a:solidFill>
+                  <a:srgbClr val="333333"/>
+                </a:solidFill>
+                <a:latin typeface="raleway" charset="0"/>
+              </a:rPr>
+              <a:t>. </a:t>
+            </a:r>
+            <a:r>
+              <a:rPr lang="en-US" b="1" i="1" dirty="0"/>
+              <a:t>M</a:t>
+            </a:r>
+            <a:r>
+              <a:rPr lang="en-US" b="1" i="1" dirty="0" smtClean="0"/>
+              <a:t>anually completed -&gt; Cannot</a:t>
+            </a:r>
+            <a:endParaRPr lang="en-US" b="1" i="1" u="none" strike="noStrike" dirty="0">
+              <a:solidFill>
+                <a:srgbClr val="333333"/>
+              </a:solidFill>
+              <a:effectLst/>
+              <a:latin typeface="raleway" charset="0"/>
+            </a:endParaRPr>
+          </a:p>
+        </p:txBody>
+      </p:sp>
+      <p:sp>
+        <p:nvSpPr>
+          <p:cNvPr id="12" name="Rectangle 11"/>
+          <p:cNvSpPr/>
+          <p:nvPr/>
+        </p:nvSpPr>
+        <p:spPr>
+          <a:xfrm>
+            <a:off x="865728" y="1806833"/>
+            <a:ext cx="4917440" cy="369332"/>
+          </a:xfrm>
+          <a:prstGeom prst="rect">
+            <a:avLst/>
+          </a:prstGeom>
+        </p:spPr>
+        <p:txBody>
+          <a:bodyPr wrap="square">
+            <a:spAutoFit/>
+          </a:bodyPr>
+          <a:lstStyle/>
+          <a:p>
+            <a:r>
+              <a:rPr lang="en-US" b="1" i="1" dirty="0" smtClean="0">
+                <a:solidFill>
+                  <a:srgbClr val="333333"/>
+                </a:solidFill>
+                <a:latin typeface="raleway" charset="0"/>
+              </a:rPr>
+              <a:t>1. </a:t>
+            </a:r>
+            <a:r>
+              <a:rPr lang="en-US" b="1" i="1" dirty="0" smtClean="0"/>
+              <a:t>Blocking</a:t>
+            </a:r>
+            <a:endParaRPr lang="en-US" b="1" i="1" u="none" strike="noStrike" dirty="0">
+              <a:solidFill>
+                <a:srgbClr val="333333"/>
+              </a:solidFill>
+              <a:effectLst/>
+              <a:latin typeface="raleway" charset="0"/>
+            </a:endParaRPr>
+          </a:p>
+        </p:txBody>
+      </p:sp>
+      <p:sp>
+        <p:nvSpPr>
+          <p:cNvPr id="13" name="Rectangle 12"/>
+          <p:cNvSpPr/>
+          <p:nvPr/>
+        </p:nvSpPr>
+        <p:spPr>
+          <a:xfrm>
+            <a:off x="853371" y="3024662"/>
+            <a:ext cx="4917440" cy="369332"/>
+          </a:xfrm>
+          <a:prstGeom prst="rect">
+            <a:avLst/>
+          </a:prstGeom>
+        </p:spPr>
+        <p:txBody>
+          <a:bodyPr wrap="square">
+            <a:spAutoFit/>
+          </a:bodyPr>
+          <a:lstStyle/>
+          <a:p>
+            <a:r>
+              <a:rPr lang="en-US" b="1" i="1" dirty="0">
+                <a:solidFill>
+                  <a:srgbClr val="333333"/>
+                </a:solidFill>
+                <a:latin typeface="raleway" charset="0"/>
+              </a:rPr>
+              <a:t>3</a:t>
+            </a:r>
+            <a:r>
+              <a:rPr lang="en-US" b="1" i="1" dirty="0" smtClean="0">
+                <a:solidFill>
+                  <a:srgbClr val="333333"/>
+                </a:solidFill>
+                <a:latin typeface="raleway" charset="0"/>
+              </a:rPr>
+              <a:t>. </a:t>
+            </a:r>
+            <a:r>
+              <a:rPr lang="en-US" b="1" i="1" dirty="0"/>
+              <a:t>Multiple Futures </a:t>
+            </a:r>
+            <a:r>
+              <a:rPr lang="en-US" b="1" i="1" dirty="0" smtClean="0"/>
+              <a:t>chain -&gt; Cannot</a:t>
+            </a:r>
+            <a:r>
+              <a:rPr lang="en-US" b="1" i="1" dirty="0"/>
+              <a:t> </a:t>
+            </a:r>
+            <a:endParaRPr lang="en-US" b="1" i="1" u="none" strike="noStrike" dirty="0">
+              <a:solidFill>
+                <a:srgbClr val="333333"/>
+              </a:solidFill>
+              <a:effectLst/>
+              <a:latin typeface="raleway" charset="0"/>
+            </a:endParaRPr>
+          </a:p>
+        </p:txBody>
+      </p:sp>
+      <p:sp>
+        <p:nvSpPr>
+          <p:cNvPr id="14" name="Rectangle 13"/>
+          <p:cNvSpPr/>
+          <p:nvPr/>
+        </p:nvSpPr>
+        <p:spPr>
+          <a:xfrm>
+            <a:off x="827902" y="3635634"/>
+            <a:ext cx="5580380" cy="369332"/>
+          </a:xfrm>
+          <a:prstGeom prst="rect">
+            <a:avLst/>
+          </a:prstGeom>
+        </p:spPr>
+        <p:txBody>
+          <a:bodyPr wrap="square">
+            <a:spAutoFit/>
+          </a:bodyPr>
+          <a:lstStyle/>
+          <a:p>
+            <a:r>
+              <a:rPr lang="en-US" b="1" i="1" dirty="0" smtClean="0">
+                <a:solidFill>
+                  <a:srgbClr val="333333"/>
+                </a:solidFill>
+                <a:latin typeface="raleway" charset="0"/>
+              </a:rPr>
+              <a:t>4. </a:t>
+            </a:r>
+            <a:r>
+              <a:rPr lang="en-US" b="1" i="1" dirty="0" smtClean="0"/>
+              <a:t>Multiple </a:t>
+            </a:r>
+            <a:r>
+              <a:rPr lang="en-US" b="1" i="1" dirty="0"/>
+              <a:t>Futures </a:t>
+            </a:r>
+            <a:r>
+              <a:rPr lang="en-US" b="1" i="1" dirty="0" smtClean="0"/>
+              <a:t>combine -&gt; Cannot</a:t>
+            </a:r>
+            <a:endParaRPr lang="en-US" b="1" i="1" u="none" strike="noStrike" dirty="0">
+              <a:solidFill>
+                <a:srgbClr val="333333"/>
+              </a:solidFill>
+              <a:effectLst/>
+              <a:latin typeface="raleway" charset="0"/>
+            </a:endParaRPr>
+          </a:p>
+        </p:txBody>
+      </p:sp>
+      <p:sp>
+        <p:nvSpPr>
+          <p:cNvPr id="15" name="Rectangle 14"/>
+          <p:cNvSpPr/>
+          <p:nvPr/>
+        </p:nvSpPr>
+        <p:spPr>
+          <a:xfrm>
+            <a:off x="827902" y="4239749"/>
+            <a:ext cx="5580380" cy="369332"/>
+          </a:xfrm>
+          <a:prstGeom prst="rect">
+            <a:avLst/>
+          </a:prstGeom>
+        </p:spPr>
+        <p:txBody>
+          <a:bodyPr wrap="square">
+            <a:spAutoFit/>
+          </a:bodyPr>
+          <a:lstStyle/>
+          <a:p>
+            <a:r>
+              <a:rPr lang="en-US" b="1" i="1" dirty="0" smtClean="0">
+                <a:solidFill>
+                  <a:srgbClr val="333333"/>
+                </a:solidFill>
+                <a:latin typeface="raleway" charset="0"/>
+              </a:rPr>
+              <a:t>5. </a:t>
+            </a:r>
+            <a:r>
+              <a:rPr lang="en-US" b="1" i="1" dirty="0"/>
+              <a:t>No Exception </a:t>
+            </a:r>
+            <a:r>
+              <a:rPr lang="en-US" b="1" i="1" dirty="0" smtClean="0"/>
+              <a:t>Handling -&gt; Cannot</a:t>
+            </a:r>
+            <a:endParaRPr lang="en-US" b="1" i="1" u="none" strike="noStrike" dirty="0">
+              <a:solidFill>
+                <a:srgbClr val="333333"/>
+              </a:solidFill>
+              <a:effectLst/>
+              <a:latin typeface="raleway" charset="0"/>
+            </a:endParaRPr>
+          </a:p>
+        </p:txBody>
+      </p:sp>
+    </p:spTree>
+    <p:extLst>
+      <p:ext uri="{BB962C8B-B14F-4D97-AF65-F5344CB8AC3E}">
+        <p14:creationId xmlns:p14="http://schemas.microsoft.com/office/powerpoint/2010/main" val="1104738792"/>
+      </p:ext>
+    </p:extLst>
+  </p:cSld>
+  <p:clrMapOvr>
+    <a:masterClrMapping/>
+  </p:clrMapOvr>
+  <p:timing>
+    <p:tnLst>
+      <p:par>
+        <p:cTn id="1" dur="indefinite" restart="never" nodeType="tmRoot"/>
+      </p:par>
+    </p:tnLst>
+  </p:timing>
+</p:sld>
+</file>
+
+<file path=ppt/slides/slide9.xml><?xml version="1.0" encoding="utf-8"?>
+<p:sld xmlns:a="http://schemas.openxmlformats.org/drawingml/2006/main" xmlns:r="http://schemas.openxmlformats.org/officeDocument/2006/relationships" xmlns:p="http://schemas.openxmlformats.org/presentationml/2006/main">
+  <p:cSld>
+    <p:spTree>
+      <p:nvGrpSpPr>
+        <p:cNvPr id="1" name=""/>
+        <p:cNvGrpSpPr/>
+        <p:nvPr/>
+      </p:nvGrpSpPr>
+      <p:grpSpPr>
+        <a:xfrm>
+          <a:off x="0" y="0"/>
+          <a:ext cx="0" cy="0"/>
+          <a:chOff x="0" y="0"/>
+          <a:chExt cx="0" cy="0"/>
+        </a:xfrm>
+      </p:grpSpPr>
+      <p:sp>
+        <p:nvSpPr>
+          <p:cNvPr id="4" name="Content Placeholder 1"/>
+          <p:cNvSpPr txBox="1">
+            <a:spLocks/>
+          </p:cNvSpPr>
+          <p:nvPr/>
+        </p:nvSpPr>
+        <p:spPr>
+          <a:xfrm>
+            <a:off x="1295400" y="2514600"/>
+            <a:ext cx="9067801" cy="457200"/>
+          </a:xfrm>
+          <a:prstGeom prst="rect">
+            <a:avLst/>
+          </a:prstGeom>
+        </p:spPr>
+        <p:txBody>
+          <a:bodyPr/>
+          <a:lstStyle>
+            <a:lvl1pPr marL="0" indent="0" algn="l" defTabSz="914400" rtl="0" eaLnBrk="1" latinLnBrk="0" hangingPunct="1">
+              <a:lnSpc>
+                <a:spcPct val="90000"/>
+              </a:lnSpc>
+              <a:spcBef>
+                <a:spcPts val="1000"/>
+              </a:spcBef>
+              <a:buFont typeface="Arial" panose="020B0604020202020204" pitchFamily="34" charset="0"/>
+              <a:buNone/>
+              <a:defRPr sz="2800" b="1" i="0" kern="1200" baseline="0">
+                <a:solidFill>
+                  <a:schemeClr val="tx1"/>
+                </a:solidFill>
+                <a:latin typeface="+mn-lt"/>
+                <a:ea typeface="+mn-ea"/>
+                <a:cs typeface="+mn-cs"/>
+              </a:defRPr>
+            </a:lvl1pPr>
+            <a:lvl2pPr marL="685800" indent="-228600" algn="l" defTabSz="914400" rtl="0" eaLnBrk="1" latinLnBrk="0" hangingPunct="1">
+              <a:lnSpc>
+                <a:spcPct val="90000"/>
+              </a:lnSpc>
+              <a:spcBef>
+                <a:spcPts val="500"/>
+              </a:spcBef>
+              <a:buFont typeface="Arial" panose="020B0604020202020204" pitchFamily="34" charset="0"/>
+              <a:buChar char="•"/>
+              <a:defRPr sz="2400" kern="1200">
+                <a:solidFill>
+                  <a:schemeClr val="tx1"/>
+                </a:solidFill>
+                <a:latin typeface="+mn-lt"/>
+                <a:ea typeface="+mn-ea"/>
+                <a:cs typeface="+mn-cs"/>
+              </a:defRPr>
+            </a:lvl2pPr>
+            <a:lvl3pPr marL="1143000" indent="-228600" algn="l" defTabSz="914400" rtl="0" eaLnBrk="1" latinLnBrk="0" hangingPunct="1">
+              <a:lnSpc>
+                <a:spcPct val="90000"/>
+              </a:lnSpc>
+              <a:spcBef>
+                <a:spcPts val="500"/>
+              </a:spcBef>
+              <a:buFont typeface="Arial" panose="020B0604020202020204" pitchFamily="34" charset="0"/>
+              <a:buChar char="•"/>
+              <a:defRPr sz="2000" kern="1200">
+                <a:solidFill>
+                  <a:schemeClr val="tx1"/>
+                </a:solidFill>
+                <a:latin typeface="+mn-lt"/>
+                <a:ea typeface="+mn-ea"/>
+                <a:cs typeface="+mn-cs"/>
+              </a:defRPr>
+            </a:lvl3pPr>
+            <a:lvl4pPr marL="1600200" indent="-228600" algn="l" defTabSz="914400" rtl="0" eaLnBrk="1" latinLnBrk="0" hangingPunct="1">
+              <a:lnSpc>
+                <a:spcPct val="90000"/>
+              </a:lnSpc>
+              <a:spcBef>
+                <a:spcPts val="500"/>
+              </a:spcBef>
+              <a:buFont typeface="Arial" panose="020B0604020202020204" pitchFamily="34" charset="0"/>
+              <a:buChar char="•"/>
+              <a:defRPr sz="1800" kern="1200">
+                <a:solidFill>
+                  <a:schemeClr val="tx1"/>
+                </a:solidFill>
+                <a:latin typeface="+mn-lt"/>
+                <a:ea typeface="+mn-ea"/>
+                <a:cs typeface="+mn-cs"/>
+              </a:defRPr>
+            </a:lvl4pPr>
+            <a:lvl5pPr marL="2057400" indent="-228600" algn="l" defTabSz="914400" rtl="0" eaLnBrk="1" latinLnBrk="0" hangingPunct="1">
+              <a:lnSpc>
+                <a:spcPct val="90000"/>
+              </a:lnSpc>
+              <a:spcBef>
+                <a:spcPts val="500"/>
+              </a:spcBef>
+              <a:buFont typeface="Arial" panose="020B0604020202020204" pitchFamily="34" charset="0"/>
+              <a:buChar char="•"/>
+              <a:defRPr sz="1800" kern="1200">
+                <a:solidFill>
+                  <a:schemeClr val="tx1"/>
+                </a:solidFill>
+                <a:latin typeface="+mn-lt"/>
+                <a:ea typeface="+mn-ea"/>
+                <a:cs typeface="+mn-cs"/>
+              </a:defRPr>
+            </a:lvl5pPr>
+            <a:lvl6pPr marL="2514600" indent="-228600" algn="l" defTabSz="914400" rtl="0" eaLnBrk="1" latinLnBrk="0" hangingPunct="1">
+              <a:lnSpc>
+                <a:spcPct val="90000"/>
+              </a:lnSpc>
+              <a:spcBef>
+                <a:spcPts val="500"/>
+              </a:spcBef>
+              <a:buFont typeface="Arial" panose="020B0604020202020204" pitchFamily="34" charset="0"/>
+              <a:buChar char="•"/>
+              <a:defRPr sz="1800" kern="1200">
+                <a:solidFill>
+                  <a:schemeClr val="tx1"/>
+                </a:solidFill>
+                <a:latin typeface="+mn-lt"/>
+                <a:ea typeface="+mn-ea"/>
+                <a:cs typeface="+mn-cs"/>
+              </a:defRPr>
+            </a:lvl6pPr>
+            <a:lvl7pPr marL="2971800" indent="-228600" algn="l" defTabSz="914400" rtl="0" eaLnBrk="1" latinLnBrk="0" hangingPunct="1">
+              <a:lnSpc>
+                <a:spcPct val="90000"/>
+              </a:lnSpc>
+              <a:spcBef>
+                <a:spcPts val="500"/>
+              </a:spcBef>
+              <a:buFont typeface="Arial" panose="020B0604020202020204" pitchFamily="34" charset="0"/>
+              <a:buChar char="•"/>
+              <a:defRPr sz="1800" kern="1200">
+                <a:solidFill>
+                  <a:schemeClr val="tx1"/>
+                </a:solidFill>
+                <a:latin typeface="+mn-lt"/>
+                <a:ea typeface="+mn-ea"/>
+                <a:cs typeface="+mn-cs"/>
+              </a:defRPr>
+            </a:lvl7pPr>
+            <a:lvl8pPr marL="3429000" indent="-228600" algn="l" defTabSz="914400" rtl="0" eaLnBrk="1" latinLnBrk="0" hangingPunct="1">
+              <a:lnSpc>
+                <a:spcPct val="90000"/>
+              </a:lnSpc>
+              <a:spcBef>
+                <a:spcPts val="500"/>
+              </a:spcBef>
+              <a:buFont typeface="Arial" panose="020B0604020202020204" pitchFamily="34" charset="0"/>
+              <a:buChar char="•"/>
+              <a:defRPr sz="1800" kern="1200">
+                <a:solidFill>
+                  <a:schemeClr val="tx1"/>
+                </a:solidFill>
+                <a:latin typeface="+mn-lt"/>
+                <a:ea typeface="+mn-ea"/>
+                <a:cs typeface="+mn-cs"/>
+              </a:defRPr>
+            </a:lvl8pPr>
+            <a:lvl9pPr marL="3886200" indent="-228600" algn="l" defTabSz="914400" rtl="0" eaLnBrk="1" latinLnBrk="0" hangingPunct="1">
+              <a:lnSpc>
+                <a:spcPct val="90000"/>
+              </a:lnSpc>
+              <a:spcBef>
+                <a:spcPts val="500"/>
+              </a:spcBef>
+              <a:buFont typeface="Arial" panose="020B0604020202020204" pitchFamily="34" charset="0"/>
+              <a:buChar char="•"/>
+              <a:defRPr sz="1800" kern="1200">
+                <a:solidFill>
+                  <a:schemeClr val="tx1"/>
+                </a:solidFill>
+                <a:latin typeface="+mn-lt"/>
+                <a:ea typeface="+mn-ea"/>
+                <a:cs typeface="+mn-cs"/>
+              </a:defRPr>
+            </a:lvl9pPr>
+          </a:lstStyle>
+          <a:p>
+            <a:pPr algn="ctr"/>
+            <a:r>
+              <a:rPr lang="en-US" sz="4000" i="1" dirty="0" smtClean="0"/>
+              <a:t>COMPLETABLE FUTURE</a:t>
+            </a:r>
+            <a:endParaRPr lang="en-US" sz="4000" i="1" dirty="0"/>
+          </a:p>
+        </p:txBody>
+      </p:sp>
+    </p:spTree>
+    <p:extLst>
+      <p:ext uri="{BB962C8B-B14F-4D97-AF65-F5344CB8AC3E}">
+        <p14:creationId xmlns:p14="http://schemas.microsoft.com/office/powerpoint/2010/main" val="1425662026"/>
+      </p:ext>
+    </p:extLst>
   </p:cSld>
   <p:clrMapOvr>
     <a:masterClrMapping/>
@@ -3307,6 +9393,8 @@
       </a:bgFillStyleLst>
     </a:fmtScheme>
   </a:themeElements>
+  <a:objectDefaults/>
+  <a:extraClrSchemeLst/>
   <a:extLst>
     <a:ext uri="{05A4C25C-085E-4340-85A3-A5531E510DB2}">
       <thm15:themeFamily xmlns:thm15="http://schemas.microsoft.com/office/thememl/2012/main" name="Office Theme" id="{62F939B6-93AF-4DB8-9C6B-D6C7DFDC589F}" vid="{4A3C46E8-61CC-4603-A589-7422A47A8E4A}"/>
@@ -3566,6 +9654,8 @@
       </a:bgFillStyleLst>
     </a:fmtScheme>
   </a:themeElements>
+  <a:objectDefaults/>
+  <a:extraClrSchemeLst/>
   <a:extLst>
     <a:ext uri="{05A4C25C-085E-4340-85A3-A5531E510DB2}">
       <thm15:themeFamily xmlns:thm15="http://schemas.microsoft.com/office/thememl/2012/main" name="Office Theme" id="{62F939B6-93AF-4DB8-9C6B-D6C7DFDC589F}" vid="{4A3C46E8-61CC-4603-A589-7422A47A8E4A}"/>
@@ -3825,6 +9915,8 @@
       </a:bgFillStyleLst>
     </a:fmtScheme>
   </a:themeElements>
+  <a:objectDefaults/>
+  <a:extraClrSchemeLst/>
   <a:extLst>
     <a:ext uri="{05A4C25C-085E-4340-85A3-A5531E510DB2}">
       <thm15:themeFamily xmlns:thm15="http://schemas.microsoft.com/office/thememl/2012/main" name="Office Theme" id="{62F939B6-93AF-4DB8-9C6B-D6C7DFDC589F}" vid="{4A3C46E8-61CC-4603-A589-7422A47A8E4A}"/>

--- a/presentations/java_future.pptx
+++ b/presentations/java_future.pptx
@@ -2489,19 +2489,19 @@
                 <a:solidFill>
                   <a:sysClr val="windowText" lastClr="000000"/>
                 </a:solidFill>
-                <a:latin typeface="Abadi MT Condensed Light" charset="0"/>
-                <a:ea typeface="Abadi MT Condensed Light" charset="0"/>
-                <a:cs typeface="Abadi MT Condensed Light" charset="0"/>
+                <a:latin typeface="Adobe Arabic" panose="02040503050201020203" charset="0"/>
+                <a:ea typeface="Abadi MT Condensed Light" charset="0"/>
+                <a:cs typeface="Adobe Arabic" panose="02040503050201020203" charset="0"/>
               </a:rPr>
               <a:t>getPrice</a:t>
             </a:r>
-            <a:endParaRPr lang="en-US" sz="2000" dirty="0">
+            <a:endParaRPr lang="en-US" sz="2000" dirty="0" err="1" smtClean="0">
               <a:solidFill>
                 <a:sysClr val="windowText" lastClr="000000"/>
               </a:solidFill>
-              <a:latin typeface="Abadi MT Condensed Light" charset="0"/>
+              <a:latin typeface="Adobe Arabic" panose="02040503050201020203" charset="0"/>
               <a:ea typeface="Abadi MT Condensed Light" charset="0"/>
-              <a:cs typeface="Abadi MT Condensed Light" charset="0"/>
+              <a:cs typeface="Adobe Arabic" panose="02040503050201020203" charset="0"/>
             </a:endParaRPr>
           </a:p>
         </p:txBody>
@@ -2555,9 +2555,9 @@
                 <a:solidFill>
                   <a:sysClr val="windowText" lastClr="000000"/>
                 </a:solidFill>
-                <a:latin typeface="Abadi MT Condensed Light" charset="0"/>
-                <a:ea typeface="Abadi MT Condensed Light" charset="0"/>
-                <a:cs typeface="Abadi MT Condensed Light" charset="0"/>
+                <a:latin typeface="Adobe Arabic" panose="02040503050201020203" charset="0"/>
+                <a:ea typeface="Abadi MT Condensed Light" charset="0"/>
+                <a:cs typeface="Adobe Arabic" panose="02040503050201020203" charset="0"/>
               </a:rPr>
               <a:t>findPrice</a:t>
             </a:r>
@@ -2566,9 +2566,9 @@
                 <a:solidFill>
                   <a:sysClr val="windowText" lastClr="000000"/>
                 </a:solidFill>
-                <a:latin typeface="Abadi MT Condensed Light" charset="0"/>
-                <a:ea typeface="Abadi MT Condensed Light" charset="0"/>
-                <a:cs typeface="Abadi MT Condensed Light" charset="0"/>
+                <a:latin typeface="Adobe Arabic" panose="02040503050201020203" charset="0"/>
+                <a:ea typeface="Abadi MT Condensed Light" charset="0"/>
+                <a:cs typeface="Adobe Arabic" panose="02040503050201020203" charset="0"/>
               </a:rPr>
               <a:t>()</a:t>
             </a:r>
@@ -2576,9 +2576,9 @@
               <a:solidFill>
                 <a:sysClr val="windowText" lastClr="000000"/>
               </a:solidFill>
-              <a:latin typeface="Abadi MT Condensed Light" charset="0"/>
+              <a:latin typeface="Adobe Arabic" panose="02040503050201020203" charset="0"/>
               <a:ea typeface="Abadi MT Condensed Light" charset="0"/>
-              <a:cs typeface="Abadi MT Condensed Light" charset="0"/>
+              <a:cs typeface="Adobe Arabic" panose="02040503050201020203" charset="0"/>
             </a:endParaRPr>
           </a:p>
         </p:txBody>
@@ -2610,19 +2610,19 @@
                 <a:solidFill>
                   <a:srgbClr val="02A9F7"/>
                 </a:solidFill>
-                <a:latin typeface="Abadi MT Condensed Light" charset="0"/>
-                <a:ea typeface="Abadi MT Condensed Light" charset="0"/>
-                <a:cs typeface="Abadi MT Condensed Light" charset="0"/>
+                <a:latin typeface="Adobe Arabic" panose="02040503050201020203" charset="0"/>
+                <a:ea typeface="Abadi MT Condensed Light" charset="0"/>
+                <a:cs typeface="Adobe Arabic" panose="02040503050201020203" charset="0"/>
               </a:rPr>
               <a:t>iphone11</a:t>
             </a:r>
-            <a:endParaRPr lang="en-US" b="1" i="1" dirty="0">
+            <a:endParaRPr lang="en-US" b="1" i="1" dirty="0" smtClean="0">
               <a:solidFill>
                 <a:srgbClr val="02A9F7"/>
               </a:solidFill>
-              <a:latin typeface="Abadi MT Condensed Light" charset="0"/>
+              <a:latin typeface="Adobe Arabic" panose="02040503050201020203" charset="0"/>
               <a:ea typeface="Abadi MT Condensed Light" charset="0"/>
-              <a:cs typeface="Abadi MT Condensed Light" charset="0"/>
+              <a:cs typeface="Adobe Arabic" panose="02040503050201020203" charset="0"/>
             </a:endParaRPr>
           </a:p>
         </p:txBody>
@@ -2654,19 +2654,19 @@
                 <a:solidFill>
                   <a:srgbClr val="02A9F7"/>
                 </a:solidFill>
-                <a:latin typeface="Abadi MT Condensed Light" charset="0"/>
-                <a:ea typeface="Abadi MT Condensed Light" charset="0"/>
-                <a:cs typeface="Abadi MT Condensed Light" charset="0"/>
+                <a:latin typeface="Adobe Arabic" panose="02040503050201020203" charset="0"/>
+                <a:ea typeface="Abadi MT Condensed Light" charset="0"/>
+                <a:cs typeface="Adobe Arabic" panose="02040503050201020203" charset="0"/>
               </a:rPr>
               <a:t>iphone11</a:t>
             </a:r>
-            <a:endParaRPr lang="en-US" b="1" i="1" dirty="0">
+            <a:endParaRPr lang="en-US" b="1" i="1" dirty="0" smtClean="0">
               <a:solidFill>
                 <a:srgbClr val="02A9F7"/>
               </a:solidFill>
-              <a:latin typeface="Abadi MT Condensed Light" charset="0"/>
+              <a:latin typeface="Adobe Arabic" panose="02040503050201020203" charset="0"/>
               <a:ea typeface="Abadi MT Condensed Light" charset="0"/>
-              <a:cs typeface="Abadi MT Condensed Light" charset="0"/>
+              <a:cs typeface="Adobe Arabic" panose="02040503050201020203" charset="0"/>
             </a:endParaRPr>
           </a:p>
         </p:txBody>
@@ -2802,9 +2802,9 @@
                 <a:solidFill>
                   <a:sysClr val="windowText" lastClr="000000"/>
                 </a:solidFill>
-                <a:latin typeface="Abadi MT Condensed Light" charset="0"/>
-                <a:ea typeface="Abadi MT Condensed Light" charset="0"/>
-                <a:cs typeface="Abadi MT Condensed Light" charset="0"/>
+                <a:latin typeface="Adobe Arabic" panose="02040503050201020203" charset="0"/>
+                <a:ea typeface="Abadi MT Condensed Light" charset="0"/>
+                <a:cs typeface="Adobe Arabic" panose="02040503050201020203" charset="0"/>
               </a:rPr>
               <a:t>getNonDiscountPrice</a:t>
             </a:r>
@@ -2813,9 +2813,9 @@
                 <a:solidFill>
                   <a:sysClr val="windowText" lastClr="000000"/>
                 </a:solidFill>
-                <a:latin typeface="Abadi MT Condensed Light" charset="0"/>
-                <a:ea typeface="Abadi MT Condensed Light" charset="0"/>
-                <a:cs typeface="Abadi MT Condensed Light" charset="0"/>
+                <a:latin typeface="Adobe Arabic" panose="02040503050201020203" charset="0"/>
+                <a:ea typeface="Abadi MT Condensed Light" charset="0"/>
+                <a:cs typeface="Adobe Arabic" panose="02040503050201020203" charset="0"/>
               </a:rPr>
               <a:t>()</a:t>
             </a:r>
@@ -2823,9 +2823,9 @@
               <a:solidFill>
                 <a:sysClr val="windowText" lastClr="000000"/>
               </a:solidFill>
-              <a:latin typeface="Abadi MT Condensed Light" charset="0"/>
+              <a:latin typeface="Adobe Arabic" panose="02040503050201020203" charset="0"/>
               <a:ea typeface="Abadi MT Condensed Light" charset="0"/>
-              <a:cs typeface="Abadi MT Condensed Light" charset="0"/>
+              <a:cs typeface="Adobe Arabic" panose="02040503050201020203" charset="0"/>
             </a:endParaRPr>
           </a:p>
           <a:p>
@@ -2834,9 +2834,9 @@
                 <a:solidFill>
                   <a:sysClr val="windowText" lastClr="000000"/>
                 </a:solidFill>
-                <a:latin typeface="Abadi MT Condensed Light" charset="0"/>
-                <a:ea typeface="Abadi MT Condensed Light" charset="0"/>
-                <a:cs typeface="Abadi MT Condensed Light" charset="0"/>
+                <a:latin typeface="Adobe Arabic" panose="02040503050201020203" charset="0"/>
+                <a:ea typeface="Abadi MT Condensed Light" charset="0"/>
+                <a:cs typeface="Adobe Arabic" panose="02040503050201020203" charset="0"/>
               </a:rPr>
               <a:t>extractData</a:t>
             </a:r>
@@ -2845,9 +2845,9 @@
                 <a:solidFill>
                   <a:sysClr val="windowText" lastClr="000000"/>
                 </a:solidFill>
-                <a:latin typeface="Abadi MT Condensed Light" charset="0"/>
-                <a:ea typeface="Abadi MT Condensed Light" charset="0"/>
-                <a:cs typeface="Abadi MT Condensed Light" charset="0"/>
+                <a:latin typeface="Adobe Arabic" panose="02040503050201020203" charset="0"/>
+                <a:ea typeface="Abadi MT Condensed Light" charset="0"/>
+                <a:cs typeface="Adobe Arabic" panose="02040503050201020203" charset="0"/>
               </a:rPr>
               <a:t>()</a:t>
             </a:r>
@@ -2855,9 +2855,9 @@
               <a:solidFill>
                 <a:sysClr val="windowText" lastClr="000000"/>
               </a:solidFill>
-              <a:latin typeface="Abadi MT Condensed Light" charset="0"/>
+              <a:latin typeface="Adobe Arabic" panose="02040503050201020203" charset="0"/>
               <a:ea typeface="Abadi MT Condensed Light" charset="0"/>
-              <a:cs typeface="Abadi MT Condensed Light" charset="0"/>
+              <a:cs typeface="Adobe Arabic" panose="02040503050201020203" charset="0"/>
             </a:endParaRPr>
           </a:p>
           <a:p>
@@ -2866,9 +2866,9 @@
                 <a:solidFill>
                   <a:sysClr val="windowText" lastClr="000000"/>
                 </a:solidFill>
-                <a:latin typeface="Abadi MT Condensed Light" charset="0"/>
-                <a:ea typeface="Abadi MT Condensed Light" charset="0"/>
-                <a:cs typeface="Abadi MT Condensed Light" charset="0"/>
+                <a:latin typeface="Adobe Arabic" panose="02040503050201020203" charset="0"/>
+                <a:ea typeface="Abadi MT Condensed Light" charset="0"/>
+                <a:cs typeface="Adobe Arabic" panose="02040503050201020203" charset="0"/>
               </a:rPr>
               <a:t>getDiscountPercent</a:t>
             </a:r>
@@ -2877,9 +2877,9 @@
                 <a:solidFill>
                   <a:sysClr val="windowText" lastClr="000000"/>
                 </a:solidFill>
-                <a:latin typeface="Abadi MT Condensed Light" charset="0"/>
-                <a:ea typeface="Abadi MT Condensed Light" charset="0"/>
-                <a:cs typeface="Abadi MT Condensed Light" charset="0"/>
+                <a:latin typeface="Adobe Arabic" panose="02040503050201020203" charset="0"/>
+                <a:ea typeface="Abadi MT Condensed Light" charset="0"/>
+                <a:cs typeface="Adobe Arabic" panose="02040503050201020203" charset="0"/>
               </a:rPr>
               <a:t>()</a:t>
             </a:r>
@@ -2887,9 +2887,9 @@
               <a:solidFill>
                 <a:sysClr val="windowText" lastClr="000000"/>
               </a:solidFill>
-              <a:latin typeface="Abadi MT Condensed Light" charset="0"/>
+              <a:latin typeface="Adobe Arabic" panose="02040503050201020203" charset="0"/>
               <a:ea typeface="Abadi MT Condensed Light" charset="0"/>
-              <a:cs typeface="Abadi MT Condensed Light" charset="0"/>
+              <a:cs typeface="Adobe Arabic" panose="02040503050201020203" charset="0"/>
             </a:endParaRPr>
           </a:p>
           <a:p>
@@ -2898,9 +2898,9 @@
                 <a:solidFill>
                   <a:sysClr val="windowText" lastClr="000000"/>
                 </a:solidFill>
-                <a:latin typeface="Abadi MT Condensed Light" charset="0"/>
-                <a:ea typeface="Abadi MT Condensed Light" charset="0"/>
-                <a:cs typeface="Abadi MT Condensed Light" charset="0"/>
+                <a:latin typeface="Adobe Arabic" panose="02040503050201020203" charset="0"/>
+                <a:ea typeface="Abadi MT Condensed Light" charset="0"/>
+                <a:cs typeface="Adobe Arabic" panose="02040503050201020203" charset="0"/>
               </a:rPr>
               <a:t>getExchangeCurrency</a:t>
             </a:r>
@@ -2909,9 +2909,9 @@
                 <a:solidFill>
                   <a:sysClr val="windowText" lastClr="000000"/>
                 </a:solidFill>
-                <a:latin typeface="Abadi MT Condensed Light" charset="0"/>
-                <a:ea typeface="Abadi MT Condensed Light" charset="0"/>
-                <a:cs typeface="Abadi MT Condensed Light" charset="0"/>
+                <a:latin typeface="Adobe Arabic" panose="02040503050201020203" charset="0"/>
+                <a:ea typeface="Abadi MT Condensed Light" charset="0"/>
+                <a:cs typeface="Adobe Arabic" panose="02040503050201020203" charset="0"/>
               </a:rPr>
               <a:t>()</a:t>
             </a:r>
@@ -2919,9 +2919,9 @@
               <a:solidFill>
                 <a:sysClr val="windowText" lastClr="000000"/>
               </a:solidFill>
-              <a:latin typeface="Abadi MT Condensed Light" charset="0"/>
+              <a:latin typeface="Adobe Arabic" panose="02040503050201020203" charset="0"/>
               <a:ea typeface="Abadi MT Condensed Light" charset="0"/>
-              <a:cs typeface="Abadi MT Condensed Light" charset="0"/>
+              <a:cs typeface="Adobe Arabic" panose="02040503050201020203" charset="0"/>
             </a:endParaRPr>
           </a:p>
         </p:txBody>
@@ -2953,19 +2953,19 @@
                 <a:solidFill>
                   <a:srgbClr val="D78000"/>
                 </a:solidFill>
-                <a:latin typeface="Abadi MT Condensed Light" charset="0"/>
-                <a:ea typeface="Abadi MT Condensed Light" charset="0"/>
-                <a:cs typeface="Abadi MT Condensed Light" charset="0"/>
+                <a:latin typeface="Adobe Arabic" panose="02040503050201020203" charset="0"/>
+                <a:ea typeface="Abadi MT Condensed Light" charset="0"/>
+                <a:cs typeface="Adobe Arabic" panose="02040503050201020203" charset="0"/>
               </a:rPr>
               <a:t>Amazon|20$|Gold</a:t>
             </a:r>
-            <a:endParaRPr lang="en-US" b="1" i="1" dirty="0">
+            <a:endParaRPr lang="en-US" b="1" i="1" dirty="0" smtClean="0">
               <a:solidFill>
                 <a:srgbClr val="D78000"/>
               </a:solidFill>
-              <a:latin typeface="Abadi MT Condensed Light" charset="0"/>
+              <a:latin typeface="Adobe Arabic" panose="02040503050201020203" charset="0"/>
               <a:ea typeface="Abadi MT Condensed Light" charset="0"/>
-              <a:cs typeface="Abadi MT Condensed Light" charset="0"/>
+              <a:cs typeface="Adobe Arabic" panose="02040503050201020203" charset="0"/>
             </a:endParaRPr>
           </a:p>
         </p:txBody>
@@ -2997,19 +2997,19 @@
                 <a:solidFill>
                   <a:srgbClr val="D78000"/>
                 </a:solidFill>
-                <a:latin typeface="Abadi MT Condensed Light" charset="0"/>
-                <a:ea typeface="Abadi MT Condensed Light" charset="0"/>
-                <a:cs typeface="Abadi MT Condensed Light" charset="0"/>
+                <a:latin typeface="Adobe Arabic" panose="02040503050201020203" charset="0"/>
+                <a:ea typeface="Abadi MT Condensed Light" charset="0"/>
+                <a:cs typeface="Adobe Arabic" panose="02040503050201020203" charset="0"/>
               </a:rPr>
               <a:t>Price: 20|Discount: Gold</a:t>
             </a:r>
-            <a:endParaRPr lang="en-US" b="1" i="1" dirty="0">
+            <a:endParaRPr lang="en-US" b="1" i="1" dirty="0" smtClean="0">
               <a:solidFill>
                 <a:srgbClr val="D78000"/>
               </a:solidFill>
-              <a:latin typeface="Abadi MT Condensed Light" charset="0"/>
+              <a:latin typeface="Adobe Arabic" panose="02040503050201020203" charset="0"/>
               <a:ea typeface="Abadi MT Condensed Light" charset="0"/>
-              <a:cs typeface="Abadi MT Condensed Light" charset="0"/>
+              <a:cs typeface="Adobe Arabic" panose="02040503050201020203" charset="0"/>
             </a:endParaRPr>
           </a:p>
         </p:txBody>
@@ -3041,19 +3041,19 @@
                 <a:solidFill>
                   <a:srgbClr val="D78000"/>
                 </a:solidFill>
-                <a:latin typeface="Abadi MT Condensed Light" charset="0"/>
-                <a:ea typeface="Abadi MT Condensed Light" charset="0"/>
-                <a:cs typeface="Abadi MT Condensed Light" charset="0"/>
+                <a:latin typeface="Adobe Arabic" panose="02040503050201020203" charset="0"/>
+                <a:ea typeface="Abadi MT Condensed Light" charset="0"/>
+                <a:cs typeface="Adobe Arabic" panose="02040503050201020203" charset="0"/>
               </a:rPr>
               <a:t>20%</a:t>
             </a:r>
-            <a:endParaRPr lang="en-US" b="1" i="1" dirty="0">
+            <a:endParaRPr lang="en-US" b="1" i="1" dirty="0" smtClean="0">
               <a:solidFill>
                 <a:srgbClr val="D78000"/>
               </a:solidFill>
-              <a:latin typeface="Abadi MT Condensed Light" charset="0"/>
+              <a:latin typeface="Adobe Arabic" panose="02040503050201020203" charset="0"/>
               <a:ea typeface="Abadi MT Condensed Light" charset="0"/>
-              <a:cs typeface="Abadi MT Condensed Light" charset="0"/>
+              <a:cs typeface="Adobe Arabic" panose="02040503050201020203" charset="0"/>
             </a:endParaRPr>
           </a:p>
         </p:txBody>
@@ -3085,19 +3085,19 @@
                 <a:solidFill>
                   <a:srgbClr val="D78000"/>
                 </a:solidFill>
-                <a:latin typeface="Abadi MT Condensed Light" charset="0"/>
-                <a:ea typeface="Abadi MT Condensed Light" charset="0"/>
-                <a:cs typeface="Abadi MT Condensed Light" charset="0"/>
+                <a:latin typeface="Adobe Arabic" panose="02040503050201020203" charset="0"/>
+                <a:ea typeface="Abadi MT Condensed Light" charset="0"/>
+                <a:cs typeface="Adobe Arabic" panose="02040503050201020203" charset="0"/>
               </a:rPr>
               <a:t>23000</a:t>
             </a:r>
-            <a:endParaRPr lang="en-US" b="1" i="1" dirty="0">
+            <a:endParaRPr lang="en-US" b="1" i="1" dirty="0" smtClean="0">
               <a:solidFill>
                 <a:srgbClr val="D78000"/>
               </a:solidFill>
-              <a:latin typeface="Abadi MT Condensed Light" charset="0"/>
+              <a:latin typeface="Adobe Arabic" panose="02040503050201020203" charset="0"/>
               <a:ea typeface="Abadi MT Condensed Light" charset="0"/>
-              <a:cs typeface="Abadi MT Condensed Light" charset="0"/>
+              <a:cs typeface="Adobe Arabic" panose="02040503050201020203" charset="0"/>
             </a:endParaRPr>
           </a:p>
         </p:txBody>
@@ -3150,19 +3150,19 @@
                 <a:solidFill>
                   <a:sysClr val="windowText" lastClr="000000"/>
                 </a:solidFill>
-                <a:latin typeface="Abadi MT Condensed Light" charset="0"/>
-                <a:ea typeface="Abadi MT Condensed Light" charset="0"/>
-                <a:cs typeface="Abadi MT Condensed Light" charset="0"/>
+                <a:latin typeface="Adobe Arabic" panose="02040503050201020203" charset="0"/>
+                <a:ea typeface="Abadi MT Condensed Light" charset="0"/>
+                <a:cs typeface="Adobe Arabic" panose="02040503050201020203" charset="0"/>
               </a:rPr>
               <a:t>getPrice</a:t>
             </a:r>
-            <a:endParaRPr lang="en-US" sz="2000" dirty="0">
+            <a:endParaRPr lang="en-US" sz="2000" dirty="0" err="1" smtClean="0">
               <a:solidFill>
                 <a:sysClr val="windowText" lastClr="000000"/>
               </a:solidFill>
-              <a:latin typeface="Abadi MT Condensed Light" charset="0"/>
+              <a:latin typeface="Adobe Arabic" panose="02040503050201020203" charset="0"/>
               <a:ea typeface="Abadi MT Condensed Light" charset="0"/>
-              <a:cs typeface="Abadi MT Condensed Light" charset="0"/>
+              <a:cs typeface="Adobe Arabic" panose="02040503050201020203" charset="0"/>
             </a:endParaRPr>
           </a:p>
         </p:txBody>
@@ -3216,9 +3216,9 @@
                 <a:solidFill>
                   <a:sysClr val="windowText" lastClr="000000"/>
                 </a:solidFill>
-                <a:latin typeface="Abadi MT Condensed Light" charset="0"/>
-                <a:ea typeface="Abadi MT Condensed Light" charset="0"/>
-                <a:cs typeface="Abadi MT Condensed Light" charset="0"/>
+                <a:latin typeface="Adobe Arabic" panose="02040503050201020203" charset="0"/>
+                <a:ea typeface="Abadi MT Condensed Light" charset="0"/>
+                <a:cs typeface="Adobe Arabic" panose="02040503050201020203" charset="0"/>
               </a:rPr>
               <a:t>getNonDiscountPrice</a:t>
             </a:r>
@@ -3227,9 +3227,9 @@
                 <a:solidFill>
                   <a:sysClr val="windowText" lastClr="000000"/>
                 </a:solidFill>
-                <a:latin typeface="Abadi MT Condensed Light" charset="0"/>
-                <a:ea typeface="Abadi MT Condensed Light" charset="0"/>
-                <a:cs typeface="Abadi MT Condensed Light" charset="0"/>
+                <a:latin typeface="Adobe Arabic" panose="02040503050201020203" charset="0"/>
+                <a:ea typeface="Abadi MT Condensed Light" charset="0"/>
+                <a:cs typeface="Adobe Arabic" panose="02040503050201020203" charset="0"/>
               </a:rPr>
               <a:t>()</a:t>
             </a:r>
@@ -3237,9 +3237,9 @@
               <a:solidFill>
                 <a:sysClr val="windowText" lastClr="000000"/>
               </a:solidFill>
-              <a:latin typeface="Abadi MT Condensed Light" charset="0"/>
+              <a:latin typeface="Adobe Arabic" panose="02040503050201020203" charset="0"/>
               <a:ea typeface="Abadi MT Condensed Light" charset="0"/>
-              <a:cs typeface="Abadi MT Condensed Light" charset="0"/>
+              <a:cs typeface="Adobe Arabic" panose="02040503050201020203" charset="0"/>
             </a:endParaRPr>
           </a:p>
           <a:p>
@@ -3248,9 +3248,9 @@
                 <a:solidFill>
                   <a:sysClr val="windowText" lastClr="000000"/>
                 </a:solidFill>
-                <a:latin typeface="Abadi MT Condensed Light" charset="0"/>
-                <a:ea typeface="Abadi MT Condensed Light" charset="0"/>
-                <a:cs typeface="Abadi MT Condensed Light" charset="0"/>
+                <a:latin typeface="Adobe Arabic" panose="02040503050201020203" charset="0"/>
+                <a:ea typeface="Abadi MT Condensed Light" charset="0"/>
+                <a:cs typeface="Adobe Arabic" panose="02040503050201020203" charset="0"/>
               </a:rPr>
               <a:t>extractData</a:t>
             </a:r>
@@ -3259,9 +3259,9 @@
                 <a:solidFill>
                   <a:sysClr val="windowText" lastClr="000000"/>
                 </a:solidFill>
-                <a:latin typeface="Abadi MT Condensed Light" charset="0"/>
-                <a:ea typeface="Abadi MT Condensed Light" charset="0"/>
-                <a:cs typeface="Abadi MT Condensed Light" charset="0"/>
+                <a:latin typeface="Adobe Arabic" panose="02040503050201020203" charset="0"/>
+                <a:ea typeface="Abadi MT Condensed Light" charset="0"/>
+                <a:cs typeface="Adobe Arabic" panose="02040503050201020203" charset="0"/>
               </a:rPr>
               <a:t>()</a:t>
             </a:r>
@@ -3269,9 +3269,9 @@
               <a:solidFill>
                 <a:sysClr val="windowText" lastClr="000000"/>
               </a:solidFill>
-              <a:latin typeface="Abadi MT Condensed Light" charset="0"/>
+              <a:latin typeface="Adobe Arabic" panose="02040503050201020203" charset="0"/>
               <a:ea typeface="Abadi MT Condensed Light" charset="0"/>
-              <a:cs typeface="Abadi MT Condensed Light" charset="0"/>
+              <a:cs typeface="Adobe Arabic" panose="02040503050201020203" charset="0"/>
             </a:endParaRPr>
           </a:p>
           <a:p>
@@ -3280,9 +3280,9 @@
                 <a:solidFill>
                   <a:sysClr val="windowText" lastClr="000000"/>
                 </a:solidFill>
-                <a:latin typeface="Abadi MT Condensed Light" charset="0"/>
-                <a:ea typeface="Abadi MT Condensed Light" charset="0"/>
-                <a:cs typeface="Abadi MT Condensed Light" charset="0"/>
+                <a:latin typeface="Adobe Arabic" panose="02040503050201020203" charset="0"/>
+                <a:ea typeface="Abadi MT Condensed Light" charset="0"/>
+                <a:cs typeface="Adobe Arabic" panose="02040503050201020203" charset="0"/>
               </a:rPr>
               <a:t>getDiscountPercent</a:t>
             </a:r>
@@ -3291,9 +3291,9 @@
                 <a:solidFill>
                   <a:sysClr val="windowText" lastClr="000000"/>
                 </a:solidFill>
-                <a:latin typeface="Abadi MT Condensed Light" charset="0"/>
-                <a:ea typeface="Abadi MT Condensed Light" charset="0"/>
-                <a:cs typeface="Abadi MT Condensed Light" charset="0"/>
+                <a:latin typeface="Adobe Arabic" panose="02040503050201020203" charset="0"/>
+                <a:ea typeface="Abadi MT Condensed Light" charset="0"/>
+                <a:cs typeface="Adobe Arabic" panose="02040503050201020203" charset="0"/>
               </a:rPr>
               <a:t>()</a:t>
             </a:r>
@@ -3301,9 +3301,9 @@
               <a:solidFill>
                 <a:sysClr val="windowText" lastClr="000000"/>
               </a:solidFill>
-              <a:latin typeface="Abadi MT Condensed Light" charset="0"/>
+              <a:latin typeface="Adobe Arabic" panose="02040503050201020203" charset="0"/>
               <a:ea typeface="Abadi MT Condensed Light" charset="0"/>
-              <a:cs typeface="Abadi MT Condensed Light" charset="0"/>
+              <a:cs typeface="Adobe Arabic" panose="02040503050201020203" charset="0"/>
             </a:endParaRPr>
           </a:p>
           <a:p>
@@ -3312,9 +3312,9 @@
                 <a:solidFill>
                   <a:sysClr val="windowText" lastClr="000000"/>
                 </a:solidFill>
-                <a:latin typeface="Abadi MT Condensed Light" charset="0"/>
-                <a:ea typeface="Abadi MT Condensed Light" charset="0"/>
-                <a:cs typeface="Abadi MT Condensed Light" charset="0"/>
+                <a:latin typeface="Adobe Arabic" panose="02040503050201020203" charset="0"/>
+                <a:ea typeface="Abadi MT Condensed Light" charset="0"/>
+                <a:cs typeface="Adobe Arabic" panose="02040503050201020203" charset="0"/>
               </a:rPr>
               <a:t>getExchangeCurrency</a:t>
             </a:r>
@@ -3323,9 +3323,9 @@
                 <a:solidFill>
                   <a:sysClr val="windowText" lastClr="000000"/>
                 </a:solidFill>
-                <a:latin typeface="Abadi MT Condensed Light" charset="0"/>
-                <a:ea typeface="Abadi MT Condensed Light" charset="0"/>
-                <a:cs typeface="Abadi MT Condensed Light" charset="0"/>
+                <a:latin typeface="Adobe Arabic" panose="02040503050201020203" charset="0"/>
+                <a:ea typeface="Abadi MT Condensed Light" charset="0"/>
+                <a:cs typeface="Adobe Arabic" panose="02040503050201020203" charset="0"/>
               </a:rPr>
               <a:t>()</a:t>
             </a:r>
@@ -3333,9 +3333,9 @@
               <a:solidFill>
                 <a:sysClr val="windowText" lastClr="000000"/>
               </a:solidFill>
-              <a:latin typeface="Abadi MT Condensed Light" charset="0"/>
+              <a:latin typeface="Adobe Arabic" panose="02040503050201020203" charset="0"/>
               <a:ea typeface="Abadi MT Condensed Light" charset="0"/>
-              <a:cs typeface="Abadi MT Condensed Light" charset="0"/>
+              <a:cs typeface="Adobe Arabic" panose="02040503050201020203" charset="0"/>
             </a:endParaRPr>
           </a:p>
         </p:txBody>
@@ -3367,19 +3367,19 @@
                 <a:solidFill>
                   <a:srgbClr val="D78000"/>
                 </a:solidFill>
-                <a:latin typeface="Abadi MT Condensed Light" charset="0"/>
-                <a:ea typeface="Abadi MT Condensed Light" charset="0"/>
-                <a:cs typeface="Abadi MT Condensed Light" charset="0"/>
+                <a:latin typeface="Adobe Arabic" panose="02040503050201020203" charset="0"/>
+                <a:ea typeface="Abadi MT Condensed Light" charset="0"/>
+                <a:cs typeface="Adobe Arabic" panose="02040503050201020203" charset="0"/>
               </a:rPr>
               <a:t>Ebay|20$|Silver</a:t>
             </a:r>
-            <a:endParaRPr lang="en-US" b="1" i="1" dirty="0">
+            <a:endParaRPr lang="en-US" b="1" i="1" dirty="0" smtClean="0">
               <a:solidFill>
                 <a:srgbClr val="D78000"/>
               </a:solidFill>
-              <a:latin typeface="Abadi MT Condensed Light" charset="0"/>
+              <a:latin typeface="Adobe Arabic" panose="02040503050201020203" charset="0"/>
               <a:ea typeface="Abadi MT Condensed Light" charset="0"/>
-              <a:cs typeface="Abadi MT Condensed Light" charset="0"/>
+              <a:cs typeface="Adobe Arabic" panose="02040503050201020203" charset="0"/>
             </a:endParaRPr>
           </a:p>
         </p:txBody>
@@ -3411,19 +3411,19 @@
                 <a:solidFill>
                   <a:srgbClr val="D78000"/>
                 </a:solidFill>
-                <a:latin typeface="Abadi MT Condensed Light" charset="0"/>
-                <a:ea typeface="Abadi MT Condensed Light" charset="0"/>
-                <a:cs typeface="Abadi MT Condensed Light" charset="0"/>
+                <a:latin typeface="Adobe Arabic" panose="02040503050201020203" charset="0"/>
+                <a:ea typeface="Abadi MT Condensed Light" charset="0"/>
+                <a:cs typeface="Adobe Arabic" panose="02040503050201020203" charset="0"/>
               </a:rPr>
               <a:t>Price: 25|Discount: Silver</a:t>
             </a:r>
-            <a:endParaRPr lang="en-US" b="1" i="1" dirty="0">
+            <a:endParaRPr lang="en-US" b="1" i="1" dirty="0" smtClean="0">
               <a:solidFill>
                 <a:srgbClr val="D78000"/>
               </a:solidFill>
-              <a:latin typeface="Abadi MT Condensed Light" charset="0"/>
+              <a:latin typeface="Adobe Arabic" panose="02040503050201020203" charset="0"/>
               <a:ea typeface="Abadi MT Condensed Light" charset="0"/>
-              <a:cs typeface="Abadi MT Condensed Light" charset="0"/>
+              <a:cs typeface="Adobe Arabic" panose="02040503050201020203" charset="0"/>
             </a:endParaRPr>
           </a:p>
         </p:txBody>
@@ -3455,19 +3455,19 @@
                 <a:solidFill>
                   <a:srgbClr val="D78000"/>
                 </a:solidFill>
-                <a:latin typeface="Abadi MT Condensed Light" charset="0"/>
-                <a:ea typeface="Abadi MT Condensed Light" charset="0"/>
-                <a:cs typeface="Abadi MT Condensed Light" charset="0"/>
+                <a:latin typeface="Adobe Arabic" panose="02040503050201020203" charset="0"/>
+                <a:ea typeface="Abadi MT Condensed Light" charset="0"/>
+                <a:cs typeface="Adobe Arabic" panose="02040503050201020203" charset="0"/>
               </a:rPr>
               <a:t>10%</a:t>
             </a:r>
-            <a:endParaRPr lang="en-US" b="1" i="1" dirty="0">
+            <a:endParaRPr lang="en-US" b="1" i="1" dirty="0" smtClean="0">
               <a:solidFill>
                 <a:srgbClr val="D78000"/>
               </a:solidFill>
-              <a:latin typeface="Abadi MT Condensed Light" charset="0"/>
+              <a:latin typeface="Adobe Arabic" panose="02040503050201020203" charset="0"/>
               <a:ea typeface="Abadi MT Condensed Light" charset="0"/>
-              <a:cs typeface="Abadi MT Condensed Light" charset="0"/>
+              <a:cs typeface="Adobe Arabic" panose="02040503050201020203" charset="0"/>
             </a:endParaRPr>
           </a:p>
         </p:txBody>
@@ -3499,19 +3499,19 @@
                 <a:solidFill>
                   <a:srgbClr val="D78000"/>
                 </a:solidFill>
-                <a:latin typeface="Abadi MT Condensed Light" charset="0"/>
-                <a:ea typeface="Abadi MT Condensed Light" charset="0"/>
-                <a:cs typeface="Abadi MT Condensed Light" charset="0"/>
+                <a:latin typeface="Adobe Arabic" panose="02040503050201020203" charset="0"/>
+                <a:ea typeface="Abadi MT Condensed Light" charset="0"/>
+                <a:cs typeface="Adobe Arabic" panose="02040503050201020203" charset="0"/>
               </a:rPr>
               <a:t>22500</a:t>
             </a:r>
-            <a:endParaRPr lang="en-US" b="1" i="1" dirty="0">
+            <a:endParaRPr lang="en-US" b="1" i="1" dirty="0" smtClean="0">
               <a:solidFill>
                 <a:srgbClr val="D78000"/>
               </a:solidFill>
-              <a:latin typeface="Abadi MT Condensed Light" charset="0"/>
+              <a:latin typeface="Adobe Arabic" panose="02040503050201020203" charset="0"/>
               <a:ea typeface="Abadi MT Condensed Light" charset="0"/>
-              <a:cs typeface="Abadi MT Condensed Light" charset="0"/>
+              <a:cs typeface="Adobe Arabic" panose="02040503050201020203" charset="0"/>
             </a:endParaRPr>
           </a:p>
         </p:txBody>
@@ -3882,21 +3882,21 @@
                     <a:alpha val="64000"/>
                   </a:schemeClr>
                 </a:solidFill>
-                <a:latin typeface="Abadi MT Condensed Light" charset="0"/>
-                <a:ea typeface="Abadi MT Condensed Light" charset="0"/>
-                <a:cs typeface="Abadi MT Condensed Light" charset="0"/>
+                <a:latin typeface="Adobe Arabic" panose="02040503050201020203" charset="0"/>
+                <a:ea typeface="Abadi MT Condensed Light" charset="0"/>
+                <a:cs typeface="Adobe Arabic" panose="02040503050201020203" charset="0"/>
               </a:rPr>
               <a:t>getPrice</a:t>
             </a:r>
-            <a:endParaRPr lang="en-US" sz="2000" dirty="0">
+            <a:endParaRPr lang="en-US" sz="2000" dirty="0" err="1" smtClean="0">
               <a:solidFill>
                 <a:schemeClr val="tx1">
                   <a:alpha val="64000"/>
                 </a:schemeClr>
               </a:solidFill>
-              <a:latin typeface="Abadi MT Condensed Light" charset="0"/>
+              <a:latin typeface="Adobe Arabic" panose="02040503050201020203" charset="0"/>
               <a:ea typeface="Abadi MT Condensed Light" charset="0"/>
-              <a:cs typeface="Abadi MT Condensed Light" charset="0"/>
+              <a:cs typeface="Adobe Arabic" panose="02040503050201020203" charset="0"/>
             </a:endParaRPr>
           </a:p>
         </p:txBody>
@@ -3950,9 +3950,9 @@
                 <a:solidFill>
                   <a:sysClr val="windowText" lastClr="000000"/>
                 </a:solidFill>
-                <a:latin typeface="Abadi MT Condensed Light" charset="0"/>
-                <a:ea typeface="Abadi MT Condensed Light" charset="0"/>
-                <a:cs typeface="Abadi MT Condensed Light" charset="0"/>
+                <a:latin typeface="Adobe Arabic" panose="02040503050201020203" charset="0"/>
+                <a:ea typeface="Abadi MT Condensed Light" charset="0"/>
+                <a:cs typeface="Adobe Arabic" panose="02040503050201020203" charset="0"/>
               </a:rPr>
               <a:t>findPrice</a:t>
             </a:r>
@@ -3961,9 +3961,9 @@
                 <a:solidFill>
                   <a:sysClr val="windowText" lastClr="000000"/>
                 </a:solidFill>
-                <a:latin typeface="Abadi MT Condensed Light" charset="0"/>
-                <a:ea typeface="Abadi MT Condensed Light" charset="0"/>
-                <a:cs typeface="Abadi MT Condensed Light" charset="0"/>
+                <a:latin typeface="Adobe Arabic" panose="02040503050201020203" charset="0"/>
+                <a:ea typeface="Abadi MT Condensed Light" charset="0"/>
+                <a:cs typeface="Adobe Arabic" panose="02040503050201020203" charset="0"/>
               </a:rPr>
               <a:t>()</a:t>
             </a:r>
@@ -3971,9 +3971,9 @@
               <a:solidFill>
                 <a:sysClr val="windowText" lastClr="000000"/>
               </a:solidFill>
-              <a:latin typeface="Abadi MT Condensed Light" charset="0"/>
+              <a:latin typeface="Adobe Arabic" panose="02040503050201020203" charset="0"/>
               <a:ea typeface="Abadi MT Condensed Light" charset="0"/>
-              <a:cs typeface="Abadi MT Condensed Light" charset="0"/>
+              <a:cs typeface="Adobe Arabic" panose="02040503050201020203" charset="0"/>
             </a:endParaRPr>
           </a:p>
         </p:txBody>
@@ -4011,21 +4011,21 @@
                     <a:alpha val="64000"/>
                   </a:schemeClr>
                 </a:solidFill>
-                <a:latin typeface="Abadi MT Condensed Light" charset="0"/>
-                <a:ea typeface="Abadi MT Condensed Light" charset="0"/>
-                <a:cs typeface="Abadi MT Condensed Light" charset="0"/>
+                <a:latin typeface="Adobe Arabic" panose="02040503050201020203" charset="0"/>
+                <a:ea typeface="Abadi MT Condensed Light" charset="0"/>
+                <a:cs typeface="Adobe Arabic" panose="02040503050201020203" charset="0"/>
               </a:rPr>
               <a:t>iphone11</a:t>
             </a:r>
-            <a:endParaRPr lang="en-US" b="1" i="1" dirty="0">
+            <a:endParaRPr lang="en-US" b="1" i="1" dirty="0" smtClean="0">
               <a:solidFill>
                 <a:schemeClr val="tx1">
                   <a:alpha val="64000"/>
                 </a:schemeClr>
               </a:solidFill>
-              <a:latin typeface="Abadi MT Condensed Light" charset="0"/>
+              <a:latin typeface="Adobe Arabic" panose="02040503050201020203" charset="0"/>
               <a:ea typeface="Abadi MT Condensed Light" charset="0"/>
-              <a:cs typeface="Abadi MT Condensed Light" charset="0"/>
+              <a:cs typeface="Adobe Arabic" panose="02040503050201020203" charset="0"/>
             </a:endParaRPr>
           </a:p>
         </p:txBody>
@@ -4063,21 +4063,21 @@
                     <a:alpha val="64000"/>
                   </a:schemeClr>
                 </a:solidFill>
-                <a:latin typeface="Abadi MT Condensed Light" charset="0"/>
-                <a:ea typeface="Abadi MT Condensed Light" charset="0"/>
-                <a:cs typeface="Abadi MT Condensed Light" charset="0"/>
+                <a:latin typeface="Adobe Arabic" panose="02040503050201020203" charset="0"/>
+                <a:ea typeface="Abadi MT Condensed Light" charset="0"/>
+                <a:cs typeface="Adobe Arabic" panose="02040503050201020203" charset="0"/>
               </a:rPr>
               <a:t>iphone11</a:t>
             </a:r>
-            <a:endParaRPr lang="en-US" b="1" i="1" dirty="0">
+            <a:endParaRPr lang="en-US" b="1" i="1" dirty="0" smtClean="0">
               <a:solidFill>
                 <a:schemeClr val="tx1">
                   <a:alpha val="64000"/>
                 </a:schemeClr>
               </a:solidFill>
-              <a:latin typeface="Abadi MT Condensed Light" charset="0"/>
+              <a:latin typeface="Adobe Arabic" panose="02040503050201020203" charset="0"/>
               <a:ea typeface="Abadi MT Condensed Light" charset="0"/>
-              <a:cs typeface="Abadi MT Condensed Light" charset="0"/>
+              <a:cs typeface="Adobe Arabic" panose="02040503050201020203" charset="0"/>
             </a:endParaRPr>
           </a:p>
         </p:txBody>
@@ -4214,9 +4214,9 @@
                     <a:alpha val="64000"/>
                   </a:schemeClr>
                 </a:solidFill>
-                <a:latin typeface="Abadi MT Condensed Light" charset="0"/>
-                <a:ea typeface="Abadi MT Condensed Light" charset="0"/>
-                <a:cs typeface="Abadi MT Condensed Light" charset="0"/>
+                <a:latin typeface="Adobe Arabic" panose="02040503050201020203" charset="0"/>
+                <a:ea typeface="Abadi MT Condensed Light" charset="0"/>
+                <a:cs typeface="Adobe Arabic" panose="02040503050201020203" charset="0"/>
               </a:rPr>
               <a:t>getNonDiscountPrice</a:t>
             </a:r>
@@ -4227,9 +4227,9 @@
                     <a:alpha val="64000"/>
                   </a:schemeClr>
                 </a:solidFill>
-                <a:latin typeface="Abadi MT Condensed Light" charset="0"/>
-                <a:ea typeface="Abadi MT Condensed Light" charset="0"/>
-                <a:cs typeface="Abadi MT Condensed Light" charset="0"/>
+                <a:latin typeface="Adobe Arabic" panose="02040503050201020203" charset="0"/>
+                <a:ea typeface="Abadi MT Condensed Light" charset="0"/>
+                <a:cs typeface="Adobe Arabic" panose="02040503050201020203" charset="0"/>
               </a:rPr>
               <a:t>()</a:t>
             </a:r>
@@ -4239,9 +4239,9 @@
                   <a:alpha val="64000"/>
                 </a:schemeClr>
               </a:solidFill>
-              <a:latin typeface="Abadi MT Condensed Light" charset="0"/>
+              <a:latin typeface="Adobe Arabic" panose="02040503050201020203" charset="0"/>
               <a:ea typeface="Abadi MT Condensed Light" charset="0"/>
-              <a:cs typeface="Abadi MT Condensed Light" charset="0"/>
+              <a:cs typeface="Adobe Arabic" panose="02040503050201020203" charset="0"/>
             </a:endParaRPr>
           </a:p>
           <a:p>
@@ -4252,9 +4252,9 @@
                     <a:alpha val="64000"/>
                   </a:schemeClr>
                 </a:solidFill>
-                <a:latin typeface="Abadi MT Condensed Light" charset="0"/>
-                <a:ea typeface="Abadi MT Condensed Light" charset="0"/>
-                <a:cs typeface="Abadi MT Condensed Light" charset="0"/>
+                <a:latin typeface="Adobe Arabic" panose="02040503050201020203" charset="0"/>
+                <a:ea typeface="Abadi MT Condensed Light" charset="0"/>
+                <a:cs typeface="Adobe Arabic" panose="02040503050201020203" charset="0"/>
               </a:rPr>
               <a:t>extractData</a:t>
             </a:r>
@@ -4265,9 +4265,9 @@
                     <a:alpha val="64000"/>
                   </a:schemeClr>
                 </a:solidFill>
-                <a:latin typeface="Abadi MT Condensed Light" charset="0"/>
-                <a:ea typeface="Abadi MT Condensed Light" charset="0"/>
-                <a:cs typeface="Abadi MT Condensed Light" charset="0"/>
+                <a:latin typeface="Adobe Arabic" panose="02040503050201020203" charset="0"/>
+                <a:ea typeface="Abadi MT Condensed Light" charset="0"/>
+                <a:cs typeface="Adobe Arabic" panose="02040503050201020203" charset="0"/>
               </a:rPr>
               <a:t>()</a:t>
             </a:r>
@@ -4277,9 +4277,9 @@
                   <a:alpha val="64000"/>
                 </a:schemeClr>
               </a:solidFill>
-              <a:latin typeface="Abadi MT Condensed Light" charset="0"/>
+              <a:latin typeface="Adobe Arabic" panose="02040503050201020203" charset="0"/>
               <a:ea typeface="Abadi MT Condensed Light" charset="0"/>
-              <a:cs typeface="Abadi MT Condensed Light" charset="0"/>
+              <a:cs typeface="Adobe Arabic" panose="02040503050201020203" charset="0"/>
             </a:endParaRPr>
           </a:p>
           <a:p>
@@ -4290,9 +4290,9 @@
                     <a:alpha val="64000"/>
                   </a:schemeClr>
                 </a:solidFill>
-                <a:latin typeface="Abadi MT Condensed Light" charset="0"/>
-                <a:ea typeface="Abadi MT Condensed Light" charset="0"/>
-                <a:cs typeface="Abadi MT Condensed Light" charset="0"/>
+                <a:latin typeface="Adobe Arabic" panose="02040503050201020203" charset="0"/>
+                <a:ea typeface="Abadi MT Condensed Light" charset="0"/>
+                <a:cs typeface="Adobe Arabic" panose="02040503050201020203" charset="0"/>
               </a:rPr>
               <a:t>getDiscountPercent</a:t>
             </a:r>
@@ -4303,9 +4303,9 @@
                     <a:alpha val="64000"/>
                   </a:schemeClr>
                 </a:solidFill>
-                <a:latin typeface="Abadi MT Condensed Light" charset="0"/>
-                <a:ea typeface="Abadi MT Condensed Light" charset="0"/>
-                <a:cs typeface="Abadi MT Condensed Light" charset="0"/>
+                <a:latin typeface="Adobe Arabic" panose="02040503050201020203" charset="0"/>
+                <a:ea typeface="Abadi MT Condensed Light" charset="0"/>
+                <a:cs typeface="Adobe Arabic" panose="02040503050201020203" charset="0"/>
               </a:rPr>
               <a:t>()</a:t>
             </a:r>
@@ -4315,9 +4315,9 @@
                   <a:alpha val="64000"/>
                 </a:schemeClr>
               </a:solidFill>
-              <a:latin typeface="Abadi MT Condensed Light" charset="0"/>
+              <a:latin typeface="Adobe Arabic" panose="02040503050201020203" charset="0"/>
               <a:ea typeface="Abadi MT Condensed Light" charset="0"/>
-              <a:cs typeface="Abadi MT Condensed Light" charset="0"/>
+              <a:cs typeface="Adobe Arabic" panose="02040503050201020203" charset="0"/>
             </a:endParaRPr>
           </a:p>
           <a:p>
@@ -4328,9 +4328,9 @@
                     <a:alpha val="64000"/>
                   </a:schemeClr>
                 </a:solidFill>
-                <a:latin typeface="Abadi MT Condensed Light" charset="0"/>
-                <a:ea typeface="Abadi MT Condensed Light" charset="0"/>
-                <a:cs typeface="Abadi MT Condensed Light" charset="0"/>
+                <a:latin typeface="Adobe Arabic" panose="02040503050201020203" charset="0"/>
+                <a:ea typeface="Abadi MT Condensed Light" charset="0"/>
+                <a:cs typeface="Adobe Arabic" panose="02040503050201020203" charset="0"/>
               </a:rPr>
               <a:t>getExchangeCurrency</a:t>
             </a:r>
@@ -4341,9 +4341,9 @@
                     <a:alpha val="64000"/>
                   </a:schemeClr>
                 </a:solidFill>
-                <a:latin typeface="Abadi MT Condensed Light" charset="0"/>
-                <a:ea typeface="Abadi MT Condensed Light" charset="0"/>
-                <a:cs typeface="Abadi MT Condensed Light" charset="0"/>
+                <a:latin typeface="Adobe Arabic" panose="02040503050201020203" charset="0"/>
+                <a:ea typeface="Abadi MT Condensed Light" charset="0"/>
+                <a:cs typeface="Adobe Arabic" panose="02040503050201020203" charset="0"/>
               </a:rPr>
               <a:t>()</a:t>
             </a:r>
@@ -4353,9 +4353,9 @@
                   <a:alpha val="64000"/>
                 </a:schemeClr>
               </a:solidFill>
-              <a:latin typeface="Abadi MT Condensed Light" charset="0"/>
+              <a:latin typeface="Adobe Arabic" panose="02040503050201020203" charset="0"/>
               <a:ea typeface="Abadi MT Condensed Light" charset="0"/>
-              <a:cs typeface="Abadi MT Condensed Light" charset="0"/>
+              <a:cs typeface="Adobe Arabic" panose="02040503050201020203" charset="0"/>
             </a:endParaRPr>
           </a:p>
         </p:txBody>
@@ -4393,21 +4393,21 @@
                     <a:alpha val="64000"/>
                   </a:schemeClr>
                 </a:solidFill>
-                <a:latin typeface="Abadi MT Condensed Light" charset="0"/>
-                <a:ea typeface="Abadi MT Condensed Light" charset="0"/>
-                <a:cs typeface="Abadi MT Condensed Light" charset="0"/>
+                <a:latin typeface="Adobe Arabic" panose="02040503050201020203" charset="0"/>
+                <a:ea typeface="Abadi MT Condensed Light" charset="0"/>
+                <a:cs typeface="Adobe Arabic" panose="02040503050201020203" charset="0"/>
               </a:rPr>
               <a:t>Amazon|20$|Gold</a:t>
             </a:r>
-            <a:endParaRPr lang="en-US" b="1" i="1" dirty="0">
+            <a:endParaRPr lang="en-US" b="1" i="1" dirty="0" smtClean="0">
               <a:solidFill>
                 <a:schemeClr val="tx1">
                   <a:alpha val="64000"/>
                 </a:schemeClr>
               </a:solidFill>
-              <a:latin typeface="Abadi MT Condensed Light" charset="0"/>
+              <a:latin typeface="Adobe Arabic" panose="02040503050201020203" charset="0"/>
               <a:ea typeface="Abadi MT Condensed Light" charset="0"/>
-              <a:cs typeface="Abadi MT Condensed Light" charset="0"/>
+              <a:cs typeface="Adobe Arabic" panose="02040503050201020203" charset="0"/>
             </a:endParaRPr>
           </a:p>
         </p:txBody>
@@ -4445,21 +4445,21 @@
                     <a:alpha val="64000"/>
                   </a:schemeClr>
                 </a:solidFill>
-                <a:latin typeface="Abadi MT Condensed Light" charset="0"/>
-                <a:ea typeface="Abadi MT Condensed Light" charset="0"/>
-                <a:cs typeface="Abadi MT Condensed Light" charset="0"/>
+                <a:latin typeface="Adobe Arabic" panose="02040503050201020203" charset="0"/>
+                <a:ea typeface="Abadi MT Condensed Light" charset="0"/>
+                <a:cs typeface="Adobe Arabic" panose="02040503050201020203" charset="0"/>
               </a:rPr>
               <a:t>Price: 20|Discount: Gold</a:t>
             </a:r>
-            <a:endParaRPr lang="en-US" b="1" i="1" dirty="0">
+            <a:endParaRPr lang="en-US" b="1" i="1" dirty="0" smtClean="0">
               <a:solidFill>
                 <a:schemeClr val="tx1">
                   <a:alpha val="64000"/>
                 </a:schemeClr>
               </a:solidFill>
-              <a:latin typeface="Abadi MT Condensed Light" charset="0"/>
+              <a:latin typeface="Adobe Arabic" panose="02040503050201020203" charset="0"/>
               <a:ea typeface="Abadi MT Condensed Light" charset="0"/>
-              <a:cs typeface="Abadi MT Condensed Light" charset="0"/>
+              <a:cs typeface="Adobe Arabic" panose="02040503050201020203" charset="0"/>
             </a:endParaRPr>
           </a:p>
         </p:txBody>
@@ -4497,21 +4497,21 @@
                     <a:alpha val="64000"/>
                   </a:schemeClr>
                 </a:solidFill>
-                <a:latin typeface="Abadi MT Condensed Light" charset="0"/>
-                <a:ea typeface="Abadi MT Condensed Light" charset="0"/>
-                <a:cs typeface="Abadi MT Condensed Light" charset="0"/>
+                <a:latin typeface="Adobe Arabic" panose="02040503050201020203" charset="0"/>
+                <a:ea typeface="Abadi MT Condensed Light" charset="0"/>
+                <a:cs typeface="Adobe Arabic" panose="02040503050201020203" charset="0"/>
               </a:rPr>
               <a:t>20%</a:t>
             </a:r>
-            <a:endParaRPr lang="en-US" b="1" i="1" dirty="0">
+            <a:endParaRPr lang="en-US" b="1" i="1" dirty="0" smtClean="0">
               <a:solidFill>
                 <a:schemeClr val="tx1">
                   <a:alpha val="64000"/>
                 </a:schemeClr>
               </a:solidFill>
-              <a:latin typeface="Abadi MT Condensed Light" charset="0"/>
+              <a:latin typeface="Adobe Arabic" panose="02040503050201020203" charset="0"/>
               <a:ea typeface="Abadi MT Condensed Light" charset="0"/>
-              <a:cs typeface="Abadi MT Condensed Light" charset="0"/>
+              <a:cs typeface="Adobe Arabic" panose="02040503050201020203" charset="0"/>
             </a:endParaRPr>
           </a:p>
         </p:txBody>
@@ -4549,21 +4549,21 @@
                     <a:alpha val="64000"/>
                   </a:schemeClr>
                 </a:solidFill>
-                <a:latin typeface="Abadi MT Condensed Light" charset="0"/>
-                <a:ea typeface="Abadi MT Condensed Light" charset="0"/>
-                <a:cs typeface="Abadi MT Condensed Light" charset="0"/>
+                <a:latin typeface="Adobe Arabic" panose="02040503050201020203" charset="0"/>
+                <a:ea typeface="Abadi MT Condensed Light" charset="0"/>
+                <a:cs typeface="Adobe Arabic" panose="02040503050201020203" charset="0"/>
               </a:rPr>
               <a:t>23000</a:t>
             </a:r>
-            <a:endParaRPr lang="en-US" b="1" i="1" dirty="0">
+            <a:endParaRPr lang="en-US" b="1" i="1" dirty="0" smtClean="0">
               <a:solidFill>
                 <a:schemeClr val="tx1">
                   <a:alpha val="64000"/>
                 </a:schemeClr>
               </a:solidFill>
-              <a:latin typeface="Abadi MT Condensed Light" charset="0"/>
+              <a:latin typeface="Adobe Arabic" panose="02040503050201020203" charset="0"/>
               <a:ea typeface="Abadi MT Condensed Light" charset="0"/>
-              <a:cs typeface="Abadi MT Condensed Light" charset="0"/>
+              <a:cs typeface="Adobe Arabic" panose="02040503050201020203" charset="0"/>
             </a:endParaRPr>
           </a:p>
         </p:txBody>
@@ -4622,21 +4622,21 @@
                     <a:alpha val="64000"/>
                   </a:schemeClr>
                 </a:solidFill>
-                <a:latin typeface="Abadi MT Condensed Light" charset="0"/>
-                <a:ea typeface="Abadi MT Condensed Light" charset="0"/>
-                <a:cs typeface="Abadi MT Condensed Light" charset="0"/>
+                <a:latin typeface="Adobe Arabic" panose="02040503050201020203" charset="0"/>
+                <a:ea typeface="Abadi MT Condensed Light" charset="0"/>
+                <a:cs typeface="Adobe Arabic" panose="02040503050201020203" charset="0"/>
               </a:rPr>
               <a:t>getPrice</a:t>
             </a:r>
-            <a:endParaRPr lang="en-US" sz="2000" dirty="0">
+            <a:endParaRPr lang="en-US" sz="2000" dirty="0" err="1" smtClean="0">
               <a:solidFill>
                 <a:schemeClr val="tx1">
                   <a:alpha val="64000"/>
                 </a:schemeClr>
               </a:solidFill>
-              <a:latin typeface="Abadi MT Condensed Light" charset="0"/>
+              <a:latin typeface="Adobe Arabic" panose="02040503050201020203" charset="0"/>
               <a:ea typeface="Abadi MT Condensed Light" charset="0"/>
-              <a:cs typeface="Abadi MT Condensed Light" charset="0"/>
+              <a:cs typeface="Adobe Arabic" panose="02040503050201020203" charset="0"/>
             </a:endParaRPr>
           </a:p>
         </p:txBody>
@@ -4691,9 +4691,9 @@
                     <a:alpha val="64000"/>
                   </a:schemeClr>
                 </a:solidFill>
-                <a:latin typeface="Abadi MT Condensed Light" charset="0"/>
-                <a:ea typeface="Abadi MT Condensed Light" charset="0"/>
-                <a:cs typeface="Abadi MT Condensed Light" charset="0"/>
+                <a:latin typeface="Adobe Arabic" panose="02040503050201020203" charset="0"/>
+                <a:ea typeface="Abadi MT Condensed Light" charset="0"/>
+                <a:cs typeface="Adobe Arabic" panose="02040503050201020203" charset="0"/>
               </a:rPr>
               <a:t>getNonDiscountPrice</a:t>
             </a:r>
@@ -4704,9 +4704,9 @@
                     <a:alpha val="64000"/>
                   </a:schemeClr>
                 </a:solidFill>
-                <a:latin typeface="Abadi MT Condensed Light" charset="0"/>
-                <a:ea typeface="Abadi MT Condensed Light" charset="0"/>
-                <a:cs typeface="Abadi MT Condensed Light" charset="0"/>
+                <a:latin typeface="Adobe Arabic" panose="02040503050201020203" charset="0"/>
+                <a:ea typeface="Abadi MT Condensed Light" charset="0"/>
+                <a:cs typeface="Adobe Arabic" panose="02040503050201020203" charset="0"/>
               </a:rPr>
               <a:t>()</a:t>
             </a:r>
@@ -4716,9 +4716,9 @@
                   <a:alpha val="64000"/>
                 </a:schemeClr>
               </a:solidFill>
-              <a:latin typeface="Abadi MT Condensed Light" charset="0"/>
+              <a:latin typeface="Adobe Arabic" panose="02040503050201020203" charset="0"/>
               <a:ea typeface="Abadi MT Condensed Light" charset="0"/>
-              <a:cs typeface="Abadi MT Condensed Light" charset="0"/>
+              <a:cs typeface="Adobe Arabic" panose="02040503050201020203" charset="0"/>
             </a:endParaRPr>
           </a:p>
           <a:p>
@@ -4729,9 +4729,9 @@
                     <a:alpha val="64000"/>
                   </a:schemeClr>
                 </a:solidFill>
-                <a:latin typeface="Abadi MT Condensed Light" charset="0"/>
-                <a:ea typeface="Abadi MT Condensed Light" charset="0"/>
-                <a:cs typeface="Abadi MT Condensed Light" charset="0"/>
+                <a:latin typeface="Adobe Arabic" panose="02040503050201020203" charset="0"/>
+                <a:ea typeface="Abadi MT Condensed Light" charset="0"/>
+                <a:cs typeface="Adobe Arabic" panose="02040503050201020203" charset="0"/>
               </a:rPr>
               <a:t>extractData</a:t>
             </a:r>
@@ -4742,9 +4742,9 @@
                     <a:alpha val="64000"/>
                   </a:schemeClr>
                 </a:solidFill>
-                <a:latin typeface="Abadi MT Condensed Light" charset="0"/>
-                <a:ea typeface="Abadi MT Condensed Light" charset="0"/>
-                <a:cs typeface="Abadi MT Condensed Light" charset="0"/>
+                <a:latin typeface="Adobe Arabic" panose="02040503050201020203" charset="0"/>
+                <a:ea typeface="Abadi MT Condensed Light" charset="0"/>
+                <a:cs typeface="Adobe Arabic" panose="02040503050201020203" charset="0"/>
               </a:rPr>
               <a:t>()</a:t>
             </a:r>
@@ -4754,9 +4754,9 @@
                   <a:alpha val="64000"/>
                 </a:schemeClr>
               </a:solidFill>
-              <a:latin typeface="Abadi MT Condensed Light" charset="0"/>
+              <a:latin typeface="Adobe Arabic" panose="02040503050201020203" charset="0"/>
               <a:ea typeface="Abadi MT Condensed Light" charset="0"/>
-              <a:cs typeface="Abadi MT Condensed Light" charset="0"/>
+              <a:cs typeface="Adobe Arabic" panose="02040503050201020203" charset="0"/>
             </a:endParaRPr>
           </a:p>
           <a:p>
@@ -4767,9 +4767,9 @@
                     <a:alpha val="64000"/>
                   </a:schemeClr>
                 </a:solidFill>
-                <a:latin typeface="Abadi MT Condensed Light" charset="0"/>
-                <a:ea typeface="Abadi MT Condensed Light" charset="0"/>
-                <a:cs typeface="Abadi MT Condensed Light" charset="0"/>
+                <a:latin typeface="Adobe Arabic" panose="02040503050201020203" charset="0"/>
+                <a:ea typeface="Abadi MT Condensed Light" charset="0"/>
+                <a:cs typeface="Adobe Arabic" panose="02040503050201020203" charset="0"/>
               </a:rPr>
               <a:t>getDiscountPercent</a:t>
             </a:r>
@@ -4780,9 +4780,9 @@
                     <a:alpha val="64000"/>
                   </a:schemeClr>
                 </a:solidFill>
-                <a:latin typeface="Abadi MT Condensed Light" charset="0"/>
-                <a:ea typeface="Abadi MT Condensed Light" charset="0"/>
-                <a:cs typeface="Abadi MT Condensed Light" charset="0"/>
+                <a:latin typeface="Adobe Arabic" panose="02040503050201020203" charset="0"/>
+                <a:ea typeface="Abadi MT Condensed Light" charset="0"/>
+                <a:cs typeface="Adobe Arabic" panose="02040503050201020203" charset="0"/>
               </a:rPr>
               <a:t>()</a:t>
             </a:r>
@@ -4792,9 +4792,9 @@
                   <a:alpha val="64000"/>
                 </a:schemeClr>
               </a:solidFill>
-              <a:latin typeface="Abadi MT Condensed Light" charset="0"/>
+              <a:latin typeface="Adobe Arabic" panose="02040503050201020203" charset="0"/>
               <a:ea typeface="Abadi MT Condensed Light" charset="0"/>
-              <a:cs typeface="Abadi MT Condensed Light" charset="0"/>
+              <a:cs typeface="Adobe Arabic" panose="02040503050201020203" charset="0"/>
             </a:endParaRPr>
           </a:p>
           <a:p>
@@ -4805,9 +4805,9 @@
                     <a:alpha val="64000"/>
                   </a:schemeClr>
                 </a:solidFill>
-                <a:latin typeface="Abadi MT Condensed Light" charset="0"/>
-                <a:ea typeface="Abadi MT Condensed Light" charset="0"/>
-                <a:cs typeface="Abadi MT Condensed Light" charset="0"/>
+                <a:latin typeface="Adobe Arabic" panose="02040503050201020203" charset="0"/>
+                <a:ea typeface="Abadi MT Condensed Light" charset="0"/>
+                <a:cs typeface="Adobe Arabic" panose="02040503050201020203" charset="0"/>
               </a:rPr>
               <a:t>getExchangeCurrency</a:t>
             </a:r>
@@ -4818,9 +4818,9 @@
                     <a:alpha val="64000"/>
                   </a:schemeClr>
                 </a:solidFill>
-                <a:latin typeface="Abadi MT Condensed Light" charset="0"/>
-                <a:ea typeface="Abadi MT Condensed Light" charset="0"/>
-                <a:cs typeface="Abadi MT Condensed Light" charset="0"/>
+                <a:latin typeface="Adobe Arabic" panose="02040503050201020203" charset="0"/>
+                <a:ea typeface="Abadi MT Condensed Light" charset="0"/>
+                <a:cs typeface="Adobe Arabic" panose="02040503050201020203" charset="0"/>
               </a:rPr>
               <a:t>()</a:t>
             </a:r>
@@ -4830,9 +4830,9 @@
                   <a:alpha val="64000"/>
                 </a:schemeClr>
               </a:solidFill>
-              <a:latin typeface="Abadi MT Condensed Light" charset="0"/>
+              <a:latin typeface="Adobe Arabic" panose="02040503050201020203" charset="0"/>
               <a:ea typeface="Abadi MT Condensed Light" charset="0"/>
-              <a:cs typeface="Abadi MT Condensed Light" charset="0"/>
+              <a:cs typeface="Adobe Arabic" panose="02040503050201020203" charset="0"/>
             </a:endParaRPr>
           </a:p>
         </p:txBody>
@@ -4870,21 +4870,21 @@
                     <a:alpha val="64000"/>
                   </a:schemeClr>
                 </a:solidFill>
-                <a:latin typeface="Abadi MT Condensed Light" charset="0"/>
-                <a:ea typeface="Abadi MT Condensed Light" charset="0"/>
-                <a:cs typeface="Abadi MT Condensed Light" charset="0"/>
+                <a:latin typeface="Adobe Arabic" panose="02040503050201020203" charset="0"/>
+                <a:ea typeface="Abadi MT Condensed Light" charset="0"/>
+                <a:cs typeface="Adobe Arabic" panose="02040503050201020203" charset="0"/>
               </a:rPr>
               <a:t>Ebay|20$|Silver</a:t>
             </a:r>
-            <a:endParaRPr lang="en-US" b="1" i="1" dirty="0">
+            <a:endParaRPr lang="en-US" b="1" i="1" dirty="0" smtClean="0">
               <a:solidFill>
                 <a:schemeClr val="tx1">
                   <a:alpha val="64000"/>
                 </a:schemeClr>
               </a:solidFill>
-              <a:latin typeface="Abadi MT Condensed Light" charset="0"/>
+              <a:latin typeface="Adobe Arabic" panose="02040503050201020203" charset="0"/>
               <a:ea typeface="Abadi MT Condensed Light" charset="0"/>
-              <a:cs typeface="Abadi MT Condensed Light" charset="0"/>
+              <a:cs typeface="Adobe Arabic" panose="02040503050201020203" charset="0"/>
             </a:endParaRPr>
           </a:p>
         </p:txBody>
@@ -4922,21 +4922,21 @@
                     <a:alpha val="64000"/>
                   </a:schemeClr>
                 </a:solidFill>
-                <a:latin typeface="Abadi MT Condensed Light" charset="0"/>
-                <a:ea typeface="Abadi MT Condensed Light" charset="0"/>
-                <a:cs typeface="Abadi MT Condensed Light" charset="0"/>
+                <a:latin typeface="Adobe Arabic" panose="02040503050201020203" charset="0"/>
+                <a:ea typeface="Abadi MT Condensed Light" charset="0"/>
+                <a:cs typeface="Adobe Arabic" panose="02040503050201020203" charset="0"/>
               </a:rPr>
               <a:t>Price: 25|Discount: Silver</a:t>
             </a:r>
-            <a:endParaRPr lang="en-US" b="1" i="1" dirty="0">
+            <a:endParaRPr lang="en-US" b="1" i="1" dirty="0" smtClean="0">
               <a:solidFill>
                 <a:schemeClr val="tx1">
                   <a:alpha val="64000"/>
                 </a:schemeClr>
               </a:solidFill>
-              <a:latin typeface="Abadi MT Condensed Light" charset="0"/>
+              <a:latin typeface="Adobe Arabic" panose="02040503050201020203" charset="0"/>
               <a:ea typeface="Abadi MT Condensed Light" charset="0"/>
-              <a:cs typeface="Abadi MT Condensed Light" charset="0"/>
+              <a:cs typeface="Adobe Arabic" panose="02040503050201020203" charset="0"/>
             </a:endParaRPr>
           </a:p>
         </p:txBody>
@@ -4974,21 +4974,21 @@
                     <a:alpha val="64000"/>
                   </a:schemeClr>
                 </a:solidFill>
-                <a:latin typeface="Abadi MT Condensed Light" charset="0"/>
-                <a:ea typeface="Abadi MT Condensed Light" charset="0"/>
-                <a:cs typeface="Abadi MT Condensed Light" charset="0"/>
+                <a:latin typeface="Adobe Arabic" panose="02040503050201020203" charset="0"/>
+                <a:ea typeface="Abadi MT Condensed Light" charset="0"/>
+                <a:cs typeface="Adobe Arabic" panose="02040503050201020203" charset="0"/>
               </a:rPr>
               <a:t>10%</a:t>
             </a:r>
-            <a:endParaRPr lang="en-US" b="1" i="1" dirty="0">
+            <a:endParaRPr lang="en-US" b="1" i="1" dirty="0" smtClean="0">
               <a:solidFill>
                 <a:schemeClr val="tx1">
                   <a:alpha val="64000"/>
                 </a:schemeClr>
               </a:solidFill>
-              <a:latin typeface="Abadi MT Condensed Light" charset="0"/>
+              <a:latin typeface="Adobe Arabic" panose="02040503050201020203" charset="0"/>
               <a:ea typeface="Abadi MT Condensed Light" charset="0"/>
-              <a:cs typeface="Abadi MT Condensed Light" charset="0"/>
+              <a:cs typeface="Adobe Arabic" panose="02040503050201020203" charset="0"/>
             </a:endParaRPr>
           </a:p>
         </p:txBody>
@@ -5026,21 +5026,21 @@
                     <a:alpha val="64000"/>
                   </a:schemeClr>
                 </a:solidFill>
-                <a:latin typeface="Abadi MT Condensed Light" charset="0"/>
-                <a:ea typeface="Abadi MT Condensed Light" charset="0"/>
-                <a:cs typeface="Abadi MT Condensed Light" charset="0"/>
+                <a:latin typeface="Adobe Arabic" panose="02040503050201020203" charset="0"/>
+                <a:ea typeface="Abadi MT Condensed Light" charset="0"/>
+                <a:cs typeface="Adobe Arabic" panose="02040503050201020203" charset="0"/>
               </a:rPr>
               <a:t>22500</a:t>
             </a:r>
-            <a:endParaRPr lang="en-US" b="1" i="1" dirty="0">
+            <a:endParaRPr lang="en-US" b="1" i="1" dirty="0" smtClean="0">
               <a:solidFill>
                 <a:schemeClr val="tx1">
                   <a:alpha val="64000"/>
                 </a:schemeClr>
               </a:solidFill>
-              <a:latin typeface="Abadi MT Condensed Light" charset="0"/>
+              <a:latin typeface="Adobe Arabic" panose="02040503050201020203" charset="0"/>
               <a:ea typeface="Abadi MT Condensed Light" charset="0"/>
-              <a:cs typeface="Abadi MT Condensed Light" charset="0"/>
+              <a:cs typeface="Adobe Arabic" panose="02040503050201020203" charset="0"/>
             </a:endParaRPr>
           </a:p>
         </p:txBody>
@@ -5090,9 +5090,9 @@
                 <a:solidFill>
                   <a:schemeClr val="tx1"/>
                 </a:solidFill>
-                <a:latin typeface="Abadi MT Condensed Light" charset="0"/>
-                <a:ea typeface="Abadi MT Condensed Light" charset="0"/>
-                <a:cs typeface="Abadi MT Condensed Light" charset="0"/>
+                <a:latin typeface="Adobe Arabic" panose="02040503050201020203" charset="0"/>
+                <a:ea typeface="Abadi MT Condensed Light" charset="0"/>
+                <a:cs typeface="Adobe Arabic" panose="02040503050201020203" charset="0"/>
               </a:rPr>
               <a:t>Separate </a:t>
             </a:r>
@@ -5100,9 +5100,9 @@
               <a:solidFill>
                 <a:schemeClr val="tx1"/>
               </a:solidFill>
-              <a:latin typeface="Abadi MT Condensed Light" charset="0"/>
+              <a:latin typeface="Adobe Arabic" panose="02040503050201020203" charset="0"/>
               <a:ea typeface="Abadi MT Condensed Light" charset="0"/>
-              <a:cs typeface="Abadi MT Condensed Light" charset="0"/>
+              <a:cs typeface="Adobe Arabic" panose="02040503050201020203" charset="0"/>
             </a:endParaRPr>
           </a:p>
           <a:p>
@@ -5112,9 +5112,9 @@
                 <a:solidFill>
                   <a:schemeClr val="tx1"/>
                 </a:solidFill>
-                <a:latin typeface="Abadi MT Condensed Light" charset="0"/>
-                <a:ea typeface="Abadi MT Condensed Light" charset="0"/>
-                <a:cs typeface="Abadi MT Condensed Light" charset="0"/>
+                <a:latin typeface="Adobe Arabic" panose="02040503050201020203" charset="0"/>
+                <a:ea typeface="Abadi MT Condensed Light" charset="0"/>
+                <a:cs typeface="Adobe Arabic" panose="02040503050201020203" charset="0"/>
               </a:rPr>
               <a:t>Thread 1 </a:t>
             </a:r>
@@ -5122,9 +5122,9 @@
               <a:solidFill>
                 <a:schemeClr val="tx1"/>
               </a:solidFill>
-              <a:latin typeface="Abadi MT Condensed Light" charset="0"/>
+              <a:latin typeface="Adobe Arabic" panose="02040503050201020203" charset="0"/>
               <a:ea typeface="Abadi MT Condensed Light" charset="0"/>
-              <a:cs typeface="Abadi MT Condensed Light" charset="0"/>
+              <a:cs typeface="Adobe Arabic" panose="02040503050201020203" charset="0"/>
             </a:endParaRPr>
           </a:p>
         </p:txBody>
@@ -5176,19 +5176,19 @@
                 <a:solidFill>
                   <a:schemeClr val="bg1"/>
                 </a:solidFill>
-                <a:latin typeface="Abadi MT Condensed Light" charset="0"/>
-                <a:ea typeface="Abadi MT Condensed Light" charset="0"/>
-                <a:cs typeface="Abadi MT Condensed Light" charset="0"/>
+                <a:latin typeface="Adobe Arabic" panose="02040503050201020203" charset="0"/>
+                <a:ea typeface="Abadi MT Condensed Light" charset="0"/>
+                <a:cs typeface="Adobe Arabic" panose="02040503050201020203" charset="0"/>
               </a:rPr>
               <a:t>Task</a:t>
             </a:r>
-            <a:endParaRPr lang="en-US" dirty="0">
+            <a:endParaRPr lang="en-US" dirty="0" smtClean="0">
               <a:solidFill>
                 <a:schemeClr val="bg1"/>
               </a:solidFill>
-              <a:latin typeface="Abadi MT Condensed Light" charset="0"/>
+              <a:latin typeface="Adobe Arabic" panose="02040503050201020203" charset="0"/>
               <a:ea typeface="Abadi MT Condensed Light" charset="0"/>
-              <a:cs typeface="Abadi MT Condensed Light" charset="0"/>
+              <a:cs typeface="Adobe Arabic" panose="02040503050201020203" charset="0"/>
             </a:endParaRPr>
           </a:p>
         </p:txBody>
@@ -5238,19 +5238,19 @@
                 <a:solidFill>
                   <a:schemeClr val="tx1"/>
                 </a:solidFill>
-                <a:latin typeface="Abadi MT Condensed Light" charset="0"/>
-                <a:ea typeface="Abadi MT Condensed Light" charset="0"/>
-                <a:cs typeface="Abadi MT Condensed Light" charset="0"/>
+                <a:latin typeface="Adobe Arabic" panose="02040503050201020203" charset="0"/>
+                <a:ea typeface="Abadi MT Condensed Light" charset="0"/>
+                <a:cs typeface="Adobe Arabic" panose="02040503050201020203" charset="0"/>
               </a:rPr>
               <a:t>MainThread</a:t>
             </a:r>
-            <a:endParaRPr lang="en-US" b="1" dirty="0">
+            <a:endParaRPr lang="en-US" b="1" dirty="0" err="1" smtClean="0">
               <a:solidFill>
                 <a:schemeClr val="tx1"/>
               </a:solidFill>
-              <a:latin typeface="Abadi MT Condensed Light" charset="0"/>
+              <a:latin typeface="Adobe Arabic" panose="02040503050201020203" charset="0"/>
               <a:ea typeface="Abadi MT Condensed Light" charset="0"/>
-              <a:cs typeface="Abadi MT Condensed Light" charset="0"/>
+              <a:cs typeface="Adobe Arabic" panose="02040503050201020203" charset="0"/>
             </a:endParaRPr>
           </a:p>
         </p:txBody>
@@ -5300,9 +5300,9 @@
                 <a:solidFill>
                   <a:schemeClr val="tx1"/>
                 </a:solidFill>
-                <a:latin typeface="Abadi MT Condensed Light" charset="0"/>
-                <a:ea typeface="Abadi MT Condensed Light" charset="0"/>
-                <a:cs typeface="Abadi MT Condensed Light" charset="0"/>
+                <a:latin typeface="Adobe Arabic" panose="02040503050201020203" charset="0"/>
+                <a:ea typeface="Abadi MT Condensed Light" charset="0"/>
+                <a:cs typeface="Adobe Arabic" panose="02040503050201020203" charset="0"/>
               </a:rPr>
               <a:t>Separate </a:t>
             </a:r>
@@ -5310,9 +5310,9 @@
               <a:solidFill>
                 <a:schemeClr val="tx1"/>
               </a:solidFill>
-              <a:latin typeface="Abadi MT Condensed Light" charset="0"/>
+              <a:latin typeface="Adobe Arabic" panose="02040503050201020203" charset="0"/>
               <a:ea typeface="Abadi MT Condensed Light" charset="0"/>
-              <a:cs typeface="Abadi MT Condensed Light" charset="0"/>
+              <a:cs typeface="Adobe Arabic" panose="02040503050201020203" charset="0"/>
             </a:endParaRPr>
           </a:p>
           <a:p>
@@ -5322,9 +5322,9 @@
                 <a:solidFill>
                   <a:schemeClr val="tx1"/>
                 </a:solidFill>
-                <a:latin typeface="Abadi MT Condensed Light" charset="0"/>
-                <a:ea typeface="Abadi MT Condensed Light" charset="0"/>
-                <a:cs typeface="Abadi MT Condensed Light" charset="0"/>
+                <a:latin typeface="Adobe Arabic" panose="02040503050201020203" charset="0"/>
+                <a:ea typeface="Abadi MT Condensed Light" charset="0"/>
+                <a:cs typeface="Adobe Arabic" panose="02040503050201020203" charset="0"/>
               </a:rPr>
               <a:t>Thread 2 </a:t>
             </a:r>
@@ -5332,9 +5332,9 @@
               <a:solidFill>
                 <a:schemeClr val="tx1"/>
               </a:solidFill>
-              <a:latin typeface="Abadi MT Condensed Light" charset="0"/>
+              <a:latin typeface="Adobe Arabic" panose="02040503050201020203" charset="0"/>
               <a:ea typeface="Abadi MT Condensed Light" charset="0"/>
-              <a:cs typeface="Abadi MT Condensed Light" charset="0"/>
+              <a:cs typeface="Adobe Arabic" panose="02040503050201020203" charset="0"/>
             </a:endParaRPr>
           </a:p>
         </p:txBody>
@@ -5386,19 +5386,19 @@
                 <a:solidFill>
                   <a:schemeClr val="bg1"/>
                 </a:solidFill>
-                <a:latin typeface="Abadi MT Condensed Light" charset="0"/>
-                <a:ea typeface="Abadi MT Condensed Light" charset="0"/>
-                <a:cs typeface="Abadi MT Condensed Light" charset="0"/>
+                <a:latin typeface="Adobe Arabic" panose="02040503050201020203" charset="0"/>
+                <a:ea typeface="Abadi MT Condensed Light" charset="0"/>
+                <a:cs typeface="Adobe Arabic" panose="02040503050201020203" charset="0"/>
               </a:rPr>
               <a:t>Task</a:t>
             </a:r>
-            <a:endParaRPr lang="en-US" dirty="0">
+            <a:endParaRPr lang="en-US" dirty="0" smtClean="0">
               <a:solidFill>
                 <a:schemeClr val="bg1"/>
               </a:solidFill>
-              <a:latin typeface="Abadi MT Condensed Light" charset="0"/>
+              <a:latin typeface="Adobe Arabic" panose="02040503050201020203" charset="0"/>
               <a:ea typeface="Abadi MT Condensed Light" charset="0"/>
-              <a:cs typeface="Abadi MT Condensed Light" charset="0"/>
+              <a:cs typeface="Adobe Arabic" panose="02040503050201020203" charset="0"/>
             </a:endParaRPr>
           </a:p>
         </p:txBody>
@@ -5473,19 +5473,19 @@
                 <a:solidFill>
                   <a:srgbClr val="D78000"/>
                 </a:solidFill>
-                <a:latin typeface="Abadi MT Condensed Light" charset="0"/>
-                <a:ea typeface="Abadi MT Condensed Light" charset="0"/>
-                <a:cs typeface="Abadi MT Condensed Light" charset="0"/>
+                <a:latin typeface="Adobe Arabic" panose="02040503050201020203" charset="0"/>
+                <a:ea typeface="Abadi MT Condensed Light" charset="0"/>
+                <a:cs typeface="Adobe Arabic" panose="02040503050201020203" charset="0"/>
               </a:rPr>
               <a:t>Submit()</a:t>
             </a:r>
-            <a:endParaRPr lang="en-US" b="1" i="1" dirty="0">
+            <a:endParaRPr lang="en-US" b="1" i="1" dirty="0" smtClean="0">
               <a:solidFill>
                 <a:srgbClr val="D78000"/>
               </a:solidFill>
-              <a:latin typeface="Abadi MT Condensed Light" charset="0"/>
+              <a:latin typeface="Adobe Arabic" panose="02040503050201020203" charset="0"/>
               <a:ea typeface="Abadi MT Condensed Light" charset="0"/>
-              <a:cs typeface="Abadi MT Condensed Light" charset="0"/>
+              <a:cs typeface="Adobe Arabic" panose="02040503050201020203" charset="0"/>
             </a:endParaRPr>
           </a:p>
         </p:txBody>
@@ -5558,19 +5558,19 @@
                 <a:solidFill>
                   <a:srgbClr val="D78000"/>
                 </a:solidFill>
-                <a:latin typeface="Abadi MT Condensed Light" charset="0"/>
-                <a:ea typeface="Abadi MT Condensed Light" charset="0"/>
-                <a:cs typeface="Abadi MT Condensed Light" charset="0"/>
+                <a:latin typeface="Adobe Arabic" panose="02040503050201020203" charset="0"/>
+                <a:ea typeface="Abadi MT Condensed Light" charset="0"/>
+                <a:cs typeface="Adobe Arabic" panose="02040503050201020203" charset="0"/>
               </a:rPr>
               <a:t>Get()</a:t>
             </a:r>
-            <a:endParaRPr lang="en-US" b="1" i="1" dirty="0">
+            <a:endParaRPr lang="en-US" b="1" i="1" dirty="0" smtClean="0">
               <a:solidFill>
                 <a:srgbClr val="D78000"/>
               </a:solidFill>
-              <a:latin typeface="Abadi MT Condensed Light" charset="0"/>
+              <a:latin typeface="Adobe Arabic" panose="02040503050201020203" charset="0"/>
               <a:ea typeface="Abadi MT Condensed Light" charset="0"/>
-              <a:cs typeface="Abadi MT Condensed Light" charset="0"/>
+              <a:cs typeface="Adobe Arabic" panose="02040503050201020203" charset="0"/>
             </a:endParaRPr>
           </a:p>
         </p:txBody>
@@ -5616,7 +5616,10 @@
           <a:lstStyle/>
           <a:p>
             <a:pPr algn="ctr"/>
-            <a:endParaRPr lang="en-US" dirty="0"/>
+            <a:endParaRPr lang="en-US" dirty="0">
+              <a:latin typeface="Adobe Arabic" panose="02040503050201020203" charset="0"/>
+              <a:cs typeface="Adobe Arabic" panose="02040503050201020203" charset="0"/>
+            </a:endParaRPr>
           </a:p>
         </p:txBody>
       </p:sp>
@@ -5647,19 +5650,19 @@
                 <a:solidFill>
                   <a:srgbClr val="D78000"/>
                 </a:solidFill>
-                <a:latin typeface="Abadi MT Condensed Light" charset="0"/>
-                <a:ea typeface="Abadi MT Condensed Light" charset="0"/>
-                <a:cs typeface="Abadi MT Condensed Light" charset="0"/>
+                <a:latin typeface="Adobe Arabic" panose="02040503050201020203" charset="0"/>
+                <a:ea typeface="Abadi MT Condensed Light" charset="0"/>
+                <a:cs typeface="Adobe Arabic" panose="02040503050201020203" charset="0"/>
               </a:rPr>
               <a:t>Blocking time</a:t>
             </a:r>
-            <a:endParaRPr lang="en-US" b="1" i="1" dirty="0">
+            <a:endParaRPr lang="en-US" b="1" i="1" dirty="0" smtClean="0">
               <a:solidFill>
                 <a:srgbClr val="D78000"/>
               </a:solidFill>
-              <a:latin typeface="Abadi MT Condensed Light" charset="0"/>
+              <a:latin typeface="Adobe Arabic" panose="02040503050201020203" charset="0"/>
               <a:ea typeface="Abadi MT Condensed Light" charset="0"/>
-              <a:cs typeface="Abadi MT Condensed Light" charset="0"/>
+              <a:cs typeface="Adobe Arabic" panose="02040503050201020203" charset="0"/>
             </a:endParaRPr>
           </a:p>
         </p:txBody>
@@ -5833,8 +5836,8 @@
         </p:nvSpPr>
         <p:spPr>
           <a:xfrm>
-            <a:off x="698873" y="3850363"/>
-            <a:ext cx="1524000" cy="369332"/>
+            <a:off x="699135" y="3850640"/>
+            <a:ext cx="2681605" cy="368300"/>
           </a:xfrm>
           <a:prstGeom prst="rect">
             <a:avLst/>
@@ -5950,9 +5953,9 @@
                 <a:solidFill>
                   <a:sysClr val="windowText" lastClr="000000"/>
                 </a:solidFill>
-                <a:latin typeface="Abadi MT Condensed Light" charset="0"/>
-                <a:ea typeface="Abadi MT Condensed Light" charset="0"/>
-                <a:cs typeface="Abadi MT Condensed Light" charset="0"/>
+                <a:latin typeface="Adobe Arabic" panose="02040503050201020203" charset="0"/>
+                <a:ea typeface="Abadi MT Condensed Light" charset="0"/>
+                <a:cs typeface="Adobe Arabic" panose="02040503050201020203" charset="0"/>
               </a:rPr>
               <a:t>findPrice</a:t>
             </a:r>
@@ -5961,9 +5964,9 @@
                 <a:solidFill>
                   <a:sysClr val="windowText" lastClr="000000"/>
                 </a:solidFill>
-                <a:latin typeface="Abadi MT Condensed Light" charset="0"/>
-                <a:ea typeface="Abadi MT Condensed Light" charset="0"/>
-                <a:cs typeface="Abadi MT Condensed Light" charset="0"/>
+                <a:latin typeface="Adobe Arabic" panose="02040503050201020203" charset="0"/>
+                <a:ea typeface="Abadi MT Condensed Light" charset="0"/>
+                <a:cs typeface="Adobe Arabic" panose="02040503050201020203" charset="0"/>
               </a:rPr>
               <a:t>()</a:t>
             </a:r>
@@ -5971,9 +5974,9 @@
               <a:solidFill>
                 <a:sysClr val="windowText" lastClr="000000"/>
               </a:solidFill>
-              <a:latin typeface="Abadi MT Condensed Light" charset="0"/>
+              <a:latin typeface="Adobe Arabic" panose="02040503050201020203" charset="0"/>
               <a:ea typeface="Abadi MT Condensed Light" charset="0"/>
-              <a:cs typeface="Abadi MT Condensed Light" charset="0"/>
+              <a:cs typeface="Adobe Arabic" panose="02040503050201020203" charset="0"/>
             </a:endParaRPr>
           </a:p>
         </p:txBody>
@@ -6023,9 +6026,9 @@
                 <a:solidFill>
                   <a:schemeClr val="tx1"/>
                 </a:solidFill>
-                <a:latin typeface="Abadi MT Condensed Light" charset="0"/>
-                <a:ea typeface="Abadi MT Condensed Light" charset="0"/>
-                <a:cs typeface="Abadi MT Condensed Light" charset="0"/>
+                <a:latin typeface="Adobe Arabic" panose="02040503050201020203" charset="0"/>
+                <a:ea typeface="Abadi MT Condensed Light" charset="0"/>
+                <a:cs typeface="Adobe Arabic" panose="02040503050201020203" charset="0"/>
               </a:rPr>
               <a:t>Separate </a:t>
             </a:r>
@@ -6033,9 +6036,9 @@
               <a:solidFill>
                 <a:schemeClr val="tx1"/>
               </a:solidFill>
-              <a:latin typeface="Abadi MT Condensed Light" charset="0"/>
+              <a:latin typeface="Adobe Arabic" panose="02040503050201020203" charset="0"/>
               <a:ea typeface="Abadi MT Condensed Light" charset="0"/>
-              <a:cs typeface="Abadi MT Condensed Light" charset="0"/>
+              <a:cs typeface="Adobe Arabic" panose="02040503050201020203" charset="0"/>
             </a:endParaRPr>
           </a:p>
           <a:p>
@@ -6045,9 +6048,9 @@
                 <a:solidFill>
                   <a:schemeClr val="tx1"/>
                 </a:solidFill>
-                <a:latin typeface="Abadi MT Condensed Light" charset="0"/>
-                <a:ea typeface="Abadi MT Condensed Light" charset="0"/>
-                <a:cs typeface="Abadi MT Condensed Light" charset="0"/>
+                <a:latin typeface="Adobe Arabic" panose="02040503050201020203" charset="0"/>
+                <a:ea typeface="Abadi MT Condensed Light" charset="0"/>
+                <a:cs typeface="Adobe Arabic" panose="02040503050201020203" charset="0"/>
               </a:rPr>
               <a:t>Thread 1 </a:t>
             </a:r>
@@ -6055,9 +6058,9 @@
               <a:solidFill>
                 <a:schemeClr val="tx1"/>
               </a:solidFill>
-              <a:latin typeface="Abadi MT Condensed Light" charset="0"/>
+              <a:latin typeface="Adobe Arabic" panose="02040503050201020203" charset="0"/>
               <a:ea typeface="Abadi MT Condensed Light" charset="0"/>
-              <a:cs typeface="Abadi MT Condensed Light" charset="0"/>
+              <a:cs typeface="Adobe Arabic" panose="02040503050201020203" charset="0"/>
             </a:endParaRPr>
           </a:p>
         </p:txBody>
@@ -6109,19 +6112,19 @@
                 <a:solidFill>
                   <a:schemeClr val="bg1"/>
                 </a:solidFill>
-                <a:latin typeface="Abadi MT Condensed Light" charset="0"/>
-                <a:ea typeface="Abadi MT Condensed Light" charset="0"/>
-                <a:cs typeface="Abadi MT Condensed Light" charset="0"/>
+                <a:latin typeface="Adobe Arabic" panose="02040503050201020203" charset="0"/>
+                <a:ea typeface="Abadi MT Condensed Light" charset="0"/>
+                <a:cs typeface="Adobe Arabic" panose="02040503050201020203" charset="0"/>
               </a:rPr>
               <a:t>Task</a:t>
             </a:r>
-            <a:endParaRPr lang="en-US" dirty="0">
+            <a:endParaRPr lang="en-US" dirty="0" smtClean="0">
               <a:solidFill>
                 <a:schemeClr val="bg1"/>
               </a:solidFill>
-              <a:latin typeface="Abadi MT Condensed Light" charset="0"/>
+              <a:latin typeface="Adobe Arabic" panose="02040503050201020203" charset="0"/>
               <a:ea typeface="Abadi MT Condensed Light" charset="0"/>
-              <a:cs typeface="Abadi MT Condensed Light" charset="0"/>
+              <a:cs typeface="Adobe Arabic" panose="02040503050201020203" charset="0"/>
             </a:endParaRPr>
           </a:p>
         </p:txBody>
@@ -6171,19 +6174,19 @@
                 <a:solidFill>
                   <a:schemeClr val="tx1"/>
                 </a:solidFill>
-                <a:latin typeface="Abadi MT Condensed Light" charset="0"/>
-                <a:ea typeface="Abadi MT Condensed Light" charset="0"/>
-                <a:cs typeface="Abadi MT Condensed Light" charset="0"/>
+                <a:latin typeface="Adobe Arabic" panose="02040503050201020203" charset="0"/>
+                <a:ea typeface="Abadi MT Condensed Light" charset="0"/>
+                <a:cs typeface="Adobe Arabic" panose="02040503050201020203" charset="0"/>
               </a:rPr>
               <a:t>MainThread</a:t>
             </a:r>
-            <a:endParaRPr lang="en-US" dirty="0">
+            <a:endParaRPr lang="en-US" dirty="0" err="1" smtClean="0">
               <a:solidFill>
                 <a:schemeClr val="tx1"/>
               </a:solidFill>
-              <a:latin typeface="Abadi MT Condensed Light" charset="0"/>
+              <a:latin typeface="Adobe Arabic" panose="02040503050201020203" charset="0"/>
               <a:ea typeface="Abadi MT Condensed Light" charset="0"/>
-              <a:cs typeface="Abadi MT Condensed Light" charset="0"/>
+              <a:cs typeface="Adobe Arabic" panose="02040503050201020203" charset="0"/>
             </a:endParaRPr>
           </a:p>
         </p:txBody>
@@ -6233,9 +6236,9 @@
                 <a:solidFill>
                   <a:schemeClr val="tx1"/>
                 </a:solidFill>
-                <a:latin typeface="Abadi MT Condensed Light" charset="0"/>
-                <a:ea typeface="Abadi MT Condensed Light" charset="0"/>
-                <a:cs typeface="Abadi MT Condensed Light" charset="0"/>
+                <a:latin typeface="Adobe Arabic" panose="02040503050201020203" charset="0"/>
+                <a:ea typeface="Abadi MT Condensed Light" charset="0"/>
+                <a:cs typeface="Adobe Arabic" panose="02040503050201020203" charset="0"/>
               </a:rPr>
               <a:t>Separate </a:t>
             </a:r>
@@ -6243,9 +6246,9 @@
               <a:solidFill>
                 <a:schemeClr val="tx1"/>
               </a:solidFill>
-              <a:latin typeface="Abadi MT Condensed Light" charset="0"/>
+              <a:latin typeface="Adobe Arabic" panose="02040503050201020203" charset="0"/>
               <a:ea typeface="Abadi MT Condensed Light" charset="0"/>
-              <a:cs typeface="Abadi MT Condensed Light" charset="0"/>
+              <a:cs typeface="Adobe Arabic" panose="02040503050201020203" charset="0"/>
             </a:endParaRPr>
           </a:p>
           <a:p>
@@ -6255,9 +6258,9 @@
                 <a:solidFill>
                   <a:schemeClr val="tx1"/>
                 </a:solidFill>
-                <a:latin typeface="Abadi MT Condensed Light" charset="0"/>
-                <a:ea typeface="Abadi MT Condensed Light" charset="0"/>
-                <a:cs typeface="Abadi MT Condensed Light" charset="0"/>
+                <a:latin typeface="Adobe Arabic" panose="02040503050201020203" charset="0"/>
+                <a:ea typeface="Abadi MT Condensed Light" charset="0"/>
+                <a:cs typeface="Adobe Arabic" panose="02040503050201020203" charset="0"/>
               </a:rPr>
               <a:t>Thread 2 </a:t>
             </a:r>
@@ -6265,9 +6268,9 @@
               <a:solidFill>
                 <a:schemeClr val="tx1"/>
               </a:solidFill>
-              <a:latin typeface="Abadi MT Condensed Light" charset="0"/>
+              <a:latin typeface="Adobe Arabic" panose="02040503050201020203" charset="0"/>
               <a:ea typeface="Abadi MT Condensed Light" charset="0"/>
-              <a:cs typeface="Abadi MT Condensed Light" charset="0"/>
+              <a:cs typeface="Adobe Arabic" panose="02040503050201020203" charset="0"/>
             </a:endParaRPr>
           </a:p>
         </p:txBody>
@@ -6319,19 +6322,19 @@
                 <a:solidFill>
                   <a:schemeClr val="bg1"/>
                 </a:solidFill>
-                <a:latin typeface="Abadi MT Condensed Light" charset="0"/>
-                <a:ea typeface="Abadi MT Condensed Light" charset="0"/>
-                <a:cs typeface="Abadi MT Condensed Light" charset="0"/>
+                <a:latin typeface="Adobe Arabic" panose="02040503050201020203" charset="0"/>
+                <a:ea typeface="Abadi MT Condensed Light" charset="0"/>
+                <a:cs typeface="Adobe Arabic" panose="02040503050201020203" charset="0"/>
               </a:rPr>
               <a:t>Task</a:t>
             </a:r>
-            <a:endParaRPr lang="en-US" dirty="0">
+            <a:endParaRPr lang="en-US" dirty="0" smtClean="0">
               <a:solidFill>
                 <a:schemeClr val="bg1"/>
               </a:solidFill>
-              <a:latin typeface="Abadi MT Condensed Light" charset="0"/>
+              <a:latin typeface="Adobe Arabic" panose="02040503050201020203" charset="0"/>
               <a:ea typeface="Abadi MT Condensed Light" charset="0"/>
-              <a:cs typeface="Abadi MT Condensed Light" charset="0"/>
+              <a:cs typeface="Adobe Arabic" panose="02040503050201020203" charset="0"/>
             </a:endParaRPr>
           </a:p>
         </p:txBody>
@@ -6406,19 +6409,19 @@
                 <a:solidFill>
                   <a:srgbClr val="D78000"/>
                 </a:solidFill>
-                <a:latin typeface="Abadi MT Condensed Light" charset="0"/>
-                <a:ea typeface="Abadi MT Condensed Light" charset="0"/>
-                <a:cs typeface="Abadi MT Condensed Light" charset="0"/>
+                <a:latin typeface="Adobe Arabic" panose="02040503050201020203" charset="0"/>
+                <a:ea typeface="Abadi MT Condensed Light" charset="0"/>
+                <a:cs typeface="Adobe Arabic" panose="02040503050201020203" charset="0"/>
               </a:rPr>
               <a:t>Submit()</a:t>
             </a:r>
-            <a:endParaRPr lang="en-US" b="1" i="1" dirty="0">
+            <a:endParaRPr lang="en-US" b="1" i="1" dirty="0" smtClean="0">
               <a:solidFill>
                 <a:srgbClr val="D78000"/>
               </a:solidFill>
-              <a:latin typeface="Abadi MT Condensed Light" charset="0"/>
+              <a:latin typeface="Adobe Arabic" panose="02040503050201020203" charset="0"/>
               <a:ea typeface="Abadi MT Condensed Light" charset="0"/>
-              <a:cs typeface="Abadi MT Condensed Light" charset="0"/>
+              <a:cs typeface="Adobe Arabic" panose="02040503050201020203" charset="0"/>
             </a:endParaRPr>
           </a:p>
         </p:txBody>
@@ -6465,10 +6468,16 @@
           <a:p>
             <a:pPr algn="ctr"/>
             <a:r>
-              <a:rPr lang="en-US" dirty="0" smtClean="0"/>
+              <a:rPr lang="en-US" dirty="0" smtClean="0">
+                <a:latin typeface="Adobe Arabic" panose="02040503050201020203" charset="0"/>
+                <a:cs typeface="Adobe Arabic" panose="02040503050201020203" charset="0"/>
+              </a:rPr>
               <a:t>Callback</a:t>
             </a:r>
-            <a:endParaRPr lang="en-US" dirty="0"/>
+            <a:endParaRPr lang="en-US" dirty="0" smtClean="0">
+              <a:latin typeface="Adobe Arabic" panose="02040503050201020203" charset="0"/>
+              <a:cs typeface="Adobe Arabic" panose="02040503050201020203" charset="0"/>
+            </a:endParaRPr>
           </a:p>
         </p:txBody>
       </p:sp>
@@ -6604,6 +6613,8 @@
               <a:solidFill>
                 <a:schemeClr val="accent4"/>
               </a:solidFill>
+              <a:latin typeface="Adobe Arabic" panose="02040503050201020203" charset="0"/>
+              <a:cs typeface="Adobe Arabic" panose="02040503050201020203" charset="0"/>
             </a:endParaRPr>
           </a:p>
         </p:txBody>
@@ -6648,6 +6659,8 @@
               <a:solidFill>
                 <a:schemeClr val="tx1"/>
               </a:solidFill>
+              <a:latin typeface="Adobe Arabic" panose="02040503050201020203" charset="0"/>
+              <a:cs typeface="Adobe Arabic" panose="02040503050201020203" charset="0"/>
             </a:endParaRPr>
           </a:p>
         </p:txBody>
@@ -6706,21 +6719,21 @@
                     <a:alpha val="64000"/>
                   </a:schemeClr>
                 </a:solidFill>
-                <a:latin typeface="Abadi MT Condensed Light" charset="0"/>
-                <a:ea typeface="Abadi MT Condensed Light" charset="0"/>
-                <a:cs typeface="Abadi MT Condensed Light" charset="0"/>
+                <a:latin typeface="Adobe Arabic" panose="02040503050201020203" charset="0"/>
+                <a:ea typeface="Abadi MT Condensed Light" charset="0"/>
+                <a:cs typeface="Adobe Arabic" panose="02040503050201020203" charset="0"/>
               </a:rPr>
               <a:t>getPrice</a:t>
             </a:r>
-            <a:endParaRPr lang="en-US" sz="2000" dirty="0">
+            <a:endParaRPr lang="en-US" sz="2000" dirty="0" err="1" smtClean="0">
               <a:solidFill>
                 <a:schemeClr val="tx1">
                   <a:alpha val="64000"/>
                 </a:schemeClr>
               </a:solidFill>
-              <a:latin typeface="Abadi MT Condensed Light" charset="0"/>
+              <a:latin typeface="Adobe Arabic" panose="02040503050201020203" charset="0"/>
               <a:ea typeface="Abadi MT Condensed Light" charset="0"/>
-              <a:cs typeface="Abadi MT Condensed Light" charset="0"/>
+              <a:cs typeface="Adobe Arabic" panose="02040503050201020203" charset="0"/>
             </a:endParaRPr>
           </a:p>
         </p:txBody>
@@ -6758,21 +6771,21 @@
                     <a:alpha val="64000"/>
                   </a:schemeClr>
                 </a:solidFill>
-                <a:latin typeface="Abadi MT Condensed Light" charset="0"/>
-                <a:ea typeface="Abadi MT Condensed Light" charset="0"/>
-                <a:cs typeface="Abadi MT Condensed Light" charset="0"/>
+                <a:latin typeface="Adobe Arabic" panose="02040503050201020203" charset="0"/>
+                <a:ea typeface="Abadi MT Condensed Light" charset="0"/>
+                <a:cs typeface="Adobe Arabic" panose="02040503050201020203" charset="0"/>
               </a:rPr>
               <a:t>iphone11</a:t>
             </a:r>
-            <a:endParaRPr lang="en-US" b="1" i="1" dirty="0">
+            <a:endParaRPr lang="en-US" b="1" i="1" dirty="0" smtClean="0">
               <a:solidFill>
                 <a:schemeClr val="tx1">
                   <a:alpha val="64000"/>
                 </a:schemeClr>
               </a:solidFill>
-              <a:latin typeface="Abadi MT Condensed Light" charset="0"/>
+              <a:latin typeface="Adobe Arabic" panose="02040503050201020203" charset="0"/>
               <a:ea typeface="Abadi MT Condensed Light" charset="0"/>
-              <a:cs typeface="Abadi MT Condensed Light" charset="0"/>
+              <a:cs typeface="Adobe Arabic" panose="02040503050201020203" charset="0"/>
             </a:endParaRPr>
           </a:p>
         </p:txBody>
@@ -6810,21 +6823,21 @@
                     <a:alpha val="64000"/>
                   </a:schemeClr>
                 </a:solidFill>
-                <a:latin typeface="Abadi MT Condensed Light" charset="0"/>
-                <a:ea typeface="Abadi MT Condensed Light" charset="0"/>
-                <a:cs typeface="Abadi MT Condensed Light" charset="0"/>
+                <a:latin typeface="Adobe Arabic" panose="02040503050201020203" charset="0"/>
+                <a:ea typeface="Abadi MT Condensed Light" charset="0"/>
+                <a:cs typeface="Adobe Arabic" panose="02040503050201020203" charset="0"/>
               </a:rPr>
               <a:t>iphone11</a:t>
             </a:r>
-            <a:endParaRPr lang="en-US" b="1" i="1" dirty="0">
+            <a:endParaRPr lang="en-US" b="1" i="1" dirty="0" smtClean="0">
               <a:solidFill>
                 <a:schemeClr val="tx1">
                   <a:alpha val="64000"/>
                 </a:schemeClr>
               </a:solidFill>
-              <a:latin typeface="Abadi MT Condensed Light" charset="0"/>
+              <a:latin typeface="Adobe Arabic" panose="02040503050201020203" charset="0"/>
               <a:ea typeface="Abadi MT Condensed Light" charset="0"/>
-              <a:cs typeface="Abadi MT Condensed Light" charset="0"/>
+              <a:cs typeface="Adobe Arabic" panose="02040503050201020203" charset="0"/>
             </a:endParaRPr>
           </a:p>
         </p:txBody>
@@ -6957,9 +6970,9 @@
                     <a:alpha val="64000"/>
                   </a:schemeClr>
                 </a:solidFill>
-                <a:latin typeface="Abadi MT Condensed Light" charset="0"/>
-                <a:ea typeface="Abadi MT Condensed Light" charset="0"/>
-                <a:cs typeface="Abadi MT Condensed Light" charset="0"/>
+                <a:latin typeface="Adobe Arabic" panose="02040503050201020203" charset="0"/>
+                <a:ea typeface="Abadi MT Condensed Light" charset="0"/>
+                <a:cs typeface="Adobe Arabic" panose="02040503050201020203" charset="0"/>
               </a:rPr>
               <a:t>getNonDiscountPrice</a:t>
             </a:r>
@@ -6970,9 +6983,9 @@
                     <a:alpha val="64000"/>
                   </a:schemeClr>
                 </a:solidFill>
-                <a:latin typeface="Abadi MT Condensed Light" charset="0"/>
-                <a:ea typeface="Abadi MT Condensed Light" charset="0"/>
-                <a:cs typeface="Abadi MT Condensed Light" charset="0"/>
+                <a:latin typeface="Adobe Arabic" panose="02040503050201020203" charset="0"/>
+                <a:ea typeface="Abadi MT Condensed Light" charset="0"/>
+                <a:cs typeface="Adobe Arabic" panose="02040503050201020203" charset="0"/>
               </a:rPr>
               <a:t>()</a:t>
             </a:r>
@@ -6982,9 +6995,9 @@
                   <a:alpha val="64000"/>
                 </a:schemeClr>
               </a:solidFill>
-              <a:latin typeface="Abadi MT Condensed Light" charset="0"/>
+              <a:latin typeface="Adobe Arabic" panose="02040503050201020203" charset="0"/>
               <a:ea typeface="Abadi MT Condensed Light" charset="0"/>
-              <a:cs typeface="Abadi MT Condensed Light" charset="0"/>
+              <a:cs typeface="Adobe Arabic" panose="02040503050201020203" charset="0"/>
             </a:endParaRPr>
           </a:p>
           <a:p>
@@ -6995,9 +7008,9 @@
                     <a:alpha val="64000"/>
                   </a:schemeClr>
                 </a:solidFill>
-                <a:latin typeface="Abadi MT Condensed Light" charset="0"/>
-                <a:ea typeface="Abadi MT Condensed Light" charset="0"/>
-                <a:cs typeface="Abadi MT Condensed Light" charset="0"/>
+                <a:latin typeface="Adobe Arabic" panose="02040503050201020203" charset="0"/>
+                <a:ea typeface="Abadi MT Condensed Light" charset="0"/>
+                <a:cs typeface="Adobe Arabic" panose="02040503050201020203" charset="0"/>
               </a:rPr>
               <a:t>extractData</a:t>
             </a:r>
@@ -7008,9 +7021,9 @@
                     <a:alpha val="64000"/>
                   </a:schemeClr>
                 </a:solidFill>
-                <a:latin typeface="Abadi MT Condensed Light" charset="0"/>
-                <a:ea typeface="Abadi MT Condensed Light" charset="0"/>
-                <a:cs typeface="Abadi MT Condensed Light" charset="0"/>
+                <a:latin typeface="Adobe Arabic" panose="02040503050201020203" charset="0"/>
+                <a:ea typeface="Abadi MT Condensed Light" charset="0"/>
+                <a:cs typeface="Adobe Arabic" panose="02040503050201020203" charset="0"/>
               </a:rPr>
               <a:t>()</a:t>
             </a:r>
@@ -7020,9 +7033,9 @@
                   <a:alpha val="64000"/>
                 </a:schemeClr>
               </a:solidFill>
-              <a:latin typeface="Abadi MT Condensed Light" charset="0"/>
+              <a:latin typeface="Adobe Arabic" panose="02040503050201020203" charset="0"/>
               <a:ea typeface="Abadi MT Condensed Light" charset="0"/>
-              <a:cs typeface="Abadi MT Condensed Light" charset="0"/>
+              <a:cs typeface="Adobe Arabic" panose="02040503050201020203" charset="0"/>
             </a:endParaRPr>
           </a:p>
           <a:p>
@@ -7033,9 +7046,9 @@
                     <a:alpha val="64000"/>
                   </a:schemeClr>
                 </a:solidFill>
-                <a:latin typeface="Abadi MT Condensed Light" charset="0"/>
-                <a:ea typeface="Abadi MT Condensed Light" charset="0"/>
-                <a:cs typeface="Abadi MT Condensed Light" charset="0"/>
+                <a:latin typeface="Adobe Arabic" panose="02040503050201020203" charset="0"/>
+                <a:ea typeface="Abadi MT Condensed Light" charset="0"/>
+                <a:cs typeface="Adobe Arabic" panose="02040503050201020203" charset="0"/>
               </a:rPr>
               <a:t>getDiscountPercent</a:t>
             </a:r>
@@ -7046,9 +7059,9 @@
                     <a:alpha val="64000"/>
                   </a:schemeClr>
                 </a:solidFill>
-                <a:latin typeface="Abadi MT Condensed Light" charset="0"/>
-                <a:ea typeface="Abadi MT Condensed Light" charset="0"/>
-                <a:cs typeface="Abadi MT Condensed Light" charset="0"/>
+                <a:latin typeface="Adobe Arabic" panose="02040503050201020203" charset="0"/>
+                <a:ea typeface="Abadi MT Condensed Light" charset="0"/>
+                <a:cs typeface="Adobe Arabic" panose="02040503050201020203" charset="0"/>
               </a:rPr>
               <a:t>()</a:t>
             </a:r>
@@ -7058,9 +7071,9 @@
                   <a:alpha val="64000"/>
                 </a:schemeClr>
               </a:solidFill>
-              <a:latin typeface="Abadi MT Condensed Light" charset="0"/>
+              <a:latin typeface="Adobe Arabic" panose="02040503050201020203" charset="0"/>
               <a:ea typeface="Abadi MT Condensed Light" charset="0"/>
-              <a:cs typeface="Abadi MT Condensed Light" charset="0"/>
+              <a:cs typeface="Adobe Arabic" panose="02040503050201020203" charset="0"/>
             </a:endParaRPr>
           </a:p>
           <a:p>
@@ -7071,9 +7084,9 @@
                     <a:alpha val="64000"/>
                   </a:schemeClr>
                 </a:solidFill>
-                <a:latin typeface="Abadi MT Condensed Light" charset="0"/>
-                <a:ea typeface="Abadi MT Condensed Light" charset="0"/>
-                <a:cs typeface="Abadi MT Condensed Light" charset="0"/>
+                <a:latin typeface="Adobe Arabic" panose="02040503050201020203" charset="0"/>
+                <a:ea typeface="Abadi MT Condensed Light" charset="0"/>
+                <a:cs typeface="Adobe Arabic" panose="02040503050201020203" charset="0"/>
               </a:rPr>
               <a:t>getExchangeCurrency</a:t>
             </a:r>
@@ -7084,9 +7097,9 @@
                     <a:alpha val="64000"/>
                   </a:schemeClr>
                 </a:solidFill>
-                <a:latin typeface="Abadi MT Condensed Light" charset="0"/>
-                <a:ea typeface="Abadi MT Condensed Light" charset="0"/>
-                <a:cs typeface="Abadi MT Condensed Light" charset="0"/>
+                <a:latin typeface="Adobe Arabic" panose="02040503050201020203" charset="0"/>
+                <a:ea typeface="Abadi MT Condensed Light" charset="0"/>
+                <a:cs typeface="Adobe Arabic" panose="02040503050201020203" charset="0"/>
               </a:rPr>
               <a:t>()</a:t>
             </a:r>
@@ -7096,9 +7109,9 @@
                   <a:alpha val="64000"/>
                 </a:schemeClr>
               </a:solidFill>
-              <a:latin typeface="Abadi MT Condensed Light" charset="0"/>
+              <a:latin typeface="Adobe Arabic" panose="02040503050201020203" charset="0"/>
               <a:ea typeface="Abadi MT Condensed Light" charset="0"/>
-              <a:cs typeface="Abadi MT Condensed Light" charset="0"/>
+              <a:cs typeface="Adobe Arabic" panose="02040503050201020203" charset="0"/>
             </a:endParaRPr>
           </a:p>
         </p:txBody>
@@ -7136,21 +7149,21 @@
                     <a:alpha val="64000"/>
                   </a:schemeClr>
                 </a:solidFill>
-                <a:latin typeface="Abadi MT Condensed Light" charset="0"/>
-                <a:ea typeface="Abadi MT Condensed Light" charset="0"/>
-                <a:cs typeface="Abadi MT Condensed Light" charset="0"/>
+                <a:latin typeface="Adobe Arabic" panose="02040503050201020203" charset="0"/>
+                <a:ea typeface="Abadi MT Condensed Light" charset="0"/>
+                <a:cs typeface="Adobe Arabic" panose="02040503050201020203" charset="0"/>
               </a:rPr>
               <a:t>Amazon|20$|Gold</a:t>
             </a:r>
-            <a:endParaRPr lang="en-US" b="1" i="1" dirty="0">
+            <a:endParaRPr lang="en-US" b="1" i="1" dirty="0" smtClean="0">
               <a:solidFill>
                 <a:schemeClr val="tx1">
                   <a:alpha val="64000"/>
                 </a:schemeClr>
               </a:solidFill>
-              <a:latin typeface="Abadi MT Condensed Light" charset="0"/>
+              <a:latin typeface="Adobe Arabic" panose="02040503050201020203" charset="0"/>
               <a:ea typeface="Abadi MT Condensed Light" charset="0"/>
-              <a:cs typeface="Abadi MT Condensed Light" charset="0"/>
+              <a:cs typeface="Adobe Arabic" panose="02040503050201020203" charset="0"/>
             </a:endParaRPr>
           </a:p>
         </p:txBody>
@@ -7188,21 +7201,21 @@
                     <a:alpha val="64000"/>
                   </a:schemeClr>
                 </a:solidFill>
-                <a:latin typeface="Abadi MT Condensed Light" charset="0"/>
-                <a:ea typeface="Abadi MT Condensed Light" charset="0"/>
-                <a:cs typeface="Abadi MT Condensed Light" charset="0"/>
+                <a:latin typeface="Adobe Arabic" panose="02040503050201020203" charset="0"/>
+                <a:ea typeface="Abadi MT Condensed Light" charset="0"/>
+                <a:cs typeface="Adobe Arabic" panose="02040503050201020203" charset="0"/>
               </a:rPr>
               <a:t>Price: 20|Discount: Gold</a:t>
             </a:r>
-            <a:endParaRPr lang="en-US" b="1" i="1" dirty="0">
+            <a:endParaRPr lang="en-US" b="1" i="1" dirty="0" smtClean="0">
               <a:solidFill>
                 <a:schemeClr val="tx1">
                   <a:alpha val="64000"/>
                 </a:schemeClr>
               </a:solidFill>
-              <a:latin typeface="Abadi MT Condensed Light" charset="0"/>
+              <a:latin typeface="Adobe Arabic" panose="02040503050201020203" charset="0"/>
               <a:ea typeface="Abadi MT Condensed Light" charset="0"/>
-              <a:cs typeface="Abadi MT Condensed Light" charset="0"/>
+              <a:cs typeface="Adobe Arabic" panose="02040503050201020203" charset="0"/>
             </a:endParaRPr>
           </a:p>
         </p:txBody>
@@ -7240,21 +7253,21 @@
                     <a:alpha val="64000"/>
                   </a:schemeClr>
                 </a:solidFill>
-                <a:latin typeface="Abadi MT Condensed Light" charset="0"/>
-                <a:ea typeface="Abadi MT Condensed Light" charset="0"/>
-                <a:cs typeface="Abadi MT Condensed Light" charset="0"/>
+                <a:latin typeface="Adobe Arabic" panose="02040503050201020203" charset="0"/>
+                <a:ea typeface="Abadi MT Condensed Light" charset="0"/>
+                <a:cs typeface="Adobe Arabic" panose="02040503050201020203" charset="0"/>
               </a:rPr>
               <a:t>20%</a:t>
             </a:r>
-            <a:endParaRPr lang="en-US" b="1" i="1" dirty="0">
+            <a:endParaRPr lang="en-US" b="1" i="1" dirty="0" smtClean="0">
               <a:solidFill>
                 <a:schemeClr val="tx1">
                   <a:alpha val="64000"/>
                 </a:schemeClr>
               </a:solidFill>
-              <a:latin typeface="Abadi MT Condensed Light" charset="0"/>
+              <a:latin typeface="Adobe Arabic" panose="02040503050201020203" charset="0"/>
               <a:ea typeface="Abadi MT Condensed Light" charset="0"/>
-              <a:cs typeface="Abadi MT Condensed Light" charset="0"/>
+              <a:cs typeface="Adobe Arabic" panose="02040503050201020203" charset="0"/>
             </a:endParaRPr>
           </a:p>
         </p:txBody>
@@ -7292,21 +7305,21 @@
                     <a:alpha val="64000"/>
                   </a:schemeClr>
                 </a:solidFill>
-                <a:latin typeface="Abadi MT Condensed Light" charset="0"/>
-                <a:ea typeface="Abadi MT Condensed Light" charset="0"/>
-                <a:cs typeface="Abadi MT Condensed Light" charset="0"/>
+                <a:latin typeface="Adobe Arabic" panose="02040503050201020203" charset="0"/>
+                <a:ea typeface="Abadi MT Condensed Light" charset="0"/>
+                <a:cs typeface="Adobe Arabic" panose="02040503050201020203" charset="0"/>
               </a:rPr>
               <a:t>23000</a:t>
             </a:r>
-            <a:endParaRPr lang="en-US" b="1" i="1" dirty="0">
+            <a:endParaRPr lang="en-US" b="1" i="1" dirty="0" smtClean="0">
               <a:solidFill>
                 <a:schemeClr val="tx1">
                   <a:alpha val="64000"/>
                 </a:schemeClr>
               </a:solidFill>
-              <a:latin typeface="Abadi MT Condensed Light" charset="0"/>
+              <a:latin typeface="Adobe Arabic" panose="02040503050201020203" charset="0"/>
               <a:ea typeface="Abadi MT Condensed Light" charset="0"/>
-              <a:cs typeface="Abadi MT Condensed Light" charset="0"/>
+              <a:cs typeface="Adobe Arabic" panose="02040503050201020203" charset="0"/>
             </a:endParaRPr>
           </a:p>
         </p:txBody>
@@ -7365,21 +7378,21 @@
                     <a:alpha val="64000"/>
                   </a:schemeClr>
                 </a:solidFill>
-                <a:latin typeface="Abadi MT Condensed Light" charset="0"/>
-                <a:ea typeface="Abadi MT Condensed Light" charset="0"/>
-                <a:cs typeface="Abadi MT Condensed Light" charset="0"/>
+                <a:latin typeface="Adobe Arabic" panose="02040503050201020203" charset="0"/>
+                <a:ea typeface="Abadi MT Condensed Light" charset="0"/>
+                <a:cs typeface="Adobe Arabic" panose="02040503050201020203" charset="0"/>
               </a:rPr>
               <a:t>getPrice</a:t>
             </a:r>
-            <a:endParaRPr lang="en-US" sz="2000" dirty="0">
+            <a:endParaRPr lang="en-US" sz="2000" dirty="0" err="1" smtClean="0">
               <a:solidFill>
                 <a:schemeClr val="tx1">
                   <a:alpha val="64000"/>
                 </a:schemeClr>
               </a:solidFill>
-              <a:latin typeface="Abadi MT Condensed Light" charset="0"/>
+              <a:latin typeface="Adobe Arabic" panose="02040503050201020203" charset="0"/>
               <a:ea typeface="Abadi MT Condensed Light" charset="0"/>
-              <a:cs typeface="Abadi MT Condensed Light" charset="0"/>
+              <a:cs typeface="Adobe Arabic" panose="02040503050201020203" charset="0"/>
             </a:endParaRPr>
           </a:p>
         </p:txBody>
@@ -7434,9 +7447,9 @@
                     <a:alpha val="64000"/>
                   </a:schemeClr>
                 </a:solidFill>
-                <a:latin typeface="Abadi MT Condensed Light" charset="0"/>
-                <a:ea typeface="Abadi MT Condensed Light" charset="0"/>
-                <a:cs typeface="Abadi MT Condensed Light" charset="0"/>
+                <a:latin typeface="Adobe Arabic" panose="02040503050201020203" charset="0"/>
+                <a:ea typeface="Abadi MT Condensed Light" charset="0"/>
+                <a:cs typeface="Adobe Arabic" panose="02040503050201020203" charset="0"/>
               </a:rPr>
               <a:t>getNonDiscountPrice</a:t>
             </a:r>
@@ -7447,9 +7460,9 @@
                     <a:alpha val="64000"/>
                   </a:schemeClr>
                 </a:solidFill>
-                <a:latin typeface="Abadi MT Condensed Light" charset="0"/>
-                <a:ea typeface="Abadi MT Condensed Light" charset="0"/>
-                <a:cs typeface="Abadi MT Condensed Light" charset="0"/>
+                <a:latin typeface="Adobe Arabic" panose="02040503050201020203" charset="0"/>
+                <a:ea typeface="Abadi MT Condensed Light" charset="0"/>
+                <a:cs typeface="Adobe Arabic" panose="02040503050201020203" charset="0"/>
               </a:rPr>
               <a:t>()</a:t>
             </a:r>
@@ -7459,9 +7472,9 @@
                   <a:alpha val="64000"/>
                 </a:schemeClr>
               </a:solidFill>
-              <a:latin typeface="Abadi MT Condensed Light" charset="0"/>
+              <a:latin typeface="Adobe Arabic" panose="02040503050201020203" charset="0"/>
               <a:ea typeface="Abadi MT Condensed Light" charset="0"/>
-              <a:cs typeface="Abadi MT Condensed Light" charset="0"/>
+              <a:cs typeface="Adobe Arabic" panose="02040503050201020203" charset="0"/>
             </a:endParaRPr>
           </a:p>
           <a:p>
@@ -7472,9 +7485,9 @@
                     <a:alpha val="64000"/>
                   </a:schemeClr>
                 </a:solidFill>
-                <a:latin typeface="Abadi MT Condensed Light" charset="0"/>
-                <a:ea typeface="Abadi MT Condensed Light" charset="0"/>
-                <a:cs typeface="Abadi MT Condensed Light" charset="0"/>
+                <a:latin typeface="Adobe Arabic" panose="02040503050201020203" charset="0"/>
+                <a:ea typeface="Abadi MT Condensed Light" charset="0"/>
+                <a:cs typeface="Adobe Arabic" panose="02040503050201020203" charset="0"/>
               </a:rPr>
               <a:t>extractData</a:t>
             </a:r>
@@ -7485,9 +7498,9 @@
                     <a:alpha val="64000"/>
                   </a:schemeClr>
                 </a:solidFill>
-                <a:latin typeface="Abadi MT Condensed Light" charset="0"/>
-                <a:ea typeface="Abadi MT Condensed Light" charset="0"/>
-                <a:cs typeface="Abadi MT Condensed Light" charset="0"/>
+                <a:latin typeface="Adobe Arabic" panose="02040503050201020203" charset="0"/>
+                <a:ea typeface="Abadi MT Condensed Light" charset="0"/>
+                <a:cs typeface="Adobe Arabic" panose="02040503050201020203" charset="0"/>
               </a:rPr>
               <a:t>()</a:t>
             </a:r>
@@ -7497,9 +7510,9 @@
                   <a:alpha val="64000"/>
                 </a:schemeClr>
               </a:solidFill>
-              <a:latin typeface="Abadi MT Condensed Light" charset="0"/>
+              <a:latin typeface="Adobe Arabic" panose="02040503050201020203" charset="0"/>
               <a:ea typeface="Abadi MT Condensed Light" charset="0"/>
-              <a:cs typeface="Abadi MT Condensed Light" charset="0"/>
+              <a:cs typeface="Adobe Arabic" panose="02040503050201020203" charset="0"/>
             </a:endParaRPr>
           </a:p>
           <a:p>
@@ -7510,9 +7523,9 @@
                     <a:alpha val="64000"/>
                   </a:schemeClr>
                 </a:solidFill>
-                <a:latin typeface="Abadi MT Condensed Light" charset="0"/>
-                <a:ea typeface="Abadi MT Condensed Light" charset="0"/>
-                <a:cs typeface="Abadi MT Condensed Light" charset="0"/>
+                <a:latin typeface="Adobe Arabic" panose="02040503050201020203" charset="0"/>
+                <a:ea typeface="Abadi MT Condensed Light" charset="0"/>
+                <a:cs typeface="Adobe Arabic" panose="02040503050201020203" charset="0"/>
               </a:rPr>
               <a:t>getDiscountPercent</a:t>
             </a:r>
@@ -7523,9 +7536,9 @@
                     <a:alpha val="64000"/>
                   </a:schemeClr>
                 </a:solidFill>
-                <a:latin typeface="Abadi MT Condensed Light" charset="0"/>
-                <a:ea typeface="Abadi MT Condensed Light" charset="0"/>
-                <a:cs typeface="Abadi MT Condensed Light" charset="0"/>
+                <a:latin typeface="Adobe Arabic" panose="02040503050201020203" charset="0"/>
+                <a:ea typeface="Abadi MT Condensed Light" charset="0"/>
+                <a:cs typeface="Adobe Arabic" panose="02040503050201020203" charset="0"/>
               </a:rPr>
               <a:t>()</a:t>
             </a:r>
@@ -7535,9 +7548,9 @@
                   <a:alpha val="64000"/>
                 </a:schemeClr>
               </a:solidFill>
-              <a:latin typeface="Abadi MT Condensed Light" charset="0"/>
+              <a:latin typeface="Adobe Arabic" panose="02040503050201020203" charset="0"/>
               <a:ea typeface="Abadi MT Condensed Light" charset="0"/>
-              <a:cs typeface="Abadi MT Condensed Light" charset="0"/>
+              <a:cs typeface="Adobe Arabic" panose="02040503050201020203" charset="0"/>
             </a:endParaRPr>
           </a:p>
           <a:p>
@@ -7548,9 +7561,9 @@
                     <a:alpha val="64000"/>
                   </a:schemeClr>
                 </a:solidFill>
-                <a:latin typeface="Abadi MT Condensed Light" charset="0"/>
-                <a:ea typeface="Abadi MT Condensed Light" charset="0"/>
-                <a:cs typeface="Abadi MT Condensed Light" charset="0"/>
+                <a:latin typeface="Adobe Arabic" panose="02040503050201020203" charset="0"/>
+                <a:ea typeface="Abadi MT Condensed Light" charset="0"/>
+                <a:cs typeface="Adobe Arabic" panose="02040503050201020203" charset="0"/>
               </a:rPr>
               <a:t>getExchangeCurrency</a:t>
             </a:r>
@@ -7561,9 +7574,9 @@
                     <a:alpha val="64000"/>
                   </a:schemeClr>
                 </a:solidFill>
-                <a:latin typeface="Abadi MT Condensed Light" charset="0"/>
-                <a:ea typeface="Abadi MT Condensed Light" charset="0"/>
-                <a:cs typeface="Abadi MT Condensed Light" charset="0"/>
+                <a:latin typeface="Adobe Arabic" panose="02040503050201020203" charset="0"/>
+                <a:ea typeface="Abadi MT Condensed Light" charset="0"/>
+                <a:cs typeface="Adobe Arabic" panose="02040503050201020203" charset="0"/>
               </a:rPr>
               <a:t>()</a:t>
             </a:r>
@@ -7573,9 +7586,9 @@
                   <a:alpha val="64000"/>
                 </a:schemeClr>
               </a:solidFill>
-              <a:latin typeface="Abadi MT Condensed Light" charset="0"/>
+              <a:latin typeface="Adobe Arabic" panose="02040503050201020203" charset="0"/>
               <a:ea typeface="Abadi MT Condensed Light" charset="0"/>
-              <a:cs typeface="Abadi MT Condensed Light" charset="0"/>
+              <a:cs typeface="Adobe Arabic" panose="02040503050201020203" charset="0"/>
             </a:endParaRPr>
           </a:p>
         </p:txBody>
@@ -7613,21 +7626,21 @@
                     <a:alpha val="64000"/>
                   </a:schemeClr>
                 </a:solidFill>
-                <a:latin typeface="Abadi MT Condensed Light" charset="0"/>
-                <a:ea typeface="Abadi MT Condensed Light" charset="0"/>
-                <a:cs typeface="Abadi MT Condensed Light" charset="0"/>
+                <a:latin typeface="Adobe Arabic" panose="02040503050201020203" charset="0"/>
+                <a:ea typeface="Abadi MT Condensed Light" charset="0"/>
+                <a:cs typeface="Adobe Arabic" panose="02040503050201020203" charset="0"/>
               </a:rPr>
               <a:t>Ebay|20$|Silver</a:t>
             </a:r>
-            <a:endParaRPr lang="en-US" b="1" i="1" dirty="0">
+            <a:endParaRPr lang="en-US" b="1" i="1" dirty="0" smtClean="0">
               <a:solidFill>
                 <a:schemeClr val="tx1">
                   <a:alpha val="64000"/>
                 </a:schemeClr>
               </a:solidFill>
-              <a:latin typeface="Abadi MT Condensed Light" charset="0"/>
+              <a:latin typeface="Adobe Arabic" panose="02040503050201020203" charset="0"/>
               <a:ea typeface="Abadi MT Condensed Light" charset="0"/>
-              <a:cs typeface="Abadi MT Condensed Light" charset="0"/>
+              <a:cs typeface="Adobe Arabic" panose="02040503050201020203" charset="0"/>
             </a:endParaRPr>
           </a:p>
         </p:txBody>
@@ -7665,21 +7678,21 @@
                     <a:alpha val="64000"/>
                   </a:schemeClr>
                 </a:solidFill>
-                <a:latin typeface="Abadi MT Condensed Light" charset="0"/>
-                <a:ea typeface="Abadi MT Condensed Light" charset="0"/>
-                <a:cs typeface="Abadi MT Condensed Light" charset="0"/>
+                <a:latin typeface="Adobe Arabic" panose="02040503050201020203" charset="0"/>
+                <a:ea typeface="Abadi MT Condensed Light" charset="0"/>
+                <a:cs typeface="Adobe Arabic" panose="02040503050201020203" charset="0"/>
               </a:rPr>
               <a:t>Price: 25|Discount: Silver</a:t>
             </a:r>
-            <a:endParaRPr lang="en-US" b="1" i="1" dirty="0">
+            <a:endParaRPr lang="en-US" b="1" i="1" dirty="0" smtClean="0">
               <a:solidFill>
                 <a:schemeClr val="tx1">
                   <a:alpha val="64000"/>
                 </a:schemeClr>
               </a:solidFill>
-              <a:latin typeface="Abadi MT Condensed Light" charset="0"/>
+              <a:latin typeface="Adobe Arabic" panose="02040503050201020203" charset="0"/>
               <a:ea typeface="Abadi MT Condensed Light" charset="0"/>
-              <a:cs typeface="Abadi MT Condensed Light" charset="0"/>
+              <a:cs typeface="Adobe Arabic" panose="02040503050201020203" charset="0"/>
             </a:endParaRPr>
           </a:p>
         </p:txBody>
@@ -7717,21 +7730,21 @@
                     <a:alpha val="64000"/>
                   </a:schemeClr>
                 </a:solidFill>
-                <a:latin typeface="Abadi MT Condensed Light" charset="0"/>
-                <a:ea typeface="Abadi MT Condensed Light" charset="0"/>
-                <a:cs typeface="Abadi MT Condensed Light" charset="0"/>
+                <a:latin typeface="Adobe Arabic" panose="02040503050201020203" charset="0"/>
+                <a:ea typeface="Abadi MT Condensed Light" charset="0"/>
+                <a:cs typeface="Adobe Arabic" panose="02040503050201020203" charset="0"/>
               </a:rPr>
               <a:t>10%</a:t>
             </a:r>
-            <a:endParaRPr lang="en-US" b="1" i="1" dirty="0">
+            <a:endParaRPr lang="en-US" b="1" i="1" dirty="0" smtClean="0">
               <a:solidFill>
                 <a:schemeClr val="tx1">
                   <a:alpha val="64000"/>
                 </a:schemeClr>
               </a:solidFill>
-              <a:latin typeface="Abadi MT Condensed Light" charset="0"/>
+              <a:latin typeface="Adobe Arabic" panose="02040503050201020203" charset="0"/>
               <a:ea typeface="Abadi MT Condensed Light" charset="0"/>
-              <a:cs typeface="Abadi MT Condensed Light" charset="0"/>
+              <a:cs typeface="Adobe Arabic" panose="02040503050201020203" charset="0"/>
             </a:endParaRPr>
           </a:p>
         </p:txBody>
@@ -7769,21 +7782,21 @@
                     <a:alpha val="64000"/>
                   </a:schemeClr>
                 </a:solidFill>
-                <a:latin typeface="Abadi MT Condensed Light" charset="0"/>
-                <a:ea typeface="Abadi MT Condensed Light" charset="0"/>
-                <a:cs typeface="Abadi MT Condensed Light" charset="0"/>
+                <a:latin typeface="Adobe Arabic" panose="02040503050201020203" charset="0"/>
+                <a:ea typeface="Abadi MT Condensed Light" charset="0"/>
+                <a:cs typeface="Adobe Arabic" panose="02040503050201020203" charset="0"/>
               </a:rPr>
               <a:t>22500</a:t>
             </a:r>
-            <a:endParaRPr lang="en-US" b="1" i="1" dirty="0">
+            <a:endParaRPr lang="en-US" b="1" i="1" dirty="0" smtClean="0">
               <a:solidFill>
                 <a:schemeClr val="tx1">
                   <a:alpha val="64000"/>
                 </a:schemeClr>
               </a:solidFill>
-              <a:latin typeface="Abadi MT Condensed Light" charset="0"/>
+              <a:latin typeface="Adobe Arabic" panose="02040503050201020203" charset="0"/>
               <a:ea typeface="Abadi MT Condensed Light" charset="0"/>
-              <a:cs typeface="Abadi MT Condensed Light" charset="0"/>
+              <a:cs typeface="Adobe Arabic" panose="02040503050201020203" charset="0"/>
             </a:endParaRPr>
           </a:p>
         </p:txBody>
@@ -7837,7 +7850,10 @@
           <a:lstStyle/>
           <a:p>
             <a:pPr algn="ctr"/>
-            <a:endParaRPr lang="en-US"/>
+            <a:endParaRPr lang="en-US">
+              <a:latin typeface="Adobe Arabic" panose="02040503050201020203" charset="0"/>
+              <a:cs typeface="Adobe Arabic" panose="02040503050201020203" charset="0"/>
+            </a:endParaRPr>
           </a:p>
         </p:txBody>
       </p:sp>
@@ -8273,9 +8289,9 @@
                 <a:solidFill>
                   <a:sysClr val="windowText" lastClr="000000"/>
                 </a:solidFill>
-                <a:latin typeface="Abadi MT Condensed Light" charset="0"/>
-                <a:ea typeface="Abadi MT Condensed Light" charset="0"/>
-                <a:cs typeface="Abadi MT Condensed Light" charset="0"/>
+                <a:latin typeface="Adobe Arabic" panose="02040503050201020203" charset="0"/>
+                <a:ea typeface="Abadi MT Condensed Light" charset="0"/>
+                <a:cs typeface="Adobe Arabic" panose="02040503050201020203" charset="0"/>
               </a:rPr>
               <a:t>findPrice</a:t>
             </a:r>
@@ -8284,9 +8300,9 @@
                 <a:solidFill>
                   <a:sysClr val="windowText" lastClr="000000"/>
                 </a:solidFill>
-                <a:latin typeface="Abadi MT Condensed Light" charset="0"/>
-                <a:ea typeface="Abadi MT Condensed Light" charset="0"/>
-                <a:cs typeface="Abadi MT Condensed Light" charset="0"/>
+                <a:latin typeface="Adobe Arabic" panose="02040503050201020203" charset="0"/>
+                <a:ea typeface="Abadi MT Condensed Light" charset="0"/>
+                <a:cs typeface="Adobe Arabic" panose="02040503050201020203" charset="0"/>
               </a:rPr>
               <a:t>()</a:t>
             </a:r>
@@ -8294,9 +8310,9 @@
               <a:solidFill>
                 <a:sysClr val="windowText" lastClr="000000"/>
               </a:solidFill>
-              <a:latin typeface="Abadi MT Condensed Light" charset="0"/>
+              <a:latin typeface="Adobe Arabic" panose="02040503050201020203" charset="0"/>
               <a:ea typeface="Abadi MT Condensed Light" charset="0"/>
-              <a:cs typeface="Abadi MT Condensed Light" charset="0"/>
+              <a:cs typeface="Adobe Arabic" panose="02040503050201020203" charset="0"/>
             </a:endParaRPr>
           </a:p>
         </p:txBody>
@@ -8442,7 +8458,7 @@
         <p:spPr>
           <a:xfrm>
             <a:off x="3381117" y="874248"/>
-            <a:ext cx="1201696" cy="369332"/>
+            <a:ext cx="1201696" cy="368300"/>
           </a:xfrm>
           <a:prstGeom prst="rect">
             <a:avLst/>
@@ -8466,21 +8482,21 @@
                     <a:alpha val="64000"/>
                   </a:schemeClr>
                 </a:solidFill>
-                <a:latin typeface="Abadi MT Condensed Light" charset="0"/>
-                <a:ea typeface="Abadi MT Condensed Light" charset="0"/>
-                <a:cs typeface="Abadi MT Condensed Light" charset="0"/>
+                <a:latin typeface="Adobe Arabic" panose="02040503050201020203" charset="0"/>
+                <a:ea typeface="Abadi MT Condensed Light" charset="0"/>
+                <a:cs typeface="Adobe Arabic" panose="02040503050201020203" charset="0"/>
               </a:rPr>
               <a:t>iphone11</a:t>
             </a:r>
-            <a:endParaRPr lang="en-US" b="1" i="1" dirty="0">
+            <a:endParaRPr lang="en-US" b="1" i="1" dirty="0" smtClean="0">
               <a:solidFill>
                 <a:schemeClr val="tx1">
                   <a:alpha val="64000"/>
                 </a:schemeClr>
               </a:solidFill>
-              <a:latin typeface="Abadi MT Condensed Light" charset="0"/>
+              <a:latin typeface="Adobe Arabic" panose="02040503050201020203" charset="0"/>
               <a:ea typeface="Abadi MT Condensed Light" charset="0"/>
-              <a:cs typeface="Abadi MT Condensed Light" charset="0"/>
+              <a:cs typeface="Adobe Arabic" panose="02040503050201020203" charset="0"/>
             </a:endParaRPr>
           </a:p>
         </p:txBody>
@@ -8518,21 +8534,21 @@
                     <a:alpha val="64000"/>
                   </a:schemeClr>
                 </a:solidFill>
-                <a:latin typeface="Abadi MT Condensed Light" charset="0"/>
-                <a:ea typeface="Abadi MT Condensed Light" charset="0"/>
-                <a:cs typeface="Abadi MT Condensed Light" charset="0"/>
+                <a:latin typeface="Adobe Arabic" panose="02040503050201020203" charset="0"/>
+                <a:ea typeface="Abadi MT Condensed Light" charset="0"/>
+                <a:cs typeface="Adobe Arabic" panose="02040503050201020203" charset="0"/>
               </a:rPr>
               <a:t>iphone11</a:t>
             </a:r>
-            <a:endParaRPr lang="en-US" b="1" i="1" dirty="0">
+            <a:endParaRPr lang="en-US" b="1" i="1" dirty="0" smtClean="0">
               <a:solidFill>
                 <a:schemeClr val="tx1">
                   <a:alpha val="64000"/>
                 </a:schemeClr>
               </a:solidFill>
-              <a:latin typeface="Abadi MT Condensed Light" charset="0"/>
+              <a:latin typeface="Adobe Arabic" panose="02040503050201020203" charset="0"/>
               <a:ea typeface="Abadi MT Condensed Light" charset="0"/>
-              <a:cs typeface="Abadi MT Condensed Light" charset="0"/>
+              <a:cs typeface="Adobe Arabic" panose="02040503050201020203" charset="0"/>
             </a:endParaRPr>
           </a:p>
         </p:txBody>
@@ -8547,7 +8563,7 @@
         </p:nvCxnSpPr>
         <p:spPr>
           <a:xfrm>
-            <a:off x="1828801" y="647700"/>
+            <a:off x="1939291" y="379095"/>
             <a:ext cx="2042850" cy="495300"/>
           </a:xfrm>
           <a:prstGeom prst="curvedConnector2">
@@ -8665,9 +8681,9 @@
                     <a:alpha val="64000"/>
                   </a:schemeClr>
                 </a:solidFill>
-                <a:latin typeface="Abadi MT Condensed Light" charset="0"/>
-                <a:ea typeface="Abadi MT Condensed Light" charset="0"/>
-                <a:cs typeface="Abadi MT Condensed Light" charset="0"/>
+                <a:latin typeface="Adobe Arabic" panose="02040503050201020203" charset="0"/>
+                <a:ea typeface="Abadi MT Condensed Light" charset="0"/>
+                <a:cs typeface="Adobe Arabic" panose="02040503050201020203" charset="0"/>
               </a:rPr>
               <a:t>getNonDiscountPrice</a:t>
             </a:r>
@@ -8678,9 +8694,9 @@
                     <a:alpha val="64000"/>
                   </a:schemeClr>
                 </a:solidFill>
-                <a:latin typeface="Abadi MT Condensed Light" charset="0"/>
-                <a:ea typeface="Abadi MT Condensed Light" charset="0"/>
-                <a:cs typeface="Abadi MT Condensed Light" charset="0"/>
+                <a:latin typeface="Adobe Arabic" panose="02040503050201020203" charset="0"/>
+                <a:ea typeface="Abadi MT Condensed Light" charset="0"/>
+                <a:cs typeface="Adobe Arabic" panose="02040503050201020203" charset="0"/>
               </a:rPr>
               <a:t>()</a:t>
             </a:r>
@@ -8690,9 +8706,9 @@
                   <a:alpha val="64000"/>
                 </a:schemeClr>
               </a:solidFill>
-              <a:latin typeface="Abadi MT Condensed Light" charset="0"/>
+              <a:latin typeface="Adobe Arabic" panose="02040503050201020203" charset="0"/>
               <a:ea typeface="Abadi MT Condensed Light" charset="0"/>
-              <a:cs typeface="Abadi MT Condensed Light" charset="0"/>
+              <a:cs typeface="Adobe Arabic" panose="02040503050201020203" charset="0"/>
             </a:endParaRPr>
           </a:p>
           <a:p>
@@ -8703,9 +8719,9 @@
                     <a:alpha val="64000"/>
                   </a:schemeClr>
                 </a:solidFill>
-                <a:latin typeface="Abadi MT Condensed Light" charset="0"/>
-                <a:ea typeface="Abadi MT Condensed Light" charset="0"/>
-                <a:cs typeface="Abadi MT Condensed Light" charset="0"/>
+                <a:latin typeface="Adobe Arabic" panose="02040503050201020203" charset="0"/>
+                <a:ea typeface="Abadi MT Condensed Light" charset="0"/>
+                <a:cs typeface="Adobe Arabic" panose="02040503050201020203" charset="0"/>
               </a:rPr>
               <a:t>extractData</a:t>
             </a:r>
@@ -8716,9 +8732,9 @@
                     <a:alpha val="64000"/>
                   </a:schemeClr>
                 </a:solidFill>
-                <a:latin typeface="Abadi MT Condensed Light" charset="0"/>
-                <a:ea typeface="Abadi MT Condensed Light" charset="0"/>
-                <a:cs typeface="Abadi MT Condensed Light" charset="0"/>
+                <a:latin typeface="Adobe Arabic" panose="02040503050201020203" charset="0"/>
+                <a:ea typeface="Abadi MT Condensed Light" charset="0"/>
+                <a:cs typeface="Adobe Arabic" panose="02040503050201020203" charset="0"/>
               </a:rPr>
               <a:t>()</a:t>
             </a:r>
@@ -8728,9 +8744,9 @@
                   <a:alpha val="64000"/>
                 </a:schemeClr>
               </a:solidFill>
-              <a:latin typeface="Abadi MT Condensed Light" charset="0"/>
+              <a:latin typeface="Adobe Arabic" panose="02040503050201020203" charset="0"/>
               <a:ea typeface="Abadi MT Condensed Light" charset="0"/>
-              <a:cs typeface="Abadi MT Condensed Light" charset="0"/>
+              <a:cs typeface="Adobe Arabic" panose="02040503050201020203" charset="0"/>
             </a:endParaRPr>
           </a:p>
           <a:p>
@@ -8741,9 +8757,9 @@
                     <a:alpha val="64000"/>
                   </a:schemeClr>
                 </a:solidFill>
-                <a:latin typeface="Abadi MT Condensed Light" charset="0"/>
-                <a:ea typeface="Abadi MT Condensed Light" charset="0"/>
-                <a:cs typeface="Abadi MT Condensed Light" charset="0"/>
+                <a:latin typeface="Adobe Arabic" panose="02040503050201020203" charset="0"/>
+                <a:ea typeface="Abadi MT Condensed Light" charset="0"/>
+                <a:cs typeface="Adobe Arabic" panose="02040503050201020203" charset="0"/>
               </a:rPr>
               <a:t>getDiscountPercent</a:t>
             </a:r>
@@ -8754,9 +8770,9 @@
                     <a:alpha val="64000"/>
                   </a:schemeClr>
                 </a:solidFill>
-                <a:latin typeface="Abadi MT Condensed Light" charset="0"/>
-                <a:ea typeface="Abadi MT Condensed Light" charset="0"/>
-                <a:cs typeface="Abadi MT Condensed Light" charset="0"/>
+                <a:latin typeface="Adobe Arabic" panose="02040503050201020203" charset="0"/>
+                <a:ea typeface="Abadi MT Condensed Light" charset="0"/>
+                <a:cs typeface="Adobe Arabic" panose="02040503050201020203" charset="0"/>
               </a:rPr>
               <a:t>()</a:t>
             </a:r>
@@ -8766,9 +8782,9 @@
                   <a:alpha val="64000"/>
                 </a:schemeClr>
               </a:solidFill>
-              <a:latin typeface="Abadi MT Condensed Light" charset="0"/>
+              <a:latin typeface="Adobe Arabic" panose="02040503050201020203" charset="0"/>
               <a:ea typeface="Abadi MT Condensed Light" charset="0"/>
-              <a:cs typeface="Abadi MT Condensed Light" charset="0"/>
+              <a:cs typeface="Adobe Arabic" panose="02040503050201020203" charset="0"/>
             </a:endParaRPr>
           </a:p>
           <a:p>
@@ -8779,9 +8795,9 @@
                     <a:alpha val="64000"/>
                   </a:schemeClr>
                 </a:solidFill>
-                <a:latin typeface="Abadi MT Condensed Light" charset="0"/>
-                <a:ea typeface="Abadi MT Condensed Light" charset="0"/>
-                <a:cs typeface="Abadi MT Condensed Light" charset="0"/>
+                <a:latin typeface="Adobe Arabic" panose="02040503050201020203" charset="0"/>
+                <a:ea typeface="Abadi MT Condensed Light" charset="0"/>
+                <a:cs typeface="Adobe Arabic" panose="02040503050201020203" charset="0"/>
               </a:rPr>
               <a:t>getExchangeCurrency</a:t>
             </a:r>
@@ -8792,9 +8808,9 @@
                     <a:alpha val="64000"/>
                   </a:schemeClr>
                 </a:solidFill>
-                <a:latin typeface="Abadi MT Condensed Light" charset="0"/>
-                <a:ea typeface="Abadi MT Condensed Light" charset="0"/>
-                <a:cs typeface="Abadi MT Condensed Light" charset="0"/>
+                <a:latin typeface="Adobe Arabic" panose="02040503050201020203" charset="0"/>
+                <a:ea typeface="Abadi MT Condensed Light" charset="0"/>
+                <a:cs typeface="Adobe Arabic" panose="02040503050201020203" charset="0"/>
               </a:rPr>
               <a:t>()</a:t>
             </a:r>
@@ -8804,9 +8820,9 @@
                   <a:alpha val="64000"/>
                 </a:schemeClr>
               </a:solidFill>
-              <a:latin typeface="Abadi MT Condensed Light" charset="0"/>
+              <a:latin typeface="Adobe Arabic" panose="02040503050201020203" charset="0"/>
               <a:ea typeface="Abadi MT Condensed Light" charset="0"/>
-              <a:cs typeface="Abadi MT Condensed Light" charset="0"/>
+              <a:cs typeface="Adobe Arabic" panose="02040503050201020203" charset="0"/>
             </a:endParaRPr>
           </a:p>
         </p:txBody>
@@ -8844,21 +8860,21 @@
                     <a:alpha val="64000"/>
                   </a:schemeClr>
                 </a:solidFill>
-                <a:latin typeface="Abadi MT Condensed Light" charset="0"/>
-                <a:ea typeface="Abadi MT Condensed Light" charset="0"/>
-                <a:cs typeface="Abadi MT Condensed Light" charset="0"/>
+                <a:latin typeface="Adobe Arabic" panose="02040503050201020203" charset="0"/>
+                <a:ea typeface="Abadi MT Condensed Light" charset="0"/>
+                <a:cs typeface="Adobe Arabic" panose="02040503050201020203" charset="0"/>
               </a:rPr>
               <a:t>Amazon|20$|Gold</a:t>
             </a:r>
-            <a:endParaRPr lang="en-US" b="1" i="1" dirty="0">
+            <a:endParaRPr lang="en-US" b="1" i="1" dirty="0" smtClean="0">
               <a:solidFill>
                 <a:schemeClr val="tx1">
                   <a:alpha val="64000"/>
                 </a:schemeClr>
               </a:solidFill>
-              <a:latin typeface="Abadi MT Condensed Light" charset="0"/>
+              <a:latin typeface="Adobe Arabic" panose="02040503050201020203" charset="0"/>
               <a:ea typeface="Abadi MT Condensed Light" charset="0"/>
-              <a:cs typeface="Abadi MT Condensed Light" charset="0"/>
+              <a:cs typeface="Adobe Arabic" panose="02040503050201020203" charset="0"/>
             </a:endParaRPr>
           </a:p>
         </p:txBody>
@@ -8896,21 +8912,21 @@
                     <a:alpha val="64000"/>
                   </a:schemeClr>
                 </a:solidFill>
-                <a:latin typeface="Abadi MT Condensed Light" charset="0"/>
-                <a:ea typeface="Abadi MT Condensed Light" charset="0"/>
-                <a:cs typeface="Abadi MT Condensed Light" charset="0"/>
+                <a:latin typeface="Adobe Arabic" panose="02040503050201020203" charset="0"/>
+                <a:ea typeface="Abadi MT Condensed Light" charset="0"/>
+                <a:cs typeface="Adobe Arabic" panose="02040503050201020203" charset="0"/>
               </a:rPr>
               <a:t>Price: 20|Discount: Gold</a:t>
             </a:r>
-            <a:endParaRPr lang="en-US" b="1" i="1" dirty="0">
+            <a:endParaRPr lang="en-US" b="1" i="1" dirty="0" smtClean="0">
               <a:solidFill>
                 <a:schemeClr val="tx1">
                   <a:alpha val="64000"/>
                 </a:schemeClr>
               </a:solidFill>
-              <a:latin typeface="Abadi MT Condensed Light" charset="0"/>
+              <a:latin typeface="Adobe Arabic" panose="02040503050201020203" charset="0"/>
               <a:ea typeface="Abadi MT Condensed Light" charset="0"/>
-              <a:cs typeface="Abadi MT Condensed Light" charset="0"/>
+              <a:cs typeface="Adobe Arabic" panose="02040503050201020203" charset="0"/>
             </a:endParaRPr>
           </a:p>
         </p:txBody>
@@ -8948,21 +8964,21 @@
                     <a:alpha val="64000"/>
                   </a:schemeClr>
                 </a:solidFill>
-                <a:latin typeface="Abadi MT Condensed Light" charset="0"/>
-                <a:ea typeface="Abadi MT Condensed Light" charset="0"/>
-                <a:cs typeface="Abadi MT Condensed Light" charset="0"/>
+                <a:latin typeface="Adobe Arabic" panose="02040503050201020203" charset="0"/>
+                <a:ea typeface="Abadi MT Condensed Light" charset="0"/>
+                <a:cs typeface="Adobe Arabic" panose="02040503050201020203" charset="0"/>
               </a:rPr>
               <a:t>20%</a:t>
             </a:r>
-            <a:endParaRPr lang="en-US" b="1" i="1" dirty="0">
+            <a:endParaRPr lang="en-US" b="1" i="1" dirty="0" smtClean="0">
               <a:solidFill>
                 <a:schemeClr val="tx1">
                   <a:alpha val="64000"/>
                 </a:schemeClr>
               </a:solidFill>
-              <a:latin typeface="Abadi MT Condensed Light" charset="0"/>
+              <a:latin typeface="Adobe Arabic" panose="02040503050201020203" charset="0"/>
               <a:ea typeface="Abadi MT Condensed Light" charset="0"/>
-              <a:cs typeface="Abadi MT Condensed Light" charset="0"/>
+              <a:cs typeface="Adobe Arabic" panose="02040503050201020203" charset="0"/>
             </a:endParaRPr>
           </a:p>
         </p:txBody>
@@ -9000,21 +9016,21 @@
                     <a:alpha val="64000"/>
                   </a:schemeClr>
                 </a:solidFill>
-                <a:latin typeface="Abadi MT Condensed Light" charset="0"/>
-                <a:ea typeface="Abadi MT Condensed Light" charset="0"/>
-                <a:cs typeface="Abadi MT Condensed Light" charset="0"/>
+                <a:latin typeface="Adobe Arabic" panose="02040503050201020203" charset="0"/>
+                <a:ea typeface="Abadi MT Condensed Light" charset="0"/>
+                <a:cs typeface="Adobe Arabic" panose="02040503050201020203" charset="0"/>
               </a:rPr>
               <a:t>23000</a:t>
             </a:r>
-            <a:endParaRPr lang="en-US" b="1" i="1" dirty="0">
+            <a:endParaRPr lang="en-US" b="1" i="1" dirty="0" smtClean="0">
               <a:solidFill>
                 <a:schemeClr val="tx1">
                   <a:alpha val="64000"/>
                 </a:schemeClr>
               </a:solidFill>
-              <a:latin typeface="Abadi MT Condensed Light" charset="0"/>
+              <a:latin typeface="Adobe Arabic" panose="02040503050201020203" charset="0"/>
               <a:ea typeface="Abadi MT Condensed Light" charset="0"/>
-              <a:cs typeface="Abadi MT Condensed Light" charset="0"/>
+              <a:cs typeface="Adobe Arabic" panose="02040503050201020203" charset="0"/>
             </a:endParaRPr>
           </a:p>
         </p:txBody>
@@ -9073,21 +9089,21 @@
                     <a:alpha val="64000"/>
                   </a:schemeClr>
                 </a:solidFill>
-                <a:latin typeface="Abadi MT Condensed Light" charset="0"/>
-                <a:ea typeface="Abadi MT Condensed Light" charset="0"/>
-                <a:cs typeface="Abadi MT Condensed Light" charset="0"/>
+                <a:latin typeface="Adobe Arabic" panose="02040503050201020203" charset="0"/>
+                <a:ea typeface="Abadi MT Condensed Light" charset="0"/>
+                <a:cs typeface="Adobe Arabic" panose="02040503050201020203" charset="0"/>
               </a:rPr>
               <a:t>getPrice</a:t>
             </a:r>
-            <a:endParaRPr lang="en-US" sz="2000" dirty="0">
+            <a:endParaRPr lang="en-US" sz="2000" dirty="0" err="1" smtClean="0">
               <a:solidFill>
                 <a:schemeClr val="tx1">
                   <a:alpha val="64000"/>
                 </a:schemeClr>
               </a:solidFill>
-              <a:latin typeface="Abadi MT Condensed Light" charset="0"/>
+              <a:latin typeface="Adobe Arabic" panose="02040503050201020203" charset="0"/>
               <a:ea typeface="Abadi MT Condensed Light" charset="0"/>
-              <a:cs typeface="Abadi MT Condensed Light" charset="0"/>
+              <a:cs typeface="Adobe Arabic" panose="02040503050201020203" charset="0"/>
             </a:endParaRPr>
           </a:p>
         </p:txBody>
@@ -9142,9 +9158,9 @@
                     <a:alpha val="64000"/>
                   </a:schemeClr>
                 </a:solidFill>
-                <a:latin typeface="Abadi MT Condensed Light" charset="0"/>
-                <a:ea typeface="Abadi MT Condensed Light" charset="0"/>
-                <a:cs typeface="Abadi MT Condensed Light" charset="0"/>
+                <a:latin typeface="Adobe Arabic" panose="02040503050201020203" charset="0"/>
+                <a:ea typeface="Abadi MT Condensed Light" charset="0"/>
+                <a:cs typeface="Adobe Arabic" panose="02040503050201020203" charset="0"/>
               </a:rPr>
               <a:t>getNonDiscountPrice</a:t>
             </a:r>
@@ -9155,9 +9171,9 @@
                     <a:alpha val="64000"/>
                   </a:schemeClr>
                 </a:solidFill>
-                <a:latin typeface="Abadi MT Condensed Light" charset="0"/>
-                <a:ea typeface="Abadi MT Condensed Light" charset="0"/>
-                <a:cs typeface="Abadi MT Condensed Light" charset="0"/>
+                <a:latin typeface="Adobe Arabic" panose="02040503050201020203" charset="0"/>
+                <a:ea typeface="Abadi MT Condensed Light" charset="0"/>
+                <a:cs typeface="Adobe Arabic" panose="02040503050201020203" charset="0"/>
               </a:rPr>
               <a:t>()</a:t>
             </a:r>
@@ -9167,9 +9183,9 @@
                   <a:alpha val="64000"/>
                 </a:schemeClr>
               </a:solidFill>
-              <a:latin typeface="Abadi MT Condensed Light" charset="0"/>
+              <a:latin typeface="Adobe Arabic" panose="02040503050201020203" charset="0"/>
               <a:ea typeface="Abadi MT Condensed Light" charset="0"/>
-              <a:cs typeface="Abadi MT Condensed Light" charset="0"/>
+              <a:cs typeface="Adobe Arabic" panose="02040503050201020203" charset="0"/>
             </a:endParaRPr>
           </a:p>
           <a:p>
@@ -9180,9 +9196,9 @@
                     <a:alpha val="64000"/>
                   </a:schemeClr>
                 </a:solidFill>
-                <a:latin typeface="Abadi MT Condensed Light" charset="0"/>
-                <a:ea typeface="Abadi MT Condensed Light" charset="0"/>
-                <a:cs typeface="Abadi MT Condensed Light" charset="0"/>
+                <a:latin typeface="Adobe Arabic" panose="02040503050201020203" charset="0"/>
+                <a:ea typeface="Abadi MT Condensed Light" charset="0"/>
+                <a:cs typeface="Adobe Arabic" panose="02040503050201020203" charset="0"/>
               </a:rPr>
               <a:t>extractData</a:t>
             </a:r>
@@ -9193,9 +9209,9 @@
                     <a:alpha val="64000"/>
                   </a:schemeClr>
                 </a:solidFill>
-                <a:latin typeface="Abadi MT Condensed Light" charset="0"/>
-                <a:ea typeface="Abadi MT Condensed Light" charset="0"/>
-                <a:cs typeface="Abadi MT Condensed Light" charset="0"/>
+                <a:latin typeface="Adobe Arabic" panose="02040503050201020203" charset="0"/>
+                <a:ea typeface="Abadi MT Condensed Light" charset="0"/>
+                <a:cs typeface="Adobe Arabic" panose="02040503050201020203" charset="0"/>
               </a:rPr>
               <a:t>()</a:t>
             </a:r>
@@ -9205,9 +9221,9 @@
                   <a:alpha val="64000"/>
                 </a:schemeClr>
               </a:solidFill>
-              <a:latin typeface="Abadi MT Condensed Light" charset="0"/>
+              <a:latin typeface="Adobe Arabic" panose="02040503050201020203" charset="0"/>
               <a:ea typeface="Abadi MT Condensed Light" charset="0"/>
-              <a:cs typeface="Abadi MT Condensed Light" charset="0"/>
+              <a:cs typeface="Adobe Arabic" panose="02040503050201020203" charset="0"/>
             </a:endParaRPr>
           </a:p>
           <a:p>
@@ -9218,9 +9234,9 @@
                     <a:alpha val="64000"/>
                   </a:schemeClr>
                 </a:solidFill>
-                <a:latin typeface="Abadi MT Condensed Light" charset="0"/>
-                <a:ea typeface="Abadi MT Condensed Light" charset="0"/>
-                <a:cs typeface="Abadi MT Condensed Light" charset="0"/>
+                <a:latin typeface="Adobe Arabic" panose="02040503050201020203" charset="0"/>
+                <a:ea typeface="Abadi MT Condensed Light" charset="0"/>
+                <a:cs typeface="Adobe Arabic" panose="02040503050201020203" charset="0"/>
               </a:rPr>
               <a:t>getDiscountPercent</a:t>
             </a:r>
@@ -9231,9 +9247,9 @@
                     <a:alpha val="64000"/>
                   </a:schemeClr>
                 </a:solidFill>
-                <a:latin typeface="Abadi MT Condensed Light" charset="0"/>
-                <a:ea typeface="Abadi MT Condensed Light" charset="0"/>
-                <a:cs typeface="Abadi MT Condensed Light" charset="0"/>
+                <a:latin typeface="Adobe Arabic" panose="02040503050201020203" charset="0"/>
+                <a:ea typeface="Abadi MT Condensed Light" charset="0"/>
+                <a:cs typeface="Adobe Arabic" panose="02040503050201020203" charset="0"/>
               </a:rPr>
               <a:t>()</a:t>
             </a:r>
@@ -9243,9 +9259,9 @@
                   <a:alpha val="64000"/>
                 </a:schemeClr>
               </a:solidFill>
-              <a:latin typeface="Abadi MT Condensed Light" charset="0"/>
+              <a:latin typeface="Adobe Arabic" panose="02040503050201020203" charset="0"/>
               <a:ea typeface="Abadi MT Condensed Light" charset="0"/>
-              <a:cs typeface="Abadi MT Condensed Light" charset="0"/>
+              <a:cs typeface="Adobe Arabic" panose="02040503050201020203" charset="0"/>
             </a:endParaRPr>
           </a:p>
           <a:p>
@@ -9256,9 +9272,9 @@
                     <a:alpha val="64000"/>
                   </a:schemeClr>
                 </a:solidFill>
-                <a:latin typeface="Abadi MT Condensed Light" charset="0"/>
-                <a:ea typeface="Abadi MT Condensed Light" charset="0"/>
-                <a:cs typeface="Abadi MT Condensed Light" charset="0"/>
+                <a:latin typeface="Adobe Arabic" panose="02040503050201020203" charset="0"/>
+                <a:ea typeface="Abadi MT Condensed Light" charset="0"/>
+                <a:cs typeface="Adobe Arabic" panose="02040503050201020203" charset="0"/>
               </a:rPr>
               <a:t>getExchangeCurrency</a:t>
             </a:r>
@@ -9269,9 +9285,9 @@
                     <a:alpha val="64000"/>
                   </a:schemeClr>
                 </a:solidFill>
-                <a:latin typeface="Abadi MT Condensed Light" charset="0"/>
-                <a:ea typeface="Abadi MT Condensed Light" charset="0"/>
-                <a:cs typeface="Abadi MT Condensed Light" charset="0"/>
+                <a:latin typeface="Adobe Arabic" panose="02040503050201020203" charset="0"/>
+                <a:ea typeface="Abadi MT Condensed Light" charset="0"/>
+                <a:cs typeface="Adobe Arabic" panose="02040503050201020203" charset="0"/>
               </a:rPr>
               <a:t>()</a:t>
             </a:r>
@@ -9281,9 +9297,9 @@
                   <a:alpha val="64000"/>
                 </a:schemeClr>
               </a:solidFill>
-              <a:latin typeface="Abadi MT Condensed Light" charset="0"/>
+              <a:latin typeface="Adobe Arabic" panose="02040503050201020203" charset="0"/>
               <a:ea typeface="Abadi MT Condensed Light" charset="0"/>
-              <a:cs typeface="Abadi MT Condensed Light" charset="0"/>
+              <a:cs typeface="Adobe Arabic" panose="02040503050201020203" charset="0"/>
             </a:endParaRPr>
           </a:p>
         </p:txBody>
@@ -9321,21 +9337,21 @@
                     <a:alpha val="64000"/>
                   </a:schemeClr>
                 </a:solidFill>
-                <a:latin typeface="Abadi MT Condensed Light" charset="0"/>
-                <a:ea typeface="Abadi MT Condensed Light" charset="0"/>
-                <a:cs typeface="Abadi MT Condensed Light" charset="0"/>
+                <a:latin typeface="Adobe Arabic" panose="02040503050201020203" charset="0"/>
+                <a:ea typeface="Abadi MT Condensed Light" charset="0"/>
+                <a:cs typeface="Adobe Arabic" panose="02040503050201020203" charset="0"/>
               </a:rPr>
               <a:t>Ebay|20$|Silver</a:t>
             </a:r>
-            <a:endParaRPr lang="en-US" b="1" i="1" dirty="0">
+            <a:endParaRPr lang="en-US" b="1" i="1" dirty="0" smtClean="0">
               <a:solidFill>
                 <a:schemeClr val="tx1">
                   <a:alpha val="64000"/>
                 </a:schemeClr>
               </a:solidFill>
-              <a:latin typeface="Abadi MT Condensed Light" charset="0"/>
+              <a:latin typeface="Adobe Arabic" panose="02040503050201020203" charset="0"/>
               <a:ea typeface="Abadi MT Condensed Light" charset="0"/>
-              <a:cs typeface="Abadi MT Condensed Light" charset="0"/>
+              <a:cs typeface="Adobe Arabic" panose="02040503050201020203" charset="0"/>
             </a:endParaRPr>
           </a:p>
         </p:txBody>
@@ -9373,21 +9389,21 @@
                     <a:alpha val="64000"/>
                   </a:schemeClr>
                 </a:solidFill>
-                <a:latin typeface="Abadi MT Condensed Light" charset="0"/>
-                <a:ea typeface="Abadi MT Condensed Light" charset="0"/>
-                <a:cs typeface="Abadi MT Condensed Light" charset="0"/>
+                <a:latin typeface="Adobe Arabic" panose="02040503050201020203" charset="0"/>
+                <a:ea typeface="Abadi MT Condensed Light" charset="0"/>
+                <a:cs typeface="Adobe Arabic" panose="02040503050201020203" charset="0"/>
               </a:rPr>
               <a:t>Price: 25|Discount: Silver</a:t>
             </a:r>
-            <a:endParaRPr lang="en-US" b="1" i="1" dirty="0">
+            <a:endParaRPr lang="en-US" b="1" i="1" dirty="0" smtClean="0">
               <a:solidFill>
                 <a:schemeClr val="tx1">
                   <a:alpha val="64000"/>
                 </a:schemeClr>
               </a:solidFill>
-              <a:latin typeface="Abadi MT Condensed Light" charset="0"/>
+              <a:latin typeface="Adobe Arabic" panose="02040503050201020203" charset="0"/>
               <a:ea typeface="Abadi MT Condensed Light" charset="0"/>
-              <a:cs typeface="Abadi MT Condensed Light" charset="0"/>
+              <a:cs typeface="Adobe Arabic" panose="02040503050201020203" charset="0"/>
             </a:endParaRPr>
           </a:p>
         </p:txBody>
@@ -9425,21 +9441,21 @@
                     <a:alpha val="64000"/>
                   </a:schemeClr>
                 </a:solidFill>
-                <a:latin typeface="Abadi MT Condensed Light" charset="0"/>
-                <a:ea typeface="Abadi MT Condensed Light" charset="0"/>
-                <a:cs typeface="Abadi MT Condensed Light" charset="0"/>
+                <a:latin typeface="Adobe Arabic" panose="02040503050201020203" charset="0"/>
+                <a:ea typeface="Abadi MT Condensed Light" charset="0"/>
+                <a:cs typeface="Adobe Arabic" panose="02040503050201020203" charset="0"/>
               </a:rPr>
               <a:t>10%</a:t>
             </a:r>
-            <a:endParaRPr lang="en-US" b="1" i="1" dirty="0">
+            <a:endParaRPr lang="en-US" b="1" i="1" dirty="0" smtClean="0">
               <a:solidFill>
                 <a:schemeClr val="tx1">
                   <a:alpha val="64000"/>
                 </a:schemeClr>
               </a:solidFill>
-              <a:latin typeface="Abadi MT Condensed Light" charset="0"/>
+              <a:latin typeface="Adobe Arabic" panose="02040503050201020203" charset="0"/>
               <a:ea typeface="Abadi MT Condensed Light" charset="0"/>
-              <a:cs typeface="Abadi MT Condensed Light" charset="0"/>
+              <a:cs typeface="Adobe Arabic" panose="02040503050201020203" charset="0"/>
             </a:endParaRPr>
           </a:p>
         </p:txBody>
@@ -9477,21 +9493,21 @@
                     <a:alpha val="64000"/>
                   </a:schemeClr>
                 </a:solidFill>
-                <a:latin typeface="Abadi MT Condensed Light" charset="0"/>
-                <a:ea typeface="Abadi MT Condensed Light" charset="0"/>
-                <a:cs typeface="Abadi MT Condensed Light" charset="0"/>
+                <a:latin typeface="Adobe Arabic" panose="02040503050201020203" charset="0"/>
+                <a:ea typeface="Abadi MT Condensed Light" charset="0"/>
+                <a:cs typeface="Adobe Arabic" panose="02040503050201020203" charset="0"/>
               </a:rPr>
               <a:t>22500</a:t>
             </a:r>
-            <a:endParaRPr lang="en-US" b="1" i="1" dirty="0">
+            <a:endParaRPr lang="en-US" b="1" i="1" dirty="0" smtClean="0">
               <a:solidFill>
                 <a:schemeClr val="tx1">
                   <a:alpha val="64000"/>
                 </a:schemeClr>
               </a:solidFill>
-              <a:latin typeface="Abadi MT Condensed Light" charset="0"/>
+              <a:latin typeface="Adobe Arabic" panose="02040503050201020203" charset="0"/>
               <a:ea typeface="Abadi MT Condensed Light" charset="0"/>
-              <a:cs typeface="Abadi MT Condensed Light" charset="0"/>
+              <a:cs typeface="Adobe Arabic" panose="02040503050201020203" charset="0"/>
             </a:endParaRPr>
           </a:p>
         </p:txBody>
@@ -9545,9 +9561,9 @@
                 <a:solidFill>
                   <a:sysClr val="windowText" lastClr="000000"/>
                 </a:solidFill>
-                <a:latin typeface="Abadi MT Condensed Light" charset="0"/>
-                <a:ea typeface="Abadi MT Condensed Light" charset="0"/>
-                <a:cs typeface="Abadi MT Condensed Light" charset="0"/>
+                <a:latin typeface="Adobe Arabic" panose="02040503050201020203" charset="0"/>
+                <a:ea typeface="Abadi MT Condensed Light" charset="0"/>
+                <a:cs typeface="Adobe Arabic" panose="02040503050201020203" charset="0"/>
               </a:rPr>
               <a:t>getNonDiscountPrice</a:t>
             </a:r>
@@ -9556,9 +9572,9 @@
                 <a:solidFill>
                   <a:sysClr val="windowText" lastClr="000000"/>
                 </a:solidFill>
-                <a:latin typeface="Abadi MT Condensed Light" charset="0"/>
-                <a:ea typeface="Abadi MT Condensed Light" charset="0"/>
-                <a:cs typeface="Abadi MT Condensed Light" charset="0"/>
+                <a:latin typeface="Adobe Arabic" panose="02040503050201020203" charset="0"/>
+                <a:ea typeface="Abadi MT Condensed Light" charset="0"/>
+                <a:cs typeface="Adobe Arabic" panose="02040503050201020203" charset="0"/>
               </a:rPr>
               <a:t>()</a:t>
             </a:r>
@@ -9566,9 +9582,9 @@
               <a:solidFill>
                 <a:sysClr val="windowText" lastClr="000000"/>
               </a:solidFill>
-              <a:latin typeface="Abadi MT Condensed Light" charset="0"/>
+              <a:latin typeface="Adobe Arabic" panose="02040503050201020203" charset="0"/>
               <a:ea typeface="Abadi MT Condensed Light" charset="0"/>
-              <a:cs typeface="Abadi MT Condensed Light" charset="0"/>
+              <a:cs typeface="Adobe Arabic" panose="02040503050201020203" charset="0"/>
             </a:endParaRPr>
           </a:p>
         </p:txBody>
@@ -9622,9 +9638,9 @@
                 <a:solidFill>
                   <a:sysClr val="windowText" lastClr="000000"/>
                 </a:solidFill>
-                <a:latin typeface="Abadi MT Condensed Light" charset="0"/>
-                <a:ea typeface="Abadi MT Condensed Light" charset="0"/>
-                <a:cs typeface="Abadi MT Condensed Light" charset="0"/>
+                <a:latin typeface="Adobe Arabic" panose="02040503050201020203" charset="0"/>
+                <a:ea typeface="Abadi MT Condensed Light" charset="0"/>
+                <a:cs typeface="Adobe Arabic" panose="02040503050201020203" charset="0"/>
               </a:rPr>
               <a:t>extractData</a:t>
             </a:r>
@@ -9633,9 +9649,9 @@
                 <a:solidFill>
                   <a:sysClr val="windowText" lastClr="000000"/>
                 </a:solidFill>
-                <a:latin typeface="Abadi MT Condensed Light" charset="0"/>
-                <a:ea typeface="Abadi MT Condensed Light" charset="0"/>
-                <a:cs typeface="Abadi MT Condensed Light" charset="0"/>
+                <a:latin typeface="Adobe Arabic" panose="02040503050201020203" charset="0"/>
+                <a:ea typeface="Abadi MT Condensed Light" charset="0"/>
+                <a:cs typeface="Adobe Arabic" panose="02040503050201020203" charset="0"/>
               </a:rPr>
               <a:t>()</a:t>
             </a:r>
@@ -9643,9 +9659,9 @@
               <a:solidFill>
                 <a:sysClr val="windowText" lastClr="000000"/>
               </a:solidFill>
-              <a:latin typeface="Abadi MT Condensed Light" charset="0"/>
+              <a:latin typeface="Adobe Arabic" panose="02040503050201020203" charset="0"/>
               <a:ea typeface="Abadi MT Condensed Light" charset="0"/>
-              <a:cs typeface="Abadi MT Condensed Light" charset="0"/>
+              <a:cs typeface="Adobe Arabic" panose="02040503050201020203" charset="0"/>
             </a:endParaRPr>
           </a:p>
         </p:txBody>
@@ -9740,9 +9756,9 @@
                 <a:solidFill>
                   <a:sysClr val="windowText" lastClr="000000"/>
                 </a:solidFill>
-                <a:latin typeface="Abadi MT Condensed Light" charset="0"/>
-                <a:ea typeface="Abadi MT Condensed Light" charset="0"/>
-                <a:cs typeface="Abadi MT Condensed Light" charset="0"/>
+                <a:latin typeface="Adobe Arabic" panose="02040503050201020203" charset="0"/>
+                <a:ea typeface="Abadi MT Condensed Light" charset="0"/>
+                <a:cs typeface="Adobe Arabic" panose="02040503050201020203" charset="0"/>
               </a:rPr>
               <a:t>getExchangeCurrency</a:t>
             </a:r>
@@ -9751,9 +9767,9 @@
                 <a:solidFill>
                   <a:sysClr val="windowText" lastClr="000000"/>
                 </a:solidFill>
-                <a:latin typeface="Abadi MT Condensed Light" charset="0"/>
-                <a:ea typeface="Abadi MT Condensed Light" charset="0"/>
-                <a:cs typeface="Abadi MT Condensed Light" charset="0"/>
+                <a:latin typeface="Adobe Arabic" panose="02040503050201020203" charset="0"/>
+                <a:ea typeface="Abadi MT Condensed Light" charset="0"/>
+                <a:cs typeface="Adobe Arabic" panose="02040503050201020203" charset="0"/>
               </a:rPr>
               <a:t>()</a:t>
             </a:r>
@@ -9761,9 +9777,9 @@
               <a:solidFill>
                 <a:sysClr val="windowText" lastClr="000000"/>
               </a:solidFill>
-              <a:latin typeface="Abadi MT Condensed Light" charset="0"/>
+              <a:latin typeface="Adobe Arabic" panose="02040503050201020203" charset="0"/>
               <a:ea typeface="Abadi MT Condensed Light" charset="0"/>
-              <a:cs typeface="Abadi MT Condensed Light" charset="0"/>
+              <a:cs typeface="Adobe Arabic" panose="02040503050201020203" charset="0"/>
             </a:endParaRPr>
           </a:p>
         </p:txBody>
@@ -9855,9 +9871,9 @@
                 <a:solidFill>
                   <a:schemeClr val="tx1"/>
                 </a:solidFill>
-                <a:latin typeface="Abadi MT Condensed Light" charset="0"/>
-                <a:ea typeface="Abadi MT Condensed Light" charset="0"/>
-                <a:cs typeface="Abadi MT Condensed Light" charset="0"/>
+                <a:latin typeface="Adobe Arabic" panose="02040503050201020203" charset="0"/>
+                <a:ea typeface="Abadi MT Condensed Light" charset="0"/>
+                <a:cs typeface="Adobe Arabic" panose="02040503050201020203" charset="0"/>
               </a:rPr>
               <a:t>Separate </a:t>
             </a:r>
@@ -9865,9 +9881,9 @@
               <a:solidFill>
                 <a:schemeClr val="tx1"/>
               </a:solidFill>
-              <a:latin typeface="Abadi MT Condensed Light" charset="0"/>
+              <a:latin typeface="Adobe Arabic" panose="02040503050201020203" charset="0"/>
               <a:ea typeface="Abadi MT Condensed Light" charset="0"/>
-              <a:cs typeface="Abadi MT Condensed Light" charset="0"/>
+              <a:cs typeface="Adobe Arabic" panose="02040503050201020203" charset="0"/>
             </a:endParaRPr>
           </a:p>
           <a:p>
@@ -9877,9 +9893,9 @@
                 <a:solidFill>
                   <a:schemeClr val="tx1"/>
                 </a:solidFill>
-                <a:latin typeface="Abadi MT Condensed Light" charset="0"/>
-                <a:ea typeface="Abadi MT Condensed Light" charset="0"/>
-                <a:cs typeface="Abadi MT Condensed Light" charset="0"/>
+                <a:latin typeface="Adobe Arabic" panose="02040503050201020203" charset="0"/>
+                <a:ea typeface="Abadi MT Condensed Light" charset="0"/>
+                <a:cs typeface="Adobe Arabic" panose="02040503050201020203" charset="0"/>
               </a:rPr>
               <a:t>Thread 1 </a:t>
             </a:r>
@@ -9887,9 +9903,9 @@
               <a:solidFill>
                 <a:schemeClr val="tx1"/>
               </a:solidFill>
-              <a:latin typeface="Abadi MT Condensed Light" charset="0"/>
+              <a:latin typeface="Adobe Arabic" panose="02040503050201020203" charset="0"/>
               <a:ea typeface="Abadi MT Condensed Light" charset="0"/>
-              <a:cs typeface="Abadi MT Condensed Light" charset="0"/>
+              <a:cs typeface="Adobe Arabic" panose="02040503050201020203" charset="0"/>
             </a:endParaRPr>
           </a:p>
         </p:txBody>
@@ -9939,9 +9955,9 @@
                 <a:solidFill>
                   <a:schemeClr val="tx1"/>
                 </a:solidFill>
-                <a:latin typeface="Abadi MT Condensed Light" charset="0"/>
-                <a:ea typeface="Abadi MT Condensed Light" charset="0"/>
-                <a:cs typeface="Abadi MT Condensed Light" charset="0"/>
+                <a:latin typeface="Adobe Arabic" panose="02040503050201020203" charset="0"/>
+                <a:ea typeface="Abadi MT Condensed Light" charset="0"/>
+                <a:cs typeface="Adobe Arabic" panose="02040503050201020203" charset="0"/>
               </a:rPr>
               <a:t>Separate </a:t>
             </a:r>
@@ -9949,9 +9965,9 @@
               <a:solidFill>
                 <a:schemeClr val="tx1"/>
               </a:solidFill>
-              <a:latin typeface="Abadi MT Condensed Light" charset="0"/>
+              <a:latin typeface="Adobe Arabic" panose="02040503050201020203" charset="0"/>
               <a:ea typeface="Abadi MT Condensed Light" charset="0"/>
-              <a:cs typeface="Abadi MT Condensed Light" charset="0"/>
+              <a:cs typeface="Adobe Arabic" panose="02040503050201020203" charset="0"/>
             </a:endParaRPr>
           </a:p>
           <a:p>
@@ -9961,9 +9977,9 @@
                 <a:solidFill>
                   <a:schemeClr val="tx1"/>
                 </a:solidFill>
-                <a:latin typeface="Abadi MT Condensed Light" charset="0"/>
-                <a:ea typeface="Abadi MT Condensed Light" charset="0"/>
-                <a:cs typeface="Abadi MT Condensed Light" charset="0"/>
+                <a:latin typeface="Adobe Arabic" panose="02040503050201020203" charset="0"/>
+                <a:ea typeface="Abadi MT Condensed Light" charset="0"/>
+                <a:cs typeface="Adobe Arabic" panose="02040503050201020203" charset="0"/>
               </a:rPr>
               <a:t>Thread 2</a:t>
             </a:r>
@@ -9971,9 +9987,9 @@
               <a:solidFill>
                 <a:schemeClr val="tx1"/>
               </a:solidFill>
-              <a:latin typeface="Abadi MT Condensed Light" charset="0"/>
+              <a:latin typeface="Adobe Arabic" panose="02040503050201020203" charset="0"/>
               <a:ea typeface="Abadi MT Condensed Light" charset="0"/>
-              <a:cs typeface="Abadi MT Condensed Light" charset="0"/>
+              <a:cs typeface="Adobe Arabic" panose="02040503050201020203" charset="0"/>
             </a:endParaRPr>
           </a:p>
         </p:txBody>
@@ -10023,19 +10039,19 @@
                 <a:solidFill>
                   <a:srgbClr val="D78000"/>
                 </a:solidFill>
-                <a:latin typeface="Abadi MT Condensed Light" charset="0"/>
-                <a:ea typeface="Abadi MT Condensed Light" charset="0"/>
-                <a:cs typeface="Abadi MT Condensed Light" charset="0"/>
+                <a:latin typeface="Adobe Arabic" panose="02040503050201020203" charset="0"/>
+                <a:ea typeface="Abadi MT Condensed Light" charset="0"/>
+                <a:cs typeface="Adobe Arabic" panose="02040503050201020203" charset="0"/>
               </a:rPr>
               <a:t>Asynchronous</a:t>
             </a:r>
-            <a:endParaRPr lang="en-US" b="1" dirty="0">
+            <a:endParaRPr lang="en-US" b="1" dirty="0" smtClean="0">
               <a:solidFill>
                 <a:srgbClr val="D78000"/>
               </a:solidFill>
-              <a:latin typeface="Abadi MT Condensed Light" charset="0"/>
+              <a:latin typeface="Adobe Arabic" panose="02040503050201020203" charset="0"/>
               <a:ea typeface="Abadi MT Condensed Light" charset="0"/>
-              <a:cs typeface="Abadi MT Condensed Light" charset="0"/>
+              <a:cs typeface="Adobe Arabic" panose="02040503050201020203" charset="0"/>
             </a:endParaRPr>
           </a:p>
         </p:txBody>
@@ -10085,19 +10101,19 @@
                 <a:solidFill>
                   <a:srgbClr val="D78000"/>
                 </a:solidFill>
-                <a:latin typeface="Abadi MT Condensed Light" charset="0"/>
-                <a:ea typeface="Abadi MT Condensed Light" charset="0"/>
-                <a:cs typeface="Abadi MT Condensed Light" charset="0"/>
+                <a:latin typeface="Adobe Arabic" panose="02040503050201020203" charset="0"/>
+                <a:ea typeface="Abadi MT Condensed Light" charset="0"/>
+                <a:cs typeface="Adobe Arabic" panose="02040503050201020203" charset="0"/>
               </a:rPr>
               <a:t>Synchronous</a:t>
             </a:r>
-            <a:endParaRPr lang="en-US" b="1" dirty="0">
+            <a:endParaRPr lang="en-US" b="1" dirty="0" smtClean="0">
               <a:solidFill>
                 <a:srgbClr val="D78000"/>
               </a:solidFill>
-              <a:latin typeface="Abadi MT Condensed Light" charset="0"/>
+              <a:latin typeface="Adobe Arabic" panose="02040503050201020203" charset="0"/>
               <a:ea typeface="Abadi MT Condensed Light" charset="0"/>
-              <a:cs typeface="Abadi MT Condensed Light" charset="0"/>
+              <a:cs typeface="Adobe Arabic" panose="02040503050201020203" charset="0"/>
             </a:endParaRPr>
           </a:p>
         </p:txBody>
@@ -10156,8 +10172,8 @@
         </p:nvSpPr>
         <p:spPr>
           <a:xfrm>
-            <a:off x="683615" y="4263629"/>
-            <a:ext cx="2697502" cy="369332"/>
+            <a:off x="683895" y="4263390"/>
+            <a:ext cx="5044440" cy="368300"/>
           </a:xfrm>
           <a:prstGeom prst="rect">
             <a:avLst/>
@@ -10203,8 +10219,8 @@
         </p:nvSpPr>
         <p:spPr>
           <a:xfrm>
-            <a:off x="698873" y="3850363"/>
-            <a:ext cx="1524000" cy="369332"/>
+            <a:off x="699135" y="3850640"/>
+            <a:ext cx="3165475" cy="368300"/>
           </a:xfrm>
           <a:prstGeom prst="rect">
             <a:avLst/>
@@ -10350,7 +10366,10 @@
           <a:lstStyle/>
           <a:p>
             <a:pPr algn="ctr"/>
-            <a:endParaRPr lang="en-US"/>
+            <a:endParaRPr lang="en-US">
+              <a:latin typeface="Adobe Arabic" panose="02040503050201020203" charset="0"/>
+              <a:cs typeface="Adobe Arabic" panose="02040503050201020203" charset="0"/>
+            </a:endParaRPr>
           </a:p>
         </p:txBody>
       </p:sp>
@@ -11873,8 +11892,8 @@
         </p:nvSpPr>
         <p:spPr>
           <a:xfrm>
-            <a:off x="683615" y="4263629"/>
-            <a:ext cx="2697502" cy="369332"/>
+            <a:off x="683895" y="4263390"/>
+            <a:ext cx="4897120" cy="368300"/>
           </a:xfrm>
           <a:prstGeom prst="rect">
             <a:avLst/>
@@ -11920,8 +11939,8 @@
         </p:nvSpPr>
         <p:spPr>
           <a:xfrm>
-            <a:off x="698873" y="3850363"/>
-            <a:ext cx="1524000" cy="369332"/>
+            <a:off x="699135" y="3850640"/>
+            <a:ext cx="3046730" cy="368300"/>
           </a:xfrm>
           <a:prstGeom prst="rect">
             <a:avLst/>
@@ -12588,9 +12607,9 @@
                 <a:solidFill>
                   <a:sysClr val="windowText" lastClr="000000"/>
                 </a:solidFill>
-                <a:latin typeface="Abadi MT Condensed Light" charset="0"/>
-                <a:ea typeface="Abadi MT Condensed Light" charset="0"/>
-                <a:cs typeface="Abadi MT Condensed Light" charset="0"/>
+                <a:latin typeface="Adobe Arabic" panose="02040503050201020203" charset="0"/>
+                <a:ea typeface="Abadi MT Condensed Light" charset="0"/>
+                <a:cs typeface="Adobe Arabic" panose="02040503050201020203" charset="0"/>
               </a:rPr>
               <a:t>getNonDiscountPrice</a:t>
             </a:r>
@@ -12599,9 +12618,9 @@
                 <a:solidFill>
                   <a:sysClr val="windowText" lastClr="000000"/>
                 </a:solidFill>
-                <a:latin typeface="Abadi MT Condensed Light" charset="0"/>
-                <a:ea typeface="Abadi MT Condensed Light" charset="0"/>
-                <a:cs typeface="Abadi MT Condensed Light" charset="0"/>
+                <a:latin typeface="Adobe Arabic" panose="02040503050201020203" charset="0"/>
+                <a:ea typeface="Abadi MT Condensed Light" charset="0"/>
+                <a:cs typeface="Adobe Arabic" panose="02040503050201020203" charset="0"/>
               </a:rPr>
               <a:t>()</a:t>
             </a:r>
@@ -12609,9 +12628,9 @@
               <a:solidFill>
                 <a:sysClr val="windowText" lastClr="000000"/>
               </a:solidFill>
-              <a:latin typeface="Abadi MT Condensed Light" charset="0"/>
+              <a:latin typeface="Adobe Arabic" panose="02040503050201020203" charset="0"/>
               <a:ea typeface="Abadi MT Condensed Light" charset="0"/>
-              <a:cs typeface="Abadi MT Condensed Light" charset="0"/>
+              <a:cs typeface="Adobe Arabic" panose="02040503050201020203" charset="0"/>
             </a:endParaRPr>
           </a:p>
         </p:txBody>
@@ -12665,9 +12684,9 @@
                 <a:solidFill>
                   <a:sysClr val="windowText" lastClr="000000"/>
                 </a:solidFill>
-                <a:latin typeface="Abadi MT Condensed Light" charset="0"/>
-                <a:ea typeface="Abadi MT Condensed Light" charset="0"/>
-                <a:cs typeface="Abadi MT Condensed Light" charset="0"/>
+                <a:latin typeface="Adobe Arabic" panose="02040503050201020203" charset="0"/>
+                <a:ea typeface="Abadi MT Condensed Light" charset="0"/>
+                <a:cs typeface="Adobe Arabic" panose="02040503050201020203" charset="0"/>
               </a:rPr>
               <a:t>getDiscountPercent</a:t>
             </a:r>
@@ -12676,9 +12695,9 @@
                 <a:solidFill>
                   <a:sysClr val="windowText" lastClr="000000"/>
                 </a:solidFill>
-                <a:latin typeface="Abadi MT Condensed Light" charset="0"/>
-                <a:ea typeface="Abadi MT Condensed Light" charset="0"/>
-                <a:cs typeface="Abadi MT Condensed Light" charset="0"/>
+                <a:latin typeface="Adobe Arabic" panose="02040503050201020203" charset="0"/>
+                <a:ea typeface="Abadi MT Condensed Light" charset="0"/>
+                <a:cs typeface="Adobe Arabic" panose="02040503050201020203" charset="0"/>
               </a:rPr>
               <a:t>()</a:t>
             </a:r>
@@ -12686,9 +12705,9 @@
               <a:solidFill>
                 <a:sysClr val="windowText" lastClr="000000"/>
               </a:solidFill>
-              <a:latin typeface="Abadi MT Condensed Light" charset="0"/>
+              <a:latin typeface="Adobe Arabic" panose="02040503050201020203" charset="0"/>
               <a:ea typeface="Abadi MT Condensed Light" charset="0"/>
-              <a:cs typeface="Abadi MT Condensed Light" charset="0"/>
+              <a:cs typeface="Adobe Arabic" panose="02040503050201020203" charset="0"/>
             </a:endParaRPr>
           </a:p>
         </p:txBody>
@@ -12742,9 +12761,9 @@
                 <a:solidFill>
                   <a:sysClr val="windowText" lastClr="000000"/>
                 </a:solidFill>
-                <a:latin typeface="Abadi MT Condensed Light" charset="0"/>
-                <a:ea typeface="Abadi MT Condensed Light" charset="0"/>
-                <a:cs typeface="Abadi MT Condensed Light" charset="0"/>
+                <a:latin typeface="Adobe Arabic" panose="02040503050201020203" charset="0"/>
+                <a:ea typeface="Abadi MT Condensed Light" charset="0"/>
+                <a:cs typeface="Adobe Arabic" panose="02040503050201020203" charset="0"/>
               </a:rPr>
               <a:t>extractData</a:t>
             </a:r>
@@ -12753,9 +12772,9 @@
                 <a:solidFill>
                   <a:sysClr val="windowText" lastClr="000000"/>
                 </a:solidFill>
-                <a:latin typeface="Abadi MT Condensed Light" charset="0"/>
-                <a:ea typeface="Abadi MT Condensed Light" charset="0"/>
-                <a:cs typeface="Abadi MT Condensed Light" charset="0"/>
+                <a:latin typeface="Adobe Arabic" panose="02040503050201020203" charset="0"/>
+                <a:ea typeface="Abadi MT Condensed Light" charset="0"/>
+                <a:cs typeface="Adobe Arabic" panose="02040503050201020203" charset="0"/>
               </a:rPr>
               <a:t>()</a:t>
             </a:r>
@@ -12763,9 +12782,9 @@
               <a:solidFill>
                 <a:sysClr val="windowText" lastClr="000000"/>
               </a:solidFill>
-              <a:latin typeface="Abadi MT Condensed Light" charset="0"/>
+              <a:latin typeface="Adobe Arabic" panose="02040503050201020203" charset="0"/>
               <a:ea typeface="Abadi MT Condensed Light" charset="0"/>
-              <a:cs typeface="Abadi MT Condensed Light" charset="0"/>
+              <a:cs typeface="Adobe Arabic" panose="02040503050201020203" charset="0"/>
             </a:endParaRPr>
           </a:p>
         </p:txBody>
@@ -12941,9 +12960,9 @@
                 <a:solidFill>
                   <a:sysClr val="windowText" lastClr="000000"/>
                 </a:solidFill>
-                <a:latin typeface="Abadi MT Condensed Light" charset="0"/>
-                <a:ea typeface="Abadi MT Condensed Light" charset="0"/>
-                <a:cs typeface="Abadi MT Condensed Light" charset="0"/>
+                <a:latin typeface="Adobe Arabic" panose="02040503050201020203" charset="0"/>
+                <a:ea typeface="Abadi MT Condensed Light" charset="0"/>
+                <a:cs typeface="Adobe Arabic" panose="02040503050201020203" charset="0"/>
               </a:rPr>
               <a:t>findPrice</a:t>
             </a:r>
@@ -12952,9 +12971,9 @@
                 <a:solidFill>
                   <a:sysClr val="windowText" lastClr="000000"/>
                 </a:solidFill>
-                <a:latin typeface="Abadi MT Condensed Light" charset="0"/>
-                <a:ea typeface="Abadi MT Condensed Light" charset="0"/>
-                <a:cs typeface="Abadi MT Condensed Light" charset="0"/>
+                <a:latin typeface="Adobe Arabic" panose="02040503050201020203" charset="0"/>
+                <a:ea typeface="Abadi MT Condensed Light" charset="0"/>
+                <a:cs typeface="Adobe Arabic" panose="02040503050201020203" charset="0"/>
               </a:rPr>
               <a:t>()</a:t>
             </a:r>
@@ -12962,9 +12981,9 @@
               <a:solidFill>
                 <a:sysClr val="windowText" lastClr="000000"/>
               </a:solidFill>
-              <a:latin typeface="Abadi MT Condensed Light" charset="0"/>
+              <a:latin typeface="Adobe Arabic" panose="02040503050201020203" charset="0"/>
               <a:ea typeface="Abadi MT Condensed Light" charset="0"/>
-              <a:cs typeface="Abadi MT Condensed Light" charset="0"/>
+              <a:cs typeface="Adobe Arabic" panose="02040503050201020203" charset="0"/>
             </a:endParaRPr>
           </a:p>
         </p:txBody>
@@ -13058,9 +13077,9 @@
                 <a:solidFill>
                   <a:sysClr val="windowText" lastClr="000000"/>
                 </a:solidFill>
-                <a:latin typeface="Abadi MT Condensed Light" charset="0"/>
-                <a:ea typeface="Abadi MT Condensed Light" charset="0"/>
-                <a:cs typeface="Abadi MT Condensed Light" charset="0"/>
+                <a:latin typeface="Adobe Arabic" panose="02040503050201020203" charset="0"/>
+                <a:ea typeface="Abadi MT Condensed Light" charset="0"/>
+                <a:cs typeface="Adobe Arabic" panose="02040503050201020203" charset="0"/>
               </a:rPr>
               <a:t>getExchangeCurrency</a:t>
             </a:r>
@@ -13069,9 +13088,9 @@
                 <a:solidFill>
                   <a:sysClr val="windowText" lastClr="000000"/>
                 </a:solidFill>
-                <a:latin typeface="Abadi MT Condensed Light" charset="0"/>
-                <a:ea typeface="Abadi MT Condensed Light" charset="0"/>
-                <a:cs typeface="Abadi MT Condensed Light" charset="0"/>
+                <a:latin typeface="Adobe Arabic" panose="02040503050201020203" charset="0"/>
+                <a:ea typeface="Abadi MT Condensed Light" charset="0"/>
+                <a:cs typeface="Adobe Arabic" panose="02040503050201020203" charset="0"/>
               </a:rPr>
               <a:t>()</a:t>
             </a:r>
@@ -13079,9 +13098,9 @@
               <a:solidFill>
                 <a:sysClr val="windowText" lastClr="000000"/>
               </a:solidFill>
-              <a:latin typeface="Abadi MT Condensed Light" charset="0"/>
+              <a:latin typeface="Adobe Arabic" panose="02040503050201020203" charset="0"/>
               <a:ea typeface="Abadi MT Condensed Light" charset="0"/>
-              <a:cs typeface="Abadi MT Condensed Light" charset="0"/>
+              <a:cs typeface="Adobe Arabic" panose="02040503050201020203" charset="0"/>
             </a:endParaRPr>
           </a:p>
         </p:txBody>
@@ -13135,19 +13154,19 @@
                 <a:solidFill>
                   <a:sysClr val="windowText" lastClr="000000"/>
                 </a:solidFill>
-                <a:latin typeface="Abadi MT Condensed Light" charset="0"/>
-                <a:ea typeface="Abadi MT Condensed Light" charset="0"/>
-                <a:cs typeface="Abadi MT Condensed Light" charset="0"/>
+                <a:latin typeface="Adobe Arabic" panose="02040503050201020203" charset="0"/>
+                <a:ea typeface="Abadi MT Condensed Light" charset="0"/>
+                <a:cs typeface="Adobe Arabic" panose="02040503050201020203" charset="0"/>
               </a:rPr>
               <a:t>calculate()</a:t>
             </a:r>
-            <a:endParaRPr lang="en-US" sz="2000" dirty="0">
+            <a:endParaRPr lang="en-US" sz="2000" dirty="0" smtClean="0">
               <a:solidFill>
                 <a:sysClr val="windowText" lastClr="000000"/>
               </a:solidFill>
-              <a:latin typeface="Abadi MT Condensed Light" charset="0"/>
+              <a:latin typeface="Adobe Arabic" panose="02040503050201020203" charset="0"/>
               <a:ea typeface="Abadi MT Condensed Light" charset="0"/>
-              <a:cs typeface="Abadi MT Condensed Light" charset="0"/>
+              <a:cs typeface="Adobe Arabic" panose="02040503050201020203" charset="0"/>
             </a:endParaRPr>
           </a:p>
         </p:txBody>
@@ -13555,8 +13574,8 @@
         </p:nvSpPr>
         <p:spPr>
           <a:xfrm>
-            <a:off x="2503236" y="3299421"/>
-            <a:ext cx="4994262" cy="580768"/>
+            <a:off x="1287145" y="3299460"/>
+            <a:ext cx="6210300" cy="581025"/>
           </a:xfrm>
           <a:prstGeom prst="rect">
             <a:avLst/>
@@ -13605,7 +13624,7 @@
                 <a:ea typeface="Abadi MT Condensed Light" charset="0"/>
                 <a:cs typeface="Abadi MT Condensed Light" charset="0"/>
               </a:rPr>
-              <a:t>JAVA8					</a:t>
+              <a:t>JAVA8+					</a:t>
             </a:r>
             <a:r>
               <a:rPr lang="en-US" sz="3200" b="1" dirty="0" smtClean="0">
@@ -13712,7 +13731,7 @@
       </p:par>
     </p:tnLst>
     <p:bldLst>
-      <p:bldP spid="76" grpId="0"/>
+      <p:bldP spid="76" grpId="0" bldLvl="0" animBg="1"/>
     </p:bldLst>
   </p:timing>
 </p:sld>
@@ -14332,9 +14351,9 @@
                 <a:solidFill>
                   <a:sysClr val="windowText" lastClr="000000"/>
                 </a:solidFill>
-                <a:latin typeface="Abadi MT Condensed Light" charset="0"/>
-                <a:ea typeface="Abadi MT Condensed Light" charset="0"/>
-                <a:cs typeface="Abadi MT Condensed Light" charset="0"/>
+                <a:latin typeface="Adobe Arabic" panose="02040503050201020203" charset="0"/>
+                <a:ea typeface="Abadi MT Condensed Light" charset="0"/>
+                <a:cs typeface="Adobe Arabic" panose="02040503050201020203" charset="0"/>
               </a:rPr>
               <a:t>getNonDiscountPrice</a:t>
             </a:r>
@@ -14343,9 +14362,9 @@
                 <a:solidFill>
                   <a:sysClr val="windowText" lastClr="000000"/>
                 </a:solidFill>
-                <a:latin typeface="Abadi MT Condensed Light" charset="0"/>
-                <a:ea typeface="Abadi MT Condensed Light" charset="0"/>
-                <a:cs typeface="Abadi MT Condensed Light" charset="0"/>
+                <a:latin typeface="Adobe Arabic" panose="02040503050201020203" charset="0"/>
+                <a:ea typeface="Abadi MT Condensed Light" charset="0"/>
+                <a:cs typeface="Adobe Arabic" panose="02040503050201020203" charset="0"/>
               </a:rPr>
               <a:t>()</a:t>
             </a:r>
@@ -14353,9 +14372,9 @@
               <a:solidFill>
                 <a:sysClr val="windowText" lastClr="000000"/>
               </a:solidFill>
-              <a:latin typeface="Abadi MT Condensed Light" charset="0"/>
+              <a:latin typeface="Adobe Arabic" panose="02040503050201020203" charset="0"/>
               <a:ea typeface="Abadi MT Condensed Light" charset="0"/>
-              <a:cs typeface="Abadi MT Condensed Light" charset="0"/>
+              <a:cs typeface="Adobe Arabic" panose="02040503050201020203" charset="0"/>
             </a:endParaRPr>
           </a:p>
         </p:txBody>
@@ -14409,9 +14428,9 @@
                 <a:solidFill>
                   <a:sysClr val="windowText" lastClr="000000"/>
                 </a:solidFill>
-                <a:latin typeface="Abadi MT Condensed Light" charset="0"/>
-                <a:ea typeface="Abadi MT Condensed Light" charset="0"/>
-                <a:cs typeface="Abadi MT Condensed Light" charset="0"/>
+                <a:latin typeface="Adobe Arabic" panose="02040503050201020203" charset="0"/>
+                <a:ea typeface="Abadi MT Condensed Light" charset="0"/>
+                <a:cs typeface="Adobe Arabic" panose="02040503050201020203" charset="0"/>
               </a:rPr>
               <a:t>findPrice</a:t>
             </a:r>
@@ -14420,9 +14439,9 @@
                 <a:solidFill>
                   <a:sysClr val="windowText" lastClr="000000"/>
                 </a:solidFill>
-                <a:latin typeface="Abadi MT Condensed Light" charset="0"/>
-                <a:ea typeface="Abadi MT Condensed Light" charset="0"/>
-                <a:cs typeface="Abadi MT Condensed Light" charset="0"/>
+                <a:latin typeface="Adobe Arabic" panose="02040503050201020203" charset="0"/>
+                <a:ea typeface="Abadi MT Condensed Light" charset="0"/>
+                <a:cs typeface="Adobe Arabic" panose="02040503050201020203" charset="0"/>
               </a:rPr>
               <a:t>()</a:t>
             </a:r>
@@ -14430,9 +14449,9 @@
               <a:solidFill>
                 <a:sysClr val="windowText" lastClr="000000"/>
               </a:solidFill>
-              <a:latin typeface="Abadi MT Condensed Light" charset="0"/>
+              <a:latin typeface="Adobe Arabic" panose="02040503050201020203" charset="0"/>
               <a:ea typeface="Abadi MT Condensed Light" charset="0"/>
-              <a:cs typeface="Abadi MT Condensed Light" charset="0"/>
+              <a:cs typeface="Adobe Arabic" panose="02040503050201020203" charset="0"/>
             </a:endParaRPr>
           </a:p>
         </p:txBody>
@@ -14749,19 +14768,19 @@
                 <a:solidFill>
                   <a:srgbClr val="D78000"/>
                 </a:solidFill>
-                <a:latin typeface="Abadi MT Condensed Light" charset="0"/>
-                <a:ea typeface="Abadi MT Condensed Light" charset="0"/>
-                <a:cs typeface="Abadi MT Condensed Light" charset="0"/>
+                <a:latin typeface="Adobe Arabic" panose="02040503050201020203" charset="0"/>
+                <a:ea typeface="Abadi MT Condensed Light" charset="0"/>
+                <a:cs typeface="Adobe Arabic" panose="02040503050201020203" charset="0"/>
               </a:rPr>
               <a:t>Amazon|20$|Gold</a:t>
             </a:r>
-            <a:endParaRPr lang="en-US" b="1" i="1" dirty="0">
+            <a:endParaRPr lang="en-US" b="1" i="1" dirty="0" smtClean="0">
               <a:solidFill>
                 <a:srgbClr val="D78000"/>
               </a:solidFill>
-              <a:latin typeface="Abadi MT Condensed Light" charset="0"/>
+              <a:latin typeface="Adobe Arabic" panose="02040503050201020203" charset="0"/>
               <a:ea typeface="Abadi MT Condensed Light" charset="0"/>
-              <a:cs typeface="Abadi MT Condensed Light" charset="0"/>
+              <a:cs typeface="Adobe Arabic" panose="02040503050201020203" charset="0"/>
             </a:endParaRPr>
           </a:p>
         </p:txBody>
@@ -15594,9 +15613,9 @@
                 <a:solidFill>
                   <a:sysClr val="windowText" lastClr="000000"/>
                 </a:solidFill>
-                <a:latin typeface="Abadi MT Condensed Light" charset="0"/>
-                <a:ea typeface="Abadi MT Condensed Light" charset="0"/>
-                <a:cs typeface="Abadi MT Condensed Light" charset="0"/>
+                <a:latin typeface="Adobe Arabic" panose="02040503050201020203" charset="0"/>
+                <a:ea typeface="Abadi MT Condensed Light" charset="0"/>
+                <a:cs typeface="Adobe Arabic" panose="02040503050201020203" charset="0"/>
               </a:rPr>
               <a:t>getNonDiscountPrice</a:t>
             </a:r>
@@ -15605,9 +15624,9 @@
                 <a:solidFill>
                   <a:sysClr val="windowText" lastClr="000000"/>
                 </a:solidFill>
-                <a:latin typeface="Abadi MT Condensed Light" charset="0"/>
-                <a:ea typeface="Abadi MT Condensed Light" charset="0"/>
-                <a:cs typeface="Abadi MT Condensed Light" charset="0"/>
+                <a:latin typeface="Adobe Arabic" panose="02040503050201020203" charset="0"/>
+                <a:ea typeface="Abadi MT Condensed Light" charset="0"/>
+                <a:cs typeface="Adobe Arabic" panose="02040503050201020203" charset="0"/>
               </a:rPr>
               <a:t>()</a:t>
             </a:r>
@@ -15615,9 +15634,9 @@
               <a:solidFill>
                 <a:sysClr val="windowText" lastClr="000000"/>
               </a:solidFill>
-              <a:latin typeface="Abadi MT Condensed Light" charset="0"/>
+              <a:latin typeface="Adobe Arabic" panose="02040503050201020203" charset="0"/>
               <a:ea typeface="Abadi MT Condensed Light" charset="0"/>
-              <a:cs typeface="Abadi MT Condensed Light" charset="0"/>
+              <a:cs typeface="Adobe Arabic" panose="02040503050201020203" charset="0"/>
             </a:endParaRPr>
           </a:p>
         </p:txBody>
@@ -15671,9 +15690,9 @@
                 <a:solidFill>
                   <a:sysClr val="windowText" lastClr="000000"/>
                 </a:solidFill>
-                <a:latin typeface="Abadi MT Condensed Light" charset="0"/>
-                <a:ea typeface="Abadi MT Condensed Light" charset="0"/>
-                <a:cs typeface="Abadi MT Condensed Light" charset="0"/>
+                <a:latin typeface="Adobe Arabic" panose="02040503050201020203" charset="0"/>
+                <a:ea typeface="Abadi MT Condensed Light" charset="0"/>
+                <a:cs typeface="Adobe Arabic" panose="02040503050201020203" charset="0"/>
               </a:rPr>
               <a:t>findPrice</a:t>
             </a:r>
@@ -15682,9 +15701,9 @@
                 <a:solidFill>
                   <a:sysClr val="windowText" lastClr="000000"/>
                 </a:solidFill>
-                <a:latin typeface="Abadi MT Condensed Light" charset="0"/>
-                <a:ea typeface="Abadi MT Condensed Light" charset="0"/>
-                <a:cs typeface="Abadi MT Condensed Light" charset="0"/>
+                <a:latin typeface="Adobe Arabic" panose="02040503050201020203" charset="0"/>
+                <a:ea typeface="Abadi MT Condensed Light" charset="0"/>
+                <a:cs typeface="Adobe Arabic" panose="02040503050201020203" charset="0"/>
               </a:rPr>
               <a:t>()</a:t>
             </a:r>
@@ -15692,9 +15711,9 @@
               <a:solidFill>
                 <a:sysClr val="windowText" lastClr="000000"/>
               </a:solidFill>
-              <a:latin typeface="Abadi MT Condensed Light" charset="0"/>
+              <a:latin typeface="Adobe Arabic" panose="02040503050201020203" charset="0"/>
               <a:ea typeface="Abadi MT Condensed Light" charset="0"/>
-              <a:cs typeface="Abadi MT Condensed Light" charset="0"/>
+              <a:cs typeface="Adobe Arabic" panose="02040503050201020203" charset="0"/>
             </a:endParaRPr>
           </a:p>
         </p:txBody>
@@ -15910,9 +15929,9 @@
                 <a:solidFill>
                   <a:sysClr val="windowText" lastClr="000000"/>
                 </a:solidFill>
-                <a:latin typeface="Abadi MT Condensed Light" charset="0"/>
-                <a:ea typeface="Abadi MT Condensed Light" charset="0"/>
-                <a:cs typeface="Abadi MT Condensed Light" charset="0"/>
+                <a:latin typeface="Adobe Arabic" panose="02040503050201020203" charset="0"/>
+                <a:ea typeface="Abadi MT Condensed Light" charset="0"/>
+                <a:cs typeface="Adobe Arabic" panose="02040503050201020203" charset="0"/>
               </a:rPr>
               <a:t>getNonDiscountPrice</a:t>
             </a:r>
@@ -15921,9 +15940,9 @@
                 <a:solidFill>
                   <a:sysClr val="windowText" lastClr="000000"/>
                 </a:solidFill>
-                <a:latin typeface="Abadi MT Condensed Light" charset="0"/>
-                <a:ea typeface="Abadi MT Condensed Light" charset="0"/>
-                <a:cs typeface="Abadi MT Condensed Light" charset="0"/>
+                <a:latin typeface="Adobe Arabic" panose="02040503050201020203" charset="0"/>
+                <a:ea typeface="Abadi MT Condensed Light" charset="0"/>
+                <a:cs typeface="Adobe Arabic" panose="02040503050201020203" charset="0"/>
               </a:rPr>
               <a:t>()</a:t>
             </a:r>
@@ -15931,9 +15950,9 @@
               <a:solidFill>
                 <a:sysClr val="windowText" lastClr="000000"/>
               </a:solidFill>
-              <a:latin typeface="Abadi MT Condensed Light" charset="0"/>
+              <a:latin typeface="Adobe Arabic" panose="02040503050201020203" charset="0"/>
               <a:ea typeface="Abadi MT Condensed Light" charset="0"/>
-              <a:cs typeface="Abadi MT Condensed Light" charset="0"/>
+              <a:cs typeface="Adobe Arabic" panose="02040503050201020203" charset="0"/>
             </a:endParaRPr>
           </a:p>
         </p:txBody>
@@ -16265,19 +16284,19 @@
                 <a:solidFill>
                   <a:srgbClr val="D78000"/>
                 </a:solidFill>
-                <a:latin typeface="Abadi MT Condensed Light" charset="0"/>
-                <a:ea typeface="Abadi MT Condensed Light" charset="0"/>
-                <a:cs typeface="Abadi MT Condensed Light" charset="0"/>
+                <a:latin typeface="Adobe Arabic" panose="02040503050201020203" charset="0"/>
+                <a:ea typeface="Abadi MT Condensed Light" charset="0"/>
+                <a:cs typeface="Adobe Arabic" panose="02040503050201020203" charset="0"/>
               </a:rPr>
               <a:t>Amazon|20$|Gold</a:t>
             </a:r>
-            <a:endParaRPr lang="en-US" b="1" i="1" dirty="0">
+            <a:endParaRPr lang="en-US" b="1" i="1" dirty="0" smtClean="0">
               <a:solidFill>
                 <a:srgbClr val="D78000"/>
               </a:solidFill>
-              <a:latin typeface="Abadi MT Condensed Light" charset="0"/>
+              <a:latin typeface="Adobe Arabic" panose="02040503050201020203" charset="0"/>
               <a:ea typeface="Abadi MT Condensed Light" charset="0"/>
-              <a:cs typeface="Abadi MT Condensed Light" charset="0"/>
+              <a:cs typeface="Adobe Arabic" panose="02040503050201020203" charset="0"/>
             </a:endParaRPr>
           </a:p>
         </p:txBody>
@@ -17088,9 +17107,9 @@
                 <a:solidFill>
                   <a:sysClr val="windowText" lastClr="000000"/>
                 </a:solidFill>
-                <a:latin typeface="Abadi MT Condensed Light" charset="0"/>
-                <a:ea typeface="Abadi MT Condensed Light" charset="0"/>
-                <a:cs typeface="Abadi MT Condensed Light" charset="0"/>
+                <a:latin typeface="Adobe Arabic" panose="02040503050201020203" charset="0"/>
+                <a:ea typeface="Abadi MT Condensed Light" charset="0"/>
+                <a:cs typeface="Adobe Arabic" panose="02040503050201020203" charset="0"/>
               </a:rPr>
               <a:t>getNonDiscountPrice</a:t>
             </a:r>
@@ -17099,9 +17118,9 @@
                 <a:solidFill>
                   <a:sysClr val="windowText" lastClr="000000"/>
                 </a:solidFill>
-                <a:latin typeface="Abadi MT Condensed Light" charset="0"/>
-                <a:ea typeface="Abadi MT Condensed Light" charset="0"/>
-                <a:cs typeface="Abadi MT Condensed Light" charset="0"/>
+                <a:latin typeface="Adobe Arabic" panose="02040503050201020203" charset="0"/>
+                <a:ea typeface="Abadi MT Condensed Light" charset="0"/>
+                <a:cs typeface="Adobe Arabic" panose="02040503050201020203" charset="0"/>
               </a:rPr>
               <a:t>()</a:t>
             </a:r>
@@ -17109,9 +17128,9 @@
               <a:solidFill>
                 <a:sysClr val="windowText" lastClr="000000"/>
               </a:solidFill>
-              <a:latin typeface="Abadi MT Condensed Light" charset="0"/>
+              <a:latin typeface="Adobe Arabic" panose="02040503050201020203" charset="0"/>
               <a:ea typeface="Abadi MT Condensed Light" charset="0"/>
-              <a:cs typeface="Abadi MT Condensed Light" charset="0"/>
+              <a:cs typeface="Adobe Arabic" panose="02040503050201020203" charset="0"/>
             </a:endParaRPr>
           </a:p>
         </p:txBody>
@@ -17165,9 +17184,9 @@
                 <a:solidFill>
                   <a:sysClr val="windowText" lastClr="000000"/>
                 </a:solidFill>
-                <a:latin typeface="Abadi MT Condensed Light" charset="0"/>
-                <a:ea typeface="Abadi MT Condensed Light" charset="0"/>
-                <a:cs typeface="Abadi MT Condensed Light" charset="0"/>
+                <a:latin typeface="Adobe Arabic" panose="02040503050201020203" charset="0"/>
+                <a:ea typeface="Abadi MT Condensed Light" charset="0"/>
+                <a:cs typeface="Adobe Arabic" panose="02040503050201020203" charset="0"/>
               </a:rPr>
               <a:t>findPrice</a:t>
             </a:r>
@@ -17176,9 +17195,9 @@
                 <a:solidFill>
                   <a:sysClr val="windowText" lastClr="000000"/>
                 </a:solidFill>
-                <a:latin typeface="Abadi MT Condensed Light" charset="0"/>
-                <a:ea typeface="Abadi MT Condensed Light" charset="0"/>
-                <a:cs typeface="Abadi MT Condensed Light" charset="0"/>
+                <a:latin typeface="Adobe Arabic" panose="02040503050201020203" charset="0"/>
+                <a:ea typeface="Abadi MT Condensed Light" charset="0"/>
+                <a:cs typeface="Adobe Arabic" panose="02040503050201020203" charset="0"/>
               </a:rPr>
               <a:t>()</a:t>
             </a:r>
@@ -17186,9 +17205,9 @@
               <a:solidFill>
                 <a:sysClr val="windowText" lastClr="000000"/>
               </a:solidFill>
-              <a:latin typeface="Abadi MT Condensed Light" charset="0"/>
+              <a:latin typeface="Adobe Arabic" panose="02040503050201020203" charset="0"/>
               <a:ea typeface="Abadi MT Condensed Light" charset="0"/>
-              <a:cs typeface="Abadi MT Condensed Light" charset="0"/>
+              <a:cs typeface="Adobe Arabic" panose="02040503050201020203" charset="0"/>
             </a:endParaRPr>
           </a:p>
         </p:txBody>
@@ -17342,9 +17361,9 @@
                 <a:solidFill>
                   <a:sysClr val="windowText" lastClr="000000"/>
                 </a:solidFill>
-                <a:latin typeface="Abadi MT Condensed Light" charset="0"/>
-                <a:ea typeface="Abadi MT Condensed Light" charset="0"/>
-                <a:cs typeface="Abadi MT Condensed Light" charset="0"/>
+                <a:latin typeface="Adobe Arabic" panose="02040503050201020203" charset="0"/>
+                <a:ea typeface="Abadi MT Condensed Light" charset="0"/>
+                <a:cs typeface="Adobe Arabic" panose="02040503050201020203" charset="0"/>
               </a:rPr>
               <a:t>extractData</a:t>
             </a:r>
@@ -17353,9 +17372,9 @@
                 <a:solidFill>
                   <a:sysClr val="windowText" lastClr="000000"/>
                 </a:solidFill>
-                <a:latin typeface="Abadi MT Condensed Light" charset="0"/>
-                <a:ea typeface="Abadi MT Condensed Light" charset="0"/>
-                <a:cs typeface="Abadi MT Condensed Light" charset="0"/>
+                <a:latin typeface="Adobe Arabic" panose="02040503050201020203" charset="0"/>
+                <a:ea typeface="Abadi MT Condensed Light" charset="0"/>
+                <a:cs typeface="Adobe Arabic" panose="02040503050201020203" charset="0"/>
               </a:rPr>
               <a:t>()</a:t>
             </a:r>
@@ -17363,9 +17382,9 @@
               <a:solidFill>
                 <a:sysClr val="windowText" lastClr="000000"/>
               </a:solidFill>
-              <a:latin typeface="Abadi MT Condensed Light" charset="0"/>
+              <a:latin typeface="Adobe Arabic" panose="02040503050201020203" charset="0"/>
               <a:ea typeface="Abadi MT Condensed Light" charset="0"/>
-              <a:cs typeface="Abadi MT Condensed Light" charset="0"/>
+              <a:cs typeface="Adobe Arabic" panose="02040503050201020203" charset="0"/>
             </a:endParaRPr>
           </a:p>
         </p:txBody>
@@ -18703,9 +18722,9 @@
                 <a:solidFill>
                   <a:sysClr val="windowText" lastClr="000000"/>
                 </a:solidFill>
-                <a:latin typeface="Abadi MT Condensed Light" charset="0"/>
-                <a:ea typeface="Abadi MT Condensed Light" charset="0"/>
-                <a:cs typeface="Abadi MT Condensed Light" charset="0"/>
+                <a:latin typeface="Adobe Arabic" panose="02040503050201020203" charset="0"/>
+                <a:ea typeface="Abadi MT Condensed Light" charset="0"/>
+                <a:cs typeface="Adobe Arabic" panose="02040503050201020203" charset="0"/>
               </a:rPr>
               <a:t>getNonDiscountPrice</a:t>
             </a:r>
@@ -18714,9 +18733,9 @@
                 <a:solidFill>
                   <a:sysClr val="windowText" lastClr="000000"/>
                 </a:solidFill>
-                <a:latin typeface="Abadi MT Condensed Light" charset="0"/>
-                <a:ea typeface="Abadi MT Condensed Light" charset="0"/>
-                <a:cs typeface="Abadi MT Condensed Light" charset="0"/>
+                <a:latin typeface="Adobe Arabic" panose="02040503050201020203" charset="0"/>
+                <a:ea typeface="Abadi MT Condensed Light" charset="0"/>
+                <a:cs typeface="Adobe Arabic" panose="02040503050201020203" charset="0"/>
               </a:rPr>
               <a:t>()</a:t>
             </a:r>
@@ -18724,9 +18743,9 @@
               <a:solidFill>
                 <a:sysClr val="windowText" lastClr="000000"/>
               </a:solidFill>
-              <a:latin typeface="Abadi MT Condensed Light" charset="0"/>
+              <a:latin typeface="Adobe Arabic" panose="02040503050201020203" charset="0"/>
               <a:ea typeface="Abadi MT Condensed Light" charset="0"/>
-              <a:cs typeface="Abadi MT Condensed Light" charset="0"/>
+              <a:cs typeface="Adobe Arabic" panose="02040503050201020203" charset="0"/>
             </a:endParaRPr>
           </a:p>
         </p:txBody>
@@ -18780,9 +18799,9 @@
                 <a:solidFill>
                   <a:sysClr val="windowText" lastClr="000000"/>
                 </a:solidFill>
-                <a:latin typeface="Abadi MT Condensed Light" charset="0"/>
-                <a:ea typeface="Abadi MT Condensed Light" charset="0"/>
-                <a:cs typeface="Abadi MT Condensed Light" charset="0"/>
+                <a:latin typeface="Adobe Arabic" panose="02040503050201020203" charset="0"/>
+                <a:ea typeface="Abadi MT Condensed Light" charset="0"/>
+                <a:cs typeface="Adobe Arabic" panose="02040503050201020203" charset="0"/>
               </a:rPr>
               <a:t>findPrice</a:t>
             </a:r>
@@ -18791,9 +18810,9 @@
                 <a:solidFill>
                   <a:sysClr val="windowText" lastClr="000000"/>
                 </a:solidFill>
-                <a:latin typeface="Abadi MT Condensed Light" charset="0"/>
-                <a:ea typeface="Abadi MT Condensed Light" charset="0"/>
-                <a:cs typeface="Abadi MT Condensed Light" charset="0"/>
+                <a:latin typeface="Adobe Arabic" panose="02040503050201020203" charset="0"/>
+                <a:ea typeface="Abadi MT Condensed Light" charset="0"/>
+                <a:cs typeface="Adobe Arabic" panose="02040503050201020203" charset="0"/>
               </a:rPr>
               <a:t>()</a:t>
             </a:r>
@@ -18801,9 +18820,9 @@
               <a:solidFill>
                 <a:sysClr val="windowText" lastClr="000000"/>
               </a:solidFill>
-              <a:latin typeface="Abadi MT Condensed Light" charset="0"/>
+              <a:latin typeface="Adobe Arabic" panose="02040503050201020203" charset="0"/>
               <a:ea typeface="Abadi MT Condensed Light" charset="0"/>
-              <a:cs typeface="Abadi MT Condensed Light" charset="0"/>
+              <a:cs typeface="Adobe Arabic" panose="02040503050201020203" charset="0"/>
             </a:endParaRPr>
           </a:p>
         </p:txBody>
@@ -18957,9 +18976,9 @@
                 <a:solidFill>
                   <a:sysClr val="windowText" lastClr="000000"/>
                 </a:solidFill>
-                <a:latin typeface="Abadi MT Condensed Light" charset="0"/>
-                <a:ea typeface="Abadi MT Condensed Light" charset="0"/>
-                <a:cs typeface="Abadi MT Condensed Light" charset="0"/>
+                <a:latin typeface="Adobe Arabic" panose="02040503050201020203" charset="0"/>
+                <a:ea typeface="Abadi MT Condensed Light" charset="0"/>
+                <a:cs typeface="Adobe Arabic" panose="02040503050201020203" charset="0"/>
               </a:rPr>
               <a:t>extractData</a:t>
             </a:r>
@@ -18968,9 +18987,9 @@
                 <a:solidFill>
                   <a:sysClr val="windowText" lastClr="000000"/>
                 </a:solidFill>
-                <a:latin typeface="Abadi MT Condensed Light" charset="0"/>
-                <a:ea typeface="Abadi MT Condensed Light" charset="0"/>
-                <a:cs typeface="Abadi MT Condensed Light" charset="0"/>
+                <a:latin typeface="Adobe Arabic" panose="02040503050201020203" charset="0"/>
+                <a:ea typeface="Abadi MT Condensed Light" charset="0"/>
+                <a:cs typeface="Adobe Arabic" panose="02040503050201020203" charset="0"/>
               </a:rPr>
               <a:t>()</a:t>
             </a:r>
@@ -18978,9 +18997,9 @@
               <a:solidFill>
                 <a:sysClr val="windowText" lastClr="000000"/>
               </a:solidFill>
-              <a:latin typeface="Abadi MT Condensed Light" charset="0"/>
+              <a:latin typeface="Adobe Arabic" panose="02040503050201020203" charset="0"/>
               <a:ea typeface="Abadi MT Condensed Light" charset="0"/>
-              <a:cs typeface="Abadi MT Condensed Light" charset="0"/>
+              <a:cs typeface="Adobe Arabic" panose="02040503050201020203" charset="0"/>
             </a:endParaRPr>
           </a:p>
         </p:txBody>
@@ -19156,9 +19175,9 @@
                 <a:solidFill>
                   <a:sysClr val="windowText" lastClr="000000"/>
                 </a:solidFill>
-                <a:latin typeface="Abadi MT Condensed Light" charset="0"/>
-                <a:ea typeface="Abadi MT Condensed Light" charset="0"/>
-                <a:cs typeface="Abadi MT Condensed Light" charset="0"/>
+                <a:latin typeface="Adobe Arabic" panose="02040503050201020203" charset="0"/>
+                <a:ea typeface="Abadi MT Condensed Light" charset="0"/>
+                <a:cs typeface="Adobe Arabic" panose="02040503050201020203" charset="0"/>
               </a:rPr>
               <a:t>getDiscountPercent</a:t>
             </a:r>
@@ -19167,9 +19186,9 @@
                 <a:solidFill>
                   <a:sysClr val="windowText" lastClr="000000"/>
                 </a:solidFill>
-                <a:latin typeface="Abadi MT Condensed Light" charset="0"/>
-                <a:ea typeface="Abadi MT Condensed Light" charset="0"/>
-                <a:cs typeface="Abadi MT Condensed Light" charset="0"/>
+                <a:latin typeface="Adobe Arabic" panose="02040503050201020203" charset="0"/>
+                <a:ea typeface="Abadi MT Condensed Light" charset="0"/>
+                <a:cs typeface="Adobe Arabic" panose="02040503050201020203" charset="0"/>
               </a:rPr>
               <a:t>()</a:t>
             </a:r>
@@ -19177,9 +19196,9 @@
               <a:solidFill>
                 <a:sysClr val="windowText" lastClr="000000"/>
               </a:solidFill>
-              <a:latin typeface="Abadi MT Condensed Light" charset="0"/>
+              <a:latin typeface="Adobe Arabic" panose="02040503050201020203" charset="0"/>
               <a:ea typeface="Abadi MT Condensed Light" charset="0"/>
-              <a:cs typeface="Abadi MT Condensed Light" charset="0"/>
+              <a:cs typeface="Adobe Arabic" panose="02040503050201020203" charset="0"/>
             </a:endParaRPr>
           </a:p>
         </p:txBody>
@@ -19211,19 +19230,19 @@
                 <a:solidFill>
                   <a:srgbClr val="D78000"/>
                 </a:solidFill>
-                <a:latin typeface="Abadi MT Condensed Light" charset="0"/>
-                <a:ea typeface="Abadi MT Condensed Light" charset="0"/>
-                <a:cs typeface="Abadi MT Condensed Light" charset="0"/>
+                <a:latin typeface="Adobe Arabic" panose="02040503050201020203" charset="0"/>
+                <a:ea typeface="Abadi MT Condensed Light" charset="0"/>
+                <a:cs typeface="Adobe Arabic" panose="02040503050201020203" charset="0"/>
               </a:rPr>
               <a:t>20%</a:t>
             </a:r>
-            <a:endParaRPr lang="en-US" b="1" i="1" dirty="0">
+            <a:endParaRPr lang="en-US" b="1" i="1" dirty="0" smtClean="0">
               <a:solidFill>
                 <a:srgbClr val="D78000"/>
               </a:solidFill>
-              <a:latin typeface="Abadi MT Condensed Light" charset="0"/>
+              <a:latin typeface="Adobe Arabic" panose="02040503050201020203" charset="0"/>
               <a:ea typeface="Abadi MT Condensed Light" charset="0"/>
-              <a:cs typeface="Abadi MT Condensed Light" charset="0"/>
+              <a:cs typeface="Adobe Arabic" panose="02040503050201020203" charset="0"/>
             </a:endParaRPr>
           </a:p>
         </p:txBody>
@@ -19255,19 +19274,19 @@
                 <a:solidFill>
                   <a:srgbClr val="02A9F7"/>
                 </a:solidFill>
-                <a:latin typeface="Abadi MT Condensed Light" charset="0"/>
-                <a:ea typeface="Abadi MT Condensed Light" charset="0"/>
-                <a:cs typeface="Abadi MT Condensed Light" charset="0"/>
+                <a:latin typeface="Adobe Arabic" panose="02040503050201020203" charset="0"/>
+                <a:ea typeface="Abadi MT Condensed Light" charset="0"/>
+                <a:cs typeface="Adobe Arabic" panose="02040503050201020203" charset="0"/>
               </a:rPr>
               <a:t>Gold</a:t>
             </a:r>
-            <a:endParaRPr lang="en-US" b="1" i="1" dirty="0">
+            <a:endParaRPr lang="en-US" b="1" i="1" dirty="0" smtClean="0">
               <a:solidFill>
                 <a:srgbClr val="02A9F7"/>
               </a:solidFill>
-              <a:latin typeface="Abadi MT Condensed Light" charset="0"/>
+              <a:latin typeface="Adobe Arabic" panose="02040503050201020203" charset="0"/>
               <a:ea typeface="Abadi MT Condensed Light" charset="0"/>
-              <a:cs typeface="Abadi MT Condensed Light" charset="0"/>
+              <a:cs typeface="Adobe Arabic" panose="02040503050201020203" charset="0"/>
             </a:endParaRPr>
           </a:p>
         </p:txBody>
@@ -20565,9 +20584,9 @@
                 <a:solidFill>
                   <a:sysClr val="windowText" lastClr="000000"/>
                 </a:solidFill>
-                <a:latin typeface="Abadi MT Condensed Light" charset="0"/>
-                <a:ea typeface="Abadi MT Condensed Light" charset="0"/>
-                <a:cs typeface="Abadi MT Condensed Light" charset="0"/>
+                <a:latin typeface="Adobe Arabic" panose="02040503050201020203" charset="0"/>
+                <a:ea typeface="Abadi MT Condensed Light" charset="0"/>
+                <a:cs typeface="Adobe Arabic" panose="02040503050201020203" charset="0"/>
               </a:rPr>
               <a:t>getNonDiscountPrice</a:t>
             </a:r>
@@ -20576,9 +20595,9 @@
                 <a:solidFill>
                   <a:sysClr val="windowText" lastClr="000000"/>
                 </a:solidFill>
-                <a:latin typeface="Abadi MT Condensed Light" charset="0"/>
-                <a:ea typeface="Abadi MT Condensed Light" charset="0"/>
-                <a:cs typeface="Abadi MT Condensed Light" charset="0"/>
+                <a:latin typeface="Adobe Arabic" panose="02040503050201020203" charset="0"/>
+                <a:ea typeface="Abadi MT Condensed Light" charset="0"/>
+                <a:cs typeface="Adobe Arabic" panose="02040503050201020203" charset="0"/>
               </a:rPr>
               <a:t>()</a:t>
             </a:r>
@@ -20586,9 +20605,9 @@
               <a:solidFill>
                 <a:sysClr val="windowText" lastClr="000000"/>
               </a:solidFill>
-              <a:latin typeface="Abadi MT Condensed Light" charset="0"/>
+              <a:latin typeface="Adobe Arabic" panose="02040503050201020203" charset="0"/>
               <a:ea typeface="Abadi MT Condensed Light" charset="0"/>
-              <a:cs typeface="Abadi MT Condensed Light" charset="0"/>
+              <a:cs typeface="Adobe Arabic" panose="02040503050201020203" charset="0"/>
             </a:endParaRPr>
           </a:p>
         </p:txBody>
@@ -20642,9 +20661,9 @@
                 <a:solidFill>
                   <a:sysClr val="windowText" lastClr="000000"/>
                 </a:solidFill>
-                <a:latin typeface="Abadi MT Condensed Light" charset="0"/>
-                <a:ea typeface="Abadi MT Condensed Light" charset="0"/>
-                <a:cs typeface="Abadi MT Condensed Light" charset="0"/>
+                <a:latin typeface="Adobe Arabic" panose="02040503050201020203" charset="0"/>
+                <a:ea typeface="Abadi MT Condensed Light" charset="0"/>
+                <a:cs typeface="Adobe Arabic" panose="02040503050201020203" charset="0"/>
               </a:rPr>
               <a:t>findPrice</a:t>
             </a:r>
@@ -20653,9 +20672,9 @@
                 <a:solidFill>
                   <a:sysClr val="windowText" lastClr="000000"/>
                 </a:solidFill>
-                <a:latin typeface="Abadi MT Condensed Light" charset="0"/>
-                <a:ea typeface="Abadi MT Condensed Light" charset="0"/>
-                <a:cs typeface="Abadi MT Condensed Light" charset="0"/>
+                <a:latin typeface="Adobe Arabic" panose="02040503050201020203" charset="0"/>
+                <a:ea typeface="Abadi MT Condensed Light" charset="0"/>
+                <a:cs typeface="Adobe Arabic" panose="02040503050201020203" charset="0"/>
               </a:rPr>
               <a:t>()</a:t>
             </a:r>
@@ -20663,9 +20682,9 @@
               <a:solidFill>
                 <a:sysClr val="windowText" lastClr="000000"/>
               </a:solidFill>
-              <a:latin typeface="Abadi MT Condensed Light" charset="0"/>
+              <a:latin typeface="Adobe Arabic" panose="02040503050201020203" charset="0"/>
               <a:ea typeface="Abadi MT Condensed Light" charset="0"/>
-              <a:cs typeface="Abadi MT Condensed Light" charset="0"/>
+              <a:cs typeface="Adobe Arabic" panose="02040503050201020203" charset="0"/>
             </a:endParaRPr>
           </a:p>
         </p:txBody>
@@ -20819,9 +20838,9 @@
                 <a:solidFill>
                   <a:sysClr val="windowText" lastClr="000000"/>
                 </a:solidFill>
-                <a:latin typeface="Abadi MT Condensed Light" charset="0"/>
-                <a:ea typeface="Abadi MT Condensed Light" charset="0"/>
-                <a:cs typeface="Abadi MT Condensed Light" charset="0"/>
+                <a:latin typeface="Adobe Arabic" panose="02040503050201020203" charset="0"/>
+                <a:ea typeface="Abadi MT Condensed Light" charset="0"/>
+                <a:cs typeface="Adobe Arabic" panose="02040503050201020203" charset="0"/>
               </a:rPr>
               <a:t>extractData</a:t>
             </a:r>
@@ -20830,9 +20849,9 @@
                 <a:solidFill>
                   <a:sysClr val="windowText" lastClr="000000"/>
                 </a:solidFill>
-                <a:latin typeface="Abadi MT Condensed Light" charset="0"/>
-                <a:ea typeface="Abadi MT Condensed Light" charset="0"/>
-                <a:cs typeface="Abadi MT Condensed Light" charset="0"/>
+                <a:latin typeface="Adobe Arabic" panose="02040503050201020203" charset="0"/>
+                <a:ea typeface="Abadi MT Condensed Light" charset="0"/>
+                <a:cs typeface="Adobe Arabic" panose="02040503050201020203" charset="0"/>
               </a:rPr>
               <a:t>()</a:t>
             </a:r>
@@ -20840,9 +20859,9 @@
               <a:solidFill>
                 <a:sysClr val="windowText" lastClr="000000"/>
               </a:solidFill>
-              <a:latin typeface="Abadi MT Condensed Light" charset="0"/>
+              <a:latin typeface="Adobe Arabic" panose="02040503050201020203" charset="0"/>
               <a:ea typeface="Abadi MT Condensed Light" charset="0"/>
-              <a:cs typeface="Abadi MT Condensed Light" charset="0"/>
+              <a:cs typeface="Adobe Arabic" panose="02040503050201020203" charset="0"/>
             </a:endParaRPr>
           </a:p>
         </p:txBody>
@@ -20973,9 +20992,9 @@
                 <a:solidFill>
                   <a:sysClr val="windowText" lastClr="000000"/>
                 </a:solidFill>
-                <a:latin typeface="Abadi MT Condensed Light" charset="0"/>
-                <a:ea typeface="Abadi MT Condensed Light" charset="0"/>
-                <a:cs typeface="Abadi MT Condensed Light" charset="0"/>
+                <a:latin typeface="Adobe Arabic" panose="02040503050201020203" charset="0"/>
+                <a:ea typeface="Abadi MT Condensed Light" charset="0"/>
+                <a:cs typeface="Adobe Arabic" panose="02040503050201020203" charset="0"/>
               </a:rPr>
               <a:t>getDiscountPercent</a:t>
             </a:r>
@@ -20984,9 +21003,9 @@
                 <a:solidFill>
                   <a:sysClr val="windowText" lastClr="000000"/>
                 </a:solidFill>
-                <a:latin typeface="Abadi MT Condensed Light" charset="0"/>
-                <a:ea typeface="Abadi MT Condensed Light" charset="0"/>
-                <a:cs typeface="Abadi MT Condensed Light" charset="0"/>
+                <a:latin typeface="Adobe Arabic" panose="02040503050201020203" charset="0"/>
+                <a:ea typeface="Abadi MT Condensed Light" charset="0"/>
+                <a:cs typeface="Adobe Arabic" panose="02040503050201020203" charset="0"/>
               </a:rPr>
               <a:t>()</a:t>
             </a:r>
@@ -20994,9 +21013,9 @@
               <a:solidFill>
                 <a:sysClr val="windowText" lastClr="000000"/>
               </a:solidFill>
-              <a:latin typeface="Abadi MT Condensed Light" charset="0"/>
+              <a:latin typeface="Adobe Arabic" panose="02040503050201020203" charset="0"/>
               <a:ea typeface="Abadi MT Condensed Light" charset="0"/>
-              <a:cs typeface="Abadi MT Condensed Light" charset="0"/>
+              <a:cs typeface="Adobe Arabic" panose="02040503050201020203" charset="0"/>
             </a:endParaRPr>
           </a:p>
         </p:txBody>
@@ -21127,9 +21146,9 @@
                 <a:solidFill>
                   <a:sysClr val="windowText" lastClr="000000"/>
                 </a:solidFill>
-                <a:latin typeface="Abadi MT Condensed Light" charset="0"/>
-                <a:ea typeface="Abadi MT Condensed Light" charset="0"/>
-                <a:cs typeface="Abadi MT Condensed Light" charset="0"/>
+                <a:latin typeface="Adobe Arabic" panose="02040503050201020203" charset="0"/>
+                <a:ea typeface="Abadi MT Condensed Light" charset="0"/>
+                <a:cs typeface="Adobe Arabic" panose="02040503050201020203" charset="0"/>
               </a:rPr>
               <a:t>getExchangeCurrency</a:t>
             </a:r>
@@ -21138,9 +21157,9 @@
                 <a:solidFill>
                   <a:sysClr val="windowText" lastClr="000000"/>
                 </a:solidFill>
-                <a:latin typeface="Abadi MT Condensed Light" charset="0"/>
-                <a:ea typeface="Abadi MT Condensed Light" charset="0"/>
-                <a:cs typeface="Abadi MT Condensed Light" charset="0"/>
+                <a:latin typeface="Adobe Arabic" panose="02040503050201020203" charset="0"/>
+                <a:ea typeface="Abadi MT Condensed Light" charset="0"/>
+                <a:cs typeface="Adobe Arabic" panose="02040503050201020203" charset="0"/>
               </a:rPr>
               <a:t>()</a:t>
             </a:r>
@@ -21148,9 +21167,9 @@
               <a:solidFill>
                 <a:sysClr val="windowText" lastClr="000000"/>
               </a:solidFill>
-              <a:latin typeface="Abadi MT Condensed Light" charset="0"/>
+              <a:latin typeface="Adobe Arabic" panose="02040503050201020203" charset="0"/>
               <a:ea typeface="Abadi MT Condensed Light" charset="0"/>
-              <a:cs typeface="Abadi MT Condensed Light" charset="0"/>
+              <a:cs typeface="Adobe Arabic" panose="02040503050201020203" charset="0"/>
             </a:endParaRPr>
           </a:p>
         </p:txBody>
@@ -22011,19 +22030,19 @@
                 <a:solidFill>
                   <a:sysClr val="windowText" lastClr="000000"/>
                 </a:solidFill>
-                <a:latin typeface="Abadi MT Condensed Light" charset="0"/>
-                <a:ea typeface="Abadi MT Condensed Light" charset="0"/>
-                <a:cs typeface="Abadi MT Condensed Light" charset="0"/>
+                <a:latin typeface="Adobe Arabic" panose="02040503050201020203" charset="0"/>
+                <a:ea typeface="Abadi MT Condensed Light" charset="0"/>
+                <a:cs typeface="Adobe Arabic" panose="02040503050201020203" charset="0"/>
               </a:rPr>
               <a:t>calculate()</a:t>
             </a:r>
-            <a:endParaRPr lang="en-US" sz="2000" dirty="0">
+            <a:endParaRPr lang="en-US" sz="2000" dirty="0" smtClean="0">
               <a:solidFill>
                 <a:sysClr val="windowText" lastClr="000000"/>
               </a:solidFill>
-              <a:latin typeface="Abadi MT Condensed Light" charset="0"/>
+              <a:latin typeface="Adobe Arabic" panose="02040503050201020203" charset="0"/>
               <a:ea typeface="Abadi MT Condensed Light" charset="0"/>
-              <a:cs typeface="Abadi MT Condensed Light" charset="0"/>
+              <a:cs typeface="Adobe Arabic" panose="02040503050201020203" charset="0"/>
             </a:endParaRPr>
           </a:p>
         </p:txBody>
@@ -22137,9 +22156,9 @@
                 <a:solidFill>
                   <a:srgbClr val="02A9F7"/>
                 </a:solidFill>
-                <a:latin typeface="Abadi MT Condensed Light" charset="0"/>
-                <a:ea typeface="Abadi MT Condensed Light" charset="0"/>
-                <a:cs typeface="Abadi MT Condensed Light" charset="0"/>
+                <a:latin typeface="Adobe Arabic" panose="02040503050201020203" charset="0"/>
+                <a:ea typeface="Abadi MT Condensed Light" charset="0"/>
+                <a:cs typeface="Adobe Arabic" panose="02040503050201020203" charset="0"/>
               </a:rPr>
               <a:t>From:$ </a:t>
             </a:r>
@@ -22148,9 +22167,9 @@
                 <a:solidFill>
                   <a:srgbClr val="02A9F7"/>
                 </a:solidFill>
-                <a:latin typeface="Abadi MT Condensed Light" charset="0"/>
-                <a:ea typeface="Abadi MT Condensed Light" charset="0"/>
-                <a:cs typeface="Abadi MT Condensed Light" charset="0"/>
+                <a:latin typeface="Adobe Arabic" panose="02040503050201020203" charset="0"/>
+                <a:ea typeface="Abadi MT Condensed Light" charset="0"/>
+                <a:cs typeface="Adobe Arabic" panose="02040503050201020203" charset="0"/>
               </a:rPr>
               <a:t>To:VND</a:t>
             </a:r>
@@ -22158,9 +22177,9 @@
               <a:solidFill>
                 <a:srgbClr val="02A9F7"/>
               </a:solidFill>
-              <a:latin typeface="Abadi MT Condensed Light" charset="0"/>
+              <a:latin typeface="Adobe Arabic" panose="02040503050201020203" charset="0"/>
               <a:ea typeface="Abadi MT Condensed Light" charset="0"/>
-              <a:cs typeface="Abadi MT Condensed Light" charset="0"/>
+              <a:cs typeface="Adobe Arabic" panose="02040503050201020203" charset="0"/>
             </a:endParaRPr>
           </a:p>
         </p:txBody>
@@ -22236,19 +22255,19 @@
                 <a:solidFill>
                   <a:srgbClr val="D78000"/>
                 </a:solidFill>
-                <a:latin typeface="Abadi MT Condensed Light" charset="0"/>
-                <a:ea typeface="Abadi MT Condensed Light" charset="0"/>
-                <a:cs typeface="Abadi MT Condensed Light" charset="0"/>
+                <a:latin typeface="Adobe Arabic" panose="02040503050201020203" charset="0"/>
+                <a:ea typeface="Abadi MT Condensed Light" charset="0"/>
+                <a:cs typeface="Adobe Arabic" panose="02040503050201020203" charset="0"/>
               </a:rPr>
               <a:t>Quote</a:t>
             </a:r>
-            <a:endParaRPr lang="en-US" b="1" i="1" dirty="0">
+            <a:endParaRPr lang="en-US" b="1" i="1" dirty="0" smtClean="0">
               <a:solidFill>
                 <a:srgbClr val="D78000"/>
               </a:solidFill>
-              <a:latin typeface="Abadi MT Condensed Light" charset="0"/>
+              <a:latin typeface="Adobe Arabic" panose="02040503050201020203" charset="0"/>
               <a:ea typeface="Abadi MT Condensed Light" charset="0"/>
-              <a:cs typeface="Abadi MT Condensed Light" charset="0"/>
+              <a:cs typeface="Adobe Arabic" panose="02040503050201020203" charset="0"/>
             </a:endParaRPr>
           </a:p>
         </p:txBody>
@@ -23079,9 +23098,9 @@
                 <a:solidFill>
                   <a:sysClr val="windowText" lastClr="000000"/>
                 </a:solidFill>
-                <a:latin typeface="Abadi MT Condensed Light" charset="0"/>
-                <a:ea typeface="Abadi MT Condensed Light" charset="0"/>
-                <a:cs typeface="Abadi MT Condensed Light" charset="0"/>
+                <a:latin typeface="Adobe Arabic" panose="02040503050201020203" charset="0"/>
+                <a:ea typeface="Abadi MT Condensed Light" charset="0"/>
+                <a:cs typeface="Adobe Arabic" panose="02040503050201020203" charset="0"/>
               </a:rPr>
               <a:t>findPrice</a:t>
             </a:r>
@@ -23090,9 +23109,9 @@
                 <a:solidFill>
                   <a:sysClr val="windowText" lastClr="000000"/>
                 </a:solidFill>
-                <a:latin typeface="Abadi MT Condensed Light" charset="0"/>
-                <a:ea typeface="Abadi MT Condensed Light" charset="0"/>
-                <a:cs typeface="Abadi MT Condensed Light" charset="0"/>
+                <a:latin typeface="Adobe Arabic" panose="02040503050201020203" charset="0"/>
+                <a:ea typeface="Abadi MT Condensed Light" charset="0"/>
+                <a:cs typeface="Adobe Arabic" panose="02040503050201020203" charset="0"/>
               </a:rPr>
               <a:t>()</a:t>
             </a:r>
@@ -23100,9 +23119,9 @@
               <a:solidFill>
                 <a:sysClr val="windowText" lastClr="000000"/>
               </a:solidFill>
-              <a:latin typeface="Abadi MT Condensed Light" charset="0"/>
+              <a:latin typeface="Adobe Arabic" panose="02040503050201020203" charset="0"/>
               <a:ea typeface="Abadi MT Condensed Light" charset="0"/>
-              <a:cs typeface="Abadi MT Condensed Light" charset="0"/>
+              <a:cs typeface="Adobe Arabic" panose="02040503050201020203" charset="0"/>
             </a:endParaRPr>
           </a:p>
         </p:txBody>
@@ -23156,9 +23175,9 @@
                 <a:solidFill>
                   <a:sysClr val="windowText" lastClr="000000"/>
                 </a:solidFill>
-                <a:latin typeface="Abadi MT Condensed Light" charset="0"/>
-                <a:ea typeface="Abadi MT Condensed Light" charset="0"/>
-                <a:cs typeface="Abadi MT Condensed Light" charset="0"/>
+                <a:latin typeface="Adobe Arabic" panose="02040503050201020203" charset="0"/>
+                <a:ea typeface="Abadi MT Condensed Light" charset="0"/>
+                <a:cs typeface="Adobe Arabic" panose="02040503050201020203" charset="0"/>
               </a:rPr>
               <a:t>findPrice</a:t>
             </a:r>
@@ -23167,9 +23186,9 @@
                 <a:solidFill>
                   <a:sysClr val="windowText" lastClr="000000"/>
                 </a:solidFill>
-                <a:latin typeface="Abadi MT Condensed Light" charset="0"/>
-                <a:ea typeface="Abadi MT Condensed Light" charset="0"/>
-                <a:cs typeface="Abadi MT Condensed Light" charset="0"/>
+                <a:latin typeface="Adobe Arabic" panose="02040503050201020203" charset="0"/>
+                <a:ea typeface="Abadi MT Condensed Light" charset="0"/>
+                <a:cs typeface="Adobe Arabic" panose="02040503050201020203" charset="0"/>
               </a:rPr>
               <a:t>()</a:t>
             </a:r>
@@ -23177,9 +23196,9 @@
               <a:solidFill>
                 <a:sysClr val="windowText" lastClr="000000"/>
               </a:solidFill>
-              <a:latin typeface="Abadi MT Condensed Light" charset="0"/>
+              <a:latin typeface="Adobe Arabic" panose="02040503050201020203" charset="0"/>
               <a:ea typeface="Abadi MT Condensed Light" charset="0"/>
-              <a:cs typeface="Abadi MT Condensed Light" charset="0"/>
+              <a:cs typeface="Adobe Arabic" panose="02040503050201020203" charset="0"/>
             </a:endParaRPr>
           </a:p>
         </p:txBody>
@@ -23229,19 +23248,19 @@
                 <a:solidFill>
                   <a:sysClr val="windowText" lastClr="000000"/>
                 </a:solidFill>
-                <a:latin typeface="Abadi MT Condensed Light" charset="0"/>
-                <a:ea typeface="Abadi MT Condensed Light" charset="0"/>
-                <a:cs typeface="Abadi MT Condensed Light" charset="0"/>
+                <a:latin typeface="Adobe Arabic" panose="02040503050201020203" charset="0"/>
+                <a:ea typeface="Abadi MT Condensed Light" charset="0"/>
+                <a:cs typeface="Adobe Arabic" panose="02040503050201020203" charset="0"/>
               </a:rPr>
               <a:t>Executor Thread</a:t>
             </a:r>
-            <a:endParaRPr lang="en-US" sz="2400" b="1" dirty="0">
+            <a:endParaRPr lang="en-US" sz="2400" b="1" dirty="0" smtClean="0">
               <a:solidFill>
                 <a:sysClr val="windowText" lastClr="000000"/>
               </a:solidFill>
-              <a:latin typeface="Abadi MT Condensed Light" charset="0"/>
+              <a:latin typeface="Adobe Arabic" panose="02040503050201020203" charset="0"/>
               <a:ea typeface="Abadi MT Condensed Light" charset="0"/>
-              <a:cs typeface="Abadi MT Condensed Light" charset="0"/>
+              <a:cs typeface="Adobe Arabic" panose="02040503050201020203" charset="0"/>
             </a:endParaRPr>
           </a:p>
         </p:txBody>
@@ -23291,19 +23310,19 @@
                 <a:solidFill>
                   <a:sysClr val="windowText" lastClr="000000"/>
                 </a:solidFill>
-                <a:latin typeface="Abadi MT Condensed Light" charset="0"/>
-                <a:ea typeface="Abadi MT Condensed Light" charset="0"/>
-                <a:cs typeface="Abadi MT Condensed Light" charset="0"/>
+                <a:latin typeface="Adobe Arabic" panose="02040503050201020203" charset="0"/>
+                <a:ea typeface="Abadi MT Condensed Light" charset="0"/>
+                <a:cs typeface="Adobe Arabic" panose="02040503050201020203" charset="0"/>
               </a:rPr>
               <a:t>Executor Thread</a:t>
             </a:r>
-            <a:endParaRPr lang="en-US" sz="2400" b="1" dirty="0">
+            <a:endParaRPr lang="en-US" sz="2400" b="1" dirty="0" smtClean="0">
               <a:solidFill>
                 <a:sysClr val="windowText" lastClr="000000"/>
               </a:solidFill>
-              <a:latin typeface="Abadi MT Condensed Light" charset="0"/>
+              <a:latin typeface="Adobe Arabic" panose="02040503050201020203" charset="0"/>
               <a:ea typeface="Abadi MT Condensed Light" charset="0"/>
-              <a:cs typeface="Abadi MT Condensed Light" charset="0"/>
+              <a:cs typeface="Adobe Arabic" panose="02040503050201020203" charset="0"/>
             </a:endParaRPr>
           </a:p>
         </p:txBody>
@@ -23463,19 +23482,19 @@
                 <a:solidFill>
                   <a:sysClr val="windowText" lastClr="000000"/>
                 </a:solidFill>
-                <a:latin typeface="Abadi MT Condensed Light" charset="0"/>
-                <a:ea typeface="Abadi MT Condensed Light" charset="0"/>
-                <a:cs typeface="Abadi MT Condensed Light" charset="0"/>
+                <a:latin typeface="Adobe Arabic" panose="02040503050201020203" charset="0"/>
+                <a:ea typeface="Abadi MT Condensed Light" charset="0"/>
+                <a:cs typeface="Adobe Arabic" panose="02040503050201020203" charset="0"/>
               </a:rPr>
               <a:t>join()</a:t>
             </a:r>
-            <a:endParaRPr lang="en-US" sz="2000" dirty="0">
+            <a:endParaRPr lang="en-US" sz="2000" dirty="0" smtClean="0">
               <a:solidFill>
                 <a:sysClr val="windowText" lastClr="000000"/>
               </a:solidFill>
-              <a:latin typeface="Abadi MT Condensed Light" charset="0"/>
+              <a:latin typeface="Adobe Arabic" panose="02040503050201020203" charset="0"/>
               <a:ea typeface="Abadi MT Condensed Light" charset="0"/>
-              <a:cs typeface="Abadi MT Condensed Light" charset="0"/>
+              <a:cs typeface="Adobe Arabic" panose="02040503050201020203" charset="0"/>
             </a:endParaRPr>
           </a:p>
         </p:txBody>
@@ -23565,9 +23584,9 @@
                 <a:solidFill>
                   <a:sysClr val="windowText" lastClr="000000"/>
                 </a:solidFill>
-                <a:latin typeface="Abadi MT Condensed Light" charset="0"/>
-                <a:ea typeface="Abadi MT Condensed Light" charset="0"/>
-                <a:cs typeface="Abadi MT Condensed Light" charset="0"/>
+                <a:latin typeface="Adobe Arabic" panose="02040503050201020203" charset="0"/>
+                <a:ea typeface="Abadi MT Condensed Light" charset="0"/>
+                <a:cs typeface="Adobe Arabic" panose="02040503050201020203" charset="0"/>
               </a:rPr>
               <a:t>thenAccept</a:t>
             </a:r>
@@ -23576,9 +23595,9 @@
                 <a:solidFill>
                   <a:sysClr val="windowText" lastClr="000000"/>
                 </a:solidFill>
-                <a:latin typeface="Abadi MT Condensed Light" charset="0"/>
-                <a:ea typeface="Abadi MT Condensed Light" charset="0"/>
-                <a:cs typeface="Abadi MT Condensed Light" charset="0"/>
+                <a:latin typeface="Adobe Arabic" panose="02040503050201020203" charset="0"/>
+                <a:ea typeface="Abadi MT Condensed Light" charset="0"/>
+                <a:cs typeface="Adobe Arabic" panose="02040503050201020203" charset="0"/>
               </a:rPr>
               <a:t>()</a:t>
             </a:r>
@@ -23586,9 +23605,9 @@
               <a:solidFill>
                 <a:sysClr val="windowText" lastClr="000000"/>
               </a:solidFill>
-              <a:latin typeface="Abadi MT Condensed Light" charset="0"/>
+              <a:latin typeface="Adobe Arabic" panose="02040503050201020203" charset="0"/>
               <a:ea typeface="Abadi MT Condensed Light" charset="0"/>
-              <a:cs typeface="Abadi MT Condensed Light" charset="0"/>
+              <a:cs typeface="Adobe Arabic" panose="02040503050201020203" charset="0"/>
             </a:endParaRPr>
           </a:p>
         </p:txBody>
@@ -23638,9 +23657,9 @@
                 <a:solidFill>
                   <a:sysClr val="windowText" lastClr="000000"/>
                 </a:solidFill>
-                <a:latin typeface="Abadi MT Condensed Light" charset="0"/>
-                <a:ea typeface="Abadi MT Condensed Light" charset="0"/>
-                <a:cs typeface="Abadi MT Condensed Light" charset="0"/>
+                <a:latin typeface="Adobe Arabic" panose="02040503050201020203" charset="0"/>
+                <a:ea typeface="Abadi MT Condensed Light" charset="0"/>
+                <a:cs typeface="Adobe Arabic" panose="02040503050201020203" charset="0"/>
               </a:rPr>
               <a:t>thenAccept</a:t>
             </a:r>
@@ -23649,9 +23668,9 @@
                 <a:solidFill>
                   <a:sysClr val="windowText" lastClr="000000"/>
                 </a:solidFill>
-                <a:latin typeface="Abadi MT Condensed Light" charset="0"/>
-                <a:ea typeface="Abadi MT Condensed Light" charset="0"/>
-                <a:cs typeface="Abadi MT Condensed Light" charset="0"/>
+                <a:latin typeface="Adobe Arabic" panose="02040503050201020203" charset="0"/>
+                <a:ea typeface="Abadi MT Condensed Light" charset="0"/>
+                <a:cs typeface="Adobe Arabic" panose="02040503050201020203" charset="0"/>
               </a:rPr>
               <a:t>()</a:t>
             </a:r>
@@ -23659,9 +23678,9 @@
               <a:solidFill>
                 <a:sysClr val="windowText" lastClr="000000"/>
               </a:solidFill>
-              <a:latin typeface="Abadi MT Condensed Light" charset="0"/>
+              <a:latin typeface="Adobe Arabic" panose="02040503050201020203" charset="0"/>
               <a:ea typeface="Abadi MT Condensed Light" charset="0"/>
-              <a:cs typeface="Abadi MT Condensed Light" charset="0"/>
+              <a:cs typeface="Adobe Arabic" panose="02040503050201020203" charset="0"/>
             </a:endParaRPr>
           </a:p>
         </p:txBody>
@@ -23715,7 +23734,10 @@
           <a:lstStyle/>
           <a:p>
             <a:pPr algn="ctr"/>
-            <a:endParaRPr lang="en-US"/>
+            <a:endParaRPr lang="en-US">
+              <a:latin typeface="Adobe Arabic" panose="02040503050201020203" charset="0"/>
+              <a:cs typeface="Adobe Arabic" panose="02040503050201020203" charset="0"/>
+            </a:endParaRPr>
           </a:p>
         </p:txBody>
       </p:sp>
@@ -24811,9 +24833,9 @@
                 <a:solidFill>
                   <a:sysClr val="windowText" lastClr="000000"/>
                 </a:solidFill>
-                <a:latin typeface="Abadi MT Condensed Light" charset="0"/>
-                <a:ea typeface="Abadi MT Condensed Light" charset="0"/>
-                <a:cs typeface="Abadi MT Condensed Light" charset="0"/>
+                <a:latin typeface="Adobe Arabic" panose="02040503050201020203" charset="0"/>
+                <a:ea typeface="Abadi MT Condensed Light" charset="0"/>
+                <a:cs typeface="Adobe Arabic" panose="02040503050201020203" charset="0"/>
               </a:rPr>
               <a:t>getNonDiscountPrice</a:t>
             </a:r>
@@ -24822,9 +24844,9 @@
                 <a:solidFill>
                   <a:sysClr val="windowText" lastClr="000000"/>
                 </a:solidFill>
-                <a:latin typeface="Abadi MT Condensed Light" charset="0"/>
-                <a:ea typeface="Abadi MT Condensed Light" charset="0"/>
-                <a:cs typeface="Abadi MT Condensed Light" charset="0"/>
+                <a:latin typeface="Adobe Arabic" panose="02040503050201020203" charset="0"/>
+                <a:ea typeface="Abadi MT Condensed Light" charset="0"/>
+                <a:cs typeface="Adobe Arabic" panose="02040503050201020203" charset="0"/>
               </a:rPr>
               <a:t>()</a:t>
             </a:r>
@@ -24832,9 +24854,9 @@
               <a:solidFill>
                 <a:sysClr val="windowText" lastClr="000000"/>
               </a:solidFill>
-              <a:latin typeface="Abadi MT Condensed Light" charset="0"/>
+              <a:latin typeface="Adobe Arabic" panose="02040503050201020203" charset="0"/>
               <a:ea typeface="Abadi MT Condensed Light" charset="0"/>
-              <a:cs typeface="Abadi MT Condensed Light" charset="0"/>
+              <a:cs typeface="Adobe Arabic" panose="02040503050201020203" charset="0"/>
             </a:endParaRPr>
           </a:p>
         </p:txBody>
@@ -24888,9 +24910,9 @@
                 <a:solidFill>
                   <a:sysClr val="windowText" lastClr="000000"/>
                 </a:solidFill>
-                <a:latin typeface="Abadi MT Condensed Light" charset="0"/>
-                <a:ea typeface="Abadi MT Condensed Light" charset="0"/>
-                <a:cs typeface="Abadi MT Condensed Light" charset="0"/>
+                <a:latin typeface="Adobe Arabic" panose="02040503050201020203" charset="0"/>
+                <a:ea typeface="Abadi MT Condensed Light" charset="0"/>
+                <a:cs typeface="Adobe Arabic" panose="02040503050201020203" charset="0"/>
               </a:rPr>
               <a:t>findPrice</a:t>
             </a:r>
@@ -24899,9 +24921,9 @@
                 <a:solidFill>
                   <a:sysClr val="windowText" lastClr="000000"/>
                 </a:solidFill>
-                <a:latin typeface="Abadi MT Condensed Light" charset="0"/>
-                <a:ea typeface="Abadi MT Condensed Light" charset="0"/>
-                <a:cs typeface="Abadi MT Condensed Light" charset="0"/>
+                <a:latin typeface="Adobe Arabic" panose="02040503050201020203" charset="0"/>
+                <a:ea typeface="Abadi MT Condensed Light" charset="0"/>
+                <a:cs typeface="Adobe Arabic" panose="02040503050201020203" charset="0"/>
               </a:rPr>
               <a:t>()</a:t>
             </a:r>
@@ -24909,9 +24931,9 @@
               <a:solidFill>
                 <a:sysClr val="windowText" lastClr="000000"/>
               </a:solidFill>
-              <a:latin typeface="Abadi MT Condensed Light" charset="0"/>
+              <a:latin typeface="Adobe Arabic" panose="02040503050201020203" charset="0"/>
               <a:ea typeface="Abadi MT Condensed Light" charset="0"/>
-              <a:cs typeface="Abadi MT Condensed Light" charset="0"/>
+              <a:cs typeface="Adobe Arabic" panose="02040503050201020203" charset="0"/>
             </a:endParaRPr>
           </a:p>
         </p:txBody>
@@ -24999,19 +25021,19 @@
                 <a:solidFill>
                   <a:sysClr val="windowText" lastClr="000000"/>
                 </a:solidFill>
-                <a:latin typeface="Abadi MT Condensed Light" charset="0"/>
-                <a:ea typeface="Abadi MT Condensed Light" charset="0"/>
-                <a:cs typeface="Abadi MT Condensed Light" charset="0"/>
+                <a:latin typeface="Adobe Arabic" panose="02040503050201020203" charset="0"/>
+                <a:ea typeface="Abadi MT Condensed Light" charset="0"/>
+                <a:cs typeface="Adobe Arabic" panose="02040503050201020203" charset="0"/>
               </a:rPr>
               <a:t>Executor Thread</a:t>
             </a:r>
-            <a:endParaRPr lang="en-US" sz="2400" b="1" dirty="0">
+            <a:endParaRPr lang="en-US" sz="2400" b="1" dirty="0" smtClean="0">
               <a:solidFill>
                 <a:sysClr val="windowText" lastClr="000000"/>
               </a:solidFill>
-              <a:latin typeface="Abadi MT Condensed Light" charset="0"/>
+              <a:latin typeface="Adobe Arabic" panose="02040503050201020203" charset="0"/>
               <a:ea typeface="Abadi MT Condensed Light" charset="0"/>
-              <a:cs typeface="Abadi MT Condensed Light" charset="0"/>
+              <a:cs typeface="Adobe Arabic" panose="02040503050201020203" charset="0"/>
             </a:endParaRPr>
           </a:p>
         </p:txBody>
@@ -25065,9 +25087,9 @@
                 <a:solidFill>
                   <a:sysClr val="windowText" lastClr="000000"/>
                 </a:solidFill>
-                <a:latin typeface="Abadi MT Condensed Light" charset="0"/>
-                <a:ea typeface="Abadi MT Condensed Light" charset="0"/>
-                <a:cs typeface="Abadi MT Condensed Light" charset="0"/>
+                <a:latin typeface="Adobe Arabic" panose="02040503050201020203" charset="0"/>
+                <a:ea typeface="Abadi MT Condensed Light" charset="0"/>
+                <a:cs typeface="Adobe Arabic" panose="02040503050201020203" charset="0"/>
               </a:rPr>
               <a:t>extractData</a:t>
             </a:r>
@@ -25076,9 +25098,9 @@
                 <a:solidFill>
                   <a:sysClr val="windowText" lastClr="000000"/>
                 </a:solidFill>
-                <a:latin typeface="Abadi MT Condensed Light" charset="0"/>
-                <a:ea typeface="Abadi MT Condensed Light" charset="0"/>
-                <a:cs typeface="Abadi MT Condensed Light" charset="0"/>
+                <a:latin typeface="Adobe Arabic" panose="02040503050201020203" charset="0"/>
+                <a:ea typeface="Abadi MT Condensed Light" charset="0"/>
+                <a:cs typeface="Adobe Arabic" panose="02040503050201020203" charset="0"/>
               </a:rPr>
               <a:t>()</a:t>
             </a:r>
@@ -25086,9 +25108,9 @@
               <a:solidFill>
                 <a:sysClr val="windowText" lastClr="000000"/>
               </a:solidFill>
-              <a:latin typeface="Abadi MT Condensed Light" charset="0"/>
+              <a:latin typeface="Adobe Arabic" panose="02040503050201020203" charset="0"/>
               <a:ea typeface="Abadi MT Condensed Light" charset="0"/>
-              <a:cs typeface="Abadi MT Condensed Light" charset="0"/>
+              <a:cs typeface="Adobe Arabic" panose="02040503050201020203" charset="0"/>
             </a:endParaRPr>
           </a:p>
         </p:txBody>
@@ -25219,9 +25241,9 @@
                 <a:solidFill>
                   <a:sysClr val="windowText" lastClr="000000"/>
                 </a:solidFill>
-                <a:latin typeface="Abadi MT Condensed Light" charset="0"/>
-                <a:ea typeface="Abadi MT Condensed Light" charset="0"/>
-                <a:cs typeface="Abadi MT Condensed Light" charset="0"/>
+                <a:latin typeface="Adobe Arabic" panose="02040503050201020203" charset="0"/>
+                <a:ea typeface="Abadi MT Condensed Light" charset="0"/>
+                <a:cs typeface="Adobe Arabic" panose="02040503050201020203" charset="0"/>
               </a:rPr>
               <a:t>getDiscountPercent</a:t>
             </a:r>
@@ -25230,9 +25252,9 @@
                 <a:solidFill>
                   <a:sysClr val="windowText" lastClr="000000"/>
                 </a:solidFill>
-                <a:latin typeface="Abadi MT Condensed Light" charset="0"/>
-                <a:ea typeface="Abadi MT Condensed Light" charset="0"/>
-                <a:cs typeface="Abadi MT Condensed Light" charset="0"/>
+                <a:latin typeface="Adobe Arabic" panose="02040503050201020203" charset="0"/>
+                <a:ea typeface="Abadi MT Condensed Light" charset="0"/>
+                <a:cs typeface="Adobe Arabic" panose="02040503050201020203" charset="0"/>
               </a:rPr>
               <a:t>()</a:t>
             </a:r>
@@ -25240,9 +25262,9 @@
               <a:solidFill>
                 <a:sysClr val="windowText" lastClr="000000"/>
               </a:solidFill>
-              <a:latin typeface="Abadi MT Condensed Light" charset="0"/>
+              <a:latin typeface="Adobe Arabic" panose="02040503050201020203" charset="0"/>
               <a:ea typeface="Abadi MT Condensed Light" charset="0"/>
-              <a:cs typeface="Abadi MT Condensed Light" charset="0"/>
+              <a:cs typeface="Adobe Arabic" panose="02040503050201020203" charset="0"/>
             </a:endParaRPr>
           </a:p>
         </p:txBody>
@@ -25371,9 +25393,9 @@
                 <a:solidFill>
                   <a:sysClr val="windowText" lastClr="000000"/>
                 </a:solidFill>
-                <a:latin typeface="Abadi MT Condensed Light" charset="0"/>
-                <a:ea typeface="Abadi MT Condensed Light" charset="0"/>
-                <a:cs typeface="Abadi MT Condensed Light" charset="0"/>
+                <a:latin typeface="Adobe Arabic" panose="02040503050201020203" charset="0"/>
+                <a:ea typeface="Abadi MT Condensed Light" charset="0"/>
+                <a:cs typeface="Adobe Arabic" panose="02040503050201020203" charset="0"/>
               </a:rPr>
               <a:t>getExchangeCurrency</a:t>
             </a:r>
@@ -25382,9 +25404,9 @@
                 <a:solidFill>
                   <a:sysClr val="windowText" lastClr="000000"/>
                 </a:solidFill>
-                <a:latin typeface="Abadi MT Condensed Light" charset="0"/>
-                <a:ea typeface="Abadi MT Condensed Light" charset="0"/>
-                <a:cs typeface="Abadi MT Condensed Light" charset="0"/>
+                <a:latin typeface="Adobe Arabic" panose="02040503050201020203" charset="0"/>
+                <a:ea typeface="Abadi MT Condensed Light" charset="0"/>
+                <a:cs typeface="Adobe Arabic" panose="02040503050201020203" charset="0"/>
               </a:rPr>
               <a:t>()</a:t>
             </a:r>
@@ -25392,9 +25414,9 @@
               <a:solidFill>
                 <a:sysClr val="windowText" lastClr="000000"/>
               </a:solidFill>
-              <a:latin typeface="Abadi MT Condensed Light" charset="0"/>
+              <a:latin typeface="Adobe Arabic" panose="02040503050201020203" charset="0"/>
               <a:ea typeface="Abadi MT Condensed Light" charset="0"/>
-              <a:cs typeface="Abadi MT Condensed Light" charset="0"/>
+              <a:cs typeface="Adobe Arabic" panose="02040503050201020203" charset="0"/>
             </a:endParaRPr>
           </a:p>
         </p:txBody>
@@ -25444,19 +25466,19 @@
                 <a:solidFill>
                   <a:sysClr val="windowText" lastClr="000000"/>
                 </a:solidFill>
-                <a:latin typeface="Abadi MT Condensed Light" charset="0"/>
-                <a:ea typeface="Abadi MT Condensed Light" charset="0"/>
-                <a:cs typeface="Abadi MT Condensed Light" charset="0"/>
+                <a:latin typeface="Adobe Arabic" panose="02040503050201020203" charset="0"/>
+                <a:ea typeface="Abadi MT Condensed Light" charset="0"/>
+                <a:cs typeface="Adobe Arabic" panose="02040503050201020203" charset="0"/>
               </a:rPr>
               <a:t>Executor Thread</a:t>
             </a:r>
-            <a:endParaRPr lang="en-US" sz="2400" b="1" dirty="0">
+            <a:endParaRPr lang="en-US" sz="2400" b="1" dirty="0" smtClean="0">
               <a:solidFill>
                 <a:sysClr val="windowText" lastClr="000000"/>
               </a:solidFill>
-              <a:latin typeface="Abadi MT Condensed Light" charset="0"/>
+              <a:latin typeface="Adobe Arabic" panose="02040503050201020203" charset="0"/>
               <a:ea typeface="Abadi MT Condensed Light" charset="0"/>
-              <a:cs typeface="Abadi MT Condensed Light" charset="0"/>
+              <a:cs typeface="Adobe Arabic" panose="02040503050201020203" charset="0"/>
             </a:endParaRPr>
           </a:p>
         </p:txBody>
@@ -25547,19 +25569,19 @@
                 <a:solidFill>
                   <a:sysClr val="windowText" lastClr="000000"/>
                 </a:solidFill>
-                <a:latin typeface="Abadi MT Condensed Light" charset="0"/>
-                <a:ea typeface="Abadi MT Condensed Light" charset="0"/>
-                <a:cs typeface="Abadi MT Condensed Light" charset="0"/>
+                <a:latin typeface="Adobe Arabic" panose="02040503050201020203" charset="0"/>
+                <a:ea typeface="Abadi MT Condensed Light" charset="0"/>
+                <a:cs typeface="Adobe Arabic" panose="02040503050201020203" charset="0"/>
               </a:rPr>
               <a:t>calculate()</a:t>
             </a:r>
-            <a:endParaRPr lang="en-US" sz="2000" dirty="0">
+            <a:endParaRPr lang="en-US" sz="2000" dirty="0" smtClean="0">
               <a:solidFill>
                 <a:sysClr val="windowText" lastClr="000000"/>
               </a:solidFill>
-              <a:latin typeface="Abadi MT Condensed Light" charset="0"/>
+              <a:latin typeface="Adobe Arabic" panose="02040503050201020203" charset="0"/>
               <a:ea typeface="Abadi MT Condensed Light" charset="0"/>
-              <a:cs typeface="Abadi MT Condensed Light" charset="0"/>
+              <a:cs typeface="Adobe Arabic" panose="02040503050201020203" charset="0"/>
             </a:endParaRPr>
           </a:p>
         </p:txBody>
@@ -25667,19 +25689,19 @@
                 <a:solidFill>
                   <a:srgbClr val="D78000"/>
                 </a:solidFill>
-                <a:latin typeface="Abadi MT Condensed Light" charset="0"/>
-                <a:ea typeface="Abadi MT Condensed Light" charset="0"/>
-                <a:cs typeface="Abadi MT Condensed Light" charset="0"/>
+                <a:latin typeface="Adobe Arabic" panose="02040503050201020203" charset="0"/>
+                <a:ea typeface="Abadi MT Condensed Light" charset="0"/>
+                <a:cs typeface="Adobe Arabic" panose="02040503050201020203" charset="0"/>
               </a:rPr>
               <a:t>supplyAsync</a:t>
             </a:r>
-            <a:endParaRPr lang="en-US" b="1" i="1" dirty="0">
+            <a:endParaRPr lang="en-US" b="1" i="1" dirty="0" err="1" smtClean="0">
               <a:solidFill>
                 <a:srgbClr val="D78000"/>
               </a:solidFill>
-              <a:latin typeface="Abadi MT Condensed Light" charset="0"/>
+              <a:latin typeface="Adobe Arabic" panose="02040503050201020203" charset="0"/>
               <a:ea typeface="Abadi MT Condensed Light" charset="0"/>
-              <a:cs typeface="Abadi MT Condensed Light" charset="0"/>
+              <a:cs typeface="Adobe Arabic" panose="02040503050201020203" charset="0"/>
             </a:endParaRPr>
           </a:p>
         </p:txBody>
@@ -25711,19 +25733,19 @@
                 <a:solidFill>
                   <a:srgbClr val="D78000"/>
                 </a:solidFill>
-                <a:latin typeface="Abadi MT Condensed Light" charset="0"/>
-                <a:ea typeface="Abadi MT Condensed Light" charset="0"/>
-                <a:cs typeface="Abadi MT Condensed Light" charset="0"/>
+                <a:latin typeface="Adobe Arabic" panose="02040503050201020203" charset="0"/>
+                <a:ea typeface="Abadi MT Condensed Light" charset="0"/>
+                <a:cs typeface="Adobe Arabic" panose="02040503050201020203" charset="0"/>
               </a:rPr>
               <a:t>supplyAsync</a:t>
             </a:r>
-            <a:endParaRPr lang="en-US" b="1" i="1" dirty="0">
+            <a:endParaRPr lang="en-US" b="1" i="1" dirty="0" smtClean="0">
               <a:solidFill>
                 <a:srgbClr val="D78000"/>
               </a:solidFill>
-              <a:latin typeface="Abadi MT Condensed Light" charset="0"/>
+              <a:latin typeface="Adobe Arabic" panose="02040503050201020203" charset="0"/>
               <a:ea typeface="Abadi MT Condensed Light" charset="0"/>
-              <a:cs typeface="Abadi MT Condensed Light" charset="0"/>
+              <a:cs typeface="Adobe Arabic" panose="02040503050201020203" charset="0"/>
             </a:endParaRPr>
           </a:p>
         </p:txBody>
@@ -25755,19 +25777,19 @@
                 <a:solidFill>
                   <a:srgbClr val="D78000"/>
                 </a:solidFill>
-                <a:latin typeface="Abadi MT Condensed Light" charset="0"/>
-                <a:ea typeface="Abadi MT Condensed Light" charset="0"/>
-                <a:cs typeface="Abadi MT Condensed Light" charset="0"/>
+                <a:latin typeface="Adobe Arabic" panose="02040503050201020203" charset="0"/>
+                <a:ea typeface="Abadi MT Condensed Light" charset="0"/>
+                <a:cs typeface="Adobe Arabic" panose="02040503050201020203" charset="0"/>
               </a:rPr>
               <a:t>supplyAsync</a:t>
             </a:r>
-            <a:endParaRPr lang="en-US" b="1" i="1" dirty="0">
+            <a:endParaRPr lang="en-US" b="1" i="1" dirty="0" err="1" smtClean="0">
               <a:solidFill>
                 <a:srgbClr val="D78000"/>
               </a:solidFill>
-              <a:latin typeface="Abadi MT Condensed Light" charset="0"/>
+              <a:latin typeface="Adobe Arabic" panose="02040503050201020203" charset="0"/>
               <a:ea typeface="Abadi MT Condensed Light" charset="0"/>
-              <a:cs typeface="Abadi MT Condensed Light" charset="0"/>
+              <a:cs typeface="Adobe Arabic" panose="02040503050201020203" charset="0"/>
             </a:endParaRPr>
           </a:p>
         </p:txBody>
@@ -25799,19 +25821,19 @@
                 <a:solidFill>
                   <a:srgbClr val="D78000"/>
                 </a:solidFill>
-                <a:latin typeface="Abadi MT Condensed Light" charset="0"/>
-                <a:ea typeface="Abadi MT Condensed Light" charset="0"/>
-                <a:cs typeface="Abadi MT Condensed Light" charset="0"/>
+                <a:latin typeface="Adobe Arabic" panose="02040503050201020203" charset="0"/>
+                <a:ea typeface="Abadi MT Condensed Light" charset="0"/>
+                <a:cs typeface="Adobe Arabic" panose="02040503050201020203" charset="0"/>
               </a:rPr>
               <a:t>thenApply</a:t>
             </a:r>
-            <a:endParaRPr lang="en-US" b="1" i="1" dirty="0">
+            <a:endParaRPr lang="en-US" b="1" i="1" dirty="0" smtClean="0">
               <a:solidFill>
                 <a:srgbClr val="D78000"/>
               </a:solidFill>
-              <a:latin typeface="Abadi MT Condensed Light" charset="0"/>
+              <a:latin typeface="Adobe Arabic" panose="02040503050201020203" charset="0"/>
               <a:ea typeface="Abadi MT Condensed Light" charset="0"/>
-              <a:cs typeface="Abadi MT Condensed Light" charset="0"/>
+              <a:cs typeface="Adobe Arabic" panose="02040503050201020203" charset="0"/>
             </a:endParaRPr>
           </a:p>
         </p:txBody>
@@ -25843,19 +25865,19 @@
                 <a:solidFill>
                   <a:srgbClr val="D78000"/>
                 </a:solidFill>
-                <a:latin typeface="Abadi MT Condensed Light" charset="0"/>
-                <a:ea typeface="Abadi MT Condensed Light" charset="0"/>
-                <a:cs typeface="Abadi MT Condensed Light" charset="0"/>
+                <a:latin typeface="Adobe Arabic" panose="02040503050201020203" charset="0"/>
+                <a:ea typeface="Abadi MT Condensed Light" charset="0"/>
+                <a:cs typeface="Adobe Arabic" panose="02040503050201020203" charset="0"/>
               </a:rPr>
               <a:t>thenCompose</a:t>
             </a:r>
-            <a:endParaRPr lang="en-US" b="1" i="1" dirty="0">
+            <a:endParaRPr lang="en-US" b="1" i="1" dirty="0" err="1" smtClean="0">
               <a:solidFill>
                 <a:srgbClr val="D78000"/>
               </a:solidFill>
-              <a:latin typeface="Abadi MT Condensed Light" charset="0"/>
+              <a:latin typeface="Adobe Arabic" panose="02040503050201020203" charset="0"/>
               <a:ea typeface="Abadi MT Condensed Light" charset="0"/>
-              <a:cs typeface="Abadi MT Condensed Light" charset="0"/>
+              <a:cs typeface="Adobe Arabic" panose="02040503050201020203" charset="0"/>
             </a:endParaRPr>
           </a:p>
         </p:txBody>
@@ -25887,19 +25909,19 @@
                 <a:solidFill>
                   <a:srgbClr val="D78000"/>
                 </a:solidFill>
-                <a:latin typeface="Abadi MT Condensed Light" charset="0"/>
-                <a:ea typeface="Abadi MT Condensed Light" charset="0"/>
-                <a:cs typeface="Abadi MT Condensed Light" charset="0"/>
+                <a:latin typeface="Adobe Arabic" panose="02040503050201020203" charset="0"/>
+                <a:ea typeface="Abadi MT Condensed Light" charset="0"/>
+                <a:cs typeface="Adobe Arabic" panose="02040503050201020203" charset="0"/>
               </a:rPr>
               <a:t>thenCombine</a:t>
             </a:r>
-            <a:endParaRPr lang="en-US" b="1" i="1" dirty="0">
+            <a:endParaRPr lang="en-US" b="1" i="1" dirty="0" smtClean="0">
               <a:solidFill>
                 <a:srgbClr val="D78000"/>
               </a:solidFill>
-              <a:latin typeface="Abadi MT Condensed Light" charset="0"/>
+              <a:latin typeface="Adobe Arabic" panose="02040503050201020203" charset="0"/>
               <a:ea typeface="Abadi MT Condensed Light" charset="0"/>
-              <a:cs typeface="Abadi MT Condensed Light" charset="0"/>
+              <a:cs typeface="Adobe Arabic" panose="02040503050201020203" charset="0"/>
             </a:endParaRPr>
           </a:p>
         </p:txBody>
@@ -25931,19 +25953,19 @@
                 <a:solidFill>
                   <a:srgbClr val="D78000"/>
                 </a:solidFill>
-                <a:latin typeface="Abadi MT Condensed Light" charset="0"/>
-                <a:ea typeface="Abadi MT Condensed Light" charset="0"/>
-                <a:cs typeface="Abadi MT Condensed Light" charset="0"/>
+                <a:latin typeface="Adobe Arabic" panose="02040503050201020203" charset="0"/>
+                <a:ea typeface="Abadi MT Condensed Light" charset="0"/>
+                <a:cs typeface="Adobe Arabic" panose="02040503050201020203" charset="0"/>
               </a:rPr>
               <a:t>thenCombine</a:t>
             </a:r>
-            <a:endParaRPr lang="en-US" b="1" i="1" dirty="0">
+            <a:endParaRPr lang="en-US" b="1" i="1" dirty="0" smtClean="0">
               <a:solidFill>
                 <a:srgbClr val="D78000"/>
               </a:solidFill>
-              <a:latin typeface="Abadi MT Condensed Light" charset="0"/>
+              <a:latin typeface="Adobe Arabic" panose="02040503050201020203" charset="0"/>
               <a:ea typeface="Abadi MT Condensed Light" charset="0"/>
-              <a:cs typeface="Abadi MT Condensed Light" charset="0"/>
+              <a:cs typeface="Adobe Arabic" panose="02040503050201020203" charset="0"/>
             </a:endParaRPr>
           </a:p>
         </p:txBody>
@@ -26015,19 +26037,19 @@
                 <a:solidFill>
                   <a:srgbClr val="D78000"/>
                 </a:solidFill>
-                <a:latin typeface="Abadi MT Condensed Light" charset="0"/>
-                <a:ea typeface="Abadi MT Condensed Light" charset="0"/>
-                <a:cs typeface="Abadi MT Condensed Light" charset="0"/>
+                <a:latin typeface="Adobe Arabic" panose="02040503050201020203" charset="0"/>
+                <a:ea typeface="Abadi MT Condensed Light" charset="0"/>
+                <a:cs typeface="Adobe Arabic" panose="02040503050201020203" charset="0"/>
               </a:rPr>
               <a:t>thenAccpet</a:t>
             </a:r>
-            <a:endParaRPr lang="en-US" b="1" i="1" dirty="0">
+            <a:endParaRPr lang="en-US" b="1" i="1" dirty="0" err="1" smtClean="0">
               <a:solidFill>
                 <a:srgbClr val="D78000"/>
               </a:solidFill>
-              <a:latin typeface="Abadi MT Condensed Light" charset="0"/>
+              <a:latin typeface="Adobe Arabic" panose="02040503050201020203" charset="0"/>
               <a:ea typeface="Abadi MT Condensed Light" charset="0"/>
-              <a:cs typeface="Abadi MT Condensed Light" charset="0"/>
+              <a:cs typeface="Adobe Arabic" panose="02040503050201020203" charset="0"/>
             </a:endParaRPr>
           </a:p>
         </p:txBody>
@@ -27963,8 +27985,8 @@
         </p:nvSpPr>
         <p:spPr>
           <a:xfrm>
-            <a:off x="838199" y="685801"/>
-            <a:ext cx="9067801" cy="457200"/>
+            <a:off x="838200" y="685800"/>
+            <a:ext cx="11049000" cy="457200"/>
           </a:xfrm>
           <a:prstGeom prst="rect">
             <a:avLst/>
@@ -29555,7 +29577,7 @@
         <p:spPr>
           <a:xfrm>
             <a:off x="581660" y="2743200"/>
-            <a:ext cx="5524500" cy="1371600"/>
+            <a:ext cx="6273800" cy="1557655"/>
           </a:xfrm>
           <a:prstGeom prst="rect">
             <a:avLst/>
@@ -29745,8 +29767,8 @@
           </a:lstStyle>
           <a:p>
             <a:r>
-              <a:rPr lang="en-US" dirty="0" smtClean="0"/>
-              <a:t>ANYTHING ELSE?</a:t>
+              <a:rPr lang="en-US" dirty="0"/>
+              <a:t>FEATURES OF FUTURE</a:t>
             </a:r>
             <a:endParaRPr lang="en-US" dirty="0"/>
           </a:p>
@@ -29768,8 +29790,8 @@
         </p:blipFill>
         <p:spPr>
           <a:xfrm>
-            <a:off x="6923199" y="1678577"/>
-            <a:ext cx="5162756" cy="2775676"/>
+            <a:off x="7533640" y="2061210"/>
+            <a:ext cx="4166235" cy="2239645"/>
           </a:xfrm>
           <a:prstGeom prst="rect">
             <a:avLst/>
@@ -29792,7 +29814,7 @@
         <p:spPr>
           <a:xfrm>
             <a:off x="745490" y="4537075"/>
-            <a:ext cx="1946275" cy="368300"/>
+            <a:ext cx="1632585" cy="368300"/>
           </a:xfrm>
           <a:prstGeom prst="rect">
             <a:avLst/>
@@ -29844,8 +29866,8 @@
         </p:nvSpPr>
         <p:spPr>
           <a:xfrm>
-            <a:off x="581660" y="3357880"/>
-            <a:ext cx="2154555" cy="228600"/>
+            <a:off x="581660" y="3465195"/>
+            <a:ext cx="2493010" cy="228600"/>
           </a:xfrm>
           <a:prstGeom prst="rect">
             <a:avLst/>
@@ -29889,7 +29911,7 @@
         </p:nvSpPr>
         <p:spPr>
           <a:xfrm>
-            <a:off x="2266315" y="3086100"/>
+            <a:off x="2691765" y="3145790"/>
             <a:ext cx="3982085" cy="228600"/>
           </a:xfrm>
           <a:prstGeom prst="rect">
@@ -29981,13 +30003,13 @@
           <p:nvPr/>
         </p:nvCxnSpPr>
         <p:spPr>
-          <a:xfrm flipH="1">
-            <a:off x="6248400" y="2144395"/>
-            <a:ext cx="76200" cy="1056005"/>
+          <a:xfrm>
+            <a:off x="6324600" y="2144395"/>
+            <a:ext cx="349250" cy="1115695"/>
           </a:xfrm>
           <a:prstGeom prst="bentConnector3">
             <a:avLst>
-              <a:gd name="adj1" fmla="val -312500"/>
+              <a:gd name="adj1" fmla="val 168182"/>
             </a:avLst>
           </a:prstGeom>
           <a:ln>
@@ -30023,12 +30045,12 @@
         </p:nvCxnSpPr>
         <p:spPr>
           <a:xfrm flipV="1">
-            <a:off x="2691765" y="3472180"/>
-            <a:ext cx="44450" cy="1249045"/>
+            <a:off x="2378075" y="3579495"/>
+            <a:ext cx="696595" cy="1141730"/>
           </a:xfrm>
           <a:prstGeom prst="bentConnector3">
             <a:avLst>
-              <a:gd name="adj1" fmla="val 635714"/>
+              <a:gd name="adj1" fmla="val 134184"/>
             </a:avLst>
           </a:prstGeom>
           <a:ln>
@@ -30102,7 +30124,7 @@
         <p:spPr>
           <a:xfrm>
             <a:off x="772795" y="2244090"/>
-            <a:ext cx="6600825" cy="1771650"/>
+            <a:ext cx="7170420" cy="1924685"/>
           </a:xfrm>
           <a:prstGeom prst="rect">
             <a:avLst/>
@@ -30116,204 +30138,14 @@
       </p:pic>
       <p:sp>
         <p:nvSpPr>
-          <p:cNvPr id="26" name="Content Placeholder 1"/>
-          <p:cNvSpPr txBox="1"/>
-          <p:nvPr/>
-        </p:nvSpPr>
-        <p:spPr>
-          <a:xfrm>
-            <a:off x="838199" y="685801"/>
-            <a:ext cx="6934201" cy="457200"/>
-          </a:xfrm>
-          <a:prstGeom prst="rect">
-            <a:avLst/>
-          </a:prstGeom>
-        </p:spPr>
-        <p:txBody>
-          <a:bodyPr/>
-          <a:lstStyle>
-            <a:lvl1pPr marL="0" indent="0" algn="l" defTabSz="914400" rtl="0" eaLnBrk="1" latinLnBrk="0" hangingPunct="1">
-              <a:lnSpc>
-                <a:spcPct val="90000"/>
-              </a:lnSpc>
-              <a:spcBef>
-                <a:spcPts val="1000"/>
-              </a:spcBef>
-              <a:buFont typeface="Arial" panose="020B0604020202020204" pitchFamily="34" charset="0"/>
-              <a:buNone/>
-              <a:defRPr sz="2800" b="1" i="0" kern="1200" baseline="0">
-                <a:solidFill>
-                  <a:schemeClr val="tx1"/>
-                </a:solidFill>
-                <a:latin typeface="+mn-lt"/>
-                <a:ea typeface="+mn-ea"/>
-                <a:cs typeface="+mn-cs"/>
-              </a:defRPr>
-            </a:lvl1pPr>
-            <a:lvl2pPr marL="685800" indent="-228600" algn="l" defTabSz="914400" rtl="0" eaLnBrk="1" latinLnBrk="0" hangingPunct="1">
-              <a:lnSpc>
-                <a:spcPct val="90000"/>
-              </a:lnSpc>
-              <a:spcBef>
-                <a:spcPts val="500"/>
-              </a:spcBef>
-              <a:buFont typeface="Arial" panose="020B0604020202020204" pitchFamily="34" charset="0"/>
-              <a:buChar char="•"/>
-              <a:defRPr sz="2400" kern="1200">
-                <a:solidFill>
-                  <a:schemeClr val="tx1"/>
-                </a:solidFill>
-                <a:latin typeface="+mn-lt"/>
-                <a:ea typeface="+mn-ea"/>
-                <a:cs typeface="+mn-cs"/>
-              </a:defRPr>
-            </a:lvl2pPr>
-            <a:lvl3pPr marL="1143000" indent="-228600" algn="l" defTabSz="914400" rtl="0" eaLnBrk="1" latinLnBrk="0" hangingPunct="1">
-              <a:lnSpc>
-                <a:spcPct val="90000"/>
-              </a:lnSpc>
-              <a:spcBef>
-                <a:spcPts val="500"/>
-              </a:spcBef>
-              <a:buFont typeface="Arial" panose="020B0604020202020204" pitchFamily="34" charset="0"/>
-              <a:buChar char="•"/>
-              <a:defRPr sz="2000" kern="1200">
-                <a:solidFill>
-                  <a:schemeClr val="tx1"/>
-                </a:solidFill>
-                <a:latin typeface="+mn-lt"/>
-                <a:ea typeface="+mn-ea"/>
-                <a:cs typeface="+mn-cs"/>
-              </a:defRPr>
-            </a:lvl3pPr>
-            <a:lvl4pPr marL="1600200" indent="-228600" algn="l" defTabSz="914400" rtl="0" eaLnBrk="1" latinLnBrk="0" hangingPunct="1">
-              <a:lnSpc>
-                <a:spcPct val="90000"/>
-              </a:lnSpc>
-              <a:spcBef>
-                <a:spcPts val="500"/>
-              </a:spcBef>
-              <a:buFont typeface="Arial" panose="020B0604020202020204" pitchFamily="34" charset="0"/>
-              <a:buChar char="•"/>
-              <a:defRPr sz="1800" kern="1200">
-                <a:solidFill>
-                  <a:schemeClr val="tx1"/>
-                </a:solidFill>
-                <a:latin typeface="+mn-lt"/>
-                <a:ea typeface="+mn-ea"/>
-                <a:cs typeface="+mn-cs"/>
-              </a:defRPr>
-            </a:lvl4pPr>
-            <a:lvl5pPr marL="2057400" indent="-228600" algn="l" defTabSz="914400" rtl="0" eaLnBrk="1" latinLnBrk="0" hangingPunct="1">
-              <a:lnSpc>
-                <a:spcPct val="90000"/>
-              </a:lnSpc>
-              <a:spcBef>
-                <a:spcPts val="500"/>
-              </a:spcBef>
-              <a:buFont typeface="Arial" panose="020B0604020202020204" pitchFamily="34" charset="0"/>
-              <a:buChar char="•"/>
-              <a:defRPr sz="1800" kern="1200">
-                <a:solidFill>
-                  <a:schemeClr val="tx1"/>
-                </a:solidFill>
-                <a:latin typeface="+mn-lt"/>
-                <a:ea typeface="+mn-ea"/>
-                <a:cs typeface="+mn-cs"/>
-              </a:defRPr>
-            </a:lvl5pPr>
-            <a:lvl6pPr marL="2514600" indent="-228600" algn="l" defTabSz="914400" rtl="0" eaLnBrk="1" latinLnBrk="0" hangingPunct="1">
-              <a:lnSpc>
-                <a:spcPct val="90000"/>
-              </a:lnSpc>
-              <a:spcBef>
-                <a:spcPts val="500"/>
-              </a:spcBef>
-              <a:buFont typeface="Arial" panose="020B0604020202020204" pitchFamily="34" charset="0"/>
-              <a:buChar char="•"/>
-              <a:defRPr sz="1800" kern="1200">
-                <a:solidFill>
-                  <a:schemeClr val="tx1"/>
-                </a:solidFill>
-                <a:latin typeface="+mn-lt"/>
-                <a:ea typeface="+mn-ea"/>
-                <a:cs typeface="+mn-cs"/>
-              </a:defRPr>
-            </a:lvl6pPr>
-            <a:lvl7pPr marL="2971800" indent="-228600" algn="l" defTabSz="914400" rtl="0" eaLnBrk="1" latinLnBrk="0" hangingPunct="1">
-              <a:lnSpc>
-                <a:spcPct val="90000"/>
-              </a:lnSpc>
-              <a:spcBef>
-                <a:spcPts val="500"/>
-              </a:spcBef>
-              <a:buFont typeface="Arial" panose="020B0604020202020204" pitchFamily="34" charset="0"/>
-              <a:buChar char="•"/>
-              <a:defRPr sz="1800" kern="1200">
-                <a:solidFill>
-                  <a:schemeClr val="tx1"/>
-                </a:solidFill>
-                <a:latin typeface="+mn-lt"/>
-                <a:ea typeface="+mn-ea"/>
-                <a:cs typeface="+mn-cs"/>
-              </a:defRPr>
-            </a:lvl7pPr>
-            <a:lvl8pPr marL="3429000" indent="-228600" algn="l" defTabSz="914400" rtl="0" eaLnBrk="1" latinLnBrk="0" hangingPunct="1">
-              <a:lnSpc>
-                <a:spcPct val="90000"/>
-              </a:lnSpc>
-              <a:spcBef>
-                <a:spcPts val="500"/>
-              </a:spcBef>
-              <a:buFont typeface="Arial" panose="020B0604020202020204" pitchFamily="34" charset="0"/>
-              <a:buChar char="•"/>
-              <a:defRPr sz="1800" kern="1200">
-                <a:solidFill>
-                  <a:schemeClr val="tx1"/>
-                </a:solidFill>
-                <a:latin typeface="+mn-lt"/>
-                <a:ea typeface="+mn-ea"/>
-                <a:cs typeface="+mn-cs"/>
-              </a:defRPr>
-            </a:lvl8pPr>
-            <a:lvl9pPr marL="3886200" indent="-228600" algn="l" defTabSz="914400" rtl="0" eaLnBrk="1" latinLnBrk="0" hangingPunct="1">
-              <a:lnSpc>
-                <a:spcPct val="90000"/>
-              </a:lnSpc>
-              <a:spcBef>
-                <a:spcPts val="500"/>
-              </a:spcBef>
-              <a:buFont typeface="Arial" panose="020B0604020202020204" pitchFamily="34" charset="0"/>
-              <a:buChar char="•"/>
-              <a:defRPr sz="1800" kern="1200">
-                <a:solidFill>
-                  <a:schemeClr val="tx1"/>
-                </a:solidFill>
-                <a:latin typeface="+mn-lt"/>
-                <a:ea typeface="+mn-ea"/>
-                <a:cs typeface="+mn-cs"/>
-              </a:defRPr>
-            </a:lvl9pPr>
-          </a:lstStyle>
-          <a:p>
-            <a:r>
-              <a:rPr lang="en-US" dirty="0" smtClean="0"/>
-              <a:t>ANYTHING ELSE?</a:t>
-            </a:r>
-            <a:endParaRPr lang="en-US" dirty="0"/>
-          </a:p>
-        </p:txBody>
-      </p:sp>
-      <p:sp>
-        <p:nvSpPr>
           <p:cNvPr id="45" name="Rectangle 44"/>
           <p:cNvSpPr/>
           <p:nvPr/>
         </p:nvSpPr>
         <p:spPr>
           <a:xfrm>
-            <a:off x="1026795" y="3691890"/>
-            <a:ext cx="4081780" cy="228600"/>
+            <a:off x="1040130" y="3791585"/>
+            <a:ext cx="4326890" cy="228600"/>
           </a:xfrm>
           <a:prstGeom prst="rect">
             <a:avLst/>
@@ -30474,14 +30306,394 @@
       </p:sp>
       <p:sp>
         <p:nvSpPr>
-          <p:cNvPr id="4" name="Rectangle 3"/>
+          <p:cNvPr id="11" name="Rectangle 10"/>
           <p:cNvSpPr/>
           <p:nvPr/>
         </p:nvSpPr>
         <p:spPr>
           <a:xfrm>
-            <a:off x="762000" y="2356485"/>
-            <a:ext cx="6534785" cy="228600"/>
+            <a:off x="762000" y="5046903"/>
+            <a:ext cx="1490921" cy="369332"/>
+          </a:xfrm>
+          <a:prstGeom prst="rect">
+            <a:avLst/>
+          </a:prstGeom>
+        </p:spPr>
+        <p:txBody>
+          <a:bodyPr wrap="none">
+            <a:spAutoFit/>
+          </a:bodyPr>
+          <a:p>
+            <a:pPr marL="285750" indent="-285750">
+              <a:buFont typeface="Arial" panose="020B0604020202020204" pitchFamily="34" charset="0"/>
+              <a:buChar char="•"/>
+            </a:pPr>
+            <a:r>
+              <a:rPr lang="en-US" b="1" i="1" dirty="0" err="1" smtClean="0">
+                <a:solidFill>
+                  <a:srgbClr val="333333"/>
+                </a:solidFill>
+                <a:latin typeface="raleway" charset="0"/>
+              </a:rPr>
+              <a:t>isTerminal</a:t>
+            </a:r>
+            <a:endParaRPr lang="en-US" b="1" i="0" u="none" strike="noStrike" dirty="0">
+              <a:solidFill>
+                <a:srgbClr val="333333"/>
+              </a:solidFill>
+              <a:effectLst/>
+              <a:latin typeface="raleway" charset="0"/>
+            </a:endParaRPr>
+          </a:p>
+        </p:txBody>
+      </p:sp>
+      <p:sp>
+        <p:nvSpPr>
+          <p:cNvPr id="12" name="Rectangle 11"/>
+          <p:cNvSpPr/>
+          <p:nvPr/>
+        </p:nvSpPr>
+        <p:spPr>
+          <a:xfrm>
+            <a:off x="762000" y="5446242"/>
+            <a:ext cx="1242648" cy="369332"/>
+          </a:xfrm>
+          <a:prstGeom prst="rect">
+            <a:avLst/>
+          </a:prstGeom>
+        </p:spPr>
+        <p:txBody>
+          <a:bodyPr wrap="none">
+            <a:spAutoFit/>
+          </a:bodyPr>
+          <a:p>
+            <a:pPr marL="285750" indent="-285750">
+              <a:buFont typeface="Arial" panose="020B0604020202020204" pitchFamily="34" charset="0"/>
+              <a:buChar char="•"/>
+            </a:pPr>
+            <a:r>
+              <a:rPr lang="en-US" b="1" i="1" dirty="0">
+                <a:solidFill>
+                  <a:srgbClr val="333333"/>
+                </a:solidFill>
+                <a:latin typeface="raleway" charset="0"/>
+              </a:rPr>
+              <a:t>c</a:t>
+            </a:r>
+            <a:r>
+              <a:rPr lang="en-US" b="1" i="1" dirty="0" smtClean="0">
+                <a:solidFill>
+                  <a:srgbClr val="333333"/>
+                </a:solidFill>
+                <a:latin typeface="raleway" charset="0"/>
+              </a:rPr>
+              <a:t>ancel()</a:t>
+            </a:r>
+            <a:endParaRPr lang="en-US" b="1" i="0" u="none" strike="noStrike" dirty="0">
+              <a:solidFill>
+                <a:srgbClr val="333333"/>
+              </a:solidFill>
+              <a:effectLst/>
+              <a:latin typeface="raleway" charset="0"/>
+            </a:endParaRPr>
+          </a:p>
+        </p:txBody>
+      </p:sp>
+      <p:sp>
+        <p:nvSpPr>
+          <p:cNvPr id="14" name="Rectangle 13"/>
+          <p:cNvSpPr/>
+          <p:nvPr/>
+        </p:nvSpPr>
+        <p:spPr>
+          <a:xfrm>
+            <a:off x="762000" y="5845581"/>
+            <a:ext cx="1447832" cy="369332"/>
+          </a:xfrm>
+          <a:prstGeom prst="rect">
+            <a:avLst/>
+          </a:prstGeom>
+        </p:spPr>
+        <p:txBody>
+          <a:bodyPr wrap="none">
+            <a:spAutoFit/>
+          </a:bodyPr>
+          <a:p>
+            <a:pPr marL="285750" indent="-285750">
+              <a:buFont typeface="Arial" panose="020B0604020202020204" pitchFamily="34" charset="0"/>
+              <a:buChar char="•"/>
+            </a:pPr>
+            <a:r>
+              <a:rPr lang="en-US" b="1" i="1" dirty="0" err="1" smtClean="0">
+                <a:solidFill>
+                  <a:srgbClr val="333333"/>
+                </a:solidFill>
+                <a:latin typeface="raleway" charset="0"/>
+              </a:rPr>
+              <a:t>isCancel</a:t>
+            </a:r>
+            <a:r>
+              <a:rPr lang="en-US" b="1" i="1" dirty="0" smtClean="0">
+                <a:solidFill>
+                  <a:srgbClr val="333333"/>
+                </a:solidFill>
+                <a:latin typeface="raleway" charset="0"/>
+              </a:rPr>
+              <a:t>()</a:t>
+            </a:r>
+            <a:endParaRPr lang="en-US" b="1" i="0" u="none" strike="noStrike" dirty="0">
+              <a:solidFill>
+                <a:srgbClr val="333333"/>
+              </a:solidFill>
+              <a:effectLst/>
+              <a:latin typeface="raleway" charset="0"/>
+            </a:endParaRPr>
+          </a:p>
+        </p:txBody>
+      </p:sp>
+      <p:sp>
+        <p:nvSpPr>
+          <p:cNvPr id="6" name="TextBox 25"/>
+          <p:cNvSpPr txBox="1"/>
+          <p:nvPr/>
+        </p:nvSpPr>
+        <p:spPr>
+          <a:xfrm>
+            <a:off x="4043680" y="1623060"/>
+            <a:ext cx="2188845" cy="368300"/>
+          </a:xfrm>
+          <a:prstGeom prst="rect">
+            <a:avLst/>
+          </a:prstGeom>
+          <a:noFill/>
+        </p:spPr>
+        <p:txBody>
+          <a:bodyPr wrap="square" rtlCol="0">
+            <a:spAutoFit/>
+          </a:bodyPr>
+          <a:p>
+            <a:r>
+              <a:rPr lang="en-US" b="1" i="1" dirty="0" smtClean="0">
+                <a:solidFill>
+                  <a:srgbClr val="D78000"/>
+                </a:solidFill>
+                <a:latin typeface="Abadi MT Condensed Light" charset="0"/>
+                <a:ea typeface="Abadi MT Condensed Light" charset="0"/>
+                <a:cs typeface="Abadi MT Condensed Light" charset="0"/>
+              </a:rPr>
+              <a:t>List of Future</a:t>
+            </a:r>
+            <a:endParaRPr lang="en-US" b="1" i="1" dirty="0">
+              <a:solidFill>
+                <a:srgbClr val="D78000"/>
+              </a:solidFill>
+              <a:latin typeface="Abadi MT Condensed Light" charset="0"/>
+              <a:ea typeface="Abadi MT Condensed Light" charset="0"/>
+              <a:cs typeface="Abadi MT Condensed Light" charset="0"/>
+            </a:endParaRPr>
+          </a:p>
+        </p:txBody>
+      </p:sp>
+      <p:sp>
+        <p:nvSpPr>
+          <p:cNvPr id="3" name="Content Placeholder 1"/>
+          <p:cNvSpPr txBox="1"/>
+          <p:nvPr/>
+        </p:nvSpPr>
+        <p:spPr>
+          <a:xfrm>
+            <a:off x="838199" y="685801"/>
+            <a:ext cx="6934201" cy="457200"/>
+          </a:xfrm>
+          <a:prstGeom prst="rect">
+            <a:avLst/>
+          </a:prstGeom>
+        </p:spPr>
+        <p:txBody>
+          <a:bodyPr/>
+          <a:lstStyle>
+            <a:lvl1pPr marL="0" indent="0" algn="l" defTabSz="914400" rtl="0" eaLnBrk="1" latinLnBrk="0" hangingPunct="1">
+              <a:lnSpc>
+                <a:spcPct val="90000"/>
+              </a:lnSpc>
+              <a:spcBef>
+                <a:spcPts val="1000"/>
+              </a:spcBef>
+              <a:buFont typeface="Arial" panose="020B0604020202020204" pitchFamily="34" charset="0"/>
+              <a:buNone/>
+              <a:defRPr sz="2800" b="1" i="0" kern="1200" baseline="0">
+                <a:solidFill>
+                  <a:schemeClr val="tx1"/>
+                </a:solidFill>
+                <a:latin typeface="+mn-lt"/>
+                <a:ea typeface="+mn-ea"/>
+                <a:cs typeface="+mn-cs"/>
+              </a:defRPr>
+            </a:lvl1pPr>
+            <a:lvl2pPr marL="685800" indent="-228600" algn="l" defTabSz="914400" rtl="0" eaLnBrk="1" latinLnBrk="0" hangingPunct="1">
+              <a:lnSpc>
+                <a:spcPct val="90000"/>
+              </a:lnSpc>
+              <a:spcBef>
+                <a:spcPts val="500"/>
+              </a:spcBef>
+              <a:buFont typeface="Arial" panose="020B0604020202020204" pitchFamily="34" charset="0"/>
+              <a:buChar char="•"/>
+              <a:defRPr sz="2400" kern="1200">
+                <a:solidFill>
+                  <a:schemeClr val="tx1"/>
+                </a:solidFill>
+                <a:latin typeface="+mn-lt"/>
+                <a:ea typeface="+mn-ea"/>
+                <a:cs typeface="+mn-cs"/>
+              </a:defRPr>
+            </a:lvl2pPr>
+            <a:lvl3pPr marL="1143000" indent="-228600" algn="l" defTabSz="914400" rtl="0" eaLnBrk="1" latinLnBrk="0" hangingPunct="1">
+              <a:lnSpc>
+                <a:spcPct val="90000"/>
+              </a:lnSpc>
+              <a:spcBef>
+                <a:spcPts val="500"/>
+              </a:spcBef>
+              <a:buFont typeface="Arial" panose="020B0604020202020204" pitchFamily="34" charset="0"/>
+              <a:buChar char="•"/>
+              <a:defRPr sz="2000" kern="1200">
+                <a:solidFill>
+                  <a:schemeClr val="tx1"/>
+                </a:solidFill>
+                <a:latin typeface="+mn-lt"/>
+                <a:ea typeface="+mn-ea"/>
+                <a:cs typeface="+mn-cs"/>
+              </a:defRPr>
+            </a:lvl3pPr>
+            <a:lvl4pPr marL="1600200" indent="-228600" algn="l" defTabSz="914400" rtl="0" eaLnBrk="1" latinLnBrk="0" hangingPunct="1">
+              <a:lnSpc>
+                <a:spcPct val="90000"/>
+              </a:lnSpc>
+              <a:spcBef>
+                <a:spcPts val="500"/>
+              </a:spcBef>
+              <a:buFont typeface="Arial" panose="020B0604020202020204" pitchFamily="34" charset="0"/>
+              <a:buChar char="•"/>
+              <a:defRPr sz="1800" kern="1200">
+                <a:solidFill>
+                  <a:schemeClr val="tx1"/>
+                </a:solidFill>
+                <a:latin typeface="+mn-lt"/>
+                <a:ea typeface="+mn-ea"/>
+                <a:cs typeface="+mn-cs"/>
+              </a:defRPr>
+            </a:lvl4pPr>
+            <a:lvl5pPr marL="2057400" indent="-228600" algn="l" defTabSz="914400" rtl="0" eaLnBrk="1" latinLnBrk="0" hangingPunct="1">
+              <a:lnSpc>
+                <a:spcPct val="90000"/>
+              </a:lnSpc>
+              <a:spcBef>
+                <a:spcPts val="500"/>
+              </a:spcBef>
+              <a:buFont typeface="Arial" panose="020B0604020202020204" pitchFamily="34" charset="0"/>
+              <a:buChar char="•"/>
+              <a:defRPr sz="1800" kern="1200">
+                <a:solidFill>
+                  <a:schemeClr val="tx1"/>
+                </a:solidFill>
+                <a:latin typeface="+mn-lt"/>
+                <a:ea typeface="+mn-ea"/>
+                <a:cs typeface="+mn-cs"/>
+              </a:defRPr>
+            </a:lvl5pPr>
+            <a:lvl6pPr marL="2514600" indent="-228600" algn="l" defTabSz="914400" rtl="0" eaLnBrk="1" latinLnBrk="0" hangingPunct="1">
+              <a:lnSpc>
+                <a:spcPct val="90000"/>
+              </a:lnSpc>
+              <a:spcBef>
+                <a:spcPts val="500"/>
+              </a:spcBef>
+              <a:buFont typeface="Arial" panose="020B0604020202020204" pitchFamily="34" charset="0"/>
+              <a:buChar char="•"/>
+              <a:defRPr sz="1800" kern="1200">
+                <a:solidFill>
+                  <a:schemeClr val="tx1"/>
+                </a:solidFill>
+                <a:latin typeface="+mn-lt"/>
+                <a:ea typeface="+mn-ea"/>
+                <a:cs typeface="+mn-cs"/>
+              </a:defRPr>
+            </a:lvl6pPr>
+            <a:lvl7pPr marL="2971800" indent="-228600" algn="l" defTabSz="914400" rtl="0" eaLnBrk="1" latinLnBrk="0" hangingPunct="1">
+              <a:lnSpc>
+                <a:spcPct val="90000"/>
+              </a:lnSpc>
+              <a:spcBef>
+                <a:spcPts val="500"/>
+              </a:spcBef>
+              <a:buFont typeface="Arial" panose="020B0604020202020204" pitchFamily="34" charset="0"/>
+              <a:buChar char="•"/>
+              <a:defRPr sz="1800" kern="1200">
+                <a:solidFill>
+                  <a:schemeClr val="tx1"/>
+                </a:solidFill>
+                <a:latin typeface="+mn-lt"/>
+                <a:ea typeface="+mn-ea"/>
+                <a:cs typeface="+mn-cs"/>
+              </a:defRPr>
+            </a:lvl7pPr>
+            <a:lvl8pPr marL="3429000" indent="-228600" algn="l" defTabSz="914400" rtl="0" eaLnBrk="1" latinLnBrk="0" hangingPunct="1">
+              <a:lnSpc>
+                <a:spcPct val="90000"/>
+              </a:lnSpc>
+              <a:spcBef>
+                <a:spcPts val="500"/>
+              </a:spcBef>
+              <a:buFont typeface="Arial" panose="020B0604020202020204" pitchFamily="34" charset="0"/>
+              <a:buChar char="•"/>
+              <a:defRPr sz="1800" kern="1200">
+                <a:solidFill>
+                  <a:schemeClr val="tx1"/>
+                </a:solidFill>
+                <a:latin typeface="+mn-lt"/>
+                <a:ea typeface="+mn-ea"/>
+                <a:cs typeface="+mn-cs"/>
+              </a:defRPr>
+            </a:lvl8pPr>
+            <a:lvl9pPr marL="3886200" indent="-228600" algn="l" defTabSz="914400" rtl="0" eaLnBrk="1" latinLnBrk="0" hangingPunct="1">
+              <a:lnSpc>
+                <a:spcPct val="90000"/>
+              </a:lnSpc>
+              <a:spcBef>
+                <a:spcPts val="500"/>
+              </a:spcBef>
+              <a:buFont typeface="Arial" panose="020B0604020202020204" pitchFamily="34" charset="0"/>
+              <a:buChar char="•"/>
+              <a:defRPr sz="1800" kern="1200">
+                <a:solidFill>
+                  <a:schemeClr val="tx1"/>
+                </a:solidFill>
+                <a:latin typeface="+mn-lt"/>
+                <a:ea typeface="+mn-ea"/>
+                <a:cs typeface="+mn-cs"/>
+              </a:defRPr>
+            </a:lvl9pPr>
+          </a:lstStyle>
+          <a:p>
+            <a:r>
+              <a:rPr lang="en-US" dirty="0"/>
+              <a:t>FEATURES OF FUTURE</a:t>
+            </a:r>
+            <a:endParaRPr lang="en-US" dirty="0"/>
+          </a:p>
+        </p:txBody>
+      </p:sp>
+      <p:sp>
+        <p:nvSpPr>
+          <p:cNvPr id="7" name="Rectangle 6"/>
+          <p:cNvSpPr/>
+          <p:nvPr/>
+        </p:nvSpPr>
+        <p:spPr>
+          <a:xfrm>
+            <a:off x="942340" y="2902585"/>
+            <a:ext cx="5478780" cy="228600"/>
           </a:xfrm>
           <a:prstGeom prst="rect">
             <a:avLst/>
@@ -30519,196 +30731,47 @@
           </a:p>
         </p:txBody>
       </p:sp>
-      <p:sp>
-        <p:nvSpPr>
-          <p:cNvPr id="11" name="Rectangle 10"/>
-          <p:cNvSpPr/>
-          <p:nvPr/>
-        </p:nvSpPr>
-        <p:spPr>
-          <a:xfrm>
-            <a:off x="762000" y="5046903"/>
-            <a:ext cx="1490921" cy="369332"/>
-          </a:xfrm>
-          <a:prstGeom prst="rect">
-            <a:avLst/>
-          </a:prstGeom>
-        </p:spPr>
-        <p:txBody>
-          <a:bodyPr wrap="none">
-            <a:spAutoFit/>
-          </a:bodyPr>
-          <a:p>
-            <a:pPr marL="285750" indent="-285750">
-              <a:buFont typeface="Arial" panose="020B0604020202020204" pitchFamily="34" charset="0"/>
-              <a:buChar char="•"/>
-            </a:pPr>
-            <a:r>
-              <a:rPr lang="en-US" b="1" i="1" dirty="0" err="1" smtClean="0">
-                <a:solidFill>
-                  <a:srgbClr val="333333"/>
-                </a:solidFill>
-                <a:latin typeface="raleway" charset="0"/>
-              </a:rPr>
-              <a:t>isTerminal</a:t>
-            </a:r>
-            <a:endParaRPr lang="en-US" b="1" i="0" u="none" strike="noStrike" dirty="0">
-              <a:solidFill>
-                <a:srgbClr val="333333"/>
-              </a:solidFill>
-              <a:effectLst/>
-              <a:latin typeface="raleway" charset="0"/>
-            </a:endParaRPr>
-          </a:p>
-        </p:txBody>
-      </p:sp>
-      <p:sp>
-        <p:nvSpPr>
-          <p:cNvPr id="12" name="Rectangle 11"/>
-          <p:cNvSpPr/>
-          <p:nvPr/>
-        </p:nvSpPr>
-        <p:spPr>
-          <a:xfrm>
-            <a:off x="762000" y="5446242"/>
-            <a:ext cx="1242648" cy="369332"/>
-          </a:xfrm>
-          <a:prstGeom prst="rect">
-            <a:avLst/>
-          </a:prstGeom>
-        </p:spPr>
-        <p:txBody>
-          <a:bodyPr wrap="none">
-            <a:spAutoFit/>
-          </a:bodyPr>
-          <a:p>
-            <a:pPr marL="285750" indent="-285750">
-              <a:buFont typeface="Arial" panose="020B0604020202020204" pitchFamily="34" charset="0"/>
-              <a:buChar char="•"/>
-            </a:pPr>
-            <a:r>
-              <a:rPr lang="en-US" b="1" i="1" dirty="0">
-                <a:solidFill>
-                  <a:srgbClr val="333333"/>
-                </a:solidFill>
-                <a:latin typeface="raleway" charset="0"/>
-              </a:rPr>
-              <a:t>c</a:t>
-            </a:r>
-            <a:r>
-              <a:rPr lang="en-US" b="1" i="1" dirty="0" smtClean="0">
-                <a:solidFill>
-                  <a:srgbClr val="333333"/>
-                </a:solidFill>
-                <a:latin typeface="raleway" charset="0"/>
-              </a:rPr>
-              <a:t>ancel()</a:t>
-            </a:r>
-            <a:endParaRPr lang="en-US" b="1" i="0" u="none" strike="noStrike" dirty="0">
-              <a:solidFill>
-                <a:srgbClr val="333333"/>
-              </a:solidFill>
-              <a:effectLst/>
-              <a:latin typeface="raleway" charset="0"/>
-            </a:endParaRPr>
-          </a:p>
-        </p:txBody>
-      </p:sp>
-      <p:sp>
-        <p:nvSpPr>
-          <p:cNvPr id="14" name="Rectangle 13"/>
-          <p:cNvSpPr/>
-          <p:nvPr/>
-        </p:nvSpPr>
-        <p:spPr>
-          <a:xfrm>
-            <a:off x="762000" y="5845581"/>
-            <a:ext cx="1447832" cy="369332"/>
-          </a:xfrm>
-          <a:prstGeom prst="rect">
-            <a:avLst/>
-          </a:prstGeom>
-        </p:spPr>
-        <p:txBody>
-          <a:bodyPr wrap="none">
-            <a:spAutoFit/>
-          </a:bodyPr>
-          <a:p>
-            <a:pPr marL="285750" indent="-285750">
-              <a:buFont typeface="Arial" panose="020B0604020202020204" pitchFamily="34" charset="0"/>
-              <a:buChar char="•"/>
-            </a:pPr>
-            <a:r>
-              <a:rPr lang="en-US" b="1" i="1" dirty="0" err="1" smtClean="0">
-                <a:solidFill>
-                  <a:srgbClr val="333333"/>
-                </a:solidFill>
-                <a:latin typeface="raleway" charset="0"/>
-              </a:rPr>
-              <a:t>isCancel</a:t>
-            </a:r>
-            <a:r>
-              <a:rPr lang="en-US" b="1" i="1" dirty="0" smtClean="0">
-                <a:solidFill>
-                  <a:srgbClr val="333333"/>
-                </a:solidFill>
-                <a:latin typeface="raleway" charset="0"/>
-              </a:rPr>
-              <a:t>()</a:t>
-            </a:r>
-            <a:endParaRPr lang="en-US" b="1" i="0" u="none" strike="noStrike" dirty="0">
-              <a:solidFill>
-                <a:srgbClr val="333333"/>
-              </a:solidFill>
-              <a:effectLst/>
-              <a:latin typeface="raleway" charset="0"/>
-            </a:endParaRPr>
-          </a:p>
-        </p:txBody>
-      </p:sp>
-      <p:sp>
-        <p:nvSpPr>
-          <p:cNvPr id="6" name="TextBox 25"/>
-          <p:cNvSpPr txBox="1"/>
-          <p:nvPr/>
-        </p:nvSpPr>
-        <p:spPr>
-          <a:xfrm>
-            <a:off x="4163954" y="1875492"/>
-            <a:ext cx="2819400" cy="368300"/>
-          </a:xfrm>
-          <a:prstGeom prst="rect">
-            <a:avLst/>
-          </a:prstGeom>
-          <a:noFill/>
-        </p:spPr>
-        <p:txBody>
-          <a:bodyPr wrap="square" rtlCol="0">
-            <a:spAutoFit/>
-          </a:bodyPr>
-          <a:p>
-            <a:r>
-              <a:rPr lang="en-US" b="1" i="1" dirty="0" smtClean="0">
-                <a:solidFill>
-                  <a:srgbClr val="D78000"/>
-                </a:solidFill>
-                <a:latin typeface="Abadi MT Condensed Light" charset="0"/>
-                <a:ea typeface="Abadi MT Condensed Light" charset="0"/>
-                <a:cs typeface="Abadi MT Condensed Light" charset="0"/>
-              </a:rPr>
-              <a:t>List of Future</a:t>
-            </a:r>
-            <a:endParaRPr lang="en-US" b="1" i="1" dirty="0">
-              <a:solidFill>
-                <a:srgbClr val="D78000"/>
-              </a:solidFill>
-              <a:latin typeface="Abadi MT Condensed Light" charset="0"/>
-              <a:ea typeface="Abadi MT Condensed Light" charset="0"/>
-              <a:cs typeface="Abadi MT Condensed Light" charset="0"/>
-            </a:endParaRPr>
-          </a:p>
-        </p:txBody>
-      </p:sp>
+      <p:cxnSp>
+        <p:nvCxnSpPr>
+          <p:cNvPr id="15" name="Elbow Connector 14"/>
+          <p:cNvCxnSpPr>
+            <a:stCxn id="6" idx="3"/>
+            <a:endCxn id="7" idx="3"/>
+          </p:cNvCxnSpPr>
+          <p:nvPr/>
+        </p:nvCxnSpPr>
+        <p:spPr>
+          <a:xfrm>
+            <a:off x="6232525" y="1807210"/>
+            <a:ext cx="188595" cy="1209675"/>
+          </a:xfrm>
+          <a:prstGeom prst="bentConnector3">
+            <a:avLst>
+              <a:gd name="adj1" fmla="val 1086195"/>
+            </a:avLst>
+          </a:prstGeom>
+          <a:ln>
+            <a:solidFill>
+              <a:schemeClr val="tx1"/>
+            </a:solidFill>
+            <a:tailEnd type="arrow"/>
+          </a:ln>
+        </p:spPr>
+        <p:style>
+          <a:lnRef idx="1">
+            <a:schemeClr val="accent1"/>
+          </a:lnRef>
+          <a:fillRef idx="0">
+            <a:schemeClr val="accent1"/>
+          </a:fillRef>
+          <a:effectRef idx="0">
+            <a:schemeClr val="accent1"/>
+          </a:effectRef>
+          <a:fontRef idx="minor">
+            <a:schemeClr val="tx1"/>
+          </a:fontRef>
+        </p:style>
+      </p:cxnSp>
     </p:spTree>
   </p:cSld>
   <p:clrMapOvr>
@@ -31012,9 +31075,9 @@
                 <a:solidFill>
                   <a:sysClr val="windowText" lastClr="000000"/>
                 </a:solidFill>
-                <a:latin typeface="Abadi MT Condensed Light" charset="0"/>
-                <a:ea typeface="Abadi MT Condensed Light" charset="0"/>
-                <a:cs typeface="Abadi MT Condensed Light" charset="0"/>
+                <a:latin typeface="Adobe Arabic" panose="02040503050201020203" charset="0"/>
+                <a:ea typeface="Abadi MT Condensed Light" charset="0"/>
+                <a:cs typeface="Adobe Arabic" panose="02040503050201020203" charset="0"/>
               </a:rPr>
               <a:t>getNonDiscountPrice</a:t>
             </a:r>
@@ -31023,9 +31086,9 @@
                 <a:solidFill>
                   <a:sysClr val="windowText" lastClr="000000"/>
                 </a:solidFill>
-                <a:latin typeface="Abadi MT Condensed Light" charset="0"/>
-                <a:ea typeface="Abadi MT Condensed Light" charset="0"/>
-                <a:cs typeface="Abadi MT Condensed Light" charset="0"/>
+                <a:latin typeface="Adobe Arabic" panose="02040503050201020203" charset="0"/>
+                <a:ea typeface="Abadi MT Condensed Light" charset="0"/>
+                <a:cs typeface="Adobe Arabic" panose="02040503050201020203" charset="0"/>
               </a:rPr>
               <a:t>()</a:t>
             </a:r>
@@ -31033,9 +31096,9 @@
               <a:solidFill>
                 <a:sysClr val="windowText" lastClr="000000"/>
               </a:solidFill>
-              <a:latin typeface="Abadi MT Condensed Light" charset="0"/>
+              <a:latin typeface="Adobe Arabic" panose="02040503050201020203" charset="0"/>
               <a:ea typeface="Abadi MT Condensed Light" charset="0"/>
-              <a:cs typeface="Abadi MT Condensed Light" charset="0"/>
+              <a:cs typeface="Adobe Arabic" panose="02040503050201020203" charset="0"/>
             </a:endParaRPr>
           </a:p>
         </p:txBody>
@@ -31089,9 +31152,9 @@
                 <a:solidFill>
                   <a:sysClr val="windowText" lastClr="000000"/>
                 </a:solidFill>
-                <a:latin typeface="Abadi MT Condensed Light" charset="0"/>
-                <a:ea typeface="Abadi MT Condensed Light" charset="0"/>
-                <a:cs typeface="Abadi MT Condensed Light" charset="0"/>
+                <a:latin typeface="Adobe Arabic" panose="02040503050201020203" charset="0"/>
+                <a:ea typeface="Abadi MT Condensed Light" charset="0"/>
+                <a:cs typeface="Adobe Arabic" panose="02040503050201020203" charset="0"/>
               </a:rPr>
               <a:t>getDiscountPercent</a:t>
             </a:r>
@@ -31100,9 +31163,9 @@
                 <a:solidFill>
                   <a:sysClr val="windowText" lastClr="000000"/>
                 </a:solidFill>
-                <a:latin typeface="Abadi MT Condensed Light" charset="0"/>
-                <a:ea typeface="Abadi MT Condensed Light" charset="0"/>
-                <a:cs typeface="Abadi MT Condensed Light" charset="0"/>
+                <a:latin typeface="Adobe Arabic" panose="02040503050201020203" charset="0"/>
+                <a:ea typeface="Abadi MT Condensed Light" charset="0"/>
+                <a:cs typeface="Adobe Arabic" panose="02040503050201020203" charset="0"/>
               </a:rPr>
               <a:t>()</a:t>
             </a:r>
@@ -31110,9 +31173,9 @@
               <a:solidFill>
                 <a:sysClr val="windowText" lastClr="000000"/>
               </a:solidFill>
-              <a:latin typeface="Abadi MT Condensed Light" charset="0"/>
+              <a:latin typeface="Adobe Arabic" panose="02040503050201020203" charset="0"/>
               <a:ea typeface="Abadi MT Condensed Light" charset="0"/>
-              <a:cs typeface="Abadi MT Condensed Light" charset="0"/>
+              <a:cs typeface="Adobe Arabic" panose="02040503050201020203" charset="0"/>
             </a:endParaRPr>
           </a:p>
         </p:txBody>
@@ -31166,9 +31229,9 @@
                 <a:solidFill>
                   <a:sysClr val="windowText" lastClr="000000"/>
                 </a:solidFill>
-                <a:latin typeface="Abadi MT Condensed Light" charset="0"/>
-                <a:ea typeface="Abadi MT Condensed Light" charset="0"/>
-                <a:cs typeface="Abadi MT Condensed Light" charset="0"/>
+                <a:latin typeface="Adobe Arabic" panose="02040503050201020203" charset="0"/>
+                <a:ea typeface="Abadi MT Condensed Light" charset="0"/>
+                <a:cs typeface="Adobe Arabic" panose="02040503050201020203" charset="0"/>
               </a:rPr>
               <a:t>extractData</a:t>
             </a:r>
@@ -31177,9 +31240,9 @@
                 <a:solidFill>
                   <a:sysClr val="windowText" lastClr="000000"/>
                 </a:solidFill>
-                <a:latin typeface="Abadi MT Condensed Light" charset="0"/>
-                <a:ea typeface="Abadi MT Condensed Light" charset="0"/>
-                <a:cs typeface="Abadi MT Condensed Light" charset="0"/>
+                <a:latin typeface="Adobe Arabic" panose="02040503050201020203" charset="0"/>
+                <a:ea typeface="Abadi MT Condensed Light" charset="0"/>
+                <a:cs typeface="Adobe Arabic" panose="02040503050201020203" charset="0"/>
               </a:rPr>
               <a:t>()</a:t>
             </a:r>
@@ -31187,9 +31250,9 @@
               <a:solidFill>
                 <a:sysClr val="windowText" lastClr="000000"/>
               </a:solidFill>
-              <a:latin typeface="Abadi MT Condensed Light" charset="0"/>
+              <a:latin typeface="Adobe Arabic" panose="02040503050201020203" charset="0"/>
               <a:ea typeface="Abadi MT Condensed Light" charset="0"/>
-              <a:cs typeface="Abadi MT Condensed Light" charset="0"/>
+              <a:cs typeface="Adobe Arabic" panose="02040503050201020203" charset="0"/>
             </a:endParaRPr>
           </a:p>
         </p:txBody>
@@ -31243,9 +31306,9 @@
                 <a:solidFill>
                   <a:sysClr val="windowText" lastClr="000000"/>
                 </a:solidFill>
-                <a:latin typeface="Abadi MT Condensed Light" charset="0"/>
-                <a:ea typeface="Abadi MT Condensed Light" charset="0"/>
-                <a:cs typeface="Abadi MT Condensed Light" charset="0"/>
+                <a:latin typeface="Adobe Arabic" panose="02040503050201020203" charset="0"/>
+                <a:ea typeface="Abadi MT Condensed Light" charset="0"/>
+                <a:cs typeface="Adobe Arabic" panose="02040503050201020203" charset="0"/>
               </a:rPr>
               <a:t>getExchangeCurrency</a:t>
             </a:r>
@@ -31254,9 +31317,9 @@
                 <a:solidFill>
                   <a:sysClr val="windowText" lastClr="000000"/>
                 </a:solidFill>
-                <a:latin typeface="Abadi MT Condensed Light" charset="0"/>
-                <a:ea typeface="Abadi MT Condensed Light" charset="0"/>
-                <a:cs typeface="Abadi MT Condensed Light" charset="0"/>
+                <a:latin typeface="Adobe Arabic" panose="02040503050201020203" charset="0"/>
+                <a:ea typeface="Abadi MT Condensed Light" charset="0"/>
+                <a:cs typeface="Adobe Arabic" panose="02040503050201020203" charset="0"/>
               </a:rPr>
               <a:t>()</a:t>
             </a:r>
@@ -31264,9 +31327,9 @@
               <a:solidFill>
                 <a:sysClr val="windowText" lastClr="000000"/>
               </a:solidFill>
-              <a:latin typeface="Abadi MT Condensed Light" charset="0"/>
+              <a:latin typeface="Adobe Arabic" panose="02040503050201020203" charset="0"/>
               <a:ea typeface="Abadi MT Condensed Light" charset="0"/>
-              <a:cs typeface="Abadi MT Condensed Light" charset="0"/>
+              <a:cs typeface="Adobe Arabic" panose="02040503050201020203" charset="0"/>
             </a:endParaRPr>
           </a:p>
         </p:txBody>
@@ -31298,19 +31361,19 @@
                 <a:solidFill>
                   <a:srgbClr val="D78000"/>
                 </a:solidFill>
-                <a:latin typeface="Abadi MT Condensed Light" charset="0"/>
-                <a:ea typeface="Abadi MT Condensed Light" charset="0"/>
-                <a:cs typeface="Abadi MT Condensed Light" charset="0"/>
+                <a:latin typeface="Adobe Arabic" panose="02040503050201020203" charset="0"/>
+                <a:ea typeface="Abadi MT Condensed Light" charset="0"/>
+                <a:cs typeface="Adobe Arabic" panose="02040503050201020203" charset="0"/>
               </a:rPr>
               <a:t>Amazon|20$|Gold</a:t>
             </a:r>
-            <a:endParaRPr lang="en-US" b="1" i="1" dirty="0">
+            <a:endParaRPr lang="en-US" b="1" i="1" dirty="0" smtClean="0">
               <a:solidFill>
                 <a:srgbClr val="D78000"/>
               </a:solidFill>
-              <a:latin typeface="Abadi MT Condensed Light" charset="0"/>
+              <a:latin typeface="Adobe Arabic" panose="02040503050201020203" charset="0"/>
               <a:ea typeface="Abadi MT Condensed Light" charset="0"/>
-              <a:cs typeface="Abadi MT Condensed Light" charset="0"/>
+              <a:cs typeface="Adobe Arabic" panose="02040503050201020203" charset="0"/>
             </a:endParaRPr>
           </a:p>
         </p:txBody>
@@ -31342,19 +31405,19 @@
                 <a:solidFill>
                   <a:srgbClr val="D78000"/>
                 </a:solidFill>
-                <a:latin typeface="Abadi MT Condensed Light" charset="0"/>
-                <a:ea typeface="Abadi MT Condensed Light" charset="0"/>
-                <a:cs typeface="Abadi MT Condensed Light" charset="0"/>
+                <a:latin typeface="Adobe Arabic" panose="02040503050201020203" charset="0"/>
+                <a:ea typeface="Abadi MT Condensed Light" charset="0"/>
+                <a:cs typeface="Adobe Arabic" panose="02040503050201020203" charset="0"/>
               </a:rPr>
               <a:t>Price: 20|Discount: Gold</a:t>
             </a:r>
-            <a:endParaRPr lang="en-US" b="1" i="1" dirty="0">
+            <a:endParaRPr lang="en-US" b="1" i="1" dirty="0" smtClean="0">
               <a:solidFill>
                 <a:srgbClr val="D78000"/>
               </a:solidFill>
-              <a:latin typeface="Abadi MT Condensed Light" charset="0"/>
+              <a:latin typeface="Adobe Arabic" panose="02040503050201020203" charset="0"/>
               <a:ea typeface="Abadi MT Condensed Light" charset="0"/>
-              <a:cs typeface="Abadi MT Condensed Light" charset="0"/>
+              <a:cs typeface="Adobe Arabic" panose="02040503050201020203" charset="0"/>
             </a:endParaRPr>
           </a:p>
         </p:txBody>
@@ -31406,8 +31469,8 @@
         </p:nvSpPr>
         <p:spPr>
           <a:xfrm>
-            <a:off x="3200403" y="379730"/>
-            <a:ext cx="1676401" cy="533400"/>
+            <a:off x="3007360" y="379730"/>
+            <a:ext cx="1869440" cy="533400"/>
           </a:xfrm>
           <a:prstGeom prst="roundRect">
             <a:avLst/>
@@ -31447,9 +31510,9 @@
                 <a:solidFill>
                   <a:sysClr val="windowText" lastClr="000000"/>
                 </a:solidFill>
-                <a:latin typeface="Abadi MT Condensed Light" charset="0"/>
-                <a:ea typeface="Abadi MT Condensed Light" charset="0"/>
-                <a:cs typeface="Abadi MT Condensed Light" charset="0"/>
+                <a:latin typeface="Adobe Arabic" panose="02040503050201020203" charset="0"/>
+                <a:ea typeface="Abadi MT Condensed Light" charset="0"/>
+                <a:cs typeface="Adobe Arabic" panose="02040503050201020203" charset="0"/>
               </a:rPr>
               <a:t>findPrice</a:t>
             </a:r>
@@ -31458,9 +31521,9 @@
                 <a:solidFill>
                   <a:sysClr val="windowText" lastClr="000000"/>
                 </a:solidFill>
-                <a:latin typeface="Abadi MT Condensed Light" charset="0"/>
-                <a:ea typeface="Abadi MT Condensed Light" charset="0"/>
-                <a:cs typeface="Abadi MT Condensed Light" charset="0"/>
+                <a:latin typeface="Adobe Arabic" panose="02040503050201020203" charset="0"/>
+                <a:ea typeface="Abadi MT Condensed Light" charset="0"/>
+                <a:cs typeface="Adobe Arabic" panose="02040503050201020203" charset="0"/>
               </a:rPr>
               <a:t>()</a:t>
             </a:r>
@@ -31468,9 +31531,9 @@
               <a:solidFill>
                 <a:sysClr val="windowText" lastClr="000000"/>
               </a:solidFill>
-              <a:latin typeface="Abadi MT Condensed Light" charset="0"/>
+              <a:latin typeface="Adobe Arabic" panose="02040503050201020203" charset="0"/>
               <a:ea typeface="Abadi MT Condensed Light" charset="0"/>
-              <a:cs typeface="Abadi MT Condensed Light" charset="0"/>
+              <a:cs typeface="Adobe Arabic" panose="02040503050201020203" charset="0"/>
             </a:endParaRPr>
           </a:p>
         </p:txBody>
@@ -31502,19 +31565,19 @@
                 <a:solidFill>
                   <a:srgbClr val="02A9F7"/>
                 </a:solidFill>
-                <a:latin typeface="Abadi MT Condensed Light" charset="0"/>
-                <a:ea typeface="Abadi MT Condensed Light" charset="0"/>
-                <a:cs typeface="Abadi MT Condensed Light" charset="0"/>
+                <a:latin typeface="Adobe Arabic" panose="02040503050201020203" charset="0"/>
+                <a:ea typeface="Abadi MT Condensed Light" charset="0"/>
+                <a:cs typeface="Adobe Arabic" panose="02040503050201020203" charset="0"/>
               </a:rPr>
               <a:t>iphone11</a:t>
             </a:r>
-            <a:endParaRPr lang="en-US" b="1" i="1" dirty="0">
+            <a:endParaRPr lang="en-US" b="1" i="1" dirty="0" smtClean="0">
               <a:solidFill>
                 <a:srgbClr val="02A9F7"/>
               </a:solidFill>
-              <a:latin typeface="Abadi MT Condensed Light" charset="0"/>
+              <a:latin typeface="Adobe Arabic" panose="02040503050201020203" charset="0"/>
               <a:ea typeface="Abadi MT Condensed Light" charset="0"/>
-              <a:cs typeface="Abadi MT Condensed Light" charset="0"/>
+              <a:cs typeface="Adobe Arabic" panose="02040503050201020203" charset="0"/>
             </a:endParaRPr>
           </a:p>
         </p:txBody>
@@ -31546,19 +31609,19 @@
                 <a:solidFill>
                   <a:srgbClr val="02A9F7"/>
                 </a:solidFill>
-                <a:latin typeface="Abadi MT Condensed Light" charset="0"/>
-                <a:ea typeface="Abadi MT Condensed Light" charset="0"/>
-                <a:cs typeface="Abadi MT Condensed Light" charset="0"/>
+                <a:latin typeface="Adobe Arabic" panose="02040503050201020203" charset="0"/>
+                <a:ea typeface="Abadi MT Condensed Light" charset="0"/>
+                <a:cs typeface="Adobe Arabic" panose="02040503050201020203" charset="0"/>
               </a:rPr>
               <a:t>Amazon|20$|Gold</a:t>
             </a:r>
-            <a:endParaRPr lang="en-US" b="1" i="1" dirty="0">
+            <a:endParaRPr lang="en-US" b="1" i="1" dirty="0" smtClean="0">
               <a:solidFill>
                 <a:srgbClr val="02A9F7"/>
               </a:solidFill>
-              <a:latin typeface="Abadi MT Condensed Light" charset="0"/>
+              <a:latin typeface="Adobe Arabic" panose="02040503050201020203" charset="0"/>
               <a:ea typeface="Abadi MT Condensed Light" charset="0"/>
-              <a:cs typeface="Abadi MT Condensed Light" charset="0"/>
+              <a:cs typeface="Adobe Arabic" panose="02040503050201020203" charset="0"/>
             </a:endParaRPr>
           </a:p>
         </p:txBody>
@@ -31590,19 +31653,19 @@
                 <a:solidFill>
                   <a:srgbClr val="D78000"/>
                 </a:solidFill>
-                <a:latin typeface="Abadi MT Condensed Light" charset="0"/>
-                <a:ea typeface="Abadi MT Condensed Light" charset="0"/>
-                <a:cs typeface="Abadi MT Condensed Light" charset="0"/>
+                <a:latin typeface="Adobe Arabic" panose="02040503050201020203" charset="0"/>
+                <a:ea typeface="Abadi MT Condensed Light" charset="0"/>
+                <a:cs typeface="Adobe Arabic" panose="02040503050201020203" charset="0"/>
               </a:rPr>
               <a:t>20%</a:t>
             </a:r>
-            <a:endParaRPr lang="en-US" b="1" i="1" dirty="0">
+            <a:endParaRPr lang="en-US" b="1" i="1" dirty="0" smtClean="0">
               <a:solidFill>
                 <a:srgbClr val="D78000"/>
               </a:solidFill>
-              <a:latin typeface="Abadi MT Condensed Light" charset="0"/>
+              <a:latin typeface="Adobe Arabic" panose="02040503050201020203" charset="0"/>
               <a:ea typeface="Abadi MT Condensed Light" charset="0"/>
-              <a:cs typeface="Abadi MT Condensed Light" charset="0"/>
+              <a:cs typeface="Adobe Arabic" panose="02040503050201020203" charset="0"/>
             </a:endParaRPr>
           </a:p>
         </p:txBody>
@@ -31634,19 +31697,19 @@
                 <a:solidFill>
                   <a:srgbClr val="02A9F7"/>
                 </a:solidFill>
-                <a:latin typeface="Abadi MT Condensed Light" charset="0"/>
-                <a:ea typeface="Abadi MT Condensed Light" charset="0"/>
-                <a:cs typeface="Abadi MT Condensed Light" charset="0"/>
+                <a:latin typeface="Adobe Arabic" panose="02040503050201020203" charset="0"/>
+                <a:ea typeface="Abadi MT Condensed Light" charset="0"/>
+                <a:cs typeface="Adobe Arabic" panose="02040503050201020203" charset="0"/>
               </a:rPr>
               <a:t>Gold</a:t>
             </a:r>
-            <a:endParaRPr lang="en-US" b="1" i="1" dirty="0">
+            <a:endParaRPr lang="en-US" b="1" i="1" dirty="0" smtClean="0">
               <a:solidFill>
                 <a:srgbClr val="02A9F7"/>
               </a:solidFill>
-              <a:latin typeface="Abadi MT Condensed Light" charset="0"/>
+              <a:latin typeface="Adobe Arabic" panose="02040503050201020203" charset="0"/>
               <a:ea typeface="Abadi MT Condensed Light" charset="0"/>
-              <a:cs typeface="Abadi MT Condensed Light" charset="0"/>
+              <a:cs typeface="Adobe Arabic" panose="02040503050201020203" charset="0"/>
             </a:endParaRPr>
           </a:p>
         </p:txBody>
@@ -31659,7 +31722,7 @@
         </p:nvSpPr>
         <p:spPr>
           <a:xfrm>
-            <a:off x="6410584" y="5365662"/>
+            <a:off x="6477259" y="5230407"/>
             <a:ext cx="1009651" cy="369332"/>
           </a:xfrm>
           <a:prstGeom prst="rect">
@@ -31678,19 +31741,19 @@
                 <a:solidFill>
                   <a:srgbClr val="D78000"/>
                 </a:solidFill>
-                <a:latin typeface="Abadi MT Condensed Light" charset="0"/>
-                <a:ea typeface="Abadi MT Condensed Light" charset="0"/>
-                <a:cs typeface="Abadi MT Condensed Light" charset="0"/>
+                <a:latin typeface="Adobe Arabic" panose="02040503050201020203" charset="0"/>
+                <a:ea typeface="Abadi MT Condensed Light" charset="0"/>
+                <a:cs typeface="Adobe Arabic" panose="02040503050201020203" charset="0"/>
               </a:rPr>
               <a:t>23000</a:t>
             </a:r>
-            <a:endParaRPr lang="en-US" b="1" i="1" dirty="0">
+            <a:endParaRPr lang="en-US" b="1" i="1" dirty="0" smtClean="0">
               <a:solidFill>
                 <a:srgbClr val="D78000"/>
               </a:solidFill>
-              <a:latin typeface="Abadi MT Condensed Light" charset="0"/>
+              <a:latin typeface="Adobe Arabic" panose="02040503050201020203" charset="0"/>
               <a:ea typeface="Abadi MT Condensed Light" charset="0"/>
-              <a:cs typeface="Abadi MT Condensed Light" charset="0"/>
+              <a:cs typeface="Adobe Arabic" panose="02040503050201020203" charset="0"/>
             </a:endParaRPr>
           </a:p>
         </p:txBody>
@@ -31722,9 +31785,9 @@
                 <a:solidFill>
                   <a:srgbClr val="02A9F7"/>
                 </a:solidFill>
-                <a:latin typeface="Abadi MT Condensed Light" charset="0"/>
-                <a:ea typeface="Abadi MT Condensed Light" charset="0"/>
-                <a:cs typeface="Abadi MT Condensed Light" charset="0"/>
+                <a:latin typeface="Adobe Arabic" panose="02040503050201020203" charset="0"/>
+                <a:ea typeface="Abadi MT Condensed Light" charset="0"/>
+                <a:cs typeface="Adobe Arabic" panose="02040503050201020203" charset="0"/>
               </a:rPr>
               <a:t>From:$ </a:t>
             </a:r>
@@ -31733,9 +31796,9 @@
                 <a:solidFill>
                   <a:srgbClr val="02A9F7"/>
                 </a:solidFill>
-                <a:latin typeface="Abadi MT Condensed Light" charset="0"/>
-                <a:ea typeface="Abadi MT Condensed Light" charset="0"/>
-                <a:cs typeface="Abadi MT Condensed Light" charset="0"/>
+                <a:latin typeface="Adobe Arabic" panose="02040503050201020203" charset="0"/>
+                <a:ea typeface="Abadi MT Condensed Light" charset="0"/>
+                <a:cs typeface="Adobe Arabic" panose="02040503050201020203" charset="0"/>
               </a:rPr>
               <a:t>To:VND</a:t>
             </a:r>
@@ -31743,9 +31806,9 @@
               <a:solidFill>
                 <a:srgbClr val="02A9F7"/>
               </a:solidFill>
-              <a:latin typeface="Abadi MT Condensed Light" charset="0"/>
+              <a:latin typeface="Adobe Arabic" panose="02040503050201020203" charset="0"/>
               <a:ea typeface="Abadi MT Condensed Light" charset="0"/>
-              <a:cs typeface="Abadi MT Condensed Light" charset="0"/>
+              <a:cs typeface="Adobe Arabic" panose="02040503050201020203" charset="0"/>
             </a:endParaRPr>
           </a:p>
         </p:txBody>
@@ -31761,8 +31824,8 @@
         </p:nvCxnSpPr>
         <p:spPr>
           <a:xfrm>
-            <a:off x="4876804" y="646430"/>
-            <a:ext cx="1552831" cy="383052"/>
+            <a:off x="4876800" y="646430"/>
+            <a:ext cx="1552575" cy="382905"/>
           </a:xfrm>
           <a:prstGeom prst="curvedConnector2">
             <a:avLst/>
@@ -31840,19 +31903,19 @@
                 <a:solidFill>
                   <a:sysClr val="windowText" lastClr="000000"/>
                 </a:solidFill>
-                <a:latin typeface="Abadi MT Condensed Light" charset="0"/>
-                <a:ea typeface="Abadi MT Condensed Light" charset="0"/>
-                <a:cs typeface="Abadi MT Condensed Light" charset="0"/>
+                <a:latin typeface="Adobe Arabic" panose="02040503050201020203" charset="0"/>
+                <a:ea typeface="Abadi MT Condensed Light" charset="0"/>
+                <a:cs typeface="Adobe Arabic" panose="02040503050201020203" charset="0"/>
               </a:rPr>
               <a:t>calculate()</a:t>
             </a:r>
-            <a:endParaRPr lang="en-US" sz="2000" dirty="0">
+            <a:endParaRPr lang="en-US" sz="2000" dirty="0" smtClean="0">
               <a:solidFill>
                 <a:sysClr val="windowText" lastClr="000000"/>
               </a:solidFill>
-              <a:latin typeface="Abadi MT Condensed Light" charset="0"/>
+              <a:latin typeface="Adobe Arabic" panose="02040503050201020203" charset="0"/>
               <a:ea typeface="Abadi MT Condensed Light" charset="0"/>
-              <a:cs typeface="Abadi MT Condensed Light" charset="0"/>
+              <a:cs typeface="Adobe Arabic" panose="02040503050201020203" charset="0"/>
             </a:endParaRPr>
           </a:p>
         </p:txBody>
@@ -31906,9 +31969,9 @@
                 <a:solidFill>
                   <a:sysClr val="windowText" lastClr="000000"/>
                 </a:solidFill>
-                <a:latin typeface="Abadi MT Condensed Light" charset="0"/>
-                <a:ea typeface="Abadi MT Condensed Light" charset="0"/>
-                <a:cs typeface="Abadi MT Condensed Light" charset="0"/>
+                <a:latin typeface="Adobe Arabic" panose="02040503050201020203" charset="0"/>
+                <a:ea typeface="Abadi MT Condensed Light" charset="0"/>
+                <a:cs typeface="Adobe Arabic" panose="02040503050201020203" charset="0"/>
               </a:rPr>
               <a:t>getNonDiscountPrice</a:t>
             </a:r>
@@ -31917,9 +31980,9 @@
                 <a:solidFill>
                   <a:sysClr val="windowText" lastClr="000000"/>
                 </a:solidFill>
-                <a:latin typeface="Abadi MT Condensed Light" charset="0"/>
-                <a:ea typeface="Abadi MT Condensed Light" charset="0"/>
-                <a:cs typeface="Abadi MT Condensed Light" charset="0"/>
+                <a:latin typeface="Adobe Arabic" panose="02040503050201020203" charset="0"/>
+                <a:ea typeface="Abadi MT Condensed Light" charset="0"/>
+                <a:cs typeface="Adobe Arabic" panose="02040503050201020203" charset="0"/>
               </a:rPr>
               <a:t>()</a:t>
             </a:r>
@@ -31927,9 +31990,9 @@
               <a:solidFill>
                 <a:sysClr val="windowText" lastClr="000000"/>
               </a:solidFill>
-              <a:latin typeface="Abadi MT Condensed Light" charset="0"/>
+              <a:latin typeface="Adobe Arabic" panose="02040503050201020203" charset="0"/>
               <a:ea typeface="Abadi MT Condensed Light" charset="0"/>
-              <a:cs typeface="Abadi MT Condensed Light" charset="0"/>
+              <a:cs typeface="Adobe Arabic" panose="02040503050201020203" charset="0"/>
             </a:endParaRPr>
           </a:p>
         </p:txBody>
@@ -31983,9 +32046,9 @@
                 <a:solidFill>
                   <a:sysClr val="windowText" lastClr="000000"/>
                 </a:solidFill>
-                <a:latin typeface="Abadi MT Condensed Light" charset="0"/>
-                <a:ea typeface="Abadi MT Condensed Light" charset="0"/>
-                <a:cs typeface="Abadi MT Condensed Light" charset="0"/>
+                <a:latin typeface="Adobe Arabic" panose="02040503050201020203" charset="0"/>
+                <a:ea typeface="Abadi MT Condensed Light" charset="0"/>
+                <a:cs typeface="Adobe Arabic" panose="02040503050201020203" charset="0"/>
               </a:rPr>
               <a:t>getDiscountPercent</a:t>
             </a:r>
@@ -31994,9 +32057,9 @@
                 <a:solidFill>
                   <a:sysClr val="windowText" lastClr="000000"/>
                 </a:solidFill>
-                <a:latin typeface="Abadi MT Condensed Light" charset="0"/>
-                <a:ea typeface="Abadi MT Condensed Light" charset="0"/>
-                <a:cs typeface="Abadi MT Condensed Light" charset="0"/>
+                <a:latin typeface="Adobe Arabic" panose="02040503050201020203" charset="0"/>
+                <a:ea typeface="Abadi MT Condensed Light" charset="0"/>
+                <a:cs typeface="Adobe Arabic" panose="02040503050201020203" charset="0"/>
               </a:rPr>
               <a:t>()</a:t>
             </a:r>
@@ -32004,9 +32067,9 @@
               <a:solidFill>
                 <a:sysClr val="windowText" lastClr="000000"/>
               </a:solidFill>
-              <a:latin typeface="Abadi MT Condensed Light" charset="0"/>
+              <a:latin typeface="Adobe Arabic" panose="02040503050201020203" charset="0"/>
               <a:ea typeface="Abadi MT Condensed Light" charset="0"/>
-              <a:cs typeface="Abadi MT Condensed Light" charset="0"/>
+              <a:cs typeface="Adobe Arabic" panose="02040503050201020203" charset="0"/>
             </a:endParaRPr>
           </a:p>
         </p:txBody>
@@ -32060,9 +32123,9 @@
                 <a:solidFill>
                   <a:sysClr val="windowText" lastClr="000000"/>
                 </a:solidFill>
-                <a:latin typeface="Abadi MT Condensed Light" charset="0"/>
-                <a:ea typeface="Abadi MT Condensed Light" charset="0"/>
-                <a:cs typeface="Abadi MT Condensed Light" charset="0"/>
+                <a:latin typeface="Adobe Arabic" panose="02040503050201020203" charset="0"/>
+                <a:ea typeface="Abadi MT Condensed Light" charset="0"/>
+                <a:cs typeface="Adobe Arabic" panose="02040503050201020203" charset="0"/>
               </a:rPr>
               <a:t>extractData</a:t>
             </a:r>
@@ -32071,9 +32134,9 @@
                 <a:solidFill>
                   <a:sysClr val="windowText" lastClr="000000"/>
                 </a:solidFill>
-                <a:latin typeface="Abadi MT Condensed Light" charset="0"/>
-                <a:ea typeface="Abadi MT Condensed Light" charset="0"/>
-                <a:cs typeface="Abadi MT Condensed Light" charset="0"/>
+                <a:latin typeface="Adobe Arabic" panose="02040503050201020203" charset="0"/>
+                <a:ea typeface="Abadi MT Condensed Light" charset="0"/>
+                <a:cs typeface="Adobe Arabic" panose="02040503050201020203" charset="0"/>
               </a:rPr>
               <a:t>()</a:t>
             </a:r>
@@ -32081,9 +32144,9 @@
               <a:solidFill>
                 <a:sysClr val="windowText" lastClr="000000"/>
               </a:solidFill>
-              <a:latin typeface="Abadi MT Condensed Light" charset="0"/>
+              <a:latin typeface="Adobe Arabic" panose="02040503050201020203" charset="0"/>
               <a:ea typeface="Abadi MT Condensed Light" charset="0"/>
-              <a:cs typeface="Abadi MT Condensed Light" charset="0"/>
+              <a:cs typeface="Adobe Arabic" panose="02040503050201020203" charset="0"/>
             </a:endParaRPr>
           </a:p>
         </p:txBody>
@@ -32137,9 +32200,9 @@
                 <a:solidFill>
                   <a:sysClr val="windowText" lastClr="000000"/>
                 </a:solidFill>
-                <a:latin typeface="Abadi MT Condensed Light" charset="0"/>
-                <a:ea typeface="Abadi MT Condensed Light" charset="0"/>
-                <a:cs typeface="Abadi MT Condensed Light" charset="0"/>
+                <a:latin typeface="Adobe Arabic" panose="02040503050201020203" charset="0"/>
+                <a:ea typeface="Abadi MT Condensed Light" charset="0"/>
+                <a:cs typeface="Adobe Arabic" panose="02040503050201020203" charset="0"/>
               </a:rPr>
               <a:t>getExchangeCurrency</a:t>
             </a:r>
@@ -32148,9 +32211,9 @@
                 <a:solidFill>
                   <a:sysClr val="windowText" lastClr="000000"/>
                 </a:solidFill>
-                <a:latin typeface="Abadi MT Condensed Light" charset="0"/>
-                <a:ea typeface="Abadi MT Condensed Light" charset="0"/>
-                <a:cs typeface="Abadi MT Condensed Light" charset="0"/>
+                <a:latin typeface="Adobe Arabic" panose="02040503050201020203" charset="0"/>
+                <a:ea typeface="Abadi MT Condensed Light" charset="0"/>
+                <a:cs typeface="Adobe Arabic" panose="02040503050201020203" charset="0"/>
               </a:rPr>
               <a:t>()</a:t>
             </a:r>
@@ -32158,9 +32221,9 @@
               <a:solidFill>
                 <a:sysClr val="windowText" lastClr="000000"/>
               </a:solidFill>
-              <a:latin typeface="Abadi MT Condensed Light" charset="0"/>
+              <a:latin typeface="Adobe Arabic" panose="02040503050201020203" charset="0"/>
               <a:ea typeface="Abadi MT Condensed Light" charset="0"/>
-              <a:cs typeface="Abadi MT Condensed Light" charset="0"/>
+              <a:cs typeface="Adobe Arabic" panose="02040503050201020203" charset="0"/>
             </a:endParaRPr>
           </a:p>
         </p:txBody>
@@ -32192,19 +32255,19 @@
                 <a:solidFill>
                   <a:srgbClr val="D78000"/>
                 </a:solidFill>
-                <a:latin typeface="Abadi MT Condensed Light" charset="0"/>
-                <a:ea typeface="Abadi MT Condensed Light" charset="0"/>
-                <a:cs typeface="Abadi MT Condensed Light" charset="0"/>
+                <a:latin typeface="Adobe Arabic" panose="02040503050201020203" charset="0"/>
+                <a:ea typeface="Abadi MT Condensed Light" charset="0"/>
+                <a:cs typeface="Adobe Arabic" panose="02040503050201020203" charset="0"/>
               </a:rPr>
               <a:t>Price: 22|Discount: Silver</a:t>
             </a:r>
-            <a:endParaRPr lang="en-US" b="1" i="1" dirty="0">
+            <a:endParaRPr lang="en-US" b="1" i="1" dirty="0" smtClean="0">
               <a:solidFill>
                 <a:srgbClr val="D78000"/>
               </a:solidFill>
-              <a:latin typeface="Abadi MT Condensed Light" charset="0"/>
+              <a:latin typeface="Adobe Arabic" panose="02040503050201020203" charset="0"/>
               <a:ea typeface="Abadi MT Condensed Light" charset="0"/>
-              <a:cs typeface="Abadi MT Condensed Light" charset="0"/>
+              <a:cs typeface="Adobe Arabic" panose="02040503050201020203" charset="0"/>
             </a:endParaRPr>
           </a:p>
         </p:txBody>
@@ -32236,19 +32299,19 @@
                 <a:solidFill>
                   <a:srgbClr val="02A9F7"/>
                 </a:solidFill>
-                <a:latin typeface="Abadi MT Condensed Light" charset="0"/>
-                <a:ea typeface="Abadi MT Condensed Light" charset="0"/>
-                <a:cs typeface="Abadi MT Condensed Light" charset="0"/>
+                <a:latin typeface="Adobe Arabic" panose="02040503050201020203" charset="0"/>
+                <a:ea typeface="Abadi MT Condensed Light" charset="0"/>
+                <a:cs typeface="Adobe Arabic" panose="02040503050201020203" charset="0"/>
               </a:rPr>
               <a:t>iphone11</a:t>
             </a:r>
-            <a:endParaRPr lang="en-US" b="1" i="1" dirty="0">
+            <a:endParaRPr lang="en-US" b="1" i="1" dirty="0" smtClean="0">
               <a:solidFill>
                 <a:srgbClr val="02A9F7"/>
               </a:solidFill>
-              <a:latin typeface="Abadi MT Condensed Light" charset="0"/>
+              <a:latin typeface="Adobe Arabic" panose="02040503050201020203" charset="0"/>
               <a:ea typeface="Abadi MT Condensed Light" charset="0"/>
-              <a:cs typeface="Abadi MT Condensed Light" charset="0"/>
+              <a:cs typeface="Adobe Arabic" panose="02040503050201020203" charset="0"/>
             </a:endParaRPr>
           </a:p>
         </p:txBody>
@@ -32280,9 +32343,9 @@
                 <a:solidFill>
                   <a:srgbClr val="02A9F7"/>
                 </a:solidFill>
-                <a:latin typeface="Abadi MT Condensed Light" charset="0"/>
-                <a:ea typeface="Abadi MT Condensed Light" charset="0"/>
-                <a:cs typeface="Abadi MT Condensed Light" charset="0"/>
+                <a:latin typeface="Adobe Arabic" panose="02040503050201020203" charset="0"/>
+                <a:ea typeface="Abadi MT Condensed Light" charset="0"/>
+                <a:cs typeface="Adobe Arabic" panose="02040503050201020203" charset="0"/>
               </a:rPr>
               <a:t>Ebay</a:t>
             </a:r>
@@ -32291,9 +32354,9 @@
                 <a:solidFill>
                   <a:srgbClr val="02A9F7"/>
                 </a:solidFill>
-                <a:latin typeface="Abadi MT Condensed Light" charset="0"/>
-                <a:ea typeface="Abadi MT Condensed Light" charset="0"/>
-                <a:cs typeface="Abadi MT Condensed Light" charset="0"/>
+                <a:latin typeface="Adobe Arabic" panose="02040503050201020203" charset="0"/>
+                <a:ea typeface="Abadi MT Condensed Light" charset="0"/>
+                <a:cs typeface="Adobe Arabic" panose="02040503050201020203" charset="0"/>
               </a:rPr>
               <a:t>/22$|Silver</a:t>
             </a:r>
@@ -32301,9 +32364,9 @@
               <a:solidFill>
                 <a:srgbClr val="02A9F7"/>
               </a:solidFill>
-              <a:latin typeface="Abadi MT Condensed Light" charset="0"/>
+              <a:latin typeface="Adobe Arabic" panose="02040503050201020203" charset="0"/>
               <a:ea typeface="Abadi MT Condensed Light" charset="0"/>
-              <a:cs typeface="Abadi MT Condensed Light" charset="0"/>
+              <a:cs typeface="Adobe Arabic" panose="02040503050201020203" charset="0"/>
             </a:endParaRPr>
           </a:p>
         </p:txBody>
@@ -32335,19 +32398,19 @@
                 <a:solidFill>
                   <a:srgbClr val="D78000"/>
                 </a:solidFill>
-                <a:latin typeface="Abadi MT Condensed Light" charset="0"/>
-                <a:ea typeface="Abadi MT Condensed Light" charset="0"/>
-                <a:cs typeface="Abadi MT Condensed Light" charset="0"/>
+                <a:latin typeface="Adobe Arabic" panose="02040503050201020203" charset="0"/>
+                <a:ea typeface="Abadi MT Condensed Light" charset="0"/>
+                <a:cs typeface="Adobe Arabic" panose="02040503050201020203" charset="0"/>
               </a:rPr>
               <a:t>10%</a:t>
             </a:r>
-            <a:endParaRPr lang="en-US" b="1" i="1" dirty="0">
+            <a:endParaRPr lang="en-US" b="1" i="1" dirty="0" smtClean="0">
               <a:solidFill>
                 <a:srgbClr val="D78000"/>
               </a:solidFill>
-              <a:latin typeface="Abadi MT Condensed Light" charset="0"/>
+              <a:latin typeface="Adobe Arabic" panose="02040503050201020203" charset="0"/>
               <a:ea typeface="Abadi MT Condensed Light" charset="0"/>
-              <a:cs typeface="Abadi MT Condensed Light" charset="0"/>
+              <a:cs typeface="Adobe Arabic" panose="02040503050201020203" charset="0"/>
             </a:endParaRPr>
           </a:p>
         </p:txBody>
@@ -32379,19 +32442,19 @@
                 <a:solidFill>
                   <a:srgbClr val="02A9F7"/>
                 </a:solidFill>
-                <a:latin typeface="Abadi MT Condensed Light" charset="0"/>
-                <a:ea typeface="Abadi MT Condensed Light" charset="0"/>
-                <a:cs typeface="Abadi MT Condensed Light" charset="0"/>
+                <a:latin typeface="Adobe Arabic" panose="02040503050201020203" charset="0"/>
+                <a:ea typeface="Abadi MT Condensed Light" charset="0"/>
+                <a:cs typeface="Adobe Arabic" panose="02040503050201020203" charset="0"/>
               </a:rPr>
               <a:t>Gold</a:t>
             </a:r>
-            <a:endParaRPr lang="en-US" b="1" i="1" dirty="0">
+            <a:endParaRPr lang="en-US" b="1" i="1" dirty="0" smtClean="0">
               <a:solidFill>
                 <a:srgbClr val="02A9F7"/>
               </a:solidFill>
-              <a:latin typeface="Abadi MT Condensed Light" charset="0"/>
+              <a:latin typeface="Adobe Arabic" panose="02040503050201020203" charset="0"/>
               <a:ea typeface="Abadi MT Condensed Light" charset="0"/>
-              <a:cs typeface="Abadi MT Condensed Light" charset="0"/>
+              <a:cs typeface="Adobe Arabic" panose="02040503050201020203" charset="0"/>
             </a:endParaRPr>
           </a:p>
         </p:txBody>
@@ -32404,7 +32467,7 @@
         </p:nvSpPr>
         <p:spPr>
           <a:xfrm>
-            <a:off x="9734549" y="5402980"/>
+            <a:off x="9753599" y="5230260"/>
             <a:ext cx="1009651" cy="369332"/>
           </a:xfrm>
           <a:prstGeom prst="rect">
@@ -32423,19 +32486,19 @@
                 <a:solidFill>
                   <a:srgbClr val="D78000"/>
                 </a:solidFill>
-                <a:latin typeface="Abadi MT Condensed Light" charset="0"/>
-                <a:ea typeface="Abadi MT Condensed Light" charset="0"/>
-                <a:cs typeface="Abadi MT Condensed Light" charset="0"/>
+                <a:latin typeface="Adobe Arabic" panose="02040503050201020203" charset="0"/>
+                <a:ea typeface="Abadi MT Condensed Light" charset="0"/>
+                <a:cs typeface="Adobe Arabic" panose="02040503050201020203" charset="0"/>
               </a:rPr>
               <a:t>22500</a:t>
             </a:r>
-            <a:endParaRPr lang="en-US" b="1" i="1" dirty="0">
+            <a:endParaRPr lang="en-US" b="1" i="1" dirty="0" smtClean="0">
               <a:solidFill>
                 <a:srgbClr val="D78000"/>
               </a:solidFill>
-              <a:latin typeface="Abadi MT Condensed Light" charset="0"/>
+              <a:latin typeface="Adobe Arabic" panose="02040503050201020203" charset="0"/>
               <a:ea typeface="Abadi MT Condensed Light" charset="0"/>
-              <a:cs typeface="Abadi MT Condensed Light" charset="0"/>
+              <a:cs typeface="Adobe Arabic" panose="02040503050201020203" charset="0"/>
             </a:endParaRPr>
           </a:p>
         </p:txBody>
@@ -32467,9 +32530,9 @@
                 <a:solidFill>
                   <a:srgbClr val="02A9F7"/>
                 </a:solidFill>
-                <a:latin typeface="Abadi MT Condensed Light" charset="0"/>
-                <a:ea typeface="Abadi MT Condensed Light" charset="0"/>
-                <a:cs typeface="Abadi MT Condensed Light" charset="0"/>
+                <a:latin typeface="Adobe Arabic" panose="02040503050201020203" charset="0"/>
+                <a:ea typeface="Abadi MT Condensed Light" charset="0"/>
+                <a:cs typeface="Adobe Arabic" panose="02040503050201020203" charset="0"/>
               </a:rPr>
               <a:t>From:$ </a:t>
             </a:r>
@@ -32478,9 +32541,9 @@
                 <a:solidFill>
                   <a:srgbClr val="02A9F7"/>
                 </a:solidFill>
-                <a:latin typeface="Abadi MT Condensed Light" charset="0"/>
-                <a:ea typeface="Abadi MT Condensed Light" charset="0"/>
-                <a:cs typeface="Abadi MT Condensed Light" charset="0"/>
+                <a:latin typeface="Adobe Arabic" panose="02040503050201020203" charset="0"/>
+                <a:ea typeface="Abadi MT Condensed Light" charset="0"/>
+                <a:cs typeface="Adobe Arabic" panose="02040503050201020203" charset="0"/>
               </a:rPr>
               <a:t>To:VND</a:t>
             </a:r>
@@ -32488,9 +32551,9 @@
               <a:solidFill>
                 <a:srgbClr val="02A9F7"/>
               </a:solidFill>
-              <a:latin typeface="Abadi MT Condensed Light" charset="0"/>
+              <a:latin typeface="Adobe Arabic" panose="02040503050201020203" charset="0"/>
               <a:ea typeface="Abadi MT Condensed Light" charset="0"/>
-              <a:cs typeface="Abadi MT Condensed Light" charset="0"/>
+              <a:cs typeface="Adobe Arabic" panose="02040503050201020203" charset="0"/>
             </a:endParaRPr>
           </a:p>
         </p:txBody>
@@ -32506,8 +32569,8 @@
         </p:nvCxnSpPr>
         <p:spPr>
           <a:xfrm>
-            <a:off x="4876804" y="646430"/>
-            <a:ext cx="4876796" cy="420370"/>
+            <a:off x="4876800" y="646430"/>
+            <a:ext cx="4876800" cy="420370"/>
           </a:xfrm>
           <a:prstGeom prst="curvedConnector2">
             <a:avLst/>
@@ -32585,19 +32648,19 @@
                 <a:solidFill>
                   <a:sysClr val="windowText" lastClr="000000"/>
                 </a:solidFill>
-                <a:latin typeface="Abadi MT Condensed Light" charset="0"/>
-                <a:ea typeface="Abadi MT Condensed Light" charset="0"/>
-                <a:cs typeface="Abadi MT Condensed Light" charset="0"/>
+                <a:latin typeface="Adobe Arabic" panose="02040503050201020203" charset="0"/>
+                <a:ea typeface="Abadi MT Condensed Light" charset="0"/>
+                <a:cs typeface="Adobe Arabic" panose="02040503050201020203" charset="0"/>
               </a:rPr>
               <a:t>calculate()</a:t>
             </a:r>
-            <a:endParaRPr lang="en-US" sz="2000" dirty="0">
+            <a:endParaRPr lang="en-US" sz="2000" dirty="0" smtClean="0">
               <a:solidFill>
                 <a:sysClr val="windowText" lastClr="000000"/>
               </a:solidFill>
-              <a:latin typeface="Abadi MT Condensed Light" charset="0"/>
+              <a:latin typeface="Adobe Arabic" panose="02040503050201020203" charset="0"/>
               <a:ea typeface="Abadi MT Condensed Light" charset="0"/>
-              <a:cs typeface="Abadi MT Condensed Light" charset="0"/>
+              <a:cs typeface="Adobe Arabic" panose="02040503050201020203" charset="0"/>
             </a:endParaRPr>
           </a:p>
         </p:txBody>
@@ -32629,9 +32692,9 @@
                 <a:solidFill>
                   <a:srgbClr val="D78000"/>
                 </a:solidFill>
-                <a:latin typeface="Abadi MT Condensed Light" charset="0"/>
-                <a:ea typeface="Abadi MT Condensed Light" charset="0"/>
-                <a:cs typeface="Abadi MT Condensed Light" charset="0"/>
+                <a:latin typeface="Adobe Arabic" panose="02040503050201020203" charset="0"/>
+                <a:ea typeface="Abadi MT Condensed Light" charset="0"/>
+                <a:cs typeface="Adobe Arabic" panose="02040503050201020203" charset="0"/>
               </a:rPr>
               <a:t>Ebay</a:t>
             </a:r>
@@ -32640,9 +32703,9 @@
                 <a:solidFill>
                   <a:srgbClr val="D78000"/>
                 </a:solidFill>
-                <a:latin typeface="Abadi MT Condensed Light" charset="0"/>
-                <a:ea typeface="Abadi MT Condensed Light" charset="0"/>
-                <a:cs typeface="Abadi MT Condensed Light" charset="0"/>
+                <a:latin typeface="Adobe Arabic" panose="02040503050201020203" charset="0"/>
+                <a:ea typeface="Abadi MT Condensed Light" charset="0"/>
+                <a:cs typeface="Adobe Arabic" panose="02040503050201020203" charset="0"/>
               </a:rPr>
               <a:t>/22$|Silver</a:t>
             </a:r>
@@ -32650,9 +32713,9 @@
               <a:solidFill>
                 <a:srgbClr val="D78000"/>
               </a:solidFill>
-              <a:latin typeface="Abadi MT Condensed Light" charset="0"/>
+              <a:latin typeface="Adobe Arabic" panose="02040503050201020203" charset="0"/>
               <a:ea typeface="Abadi MT Condensed Light" charset="0"/>
-              <a:cs typeface="Abadi MT Condensed Light" charset="0"/>
+              <a:cs typeface="Adobe Arabic" panose="02040503050201020203" charset="0"/>
             </a:endParaRPr>
           </a:p>
         </p:txBody>
@@ -32958,6 +33021,117 @@
           </a:p>
         </p:txBody>
       </p:sp>
+      <p:pic>
+        <p:nvPicPr>
+          <p:cNvPr id="8" name="Picture 7"/>
+          <p:cNvPicPr>
+            <a:picLocks noChangeAspect="1"/>
+          </p:cNvPicPr>
+          <p:nvPr/>
+        </p:nvPicPr>
+        <p:blipFill>
+          <a:blip r:embed="rId1">
+            <a:duotone>
+              <a:schemeClr val="accent4">
+                <a:shade val="45000"/>
+                <a:satMod val="135000"/>
+              </a:schemeClr>
+              <a:prstClr val="white"/>
+            </a:duotone>
+            <a:extLst>
+              <a:ext uri="{28A0092B-C50C-407E-A947-70E740481C1C}">
+                <a14:useLocalDpi xmlns:a14="http://schemas.microsoft.com/office/drawing/2010/main" val="0"/>
+              </a:ext>
+            </a:extLst>
+          </a:blip>
+          <a:stretch>
+            <a:fillRect/>
+          </a:stretch>
+        </p:blipFill>
+        <p:spPr>
+          <a:xfrm>
+            <a:off x="10601873" y="816022"/>
+            <a:ext cx="352583" cy="333491"/>
+          </a:xfrm>
+          <a:prstGeom prst="rect">
+            <a:avLst/>
+          </a:prstGeom>
+        </p:spPr>
+      </p:pic>
+      <p:pic>
+        <p:nvPicPr>
+          <p:cNvPr id="9" name="Picture 8"/>
+          <p:cNvPicPr>
+            <a:picLocks noChangeAspect="1"/>
+          </p:cNvPicPr>
+          <p:nvPr/>
+        </p:nvPicPr>
+        <p:blipFill>
+          <a:blip r:embed="rId1">
+            <a:duotone>
+              <a:schemeClr val="accent4">
+                <a:shade val="45000"/>
+                <a:satMod val="135000"/>
+              </a:schemeClr>
+              <a:prstClr val="white"/>
+            </a:duotone>
+            <a:extLst>
+              <a:ext uri="{28A0092B-C50C-407E-A947-70E740481C1C}">
+                <a14:useLocalDpi xmlns:a14="http://schemas.microsoft.com/office/drawing/2010/main" val="0"/>
+              </a:ext>
+            </a:extLst>
+          </a:blip>
+          <a:stretch>
+            <a:fillRect/>
+          </a:stretch>
+        </p:blipFill>
+        <p:spPr>
+          <a:xfrm>
+            <a:off x="10665889" y="3316923"/>
+            <a:ext cx="352583" cy="333491"/>
+          </a:xfrm>
+          <a:prstGeom prst="rect">
+            <a:avLst/>
+          </a:prstGeom>
+        </p:spPr>
+      </p:pic>
+      <p:pic>
+        <p:nvPicPr>
+          <p:cNvPr id="10" name="Picture 9"/>
+          <p:cNvPicPr>
+            <a:picLocks noChangeAspect="1"/>
+          </p:cNvPicPr>
+          <p:nvPr/>
+        </p:nvPicPr>
+        <p:blipFill>
+          <a:blip r:embed="rId1">
+            <a:duotone>
+              <a:schemeClr val="accent4">
+                <a:shade val="45000"/>
+                <a:satMod val="135000"/>
+              </a:schemeClr>
+              <a:prstClr val="white"/>
+            </a:duotone>
+            <a:extLst>
+              <a:ext uri="{28A0092B-C50C-407E-A947-70E740481C1C}">
+                <a14:useLocalDpi xmlns:a14="http://schemas.microsoft.com/office/drawing/2010/main" val="0"/>
+              </a:ext>
+            </a:extLst>
+          </a:blip>
+          <a:stretch>
+            <a:fillRect/>
+          </a:stretch>
+        </p:blipFill>
+        <p:spPr>
+          <a:xfrm>
+            <a:off x="10686556" y="4654744"/>
+            <a:ext cx="352583" cy="333491"/>
+          </a:xfrm>
+          <a:prstGeom prst="rect">
+            <a:avLst/>
+          </a:prstGeom>
+        </p:spPr>
+      </p:pic>
     </p:spTree>
   </p:cSld>
   <p:clrMapOvr>
@@ -33039,9 +33213,9 @@
                 <a:solidFill>
                   <a:sysClr val="windowText" lastClr="000000"/>
                 </a:solidFill>
-                <a:latin typeface="Abadi MT Condensed Light" charset="0"/>
-                <a:ea typeface="Abadi MT Condensed Light" charset="0"/>
-                <a:cs typeface="Abadi MT Condensed Light" charset="0"/>
+                <a:latin typeface="Adobe Arabic" panose="02040503050201020203" charset="0"/>
+                <a:ea typeface="Abadi MT Condensed Light" charset="0"/>
+                <a:cs typeface="Adobe Arabic" panose="02040503050201020203" charset="0"/>
               </a:rPr>
               <a:t>getNonDiscountPrice</a:t>
             </a:r>
@@ -33050,9 +33224,9 @@
                 <a:solidFill>
                   <a:sysClr val="windowText" lastClr="000000"/>
                 </a:solidFill>
-                <a:latin typeface="Abadi MT Condensed Light" charset="0"/>
-                <a:ea typeface="Abadi MT Condensed Light" charset="0"/>
-                <a:cs typeface="Abadi MT Condensed Light" charset="0"/>
+                <a:latin typeface="Adobe Arabic" panose="02040503050201020203" charset="0"/>
+                <a:ea typeface="Abadi MT Condensed Light" charset="0"/>
+                <a:cs typeface="Adobe Arabic" panose="02040503050201020203" charset="0"/>
               </a:rPr>
               <a:t>()</a:t>
             </a:r>
@@ -33060,9 +33234,9 @@
               <a:solidFill>
                 <a:sysClr val="windowText" lastClr="000000"/>
               </a:solidFill>
-              <a:latin typeface="Abadi MT Condensed Light" charset="0"/>
+              <a:latin typeface="Adobe Arabic" panose="02040503050201020203" charset="0"/>
               <a:ea typeface="Abadi MT Condensed Light" charset="0"/>
-              <a:cs typeface="Abadi MT Condensed Light" charset="0"/>
+              <a:cs typeface="Adobe Arabic" panose="02040503050201020203" charset="0"/>
             </a:endParaRPr>
           </a:p>
         </p:txBody>
@@ -33116,9 +33290,9 @@
                 <a:solidFill>
                   <a:sysClr val="windowText" lastClr="000000"/>
                 </a:solidFill>
-                <a:latin typeface="Abadi MT Condensed Light" charset="0"/>
-                <a:ea typeface="Abadi MT Condensed Light" charset="0"/>
-                <a:cs typeface="Abadi MT Condensed Light" charset="0"/>
+                <a:latin typeface="Adobe Arabic" panose="02040503050201020203" charset="0"/>
+                <a:ea typeface="Abadi MT Condensed Light" charset="0"/>
+                <a:cs typeface="Adobe Arabic" panose="02040503050201020203" charset="0"/>
               </a:rPr>
               <a:t>getDiscountPercent</a:t>
             </a:r>
@@ -33127,9 +33301,9 @@
                 <a:solidFill>
                   <a:sysClr val="windowText" lastClr="000000"/>
                 </a:solidFill>
-                <a:latin typeface="Abadi MT Condensed Light" charset="0"/>
-                <a:ea typeface="Abadi MT Condensed Light" charset="0"/>
-                <a:cs typeface="Abadi MT Condensed Light" charset="0"/>
+                <a:latin typeface="Adobe Arabic" panose="02040503050201020203" charset="0"/>
+                <a:ea typeface="Abadi MT Condensed Light" charset="0"/>
+                <a:cs typeface="Adobe Arabic" panose="02040503050201020203" charset="0"/>
               </a:rPr>
               <a:t>()</a:t>
             </a:r>
@@ -33137,9 +33311,9 @@
               <a:solidFill>
                 <a:sysClr val="windowText" lastClr="000000"/>
               </a:solidFill>
-              <a:latin typeface="Abadi MT Condensed Light" charset="0"/>
+              <a:latin typeface="Adobe Arabic" panose="02040503050201020203" charset="0"/>
               <a:ea typeface="Abadi MT Condensed Light" charset="0"/>
-              <a:cs typeface="Abadi MT Condensed Light" charset="0"/>
+              <a:cs typeface="Adobe Arabic" panose="02040503050201020203" charset="0"/>
             </a:endParaRPr>
           </a:p>
         </p:txBody>
@@ -33193,9 +33367,9 @@
                 <a:solidFill>
                   <a:sysClr val="windowText" lastClr="000000"/>
                 </a:solidFill>
-                <a:latin typeface="Abadi MT Condensed Light" charset="0"/>
-                <a:ea typeface="Abadi MT Condensed Light" charset="0"/>
-                <a:cs typeface="Abadi MT Condensed Light" charset="0"/>
+                <a:latin typeface="Adobe Arabic" panose="02040503050201020203" charset="0"/>
+                <a:ea typeface="Abadi MT Condensed Light" charset="0"/>
+                <a:cs typeface="Adobe Arabic" panose="02040503050201020203" charset="0"/>
               </a:rPr>
               <a:t>extractData</a:t>
             </a:r>
@@ -33204,9 +33378,9 @@
                 <a:solidFill>
                   <a:sysClr val="windowText" lastClr="000000"/>
                 </a:solidFill>
-                <a:latin typeface="Abadi MT Condensed Light" charset="0"/>
-                <a:ea typeface="Abadi MT Condensed Light" charset="0"/>
-                <a:cs typeface="Abadi MT Condensed Light" charset="0"/>
+                <a:latin typeface="Adobe Arabic" panose="02040503050201020203" charset="0"/>
+                <a:ea typeface="Abadi MT Condensed Light" charset="0"/>
+                <a:cs typeface="Adobe Arabic" panose="02040503050201020203" charset="0"/>
               </a:rPr>
               <a:t>()</a:t>
             </a:r>
@@ -33214,9 +33388,9 @@
               <a:solidFill>
                 <a:sysClr val="windowText" lastClr="000000"/>
               </a:solidFill>
-              <a:latin typeface="Abadi MT Condensed Light" charset="0"/>
+              <a:latin typeface="Adobe Arabic" panose="02040503050201020203" charset="0"/>
               <a:ea typeface="Abadi MT Condensed Light" charset="0"/>
-              <a:cs typeface="Abadi MT Condensed Light" charset="0"/>
+              <a:cs typeface="Adobe Arabic" panose="02040503050201020203" charset="0"/>
             </a:endParaRPr>
           </a:p>
         </p:txBody>
@@ -33389,19 +33563,19 @@
                 <a:solidFill>
                   <a:sysClr val="windowText" lastClr="000000"/>
                 </a:solidFill>
-                <a:latin typeface="Abadi MT Condensed Light" charset="0"/>
-                <a:ea typeface="Abadi MT Condensed Light" charset="0"/>
-                <a:cs typeface="Abadi MT Condensed Light" charset="0"/>
+                <a:latin typeface="Adobe Arabic" panose="02040503050201020203" charset="0"/>
+                <a:ea typeface="Abadi MT Condensed Light" charset="0"/>
+                <a:cs typeface="Adobe Arabic" panose="02040503050201020203" charset="0"/>
               </a:rPr>
               <a:t>Thread1</a:t>
             </a:r>
-            <a:endParaRPr lang="en-US" sz="2400" b="1" dirty="0">
+            <a:endParaRPr lang="en-US" sz="2400" b="1" dirty="0" smtClean="0">
               <a:solidFill>
                 <a:sysClr val="windowText" lastClr="000000"/>
               </a:solidFill>
-              <a:latin typeface="Abadi MT Condensed Light" charset="0"/>
+              <a:latin typeface="Adobe Arabic" panose="02040503050201020203" charset="0"/>
               <a:ea typeface="Abadi MT Condensed Light" charset="0"/>
-              <a:cs typeface="Abadi MT Condensed Light" charset="0"/>
+              <a:cs typeface="Adobe Arabic" panose="02040503050201020203" charset="0"/>
             </a:endParaRPr>
           </a:p>
         </p:txBody>
@@ -33492,9 +33666,9 @@
                 <a:solidFill>
                   <a:sysClr val="windowText" lastClr="000000"/>
                 </a:solidFill>
-                <a:latin typeface="Abadi MT Condensed Light" charset="0"/>
-                <a:ea typeface="Abadi MT Condensed Light" charset="0"/>
-                <a:cs typeface="Abadi MT Condensed Light" charset="0"/>
+                <a:latin typeface="Adobe Arabic" panose="02040503050201020203" charset="0"/>
+                <a:ea typeface="Abadi MT Condensed Light" charset="0"/>
+                <a:cs typeface="Adobe Arabic" panose="02040503050201020203" charset="0"/>
               </a:rPr>
               <a:t>findPrice</a:t>
             </a:r>
@@ -33503,9 +33677,9 @@
                 <a:solidFill>
                   <a:sysClr val="windowText" lastClr="000000"/>
                 </a:solidFill>
-                <a:latin typeface="Abadi MT Condensed Light" charset="0"/>
-                <a:ea typeface="Abadi MT Condensed Light" charset="0"/>
-                <a:cs typeface="Abadi MT Condensed Light" charset="0"/>
+                <a:latin typeface="Adobe Arabic" panose="02040503050201020203" charset="0"/>
+                <a:ea typeface="Abadi MT Condensed Light" charset="0"/>
+                <a:cs typeface="Adobe Arabic" panose="02040503050201020203" charset="0"/>
               </a:rPr>
               <a:t>()</a:t>
             </a:r>
@@ -33513,9 +33687,9 @@
               <a:solidFill>
                 <a:sysClr val="windowText" lastClr="000000"/>
               </a:solidFill>
-              <a:latin typeface="Abadi MT Condensed Light" charset="0"/>
+              <a:latin typeface="Adobe Arabic" panose="02040503050201020203" charset="0"/>
               <a:ea typeface="Abadi MT Condensed Light" charset="0"/>
-              <a:cs typeface="Abadi MT Condensed Light" charset="0"/>
+              <a:cs typeface="Adobe Arabic" panose="02040503050201020203" charset="0"/>
             </a:endParaRPr>
           </a:p>
         </p:txBody>
@@ -33606,19 +33780,19 @@
                 <a:solidFill>
                   <a:sysClr val="windowText" lastClr="000000"/>
                 </a:solidFill>
-                <a:latin typeface="Abadi MT Condensed Light" charset="0"/>
-                <a:ea typeface="Abadi MT Condensed Light" charset="0"/>
-                <a:cs typeface="Abadi MT Condensed Light" charset="0"/>
+                <a:latin typeface="Adobe Arabic" panose="02040503050201020203" charset="0"/>
+                <a:ea typeface="Abadi MT Condensed Light" charset="0"/>
+                <a:cs typeface="Adobe Arabic" panose="02040503050201020203" charset="0"/>
               </a:rPr>
               <a:t>Thread2</a:t>
             </a:r>
-            <a:endParaRPr lang="en-US" sz="2400" b="1" dirty="0">
+            <a:endParaRPr lang="en-US" sz="2400" b="1" dirty="0" smtClean="0">
               <a:solidFill>
                 <a:sysClr val="windowText" lastClr="000000"/>
               </a:solidFill>
-              <a:latin typeface="Abadi MT Condensed Light" charset="0"/>
+              <a:latin typeface="Adobe Arabic" panose="02040503050201020203" charset="0"/>
               <a:ea typeface="Abadi MT Condensed Light" charset="0"/>
-              <a:cs typeface="Abadi MT Condensed Light" charset="0"/>
+              <a:cs typeface="Adobe Arabic" panose="02040503050201020203" charset="0"/>
             </a:endParaRPr>
           </a:p>
         </p:txBody>
@@ -33672,9 +33846,9 @@
                 <a:solidFill>
                   <a:sysClr val="windowText" lastClr="000000"/>
                 </a:solidFill>
-                <a:latin typeface="Abadi MT Condensed Light" charset="0"/>
-                <a:ea typeface="Abadi MT Condensed Light" charset="0"/>
-                <a:cs typeface="Abadi MT Condensed Light" charset="0"/>
+                <a:latin typeface="Adobe Arabic" panose="02040503050201020203" charset="0"/>
+                <a:ea typeface="Abadi MT Condensed Light" charset="0"/>
+                <a:cs typeface="Adobe Arabic" panose="02040503050201020203" charset="0"/>
               </a:rPr>
               <a:t>getExchangeCurrency</a:t>
             </a:r>
@@ -33683,9 +33857,9 @@
                 <a:solidFill>
                   <a:sysClr val="windowText" lastClr="000000"/>
                 </a:solidFill>
-                <a:latin typeface="Abadi MT Condensed Light" charset="0"/>
-                <a:ea typeface="Abadi MT Condensed Light" charset="0"/>
-                <a:cs typeface="Abadi MT Condensed Light" charset="0"/>
+                <a:latin typeface="Adobe Arabic" panose="02040503050201020203" charset="0"/>
+                <a:ea typeface="Abadi MT Condensed Light" charset="0"/>
+                <a:cs typeface="Adobe Arabic" panose="02040503050201020203" charset="0"/>
               </a:rPr>
               <a:t>()</a:t>
             </a:r>
@@ -33693,9 +33867,9 @@
               <a:solidFill>
                 <a:sysClr val="windowText" lastClr="000000"/>
               </a:solidFill>
-              <a:latin typeface="Abadi MT Condensed Light" charset="0"/>
+              <a:latin typeface="Adobe Arabic" panose="02040503050201020203" charset="0"/>
               <a:ea typeface="Abadi MT Condensed Light" charset="0"/>
-              <a:cs typeface="Abadi MT Condensed Light" charset="0"/>
+              <a:cs typeface="Adobe Arabic" panose="02040503050201020203" charset="0"/>
             </a:endParaRPr>
           </a:p>
         </p:txBody>
@@ -33749,19 +33923,19 @@
                 <a:solidFill>
                   <a:sysClr val="windowText" lastClr="000000"/>
                 </a:solidFill>
-                <a:latin typeface="Abadi MT Condensed Light" charset="0"/>
-                <a:ea typeface="Abadi MT Condensed Light" charset="0"/>
-                <a:cs typeface="Abadi MT Condensed Light" charset="0"/>
+                <a:latin typeface="Adobe Arabic" panose="02040503050201020203" charset="0"/>
+                <a:ea typeface="Abadi MT Condensed Light" charset="0"/>
+                <a:cs typeface="Adobe Arabic" panose="02040503050201020203" charset="0"/>
               </a:rPr>
               <a:t>calculate()</a:t>
             </a:r>
-            <a:endParaRPr lang="en-US" sz="2000" dirty="0">
+            <a:endParaRPr lang="en-US" sz="2000" dirty="0" smtClean="0">
               <a:solidFill>
                 <a:sysClr val="windowText" lastClr="000000"/>
               </a:solidFill>
-              <a:latin typeface="Abadi MT Condensed Light" charset="0"/>
+              <a:latin typeface="Adobe Arabic" panose="02040503050201020203" charset="0"/>
               <a:ea typeface="Abadi MT Condensed Light" charset="0"/>
-              <a:cs typeface="Abadi MT Condensed Light" charset="0"/>
+              <a:cs typeface="Adobe Arabic" panose="02040503050201020203" charset="0"/>
             </a:endParaRPr>
           </a:p>
         </p:txBody>
@@ -33844,7 +34018,10 @@
           <a:lstStyle/>
           <a:p>
             <a:pPr algn="ctr"/>
-            <a:endParaRPr lang="en-US"/>
+            <a:endParaRPr lang="en-US">
+              <a:latin typeface="Adobe Arabic" panose="02040503050201020203" charset="0"/>
+              <a:cs typeface="Adobe Arabic" panose="02040503050201020203" charset="0"/>
+            </a:endParaRPr>
           </a:p>
         </p:txBody>
       </p:sp>
@@ -33904,10 +34081,16 @@
           <a:lstStyle/>
           <a:p>
             <a:r>
-              <a:rPr lang="en-US" dirty="0" smtClean="0"/>
+              <a:rPr lang="en-US" dirty="0" smtClean="0">
+                <a:latin typeface="Adobe Arabic" panose="02040503050201020203" charset="0"/>
+                <a:cs typeface="Adobe Arabic" panose="02040503050201020203" charset="0"/>
+              </a:rPr>
               <a:t>Asynchronous</a:t>
             </a:r>
-            <a:endParaRPr lang="en-US" dirty="0"/>
+            <a:endParaRPr lang="en-US" dirty="0" smtClean="0">
+              <a:latin typeface="Adobe Arabic" panose="02040503050201020203" charset="0"/>
+              <a:cs typeface="Adobe Arabic" panose="02040503050201020203" charset="0"/>
+            </a:endParaRPr>
           </a:p>
         </p:txBody>
       </p:sp>
@@ -33934,10 +34117,16 @@
           <a:lstStyle/>
           <a:p>
             <a:r>
-              <a:rPr lang="en-US" dirty="0" smtClean="0"/>
+              <a:rPr lang="en-US" dirty="0" smtClean="0">
+                <a:latin typeface="Adobe Arabic" panose="02040503050201020203" charset="0"/>
+                <a:cs typeface="Adobe Arabic" panose="02040503050201020203" charset="0"/>
+              </a:rPr>
               <a:t>Synchronous</a:t>
             </a:r>
-            <a:endParaRPr lang="en-US" dirty="0"/>
+            <a:endParaRPr lang="en-US" dirty="0" smtClean="0">
+              <a:latin typeface="Adobe Arabic" panose="02040503050201020203" charset="0"/>
+              <a:cs typeface="Adobe Arabic" panose="02040503050201020203" charset="0"/>
+            </a:endParaRPr>
           </a:p>
         </p:txBody>
       </p:sp>
@@ -33964,10 +34153,16 @@
           <a:lstStyle/>
           <a:p>
             <a:r>
-              <a:rPr lang="en-US" dirty="0" smtClean="0"/>
+              <a:rPr lang="en-US" dirty="0" smtClean="0">
+                <a:latin typeface="Adobe Arabic" panose="02040503050201020203" charset="0"/>
+                <a:cs typeface="Adobe Arabic" panose="02040503050201020203" charset="0"/>
+              </a:rPr>
               <a:t>Display</a:t>
             </a:r>
-            <a:endParaRPr lang="en-US" dirty="0"/>
+            <a:endParaRPr lang="en-US" dirty="0" smtClean="0">
+              <a:latin typeface="Adobe Arabic" panose="02040503050201020203" charset="0"/>
+              <a:cs typeface="Adobe Arabic" panose="02040503050201020203" charset="0"/>
+            </a:endParaRPr>
           </a:p>
         </p:txBody>
       </p:sp>
@@ -34099,9 +34294,9 @@
                 <a:solidFill>
                   <a:sysClr val="windowText" lastClr="000000"/>
                 </a:solidFill>
-                <a:latin typeface="Abadi MT Condensed Light" charset="0"/>
-                <a:ea typeface="Abadi MT Condensed Light" charset="0"/>
-                <a:cs typeface="Abadi MT Condensed Light" charset="0"/>
+                <a:latin typeface="Adobe Arabic" panose="02040503050201020203" charset="0"/>
+                <a:ea typeface="Abadi MT Condensed Light" charset="0"/>
+                <a:cs typeface="Adobe Arabic" panose="02040503050201020203" charset="0"/>
               </a:rPr>
               <a:t>getNonDiscountPrice</a:t>
             </a:r>
@@ -34110,9 +34305,9 @@
                 <a:solidFill>
                   <a:sysClr val="windowText" lastClr="000000"/>
                 </a:solidFill>
-                <a:latin typeface="Abadi MT Condensed Light" charset="0"/>
-                <a:ea typeface="Abadi MT Condensed Light" charset="0"/>
-                <a:cs typeface="Abadi MT Condensed Light" charset="0"/>
+                <a:latin typeface="Adobe Arabic" panose="02040503050201020203" charset="0"/>
+                <a:ea typeface="Abadi MT Condensed Light" charset="0"/>
+                <a:cs typeface="Adobe Arabic" panose="02040503050201020203" charset="0"/>
               </a:rPr>
               <a:t>()</a:t>
             </a:r>
@@ -34120,9 +34315,9 @@
               <a:solidFill>
                 <a:sysClr val="windowText" lastClr="000000"/>
               </a:solidFill>
-              <a:latin typeface="Abadi MT Condensed Light" charset="0"/>
+              <a:latin typeface="Adobe Arabic" panose="02040503050201020203" charset="0"/>
               <a:ea typeface="Abadi MT Condensed Light" charset="0"/>
-              <a:cs typeface="Abadi MT Condensed Light" charset="0"/>
+              <a:cs typeface="Adobe Arabic" panose="02040503050201020203" charset="0"/>
             </a:endParaRPr>
           </a:p>
         </p:txBody>
@@ -34176,9 +34371,9 @@
                 <a:solidFill>
                   <a:sysClr val="windowText" lastClr="000000"/>
                 </a:solidFill>
-                <a:latin typeface="Abadi MT Condensed Light" charset="0"/>
-                <a:ea typeface="Abadi MT Condensed Light" charset="0"/>
-                <a:cs typeface="Abadi MT Condensed Light" charset="0"/>
+                <a:latin typeface="Adobe Arabic" panose="02040503050201020203" charset="0"/>
+                <a:ea typeface="Abadi MT Condensed Light" charset="0"/>
+                <a:cs typeface="Adobe Arabic" panose="02040503050201020203" charset="0"/>
               </a:rPr>
               <a:t>getDiscountPercent</a:t>
             </a:r>
@@ -34187,9 +34382,9 @@
                 <a:solidFill>
                   <a:sysClr val="windowText" lastClr="000000"/>
                 </a:solidFill>
-                <a:latin typeface="Abadi MT Condensed Light" charset="0"/>
-                <a:ea typeface="Abadi MT Condensed Light" charset="0"/>
-                <a:cs typeface="Abadi MT Condensed Light" charset="0"/>
+                <a:latin typeface="Adobe Arabic" panose="02040503050201020203" charset="0"/>
+                <a:ea typeface="Abadi MT Condensed Light" charset="0"/>
+                <a:cs typeface="Adobe Arabic" panose="02040503050201020203" charset="0"/>
               </a:rPr>
               <a:t>()</a:t>
             </a:r>
@@ -34197,9 +34392,9 @@
               <a:solidFill>
                 <a:sysClr val="windowText" lastClr="000000"/>
               </a:solidFill>
-              <a:latin typeface="Abadi MT Condensed Light" charset="0"/>
+              <a:latin typeface="Adobe Arabic" panose="02040503050201020203" charset="0"/>
               <a:ea typeface="Abadi MT Condensed Light" charset="0"/>
-              <a:cs typeface="Abadi MT Condensed Light" charset="0"/>
+              <a:cs typeface="Adobe Arabic" panose="02040503050201020203" charset="0"/>
             </a:endParaRPr>
           </a:p>
         </p:txBody>
@@ -34253,9 +34448,9 @@
                 <a:solidFill>
                   <a:sysClr val="windowText" lastClr="000000"/>
                 </a:solidFill>
-                <a:latin typeface="Abadi MT Condensed Light" charset="0"/>
-                <a:ea typeface="Abadi MT Condensed Light" charset="0"/>
-                <a:cs typeface="Abadi MT Condensed Light" charset="0"/>
+                <a:latin typeface="Adobe Arabic" panose="02040503050201020203" charset="0"/>
+                <a:ea typeface="Abadi MT Condensed Light" charset="0"/>
+                <a:cs typeface="Adobe Arabic" panose="02040503050201020203" charset="0"/>
               </a:rPr>
               <a:t>extractData</a:t>
             </a:r>
@@ -34264,9 +34459,9 @@
                 <a:solidFill>
                   <a:sysClr val="windowText" lastClr="000000"/>
                 </a:solidFill>
-                <a:latin typeface="Abadi MT Condensed Light" charset="0"/>
-                <a:ea typeface="Abadi MT Condensed Light" charset="0"/>
-                <a:cs typeface="Abadi MT Condensed Light" charset="0"/>
+                <a:latin typeface="Adobe Arabic" panose="02040503050201020203" charset="0"/>
+                <a:ea typeface="Abadi MT Condensed Light" charset="0"/>
+                <a:cs typeface="Adobe Arabic" panose="02040503050201020203" charset="0"/>
               </a:rPr>
               <a:t>()</a:t>
             </a:r>
@@ -34274,9 +34469,9 @@
               <a:solidFill>
                 <a:sysClr val="windowText" lastClr="000000"/>
               </a:solidFill>
-              <a:latin typeface="Abadi MT Condensed Light" charset="0"/>
+              <a:latin typeface="Adobe Arabic" panose="02040503050201020203" charset="0"/>
               <a:ea typeface="Abadi MT Condensed Light" charset="0"/>
-              <a:cs typeface="Abadi MT Condensed Light" charset="0"/>
+              <a:cs typeface="Adobe Arabic" panose="02040503050201020203" charset="0"/>
             </a:endParaRPr>
           </a:p>
         </p:txBody>
@@ -34440,19 +34635,19 @@
                 <a:solidFill>
                   <a:sysClr val="windowText" lastClr="000000"/>
                 </a:solidFill>
-                <a:latin typeface="Abadi MT Condensed Light" charset="0"/>
-                <a:ea typeface="Abadi MT Condensed Light" charset="0"/>
-                <a:cs typeface="Abadi MT Condensed Light" charset="0"/>
+                <a:latin typeface="Adobe Arabic" panose="02040503050201020203" charset="0"/>
+                <a:ea typeface="Abadi MT Condensed Light" charset="0"/>
+                <a:cs typeface="Adobe Arabic" panose="02040503050201020203" charset="0"/>
               </a:rPr>
               <a:t>Thread3</a:t>
             </a:r>
-            <a:endParaRPr lang="en-US" sz="2400" b="1" dirty="0">
+            <a:endParaRPr lang="en-US" sz="2400" b="1" dirty="0" smtClean="0">
               <a:solidFill>
                 <a:sysClr val="windowText" lastClr="000000"/>
               </a:solidFill>
-              <a:latin typeface="Abadi MT Condensed Light" charset="0"/>
+              <a:latin typeface="Adobe Arabic" panose="02040503050201020203" charset="0"/>
               <a:ea typeface="Abadi MT Condensed Light" charset="0"/>
-              <a:cs typeface="Abadi MT Condensed Light" charset="0"/>
+              <a:cs typeface="Adobe Arabic" panose="02040503050201020203" charset="0"/>
             </a:endParaRPr>
           </a:p>
         </p:txBody>
@@ -34544,9 +34739,9 @@
                 <a:solidFill>
                   <a:sysClr val="windowText" lastClr="000000"/>
                 </a:solidFill>
-                <a:latin typeface="Abadi MT Condensed Light" charset="0"/>
-                <a:ea typeface="Abadi MT Condensed Light" charset="0"/>
-                <a:cs typeface="Abadi MT Condensed Light" charset="0"/>
+                <a:latin typeface="Adobe Arabic" panose="02040503050201020203" charset="0"/>
+                <a:ea typeface="Abadi MT Condensed Light" charset="0"/>
+                <a:cs typeface="Adobe Arabic" panose="02040503050201020203" charset="0"/>
               </a:rPr>
               <a:t>getExchangeCurrency</a:t>
             </a:r>
@@ -34555,9 +34750,9 @@
                 <a:solidFill>
                   <a:sysClr val="windowText" lastClr="000000"/>
                 </a:solidFill>
-                <a:latin typeface="Abadi MT Condensed Light" charset="0"/>
-                <a:ea typeface="Abadi MT Condensed Light" charset="0"/>
-                <a:cs typeface="Abadi MT Condensed Light" charset="0"/>
+                <a:latin typeface="Adobe Arabic" panose="02040503050201020203" charset="0"/>
+                <a:ea typeface="Abadi MT Condensed Light" charset="0"/>
+                <a:cs typeface="Adobe Arabic" panose="02040503050201020203" charset="0"/>
               </a:rPr>
               <a:t>()</a:t>
             </a:r>
@@ -34565,9 +34760,9 @@
               <a:solidFill>
                 <a:sysClr val="windowText" lastClr="000000"/>
               </a:solidFill>
-              <a:latin typeface="Abadi MT Condensed Light" charset="0"/>
+              <a:latin typeface="Adobe Arabic" panose="02040503050201020203" charset="0"/>
               <a:ea typeface="Abadi MT Condensed Light" charset="0"/>
-              <a:cs typeface="Abadi MT Condensed Light" charset="0"/>
+              <a:cs typeface="Adobe Arabic" panose="02040503050201020203" charset="0"/>
             </a:endParaRPr>
           </a:p>
         </p:txBody>
@@ -34621,19 +34816,19 @@
                 <a:solidFill>
                   <a:sysClr val="windowText" lastClr="000000"/>
                 </a:solidFill>
-                <a:latin typeface="Abadi MT Condensed Light" charset="0"/>
-                <a:ea typeface="Abadi MT Condensed Light" charset="0"/>
-                <a:cs typeface="Abadi MT Condensed Light" charset="0"/>
+                <a:latin typeface="Adobe Arabic" panose="02040503050201020203" charset="0"/>
+                <a:ea typeface="Abadi MT Condensed Light" charset="0"/>
+                <a:cs typeface="Adobe Arabic" panose="02040503050201020203" charset="0"/>
               </a:rPr>
               <a:t>calculate()</a:t>
             </a:r>
-            <a:endParaRPr lang="en-US" sz="2000" dirty="0">
+            <a:endParaRPr lang="en-US" sz="2000" dirty="0" smtClean="0">
               <a:solidFill>
                 <a:sysClr val="windowText" lastClr="000000"/>
               </a:solidFill>
-              <a:latin typeface="Abadi MT Condensed Light" charset="0"/>
+              <a:latin typeface="Adobe Arabic" panose="02040503050201020203" charset="0"/>
               <a:ea typeface="Abadi MT Condensed Light" charset="0"/>
-              <a:cs typeface="Abadi MT Condensed Light" charset="0"/>
+              <a:cs typeface="Adobe Arabic" panose="02040503050201020203" charset="0"/>
             </a:endParaRPr>
           </a:p>
         </p:txBody>
@@ -34699,10 +34894,16 @@
           <a:lstStyle/>
           <a:p>
             <a:r>
-              <a:rPr lang="en-US" dirty="0" smtClean="0"/>
+              <a:rPr lang="en-US" dirty="0" smtClean="0">
+                <a:latin typeface="Adobe Arabic" panose="02040503050201020203" charset="0"/>
+                <a:cs typeface="Adobe Arabic" panose="02040503050201020203" charset="0"/>
+              </a:rPr>
               <a:t>Display</a:t>
             </a:r>
-            <a:endParaRPr lang="en-US" dirty="0"/>
+            <a:endParaRPr lang="en-US" dirty="0" smtClean="0">
+              <a:latin typeface="Adobe Arabic" panose="02040503050201020203" charset="0"/>
+              <a:cs typeface="Adobe Arabic" panose="02040503050201020203" charset="0"/>
+            </a:endParaRPr>
           </a:p>
         </p:txBody>
       </p:sp>
@@ -34870,19 +35071,19 @@
                 <a:solidFill>
                   <a:sysClr val="windowText" lastClr="000000"/>
                 </a:solidFill>
-                <a:latin typeface="Abadi MT Condensed Light" charset="0"/>
-                <a:ea typeface="Abadi MT Condensed Light" charset="0"/>
-                <a:cs typeface="Abadi MT Condensed Light" charset="0"/>
+                <a:latin typeface="Adobe Arabic" panose="02040503050201020203" charset="0"/>
+                <a:ea typeface="Abadi MT Condensed Light" charset="0"/>
+                <a:cs typeface="Adobe Arabic" panose="02040503050201020203" charset="0"/>
               </a:rPr>
               <a:t>join()</a:t>
             </a:r>
-            <a:endParaRPr lang="en-US" sz="2000" dirty="0">
+            <a:endParaRPr lang="en-US" sz="2000" dirty="0" smtClean="0">
               <a:solidFill>
                 <a:sysClr val="windowText" lastClr="000000"/>
               </a:solidFill>
-              <a:latin typeface="Abadi MT Condensed Light" charset="0"/>
+              <a:latin typeface="Adobe Arabic" panose="02040503050201020203" charset="0"/>
               <a:ea typeface="Abadi MT Condensed Light" charset="0"/>
-              <a:cs typeface="Abadi MT Condensed Light" charset="0"/>
+              <a:cs typeface="Adobe Arabic" panose="02040503050201020203" charset="0"/>
             </a:endParaRPr>
           </a:p>
         </p:txBody>

--- a/presentations/java_future.pptx
+++ b/presentations/java_future.pptx
@@ -8026,8 +8026,8 @@
         </p:nvSpPr>
         <p:spPr>
           <a:xfrm>
-            <a:off x="683615" y="4263629"/>
-            <a:ext cx="2697502" cy="369332"/>
+            <a:off x="683895" y="4263390"/>
+            <a:ext cx="3964305" cy="368300"/>
           </a:xfrm>
           <a:prstGeom prst="rect">
             <a:avLst/>
@@ -8073,8 +8073,8 @@
         </p:nvSpPr>
         <p:spPr>
           <a:xfrm>
-            <a:off x="698873" y="3850363"/>
-            <a:ext cx="1524000" cy="369332"/>
+            <a:off x="699135" y="3850640"/>
+            <a:ext cx="3949700" cy="368300"/>
           </a:xfrm>
           <a:prstGeom prst="rect">
             <a:avLst/>
@@ -17456,19 +17456,19 @@
                 <a:solidFill>
                   <a:srgbClr val="02A9F7"/>
                 </a:solidFill>
-                <a:latin typeface="Abadi MT Condensed Light" charset="0"/>
+                <a:latin typeface="Adobe Arabic" panose="02040503050201020203" charset="0"/>
                 <a:ea typeface="Abadi MT Condensed Light" charset="0"/>
-                <a:cs typeface="Abadi MT Condensed Light" charset="0"/>
+                <a:cs typeface="Adobe Arabic" panose="02040503050201020203" charset="0"/>
               </a:rPr>
               <a:t>Amazon|20$|Gold</a:t>
             </a:r>
-            <a:endParaRPr lang="en-US" b="1" i="1" dirty="0">
+            <a:endParaRPr lang="en-US" b="1" i="1" dirty="0" smtClean="0">
               <a:solidFill>
                 <a:srgbClr val="02A9F7"/>
               </a:solidFill>
-              <a:latin typeface="Abadi MT Condensed Light" charset="0"/>
+              <a:latin typeface="Adobe Arabic" panose="02040503050201020203" charset="0"/>
               <a:ea typeface="Abadi MT Condensed Light" charset="0"/>
-              <a:cs typeface="Abadi MT Condensed Light" charset="0"/>
+              <a:cs typeface="Adobe Arabic" panose="02040503050201020203" charset="0"/>
             </a:endParaRPr>
           </a:p>
         </p:txBody>
@@ -17482,7 +17482,7 @@
         <p:spPr>
           <a:xfrm>
             <a:off x="9982200" y="2904796"/>
-            <a:ext cx="2286000" cy="369332"/>
+            <a:ext cx="2286000" cy="368300"/>
           </a:xfrm>
           <a:prstGeom prst="rect">
             <a:avLst/>
@@ -17504,19 +17504,19 @@
                 <a:solidFill>
                   <a:srgbClr val="D78000"/>
                 </a:solidFill>
-                <a:latin typeface="Abadi MT Condensed Light" charset="0"/>
+                <a:latin typeface="Adobe Arabic" panose="02040503050201020203" charset="0"/>
                 <a:ea typeface="Abadi MT Condensed Light" charset="0"/>
-                <a:cs typeface="Abadi MT Condensed Light" charset="0"/>
+                <a:cs typeface="Adobe Arabic" panose="02040503050201020203" charset="0"/>
               </a:rPr>
               <a:t>Price: 20|Discount: Gold</a:t>
             </a:r>
-            <a:endParaRPr lang="en-US" b="1" i="1" dirty="0">
+            <a:endParaRPr lang="en-US" b="1" i="1" dirty="0" smtClean="0">
               <a:solidFill>
                 <a:srgbClr val="D78000"/>
               </a:solidFill>
-              <a:latin typeface="Abadi MT Condensed Light" charset="0"/>
+              <a:latin typeface="Adobe Arabic" panose="02040503050201020203" charset="0"/>
               <a:ea typeface="Abadi MT Condensed Light" charset="0"/>
-              <a:cs typeface="Abadi MT Condensed Light" charset="0"/>
+              <a:cs typeface="Adobe Arabic" panose="02040503050201020203" charset="0"/>
             </a:endParaRPr>
           </a:p>
         </p:txBody>
@@ -30780,9 +30780,136 @@
   <p:timing>
     <p:tnLst>
       <p:par>
-        <p:cTn id="1" dur="indefinite" restart="never" nodeType="tmRoot"/>
+        <p:cTn id="1" dur="indefinite" restart="never" nodeType="tmRoot">
+          <p:childTnLst>
+            <p:seq concurrent="1" nextAc="seek">
+              <p:cTn id="2" dur="indefinite" nodeType="mainSeq">
+                <p:childTnLst>
+                  <p:par>
+                    <p:cTn id="3" fill="hold">
+                      <p:stCondLst>
+                        <p:cond delay="indefinite"/>
+                      </p:stCondLst>
+                      <p:childTnLst>
+                        <p:par>
+                          <p:cTn id="4" fill="hold">
+                            <p:stCondLst>
+                              <p:cond delay="0"/>
+                            </p:stCondLst>
+                            <p:childTnLst>
+                              <p:par>
+                                <p:cTn id="5" presetID="1" presetClass="entr" presetSubtype="0" fill="hold" grpId="0" nodeType="clickEffect">
+                                  <p:stCondLst>
+                                    <p:cond delay="0"/>
+                                  </p:stCondLst>
+                                  <p:childTnLst>
+                                    <p:set>
+                                      <p:cBhvr>
+                                        <p:cTn id="6" dur="1" fill="hold">
+                                          <p:stCondLst>
+                                            <p:cond delay="0"/>
+                                          </p:stCondLst>
+                                        </p:cTn>
+                                        <p:tgtEl>
+                                          <p:spTgt spid="11"/>
+                                        </p:tgtEl>
+                                        <p:attrNameLst>
+                                          <p:attrName>style.visibility</p:attrName>
+                                        </p:attrNameLst>
+                                      </p:cBhvr>
+                                      <p:to>
+                                        <p:strVal val="visible"/>
+                                      </p:to>
+                                    </p:set>
+                                  </p:childTnLst>
+                                </p:cTn>
+                              </p:par>
+                              <p:par>
+                                <p:cTn id="7" presetID="1" presetClass="entr" presetSubtype="0" fill="hold" grpId="0" nodeType="withEffect">
+                                  <p:stCondLst>
+                                    <p:cond delay="0"/>
+                                  </p:stCondLst>
+                                  <p:childTnLst>
+                                    <p:set>
+                                      <p:cBhvr>
+                                        <p:cTn id="8" dur="1" fill="hold">
+                                          <p:stCondLst>
+                                            <p:cond delay="0"/>
+                                          </p:stCondLst>
+                                        </p:cTn>
+                                        <p:tgtEl>
+                                          <p:spTgt spid="12"/>
+                                        </p:tgtEl>
+                                        <p:attrNameLst>
+                                          <p:attrName>style.visibility</p:attrName>
+                                        </p:attrNameLst>
+                                      </p:cBhvr>
+                                      <p:to>
+                                        <p:strVal val="visible"/>
+                                      </p:to>
+                                    </p:set>
+                                  </p:childTnLst>
+                                </p:cTn>
+                              </p:par>
+                              <p:par>
+                                <p:cTn id="9" presetID="1" presetClass="entr" presetSubtype="0" fill="hold" grpId="0" nodeType="withEffect">
+                                  <p:stCondLst>
+                                    <p:cond delay="0"/>
+                                  </p:stCondLst>
+                                  <p:childTnLst>
+                                    <p:set>
+                                      <p:cBhvr>
+                                        <p:cTn id="10" dur="1" fill="hold">
+                                          <p:stCondLst>
+                                            <p:cond delay="0"/>
+                                          </p:stCondLst>
+                                        </p:cTn>
+                                        <p:tgtEl>
+                                          <p:spTgt spid="14"/>
+                                        </p:tgtEl>
+                                        <p:attrNameLst>
+                                          <p:attrName>style.visibility</p:attrName>
+                                        </p:attrNameLst>
+                                      </p:cBhvr>
+                                      <p:to>
+                                        <p:strVal val="visible"/>
+                                      </p:to>
+                                    </p:set>
+                                  </p:childTnLst>
+                                </p:cTn>
+                              </p:par>
+                            </p:childTnLst>
+                          </p:cTn>
+                        </p:par>
+                      </p:childTnLst>
+                    </p:cTn>
+                  </p:par>
+                </p:childTnLst>
+              </p:cTn>
+              <p:prevCondLst>
+                <p:cond evt="onPrev" delay="0">
+                  <p:tgtEl>
+                    <p:sldTgt/>
+                  </p:tgtEl>
+                </p:cond>
+              </p:prevCondLst>
+              <p:nextCondLst>
+                <p:cond evt="onNext" delay="0">
+                  <p:tgtEl>
+                    <p:sldTgt/>
+                  </p:tgtEl>
+                </p:cond>
+              </p:nextCondLst>
+            </p:seq>
+          </p:childTnLst>
+        </p:cTn>
       </p:par>
     </p:tnLst>
+    <p:bldLst>
+      <p:bldP spid="11" grpId="0"/>
+      <p:bldP spid="12" grpId="0"/>
+      <p:bldP spid="14" grpId="0"/>
+    </p:bldLst>
   </p:timing>
 </p:sld>
 </file>
@@ -31422,45 +31549,6 @@
           </a:p>
         </p:txBody>
       </p:sp>
-      <p:cxnSp>
-        <p:nvCxnSpPr>
-          <p:cNvPr id="37" name="Straight Connector 36"/>
-          <p:cNvCxnSpPr/>
-          <p:nvPr/>
-        </p:nvCxnSpPr>
-        <p:spPr>
-          <a:xfrm>
-            <a:off x="5105400" y="379730"/>
-            <a:ext cx="0" cy="6120709"/>
-          </a:xfrm>
-          <a:prstGeom prst="line">
-            <a:avLst/>
-          </a:prstGeom>
-          <a:ln w="25400">
-            <a:solidFill>
-              <a:schemeClr val="tx1">
-                <a:lumMod val="50000"/>
-              </a:schemeClr>
-            </a:solidFill>
-            <a:headEnd type="none" w="med" len="med"/>
-            <a:tailEnd type="triangle" w="med" len="med"/>
-          </a:ln>
-        </p:spPr>
-        <p:style>
-          <a:lnRef idx="1">
-            <a:schemeClr val="accent1"/>
-          </a:lnRef>
-          <a:fillRef idx="0">
-            <a:schemeClr val="accent1"/>
-          </a:fillRef>
-          <a:effectRef idx="0">
-            <a:schemeClr val="accent1"/>
-          </a:effectRef>
-          <a:fontRef idx="minor">
-            <a:schemeClr val="tx1"/>
-          </a:fontRef>
-        </p:style>
-      </p:cxnSp>
       <p:sp>
         <p:nvSpPr>
           <p:cNvPr id="38" name="Rounded Rectangle 37"/>
@@ -32673,8 +32761,8 @@
         </p:nvSpPr>
         <p:spPr>
           <a:xfrm>
-            <a:off x="9734549" y="1537725"/>
-            <a:ext cx="2819400" cy="369332"/>
+            <a:off x="9734550" y="1537970"/>
+            <a:ext cx="1420495" cy="368300"/>
           </a:xfrm>
           <a:prstGeom prst="rect">
             <a:avLst/>
@@ -33140,9 +33228,510 @@
   <p:timing>
     <p:tnLst>
       <p:par>
-        <p:cTn id="1" dur="indefinite" restart="never" nodeType="tmRoot"/>
+        <p:cTn id="1" dur="indefinite" restart="never" nodeType="tmRoot">
+          <p:childTnLst>
+            <p:seq concurrent="1" nextAc="seek">
+              <p:cTn id="2" dur="indefinite" nodeType="mainSeq">
+                <p:childTnLst>
+                  <p:par>
+                    <p:cTn id="3" fill="hold">
+                      <p:stCondLst>
+                        <p:cond delay="indefinite"/>
+                      </p:stCondLst>
+                      <p:childTnLst>
+                        <p:par>
+                          <p:cTn id="4" fill="hold">
+                            <p:stCondLst>
+                              <p:cond delay="0"/>
+                            </p:stCondLst>
+                            <p:childTnLst>
+                              <p:par>
+                                <p:cTn id="5" presetID="1" presetClass="entr" presetSubtype="0" fill="hold" grpId="0" nodeType="clickEffect">
+                                  <p:stCondLst>
+                                    <p:cond delay="0"/>
+                                  </p:stCondLst>
+                                  <p:childTnLst>
+                                    <p:set>
+                                      <p:cBhvr>
+                                        <p:cTn id="6" dur="1" fill="hold">
+                                          <p:stCondLst>
+                                            <p:cond delay="0"/>
+                                          </p:stCondLst>
+                                        </p:cTn>
+                                        <p:tgtEl>
+                                          <p:spTgt spid="89"/>
+                                        </p:tgtEl>
+                                        <p:attrNameLst>
+                                          <p:attrName>style.visibility</p:attrName>
+                                        </p:attrNameLst>
+                                      </p:cBhvr>
+                                      <p:to>
+                                        <p:strVal val="visible"/>
+                                      </p:to>
+                                    </p:set>
+                                  </p:childTnLst>
+                                </p:cTn>
+                              </p:par>
+                              <p:par>
+                                <p:cTn id="7" presetID="1" presetClass="entr" presetSubtype="0" fill="hold" grpId="0" nodeType="withEffect">
+                                  <p:stCondLst>
+                                    <p:cond delay="0"/>
+                                  </p:stCondLst>
+                                  <p:childTnLst>
+                                    <p:set>
+                                      <p:cBhvr>
+                                        <p:cTn id="8" dur="1" fill="hold">
+                                          <p:stCondLst>
+                                            <p:cond delay="0"/>
+                                          </p:stCondLst>
+                                        </p:cTn>
+                                        <p:tgtEl>
+                                          <p:spTgt spid="90"/>
+                                        </p:tgtEl>
+                                        <p:attrNameLst>
+                                          <p:attrName>style.visibility</p:attrName>
+                                        </p:attrNameLst>
+                                      </p:cBhvr>
+                                      <p:to>
+                                        <p:strVal val="visible"/>
+                                      </p:to>
+                                    </p:set>
+                                  </p:childTnLst>
+                                </p:cTn>
+                              </p:par>
+                              <p:par>
+                                <p:cTn id="9" presetID="1" presetClass="entr" presetSubtype="0" fill="hold" grpId="0" nodeType="withEffect">
+                                  <p:stCondLst>
+                                    <p:cond delay="0"/>
+                                  </p:stCondLst>
+                                  <p:childTnLst>
+                                    <p:set>
+                                      <p:cBhvr>
+                                        <p:cTn id="10" dur="1" fill="hold">
+                                          <p:stCondLst>
+                                            <p:cond delay="0"/>
+                                          </p:stCondLst>
+                                        </p:cTn>
+                                        <p:tgtEl>
+                                          <p:spTgt spid="91"/>
+                                        </p:tgtEl>
+                                        <p:attrNameLst>
+                                          <p:attrName>style.visibility</p:attrName>
+                                        </p:attrNameLst>
+                                      </p:cBhvr>
+                                      <p:to>
+                                        <p:strVal val="visible"/>
+                                      </p:to>
+                                    </p:set>
+                                  </p:childTnLst>
+                                </p:cTn>
+                              </p:par>
+                              <p:par>
+                                <p:cTn id="11" presetID="1" presetClass="entr" presetSubtype="0" fill="hold" grpId="0" nodeType="withEffect">
+                                  <p:stCondLst>
+                                    <p:cond delay="0"/>
+                                  </p:stCondLst>
+                                  <p:childTnLst>
+                                    <p:set>
+                                      <p:cBhvr>
+                                        <p:cTn id="12" dur="1" fill="hold">
+                                          <p:stCondLst>
+                                            <p:cond delay="0"/>
+                                          </p:stCondLst>
+                                        </p:cTn>
+                                        <p:tgtEl>
+                                          <p:spTgt spid="92"/>
+                                        </p:tgtEl>
+                                        <p:attrNameLst>
+                                          <p:attrName>style.visibility</p:attrName>
+                                        </p:attrNameLst>
+                                      </p:cBhvr>
+                                      <p:to>
+                                        <p:strVal val="visible"/>
+                                      </p:to>
+                                    </p:set>
+                                  </p:childTnLst>
+                                </p:cTn>
+                              </p:par>
+                              <p:par>
+                                <p:cTn id="13" presetID="1" presetClass="entr" presetSubtype="0" fill="hold" grpId="0" nodeType="withEffect">
+                                  <p:stCondLst>
+                                    <p:cond delay="0"/>
+                                  </p:stCondLst>
+                                  <p:childTnLst>
+                                    <p:set>
+                                      <p:cBhvr>
+                                        <p:cTn id="14" dur="1" fill="hold">
+                                          <p:stCondLst>
+                                            <p:cond delay="0"/>
+                                          </p:stCondLst>
+                                        </p:cTn>
+                                        <p:tgtEl>
+                                          <p:spTgt spid="93"/>
+                                        </p:tgtEl>
+                                        <p:attrNameLst>
+                                          <p:attrName>style.visibility</p:attrName>
+                                        </p:attrNameLst>
+                                      </p:cBhvr>
+                                      <p:to>
+                                        <p:strVal val="visible"/>
+                                      </p:to>
+                                    </p:set>
+                                  </p:childTnLst>
+                                </p:cTn>
+                              </p:par>
+                              <p:par>
+                                <p:cTn id="15" presetID="1" presetClass="entr" presetSubtype="0" fill="hold" grpId="0" nodeType="withEffect">
+                                  <p:stCondLst>
+                                    <p:cond delay="0"/>
+                                  </p:stCondLst>
+                                  <p:childTnLst>
+                                    <p:set>
+                                      <p:cBhvr>
+                                        <p:cTn id="16" dur="1" fill="hold">
+                                          <p:stCondLst>
+                                            <p:cond delay="0"/>
+                                          </p:stCondLst>
+                                        </p:cTn>
+                                        <p:tgtEl>
+                                          <p:spTgt spid="94"/>
+                                        </p:tgtEl>
+                                        <p:attrNameLst>
+                                          <p:attrName>style.visibility</p:attrName>
+                                        </p:attrNameLst>
+                                      </p:cBhvr>
+                                      <p:to>
+                                        <p:strVal val="visible"/>
+                                      </p:to>
+                                    </p:set>
+                                  </p:childTnLst>
+                                </p:cTn>
+                              </p:par>
+                              <p:par>
+                                <p:cTn id="17" presetID="1" presetClass="entr" presetSubtype="0" fill="hold" grpId="0" nodeType="withEffect">
+                                  <p:stCondLst>
+                                    <p:cond delay="0"/>
+                                  </p:stCondLst>
+                                  <p:childTnLst>
+                                    <p:set>
+                                      <p:cBhvr>
+                                        <p:cTn id="18" dur="1" fill="hold">
+                                          <p:stCondLst>
+                                            <p:cond delay="0"/>
+                                          </p:stCondLst>
+                                        </p:cTn>
+                                        <p:tgtEl>
+                                          <p:spTgt spid="95"/>
+                                        </p:tgtEl>
+                                        <p:attrNameLst>
+                                          <p:attrName>style.visibility</p:attrName>
+                                        </p:attrNameLst>
+                                      </p:cBhvr>
+                                      <p:to>
+                                        <p:strVal val="visible"/>
+                                      </p:to>
+                                    </p:set>
+                                  </p:childTnLst>
+                                </p:cTn>
+                              </p:par>
+                              <p:par>
+                                <p:cTn id="19" presetID="1" presetClass="entr" presetSubtype="0" fill="hold" grpId="0" nodeType="withEffect">
+                                  <p:stCondLst>
+                                    <p:cond delay="0"/>
+                                  </p:stCondLst>
+                                  <p:childTnLst>
+                                    <p:set>
+                                      <p:cBhvr>
+                                        <p:cTn id="20" dur="1" fill="hold">
+                                          <p:stCondLst>
+                                            <p:cond delay="0"/>
+                                          </p:stCondLst>
+                                        </p:cTn>
+                                        <p:tgtEl>
+                                          <p:spTgt spid="96"/>
+                                        </p:tgtEl>
+                                        <p:attrNameLst>
+                                          <p:attrName>style.visibility</p:attrName>
+                                        </p:attrNameLst>
+                                      </p:cBhvr>
+                                      <p:to>
+                                        <p:strVal val="visible"/>
+                                      </p:to>
+                                    </p:set>
+                                  </p:childTnLst>
+                                </p:cTn>
+                              </p:par>
+                              <p:par>
+                                <p:cTn id="21" presetID="1" presetClass="entr" presetSubtype="0" fill="hold" grpId="0" nodeType="withEffect">
+                                  <p:stCondLst>
+                                    <p:cond delay="0"/>
+                                  </p:stCondLst>
+                                  <p:childTnLst>
+                                    <p:set>
+                                      <p:cBhvr>
+                                        <p:cTn id="22" dur="1" fill="hold">
+                                          <p:stCondLst>
+                                            <p:cond delay="0"/>
+                                          </p:stCondLst>
+                                        </p:cTn>
+                                        <p:tgtEl>
+                                          <p:spTgt spid="97"/>
+                                        </p:tgtEl>
+                                        <p:attrNameLst>
+                                          <p:attrName>style.visibility</p:attrName>
+                                        </p:attrNameLst>
+                                      </p:cBhvr>
+                                      <p:to>
+                                        <p:strVal val="visible"/>
+                                      </p:to>
+                                    </p:set>
+                                  </p:childTnLst>
+                                </p:cTn>
+                              </p:par>
+                              <p:par>
+                                <p:cTn id="23" presetID="1" presetClass="entr" presetSubtype="0" fill="hold" grpId="0" nodeType="withEffect">
+                                  <p:stCondLst>
+                                    <p:cond delay="0"/>
+                                  </p:stCondLst>
+                                  <p:childTnLst>
+                                    <p:set>
+                                      <p:cBhvr>
+                                        <p:cTn id="24" dur="1" fill="hold">
+                                          <p:stCondLst>
+                                            <p:cond delay="0"/>
+                                          </p:stCondLst>
+                                        </p:cTn>
+                                        <p:tgtEl>
+                                          <p:spTgt spid="98"/>
+                                        </p:tgtEl>
+                                        <p:attrNameLst>
+                                          <p:attrName>style.visibility</p:attrName>
+                                        </p:attrNameLst>
+                                      </p:cBhvr>
+                                      <p:to>
+                                        <p:strVal val="visible"/>
+                                      </p:to>
+                                    </p:set>
+                                  </p:childTnLst>
+                                </p:cTn>
+                              </p:par>
+                              <p:par>
+                                <p:cTn id="25" presetID="1" presetClass="entr" presetSubtype="0" fill="hold" grpId="0" nodeType="withEffect">
+                                  <p:stCondLst>
+                                    <p:cond delay="0"/>
+                                  </p:stCondLst>
+                                  <p:childTnLst>
+                                    <p:set>
+                                      <p:cBhvr>
+                                        <p:cTn id="26" dur="1" fill="hold">
+                                          <p:stCondLst>
+                                            <p:cond delay="0"/>
+                                          </p:stCondLst>
+                                        </p:cTn>
+                                        <p:tgtEl>
+                                          <p:spTgt spid="99"/>
+                                        </p:tgtEl>
+                                        <p:attrNameLst>
+                                          <p:attrName>style.visibility</p:attrName>
+                                        </p:attrNameLst>
+                                      </p:cBhvr>
+                                      <p:to>
+                                        <p:strVal val="visible"/>
+                                      </p:to>
+                                    </p:set>
+                                  </p:childTnLst>
+                                </p:cTn>
+                              </p:par>
+                              <p:par>
+                                <p:cTn id="27" presetID="1" presetClass="entr" presetSubtype="0" fill="hold" grpId="0" nodeType="withEffect">
+                                  <p:stCondLst>
+                                    <p:cond delay="0"/>
+                                  </p:stCondLst>
+                                  <p:childTnLst>
+                                    <p:set>
+                                      <p:cBhvr>
+                                        <p:cTn id="28" dur="1" fill="hold">
+                                          <p:stCondLst>
+                                            <p:cond delay="0"/>
+                                          </p:stCondLst>
+                                        </p:cTn>
+                                        <p:tgtEl>
+                                          <p:spTgt spid="101"/>
+                                        </p:tgtEl>
+                                        <p:attrNameLst>
+                                          <p:attrName>style.visibility</p:attrName>
+                                        </p:attrNameLst>
+                                      </p:cBhvr>
+                                      <p:to>
+                                        <p:strVal val="visible"/>
+                                      </p:to>
+                                    </p:set>
+                                  </p:childTnLst>
+                                </p:cTn>
+                              </p:par>
+                              <p:par>
+                                <p:cTn id="29" presetID="1" presetClass="entr" presetSubtype="0" fill="hold" grpId="0" nodeType="withEffect">
+                                  <p:stCondLst>
+                                    <p:cond delay="0"/>
+                                  </p:stCondLst>
+                                  <p:childTnLst>
+                                    <p:set>
+                                      <p:cBhvr>
+                                        <p:cTn id="30" dur="1" fill="hold">
+                                          <p:stCondLst>
+                                            <p:cond delay="0"/>
+                                          </p:stCondLst>
+                                        </p:cTn>
+                                        <p:tgtEl>
+                                          <p:spTgt spid="105"/>
+                                        </p:tgtEl>
+                                        <p:attrNameLst>
+                                          <p:attrName>style.visibility</p:attrName>
+                                        </p:attrNameLst>
+                                      </p:cBhvr>
+                                      <p:to>
+                                        <p:strVal val="visible"/>
+                                      </p:to>
+                                    </p:set>
+                                  </p:childTnLst>
+                                </p:cTn>
+                              </p:par>
+                              <p:par>
+                                <p:cTn id="31" presetID="1" presetClass="entr" presetSubtype="0" fill="hold" nodeType="withEffect">
+                                  <p:stCondLst>
+                                    <p:cond delay="0"/>
+                                  </p:stCondLst>
+                                  <p:childTnLst>
+                                    <p:set>
+                                      <p:cBhvr>
+                                        <p:cTn id="32" dur="1" fill="hold">
+                                          <p:stCondLst>
+                                            <p:cond delay="0"/>
+                                          </p:stCondLst>
+                                        </p:cTn>
+                                        <p:tgtEl>
+                                          <p:spTgt spid="8"/>
+                                        </p:tgtEl>
+                                        <p:attrNameLst>
+                                          <p:attrName>style.visibility</p:attrName>
+                                        </p:attrNameLst>
+                                      </p:cBhvr>
+                                      <p:to>
+                                        <p:strVal val="visible"/>
+                                      </p:to>
+                                    </p:set>
+                                  </p:childTnLst>
+                                </p:cTn>
+                              </p:par>
+                              <p:par>
+                                <p:cTn id="33" presetID="1" presetClass="entr" presetSubtype="0" fill="hold" nodeType="withEffect">
+                                  <p:stCondLst>
+                                    <p:cond delay="0"/>
+                                  </p:stCondLst>
+                                  <p:childTnLst>
+                                    <p:set>
+                                      <p:cBhvr>
+                                        <p:cTn id="34" dur="1" fill="hold">
+                                          <p:stCondLst>
+                                            <p:cond delay="0"/>
+                                          </p:stCondLst>
+                                        </p:cTn>
+                                        <p:tgtEl>
+                                          <p:spTgt spid="9"/>
+                                        </p:tgtEl>
+                                        <p:attrNameLst>
+                                          <p:attrName>style.visibility</p:attrName>
+                                        </p:attrNameLst>
+                                      </p:cBhvr>
+                                      <p:to>
+                                        <p:strVal val="visible"/>
+                                      </p:to>
+                                    </p:set>
+                                  </p:childTnLst>
+                                </p:cTn>
+                              </p:par>
+                              <p:par>
+                                <p:cTn id="35" presetID="1" presetClass="entr" presetSubtype="0" fill="hold" nodeType="withEffect">
+                                  <p:stCondLst>
+                                    <p:cond delay="0"/>
+                                  </p:stCondLst>
+                                  <p:childTnLst>
+                                    <p:set>
+                                      <p:cBhvr>
+                                        <p:cTn id="36" dur="1" fill="hold">
+                                          <p:stCondLst>
+                                            <p:cond delay="0"/>
+                                          </p:stCondLst>
+                                        </p:cTn>
+                                        <p:tgtEl>
+                                          <p:spTgt spid="10"/>
+                                        </p:tgtEl>
+                                        <p:attrNameLst>
+                                          <p:attrName>style.visibility</p:attrName>
+                                        </p:attrNameLst>
+                                      </p:cBhvr>
+                                      <p:to>
+                                        <p:strVal val="visible"/>
+                                      </p:to>
+                                    </p:set>
+                                  </p:childTnLst>
+                                </p:cTn>
+                              </p:par>
+                            </p:childTnLst>
+                          </p:cTn>
+                        </p:par>
+                      </p:childTnLst>
+                    </p:cTn>
+                  </p:par>
+                </p:childTnLst>
+              </p:cTn>
+              <p:prevCondLst>
+                <p:cond evt="onPrev" delay="0">
+                  <p:tgtEl>
+                    <p:sldTgt/>
+                  </p:tgtEl>
+                </p:cond>
+              </p:prevCondLst>
+              <p:nextCondLst>
+                <p:cond evt="onNext" delay="0">
+                  <p:tgtEl>
+                    <p:sldTgt/>
+                  </p:tgtEl>
+                </p:cond>
+              </p:nextCondLst>
+            </p:seq>
+          </p:childTnLst>
+        </p:cTn>
       </p:par>
     </p:tnLst>
+    <p:bldLst>
+      <p:bldP spid="89" grpId="0" animBg="1"/>
+      <p:bldP spid="90" grpId="0" animBg="1"/>
+      <p:bldP spid="91" grpId="0" animBg="1"/>
+      <p:bldP spid="92" grpId="0" animBg="1"/>
+      <p:bldP spid="93" grpId="0"/>
+      <p:bldP spid="94" grpId="0"/>
+      <p:bldP spid="95" grpId="0"/>
+      <p:bldP spid="96" grpId="0"/>
+      <p:bldP spid="97" grpId="0"/>
+      <p:bldP spid="98" grpId="0"/>
+      <p:bldP spid="99" grpId="0"/>
+      <p:bldP spid="101" grpId="0" animBg="1"/>
+      <p:bldP spid="105" grpId="0"/>
+      <p:bldP spid="89" grpId="1" animBg="1"/>
+      <p:bldP spid="90" grpId="1" animBg="1"/>
+      <p:bldP spid="91" grpId="1" animBg="1"/>
+      <p:bldP spid="92" grpId="1" animBg="1"/>
+      <p:bldP spid="93" grpId="1"/>
+      <p:bldP spid="94" grpId="1"/>
+      <p:bldP spid="95" grpId="1"/>
+      <p:bldP spid="96" grpId="1"/>
+      <p:bldP spid="97" grpId="1"/>
+      <p:bldP spid="98" grpId="1"/>
+      <p:bldP spid="99" grpId="1"/>
+      <p:bldP spid="101" grpId="1" animBg="1"/>
+      <p:bldP spid="105" grpId="1"/>
+    </p:bldLst>
   </p:timing>
 </p:sld>
 </file>

--- a/presentations/java_future.pptx
+++ b/presentations/java_future.pptx
@@ -5454,7 +5454,7 @@
         </p:nvSpPr>
         <p:spPr>
           <a:xfrm>
-            <a:off x="6057900" y="4328564"/>
+            <a:off x="6031230" y="3967249"/>
             <a:ext cx="1201696" cy="369332"/>
           </a:xfrm>
           <a:prstGeom prst="rect">
@@ -5872,6 +5872,49 @@
           </a:p>
         </p:txBody>
       </p:sp>
+      <p:cxnSp>
+        <p:nvCxnSpPr>
+          <p:cNvPr id="2" name="Elbow Connector 1"/>
+          <p:cNvCxnSpPr>
+            <a:stCxn id="32" idx="3"/>
+            <a:endCxn id="40" idx="1"/>
+          </p:cNvCxnSpPr>
+          <p:nvPr/>
+        </p:nvCxnSpPr>
+        <p:spPr>
+          <a:xfrm>
+            <a:off x="6125845" y="4261485"/>
+            <a:ext cx="581660" cy="1391285"/>
+          </a:xfrm>
+          <a:prstGeom prst="bentConnector3">
+            <a:avLst>
+              <a:gd name="adj1" fmla="val 50000"/>
+            </a:avLst>
+          </a:prstGeom>
+          <a:ln w="12700">
+            <a:solidFill>
+              <a:schemeClr val="accent2">
+                <a:lumMod val="50000"/>
+              </a:schemeClr>
+            </a:solidFill>
+            <a:tailEnd type="triangle"/>
+          </a:ln>
+        </p:spPr>
+        <p:style>
+          <a:lnRef idx="1">
+            <a:schemeClr val="accent1"/>
+          </a:lnRef>
+          <a:fillRef idx="0">
+            <a:schemeClr val="accent1"/>
+          </a:fillRef>
+          <a:effectRef idx="0">
+            <a:schemeClr val="accent1"/>
+          </a:effectRef>
+          <a:fontRef idx="minor">
+            <a:schemeClr val="tx1"/>
+          </a:fontRef>
+        </p:style>
+      </p:cxnSp>
     </p:spTree>
   </p:cSld>
   <p:clrMapOvr>
@@ -5906,6 +5949,62 @@
       </p:grpSpPr>
       <p:sp>
         <p:nvSpPr>
+          <p:cNvPr id="92" name="Rounded Rectangle 91"/>
+          <p:cNvSpPr/>
+          <p:nvPr/>
+        </p:nvSpPr>
+        <p:spPr>
+          <a:xfrm>
+            <a:off x="4950282" y="3581401"/>
+            <a:ext cx="6897249" cy="2362200"/>
+          </a:xfrm>
+          <a:prstGeom prst="roundRect">
+            <a:avLst/>
+          </a:prstGeom>
+          <a:solidFill>
+            <a:schemeClr val="bg2">
+              <a:alpha val="36000"/>
+            </a:schemeClr>
+          </a:solidFill>
+          <a:ln>
+            <a:solidFill>
+              <a:schemeClr val="tx1">
+                <a:lumMod val="20000"/>
+                <a:lumOff val="80000"/>
+              </a:schemeClr>
+            </a:solidFill>
+          </a:ln>
+        </p:spPr>
+        <p:style>
+          <a:lnRef idx="2">
+            <a:schemeClr val="accent1">
+              <a:shade val="50000"/>
+            </a:schemeClr>
+          </a:lnRef>
+          <a:fillRef idx="1">
+            <a:schemeClr val="accent1"/>
+          </a:fillRef>
+          <a:effectRef idx="0">
+            <a:schemeClr val="accent1"/>
+          </a:effectRef>
+          <a:fontRef idx="minor">
+            <a:schemeClr val="lt1"/>
+          </a:fontRef>
+        </p:style>
+        <p:txBody>
+          <a:bodyPr rtlCol="0" anchor="ctr"/>
+          <a:lstStyle/>
+          <a:p>
+            <a:pPr algn="ctr"/>
+            <a:endParaRPr lang="en-US">
+              <a:latin typeface="Adobe Arabic" panose="02040503050201020203" charset="0"/>
+              <a:cs typeface="Adobe Arabic" panose="02040503050201020203" charset="0"/>
+            </a:endParaRPr>
+          </a:p>
+        </p:txBody>
+      </p:sp>
+      <p:sp>
+        <p:nvSpPr>
           <p:cNvPr id="38" name="Rounded Rectangle 37"/>
           <p:cNvSpPr/>
           <p:nvPr/>
@@ -7796,62 +7895,6 @@
               </a:solidFill>
               <a:latin typeface="Adobe Arabic" panose="02040503050201020203" charset="0"/>
               <a:ea typeface="Abadi MT Condensed Light" charset="0"/>
-              <a:cs typeface="Adobe Arabic" panose="02040503050201020203" charset="0"/>
-            </a:endParaRPr>
-          </a:p>
-        </p:txBody>
-      </p:sp>
-      <p:sp>
-        <p:nvSpPr>
-          <p:cNvPr id="92" name="Rounded Rectangle 91"/>
-          <p:cNvSpPr/>
-          <p:nvPr/>
-        </p:nvSpPr>
-        <p:spPr>
-          <a:xfrm>
-            <a:off x="4950282" y="3581401"/>
-            <a:ext cx="6897249" cy="2362200"/>
-          </a:xfrm>
-          <a:prstGeom prst="roundRect">
-            <a:avLst/>
-          </a:prstGeom>
-          <a:solidFill>
-            <a:schemeClr val="bg2">
-              <a:alpha val="36000"/>
-            </a:schemeClr>
-          </a:solidFill>
-          <a:ln>
-            <a:solidFill>
-              <a:schemeClr val="tx1">
-                <a:lumMod val="20000"/>
-                <a:lumOff val="80000"/>
-              </a:schemeClr>
-            </a:solidFill>
-          </a:ln>
-        </p:spPr>
-        <p:style>
-          <a:lnRef idx="2">
-            <a:schemeClr val="accent1">
-              <a:shade val="50000"/>
-            </a:schemeClr>
-          </a:lnRef>
-          <a:fillRef idx="1">
-            <a:schemeClr val="accent1"/>
-          </a:fillRef>
-          <a:effectRef idx="0">
-            <a:schemeClr val="accent1"/>
-          </a:effectRef>
-          <a:fontRef idx="minor">
-            <a:schemeClr val="lt1"/>
-          </a:fontRef>
-        </p:style>
-        <p:txBody>
-          <a:bodyPr rtlCol="0" anchor="ctr"/>
-          <a:lstStyle/>
-          <a:p>
-            <a:pPr algn="ctr"/>
-            <a:endParaRPr lang="en-US">
-              <a:latin typeface="Adobe Arabic" panose="02040503050201020203" charset="0"/>
               <a:cs typeface="Adobe Arabic" panose="02040503050201020203" charset="0"/>
             </a:endParaRPr>
           </a:p>
@@ -8143,2182 +8186,6 @@
       </p:grpSpPr>
       <p:sp>
         <p:nvSpPr>
-          <p:cNvPr id="35" name="Rounded Rectangle 34"/>
-          <p:cNvSpPr/>
-          <p:nvPr/>
-        </p:nvSpPr>
-        <p:spPr>
-          <a:xfrm>
-            <a:off x="2652872" y="190234"/>
-            <a:ext cx="2286000" cy="533400"/>
-          </a:xfrm>
-          <a:prstGeom prst="roundRect">
-            <a:avLst/>
-          </a:prstGeom>
-          <a:noFill/>
-          <a:ln>
-            <a:noFill/>
-          </a:ln>
-        </p:spPr>
-        <p:style>
-          <a:lnRef idx="2">
-            <a:schemeClr val="accent1">
-              <a:shade val="50000"/>
-            </a:schemeClr>
-          </a:lnRef>
-          <a:fillRef idx="1">
-            <a:schemeClr val="accent1"/>
-          </a:fillRef>
-          <a:effectRef idx="0">
-            <a:schemeClr val="accent1"/>
-          </a:effectRef>
-          <a:fontRef idx="minor">
-            <a:schemeClr val="lt1"/>
-          </a:fontRef>
-        </p:style>
-        <p:txBody>
-          <a:bodyPr rtlCol="0" anchor="ctr"/>
-          <a:lstStyle/>
-          <a:p>
-            <a:pPr algn="ctr"/>
-            <a:r>
-              <a:rPr lang="en-US" sz="2400" b="1" dirty="0" smtClean="0">
-                <a:solidFill>
-                  <a:sysClr val="windowText" lastClr="000000"/>
-                </a:solidFill>
-                <a:latin typeface="Abadi MT Condensed Light" charset="0"/>
-                <a:ea typeface="Abadi MT Condensed Light" charset="0"/>
-                <a:cs typeface="Abadi MT Condensed Light" charset="0"/>
-              </a:rPr>
-              <a:t>Executor Thread</a:t>
-            </a:r>
-            <a:endParaRPr lang="en-US" sz="2400" b="1" dirty="0">
-              <a:solidFill>
-                <a:sysClr val="windowText" lastClr="000000"/>
-              </a:solidFill>
-              <a:latin typeface="Abadi MT Condensed Light" charset="0"/>
-              <a:ea typeface="Abadi MT Condensed Light" charset="0"/>
-              <a:cs typeface="Abadi MT Condensed Light" charset="0"/>
-            </a:endParaRPr>
-          </a:p>
-        </p:txBody>
-      </p:sp>
-      <p:cxnSp>
-        <p:nvCxnSpPr>
-          <p:cNvPr id="37" name="Straight Connector 36"/>
-          <p:cNvCxnSpPr/>
-          <p:nvPr/>
-        </p:nvCxnSpPr>
-        <p:spPr>
-          <a:xfrm>
-            <a:off x="1905000" y="203891"/>
-            <a:ext cx="0" cy="3578823"/>
-          </a:xfrm>
-          <a:prstGeom prst="line">
-            <a:avLst/>
-          </a:prstGeom>
-          <a:ln>
-            <a:solidFill>
-              <a:schemeClr val="tx1">
-                <a:lumMod val="50000"/>
-              </a:schemeClr>
-            </a:solidFill>
-          </a:ln>
-        </p:spPr>
-        <p:style>
-          <a:lnRef idx="1">
-            <a:schemeClr val="accent1"/>
-          </a:lnRef>
-          <a:fillRef idx="0">
-            <a:schemeClr val="accent1"/>
-          </a:fillRef>
-          <a:effectRef idx="0">
-            <a:schemeClr val="accent1"/>
-          </a:effectRef>
-          <a:fontRef idx="minor">
-            <a:schemeClr val="tx1"/>
-          </a:fontRef>
-        </p:style>
-      </p:cxnSp>
-      <p:sp>
-        <p:nvSpPr>
-          <p:cNvPr id="38" name="Rounded Rectangle 37"/>
-          <p:cNvSpPr/>
-          <p:nvPr/>
-        </p:nvSpPr>
-        <p:spPr>
-          <a:xfrm>
-            <a:off x="152400" y="381000"/>
-            <a:ext cx="1676401" cy="533400"/>
-          </a:xfrm>
-          <a:prstGeom prst="roundRect">
-            <a:avLst/>
-          </a:prstGeom>
-          <a:noFill/>
-          <a:ln>
-            <a:solidFill>
-              <a:schemeClr val="accent2">
-                <a:lumMod val="50000"/>
-              </a:schemeClr>
-            </a:solidFill>
-          </a:ln>
-        </p:spPr>
-        <p:style>
-          <a:lnRef idx="2">
-            <a:schemeClr val="accent1">
-              <a:shade val="50000"/>
-            </a:schemeClr>
-          </a:lnRef>
-          <a:fillRef idx="1">
-            <a:schemeClr val="accent1"/>
-          </a:fillRef>
-          <a:effectRef idx="0">
-            <a:schemeClr val="accent1"/>
-          </a:effectRef>
-          <a:fontRef idx="minor">
-            <a:schemeClr val="lt1"/>
-          </a:fontRef>
-        </p:style>
-        <p:txBody>
-          <a:bodyPr rtlCol="0" anchor="ctr"/>
-          <a:lstStyle/>
-          <a:p>
-            <a:pPr algn="ctr"/>
-            <a:r>
-              <a:rPr lang="en-US" sz="2000" dirty="0" err="1" smtClean="0">
-                <a:solidFill>
-                  <a:sysClr val="windowText" lastClr="000000"/>
-                </a:solidFill>
-                <a:latin typeface="Adobe Arabic" panose="02040503050201020203" charset="0"/>
-                <a:ea typeface="Abadi MT Condensed Light" charset="0"/>
-                <a:cs typeface="Adobe Arabic" panose="02040503050201020203" charset="0"/>
-              </a:rPr>
-              <a:t>findPrice</a:t>
-            </a:r>
-            <a:r>
-              <a:rPr lang="en-US" sz="2000" dirty="0" smtClean="0">
-                <a:solidFill>
-                  <a:sysClr val="windowText" lastClr="000000"/>
-                </a:solidFill>
-                <a:latin typeface="Adobe Arabic" panose="02040503050201020203" charset="0"/>
-                <a:ea typeface="Abadi MT Condensed Light" charset="0"/>
-                <a:cs typeface="Adobe Arabic" panose="02040503050201020203" charset="0"/>
-              </a:rPr>
-              <a:t>()</a:t>
-            </a:r>
-            <a:endParaRPr lang="en-US" sz="2000" dirty="0">
-              <a:solidFill>
-                <a:sysClr val="windowText" lastClr="000000"/>
-              </a:solidFill>
-              <a:latin typeface="Adobe Arabic" panose="02040503050201020203" charset="0"/>
-              <a:ea typeface="Abadi MT Condensed Light" charset="0"/>
-              <a:cs typeface="Adobe Arabic" panose="02040503050201020203" charset="0"/>
-            </a:endParaRPr>
-          </a:p>
-        </p:txBody>
-      </p:sp>
-      <p:sp>
-        <p:nvSpPr>
-          <p:cNvPr id="27" name="Rectangle 26"/>
-          <p:cNvSpPr/>
-          <p:nvPr/>
-        </p:nvSpPr>
-        <p:spPr>
-          <a:xfrm>
-            <a:off x="698873" y="4681896"/>
-            <a:ext cx="4725342" cy="369332"/>
-          </a:xfrm>
-          <a:prstGeom prst="rect">
-            <a:avLst/>
-          </a:prstGeom>
-        </p:spPr>
-        <p:txBody>
-          <a:bodyPr wrap="square">
-            <a:spAutoFit/>
-          </a:bodyPr>
-          <a:lstStyle/>
-          <a:p>
-            <a:r>
-              <a:rPr lang="en-US" b="1" i="1" strike="sngStrike" dirty="0" smtClean="0">
-                <a:solidFill>
-                  <a:srgbClr val="333333"/>
-                </a:solidFill>
-                <a:latin typeface="raleway" charset="0"/>
-              </a:rPr>
-              <a:t>3</a:t>
-            </a:r>
-            <a:r>
-              <a:rPr lang="en-US" b="1" i="1" strike="sngStrike" dirty="0">
-                <a:solidFill>
-                  <a:srgbClr val="333333"/>
-                </a:solidFill>
-                <a:latin typeface="raleway" charset="0"/>
-              </a:rPr>
-              <a:t>. </a:t>
-            </a:r>
-            <a:r>
-              <a:rPr lang="en-US" b="1" i="1" strike="sngStrike" dirty="0"/>
-              <a:t>Multiple Futures </a:t>
-            </a:r>
-            <a:r>
-              <a:rPr lang="en-US" b="1" i="1" strike="sngStrike" dirty="0" smtClean="0"/>
-              <a:t>chain</a:t>
-            </a:r>
-            <a:r>
-              <a:rPr lang="en-US" b="1" i="1" dirty="0" smtClean="0"/>
-              <a:t>(</a:t>
-            </a:r>
-            <a:r>
-              <a:rPr lang="en-US" b="1" i="1" strike="sngStrike" dirty="0" smtClean="0"/>
-              <a:t>Synchronous)</a:t>
-            </a:r>
-            <a:endParaRPr lang="en-US" b="1" i="1" strike="sngStrike" dirty="0" smtClean="0"/>
-          </a:p>
-        </p:txBody>
-      </p:sp>
-      <p:sp>
-        <p:nvSpPr>
-          <p:cNvPr id="66" name="Rounded Rectangle 65"/>
-          <p:cNvSpPr/>
-          <p:nvPr/>
-        </p:nvSpPr>
-        <p:spPr>
-          <a:xfrm>
-            <a:off x="2238631" y="1143000"/>
-            <a:ext cx="3266039" cy="2286000"/>
-          </a:xfrm>
-          <a:prstGeom prst="roundRect">
-            <a:avLst/>
-          </a:prstGeom>
-          <a:solidFill>
-            <a:schemeClr val="bg2">
-              <a:alpha val="6000"/>
-            </a:schemeClr>
-          </a:solidFill>
-          <a:ln>
-            <a:solidFill>
-              <a:schemeClr val="accent2">
-                <a:lumMod val="50000"/>
-              </a:schemeClr>
-            </a:solidFill>
-          </a:ln>
-        </p:spPr>
-        <p:style>
-          <a:lnRef idx="2">
-            <a:schemeClr val="accent1">
-              <a:shade val="50000"/>
-            </a:schemeClr>
-          </a:lnRef>
-          <a:fillRef idx="1">
-            <a:schemeClr val="accent1"/>
-          </a:fillRef>
-          <a:effectRef idx="0">
-            <a:schemeClr val="accent1"/>
-          </a:effectRef>
-          <a:fontRef idx="minor">
-            <a:schemeClr val="lt1"/>
-          </a:fontRef>
-        </p:style>
-        <p:txBody>
-          <a:bodyPr rtlCol="0" anchor="t"/>
-          <a:lstStyle/>
-          <a:p>
-            <a:r>
-              <a:rPr lang="en-US" sz="2000" dirty="0" err="1" smtClean="0">
-                <a:solidFill>
-                  <a:schemeClr val="tx1">
-                    <a:alpha val="64000"/>
-                  </a:schemeClr>
-                </a:solidFill>
-                <a:latin typeface="Abadi MT Condensed Light" charset="0"/>
-                <a:ea typeface="Abadi MT Condensed Light" charset="0"/>
-                <a:cs typeface="Abadi MT Condensed Light" charset="0"/>
-              </a:rPr>
-              <a:t>getPrice</a:t>
-            </a:r>
-            <a:endParaRPr lang="en-US" sz="2000" dirty="0">
-              <a:solidFill>
-                <a:schemeClr val="tx1">
-                  <a:alpha val="64000"/>
-                </a:schemeClr>
-              </a:solidFill>
-              <a:latin typeface="Abadi MT Condensed Light" charset="0"/>
-              <a:ea typeface="Abadi MT Condensed Light" charset="0"/>
-              <a:cs typeface="Abadi MT Condensed Light" charset="0"/>
-            </a:endParaRPr>
-          </a:p>
-        </p:txBody>
-      </p:sp>
-      <p:sp>
-        <p:nvSpPr>
-          <p:cNvPr id="67" name="TextBox 66"/>
-          <p:cNvSpPr txBox="1"/>
-          <p:nvPr/>
-        </p:nvSpPr>
-        <p:spPr>
-          <a:xfrm>
-            <a:off x="3381117" y="874248"/>
-            <a:ext cx="1201696" cy="368300"/>
-          </a:xfrm>
-          <a:prstGeom prst="rect">
-            <a:avLst/>
-          </a:prstGeom>
-          <a:solidFill>
-            <a:schemeClr val="bg2">
-              <a:alpha val="6000"/>
-            </a:schemeClr>
-          </a:solidFill>
-        </p:spPr>
-        <p:txBody>
-          <a:bodyPr wrap="square" rtlCol="0">
-            <a:spAutoFit/>
-          </a:bodyPr>
-          <a:lstStyle/>
-          <a:p>
-            <a:r>
-              <a:rPr lang="en-US" b="1" i="1" dirty="0" smtClean="0">
-                <a:solidFill>
-                  <a:schemeClr val="tx1">
-                    <a:alpha val="64000"/>
-                  </a:schemeClr>
-                </a:solidFill>
-                <a:latin typeface="Adobe Arabic" panose="02040503050201020203" charset="0"/>
-                <a:ea typeface="Abadi MT Condensed Light" charset="0"/>
-                <a:cs typeface="Adobe Arabic" panose="02040503050201020203" charset="0"/>
-              </a:rPr>
-              <a:t>iphone11</a:t>
-            </a:r>
-            <a:endParaRPr lang="en-US" b="1" i="1" dirty="0" smtClean="0">
-              <a:solidFill>
-                <a:schemeClr val="tx1">
-                  <a:alpha val="64000"/>
-                </a:schemeClr>
-              </a:solidFill>
-              <a:latin typeface="Adobe Arabic" panose="02040503050201020203" charset="0"/>
-              <a:ea typeface="Abadi MT Condensed Light" charset="0"/>
-              <a:cs typeface="Adobe Arabic" panose="02040503050201020203" charset="0"/>
-            </a:endParaRPr>
-          </a:p>
-        </p:txBody>
-      </p:sp>
-      <p:sp>
-        <p:nvSpPr>
-          <p:cNvPr id="69" name="TextBox 68"/>
-          <p:cNvSpPr txBox="1"/>
-          <p:nvPr/>
-        </p:nvSpPr>
-        <p:spPr>
-          <a:xfrm>
-            <a:off x="8424339" y="874248"/>
-            <a:ext cx="1201696" cy="369332"/>
-          </a:xfrm>
-          <a:prstGeom prst="rect">
-            <a:avLst/>
-          </a:prstGeom>
-          <a:solidFill>
-            <a:schemeClr val="bg2">
-              <a:alpha val="6000"/>
-            </a:schemeClr>
-          </a:solidFill>
-        </p:spPr>
-        <p:txBody>
-          <a:bodyPr wrap="square" rtlCol="0">
-            <a:spAutoFit/>
-          </a:bodyPr>
-          <a:lstStyle/>
-          <a:p>
-            <a:r>
-              <a:rPr lang="en-US" b="1" i="1" dirty="0" smtClean="0">
-                <a:solidFill>
-                  <a:schemeClr val="tx1">
-                    <a:alpha val="64000"/>
-                  </a:schemeClr>
-                </a:solidFill>
-                <a:latin typeface="Adobe Arabic" panose="02040503050201020203" charset="0"/>
-                <a:ea typeface="Abadi MT Condensed Light" charset="0"/>
-                <a:cs typeface="Adobe Arabic" panose="02040503050201020203" charset="0"/>
-              </a:rPr>
-              <a:t>iphone11</a:t>
-            </a:r>
-            <a:endParaRPr lang="en-US" b="1" i="1" dirty="0" smtClean="0">
-              <a:solidFill>
-                <a:schemeClr val="tx1">
-                  <a:alpha val="64000"/>
-                </a:schemeClr>
-              </a:solidFill>
-              <a:latin typeface="Adobe Arabic" panose="02040503050201020203" charset="0"/>
-              <a:ea typeface="Abadi MT Condensed Light" charset="0"/>
-              <a:cs typeface="Adobe Arabic" panose="02040503050201020203" charset="0"/>
-            </a:endParaRPr>
-          </a:p>
-        </p:txBody>
-      </p:sp>
-      <p:cxnSp>
-        <p:nvCxnSpPr>
-          <p:cNvPr id="71" name="Curved Connector 70"/>
-          <p:cNvCxnSpPr>
-            <a:endCxn id="67" idx="0"/>
-          </p:cNvCxnSpPr>
-          <p:nvPr/>
-        </p:nvCxnSpPr>
-        <p:spPr>
-          <a:xfrm>
-            <a:off x="1939291" y="379095"/>
-            <a:ext cx="2042850" cy="495300"/>
-          </a:xfrm>
-          <a:prstGeom prst="curvedConnector2">
-            <a:avLst/>
-          </a:prstGeom>
-          <a:ln>
-            <a:solidFill>
-              <a:schemeClr val="accent2">
-                <a:lumMod val="50000"/>
-              </a:schemeClr>
-            </a:solidFill>
-            <a:tailEnd type="triangle"/>
-          </a:ln>
-        </p:spPr>
-        <p:style>
-          <a:lnRef idx="1">
-            <a:schemeClr val="accent1"/>
-          </a:lnRef>
-          <a:fillRef idx="0">
-            <a:schemeClr val="accent1"/>
-          </a:fillRef>
-          <a:effectRef idx="0">
-            <a:schemeClr val="accent1"/>
-          </a:effectRef>
-          <a:fontRef idx="minor">
-            <a:schemeClr val="tx1"/>
-          </a:fontRef>
-        </p:style>
-      </p:cxnSp>
-      <p:cxnSp>
-        <p:nvCxnSpPr>
-          <p:cNvPr id="73" name="Curved Connector 72"/>
-          <p:cNvCxnSpPr/>
-          <p:nvPr/>
-        </p:nvCxnSpPr>
-        <p:spPr>
-          <a:xfrm>
-            <a:off x="1828801" y="647700"/>
-            <a:ext cx="6697093" cy="495300"/>
-          </a:xfrm>
-          <a:prstGeom prst="curvedConnector2">
-            <a:avLst/>
-          </a:prstGeom>
-          <a:ln>
-            <a:solidFill>
-              <a:schemeClr val="accent2">
-                <a:lumMod val="50000"/>
-              </a:schemeClr>
-            </a:solidFill>
-            <a:tailEnd type="triangle"/>
-          </a:ln>
-        </p:spPr>
-        <p:style>
-          <a:lnRef idx="1">
-            <a:schemeClr val="accent1"/>
-          </a:lnRef>
-          <a:fillRef idx="0">
-            <a:schemeClr val="accent1"/>
-          </a:fillRef>
-          <a:effectRef idx="0">
-            <a:schemeClr val="accent1"/>
-          </a:effectRef>
-          <a:fontRef idx="minor">
-            <a:schemeClr val="tx1"/>
-          </a:fontRef>
-        </p:style>
-      </p:cxnSp>
-      <p:sp>
-        <p:nvSpPr>
-          <p:cNvPr id="79" name="Rounded Rectangle 78"/>
-          <p:cNvSpPr/>
-          <p:nvPr/>
-        </p:nvSpPr>
-        <p:spPr>
-          <a:xfrm>
-            <a:off x="2632756" y="1673602"/>
-            <a:ext cx="4106937" cy="1636978"/>
-          </a:xfrm>
-          <a:prstGeom prst="roundRect">
-            <a:avLst/>
-          </a:prstGeom>
-          <a:solidFill>
-            <a:schemeClr val="bg2">
-              <a:alpha val="6000"/>
-            </a:schemeClr>
-          </a:solidFill>
-          <a:ln>
-            <a:noFill/>
-          </a:ln>
-        </p:spPr>
-        <p:style>
-          <a:lnRef idx="2">
-            <a:schemeClr val="accent1">
-              <a:shade val="50000"/>
-            </a:schemeClr>
-          </a:lnRef>
-          <a:fillRef idx="1">
-            <a:schemeClr val="accent1"/>
-          </a:fillRef>
-          <a:effectRef idx="0">
-            <a:schemeClr val="accent1"/>
-          </a:effectRef>
-          <a:fontRef idx="minor">
-            <a:schemeClr val="lt1"/>
-          </a:fontRef>
-        </p:style>
-        <p:txBody>
-          <a:bodyPr rtlCol="0" anchor="ctr"/>
-          <a:lstStyle/>
-          <a:p>
-            <a:r>
-              <a:rPr lang="en-US" dirty="0" err="1">
-                <a:solidFill>
-                  <a:schemeClr val="tx1">
-                    <a:alpha val="64000"/>
-                  </a:schemeClr>
-                </a:solidFill>
-                <a:latin typeface="Adobe Arabic" panose="02040503050201020203" charset="0"/>
-                <a:ea typeface="Abadi MT Condensed Light" charset="0"/>
-                <a:cs typeface="Adobe Arabic" panose="02040503050201020203" charset="0"/>
-              </a:rPr>
-              <a:t>getNonDiscountPrice</a:t>
-            </a:r>
-            <a:r>
-              <a:rPr lang="en-US" dirty="0">
-                <a:solidFill>
-                  <a:schemeClr val="tx1">
-                    <a:alpha val="64000"/>
-                  </a:schemeClr>
-                </a:solidFill>
-                <a:latin typeface="Adobe Arabic" panose="02040503050201020203" charset="0"/>
-                <a:ea typeface="Abadi MT Condensed Light" charset="0"/>
-                <a:cs typeface="Adobe Arabic" panose="02040503050201020203" charset="0"/>
-              </a:rPr>
-              <a:t>()</a:t>
-            </a:r>
-            <a:endParaRPr lang="en-US" dirty="0">
-              <a:solidFill>
-                <a:schemeClr val="tx1">
-                  <a:alpha val="64000"/>
-                </a:schemeClr>
-              </a:solidFill>
-              <a:latin typeface="Adobe Arabic" panose="02040503050201020203" charset="0"/>
-              <a:ea typeface="Abadi MT Condensed Light" charset="0"/>
-              <a:cs typeface="Adobe Arabic" panose="02040503050201020203" charset="0"/>
-            </a:endParaRPr>
-          </a:p>
-          <a:p>
-            <a:r>
-              <a:rPr lang="en-US" dirty="0" err="1">
-                <a:solidFill>
-                  <a:schemeClr val="tx1">
-                    <a:alpha val="64000"/>
-                  </a:schemeClr>
-                </a:solidFill>
-                <a:latin typeface="Adobe Arabic" panose="02040503050201020203" charset="0"/>
-                <a:ea typeface="Abadi MT Condensed Light" charset="0"/>
-                <a:cs typeface="Adobe Arabic" panose="02040503050201020203" charset="0"/>
-              </a:rPr>
-              <a:t>extractData</a:t>
-            </a:r>
-            <a:r>
-              <a:rPr lang="en-US" dirty="0">
-                <a:solidFill>
-                  <a:schemeClr val="tx1">
-                    <a:alpha val="64000"/>
-                  </a:schemeClr>
-                </a:solidFill>
-                <a:latin typeface="Adobe Arabic" panose="02040503050201020203" charset="0"/>
-                <a:ea typeface="Abadi MT Condensed Light" charset="0"/>
-                <a:cs typeface="Adobe Arabic" panose="02040503050201020203" charset="0"/>
-              </a:rPr>
-              <a:t>()</a:t>
-            </a:r>
-            <a:endParaRPr lang="en-US" dirty="0">
-              <a:solidFill>
-                <a:schemeClr val="tx1">
-                  <a:alpha val="64000"/>
-                </a:schemeClr>
-              </a:solidFill>
-              <a:latin typeface="Adobe Arabic" panose="02040503050201020203" charset="0"/>
-              <a:ea typeface="Abadi MT Condensed Light" charset="0"/>
-              <a:cs typeface="Adobe Arabic" panose="02040503050201020203" charset="0"/>
-            </a:endParaRPr>
-          </a:p>
-          <a:p>
-            <a:r>
-              <a:rPr lang="en-US" dirty="0" err="1">
-                <a:solidFill>
-                  <a:schemeClr val="tx1">
-                    <a:alpha val="64000"/>
-                  </a:schemeClr>
-                </a:solidFill>
-                <a:latin typeface="Adobe Arabic" panose="02040503050201020203" charset="0"/>
-                <a:ea typeface="Abadi MT Condensed Light" charset="0"/>
-                <a:cs typeface="Adobe Arabic" panose="02040503050201020203" charset="0"/>
-              </a:rPr>
-              <a:t>getDiscountPercent</a:t>
-            </a:r>
-            <a:r>
-              <a:rPr lang="en-US" dirty="0">
-                <a:solidFill>
-                  <a:schemeClr val="tx1">
-                    <a:alpha val="64000"/>
-                  </a:schemeClr>
-                </a:solidFill>
-                <a:latin typeface="Adobe Arabic" panose="02040503050201020203" charset="0"/>
-                <a:ea typeface="Abadi MT Condensed Light" charset="0"/>
-                <a:cs typeface="Adobe Arabic" panose="02040503050201020203" charset="0"/>
-              </a:rPr>
-              <a:t>()</a:t>
-            </a:r>
-            <a:endParaRPr lang="en-US" dirty="0">
-              <a:solidFill>
-                <a:schemeClr val="tx1">
-                  <a:alpha val="64000"/>
-                </a:schemeClr>
-              </a:solidFill>
-              <a:latin typeface="Adobe Arabic" panose="02040503050201020203" charset="0"/>
-              <a:ea typeface="Abadi MT Condensed Light" charset="0"/>
-              <a:cs typeface="Adobe Arabic" panose="02040503050201020203" charset="0"/>
-            </a:endParaRPr>
-          </a:p>
-          <a:p>
-            <a:r>
-              <a:rPr lang="en-US" dirty="0" err="1">
-                <a:solidFill>
-                  <a:schemeClr val="tx1">
-                    <a:alpha val="64000"/>
-                  </a:schemeClr>
-                </a:solidFill>
-                <a:latin typeface="Adobe Arabic" panose="02040503050201020203" charset="0"/>
-                <a:ea typeface="Abadi MT Condensed Light" charset="0"/>
-                <a:cs typeface="Adobe Arabic" panose="02040503050201020203" charset="0"/>
-              </a:rPr>
-              <a:t>getExchangeCurrency</a:t>
-            </a:r>
-            <a:r>
-              <a:rPr lang="en-US" dirty="0">
-                <a:solidFill>
-                  <a:schemeClr val="tx1">
-                    <a:alpha val="64000"/>
-                  </a:schemeClr>
-                </a:solidFill>
-                <a:latin typeface="Adobe Arabic" panose="02040503050201020203" charset="0"/>
-                <a:ea typeface="Abadi MT Condensed Light" charset="0"/>
-                <a:cs typeface="Adobe Arabic" panose="02040503050201020203" charset="0"/>
-              </a:rPr>
-              <a:t>()</a:t>
-            </a:r>
-            <a:endParaRPr lang="en-US" dirty="0">
-              <a:solidFill>
-                <a:schemeClr val="tx1">
-                  <a:alpha val="64000"/>
-                </a:schemeClr>
-              </a:solidFill>
-              <a:latin typeface="Adobe Arabic" panose="02040503050201020203" charset="0"/>
-              <a:ea typeface="Abadi MT Condensed Light" charset="0"/>
-              <a:cs typeface="Adobe Arabic" panose="02040503050201020203" charset="0"/>
-            </a:endParaRPr>
-          </a:p>
-        </p:txBody>
-      </p:sp>
-      <p:sp>
-        <p:nvSpPr>
-          <p:cNvPr id="82" name="TextBox 81"/>
-          <p:cNvSpPr txBox="1"/>
-          <p:nvPr/>
-        </p:nvSpPr>
-        <p:spPr>
-          <a:xfrm>
-            <a:off x="4648200" y="1889570"/>
-            <a:ext cx="2819400" cy="369332"/>
-          </a:xfrm>
-          <a:prstGeom prst="rect">
-            <a:avLst/>
-          </a:prstGeom>
-          <a:solidFill>
-            <a:schemeClr val="bg2">
-              <a:alpha val="6000"/>
-            </a:schemeClr>
-          </a:solidFill>
-        </p:spPr>
-        <p:txBody>
-          <a:bodyPr wrap="square" rtlCol="0">
-            <a:spAutoFit/>
-          </a:bodyPr>
-          <a:lstStyle/>
-          <a:p>
-            <a:r>
-              <a:rPr lang="en-US" b="1" i="1" dirty="0" smtClean="0">
-                <a:solidFill>
-                  <a:schemeClr val="tx1">
-                    <a:alpha val="64000"/>
-                  </a:schemeClr>
-                </a:solidFill>
-                <a:latin typeface="Adobe Arabic" panose="02040503050201020203" charset="0"/>
-                <a:ea typeface="Abadi MT Condensed Light" charset="0"/>
-                <a:cs typeface="Adobe Arabic" panose="02040503050201020203" charset="0"/>
-              </a:rPr>
-              <a:t>Amazon|20$|Gold</a:t>
-            </a:r>
-            <a:endParaRPr lang="en-US" b="1" i="1" dirty="0" smtClean="0">
-              <a:solidFill>
-                <a:schemeClr val="tx1">
-                  <a:alpha val="64000"/>
-                </a:schemeClr>
-              </a:solidFill>
-              <a:latin typeface="Adobe Arabic" panose="02040503050201020203" charset="0"/>
-              <a:ea typeface="Abadi MT Condensed Light" charset="0"/>
-              <a:cs typeface="Adobe Arabic" panose="02040503050201020203" charset="0"/>
-            </a:endParaRPr>
-          </a:p>
-        </p:txBody>
-      </p:sp>
-      <p:sp>
-        <p:nvSpPr>
-          <p:cNvPr id="83" name="TextBox 82"/>
-          <p:cNvSpPr txBox="1"/>
-          <p:nvPr/>
-        </p:nvSpPr>
-        <p:spPr>
-          <a:xfrm>
-            <a:off x="4648200" y="2184601"/>
-            <a:ext cx="2286000" cy="369332"/>
-          </a:xfrm>
-          <a:prstGeom prst="rect">
-            <a:avLst/>
-          </a:prstGeom>
-          <a:solidFill>
-            <a:schemeClr val="bg2">
-              <a:alpha val="6000"/>
-            </a:schemeClr>
-          </a:solidFill>
-        </p:spPr>
-        <p:txBody>
-          <a:bodyPr wrap="square" rtlCol="0">
-            <a:spAutoFit/>
-          </a:bodyPr>
-          <a:lstStyle/>
-          <a:p>
-            <a:r>
-              <a:rPr lang="en-US" b="1" i="1" dirty="0" smtClean="0">
-                <a:solidFill>
-                  <a:schemeClr val="tx1">
-                    <a:alpha val="64000"/>
-                  </a:schemeClr>
-                </a:solidFill>
-                <a:latin typeface="Adobe Arabic" panose="02040503050201020203" charset="0"/>
-                <a:ea typeface="Abadi MT Condensed Light" charset="0"/>
-                <a:cs typeface="Adobe Arabic" panose="02040503050201020203" charset="0"/>
-              </a:rPr>
-              <a:t>Price: 20|Discount: Gold</a:t>
-            </a:r>
-            <a:endParaRPr lang="en-US" b="1" i="1" dirty="0" smtClean="0">
-              <a:solidFill>
-                <a:schemeClr val="tx1">
-                  <a:alpha val="64000"/>
-                </a:schemeClr>
-              </a:solidFill>
-              <a:latin typeface="Adobe Arabic" panose="02040503050201020203" charset="0"/>
-              <a:ea typeface="Abadi MT Condensed Light" charset="0"/>
-              <a:cs typeface="Adobe Arabic" panose="02040503050201020203" charset="0"/>
-            </a:endParaRPr>
-          </a:p>
-        </p:txBody>
-      </p:sp>
-      <p:sp>
-        <p:nvSpPr>
-          <p:cNvPr id="84" name="TextBox 83"/>
-          <p:cNvSpPr txBox="1"/>
-          <p:nvPr/>
-        </p:nvSpPr>
-        <p:spPr>
-          <a:xfrm>
-            <a:off x="4648200" y="2487687"/>
-            <a:ext cx="733683" cy="369332"/>
-          </a:xfrm>
-          <a:prstGeom prst="rect">
-            <a:avLst/>
-          </a:prstGeom>
-          <a:solidFill>
-            <a:schemeClr val="bg2">
-              <a:alpha val="6000"/>
-            </a:schemeClr>
-          </a:solidFill>
-        </p:spPr>
-        <p:txBody>
-          <a:bodyPr wrap="square" rtlCol="0">
-            <a:spAutoFit/>
-          </a:bodyPr>
-          <a:lstStyle/>
-          <a:p>
-            <a:r>
-              <a:rPr lang="en-US" b="1" i="1" dirty="0" smtClean="0">
-                <a:solidFill>
-                  <a:schemeClr val="tx1">
-                    <a:alpha val="64000"/>
-                  </a:schemeClr>
-                </a:solidFill>
-                <a:latin typeface="Adobe Arabic" panose="02040503050201020203" charset="0"/>
-                <a:ea typeface="Abadi MT Condensed Light" charset="0"/>
-                <a:cs typeface="Adobe Arabic" panose="02040503050201020203" charset="0"/>
-              </a:rPr>
-              <a:t>20%</a:t>
-            </a:r>
-            <a:endParaRPr lang="en-US" b="1" i="1" dirty="0" smtClean="0">
-              <a:solidFill>
-                <a:schemeClr val="tx1">
-                  <a:alpha val="64000"/>
-                </a:schemeClr>
-              </a:solidFill>
-              <a:latin typeface="Adobe Arabic" panose="02040503050201020203" charset="0"/>
-              <a:ea typeface="Abadi MT Condensed Light" charset="0"/>
-              <a:cs typeface="Adobe Arabic" panose="02040503050201020203" charset="0"/>
-            </a:endParaRPr>
-          </a:p>
-        </p:txBody>
-      </p:sp>
-      <p:sp>
-        <p:nvSpPr>
-          <p:cNvPr id="85" name="TextBox 84"/>
-          <p:cNvSpPr txBox="1"/>
-          <p:nvPr/>
-        </p:nvSpPr>
-        <p:spPr>
-          <a:xfrm>
-            <a:off x="4648200" y="2759051"/>
-            <a:ext cx="1009651" cy="369332"/>
-          </a:xfrm>
-          <a:prstGeom prst="rect">
-            <a:avLst/>
-          </a:prstGeom>
-          <a:solidFill>
-            <a:schemeClr val="bg2">
-              <a:alpha val="6000"/>
-            </a:schemeClr>
-          </a:solidFill>
-        </p:spPr>
-        <p:txBody>
-          <a:bodyPr wrap="square" rtlCol="0">
-            <a:spAutoFit/>
-          </a:bodyPr>
-          <a:lstStyle/>
-          <a:p>
-            <a:r>
-              <a:rPr lang="en-US" b="1" i="1" dirty="0" smtClean="0">
-                <a:solidFill>
-                  <a:schemeClr val="tx1">
-                    <a:alpha val="64000"/>
-                  </a:schemeClr>
-                </a:solidFill>
-                <a:latin typeface="Adobe Arabic" panose="02040503050201020203" charset="0"/>
-                <a:ea typeface="Abadi MT Condensed Light" charset="0"/>
-                <a:cs typeface="Adobe Arabic" panose="02040503050201020203" charset="0"/>
-              </a:rPr>
-              <a:t>23000</a:t>
-            </a:r>
-            <a:endParaRPr lang="en-US" b="1" i="1" dirty="0" smtClean="0">
-              <a:solidFill>
-                <a:schemeClr val="tx1">
-                  <a:alpha val="64000"/>
-                </a:schemeClr>
-              </a:solidFill>
-              <a:latin typeface="Adobe Arabic" panose="02040503050201020203" charset="0"/>
-              <a:ea typeface="Abadi MT Condensed Light" charset="0"/>
-              <a:cs typeface="Adobe Arabic" panose="02040503050201020203" charset="0"/>
-            </a:endParaRPr>
-          </a:p>
-        </p:txBody>
-      </p:sp>
-      <p:sp>
-        <p:nvSpPr>
-          <p:cNvPr id="86" name="Rounded Rectangle 85"/>
-          <p:cNvSpPr/>
-          <p:nvPr/>
-        </p:nvSpPr>
-        <p:spPr>
-          <a:xfrm>
-            <a:off x="6892874" y="1143000"/>
-            <a:ext cx="3266039" cy="2286000"/>
-          </a:xfrm>
-          <a:prstGeom prst="roundRect">
-            <a:avLst/>
-          </a:prstGeom>
-          <a:solidFill>
-            <a:schemeClr val="bg2">
-              <a:alpha val="6000"/>
-            </a:schemeClr>
-          </a:solidFill>
-          <a:ln>
-            <a:solidFill>
-              <a:schemeClr val="accent2">
-                <a:lumMod val="50000"/>
-              </a:schemeClr>
-            </a:solidFill>
-          </a:ln>
-        </p:spPr>
-        <p:style>
-          <a:lnRef idx="2">
-            <a:schemeClr val="accent1">
-              <a:shade val="50000"/>
-            </a:schemeClr>
-          </a:lnRef>
-          <a:fillRef idx="1">
-            <a:schemeClr val="accent1"/>
-          </a:fillRef>
-          <a:effectRef idx="0">
-            <a:schemeClr val="accent1"/>
-          </a:effectRef>
-          <a:fontRef idx="minor">
-            <a:schemeClr val="lt1"/>
-          </a:fontRef>
-        </p:style>
-        <p:txBody>
-          <a:bodyPr rtlCol="0" anchor="t"/>
-          <a:lstStyle/>
-          <a:p>
-            <a:r>
-              <a:rPr lang="en-US" sz="2000" dirty="0" err="1" smtClean="0">
-                <a:solidFill>
-                  <a:schemeClr val="tx1">
-                    <a:alpha val="64000"/>
-                  </a:schemeClr>
-                </a:solidFill>
-                <a:latin typeface="Adobe Arabic" panose="02040503050201020203" charset="0"/>
-                <a:ea typeface="Abadi MT Condensed Light" charset="0"/>
-                <a:cs typeface="Adobe Arabic" panose="02040503050201020203" charset="0"/>
-              </a:rPr>
-              <a:t>getPrice</a:t>
-            </a:r>
-            <a:endParaRPr lang="en-US" sz="2000" dirty="0" err="1" smtClean="0">
-              <a:solidFill>
-                <a:schemeClr val="tx1">
-                  <a:alpha val="64000"/>
-                </a:schemeClr>
-              </a:solidFill>
-              <a:latin typeface="Adobe Arabic" panose="02040503050201020203" charset="0"/>
-              <a:ea typeface="Abadi MT Condensed Light" charset="0"/>
-              <a:cs typeface="Adobe Arabic" panose="02040503050201020203" charset="0"/>
-            </a:endParaRPr>
-          </a:p>
-        </p:txBody>
-      </p:sp>
-      <p:sp>
-        <p:nvSpPr>
-          <p:cNvPr id="87" name="Rounded Rectangle 86"/>
-          <p:cNvSpPr/>
-          <p:nvPr/>
-        </p:nvSpPr>
-        <p:spPr>
-          <a:xfrm>
-            <a:off x="7286999" y="1673602"/>
-            <a:ext cx="4524001" cy="1636978"/>
-          </a:xfrm>
-          <a:prstGeom prst="roundRect">
-            <a:avLst/>
-          </a:prstGeom>
-          <a:solidFill>
-            <a:schemeClr val="bg2">
-              <a:alpha val="6000"/>
-            </a:schemeClr>
-          </a:solidFill>
-          <a:ln>
-            <a:noFill/>
-          </a:ln>
-        </p:spPr>
-        <p:style>
-          <a:lnRef idx="2">
-            <a:schemeClr val="accent1">
-              <a:shade val="50000"/>
-            </a:schemeClr>
-          </a:lnRef>
-          <a:fillRef idx="1">
-            <a:schemeClr val="accent1"/>
-          </a:fillRef>
-          <a:effectRef idx="0">
-            <a:schemeClr val="accent1"/>
-          </a:effectRef>
-          <a:fontRef idx="minor">
-            <a:schemeClr val="lt1"/>
-          </a:fontRef>
-        </p:style>
-        <p:txBody>
-          <a:bodyPr rtlCol="0" anchor="ctr"/>
-          <a:lstStyle/>
-          <a:p>
-            <a:r>
-              <a:rPr lang="en-US" dirty="0" err="1">
-                <a:solidFill>
-                  <a:schemeClr val="tx1">
-                    <a:alpha val="64000"/>
-                  </a:schemeClr>
-                </a:solidFill>
-                <a:latin typeface="Adobe Arabic" panose="02040503050201020203" charset="0"/>
-                <a:ea typeface="Abadi MT Condensed Light" charset="0"/>
-                <a:cs typeface="Adobe Arabic" panose="02040503050201020203" charset="0"/>
-              </a:rPr>
-              <a:t>getNonDiscountPrice</a:t>
-            </a:r>
-            <a:r>
-              <a:rPr lang="en-US" dirty="0">
-                <a:solidFill>
-                  <a:schemeClr val="tx1">
-                    <a:alpha val="64000"/>
-                  </a:schemeClr>
-                </a:solidFill>
-                <a:latin typeface="Adobe Arabic" panose="02040503050201020203" charset="0"/>
-                <a:ea typeface="Abadi MT Condensed Light" charset="0"/>
-                <a:cs typeface="Adobe Arabic" panose="02040503050201020203" charset="0"/>
-              </a:rPr>
-              <a:t>()</a:t>
-            </a:r>
-            <a:endParaRPr lang="en-US" dirty="0">
-              <a:solidFill>
-                <a:schemeClr val="tx1">
-                  <a:alpha val="64000"/>
-                </a:schemeClr>
-              </a:solidFill>
-              <a:latin typeface="Adobe Arabic" panose="02040503050201020203" charset="0"/>
-              <a:ea typeface="Abadi MT Condensed Light" charset="0"/>
-              <a:cs typeface="Adobe Arabic" panose="02040503050201020203" charset="0"/>
-            </a:endParaRPr>
-          </a:p>
-          <a:p>
-            <a:r>
-              <a:rPr lang="en-US" dirty="0" err="1">
-                <a:solidFill>
-                  <a:schemeClr val="tx1">
-                    <a:alpha val="64000"/>
-                  </a:schemeClr>
-                </a:solidFill>
-                <a:latin typeface="Adobe Arabic" panose="02040503050201020203" charset="0"/>
-                <a:ea typeface="Abadi MT Condensed Light" charset="0"/>
-                <a:cs typeface="Adobe Arabic" panose="02040503050201020203" charset="0"/>
-              </a:rPr>
-              <a:t>extractData</a:t>
-            </a:r>
-            <a:r>
-              <a:rPr lang="en-US" dirty="0">
-                <a:solidFill>
-                  <a:schemeClr val="tx1">
-                    <a:alpha val="64000"/>
-                  </a:schemeClr>
-                </a:solidFill>
-                <a:latin typeface="Adobe Arabic" panose="02040503050201020203" charset="0"/>
-                <a:ea typeface="Abadi MT Condensed Light" charset="0"/>
-                <a:cs typeface="Adobe Arabic" panose="02040503050201020203" charset="0"/>
-              </a:rPr>
-              <a:t>()</a:t>
-            </a:r>
-            <a:endParaRPr lang="en-US" dirty="0">
-              <a:solidFill>
-                <a:schemeClr val="tx1">
-                  <a:alpha val="64000"/>
-                </a:schemeClr>
-              </a:solidFill>
-              <a:latin typeface="Adobe Arabic" panose="02040503050201020203" charset="0"/>
-              <a:ea typeface="Abadi MT Condensed Light" charset="0"/>
-              <a:cs typeface="Adobe Arabic" panose="02040503050201020203" charset="0"/>
-            </a:endParaRPr>
-          </a:p>
-          <a:p>
-            <a:r>
-              <a:rPr lang="en-US" dirty="0" err="1">
-                <a:solidFill>
-                  <a:schemeClr val="tx1">
-                    <a:alpha val="64000"/>
-                  </a:schemeClr>
-                </a:solidFill>
-                <a:latin typeface="Adobe Arabic" panose="02040503050201020203" charset="0"/>
-                <a:ea typeface="Abadi MT Condensed Light" charset="0"/>
-                <a:cs typeface="Adobe Arabic" panose="02040503050201020203" charset="0"/>
-              </a:rPr>
-              <a:t>getDiscountPercent</a:t>
-            </a:r>
-            <a:r>
-              <a:rPr lang="en-US" dirty="0">
-                <a:solidFill>
-                  <a:schemeClr val="tx1">
-                    <a:alpha val="64000"/>
-                  </a:schemeClr>
-                </a:solidFill>
-                <a:latin typeface="Adobe Arabic" panose="02040503050201020203" charset="0"/>
-                <a:ea typeface="Abadi MT Condensed Light" charset="0"/>
-                <a:cs typeface="Adobe Arabic" panose="02040503050201020203" charset="0"/>
-              </a:rPr>
-              <a:t>()</a:t>
-            </a:r>
-            <a:endParaRPr lang="en-US" dirty="0">
-              <a:solidFill>
-                <a:schemeClr val="tx1">
-                  <a:alpha val="64000"/>
-                </a:schemeClr>
-              </a:solidFill>
-              <a:latin typeface="Adobe Arabic" panose="02040503050201020203" charset="0"/>
-              <a:ea typeface="Abadi MT Condensed Light" charset="0"/>
-              <a:cs typeface="Adobe Arabic" panose="02040503050201020203" charset="0"/>
-            </a:endParaRPr>
-          </a:p>
-          <a:p>
-            <a:r>
-              <a:rPr lang="en-US" dirty="0" err="1">
-                <a:solidFill>
-                  <a:schemeClr val="tx1">
-                    <a:alpha val="64000"/>
-                  </a:schemeClr>
-                </a:solidFill>
-                <a:latin typeface="Adobe Arabic" panose="02040503050201020203" charset="0"/>
-                <a:ea typeface="Abadi MT Condensed Light" charset="0"/>
-                <a:cs typeface="Adobe Arabic" panose="02040503050201020203" charset="0"/>
-              </a:rPr>
-              <a:t>getExchangeCurrency</a:t>
-            </a:r>
-            <a:r>
-              <a:rPr lang="en-US" dirty="0">
-                <a:solidFill>
-                  <a:schemeClr val="tx1">
-                    <a:alpha val="64000"/>
-                  </a:schemeClr>
-                </a:solidFill>
-                <a:latin typeface="Adobe Arabic" panose="02040503050201020203" charset="0"/>
-                <a:ea typeface="Abadi MT Condensed Light" charset="0"/>
-                <a:cs typeface="Adobe Arabic" panose="02040503050201020203" charset="0"/>
-              </a:rPr>
-              <a:t>()</a:t>
-            </a:r>
-            <a:endParaRPr lang="en-US" dirty="0">
-              <a:solidFill>
-                <a:schemeClr val="tx1">
-                  <a:alpha val="64000"/>
-                </a:schemeClr>
-              </a:solidFill>
-              <a:latin typeface="Adobe Arabic" panose="02040503050201020203" charset="0"/>
-              <a:ea typeface="Abadi MT Condensed Light" charset="0"/>
-              <a:cs typeface="Adobe Arabic" panose="02040503050201020203" charset="0"/>
-            </a:endParaRPr>
-          </a:p>
-        </p:txBody>
-      </p:sp>
-      <p:sp>
-        <p:nvSpPr>
-          <p:cNvPr id="88" name="TextBox 87"/>
-          <p:cNvSpPr txBox="1"/>
-          <p:nvPr/>
-        </p:nvSpPr>
-        <p:spPr>
-          <a:xfrm>
-            <a:off x="9296400" y="1828800"/>
-            <a:ext cx="1669711" cy="369332"/>
-          </a:xfrm>
-          <a:prstGeom prst="rect">
-            <a:avLst/>
-          </a:prstGeom>
-          <a:solidFill>
-            <a:schemeClr val="bg2">
-              <a:alpha val="6000"/>
-            </a:schemeClr>
-          </a:solidFill>
-        </p:spPr>
-        <p:txBody>
-          <a:bodyPr wrap="square" rtlCol="0">
-            <a:spAutoFit/>
-          </a:bodyPr>
-          <a:lstStyle/>
-          <a:p>
-            <a:r>
-              <a:rPr lang="en-US" b="1" i="1" dirty="0" smtClean="0">
-                <a:solidFill>
-                  <a:schemeClr val="tx1">
-                    <a:alpha val="64000"/>
-                  </a:schemeClr>
-                </a:solidFill>
-                <a:latin typeface="Adobe Arabic" panose="02040503050201020203" charset="0"/>
-                <a:ea typeface="Abadi MT Condensed Light" charset="0"/>
-                <a:cs typeface="Adobe Arabic" panose="02040503050201020203" charset="0"/>
-              </a:rPr>
-              <a:t>Ebay|20$|Silver</a:t>
-            </a:r>
-            <a:endParaRPr lang="en-US" b="1" i="1" dirty="0" smtClean="0">
-              <a:solidFill>
-                <a:schemeClr val="tx1">
-                  <a:alpha val="64000"/>
-                </a:schemeClr>
-              </a:solidFill>
-              <a:latin typeface="Adobe Arabic" panose="02040503050201020203" charset="0"/>
-              <a:ea typeface="Abadi MT Condensed Light" charset="0"/>
-              <a:cs typeface="Adobe Arabic" panose="02040503050201020203" charset="0"/>
-            </a:endParaRPr>
-          </a:p>
-        </p:txBody>
-      </p:sp>
-      <p:sp>
-        <p:nvSpPr>
-          <p:cNvPr id="89" name="TextBox 88"/>
-          <p:cNvSpPr txBox="1"/>
-          <p:nvPr/>
-        </p:nvSpPr>
-        <p:spPr>
-          <a:xfrm>
-            <a:off x="9296400" y="2108857"/>
-            <a:ext cx="2286000" cy="369332"/>
-          </a:xfrm>
-          <a:prstGeom prst="rect">
-            <a:avLst/>
-          </a:prstGeom>
-          <a:solidFill>
-            <a:schemeClr val="bg2">
-              <a:alpha val="6000"/>
-            </a:schemeClr>
-          </a:solidFill>
-        </p:spPr>
-        <p:txBody>
-          <a:bodyPr wrap="square" rtlCol="0">
-            <a:spAutoFit/>
-          </a:bodyPr>
-          <a:lstStyle/>
-          <a:p>
-            <a:r>
-              <a:rPr lang="en-US" b="1" i="1" dirty="0" smtClean="0">
-                <a:solidFill>
-                  <a:schemeClr val="tx1">
-                    <a:alpha val="64000"/>
-                  </a:schemeClr>
-                </a:solidFill>
-                <a:latin typeface="Adobe Arabic" panose="02040503050201020203" charset="0"/>
-                <a:ea typeface="Abadi MT Condensed Light" charset="0"/>
-                <a:cs typeface="Adobe Arabic" panose="02040503050201020203" charset="0"/>
-              </a:rPr>
-              <a:t>Price: 25|Discount: Silver</a:t>
-            </a:r>
-            <a:endParaRPr lang="en-US" b="1" i="1" dirty="0" smtClean="0">
-              <a:solidFill>
-                <a:schemeClr val="tx1">
-                  <a:alpha val="64000"/>
-                </a:schemeClr>
-              </a:solidFill>
-              <a:latin typeface="Adobe Arabic" panose="02040503050201020203" charset="0"/>
-              <a:ea typeface="Abadi MT Condensed Light" charset="0"/>
-              <a:cs typeface="Adobe Arabic" panose="02040503050201020203" charset="0"/>
-            </a:endParaRPr>
-          </a:p>
-        </p:txBody>
-      </p:sp>
-      <p:sp>
-        <p:nvSpPr>
-          <p:cNvPr id="90" name="TextBox 89"/>
-          <p:cNvSpPr txBox="1"/>
-          <p:nvPr/>
-        </p:nvSpPr>
-        <p:spPr>
-          <a:xfrm>
-            <a:off x="9296400" y="2409373"/>
-            <a:ext cx="733683" cy="369332"/>
-          </a:xfrm>
-          <a:prstGeom prst="rect">
-            <a:avLst/>
-          </a:prstGeom>
-          <a:solidFill>
-            <a:schemeClr val="bg2">
-              <a:alpha val="6000"/>
-            </a:schemeClr>
-          </a:solidFill>
-        </p:spPr>
-        <p:txBody>
-          <a:bodyPr wrap="square" rtlCol="0">
-            <a:spAutoFit/>
-          </a:bodyPr>
-          <a:lstStyle/>
-          <a:p>
-            <a:r>
-              <a:rPr lang="en-US" b="1" i="1" dirty="0" smtClean="0">
-                <a:solidFill>
-                  <a:schemeClr val="tx1">
-                    <a:alpha val="64000"/>
-                  </a:schemeClr>
-                </a:solidFill>
-                <a:latin typeface="Adobe Arabic" panose="02040503050201020203" charset="0"/>
-                <a:ea typeface="Abadi MT Condensed Light" charset="0"/>
-                <a:cs typeface="Adobe Arabic" panose="02040503050201020203" charset="0"/>
-              </a:rPr>
-              <a:t>10%</a:t>
-            </a:r>
-            <a:endParaRPr lang="en-US" b="1" i="1" dirty="0" smtClean="0">
-              <a:solidFill>
-                <a:schemeClr val="tx1">
-                  <a:alpha val="64000"/>
-                </a:schemeClr>
-              </a:solidFill>
-              <a:latin typeface="Adobe Arabic" panose="02040503050201020203" charset="0"/>
-              <a:ea typeface="Abadi MT Condensed Light" charset="0"/>
-              <a:cs typeface="Adobe Arabic" panose="02040503050201020203" charset="0"/>
-            </a:endParaRPr>
-          </a:p>
-        </p:txBody>
-      </p:sp>
-      <p:sp>
-        <p:nvSpPr>
-          <p:cNvPr id="91" name="TextBox 90"/>
-          <p:cNvSpPr txBox="1"/>
-          <p:nvPr/>
-        </p:nvSpPr>
-        <p:spPr>
-          <a:xfrm>
-            <a:off x="9296400" y="2746941"/>
-            <a:ext cx="1009651" cy="369332"/>
-          </a:xfrm>
-          <a:prstGeom prst="rect">
-            <a:avLst/>
-          </a:prstGeom>
-          <a:solidFill>
-            <a:schemeClr val="bg2">
-              <a:alpha val="6000"/>
-            </a:schemeClr>
-          </a:solidFill>
-        </p:spPr>
-        <p:txBody>
-          <a:bodyPr wrap="square" rtlCol="0">
-            <a:spAutoFit/>
-          </a:bodyPr>
-          <a:lstStyle/>
-          <a:p>
-            <a:r>
-              <a:rPr lang="en-US" b="1" i="1" dirty="0" smtClean="0">
-                <a:solidFill>
-                  <a:schemeClr val="tx1">
-                    <a:alpha val="64000"/>
-                  </a:schemeClr>
-                </a:solidFill>
-                <a:latin typeface="Adobe Arabic" panose="02040503050201020203" charset="0"/>
-                <a:ea typeface="Abadi MT Condensed Light" charset="0"/>
-                <a:cs typeface="Adobe Arabic" panose="02040503050201020203" charset="0"/>
-              </a:rPr>
-              <a:t>22500</a:t>
-            </a:r>
-            <a:endParaRPr lang="en-US" b="1" i="1" dirty="0" smtClean="0">
-              <a:solidFill>
-                <a:schemeClr val="tx1">
-                  <a:alpha val="64000"/>
-                </a:schemeClr>
-              </a:solidFill>
-              <a:latin typeface="Adobe Arabic" panose="02040503050201020203" charset="0"/>
-              <a:ea typeface="Abadi MT Condensed Light" charset="0"/>
-              <a:cs typeface="Adobe Arabic" panose="02040503050201020203" charset="0"/>
-            </a:endParaRPr>
-          </a:p>
-        </p:txBody>
-      </p:sp>
-      <p:sp>
-        <p:nvSpPr>
-          <p:cNvPr id="39" name="Rounded Rectangle 38"/>
-          <p:cNvSpPr/>
-          <p:nvPr/>
-        </p:nvSpPr>
-        <p:spPr>
-          <a:xfrm>
-            <a:off x="6196512" y="4632961"/>
-            <a:ext cx="2286000" cy="533400"/>
-          </a:xfrm>
-          <a:prstGeom prst="roundRect">
-            <a:avLst/>
-          </a:prstGeom>
-          <a:noFill/>
-          <a:ln>
-            <a:solidFill>
-              <a:schemeClr val="accent2">
-                <a:lumMod val="50000"/>
-              </a:schemeClr>
-            </a:solidFill>
-          </a:ln>
-        </p:spPr>
-        <p:style>
-          <a:lnRef idx="2">
-            <a:schemeClr val="accent1">
-              <a:shade val="50000"/>
-            </a:schemeClr>
-          </a:lnRef>
-          <a:fillRef idx="1">
-            <a:schemeClr val="accent1"/>
-          </a:fillRef>
-          <a:effectRef idx="0">
-            <a:schemeClr val="accent1"/>
-          </a:effectRef>
-          <a:fontRef idx="minor">
-            <a:schemeClr val="lt1"/>
-          </a:fontRef>
-        </p:style>
-        <p:txBody>
-          <a:bodyPr rtlCol="0" anchor="ctr"/>
-          <a:lstStyle/>
-          <a:p>
-            <a:pPr algn="ctr"/>
-            <a:r>
-              <a:rPr lang="en-US" sz="2000" dirty="0" err="1" smtClean="0">
-                <a:solidFill>
-                  <a:sysClr val="windowText" lastClr="000000"/>
-                </a:solidFill>
-                <a:latin typeface="Adobe Arabic" panose="02040503050201020203" charset="0"/>
-                <a:ea typeface="Abadi MT Condensed Light" charset="0"/>
-                <a:cs typeface="Adobe Arabic" panose="02040503050201020203" charset="0"/>
-              </a:rPr>
-              <a:t>getNonDiscountPrice</a:t>
-            </a:r>
-            <a:r>
-              <a:rPr lang="en-US" sz="2000" dirty="0" smtClean="0">
-                <a:solidFill>
-                  <a:sysClr val="windowText" lastClr="000000"/>
-                </a:solidFill>
-                <a:latin typeface="Adobe Arabic" panose="02040503050201020203" charset="0"/>
-                <a:ea typeface="Abadi MT Condensed Light" charset="0"/>
-                <a:cs typeface="Adobe Arabic" panose="02040503050201020203" charset="0"/>
-              </a:rPr>
-              <a:t>()</a:t>
-            </a:r>
-            <a:endParaRPr lang="en-US" sz="2000" dirty="0">
-              <a:solidFill>
-                <a:sysClr val="windowText" lastClr="000000"/>
-              </a:solidFill>
-              <a:latin typeface="Adobe Arabic" panose="02040503050201020203" charset="0"/>
-              <a:ea typeface="Abadi MT Condensed Light" charset="0"/>
-              <a:cs typeface="Adobe Arabic" panose="02040503050201020203" charset="0"/>
-            </a:endParaRPr>
-          </a:p>
-        </p:txBody>
-      </p:sp>
-      <p:sp>
-        <p:nvSpPr>
-          <p:cNvPr id="40" name="Rounded Rectangle 39"/>
-          <p:cNvSpPr/>
-          <p:nvPr/>
-        </p:nvSpPr>
-        <p:spPr>
-          <a:xfrm>
-            <a:off x="6196512" y="5877561"/>
-            <a:ext cx="2286000" cy="533400"/>
-          </a:xfrm>
-          <a:prstGeom prst="roundRect">
-            <a:avLst/>
-          </a:prstGeom>
-          <a:noFill/>
-          <a:ln>
-            <a:solidFill>
-              <a:schemeClr val="accent2">
-                <a:lumMod val="50000"/>
-              </a:schemeClr>
-            </a:solidFill>
-          </a:ln>
-        </p:spPr>
-        <p:style>
-          <a:lnRef idx="2">
-            <a:schemeClr val="accent1">
-              <a:shade val="50000"/>
-            </a:schemeClr>
-          </a:lnRef>
-          <a:fillRef idx="1">
-            <a:schemeClr val="accent1"/>
-          </a:fillRef>
-          <a:effectRef idx="0">
-            <a:schemeClr val="accent1"/>
-          </a:effectRef>
-          <a:fontRef idx="minor">
-            <a:schemeClr val="lt1"/>
-          </a:fontRef>
-        </p:style>
-        <p:txBody>
-          <a:bodyPr rtlCol="0" anchor="ctr"/>
-          <a:lstStyle/>
-          <a:p>
-            <a:pPr algn="ctr"/>
-            <a:r>
-              <a:rPr lang="en-US" sz="2000" dirty="0" err="1" smtClean="0">
-                <a:solidFill>
-                  <a:sysClr val="windowText" lastClr="000000"/>
-                </a:solidFill>
-                <a:latin typeface="Adobe Arabic" panose="02040503050201020203" charset="0"/>
-                <a:ea typeface="Abadi MT Condensed Light" charset="0"/>
-                <a:cs typeface="Adobe Arabic" panose="02040503050201020203" charset="0"/>
-              </a:rPr>
-              <a:t>extractData</a:t>
-            </a:r>
-            <a:r>
-              <a:rPr lang="en-US" sz="2000" dirty="0" smtClean="0">
-                <a:solidFill>
-                  <a:sysClr val="windowText" lastClr="000000"/>
-                </a:solidFill>
-                <a:latin typeface="Adobe Arabic" panose="02040503050201020203" charset="0"/>
-                <a:ea typeface="Abadi MT Condensed Light" charset="0"/>
-                <a:cs typeface="Adobe Arabic" panose="02040503050201020203" charset="0"/>
-              </a:rPr>
-              <a:t>()</a:t>
-            </a:r>
-            <a:endParaRPr lang="en-US" sz="2000" dirty="0">
-              <a:solidFill>
-                <a:sysClr val="windowText" lastClr="000000"/>
-              </a:solidFill>
-              <a:latin typeface="Adobe Arabic" panose="02040503050201020203" charset="0"/>
-              <a:ea typeface="Abadi MT Condensed Light" charset="0"/>
-              <a:cs typeface="Adobe Arabic" panose="02040503050201020203" charset="0"/>
-            </a:endParaRPr>
-          </a:p>
-        </p:txBody>
-      </p:sp>
-      <p:cxnSp>
-        <p:nvCxnSpPr>
-          <p:cNvPr id="41" name="Straight Arrow Connector 40"/>
-          <p:cNvCxnSpPr>
-            <a:stCxn id="40" idx="2"/>
-            <a:endCxn id="44" idx="0"/>
-          </p:cNvCxnSpPr>
-          <p:nvPr/>
-        </p:nvCxnSpPr>
-        <p:spPr>
-          <a:xfrm>
-            <a:off x="7339512" y="5166361"/>
-            <a:ext cx="0" cy="711200"/>
-          </a:xfrm>
-          <a:prstGeom prst="straightConnector1">
-            <a:avLst/>
-          </a:prstGeom>
-          <a:ln>
-            <a:solidFill>
-              <a:schemeClr val="accent2">
-                <a:lumMod val="50000"/>
-              </a:schemeClr>
-            </a:solidFill>
-            <a:tailEnd type="triangle"/>
-          </a:ln>
-        </p:spPr>
-        <p:style>
-          <a:lnRef idx="1">
-            <a:schemeClr val="accent1"/>
-          </a:lnRef>
-          <a:fillRef idx="0">
-            <a:schemeClr val="accent1"/>
-          </a:fillRef>
-          <a:effectRef idx="0">
-            <a:schemeClr val="accent1"/>
-          </a:effectRef>
-          <a:fontRef idx="minor">
-            <a:schemeClr val="tx1"/>
-          </a:fontRef>
-        </p:style>
-      </p:cxnSp>
-      <p:sp>
-        <p:nvSpPr>
-          <p:cNvPr id="42" name="Rounded Rectangle 41"/>
-          <p:cNvSpPr/>
-          <p:nvPr/>
-        </p:nvSpPr>
-        <p:spPr>
-          <a:xfrm>
-            <a:off x="9015913" y="4632961"/>
-            <a:ext cx="2286000" cy="533400"/>
-          </a:xfrm>
-          <a:prstGeom prst="roundRect">
-            <a:avLst/>
-          </a:prstGeom>
-          <a:noFill/>
-          <a:ln>
-            <a:solidFill>
-              <a:schemeClr val="accent2">
-                <a:lumMod val="50000"/>
-              </a:schemeClr>
-            </a:solidFill>
-          </a:ln>
-        </p:spPr>
-        <p:style>
-          <a:lnRef idx="2">
-            <a:schemeClr val="accent1">
-              <a:shade val="50000"/>
-            </a:schemeClr>
-          </a:lnRef>
-          <a:fillRef idx="1">
-            <a:schemeClr val="accent1"/>
-          </a:fillRef>
-          <a:effectRef idx="0">
-            <a:schemeClr val="accent1"/>
-          </a:effectRef>
-          <a:fontRef idx="minor">
-            <a:schemeClr val="lt1"/>
-          </a:fontRef>
-        </p:style>
-        <p:txBody>
-          <a:bodyPr rtlCol="0" anchor="ctr"/>
-          <a:lstStyle/>
-          <a:p>
-            <a:pPr algn="ctr"/>
-            <a:r>
-              <a:rPr lang="en-US" sz="2000" dirty="0" err="1" smtClean="0">
-                <a:solidFill>
-                  <a:sysClr val="windowText" lastClr="000000"/>
-                </a:solidFill>
-                <a:latin typeface="Adobe Arabic" panose="02040503050201020203" charset="0"/>
-                <a:ea typeface="Abadi MT Condensed Light" charset="0"/>
-                <a:cs typeface="Adobe Arabic" panose="02040503050201020203" charset="0"/>
-              </a:rPr>
-              <a:t>getExchangeCurrency</a:t>
-            </a:r>
-            <a:r>
-              <a:rPr lang="en-US" sz="2000" dirty="0" smtClean="0">
-                <a:solidFill>
-                  <a:sysClr val="windowText" lastClr="000000"/>
-                </a:solidFill>
-                <a:latin typeface="Adobe Arabic" panose="02040503050201020203" charset="0"/>
-                <a:ea typeface="Abadi MT Condensed Light" charset="0"/>
-                <a:cs typeface="Adobe Arabic" panose="02040503050201020203" charset="0"/>
-              </a:rPr>
-              <a:t>()</a:t>
-            </a:r>
-            <a:endParaRPr lang="en-US" sz="2000" dirty="0">
-              <a:solidFill>
-                <a:sysClr val="windowText" lastClr="000000"/>
-              </a:solidFill>
-              <a:latin typeface="Adobe Arabic" panose="02040503050201020203" charset="0"/>
-              <a:ea typeface="Abadi MT Condensed Light" charset="0"/>
-              <a:cs typeface="Adobe Arabic" panose="02040503050201020203" charset="0"/>
-            </a:endParaRPr>
-          </a:p>
-        </p:txBody>
-      </p:sp>
-      <p:cxnSp>
-        <p:nvCxnSpPr>
-          <p:cNvPr id="44" name="Curved Connector 43"/>
-          <p:cNvCxnSpPr>
-            <a:stCxn id="40" idx="0"/>
-          </p:cNvCxnSpPr>
-          <p:nvPr/>
-        </p:nvCxnSpPr>
-        <p:spPr>
-          <a:xfrm rot="5400000" flipH="1" flipV="1">
-            <a:off x="8749212" y="3223261"/>
-            <a:ext cx="12700" cy="2819401"/>
-          </a:xfrm>
-          <a:prstGeom prst="curvedConnector3">
-            <a:avLst>
-              <a:gd name="adj1" fmla="val 1800000"/>
-            </a:avLst>
-          </a:prstGeom>
-          <a:ln>
-            <a:solidFill>
-              <a:schemeClr val="accent2">
-                <a:lumMod val="50000"/>
-              </a:schemeClr>
-            </a:solidFill>
-            <a:tailEnd type="triangle"/>
-          </a:ln>
-        </p:spPr>
-        <p:style>
-          <a:lnRef idx="1">
-            <a:schemeClr val="accent1"/>
-          </a:lnRef>
-          <a:fillRef idx="0">
-            <a:schemeClr val="accent1"/>
-          </a:fillRef>
-          <a:effectRef idx="0">
-            <a:schemeClr val="accent1"/>
-          </a:effectRef>
-          <a:fontRef idx="minor">
-            <a:schemeClr val="tx1"/>
-          </a:fontRef>
-        </p:style>
-      </p:cxnSp>
-      <p:sp>
-        <p:nvSpPr>
-          <p:cNvPr id="45" name="Rectangle 44"/>
-          <p:cNvSpPr/>
-          <p:nvPr/>
-        </p:nvSpPr>
-        <p:spPr>
-          <a:xfrm>
-            <a:off x="6486057" y="3782714"/>
-            <a:ext cx="1706910" cy="457200"/>
-          </a:xfrm>
-          <a:prstGeom prst="rect">
-            <a:avLst/>
-          </a:prstGeom>
-          <a:noFill/>
-          <a:ln>
-            <a:noFill/>
-          </a:ln>
-        </p:spPr>
-        <p:style>
-          <a:lnRef idx="2">
-            <a:schemeClr val="accent1">
-              <a:shade val="50000"/>
-            </a:schemeClr>
-          </a:lnRef>
-          <a:fillRef idx="1">
-            <a:schemeClr val="accent1"/>
-          </a:fillRef>
-          <a:effectRef idx="0">
-            <a:schemeClr val="accent1"/>
-          </a:effectRef>
-          <a:fontRef idx="minor">
-            <a:schemeClr val="lt1"/>
-          </a:fontRef>
-        </p:style>
-        <p:txBody>
-          <a:bodyPr rtlCol="0" anchor="ctr"/>
-          <a:lstStyle/>
-          <a:p>
-            <a:pPr algn="ctr"/>
-            <a:r>
-              <a:rPr lang="en-US" b="1" dirty="0" smtClean="0">
-                <a:solidFill>
-                  <a:schemeClr val="tx1"/>
-                </a:solidFill>
-                <a:latin typeface="Adobe Arabic" panose="02040503050201020203" charset="0"/>
-                <a:ea typeface="Abadi MT Condensed Light" charset="0"/>
-                <a:cs typeface="Adobe Arabic" panose="02040503050201020203" charset="0"/>
-              </a:rPr>
-              <a:t>Separate </a:t>
-            </a:r>
-            <a:endParaRPr lang="en-US" b="1" dirty="0" smtClean="0">
-              <a:solidFill>
-                <a:schemeClr val="tx1"/>
-              </a:solidFill>
-              <a:latin typeface="Adobe Arabic" panose="02040503050201020203" charset="0"/>
-              <a:ea typeface="Abadi MT Condensed Light" charset="0"/>
-              <a:cs typeface="Adobe Arabic" panose="02040503050201020203" charset="0"/>
-            </a:endParaRPr>
-          </a:p>
-          <a:p>
-            <a:pPr algn="ctr"/>
-            <a:r>
-              <a:rPr lang="en-US" b="1" dirty="0" smtClean="0">
-                <a:solidFill>
-                  <a:schemeClr val="tx1"/>
-                </a:solidFill>
-                <a:latin typeface="Adobe Arabic" panose="02040503050201020203" charset="0"/>
-                <a:ea typeface="Abadi MT Condensed Light" charset="0"/>
-                <a:cs typeface="Adobe Arabic" panose="02040503050201020203" charset="0"/>
-              </a:rPr>
-              <a:t>Thread 1 </a:t>
-            </a:r>
-            <a:endParaRPr lang="en-US" b="1" dirty="0">
-              <a:solidFill>
-                <a:schemeClr val="tx1"/>
-              </a:solidFill>
-              <a:latin typeface="Adobe Arabic" panose="02040503050201020203" charset="0"/>
-              <a:ea typeface="Abadi MT Condensed Light" charset="0"/>
-              <a:cs typeface="Adobe Arabic" panose="02040503050201020203" charset="0"/>
-            </a:endParaRPr>
-          </a:p>
-        </p:txBody>
-      </p:sp>
-      <p:sp>
-        <p:nvSpPr>
-          <p:cNvPr id="47" name="Rectangle 46"/>
-          <p:cNvSpPr/>
-          <p:nvPr/>
-        </p:nvSpPr>
-        <p:spPr>
-          <a:xfrm>
-            <a:off x="9277800" y="3782714"/>
-            <a:ext cx="1706910" cy="457200"/>
-          </a:xfrm>
-          <a:prstGeom prst="rect">
-            <a:avLst/>
-          </a:prstGeom>
-          <a:noFill/>
-          <a:ln>
-            <a:noFill/>
-          </a:ln>
-        </p:spPr>
-        <p:style>
-          <a:lnRef idx="2">
-            <a:schemeClr val="accent1">
-              <a:shade val="50000"/>
-            </a:schemeClr>
-          </a:lnRef>
-          <a:fillRef idx="1">
-            <a:schemeClr val="accent1"/>
-          </a:fillRef>
-          <a:effectRef idx="0">
-            <a:schemeClr val="accent1"/>
-          </a:effectRef>
-          <a:fontRef idx="minor">
-            <a:schemeClr val="lt1"/>
-          </a:fontRef>
-        </p:style>
-        <p:txBody>
-          <a:bodyPr rtlCol="0" anchor="ctr"/>
-          <a:lstStyle/>
-          <a:p>
-            <a:pPr algn="ctr"/>
-            <a:r>
-              <a:rPr lang="en-US" b="1" dirty="0" smtClean="0">
-                <a:solidFill>
-                  <a:schemeClr val="tx1"/>
-                </a:solidFill>
-                <a:latin typeface="Adobe Arabic" panose="02040503050201020203" charset="0"/>
-                <a:ea typeface="Abadi MT Condensed Light" charset="0"/>
-                <a:cs typeface="Adobe Arabic" panose="02040503050201020203" charset="0"/>
-              </a:rPr>
-              <a:t>Separate </a:t>
-            </a:r>
-            <a:endParaRPr lang="en-US" b="1" dirty="0" smtClean="0">
-              <a:solidFill>
-                <a:schemeClr val="tx1"/>
-              </a:solidFill>
-              <a:latin typeface="Adobe Arabic" panose="02040503050201020203" charset="0"/>
-              <a:ea typeface="Abadi MT Condensed Light" charset="0"/>
-              <a:cs typeface="Adobe Arabic" panose="02040503050201020203" charset="0"/>
-            </a:endParaRPr>
-          </a:p>
-          <a:p>
-            <a:pPr algn="ctr"/>
-            <a:r>
-              <a:rPr lang="en-US" b="1" dirty="0" smtClean="0">
-                <a:solidFill>
-                  <a:schemeClr val="tx1"/>
-                </a:solidFill>
-                <a:latin typeface="Adobe Arabic" panose="02040503050201020203" charset="0"/>
-                <a:ea typeface="Abadi MT Condensed Light" charset="0"/>
-                <a:cs typeface="Adobe Arabic" panose="02040503050201020203" charset="0"/>
-              </a:rPr>
-              <a:t>Thread 2</a:t>
-            </a:r>
-            <a:endParaRPr lang="en-US" b="1" dirty="0">
-              <a:solidFill>
-                <a:schemeClr val="tx1"/>
-              </a:solidFill>
-              <a:latin typeface="Adobe Arabic" panose="02040503050201020203" charset="0"/>
-              <a:ea typeface="Abadi MT Condensed Light" charset="0"/>
-              <a:cs typeface="Adobe Arabic" panose="02040503050201020203" charset="0"/>
-            </a:endParaRPr>
-          </a:p>
-        </p:txBody>
-      </p:sp>
-      <p:sp>
-        <p:nvSpPr>
-          <p:cNvPr id="48" name="Rectangle 47"/>
-          <p:cNvSpPr/>
-          <p:nvPr/>
-        </p:nvSpPr>
-        <p:spPr>
-          <a:xfrm>
-            <a:off x="7954071" y="4060467"/>
-            <a:ext cx="1706910" cy="457200"/>
-          </a:xfrm>
-          <a:prstGeom prst="rect">
-            <a:avLst/>
-          </a:prstGeom>
-          <a:noFill/>
-          <a:ln>
-            <a:noFill/>
-          </a:ln>
-        </p:spPr>
-        <p:style>
-          <a:lnRef idx="2">
-            <a:schemeClr val="accent1">
-              <a:shade val="50000"/>
-            </a:schemeClr>
-          </a:lnRef>
-          <a:fillRef idx="1">
-            <a:schemeClr val="accent1"/>
-          </a:fillRef>
-          <a:effectRef idx="0">
-            <a:schemeClr val="accent1"/>
-          </a:effectRef>
-          <a:fontRef idx="minor">
-            <a:schemeClr val="lt1"/>
-          </a:fontRef>
-        </p:style>
-        <p:txBody>
-          <a:bodyPr rtlCol="0" anchor="ctr"/>
-          <a:lstStyle/>
-          <a:p>
-            <a:pPr algn="ctr"/>
-            <a:r>
-              <a:rPr lang="en-US" b="1" dirty="0" smtClean="0">
-                <a:solidFill>
-                  <a:srgbClr val="D78000"/>
-                </a:solidFill>
-                <a:latin typeface="Adobe Arabic" panose="02040503050201020203" charset="0"/>
-                <a:ea typeface="Abadi MT Condensed Light" charset="0"/>
-                <a:cs typeface="Adobe Arabic" panose="02040503050201020203" charset="0"/>
-              </a:rPr>
-              <a:t>Asynchronous</a:t>
-            </a:r>
-            <a:endParaRPr lang="en-US" b="1" dirty="0" smtClean="0">
-              <a:solidFill>
-                <a:srgbClr val="D78000"/>
-              </a:solidFill>
-              <a:latin typeface="Adobe Arabic" panose="02040503050201020203" charset="0"/>
-              <a:ea typeface="Abadi MT Condensed Light" charset="0"/>
-              <a:cs typeface="Adobe Arabic" panose="02040503050201020203" charset="0"/>
-            </a:endParaRPr>
-          </a:p>
-        </p:txBody>
-      </p:sp>
-      <p:sp>
-        <p:nvSpPr>
-          <p:cNvPr id="49" name="Rectangle 48"/>
-          <p:cNvSpPr/>
-          <p:nvPr/>
-        </p:nvSpPr>
-        <p:spPr>
-          <a:xfrm>
-            <a:off x="7048652" y="5330808"/>
-            <a:ext cx="1706910" cy="457200"/>
-          </a:xfrm>
-          <a:prstGeom prst="rect">
-            <a:avLst/>
-          </a:prstGeom>
-          <a:noFill/>
-          <a:ln>
-            <a:noFill/>
-          </a:ln>
-        </p:spPr>
-        <p:style>
-          <a:lnRef idx="2">
-            <a:schemeClr val="accent1">
-              <a:shade val="50000"/>
-            </a:schemeClr>
-          </a:lnRef>
-          <a:fillRef idx="1">
-            <a:schemeClr val="accent1"/>
-          </a:fillRef>
-          <a:effectRef idx="0">
-            <a:schemeClr val="accent1"/>
-          </a:effectRef>
-          <a:fontRef idx="minor">
-            <a:schemeClr val="lt1"/>
-          </a:fontRef>
-        </p:style>
-        <p:txBody>
-          <a:bodyPr rtlCol="0" anchor="ctr"/>
-          <a:lstStyle/>
-          <a:p>
-            <a:pPr algn="ctr"/>
-            <a:r>
-              <a:rPr lang="en-US" b="1" dirty="0" smtClean="0">
-                <a:solidFill>
-                  <a:srgbClr val="D78000"/>
-                </a:solidFill>
-                <a:latin typeface="Adobe Arabic" panose="02040503050201020203" charset="0"/>
-                <a:ea typeface="Abadi MT Condensed Light" charset="0"/>
-                <a:cs typeface="Adobe Arabic" panose="02040503050201020203" charset="0"/>
-              </a:rPr>
-              <a:t>Synchronous</a:t>
-            </a:r>
-            <a:endParaRPr lang="en-US" b="1" dirty="0" smtClean="0">
-              <a:solidFill>
-                <a:srgbClr val="D78000"/>
-              </a:solidFill>
-              <a:latin typeface="Adobe Arabic" panose="02040503050201020203" charset="0"/>
-              <a:ea typeface="Abadi MT Condensed Light" charset="0"/>
-              <a:cs typeface="Adobe Arabic" panose="02040503050201020203" charset="0"/>
-            </a:endParaRPr>
-          </a:p>
-        </p:txBody>
-      </p:sp>
-      <p:sp>
-        <p:nvSpPr>
-          <p:cNvPr id="50" name="Rectangle 49"/>
-          <p:cNvSpPr/>
-          <p:nvPr/>
-        </p:nvSpPr>
-        <p:spPr>
-          <a:xfrm>
-            <a:off x="698872" y="5102467"/>
-            <a:ext cx="6194001" cy="369332"/>
-          </a:xfrm>
-          <a:prstGeom prst="rect">
-            <a:avLst/>
-          </a:prstGeom>
-        </p:spPr>
-        <p:txBody>
-          <a:bodyPr wrap="square">
-            <a:spAutoFit/>
-          </a:bodyPr>
-          <a:lstStyle/>
-          <a:p>
-            <a:r>
-              <a:rPr lang="en-US" b="1" i="1" strike="sngStrike" dirty="0" smtClean="0">
-                <a:solidFill>
-                  <a:srgbClr val="333333"/>
-                </a:solidFill>
-                <a:latin typeface="raleway" charset="0"/>
-              </a:rPr>
-              <a:t>4. </a:t>
-            </a:r>
-            <a:r>
-              <a:rPr lang="en-US" b="1" i="1" strike="sngStrike" dirty="0"/>
-              <a:t>Multiple Futures </a:t>
-            </a:r>
-            <a:r>
-              <a:rPr lang="en-US" b="1" i="1" strike="sngStrike" dirty="0" smtClean="0"/>
-              <a:t>combine </a:t>
-            </a:r>
-            <a:r>
-              <a:rPr lang="en-US" b="1" i="1" strike="sngStrike" dirty="0" smtClean="0"/>
-              <a:t>(Asynchronous)</a:t>
-            </a:r>
-            <a:endParaRPr lang="en-US" b="1" i="1" strike="sngStrike" dirty="0" smtClean="0"/>
-          </a:p>
-        </p:txBody>
-      </p:sp>
-      <p:sp>
-        <p:nvSpPr>
-          <p:cNvPr id="51" name="Rectangle 50"/>
-          <p:cNvSpPr/>
-          <p:nvPr/>
-        </p:nvSpPr>
-        <p:spPr>
-          <a:xfrm>
-            <a:off x="683895" y="4263390"/>
-            <a:ext cx="5044440" cy="368300"/>
-          </a:xfrm>
-          <a:prstGeom prst="rect">
-            <a:avLst/>
-          </a:prstGeom>
-        </p:spPr>
-        <p:txBody>
-          <a:bodyPr wrap="square">
-            <a:spAutoFit/>
-          </a:bodyPr>
-          <a:lstStyle/>
-          <a:p>
-            <a:r>
-              <a:rPr lang="en-US" b="1" i="1" strike="sngStrike" dirty="0">
-                <a:solidFill>
-                  <a:srgbClr val="333333"/>
-                </a:solidFill>
-                <a:latin typeface="raleway" charset="0"/>
-              </a:rPr>
-              <a:t>2</a:t>
-            </a:r>
-            <a:r>
-              <a:rPr lang="en-US" b="1" i="1" strike="sngStrike" dirty="0" smtClean="0">
-                <a:solidFill>
-                  <a:srgbClr val="333333"/>
-                </a:solidFill>
-                <a:latin typeface="raleway" charset="0"/>
-              </a:rPr>
-              <a:t>. </a:t>
-            </a:r>
-            <a:r>
-              <a:rPr lang="en-US" b="1" i="1" strike="sngStrike" dirty="0" smtClean="0"/>
-              <a:t>Manually Completed</a:t>
-            </a:r>
-            <a:endParaRPr lang="en-US" b="1" i="1" strike="sngStrike" dirty="0" smtClean="0"/>
-          </a:p>
-        </p:txBody>
-      </p:sp>
-      <p:sp>
-        <p:nvSpPr>
-          <p:cNvPr id="52" name="Rectangle 51"/>
-          <p:cNvSpPr/>
-          <p:nvPr/>
-        </p:nvSpPr>
-        <p:spPr>
-          <a:xfrm>
-            <a:off x="699135" y="3850640"/>
-            <a:ext cx="3165475" cy="368300"/>
-          </a:xfrm>
-          <a:prstGeom prst="rect">
-            <a:avLst/>
-          </a:prstGeom>
-        </p:spPr>
-        <p:txBody>
-          <a:bodyPr wrap="square">
-            <a:spAutoFit/>
-          </a:bodyPr>
-          <a:lstStyle/>
-          <a:p>
-            <a:r>
-              <a:rPr lang="en-US" b="1" i="1" dirty="0" smtClean="0">
-                <a:solidFill>
-                  <a:srgbClr val="333333"/>
-                </a:solidFill>
-                <a:latin typeface="raleway" charset="0"/>
-              </a:rPr>
-              <a:t>1. </a:t>
-            </a:r>
-            <a:r>
-              <a:rPr lang="en-US" b="1" i="1" dirty="0" smtClean="0"/>
-              <a:t>Blocking</a:t>
-            </a:r>
-            <a:endParaRPr lang="en-US" b="1" i="1" u="none" strike="noStrike" dirty="0">
-              <a:solidFill>
-                <a:srgbClr val="333333"/>
-              </a:solidFill>
-              <a:effectLst/>
-              <a:latin typeface="raleway" charset="0"/>
-            </a:endParaRPr>
-          </a:p>
-        </p:txBody>
-      </p:sp>
-      <p:sp>
-        <p:nvSpPr>
-          <p:cNvPr id="53" name="Rounded Rectangle 52"/>
-          <p:cNvSpPr/>
-          <p:nvPr/>
-        </p:nvSpPr>
-        <p:spPr>
-          <a:xfrm>
-            <a:off x="7467600" y="202872"/>
-            <a:ext cx="2286000" cy="533400"/>
-          </a:xfrm>
-          <a:prstGeom prst="roundRect">
-            <a:avLst/>
-          </a:prstGeom>
-          <a:noFill/>
-          <a:ln>
-            <a:noFill/>
-          </a:ln>
-        </p:spPr>
-        <p:style>
-          <a:lnRef idx="2">
-            <a:schemeClr val="accent1">
-              <a:shade val="50000"/>
-            </a:schemeClr>
-          </a:lnRef>
-          <a:fillRef idx="1">
-            <a:schemeClr val="accent1"/>
-          </a:fillRef>
-          <a:effectRef idx="0">
-            <a:schemeClr val="accent1"/>
-          </a:effectRef>
-          <a:fontRef idx="minor">
-            <a:schemeClr val="lt1"/>
-          </a:fontRef>
-        </p:style>
-        <p:txBody>
-          <a:bodyPr rtlCol="0" anchor="ctr"/>
-          <a:lstStyle/>
-          <a:p>
-            <a:pPr algn="ctr"/>
-            <a:r>
-              <a:rPr lang="en-US" sz="2400" b="1" smtClean="0">
-                <a:solidFill>
-                  <a:sysClr val="windowText" lastClr="000000"/>
-                </a:solidFill>
-                <a:latin typeface="Abadi MT Condensed Light" charset="0"/>
-                <a:ea typeface="Abadi MT Condensed Light" charset="0"/>
-                <a:cs typeface="Abadi MT Condensed Light" charset="0"/>
-              </a:rPr>
-              <a:t>Executor Thread</a:t>
-            </a:r>
-            <a:endParaRPr lang="en-US" sz="2400" b="1" dirty="0">
-              <a:solidFill>
-                <a:sysClr val="windowText" lastClr="000000"/>
-              </a:solidFill>
-              <a:latin typeface="Abadi MT Condensed Light" charset="0"/>
-              <a:ea typeface="Abadi MT Condensed Light" charset="0"/>
-              <a:cs typeface="Abadi MT Condensed Light" charset="0"/>
-            </a:endParaRPr>
-          </a:p>
-        </p:txBody>
-      </p:sp>
-      <p:sp>
-        <p:nvSpPr>
           <p:cNvPr id="54" name="Rounded Rectangle 53"/>
           <p:cNvSpPr/>
           <p:nvPr/>
@@ -10369,6 +8236,2182 @@
             <a:endParaRPr lang="en-US">
               <a:latin typeface="Adobe Arabic" panose="02040503050201020203" charset="0"/>
               <a:cs typeface="Adobe Arabic" panose="02040503050201020203" charset="0"/>
+            </a:endParaRPr>
+          </a:p>
+        </p:txBody>
+      </p:sp>
+      <p:sp>
+        <p:nvSpPr>
+          <p:cNvPr id="35" name="Rounded Rectangle 34"/>
+          <p:cNvSpPr/>
+          <p:nvPr/>
+        </p:nvSpPr>
+        <p:spPr>
+          <a:xfrm>
+            <a:off x="2652872" y="190234"/>
+            <a:ext cx="2286000" cy="533400"/>
+          </a:xfrm>
+          <a:prstGeom prst="roundRect">
+            <a:avLst/>
+          </a:prstGeom>
+          <a:noFill/>
+          <a:ln>
+            <a:noFill/>
+          </a:ln>
+        </p:spPr>
+        <p:style>
+          <a:lnRef idx="2">
+            <a:schemeClr val="accent1">
+              <a:shade val="50000"/>
+            </a:schemeClr>
+          </a:lnRef>
+          <a:fillRef idx="1">
+            <a:schemeClr val="accent1"/>
+          </a:fillRef>
+          <a:effectRef idx="0">
+            <a:schemeClr val="accent1"/>
+          </a:effectRef>
+          <a:fontRef idx="minor">
+            <a:schemeClr val="lt1"/>
+          </a:fontRef>
+        </p:style>
+        <p:txBody>
+          <a:bodyPr rtlCol="0" anchor="ctr"/>
+          <a:lstStyle/>
+          <a:p>
+            <a:pPr algn="ctr"/>
+            <a:r>
+              <a:rPr lang="en-US" sz="2400" b="1" dirty="0" smtClean="0">
+                <a:solidFill>
+                  <a:sysClr val="windowText" lastClr="000000"/>
+                </a:solidFill>
+                <a:latin typeface="Abadi MT Condensed Light" charset="0"/>
+                <a:ea typeface="Abadi MT Condensed Light" charset="0"/>
+                <a:cs typeface="Abadi MT Condensed Light" charset="0"/>
+              </a:rPr>
+              <a:t>Executor Thread</a:t>
+            </a:r>
+            <a:endParaRPr lang="en-US" sz="2400" b="1" dirty="0">
+              <a:solidFill>
+                <a:sysClr val="windowText" lastClr="000000"/>
+              </a:solidFill>
+              <a:latin typeface="Abadi MT Condensed Light" charset="0"/>
+              <a:ea typeface="Abadi MT Condensed Light" charset="0"/>
+              <a:cs typeface="Abadi MT Condensed Light" charset="0"/>
+            </a:endParaRPr>
+          </a:p>
+        </p:txBody>
+      </p:sp>
+      <p:cxnSp>
+        <p:nvCxnSpPr>
+          <p:cNvPr id="37" name="Straight Connector 36"/>
+          <p:cNvCxnSpPr/>
+          <p:nvPr/>
+        </p:nvCxnSpPr>
+        <p:spPr>
+          <a:xfrm>
+            <a:off x="1905000" y="203891"/>
+            <a:ext cx="0" cy="3578823"/>
+          </a:xfrm>
+          <a:prstGeom prst="line">
+            <a:avLst/>
+          </a:prstGeom>
+          <a:ln>
+            <a:solidFill>
+              <a:schemeClr val="tx1">
+                <a:lumMod val="50000"/>
+              </a:schemeClr>
+            </a:solidFill>
+          </a:ln>
+        </p:spPr>
+        <p:style>
+          <a:lnRef idx="1">
+            <a:schemeClr val="accent1"/>
+          </a:lnRef>
+          <a:fillRef idx="0">
+            <a:schemeClr val="accent1"/>
+          </a:fillRef>
+          <a:effectRef idx="0">
+            <a:schemeClr val="accent1"/>
+          </a:effectRef>
+          <a:fontRef idx="minor">
+            <a:schemeClr val="tx1"/>
+          </a:fontRef>
+        </p:style>
+      </p:cxnSp>
+      <p:sp>
+        <p:nvSpPr>
+          <p:cNvPr id="38" name="Rounded Rectangle 37"/>
+          <p:cNvSpPr/>
+          <p:nvPr/>
+        </p:nvSpPr>
+        <p:spPr>
+          <a:xfrm>
+            <a:off x="152400" y="381000"/>
+            <a:ext cx="1676401" cy="533400"/>
+          </a:xfrm>
+          <a:prstGeom prst="roundRect">
+            <a:avLst/>
+          </a:prstGeom>
+          <a:noFill/>
+          <a:ln>
+            <a:solidFill>
+              <a:schemeClr val="accent2">
+                <a:lumMod val="50000"/>
+              </a:schemeClr>
+            </a:solidFill>
+          </a:ln>
+        </p:spPr>
+        <p:style>
+          <a:lnRef idx="2">
+            <a:schemeClr val="accent1">
+              <a:shade val="50000"/>
+            </a:schemeClr>
+          </a:lnRef>
+          <a:fillRef idx="1">
+            <a:schemeClr val="accent1"/>
+          </a:fillRef>
+          <a:effectRef idx="0">
+            <a:schemeClr val="accent1"/>
+          </a:effectRef>
+          <a:fontRef idx="minor">
+            <a:schemeClr val="lt1"/>
+          </a:fontRef>
+        </p:style>
+        <p:txBody>
+          <a:bodyPr rtlCol="0" anchor="ctr"/>
+          <a:lstStyle/>
+          <a:p>
+            <a:pPr algn="ctr"/>
+            <a:r>
+              <a:rPr lang="en-US" sz="2000" dirty="0" err="1" smtClean="0">
+                <a:solidFill>
+                  <a:sysClr val="windowText" lastClr="000000"/>
+                </a:solidFill>
+                <a:latin typeface="Adobe Arabic" panose="02040503050201020203" charset="0"/>
+                <a:ea typeface="Abadi MT Condensed Light" charset="0"/>
+                <a:cs typeface="Adobe Arabic" panose="02040503050201020203" charset="0"/>
+              </a:rPr>
+              <a:t>findPrice</a:t>
+            </a:r>
+            <a:r>
+              <a:rPr lang="en-US" sz="2000" dirty="0" smtClean="0">
+                <a:solidFill>
+                  <a:sysClr val="windowText" lastClr="000000"/>
+                </a:solidFill>
+                <a:latin typeface="Adobe Arabic" panose="02040503050201020203" charset="0"/>
+                <a:ea typeface="Abadi MT Condensed Light" charset="0"/>
+                <a:cs typeface="Adobe Arabic" panose="02040503050201020203" charset="0"/>
+              </a:rPr>
+              <a:t>()</a:t>
+            </a:r>
+            <a:endParaRPr lang="en-US" sz="2000" dirty="0">
+              <a:solidFill>
+                <a:sysClr val="windowText" lastClr="000000"/>
+              </a:solidFill>
+              <a:latin typeface="Adobe Arabic" panose="02040503050201020203" charset="0"/>
+              <a:ea typeface="Abadi MT Condensed Light" charset="0"/>
+              <a:cs typeface="Adobe Arabic" panose="02040503050201020203" charset="0"/>
+            </a:endParaRPr>
+          </a:p>
+        </p:txBody>
+      </p:sp>
+      <p:sp>
+        <p:nvSpPr>
+          <p:cNvPr id="27" name="Rectangle 26"/>
+          <p:cNvSpPr/>
+          <p:nvPr/>
+        </p:nvSpPr>
+        <p:spPr>
+          <a:xfrm>
+            <a:off x="698873" y="4681896"/>
+            <a:ext cx="4725342" cy="369332"/>
+          </a:xfrm>
+          <a:prstGeom prst="rect">
+            <a:avLst/>
+          </a:prstGeom>
+        </p:spPr>
+        <p:txBody>
+          <a:bodyPr wrap="square">
+            <a:spAutoFit/>
+          </a:bodyPr>
+          <a:lstStyle/>
+          <a:p>
+            <a:r>
+              <a:rPr lang="en-US" b="1" i="1" strike="sngStrike" dirty="0" smtClean="0">
+                <a:solidFill>
+                  <a:srgbClr val="333333"/>
+                </a:solidFill>
+                <a:latin typeface="raleway" charset="0"/>
+              </a:rPr>
+              <a:t>3</a:t>
+            </a:r>
+            <a:r>
+              <a:rPr lang="en-US" b="1" i="1" strike="sngStrike" dirty="0">
+                <a:solidFill>
+                  <a:srgbClr val="333333"/>
+                </a:solidFill>
+                <a:latin typeface="raleway" charset="0"/>
+              </a:rPr>
+              <a:t>. </a:t>
+            </a:r>
+            <a:r>
+              <a:rPr lang="en-US" b="1" i="1" strike="sngStrike" dirty="0"/>
+              <a:t>Multiple Futures </a:t>
+            </a:r>
+            <a:r>
+              <a:rPr lang="en-US" b="1" i="1" strike="sngStrike" dirty="0" smtClean="0"/>
+              <a:t>chain</a:t>
+            </a:r>
+            <a:r>
+              <a:rPr lang="en-US" b="1" i="1" dirty="0" smtClean="0"/>
+              <a:t>(</a:t>
+            </a:r>
+            <a:r>
+              <a:rPr lang="en-US" b="1" i="1" strike="sngStrike" dirty="0" smtClean="0"/>
+              <a:t>Synchronous)</a:t>
+            </a:r>
+            <a:endParaRPr lang="en-US" b="1" i="1" strike="sngStrike" dirty="0" smtClean="0"/>
+          </a:p>
+        </p:txBody>
+      </p:sp>
+      <p:sp>
+        <p:nvSpPr>
+          <p:cNvPr id="66" name="Rounded Rectangle 65"/>
+          <p:cNvSpPr/>
+          <p:nvPr/>
+        </p:nvSpPr>
+        <p:spPr>
+          <a:xfrm>
+            <a:off x="2238631" y="1143000"/>
+            <a:ext cx="3266039" cy="2286000"/>
+          </a:xfrm>
+          <a:prstGeom prst="roundRect">
+            <a:avLst/>
+          </a:prstGeom>
+          <a:solidFill>
+            <a:schemeClr val="bg2">
+              <a:alpha val="6000"/>
+            </a:schemeClr>
+          </a:solidFill>
+          <a:ln>
+            <a:solidFill>
+              <a:schemeClr val="accent2">
+                <a:lumMod val="50000"/>
+              </a:schemeClr>
+            </a:solidFill>
+          </a:ln>
+        </p:spPr>
+        <p:style>
+          <a:lnRef idx="2">
+            <a:schemeClr val="accent1">
+              <a:shade val="50000"/>
+            </a:schemeClr>
+          </a:lnRef>
+          <a:fillRef idx="1">
+            <a:schemeClr val="accent1"/>
+          </a:fillRef>
+          <a:effectRef idx="0">
+            <a:schemeClr val="accent1"/>
+          </a:effectRef>
+          <a:fontRef idx="minor">
+            <a:schemeClr val="lt1"/>
+          </a:fontRef>
+        </p:style>
+        <p:txBody>
+          <a:bodyPr rtlCol="0" anchor="t"/>
+          <a:lstStyle/>
+          <a:p>
+            <a:r>
+              <a:rPr lang="en-US" sz="2000" dirty="0" err="1" smtClean="0">
+                <a:solidFill>
+                  <a:schemeClr val="tx1">
+                    <a:alpha val="64000"/>
+                  </a:schemeClr>
+                </a:solidFill>
+                <a:latin typeface="Abadi MT Condensed Light" charset="0"/>
+                <a:ea typeface="Abadi MT Condensed Light" charset="0"/>
+                <a:cs typeface="Abadi MT Condensed Light" charset="0"/>
+              </a:rPr>
+              <a:t>getPrice</a:t>
+            </a:r>
+            <a:endParaRPr lang="en-US" sz="2000" dirty="0">
+              <a:solidFill>
+                <a:schemeClr val="tx1">
+                  <a:alpha val="64000"/>
+                </a:schemeClr>
+              </a:solidFill>
+              <a:latin typeface="Abadi MT Condensed Light" charset="0"/>
+              <a:ea typeface="Abadi MT Condensed Light" charset="0"/>
+              <a:cs typeface="Abadi MT Condensed Light" charset="0"/>
+            </a:endParaRPr>
+          </a:p>
+        </p:txBody>
+      </p:sp>
+      <p:sp>
+        <p:nvSpPr>
+          <p:cNvPr id="67" name="TextBox 66"/>
+          <p:cNvSpPr txBox="1"/>
+          <p:nvPr/>
+        </p:nvSpPr>
+        <p:spPr>
+          <a:xfrm>
+            <a:off x="3381117" y="874248"/>
+            <a:ext cx="1201696" cy="368300"/>
+          </a:xfrm>
+          <a:prstGeom prst="rect">
+            <a:avLst/>
+          </a:prstGeom>
+          <a:solidFill>
+            <a:schemeClr val="bg2">
+              <a:alpha val="6000"/>
+            </a:schemeClr>
+          </a:solidFill>
+        </p:spPr>
+        <p:txBody>
+          <a:bodyPr wrap="square" rtlCol="0">
+            <a:spAutoFit/>
+          </a:bodyPr>
+          <a:lstStyle/>
+          <a:p>
+            <a:r>
+              <a:rPr lang="en-US" b="1" i="1" dirty="0" smtClean="0">
+                <a:solidFill>
+                  <a:schemeClr val="tx1">
+                    <a:alpha val="64000"/>
+                  </a:schemeClr>
+                </a:solidFill>
+                <a:latin typeface="Adobe Arabic" panose="02040503050201020203" charset="0"/>
+                <a:ea typeface="Abadi MT Condensed Light" charset="0"/>
+                <a:cs typeface="Adobe Arabic" panose="02040503050201020203" charset="0"/>
+              </a:rPr>
+              <a:t>iphone11</a:t>
+            </a:r>
+            <a:endParaRPr lang="en-US" b="1" i="1" dirty="0" smtClean="0">
+              <a:solidFill>
+                <a:schemeClr val="tx1">
+                  <a:alpha val="64000"/>
+                </a:schemeClr>
+              </a:solidFill>
+              <a:latin typeface="Adobe Arabic" panose="02040503050201020203" charset="0"/>
+              <a:ea typeface="Abadi MT Condensed Light" charset="0"/>
+              <a:cs typeface="Adobe Arabic" panose="02040503050201020203" charset="0"/>
+            </a:endParaRPr>
+          </a:p>
+        </p:txBody>
+      </p:sp>
+      <p:sp>
+        <p:nvSpPr>
+          <p:cNvPr id="69" name="TextBox 68"/>
+          <p:cNvSpPr txBox="1"/>
+          <p:nvPr/>
+        </p:nvSpPr>
+        <p:spPr>
+          <a:xfrm>
+            <a:off x="8424339" y="874248"/>
+            <a:ext cx="1201696" cy="369332"/>
+          </a:xfrm>
+          <a:prstGeom prst="rect">
+            <a:avLst/>
+          </a:prstGeom>
+          <a:solidFill>
+            <a:schemeClr val="bg2">
+              <a:alpha val="6000"/>
+            </a:schemeClr>
+          </a:solidFill>
+        </p:spPr>
+        <p:txBody>
+          <a:bodyPr wrap="square" rtlCol="0">
+            <a:spAutoFit/>
+          </a:bodyPr>
+          <a:lstStyle/>
+          <a:p>
+            <a:r>
+              <a:rPr lang="en-US" b="1" i="1" dirty="0" smtClean="0">
+                <a:solidFill>
+                  <a:schemeClr val="tx1">
+                    <a:alpha val="64000"/>
+                  </a:schemeClr>
+                </a:solidFill>
+                <a:latin typeface="Adobe Arabic" panose="02040503050201020203" charset="0"/>
+                <a:ea typeface="Abadi MT Condensed Light" charset="0"/>
+                <a:cs typeface="Adobe Arabic" panose="02040503050201020203" charset="0"/>
+              </a:rPr>
+              <a:t>iphone11</a:t>
+            </a:r>
+            <a:endParaRPr lang="en-US" b="1" i="1" dirty="0" smtClean="0">
+              <a:solidFill>
+                <a:schemeClr val="tx1">
+                  <a:alpha val="64000"/>
+                </a:schemeClr>
+              </a:solidFill>
+              <a:latin typeface="Adobe Arabic" panose="02040503050201020203" charset="0"/>
+              <a:ea typeface="Abadi MT Condensed Light" charset="0"/>
+              <a:cs typeface="Adobe Arabic" panose="02040503050201020203" charset="0"/>
+            </a:endParaRPr>
+          </a:p>
+        </p:txBody>
+      </p:sp>
+      <p:cxnSp>
+        <p:nvCxnSpPr>
+          <p:cNvPr id="71" name="Curved Connector 70"/>
+          <p:cNvCxnSpPr>
+            <a:endCxn id="67" idx="0"/>
+          </p:cNvCxnSpPr>
+          <p:nvPr/>
+        </p:nvCxnSpPr>
+        <p:spPr>
+          <a:xfrm>
+            <a:off x="1939291" y="379095"/>
+            <a:ext cx="2042850" cy="495300"/>
+          </a:xfrm>
+          <a:prstGeom prst="curvedConnector2">
+            <a:avLst/>
+          </a:prstGeom>
+          <a:ln>
+            <a:solidFill>
+              <a:schemeClr val="accent2">
+                <a:lumMod val="50000"/>
+              </a:schemeClr>
+            </a:solidFill>
+            <a:tailEnd type="triangle"/>
+          </a:ln>
+        </p:spPr>
+        <p:style>
+          <a:lnRef idx="1">
+            <a:schemeClr val="accent1"/>
+          </a:lnRef>
+          <a:fillRef idx="0">
+            <a:schemeClr val="accent1"/>
+          </a:fillRef>
+          <a:effectRef idx="0">
+            <a:schemeClr val="accent1"/>
+          </a:effectRef>
+          <a:fontRef idx="minor">
+            <a:schemeClr val="tx1"/>
+          </a:fontRef>
+        </p:style>
+      </p:cxnSp>
+      <p:cxnSp>
+        <p:nvCxnSpPr>
+          <p:cNvPr id="73" name="Curved Connector 72"/>
+          <p:cNvCxnSpPr/>
+          <p:nvPr/>
+        </p:nvCxnSpPr>
+        <p:spPr>
+          <a:xfrm>
+            <a:off x="1828801" y="647700"/>
+            <a:ext cx="6697093" cy="495300"/>
+          </a:xfrm>
+          <a:prstGeom prst="curvedConnector2">
+            <a:avLst/>
+          </a:prstGeom>
+          <a:ln>
+            <a:solidFill>
+              <a:schemeClr val="accent2">
+                <a:lumMod val="50000"/>
+              </a:schemeClr>
+            </a:solidFill>
+            <a:tailEnd type="triangle"/>
+          </a:ln>
+        </p:spPr>
+        <p:style>
+          <a:lnRef idx="1">
+            <a:schemeClr val="accent1"/>
+          </a:lnRef>
+          <a:fillRef idx="0">
+            <a:schemeClr val="accent1"/>
+          </a:fillRef>
+          <a:effectRef idx="0">
+            <a:schemeClr val="accent1"/>
+          </a:effectRef>
+          <a:fontRef idx="minor">
+            <a:schemeClr val="tx1"/>
+          </a:fontRef>
+        </p:style>
+      </p:cxnSp>
+      <p:sp>
+        <p:nvSpPr>
+          <p:cNvPr id="79" name="Rounded Rectangle 78"/>
+          <p:cNvSpPr/>
+          <p:nvPr/>
+        </p:nvSpPr>
+        <p:spPr>
+          <a:xfrm>
+            <a:off x="2632756" y="1673602"/>
+            <a:ext cx="4106937" cy="1636978"/>
+          </a:xfrm>
+          <a:prstGeom prst="roundRect">
+            <a:avLst/>
+          </a:prstGeom>
+          <a:solidFill>
+            <a:schemeClr val="bg2">
+              <a:alpha val="6000"/>
+            </a:schemeClr>
+          </a:solidFill>
+          <a:ln>
+            <a:noFill/>
+          </a:ln>
+        </p:spPr>
+        <p:style>
+          <a:lnRef idx="2">
+            <a:schemeClr val="accent1">
+              <a:shade val="50000"/>
+            </a:schemeClr>
+          </a:lnRef>
+          <a:fillRef idx="1">
+            <a:schemeClr val="accent1"/>
+          </a:fillRef>
+          <a:effectRef idx="0">
+            <a:schemeClr val="accent1"/>
+          </a:effectRef>
+          <a:fontRef idx="minor">
+            <a:schemeClr val="lt1"/>
+          </a:fontRef>
+        </p:style>
+        <p:txBody>
+          <a:bodyPr rtlCol="0" anchor="ctr"/>
+          <a:lstStyle/>
+          <a:p>
+            <a:r>
+              <a:rPr lang="en-US" dirty="0" err="1">
+                <a:solidFill>
+                  <a:schemeClr val="tx1">
+                    <a:alpha val="64000"/>
+                  </a:schemeClr>
+                </a:solidFill>
+                <a:latin typeface="Adobe Arabic" panose="02040503050201020203" charset="0"/>
+                <a:ea typeface="Abadi MT Condensed Light" charset="0"/>
+                <a:cs typeface="Adobe Arabic" panose="02040503050201020203" charset="0"/>
+              </a:rPr>
+              <a:t>getNonDiscountPrice</a:t>
+            </a:r>
+            <a:r>
+              <a:rPr lang="en-US" dirty="0">
+                <a:solidFill>
+                  <a:schemeClr val="tx1">
+                    <a:alpha val="64000"/>
+                  </a:schemeClr>
+                </a:solidFill>
+                <a:latin typeface="Adobe Arabic" panose="02040503050201020203" charset="0"/>
+                <a:ea typeface="Abadi MT Condensed Light" charset="0"/>
+                <a:cs typeface="Adobe Arabic" panose="02040503050201020203" charset="0"/>
+              </a:rPr>
+              <a:t>()</a:t>
+            </a:r>
+            <a:endParaRPr lang="en-US" dirty="0">
+              <a:solidFill>
+                <a:schemeClr val="tx1">
+                  <a:alpha val="64000"/>
+                </a:schemeClr>
+              </a:solidFill>
+              <a:latin typeface="Adobe Arabic" panose="02040503050201020203" charset="0"/>
+              <a:ea typeface="Abadi MT Condensed Light" charset="0"/>
+              <a:cs typeface="Adobe Arabic" panose="02040503050201020203" charset="0"/>
+            </a:endParaRPr>
+          </a:p>
+          <a:p>
+            <a:r>
+              <a:rPr lang="en-US" dirty="0" err="1">
+                <a:solidFill>
+                  <a:schemeClr val="tx1">
+                    <a:alpha val="64000"/>
+                  </a:schemeClr>
+                </a:solidFill>
+                <a:latin typeface="Adobe Arabic" panose="02040503050201020203" charset="0"/>
+                <a:ea typeface="Abadi MT Condensed Light" charset="0"/>
+                <a:cs typeface="Adobe Arabic" panose="02040503050201020203" charset="0"/>
+              </a:rPr>
+              <a:t>extractData</a:t>
+            </a:r>
+            <a:r>
+              <a:rPr lang="en-US" dirty="0">
+                <a:solidFill>
+                  <a:schemeClr val="tx1">
+                    <a:alpha val="64000"/>
+                  </a:schemeClr>
+                </a:solidFill>
+                <a:latin typeface="Adobe Arabic" panose="02040503050201020203" charset="0"/>
+                <a:ea typeface="Abadi MT Condensed Light" charset="0"/>
+                <a:cs typeface="Adobe Arabic" panose="02040503050201020203" charset="0"/>
+              </a:rPr>
+              <a:t>()</a:t>
+            </a:r>
+            <a:endParaRPr lang="en-US" dirty="0">
+              <a:solidFill>
+                <a:schemeClr val="tx1">
+                  <a:alpha val="64000"/>
+                </a:schemeClr>
+              </a:solidFill>
+              <a:latin typeface="Adobe Arabic" panose="02040503050201020203" charset="0"/>
+              <a:ea typeface="Abadi MT Condensed Light" charset="0"/>
+              <a:cs typeface="Adobe Arabic" panose="02040503050201020203" charset="0"/>
+            </a:endParaRPr>
+          </a:p>
+          <a:p>
+            <a:r>
+              <a:rPr lang="en-US" dirty="0" err="1">
+                <a:solidFill>
+                  <a:schemeClr val="tx1">
+                    <a:alpha val="64000"/>
+                  </a:schemeClr>
+                </a:solidFill>
+                <a:latin typeface="Adobe Arabic" panose="02040503050201020203" charset="0"/>
+                <a:ea typeface="Abadi MT Condensed Light" charset="0"/>
+                <a:cs typeface="Adobe Arabic" panose="02040503050201020203" charset="0"/>
+              </a:rPr>
+              <a:t>getDiscountPercent</a:t>
+            </a:r>
+            <a:r>
+              <a:rPr lang="en-US" dirty="0">
+                <a:solidFill>
+                  <a:schemeClr val="tx1">
+                    <a:alpha val="64000"/>
+                  </a:schemeClr>
+                </a:solidFill>
+                <a:latin typeface="Adobe Arabic" panose="02040503050201020203" charset="0"/>
+                <a:ea typeface="Abadi MT Condensed Light" charset="0"/>
+                <a:cs typeface="Adobe Arabic" panose="02040503050201020203" charset="0"/>
+              </a:rPr>
+              <a:t>()</a:t>
+            </a:r>
+            <a:endParaRPr lang="en-US" dirty="0">
+              <a:solidFill>
+                <a:schemeClr val="tx1">
+                  <a:alpha val="64000"/>
+                </a:schemeClr>
+              </a:solidFill>
+              <a:latin typeface="Adobe Arabic" panose="02040503050201020203" charset="0"/>
+              <a:ea typeface="Abadi MT Condensed Light" charset="0"/>
+              <a:cs typeface="Adobe Arabic" panose="02040503050201020203" charset="0"/>
+            </a:endParaRPr>
+          </a:p>
+          <a:p>
+            <a:r>
+              <a:rPr lang="en-US" dirty="0" err="1">
+                <a:solidFill>
+                  <a:schemeClr val="tx1">
+                    <a:alpha val="64000"/>
+                  </a:schemeClr>
+                </a:solidFill>
+                <a:latin typeface="Adobe Arabic" panose="02040503050201020203" charset="0"/>
+                <a:ea typeface="Abadi MT Condensed Light" charset="0"/>
+                <a:cs typeface="Adobe Arabic" panose="02040503050201020203" charset="0"/>
+              </a:rPr>
+              <a:t>getExchangeCurrency</a:t>
+            </a:r>
+            <a:r>
+              <a:rPr lang="en-US" dirty="0">
+                <a:solidFill>
+                  <a:schemeClr val="tx1">
+                    <a:alpha val="64000"/>
+                  </a:schemeClr>
+                </a:solidFill>
+                <a:latin typeface="Adobe Arabic" panose="02040503050201020203" charset="0"/>
+                <a:ea typeface="Abadi MT Condensed Light" charset="0"/>
+                <a:cs typeface="Adobe Arabic" panose="02040503050201020203" charset="0"/>
+              </a:rPr>
+              <a:t>()</a:t>
+            </a:r>
+            <a:endParaRPr lang="en-US" dirty="0">
+              <a:solidFill>
+                <a:schemeClr val="tx1">
+                  <a:alpha val="64000"/>
+                </a:schemeClr>
+              </a:solidFill>
+              <a:latin typeface="Adobe Arabic" panose="02040503050201020203" charset="0"/>
+              <a:ea typeface="Abadi MT Condensed Light" charset="0"/>
+              <a:cs typeface="Adobe Arabic" panose="02040503050201020203" charset="0"/>
+            </a:endParaRPr>
+          </a:p>
+        </p:txBody>
+      </p:sp>
+      <p:sp>
+        <p:nvSpPr>
+          <p:cNvPr id="82" name="TextBox 81"/>
+          <p:cNvSpPr txBox="1"/>
+          <p:nvPr/>
+        </p:nvSpPr>
+        <p:spPr>
+          <a:xfrm>
+            <a:off x="4648200" y="1889570"/>
+            <a:ext cx="2819400" cy="369332"/>
+          </a:xfrm>
+          <a:prstGeom prst="rect">
+            <a:avLst/>
+          </a:prstGeom>
+          <a:solidFill>
+            <a:schemeClr val="bg2">
+              <a:alpha val="6000"/>
+            </a:schemeClr>
+          </a:solidFill>
+        </p:spPr>
+        <p:txBody>
+          <a:bodyPr wrap="square" rtlCol="0">
+            <a:spAutoFit/>
+          </a:bodyPr>
+          <a:lstStyle/>
+          <a:p>
+            <a:r>
+              <a:rPr lang="en-US" b="1" i="1" dirty="0" smtClean="0">
+                <a:solidFill>
+                  <a:schemeClr val="tx1">
+                    <a:alpha val="64000"/>
+                  </a:schemeClr>
+                </a:solidFill>
+                <a:latin typeface="Adobe Arabic" panose="02040503050201020203" charset="0"/>
+                <a:ea typeface="Abadi MT Condensed Light" charset="0"/>
+                <a:cs typeface="Adobe Arabic" panose="02040503050201020203" charset="0"/>
+              </a:rPr>
+              <a:t>Amazon|20$|Gold</a:t>
+            </a:r>
+            <a:endParaRPr lang="en-US" b="1" i="1" dirty="0" smtClean="0">
+              <a:solidFill>
+                <a:schemeClr val="tx1">
+                  <a:alpha val="64000"/>
+                </a:schemeClr>
+              </a:solidFill>
+              <a:latin typeface="Adobe Arabic" panose="02040503050201020203" charset="0"/>
+              <a:ea typeface="Abadi MT Condensed Light" charset="0"/>
+              <a:cs typeface="Adobe Arabic" panose="02040503050201020203" charset="0"/>
+            </a:endParaRPr>
+          </a:p>
+        </p:txBody>
+      </p:sp>
+      <p:sp>
+        <p:nvSpPr>
+          <p:cNvPr id="83" name="TextBox 82"/>
+          <p:cNvSpPr txBox="1"/>
+          <p:nvPr/>
+        </p:nvSpPr>
+        <p:spPr>
+          <a:xfrm>
+            <a:off x="4648200" y="2184601"/>
+            <a:ext cx="2286000" cy="369332"/>
+          </a:xfrm>
+          <a:prstGeom prst="rect">
+            <a:avLst/>
+          </a:prstGeom>
+          <a:solidFill>
+            <a:schemeClr val="bg2">
+              <a:alpha val="6000"/>
+            </a:schemeClr>
+          </a:solidFill>
+        </p:spPr>
+        <p:txBody>
+          <a:bodyPr wrap="square" rtlCol="0">
+            <a:spAutoFit/>
+          </a:bodyPr>
+          <a:lstStyle/>
+          <a:p>
+            <a:r>
+              <a:rPr lang="en-US" b="1" i="1" dirty="0" smtClean="0">
+                <a:solidFill>
+                  <a:schemeClr val="tx1">
+                    <a:alpha val="64000"/>
+                  </a:schemeClr>
+                </a:solidFill>
+                <a:latin typeface="Adobe Arabic" panose="02040503050201020203" charset="0"/>
+                <a:ea typeface="Abadi MT Condensed Light" charset="0"/>
+                <a:cs typeface="Adobe Arabic" panose="02040503050201020203" charset="0"/>
+              </a:rPr>
+              <a:t>Price: 20|Discount: Gold</a:t>
+            </a:r>
+            <a:endParaRPr lang="en-US" b="1" i="1" dirty="0" smtClean="0">
+              <a:solidFill>
+                <a:schemeClr val="tx1">
+                  <a:alpha val="64000"/>
+                </a:schemeClr>
+              </a:solidFill>
+              <a:latin typeface="Adobe Arabic" panose="02040503050201020203" charset="0"/>
+              <a:ea typeface="Abadi MT Condensed Light" charset="0"/>
+              <a:cs typeface="Adobe Arabic" panose="02040503050201020203" charset="0"/>
+            </a:endParaRPr>
+          </a:p>
+        </p:txBody>
+      </p:sp>
+      <p:sp>
+        <p:nvSpPr>
+          <p:cNvPr id="84" name="TextBox 83"/>
+          <p:cNvSpPr txBox="1"/>
+          <p:nvPr/>
+        </p:nvSpPr>
+        <p:spPr>
+          <a:xfrm>
+            <a:off x="4648200" y="2487687"/>
+            <a:ext cx="733683" cy="369332"/>
+          </a:xfrm>
+          <a:prstGeom prst="rect">
+            <a:avLst/>
+          </a:prstGeom>
+          <a:solidFill>
+            <a:schemeClr val="bg2">
+              <a:alpha val="6000"/>
+            </a:schemeClr>
+          </a:solidFill>
+        </p:spPr>
+        <p:txBody>
+          <a:bodyPr wrap="square" rtlCol="0">
+            <a:spAutoFit/>
+          </a:bodyPr>
+          <a:lstStyle/>
+          <a:p>
+            <a:r>
+              <a:rPr lang="en-US" b="1" i="1" dirty="0" smtClean="0">
+                <a:solidFill>
+                  <a:schemeClr val="tx1">
+                    <a:alpha val="64000"/>
+                  </a:schemeClr>
+                </a:solidFill>
+                <a:latin typeface="Adobe Arabic" panose="02040503050201020203" charset="0"/>
+                <a:ea typeface="Abadi MT Condensed Light" charset="0"/>
+                <a:cs typeface="Adobe Arabic" panose="02040503050201020203" charset="0"/>
+              </a:rPr>
+              <a:t>20%</a:t>
+            </a:r>
+            <a:endParaRPr lang="en-US" b="1" i="1" dirty="0" smtClean="0">
+              <a:solidFill>
+                <a:schemeClr val="tx1">
+                  <a:alpha val="64000"/>
+                </a:schemeClr>
+              </a:solidFill>
+              <a:latin typeface="Adobe Arabic" panose="02040503050201020203" charset="0"/>
+              <a:ea typeface="Abadi MT Condensed Light" charset="0"/>
+              <a:cs typeface="Adobe Arabic" panose="02040503050201020203" charset="0"/>
+            </a:endParaRPr>
+          </a:p>
+        </p:txBody>
+      </p:sp>
+      <p:sp>
+        <p:nvSpPr>
+          <p:cNvPr id="85" name="TextBox 84"/>
+          <p:cNvSpPr txBox="1"/>
+          <p:nvPr/>
+        </p:nvSpPr>
+        <p:spPr>
+          <a:xfrm>
+            <a:off x="4648200" y="2759051"/>
+            <a:ext cx="1009651" cy="369332"/>
+          </a:xfrm>
+          <a:prstGeom prst="rect">
+            <a:avLst/>
+          </a:prstGeom>
+          <a:solidFill>
+            <a:schemeClr val="bg2">
+              <a:alpha val="6000"/>
+            </a:schemeClr>
+          </a:solidFill>
+        </p:spPr>
+        <p:txBody>
+          <a:bodyPr wrap="square" rtlCol="0">
+            <a:spAutoFit/>
+          </a:bodyPr>
+          <a:lstStyle/>
+          <a:p>
+            <a:r>
+              <a:rPr lang="en-US" b="1" i="1" dirty="0" smtClean="0">
+                <a:solidFill>
+                  <a:schemeClr val="tx1">
+                    <a:alpha val="64000"/>
+                  </a:schemeClr>
+                </a:solidFill>
+                <a:latin typeface="Adobe Arabic" panose="02040503050201020203" charset="0"/>
+                <a:ea typeface="Abadi MT Condensed Light" charset="0"/>
+                <a:cs typeface="Adobe Arabic" panose="02040503050201020203" charset="0"/>
+              </a:rPr>
+              <a:t>23000</a:t>
+            </a:r>
+            <a:endParaRPr lang="en-US" b="1" i="1" dirty="0" smtClean="0">
+              <a:solidFill>
+                <a:schemeClr val="tx1">
+                  <a:alpha val="64000"/>
+                </a:schemeClr>
+              </a:solidFill>
+              <a:latin typeface="Adobe Arabic" panose="02040503050201020203" charset="0"/>
+              <a:ea typeface="Abadi MT Condensed Light" charset="0"/>
+              <a:cs typeface="Adobe Arabic" panose="02040503050201020203" charset="0"/>
+            </a:endParaRPr>
+          </a:p>
+        </p:txBody>
+      </p:sp>
+      <p:sp>
+        <p:nvSpPr>
+          <p:cNvPr id="86" name="Rounded Rectangle 85"/>
+          <p:cNvSpPr/>
+          <p:nvPr/>
+        </p:nvSpPr>
+        <p:spPr>
+          <a:xfrm>
+            <a:off x="6892874" y="1143000"/>
+            <a:ext cx="3266039" cy="2286000"/>
+          </a:xfrm>
+          <a:prstGeom prst="roundRect">
+            <a:avLst/>
+          </a:prstGeom>
+          <a:solidFill>
+            <a:schemeClr val="bg2">
+              <a:alpha val="6000"/>
+            </a:schemeClr>
+          </a:solidFill>
+          <a:ln>
+            <a:solidFill>
+              <a:schemeClr val="accent2">
+                <a:lumMod val="50000"/>
+              </a:schemeClr>
+            </a:solidFill>
+          </a:ln>
+        </p:spPr>
+        <p:style>
+          <a:lnRef idx="2">
+            <a:schemeClr val="accent1">
+              <a:shade val="50000"/>
+            </a:schemeClr>
+          </a:lnRef>
+          <a:fillRef idx="1">
+            <a:schemeClr val="accent1"/>
+          </a:fillRef>
+          <a:effectRef idx="0">
+            <a:schemeClr val="accent1"/>
+          </a:effectRef>
+          <a:fontRef idx="minor">
+            <a:schemeClr val="lt1"/>
+          </a:fontRef>
+        </p:style>
+        <p:txBody>
+          <a:bodyPr rtlCol="0" anchor="t"/>
+          <a:lstStyle/>
+          <a:p>
+            <a:r>
+              <a:rPr lang="en-US" sz="2000" dirty="0" err="1" smtClean="0">
+                <a:solidFill>
+                  <a:schemeClr val="tx1">
+                    <a:alpha val="64000"/>
+                  </a:schemeClr>
+                </a:solidFill>
+                <a:latin typeface="Adobe Arabic" panose="02040503050201020203" charset="0"/>
+                <a:ea typeface="Abadi MT Condensed Light" charset="0"/>
+                <a:cs typeface="Adobe Arabic" panose="02040503050201020203" charset="0"/>
+              </a:rPr>
+              <a:t>getPrice</a:t>
+            </a:r>
+            <a:endParaRPr lang="en-US" sz="2000" dirty="0" err="1" smtClean="0">
+              <a:solidFill>
+                <a:schemeClr val="tx1">
+                  <a:alpha val="64000"/>
+                </a:schemeClr>
+              </a:solidFill>
+              <a:latin typeface="Adobe Arabic" panose="02040503050201020203" charset="0"/>
+              <a:ea typeface="Abadi MT Condensed Light" charset="0"/>
+              <a:cs typeface="Adobe Arabic" panose="02040503050201020203" charset="0"/>
+            </a:endParaRPr>
+          </a:p>
+        </p:txBody>
+      </p:sp>
+      <p:sp>
+        <p:nvSpPr>
+          <p:cNvPr id="87" name="Rounded Rectangle 86"/>
+          <p:cNvSpPr/>
+          <p:nvPr/>
+        </p:nvSpPr>
+        <p:spPr>
+          <a:xfrm>
+            <a:off x="7286999" y="1673602"/>
+            <a:ext cx="4524001" cy="1636978"/>
+          </a:xfrm>
+          <a:prstGeom prst="roundRect">
+            <a:avLst/>
+          </a:prstGeom>
+          <a:solidFill>
+            <a:schemeClr val="bg2">
+              <a:alpha val="6000"/>
+            </a:schemeClr>
+          </a:solidFill>
+          <a:ln>
+            <a:noFill/>
+          </a:ln>
+        </p:spPr>
+        <p:style>
+          <a:lnRef idx="2">
+            <a:schemeClr val="accent1">
+              <a:shade val="50000"/>
+            </a:schemeClr>
+          </a:lnRef>
+          <a:fillRef idx="1">
+            <a:schemeClr val="accent1"/>
+          </a:fillRef>
+          <a:effectRef idx="0">
+            <a:schemeClr val="accent1"/>
+          </a:effectRef>
+          <a:fontRef idx="minor">
+            <a:schemeClr val="lt1"/>
+          </a:fontRef>
+        </p:style>
+        <p:txBody>
+          <a:bodyPr rtlCol="0" anchor="ctr"/>
+          <a:lstStyle/>
+          <a:p>
+            <a:r>
+              <a:rPr lang="en-US" dirty="0" err="1">
+                <a:solidFill>
+                  <a:schemeClr val="tx1">
+                    <a:alpha val="64000"/>
+                  </a:schemeClr>
+                </a:solidFill>
+                <a:latin typeface="Adobe Arabic" panose="02040503050201020203" charset="0"/>
+                <a:ea typeface="Abadi MT Condensed Light" charset="0"/>
+                <a:cs typeface="Adobe Arabic" panose="02040503050201020203" charset="0"/>
+              </a:rPr>
+              <a:t>getNonDiscountPrice</a:t>
+            </a:r>
+            <a:r>
+              <a:rPr lang="en-US" dirty="0">
+                <a:solidFill>
+                  <a:schemeClr val="tx1">
+                    <a:alpha val="64000"/>
+                  </a:schemeClr>
+                </a:solidFill>
+                <a:latin typeface="Adobe Arabic" panose="02040503050201020203" charset="0"/>
+                <a:ea typeface="Abadi MT Condensed Light" charset="0"/>
+                <a:cs typeface="Adobe Arabic" panose="02040503050201020203" charset="0"/>
+              </a:rPr>
+              <a:t>()</a:t>
+            </a:r>
+            <a:endParaRPr lang="en-US" dirty="0">
+              <a:solidFill>
+                <a:schemeClr val="tx1">
+                  <a:alpha val="64000"/>
+                </a:schemeClr>
+              </a:solidFill>
+              <a:latin typeface="Adobe Arabic" panose="02040503050201020203" charset="0"/>
+              <a:ea typeface="Abadi MT Condensed Light" charset="0"/>
+              <a:cs typeface="Adobe Arabic" panose="02040503050201020203" charset="0"/>
+            </a:endParaRPr>
+          </a:p>
+          <a:p>
+            <a:r>
+              <a:rPr lang="en-US" dirty="0" err="1">
+                <a:solidFill>
+                  <a:schemeClr val="tx1">
+                    <a:alpha val="64000"/>
+                  </a:schemeClr>
+                </a:solidFill>
+                <a:latin typeface="Adobe Arabic" panose="02040503050201020203" charset="0"/>
+                <a:ea typeface="Abadi MT Condensed Light" charset="0"/>
+                <a:cs typeface="Adobe Arabic" panose="02040503050201020203" charset="0"/>
+              </a:rPr>
+              <a:t>extractData</a:t>
+            </a:r>
+            <a:r>
+              <a:rPr lang="en-US" dirty="0">
+                <a:solidFill>
+                  <a:schemeClr val="tx1">
+                    <a:alpha val="64000"/>
+                  </a:schemeClr>
+                </a:solidFill>
+                <a:latin typeface="Adobe Arabic" panose="02040503050201020203" charset="0"/>
+                <a:ea typeface="Abadi MT Condensed Light" charset="0"/>
+                <a:cs typeface="Adobe Arabic" panose="02040503050201020203" charset="0"/>
+              </a:rPr>
+              <a:t>()</a:t>
+            </a:r>
+            <a:endParaRPr lang="en-US" dirty="0">
+              <a:solidFill>
+                <a:schemeClr val="tx1">
+                  <a:alpha val="64000"/>
+                </a:schemeClr>
+              </a:solidFill>
+              <a:latin typeface="Adobe Arabic" panose="02040503050201020203" charset="0"/>
+              <a:ea typeface="Abadi MT Condensed Light" charset="0"/>
+              <a:cs typeface="Adobe Arabic" panose="02040503050201020203" charset="0"/>
+            </a:endParaRPr>
+          </a:p>
+          <a:p>
+            <a:r>
+              <a:rPr lang="en-US" dirty="0" err="1">
+                <a:solidFill>
+                  <a:schemeClr val="tx1">
+                    <a:alpha val="64000"/>
+                  </a:schemeClr>
+                </a:solidFill>
+                <a:latin typeface="Adobe Arabic" panose="02040503050201020203" charset="0"/>
+                <a:ea typeface="Abadi MT Condensed Light" charset="0"/>
+                <a:cs typeface="Adobe Arabic" panose="02040503050201020203" charset="0"/>
+              </a:rPr>
+              <a:t>getDiscountPercent</a:t>
+            </a:r>
+            <a:r>
+              <a:rPr lang="en-US" dirty="0">
+                <a:solidFill>
+                  <a:schemeClr val="tx1">
+                    <a:alpha val="64000"/>
+                  </a:schemeClr>
+                </a:solidFill>
+                <a:latin typeface="Adobe Arabic" panose="02040503050201020203" charset="0"/>
+                <a:ea typeface="Abadi MT Condensed Light" charset="0"/>
+                <a:cs typeface="Adobe Arabic" panose="02040503050201020203" charset="0"/>
+              </a:rPr>
+              <a:t>()</a:t>
+            </a:r>
+            <a:endParaRPr lang="en-US" dirty="0">
+              <a:solidFill>
+                <a:schemeClr val="tx1">
+                  <a:alpha val="64000"/>
+                </a:schemeClr>
+              </a:solidFill>
+              <a:latin typeface="Adobe Arabic" panose="02040503050201020203" charset="0"/>
+              <a:ea typeface="Abadi MT Condensed Light" charset="0"/>
+              <a:cs typeface="Adobe Arabic" panose="02040503050201020203" charset="0"/>
+            </a:endParaRPr>
+          </a:p>
+          <a:p>
+            <a:r>
+              <a:rPr lang="en-US" dirty="0" err="1">
+                <a:solidFill>
+                  <a:schemeClr val="tx1">
+                    <a:alpha val="64000"/>
+                  </a:schemeClr>
+                </a:solidFill>
+                <a:latin typeface="Adobe Arabic" panose="02040503050201020203" charset="0"/>
+                <a:ea typeface="Abadi MT Condensed Light" charset="0"/>
+                <a:cs typeface="Adobe Arabic" panose="02040503050201020203" charset="0"/>
+              </a:rPr>
+              <a:t>getExchangeCurrency</a:t>
+            </a:r>
+            <a:r>
+              <a:rPr lang="en-US" dirty="0">
+                <a:solidFill>
+                  <a:schemeClr val="tx1">
+                    <a:alpha val="64000"/>
+                  </a:schemeClr>
+                </a:solidFill>
+                <a:latin typeface="Adobe Arabic" panose="02040503050201020203" charset="0"/>
+                <a:ea typeface="Abadi MT Condensed Light" charset="0"/>
+                <a:cs typeface="Adobe Arabic" panose="02040503050201020203" charset="0"/>
+              </a:rPr>
+              <a:t>()</a:t>
+            </a:r>
+            <a:endParaRPr lang="en-US" dirty="0">
+              <a:solidFill>
+                <a:schemeClr val="tx1">
+                  <a:alpha val="64000"/>
+                </a:schemeClr>
+              </a:solidFill>
+              <a:latin typeface="Adobe Arabic" panose="02040503050201020203" charset="0"/>
+              <a:ea typeface="Abadi MT Condensed Light" charset="0"/>
+              <a:cs typeface="Adobe Arabic" panose="02040503050201020203" charset="0"/>
+            </a:endParaRPr>
+          </a:p>
+        </p:txBody>
+      </p:sp>
+      <p:sp>
+        <p:nvSpPr>
+          <p:cNvPr id="88" name="TextBox 87"/>
+          <p:cNvSpPr txBox="1"/>
+          <p:nvPr/>
+        </p:nvSpPr>
+        <p:spPr>
+          <a:xfrm>
+            <a:off x="9296400" y="1828800"/>
+            <a:ext cx="1669711" cy="369332"/>
+          </a:xfrm>
+          <a:prstGeom prst="rect">
+            <a:avLst/>
+          </a:prstGeom>
+          <a:solidFill>
+            <a:schemeClr val="bg2">
+              <a:alpha val="6000"/>
+            </a:schemeClr>
+          </a:solidFill>
+        </p:spPr>
+        <p:txBody>
+          <a:bodyPr wrap="square" rtlCol="0">
+            <a:spAutoFit/>
+          </a:bodyPr>
+          <a:lstStyle/>
+          <a:p>
+            <a:r>
+              <a:rPr lang="en-US" b="1" i="1" dirty="0" smtClean="0">
+                <a:solidFill>
+                  <a:schemeClr val="tx1">
+                    <a:alpha val="64000"/>
+                  </a:schemeClr>
+                </a:solidFill>
+                <a:latin typeface="Adobe Arabic" panose="02040503050201020203" charset="0"/>
+                <a:ea typeface="Abadi MT Condensed Light" charset="0"/>
+                <a:cs typeface="Adobe Arabic" panose="02040503050201020203" charset="0"/>
+              </a:rPr>
+              <a:t>Ebay|20$|Silver</a:t>
+            </a:r>
+            <a:endParaRPr lang="en-US" b="1" i="1" dirty="0" smtClean="0">
+              <a:solidFill>
+                <a:schemeClr val="tx1">
+                  <a:alpha val="64000"/>
+                </a:schemeClr>
+              </a:solidFill>
+              <a:latin typeface="Adobe Arabic" panose="02040503050201020203" charset="0"/>
+              <a:ea typeface="Abadi MT Condensed Light" charset="0"/>
+              <a:cs typeface="Adobe Arabic" panose="02040503050201020203" charset="0"/>
+            </a:endParaRPr>
+          </a:p>
+        </p:txBody>
+      </p:sp>
+      <p:sp>
+        <p:nvSpPr>
+          <p:cNvPr id="89" name="TextBox 88"/>
+          <p:cNvSpPr txBox="1"/>
+          <p:nvPr/>
+        </p:nvSpPr>
+        <p:spPr>
+          <a:xfrm>
+            <a:off x="9296400" y="2108857"/>
+            <a:ext cx="2286000" cy="369332"/>
+          </a:xfrm>
+          <a:prstGeom prst="rect">
+            <a:avLst/>
+          </a:prstGeom>
+          <a:solidFill>
+            <a:schemeClr val="bg2">
+              <a:alpha val="6000"/>
+            </a:schemeClr>
+          </a:solidFill>
+        </p:spPr>
+        <p:txBody>
+          <a:bodyPr wrap="square" rtlCol="0">
+            <a:spAutoFit/>
+          </a:bodyPr>
+          <a:lstStyle/>
+          <a:p>
+            <a:r>
+              <a:rPr lang="en-US" b="1" i="1" dirty="0" smtClean="0">
+                <a:solidFill>
+                  <a:schemeClr val="tx1">
+                    <a:alpha val="64000"/>
+                  </a:schemeClr>
+                </a:solidFill>
+                <a:latin typeface="Adobe Arabic" panose="02040503050201020203" charset="0"/>
+                <a:ea typeface="Abadi MT Condensed Light" charset="0"/>
+                <a:cs typeface="Adobe Arabic" panose="02040503050201020203" charset="0"/>
+              </a:rPr>
+              <a:t>Price: 25|Discount: Silver</a:t>
+            </a:r>
+            <a:endParaRPr lang="en-US" b="1" i="1" dirty="0" smtClean="0">
+              <a:solidFill>
+                <a:schemeClr val="tx1">
+                  <a:alpha val="64000"/>
+                </a:schemeClr>
+              </a:solidFill>
+              <a:latin typeface="Adobe Arabic" panose="02040503050201020203" charset="0"/>
+              <a:ea typeface="Abadi MT Condensed Light" charset="0"/>
+              <a:cs typeface="Adobe Arabic" panose="02040503050201020203" charset="0"/>
+            </a:endParaRPr>
+          </a:p>
+        </p:txBody>
+      </p:sp>
+      <p:sp>
+        <p:nvSpPr>
+          <p:cNvPr id="90" name="TextBox 89"/>
+          <p:cNvSpPr txBox="1"/>
+          <p:nvPr/>
+        </p:nvSpPr>
+        <p:spPr>
+          <a:xfrm>
+            <a:off x="9296400" y="2409373"/>
+            <a:ext cx="733683" cy="369332"/>
+          </a:xfrm>
+          <a:prstGeom prst="rect">
+            <a:avLst/>
+          </a:prstGeom>
+          <a:solidFill>
+            <a:schemeClr val="bg2">
+              <a:alpha val="6000"/>
+            </a:schemeClr>
+          </a:solidFill>
+        </p:spPr>
+        <p:txBody>
+          <a:bodyPr wrap="square" rtlCol="0">
+            <a:spAutoFit/>
+          </a:bodyPr>
+          <a:lstStyle/>
+          <a:p>
+            <a:r>
+              <a:rPr lang="en-US" b="1" i="1" dirty="0" smtClean="0">
+                <a:solidFill>
+                  <a:schemeClr val="tx1">
+                    <a:alpha val="64000"/>
+                  </a:schemeClr>
+                </a:solidFill>
+                <a:latin typeface="Adobe Arabic" panose="02040503050201020203" charset="0"/>
+                <a:ea typeface="Abadi MT Condensed Light" charset="0"/>
+                <a:cs typeface="Adobe Arabic" panose="02040503050201020203" charset="0"/>
+              </a:rPr>
+              <a:t>10%</a:t>
+            </a:r>
+            <a:endParaRPr lang="en-US" b="1" i="1" dirty="0" smtClean="0">
+              <a:solidFill>
+                <a:schemeClr val="tx1">
+                  <a:alpha val="64000"/>
+                </a:schemeClr>
+              </a:solidFill>
+              <a:latin typeface="Adobe Arabic" panose="02040503050201020203" charset="0"/>
+              <a:ea typeface="Abadi MT Condensed Light" charset="0"/>
+              <a:cs typeface="Adobe Arabic" panose="02040503050201020203" charset="0"/>
+            </a:endParaRPr>
+          </a:p>
+        </p:txBody>
+      </p:sp>
+      <p:sp>
+        <p:nvSpPr>
+          <p:cNvPr id="91" name="TextBox 90"/>
+          <p:cNvSpPr txBox="1"/>
+          <p:nvPr/>
+        </p:nvSpPr>
+        <p:spPr>
+          <a:xfrm>
+            <a:off x="9296400" y="2746941"/>
+            <a:ext cx="1009651" cy="369332"/>
+          </a:xfrm>
+          <a:prstGeom prst="rect">
+            <a:avLst/>
+          </a:prstGeom>
+          <a:solidFill>
+            <a:schemeClr val="bg2">
+              <a:alpha val="6000"/>
+            </a:schemeClr>
+          </a:solidFill>
+        </p:spPr>
+        <p:txBody>
+          <a:bodyPr wrap="square" rtlCol="0">
+            <a:spAutoFit/>
+          </a:bodyPr>
+          <a:lstStyle/>
+          <a:p>
+            <a:r>
+              <a:rPr lang="en-US" b="1" i="1" dirty="0" smtClean="0">
+                <a:solidFill>
+                  <a:schemeClr val="tx1">
+                    <a:alpha val="64000"/>
+                  </a:schemeClr>
+                </a:solidFill>
+                <a:latin typeface="Adobe Arabic" panose="02040503050201020203" charset="0"/>
+                <a:ea typeface="Abadi MT Condensed Light" charset="0"/>
+                <a:cs typeface="Adobe Arabic" panose="02040503050201020203" charset="0"/>
+              </a:rPr>
+              <a:t>22500</a:t>
+            </a:r>
+            <a:endParaRPr lang="en-US" b="1" i="1" dirty="0" smtClean="0">
+              <a:solidFill>
+                <a:schemeClr val="tx1">
+                  <a:alpha val="64000"/>
+                </a:schemeClr>
+              </a:solidFill>
+              <a:latin typeface="Adobe Arabic" panose="02040503050201020203" charset="0"/>
+              <a:ea typeface="Abadi MT Condensed Light" charset="0"/>
+              <a:cs typeface="Adobe Arabic" panose="02040503050201020203" charset="0"/>
+            </a:endParaRPr>
+          </a:p>
+        </p:txBody>
+      </p:sp>
+      <p:sp>
+        <p:nvSpPr>
+          <p:cNvPr id="39" name="Rounded Rectangle 38"/>
+          <p:cNvSpPr/>
+          <p:nvPr/>
+        </p:nvSpPr>
+        <p:spPr>
+          <a:xfrm>
+            <a:off x="6196512" y="4632961"/>
+            <a:ext cx="2286000" cy="533400"/>
+          </a:xfrm>
+          <a:prstGeom prst="roundRect">
+            <a:avLst/>
+          </a:prstGeom>
+          <a:noFill/>
+          <a:ln>
+            <a:solidFill>
+              <a:schemeClr val="accent2">
+                <a:lumMod val="50000"/>
+              </a:schemeClr>
+            </a:solidFill>
+          </a:ln>
+        </p:spPr>
+        <p:style>
+          <a:lnRef idx="2">
+            <a:schemeClr val="accent1">
+              <a:shade val="50000"/>
+            </a:schemeClr>
+          </a:lnRef>
+          <a:fillRef idx="1">
+            <a:schemeClr val="accent1"/>
+          </a:fillRef>
+          <a:effectRef idx="0">
+            <a:schemeClr val="accent1"/>
+          </a:effectRef>
+          <a:fontRef idx="minor">
+            <a:schemeClr val="lt1"/>
+          </a:fontRef>
+        </p:style>
+        <p:txBody>
+          <a:bodyPr rtlCol="0" anchor="ctr"/>
+          <a:lstStyle/>
+          <a:p>
+            <a:pPr algn="ctr"/>
+            <a:r>
+              <a:rPr lang="en-US" sz="2000" dirty="0" err="1" smtClean="0">
+                <a:solidFill>
+                  <a:sysClr val="windowText" lastClr="000000"/>
+                </a:solidFill>
+                <a:latin typeface="Adobe Arabic" panose="02040503050201020203" charset="0"/>
+                <a:ea typeface="Abadi MT Condensed Light" charset="0"/>
+                <a:cs typeface="Adobe Arabic" panose="02040503050201020203" charset="0"/>
+              </a:rPr>
+              <a:t>getNonDiscountPrice</a:t>
+            </a:r>
+            <a:r>
+              <a:rPr lang="en-US" sz="2000" dirty="0" smtClean="0">
+                <a:solidFill>
+                  <a:sysClr val="windowText" lastClr="000000"/>
+                </a:solidFill>
+                <a:latin typeface="Adobe Arabic" panose="02040503050201020203" charset="0"/>
+                <a:ea typeface="Abadi MT Condensed Light" charset="0"/>
+                <a:cs typeface="Adobe Arabic" panose="02040503050201020203" charset="0"/>
+              </a:rPr>
+              <a:t>()</a:t>
+            </a:r>
+            <a:endParaRPr lang="en-US" sz="2000" dirty="0">
+              <a:solidFill>
+                <a:sysClr val="windowText" lastClr="000000"/>
+              </a:solidFill>
+              <a:latin typeface="Adobe Arabic" panose="02040503050201020203" charset="0"/>
+              <a:ea typeface="Abadi MT Condensed Light" charset="0"/>
+              <a:cs typeface="Adobe Arabic" panose="02040503050201020203" charset="0"/>
+            </a:endParaRPr>
+          </a:p>
+        </p:txBody>
+      </p:sp>
+      <p:sp>
+        <p:nvSpPr>
+          <p:cNvPr id="40" name="Rounded Rectangle 39"/>
+          <p:cNvSpPr/>
+          <p:nvPr/>
+        </p:nvSpPr>
+        <p:spPr>
+          <a:xfrm>
+            <a:off x="6196512" y="5877561"/>
+            <a:ext cx="2286000" cy="533400"/>
+          </a:xfrm>
+          <a:prstGeom prst="roundRect">
+            <a:avLst/>
+          </a:prstGeom>
+          <a:noFill/>
+          <a:ln>
+            <a:solidFill>
+              <a:schemeClr val="accent2">
+                <a:lumMod val="50000"/>
+              </a:schemeClr>
+            </a:solidFill>
+          </a:ln>
+        </p:spPr>
+        <p:style>
+          <a:lnRef idx="2">
+            <a:schemeClr val="accent1">
+              <a:shade val="50000"/>
+            </a:schemeClr>
+          </a:lnRef>
+          <a:fillRef idx="1">
+            <a:schemeClr val="accent1"/>
+          </a:fillRef>
+          <a:effectRef idx="0">
+            <a:schemeClr val="accent1"/>
+          </a:effectRef>
+          <a:fontRef idx="minor">
+            <a:schemeClr val="lt1"/>
+          </a:fontRef>
+        </p:style>
+        <p:txBody>
+          <a:bodyPr rtlCol="0" anchor="ctr"/>
+          <a:lstStyle/>
+          <a:p>
+            <a:pPr algn="ctr"/>
+            <a:r>
+              <a:rPr lang="en-US" sz="2000" dirty="0" err="1" smtClean="0">
+                <a:solidFill>
+                  <a:sysClr val="windowText" lastClr="000000"/>
+                </a:solidFill>
+                <a:latin typeface="Adobe Arabic" panose="02040503050201020203" charset="0"/>
+                <a:ea typeface="Abadi MT Condensed Light" charset="0"/>
+                <a:cs typeface="Adobe Arabic" panose="02040503050201020203" charset="0"/>
+              </a:rPr>
+              <a:t>extractData</a:t>
+            </a:r>
+            <a:r>
+              <a:rPr lang="en-US" sz="2000" dirty="0" smtClean="0">
+                <a:solidFill>
+                  <a:sysClr val="windowText" lastClr="000000"/>
+                </a:solidFill>
+                <a:latin typeface="Adobe Arabic" panose="02040503050201020203" charset="0"/>
+                <a:ea typeface="Abadi MT Condensed Light" charset="0"/>
+                <a:cs typeface="Adobe Arabic" panose="02040503050201020203" charset="0"/>
+              </a:rPr>
+              <a:t>()</a:t>
+            </a:r>
+            <a:endParaRPr lang="en-US" sz="2000" dirty="0">
+              <a:solidFill>
+                <a:sysClr val="windowText" lastClr="000000"/>
+              </a:solidFill>
+              <a:latin typeface="Adobe Arabic" panose="02040503050201020203" charset="0"/>
+              <a:ea typeface="Abadi MT Condensed Light" charset="0"/>
+              <a:cs typeface="Adobe Arabic" panose="02040503050201020203" charset="0"/>
+            </a:endParaRPr>
+          </a:p>
+        </p:txBody>
+      </p:sp>
+      <p:cxnSp>
+        <p:nvCxnSpPr>
+          <p:cNvPr id="41" name="Straight Arrow Connector 40"/>
+          <p:cNvCxnSpPr>
+            <a:stCxn id="40" idx="2"/>
+            <a:endCxn id="44" idx="0"/>
+          </p:cNvCxnSpPr>
+          <p:nvPr/>
+        </p:nvCxnSpPr>
+        <p:spPr>
+          <a:xfrm>
+            <a:off x="7339512" y="5166361"/>
+            <a:ext cx="0" cy="711200"/>
+          </a:xfrm>
+          <a:prstGeom prst="straightConnector1">
+            <a:avLst/>
+          </a:prstGeom>
+          <a:ln>
+            <a:solidFill>
+              <a:schemeClr val="accent2">
+                <a:lumMod val="50000"/>
+              </a:schemeClr>
+            </a:solidFill>
+            <a:tailEnd type="triangle"/>
+          </a:ln>
+        </p:spPr>
+        <p:style>
+          <a:lnRef idx="1">
+            <a:schemeClr val="accent1"/>
+          </a:lnRef>
+          <a:fillRef idx="0">
+            <a:schemeClr val="accent1"/>
+          </a:fillRef>
+          <a:effectRef idx="0">
+            <a:schemeClr val="accent1"/>
+          </a:effectRef>
+          <a:fontRef idx="minor">
+            <a:schemeClr val="tx1"/>
+          </a:fontRef>
+        </p:style>
+      </p:cxnSp>
+      <p:sp>
+        <p:nvSpPr>
+          <p:cNvPr id="42" name="Rounded Rectangle 41"/>
+          <p:cNvSpPr/>
+          <p:nvPr/>
+        </p:nvSpPr>
+        <p:spPr>
+          <a:xfrm>
+            <a:off x="9015913" y="4632961"/>
+            <a:ext cx="2286000" cy="533400"/>
+          </a:xfrm>
+          <a:prstGeom prst="roundRect">
+            <a:avLst/>
+          </a:prstGeom>
+          <a:noFill/>
+          <a:ln>
+            <a:solidFill>
+              <a:schemeClr val="accent2">
+                <a:lumMod val="50000"/>
+              </a:schemeClr>
+            </a:solidFill>
+          </a:ln>
+        </p:spPr>
+        <p:style>
+          <a:lnRef idx="2">
+            <a:schemeClr val="accent1">
+              <a:shade val="50000"/>
+            </a:schemeClr>
+          </a:lnRef>
+          <a:fillRef idx="1">
+            <a:schemeClr val="accent1"/>
+          </a:fillRef>
+          <a:effectRef idx="0">
+            <a:schemeClr val="accent1"/>
+          </a:effectRef>
+          <a:fontRef idx="minor">
+            <a:schemeClr val="lt1"/>
+          </a:fontRef>
+        </p:style>
+        <p:txBody>
+          <a:bodyPr rtlCol="0" anchor="ctr"/>
+          <a:lstStyle/>
+          <a:p>
+            <a:pPr algn="ctr"/>
+            <a:r>
+              <a:rPr lang="en-US" sz="2000" dirty="0" err="1" smtClean="0">
+                <a:solidFill>
+                  <a:sysClr val="windowText" lastClr="000000"/>
+                </a:solidFill>
+                <a:latin typeface="Adobe Arabic" panose="02040503050201020203" charset="0"/>
+                <a:ea typeface="Abadi MT Condensed Light" charset="0"/>
+                <a:cs typeface="Adobe Arabic" panose="02040503050201020203" charset="0"/>
+              </a:rPr>
+              <a:t>getExchangeCurrency</a:t>
+            </a:r>
+            <a:r>
+              <a:rPr lang="en-US" sz="2000" dirty="0" smtClean="0">
+                <a:solidFill>
+                  <a:sysClr val="windowText" lastClr="000000"/>
+                </a:solidFill>
+                <a:latin typeface="Adobe Arabic" panose="02040503050201020203" charset="0"/>
+                <a:ea typeface="Abadi MT Condensed Light" charset="0"/>
+                <a:cs typeface="Adobe Arabic" panose="02040503050201020203" charset="0"/>
+              </a:rPr>
+              <a:t>()</a:t>
+            </a:r>
+            <a:endParaRPr lang="en-US" sz="2000" dirty="0">
+              <a:solidFill>
+                <a:sysClr val="windowText" lastClr="000000"/>
+              </a:solidFill>
+              <a:latin typeface="Adobe Arabic" panose="02040503050201020203" charset="0"/>
+              <a:ea typeface="Abadi MT Condensed Light" charset="0"/>
+              <a:cs typeface="Adobe Arabic" panose="02040503050201020203" charset="0"/>
+            </a:endParaRPr>
+          </a:p>
+        </p:txBody>
+      </p:sp>
+      <p:cxnSp>
+        <p:nvCxnSpPr>
+          <p:cNvPr id="44" name="Curved Connector 43"/>
+          <p:cNvCxnSpPr>
+            <a:stCxn id="40" idx="0"/>
+          </p:cNvCxnSpPr>
+          <p:nvPr/>
+        </p:nvCxnSpPr>
+        <p:spPr>
+          <a:xfrm rot="5400000" flipH="1" flipV="1">
+            <a:off x="8749212" y="3223261"/>
+            <a:ext cx="12700" cy="2819401"/>
+          </a:xfrm>
+          <a:prstGeom prst="curvedConnector3">
+            <a:avLst>
+              <a:gd name="adj1" fmla="val 1800000"/>
+            </a:avLst>
+          </a:prstGeom>
+          <a:ln>
+            <a:solidFill>
+              <a:schemeClr val="accent2">
+                <a:lumMod val="50000"/>
+              </a:schemeClr>
+            </a:solidFill>
+            <a:tailEnd type="triangle"/>
+          </a:ln>
+        </p:spPr>
+        <p:style>
+          <a:lnRef idx="1">
+            <a:schemeClr val="accent1"/>
+          </a:lnRef>
+          <a:fillRef idx="0">
+            <a:schemeClr val="accent1"/>
+          </a:fillRef>
+          <a:effectRef idx="0">
+            <a:schemeClr val="accent1"/>
+          </a:effectRef>
+          <a:fontRef idx="minor">
+            <a:schemeClr val="tx1"/>
+          </a:fontRef>
+        </p:style>
+      </p:cxnSp>
+      <p:sp>
+        <p:nvSpPr>
+          <p:cNvPr id="45" name="Rectangle 44"/>
+          <p:cNvSpPr/>
+          <p:nvPr/>
+        </p:nvSpPr>
+        <p:spPr>
+          <a:xfrm>
+            <a:off x="6486057" y="3782714"/>
+            <a:ext cx="1706910" cy="457200"/>
+          </a:xfrm>
+          <a:prstGeom prst="rect">
+            <a:avLst/>
+          </a:prstGeom>
+          <a:noFill/>
+          <a:ln>
+            <a:noFill/>
+          </a:ln>
+        </p:spPr>
+        <p:style>
+          <a:lnRef idx="2">
+            <a:schemeClr val="accent1">
+              <a:shade val="50000"/>
+            </a:schemeClr>
+          </a:lnRef>
+          <a:fillRef idx="1">
+            <a:schemeClr val="accent1"/>
+          </a:fillRef>
+          <a:effectRef idx="0">
+            <a:schemeClr val="accent1"/>
+          </a:effectRef>
+          <a:fontRef idx="minor">
+            <a:schemeClr val="lt1"/>
+          </a:fontRef>
+        </p:style>
+        <p:txBody>
+          <a:bodyPr rtlCol="0" anchor="ctr"/>
+          <a:lstStyle/>
+          <a:p>
+            <a:pPr algn="ctr"/>
+            <a:r>
+              <a:rPr lang="en-US" b="1" dirty="0" smtClean="0">
+                <a:solidFill>
+                  <a:schemeClr val="tx1"/>
+                </a:solidFill>
+                <a:latin typeface="Adobe Arabic" panose="02040503050201020203" charset="0"/>
+                <a:ea typeface="Abadi MT Condensed Light" charset="0"/>
+                <a:cs typeface="Adobe Arabic" panose="02040503050201020203" charset="0"/>
+              </a:rPr>
+              <a:t>Separate </a:t>
+            </a:r>
+            <a:endParaRPr lang="en-US" b="1" dirty="0" smtClean="0">
+              <a:solidFill>
+                <a:schemeClr val="tx1"/>
+              </a:solidFill>
+              <a:latin typeface="Adobe Arabic" panose="02040503050201020203" charset="0"/>
+              <a:ea typeface="Abadi MT Condensed Light" charset="0"/>
+              <a:cs typeface="Adobe Arabic" panose="02040503050201020203" charset="0"/>
+            </a:endParaRPr>
+          </a:p>
+          <a:p>
+            <a:pPr algn="ctr"/>
+            <a:r>
+              <a:rPr lang="en-US" b="1" dirty="0" smtClean="0">
+                <a:solidFill>
+                  <a:schemeClr val="tx1"/>
+                </a:solidFill>
+                <a:latin typeface="Adobe Arabic" panose="02040503050201020203" charset="0"/>
+                <a:ea typeface="Abadi MT Condensed Light" charset="0"/>
+                <a:cs typeface="Adobe Arabic" panose="02040503050201020203" charset="0"/>
+              </a:rPr>
+              <a:t>Thread 1 </a:t>
+            </a:r>
+            <a:endParaRPr lang="en-US" b="1" dirty="0">
+              <a:solidFill>
+                <a:schemeClr val="tx1"/>
+              </a:solidFill>
+              <a:latin typeface="Adobe Arabic" panose="02040503050201020203" charset="0"/>
+              <a:ea typeface="Abadi MT Condensed Light" charset="0"/>
+              <a:cs typeface="Adobe Arabic" panose="02040503050201020203" charset="0"/>
+            </a:endParaRPr>
+          </a:p>
+        </p:txBody>
+      </p:sp>
+      <p:sp>
+        <p:nvSpPr>
+          <p:cNvPr id="47" name="Rectangle 46"/>
+          <p:cNvSpPr/>
+          <p:nvPr/>
+        </p:nvSpPr>
+        <p:spPr>
+          <a:xfrm>
+            <a:off x="9277800" y="3782714"/>
+            <a:ext cx="1706910" cy="457200"/>
+          </a:xfrm>
+          <a:prstGeom prst="rect">
+            <a:avLst/>
+          </a:prstGeom>
+          <a:noFill/>
+          <a:ln>
+            <a:noFill/>
+          </a:ln>
+        </p:spPr>
+        <p:style>
+          <a:lnRef idx="2">
+            <a:schemeClr val="accent1">
+              <a:shade val="50000"/>
+            </a:schemeClr>
+          </a:lnRef>
+          <a:fillRef idx="1">
+            <a:schemeClr val="accent1"/>
+          </a:fillRef>
+          <a:effectRef idx="0">
+            <a:schemeClr val="accent1"/>
+          </a:effectRef>
+          <a:fontRef idx="minor">
+            <a:schemeClr val="lt1"/>
+          </a:fontRef>
+        </p:style>
+        <p:txBody>
+          <a:bodyPr rtlCol="0" anchor="ctr"/>
+          <a:lstStyle/>
+          <a:p>
+            <a:pPr algn="ctr"/>
+            <a:r>
+              <a:rPr lang="en-US" b="1" dirty="0" smtClean="0">
+                <a:solidFill>
+                  <a:schemeClr val="tx1"/>
+                </a:solidFill>
+                <a:latin typeface="Adobe Arabic" panose="02040503050201020203" charset="0"/>
+                <a:ea typeface="Abadi MT Condensed Light" charset="0"/>
+                <a:cs typeface="Adobe Arabic" panose="02040503050201020203" charset="0"/>
+              </a:rPr>
+              <a:t>Separate </a:t>
+            </a:r>
+            <a:endParaRPr lang="en-US" b="1" dirty="0" smtClean="0">
+              <a:solidFill>
+                <a:schemeClr val="tx1"/>
+              </a:solidFill>
+              <a:latin typeface="Adobe Arabic" panose="02040503050201020203" charset="0"/>
+              <a:ea typeface="Abadi MT Condensed Light" charset="0"/>
+              <a:cs typeface="Adobe Arabic" panose="02040503050201020203" charset="0"/>
+            </a:endParaRPr>
+          </a:p>
+          <a:p>
+            <a:pPr algn="ctr"/>
+            <a:r>
+              <a:rPr lang="en-US" b="1" dirty="0" smtClean="0">
+                <a:solidFill>
+                  <a:schemeClr val="tx1"/>
+                </a:solidFill>
+                <a:latin typeface="Adobe Arabic" panose="02040503050201020203" charset="0"/>
+                <a:ea typeface="Abadi MT Condensed Light" charset="0"/>
+                <a:cs typeface="Adobe Arabic" panose="02040503050201020203" charset="0"/>
+              </a:rPr>
+              <a:t>Thread 2</a:t>
+            </a:r>
+            <a:endParaRPr lang="en-US" b="1" dirty="0">
+              <a:solidFill>
+                <a:schemeClr val="tx1"/>
+              </a:solidFill>
+              <a:latin typeface="Adobe Arabic" panose="02040503050201020203" charset="0"/>
+              <a:ea typeface="Abadi MT Condensed Light" charset="0"/>
+              <a:cs typeface="Adobe Arabic" panose="02040503050201020203" charset="0"/>
+            </a:endParaRPr>
+          </a:p>
+        </p:txBody>
+      </p:sp>
+      <p:sp>
+        <p:nvSpPr>
+          <p:cNvPr id="48" name="Rectangle 47"/>
+          <p:cNvSpPr/>
+          <p:nvPr/>
+        </p:nvSpPr>
+        <p:spPr>
+          <a:xfrm>
+            <a:off x="7954071" y="4060467"/>
+            <a:ext cx="1706910" cy="457200"/>
+          </a:xfrm>
+          <a:prstGeom prst="rect">
+            <a:avLst/>
+          </a:prstGeom>
+          <a:noFill/>
+          <a:ln>
+            <a:noFill/>
+          </a:ln>
+        </p:spPr>
+        <p:style>
+          <a:lnRef idx="2">
+            <a:schemeClr val="accent1">
+              <a:shade val="50000"/>
+            </a:schemeClr>
+          </a:lnRef>
+          <a:fillRef idx="1">
+            <a:schemeClr val="accent1"/>
+          </a:fillRef>
+          <a:effectRef idx="0">
+            <a:schemeClr val="accent1"/>
+          </a:effectRef>
+          <a:fontRef idx="minor">
+            <a:schemeClr val="lt1"/>
+          </a:fontRef>
+        </p:style>
+        <p:txBody>
+          <a:bodyPr rtlCol="0" anchor="ctr"/>
+          <a:lstStyle/>
+          <a:p>
+            <a:pPr algn="ctr"/>
+            <a:r>
+              <a:rPr lang="en-US" b="1" dirty="0" smtClean="0">
+                <a:solidFill>
+                  <a:srgbClr val="D78000"/>
+                </a:solidFill>
+                <a:latin typeface="Adobe Arabic" panose="02040503050201020203" charset="0"/>
+                <a:ea typeface="Abadi MT Condensed Light" charset="0"/>
+                <a:cs typeface="Adobe Arabic" panose="02040503050201020203" charset="0"/>
+              </a:rPr>
+              <a:t>Asynchronous</a:t>
+            </a:r>
+            <a:endParaRPr lang="en-US" b="1" dirty="0" smtClean="0">
+              <a:solidFill>
+                <a:srgbClr val="D78000"/>
+              </a:solidFill>
+              <a:latin typeface="Adobe Arabic" panose="02040503050201020203" charset="0"/>
+              <a:ea typeface="Abadi MT Condensed Light" charset="0"/>
+              <a:cs typeface="Adobe Arabic" panose="02040503050201020203" charset="0"/>
+            </a:endParaRPr>
+          </a:p>
+        </p:txBody>
+      </p:sp>
+      <p:sp>
+        <p:nvSpPr>
+          <p:cNvPr id="49" name="Rectangle 48"/>
+          <p:cNvSpPr/>
+          <p:nvPr/>
+        </p:nvSpPr>
+        <p:spPr>
+          <a:xfrm>
+            <a:off x="7048652" y="5330808"/>
+            <a:ext cx="1706910" cy="457200"/>
+          </a:xfrm>
+          <a:prstGeom prst="rect">
+            <a:avLst/>
+          </a:prstGeom>
+          <a:noFill/>
+          <a:ln>
+            <a:noFill/>
+          </a:ln>
+        </p:spPr>
+        <p:style>
+          <a:lnRef idx="2">
+            <a:schemeClr val="accent1">
+              <a:shade val="50000"/>
+            </a:schemeClr>
+          </a:lnRef>
+          <a:fillRef idx="1">
+            <a:schemeClr val="accent1"/>
+          </a:fillRef>
+          <a:effectRef idx="0">
+            <a:schemeClr val="accent1"/>
+          </a:effectRef>
+          <a:fontRef idx="minor">
+            <a:schemeClr val="lt1"/>
+          </a:fontRef>
+        </p:style>
+        <p:txBody>
+          <a:bodyPr rtlCol="0" anchor="ctr"/>
+          <a:lstStyle/>
+          <a:p>
+            <a:pPr algn="ctr"/>
+            <a:r>
+              <a:rPr lang="en-US" b="1" dirty="0" smtClean="0">
+                <a:solidFill>
+                  <a:srgbClr val="D78000"/>
+                </a:solidFill>
+                <a:latin typeface="Adobe Arabic" panose="02040503050201020203" charset="0"/>
+                <a:ea typeface="Abadi MT Condensed Light" charset="0"/>
+                <a:cs typeface="Adobe Arabic" panose="02040503050201020203" charset="0"/>
+              </a:rPr>
+              <a:t>Synchronous</a:t>
+            </a:r>
+            <a:endParaRPr lang="en-US" b="1" dirty="0" smtClean="0">
+              <a:solidFill>
+                <a:srgbClr val="D78000"/>
+              </a:solidFill>
+              <a:latin typeface="Adobe Arabic" panose="02040503050201020203" charset="0"/>
+              <a:ea typeface="Abadi MT Condensed Light" charset="0"/>
+              <a:cs typeface="Adobe Arabic" panose="02040503050201020203" charset="0"/>
+            </a:endParaRPr>
+          </a:p>
+        </p:txBody>
+      </p:sp>
+      <p:sp>
+        <p:nvSpPr>
+          <p:cNvPr id="50" name="Rectangle 49"/>
+          <p:cNvSpPr/>
+          <p:nvPr/>
+        </p:nvSpPr>
+        <p:spPr>
+          <a:xfrm>
+            <a:off x="698872" y="5102467"/>
+            <a:ext cx="6194001" cy="369332"/>
+          </a:xfrm>
+          <a:prstGeom prst="rect">
+            <a:avLst/>
+          </a:prstGeom>
+        </p:spPr>
+        <p:txBody>
+          <a:bodyPr wrap="square">
+            <a:spAutoFit/>
+          </a:bodyPr>
+          <a:lstStyle/>
+          <a:p>
+            <a:r>
+              <a:rPr lang="en-US" b="1" i="1" strike="sngStrike" dirty="0" smtClean="0">
+                <a:solidFill>
+                  <a:srgbClr val="333333"/>
+                </a:solidFill>
+                <a:latin typeface="raleway" charset="0"/>
+              </a:rPr>
+              <a:t>4. </a:t>
+            </a:r>
+            <a:r>
+              <a:rPr lang="en-US" b="1" i="1" strike="sngStrike" dirty="0"/>
+              <a:t>Multiple Futures </a:t>
+            </a:r>
+            <a:r>
+              <a:rPr lang="en-US" b="1" i="1" strike="sngStrike" dirty="0" smtClean="0"/>
+              <a:t>combine </a:t>
+            </a:r>
+            <a:r>
+              <a:rPr lang="en-US" b="1" i="1" strike="sngStrike" dirty="0" smtClean="0"/>
+              <a:t>(Asynchronous)</a:t>
+            </a:r>
+            <a:endParaRPr lang="en-US" b="1" i="1" strike="sngStrike" dirty="0" smtClean="0"/>
+          </a:p>
+        </p:txBody>
+      </p:sp>
+      <p:sp>
+        <p:nvSpPr>
+          <p:cNvPr id="51" name="Rectangle 50"/>
+          <p:cNvSpPr/>
+          <p:nvPr/>
+        </p:nvSpPr>
+        <p:spPr>
+          <a:xfrm>
+            <a:off x="683895" y="4263390"/>
+            <a:ext cx="5044440" cy="368300"/>
+          </a:xfrm>
+          <a:prstGeom prst="rect">
+            <a:avLst/>
+          </a:prstGeom>
+        </p:spPr>
+        <p:txBody>
+          <a:bodyPr wrap="square">
+            <a:spAutoFit/>
+          </a:bodyPr>
+          <a:lstStyle/>
+          <a:p>
+            <a:r>
+              <a:rPr lang="en-US" b="1" i="1" strike="sngStrike" dirty="0">
+                <a:solidFill>
+                  <a:srgbClr val="333333"/>
+                </a:solidFill>
+                <a:latin typeface="raleway" charset="0"/>
+              </a:rPr>
+              <a:t>2</a:t>
+            </a:r>
+            <a:r>
+              <a:rPr lang="en-US" b="1" i="1" strike="sngStrike" dirty="0" smtClean="0">
+                <a:solidFill>
+                  <a:srgbClr val="333333"/>
+                </a:solidFill>
+                <a:latin typeface="raleway" charset="0"/>
+              </a:rPr>
+              <a:t>. </a:t>
+            </a:r>
+            <a:r>
+              <a:rPr lang="en-US" b="1" i="1" strike="sngStrike" dirty="0" smtClean="0"/>
+              <a:t>Manually Completed</a:t>
+            </a:r>
+            <a:endParaRPr lang="en-US" b="1" i="1" strike="sngStrike" dirty="0" smtClean="0"/>
+          </a:p>
+        </p:txBody>
+      </p:sp>
+      <p:sp>
+        <p:nvSpPr>
+          <p:cNvPr id="52" name="Rectangle 51"/>
+          <p:cNvSpPr/>
+          <p:nvPr/>
+        </p:nvSpPr>
+        <p:spPr>
+          <a:xfrm>
+            <a:off x="699135" y="3850640"/>
+            <a:ext cx="3165475" cy="368300"/>
+          </a:xfrm>
+          <a:prstGeom prst="rect">
+            <a:avLst/>
+          </a:prstGeom>
+        </p:spPr>
+        <p:txBody>
+          <a:bodyPr wrap="square">
+            <a:spAutoFit/>
+          </a:bodyPr>
+          <a:lstStyle/>
+          <a:p>
+            <a:r>
+              <a:rPr lang="en-US" b="1" i="1" dirty="0" smtClean="0">
+                <a:solidFill>
+                  <a:srgbClr val="333333"/>
+                </a:solidFill>
+                <a:latin typeface="raleway" charset="0"/>
+              </a:rPr>
+              <a:t>1. </a:t>
+            </a:r>
+            <a:r>
+              <a:rPr lang="en-US" b="1" i="1" dirty="0" smtClean="0"/>
+              <a:t>Blocking</a:t>
+            </a:r>
+            <a:endParaRPr lang="en-US" b="1" i="1" u="none" strike="noStrike" dirty="0">
+              <a:solidFill>
+                <a:srgbClr val="333333"/>
+              </a:solidFill>
+              <a:effectLst/>
+              <a:latin typeface="raleway" charset="0"/>
+            </a:endParaRPr>
+          </a:p>
+        </p:txBody>
+      </p:sp>
+      <p:sp>
+        <p:nvSpPr>
+          <p:cNvPr id="53" name="Rounded Rectangle 52"/>
+          <p:cNvSpPr/>
+          <p:nvPr/>
+        </p:nvSpPr>
+        <p:spPr>
+          <a:xfrm>
+            <a:off x="7467600" y="202872"/>
+            <a:ext cx="2286000" cy="533400"/>
+          </a:xfrm>
+          <a:prstGeom prst="roundRect">
+            <a:avLst/>
+          </a:prstGeom>
+          <a:noFill/>
+          <a:ln>
+            <a:noFill/>
+          </a:ln>
+        </p:spPr>
+        <p:style>
+          <a:lnRef idx="2">
+            <a:schemeClr val="accent1">
+              <a:shade val="50000"/>
+            </a:schemeClr>
+          </a:lnRef>
+          <a:fillRef idx="1">
+            <a:schemeClr val="accent1"/>
+          </a:fillRef>
+          <a:effectRef idx="0">
+            <a:schemeClr val="accent1"/>
+          </a:effectRef>
+          <a:fontRef idx="minor">
+            <a:schemeClr val="lt1"/>
+          </a:fontRef>
+        </p:style>
+        <p:txBody>
+          <a:bodyPr rtlCol="0" anchor="ctr"/>
+          <a:lstStyle/>
+          <a:p>
+            <a:pPr algn="ctr"/>
+            <a:r>
+              <a:rPr lang="en-US" sz="2400" b="1" smtClean="0">
+                <a:solidFill>
+                  <a:sysClr val="windowText" lastClr="000000"/>
+                </a:solidFill>
+                <a:latin typeface="Abadi MT Condensed Light" charset="0"/>
+                <a:ea typeface="Abadi MT Condensed Light" charset="0"/>
+                <a:cs typeface="Abadi MT Condensed Light" charset="0"/>
+              </a:rPr>
+              <a:t>Executor Thread</a:t>
+            </a:r>
+            <a:endParaRPr lang="en-US" sz="2400" b="1" dirty="0">
+              <a:solidFill>
+                <a:sysClr val="windowText" lastClr="000000"/>
+              </a:solidFill>
+              <a:latin typeface="Abadi MT Condensed Light" charset="0"/>
+              <a:ea typeface="Abadi MT Condensed Light" charset="0"/>
+              <a:cs typeface="Abadi MT Condensed Light" charset="0"/>
             </a:endParaRPr>
           </a:p>
         </p:txBody>
@@ -10407,6 +10450,62 @@
       </p:grpSpPr>
       <p:sp>
         <p:nvSpPr>
+          <p:cNvPr id="68" name="Rounded Rectangle 67"/>
+          <p:cNvSpPr/>
+          <p:nvPr/>
+        </p:nvSpPr>
+        <p:spPr>
+          <a:xfrm>
+            <a:off x="6739693" y="3581400"/>
+            <a:ext cx="4226418" cy="2925885"/>
+          </a:xfrm>
+          <a:prstGeom prst="roundRect">
+            <a:avLst/>
+          </a:prstGeom>
+          <a:solidFill>
+            <a:schemeClr val="bg2">
+              <a:alpha val="36000"/>
+            </a:schemeClr>
+          </a:solidFill>
+          <a:ln>
+            <a:solidFill>
+              <a:schemeClr val="tx1">
+                <a:lumMod val="20000"/>
+                <a:lumOff val="80000"/>
+              </a:schemeClr>
+            </a:solidFill>
+          </a:ln>
+        </p:spPr>
+        <p:style>
+          <a:lnRef idx="2">
+            <a:schemeClr val="accent1">
+              <a:shade val="50000"/>
+            </a:schemeClr>
+          </a:lnRef>
+          <a:fillRef idx="1">
+            <a:schemeClr val="accent1"/>
+          </a:fillRef>
+          <a:effectRef idx="0">
+            <a:schemeClr val="accent1"/>
+          </a:effectRef>
+          <a:fontRef idx="minor">
+            <a:schemeClr val="lt1"/>
+          </a:fontRef>
+        </p:style>
+        <p:txBody>
+          <a:bodyPr rtlCol="0" anchor="ctr"/>
+          <a:lstStyle/>
+          <a:p>
+            <a:pPr algn="ctr"/>
+            <a:endParaRPr lang="en-US">
+              <a:latin typeface="Adobe Arabic" panose="02040503050201020203" charset="0"/>
+              <a:cs typeface="Adobe Arabic" panose="02040503050201020203" charset="0"/>
+            </a:endParaRPr>
+          </a:p>
+        </p:txBody>
+      </p:sp>
+      <p:sp>
+        <p:nvSpPr>
           <p:cNvPr id="35" name="Rounded Rectangle 34"/>
           <p:cNvSpPr/>
           <p:nvPr/>
@@ -10660,21 +10759,21 @@
                     <a:alpha val="64000"/>
                   </a:schemeClr>
                 </a:solidFill>
-                <a:latin typeface="Abadi MT Condensed Light" charset="0"/>
+                <a:latin typeface="Adobe Arabic" panose="02040503050201020203" charset="0"/>
                 <a:ea typeface="Abadi MT Condensed Light" charset="0"/>
-                <a:cs typeface="Abadi MT Condensed Light" charset="0"/>
+                <a:cs typeface="Adobe Arabic" panose="02040503050201020203" charset="0"/>
               </a:rPr>
               <a:t>getPrice</a:t>
             </a:r>
-            <a:endParaRPr lang="en-US" sz="2000" dirty="0">
+            <a:endParaRPr lang="en-US" sz="2000" dirty="0" err="1" smtClean="0">
               <a:solidFill>
                 <a:schemeClr val="tx1">
                   <a:alpha val="64000"/>
                 </a:schemeClr>
               </a:solidFill>
-              <a:latin typeface="Abadi MT Condensed Light" charset="0"/>
+              <a:latin typeface="Adobe Arabic" panose="02040503050201020203" charset="0"/>
               <a:ea typeface="Abadi MT Condensed Light" charset="0"/>
-              <a:cs typeface="Abadi MT Condensed Light" charset="0"/>
+              <a:cs typeface="Adobe Arabic" panose="02040503050201020203" charset="0"/>
             </a:endParaRPr>
           </a:p>
         </p:txBody>
@@ -10688,7 +10787,7 @@
         <p:spPr>
           <a:xfrm>
             <a:off x="3381117" y="874248"/>
-            <a:ext cx="1201696" cy="369332"/>
+            <a:ext cx="1201696" cy="368300"/>
           </a:xfrm>
           <a:prstGeom prst="rect">
             <a:avLst/>
@@ -10712,21 +10811,21 @@
                     <a:alpha val="64000"/>
                   </a:schemeClr>
                 </a:solidFill>
-                <a:latin typeface="Abadi MT Condensed Light" charset="0"/>
+                <a:latin typeface="Adobe Arabic" panose="02040503050201020203" charset="0"/>
                 <a:ea typeface="Abadi MT Condensed Light" charset="0"/>
-                <a:cs typeface="Abadi MT Condensed Light" charset="0"/>
+                <a:cs typeface="Adobe Arabic" panose="02040503050201020203" charset="0"/>
               </a:rPr>
               <a:t>iphone11</a:t>
             </a:r>
-            <a:endParaRPr lang="en-US" b="1" i="1" dirty="0">
+            <a:endParaRPr lang="en-US" b="1" i="1" dirty="0" smtClean="0">
               <a:solidFill>
                 <a:schemeClr val="tx1">
                   <a:alpha val="64000"/>
                 </a:schemeClr>
               </a:solidFill>
-              <a:latin typeface="Abadi MT Condensed Light" charset="0"/>
+              <a:latin typeface="Adobe Arabic" panose="02040503050201020203" charset="0"/>
               <a:ea typeface="Abadi MT Condensed Light" charset="0"/>
-              <a:cs typeface="Abadi MT Condensed Light" charset="0"/>
+              <a:cs typeface="Adobe Arabic" panose="02040503050201020203" charset="0"/>
             </a:endParaRPr>
           </a:p>
         </p:txBody>
@@ -10764,21 +10863,21 @@
                     <a:alpha val="64000"/>
                   </a:schemeClr>
                 </a:solidFill>
-                <a:latin typeface="Abadi MT Condensed Light" charset="0"/>
+                <a:latin typeface="Adobe Arabic" panose="02040503050201020203" charset="0"/>
                 <a:ea typeface="Abadi MT Condensed Light" charset="0"/>
-                <a:cs typeface="Abadi MT Condensed Light" charset="0"/>
+                <a:cs typeface="Adobe Arabic" panose="02040503050201020203" charset="0"/>
               </a:rPr>
               <a:t>iphone11</a:t>
             </a:r>
-            <a:endParaRPr lang="en-US" b="1" i="1" dirty="0">
+            <a:endParaRPr lang="en-US" b="1" i="1" dirty="0" smtClean="0">
               <a:solidFill>
                 <a:schemeClr val="tx1">
                   <a:alpha val="64000"/>
                 </a:schemeClr>
               </a:solidFill>
-              <a:latin typeface="Abadi MT Condensed Light" charset="0"/>
+              <a:latin typeface="Adobe Arabic" panose="02040503050201020203" charset="0"/>
               <a:ea typeface="Abadi MT Condensed Light" charset="0"/>
-              <a:cs typeface="Abadi MT Condensed Light" charset="0"/>
+              <a:cs typeface="Adobe Arabic" panose="02040503050201020203" charset="0"/>
             </a:endParaRPr>
           </a:p>
         </p:txBody>
@@ -10793,7 +10892,7 @@
         </p:nvCxnSpPr>
         <p:spPr>
           <a:xfrm>
-            <a:off x="1828801" y="647700"/>
+            <a:off x="1939291" y="379095"/>
             <a:ext cx="2042850" cy="495300"/>
           </a:xfrm>
           <a:prstGeom prst="curvedConnector2">
@@ -10911,9 +11010,9 @@
                     <a:alpha val="64000"/>
                   </a:schemeClr>
                 </a:solidFill>
-                <a:latin typeface="Abadi MT Condensed Light" charset="0"/>
+                <a:latin typeface="Adobe Arabic" panose="02040503050201020203" charset="0"/>
                 <a:ea typeface="Abadi MT Condensed Light" charset="0"/>
-                <a:cs typeface="Abadi MT Condensed Light" charset="0"/>
+                <a:cs typeface="Adobe Arabic" panose="02040503050201020203" charset="0"/>
               </a:rPr>
               <a:t>getNonDiscountPrice</a:t>
             </a:r>
@@ -10924,9 +11023,9 @@
                     <a:alpha val="64000"/>
                   </a:schemeClr>
                 </a:solidFill>
-                <a:latin typeface="Abadi MT Condensed Light" charset="0"/>
+                <a:latin typeface="Adobe Arabic" panose="02040503050201020203" charset="0"/>
                 <a:ea typeface="Abadi MT Condensed Light" charset="0"/>
-                <a:cs typeface="Abadi MT Condensed Light" charset="0"/>
+                <a:cs typeface="Adobe Arabic" panose="02040503050201020203" charset="0"/>
               </a:rPr>
               <a:t>()</a:t>
             </a:r>
@@ -10936,9 +11035,9 @@
                   <a:alpha val="64000"/>
                 </a:schemeClr>
               </a:solidFill>
-              <a:latin typeface="Abadi MT Condensed Light" charset="0"/>
+              <a:latin typeface="Adobe Arabic" panose="02040503050201020203" charset="0"/>
               <a:ea typeface="Abadi MT Condensed Light" charset="0"/>
-              <a:cs typeface="Abadi MT Condensed Light" charset="0"/>
+              <a:cs typeface="Adobe Arabic" panose="02040503050201020203" charset="0"/>
             </a:endParaRPr>
           </a:p>
           <a:p>
@@ -10949,9 +11048,9 @@
                     <a:alpha val="64000"/>
                   </a:schemeClr>
                 </a:solidFill>
-                <a:latin typeface="Abadi MT Condensed Light" charset="0"/>
+                <a:latin typeface="Adobe Arabic" panose="02040503050201020203" charset="0"/>
                 <a:ea typeface="Abadi MT Condensed Light" charset="0"/>
-                <a:cs typeface="Abadi MT Condensed Light" charset="0"/>
+                <a:cs typeface="Adobe Arabic" panose="02040503050201020203" charset="0"/>
               </a:rPr>
               <a:t>extractData</a:t>
             </a:r>
@@ -10962,9 +11061,9 @@
                     <a:alpha val="64000"/>
                   </a:schemeClr>
                 </a:solidFill>
-                <a:latin typeface="Abadi MT Condensed Light" charset="0"/>
+                <a:latin typeface="Adobe Arabic" panose="02040503050201020203" charset="0"/>
                 <a:ea typeface="Abadi MT Condensed Light" charset="0"/>
-                <a:cs typeface="Abadi MT Condensed Light" charset="0"/>
+                <a:cs typeface="Adobe Arabic" panose="02040503050201020203" charset="0"/>
               </a:rPr>
               <a:t>()</a:t>
             </a:r>
@@ -10974,9 +11073,9 @@
                   <a:alpha val="64000"/>
                 </a:schemeClr>
               </a:solidFill>
-              <a:latin typeface="Abadi MT Condensed Light" charset="0"/>
+              <a:latin typeface="Adobe Arabic" panose="02040503050201020203" charset="0"/>
               <a:ea typeface="Abadi MT Condensed Light" charset="0"/>
-              <a:cs typeface="Abadi MT Condensed Light" charset="0"/>
+              <a:cs typeface="Adobe Arabic" panose="02040503050201020203" charset="0"/>
             </a:endParaRPr>
           </a:p>
           <a:p>
@@ -10987,9 +11086,9 @@
                     <a:alpha val="64000"/>
                   </a:schemeClr>
                 </a:solidFill>
-                <a:latin typeface="Abadi MT Condensed Light" charset="0"/>
+                <a:latin typeface="Adobe Arabic" panose="02040503050201020203" charset="0"/>
                 <a:ea typeface="Abadi MT Condensed Light" charset="0"/>
-                <a:cs typeface="Abadi MT Condensed Light" charset="0"/>
+                <a:cs typeface="Adobe Arabic" panose="02040503050201020203" charset="0"/>
               </a:rPr>
               <a:t>getDiscountPercent</a:t>
             </a:r>
@@ -11000,9 +11099,9 @@
                     <a:alpha val="64000"/>
                   </a:schemeClr>
                 </a:solidFill>
-                <a:latin typeface="Abadi MT Condensed Light" charset="0"/>
+                <a:latin typeface="Adobe Arabic" panose="02040503050201020203" charset="0"/>
                 <a:ea typeface="Abadi MT Condensed Light" charset="0"/>
-                <a:cs typeface="Abadi MT Condensed Light" charset="0"/>
+                <a:cs typeface="Adobe Arabic" panose="02040503050201020203" charset="0"/>
               </a:rPr>
               <a:t>()</a:t>
             </a:r>
@@ -11012,9 +11111,9 @@
                   <a:alpha val="64000"/>
                 </a:schemeClr>
               </a:solidFill>
-              <a:latin typeface="Abadi MT Condensed Light" charset="0"/>
+              <a:latin typeface="Adobe Arabic" panose="02040503050201020203" charset="0"/>
               <a:ea typeface="Abadi MT Condensed Light" charset="0"/>
-              <a:cs typeface="Abadi MT Condensed Light" charset="0"/>
+              <a:cs typeface="Adobe Arabic" panose="02040503050201020203" charset="0"/>
             </a:endParaRPr>
           </a:p>
           <a:p>
@@ -11025,9 +11124,9 @@
                     <a:alpha val="64000"/>
                   </a:schemeClr>
                 </a:solidFill>
-                <a:latin typeface="Abadi MT Condensed Light" charset="0"/>
+                <a:latin typeface="Adobe Arabic" panose="02040503050201020203" charset="0"/>
                 <a:ea typeface="Abadi MT Condensed Light" charset="0"/>
-                <a:cs typeface="Abadi MT Condensed Light" charset="0"/>
+                <a:cs typeface="Adobe Arabic" panose="02040503050201020203" charset="0"/>
               </a:rPr>
               <a:t>getExchangeCurrency</a:t>
             </a:r>
@@ -11038,9 +11137,9 @@
                     <a:alpha val="64000"/>
                   </a:schemeClr>
                 </a:solidFill>
-                <a:latin typeface="Abadi MT Condensed Light" charset="0"/>
+                <a:latin typeface="Adobe Arabic" panose="02040503050201020203" charset="0"/>
                 <a:ea typeface="Abadi MT Condensed Light" charset="0"/>
-                <a:cs typeface="Abadi MT Condensed Light" charset="0"/>
+                <a:cs typeface="Adobe Arabic" panose="02040503050201020203" charset="0"/>
               </a:rPr>
               <a:t>()</a:t>
             </a:r>
@@ -11050,9 +11149,9 @@
                   <a:alpha val="64000"/>
                 </a:schemeClr>
               </a:solidFill>
-              <a:latin typeface="Abadi MT Condensed Light" charset="0"/>
+              <a:latin typeface="Adobe Arabic" panose="02040503050201020203" charset="0"/>
               <a:ea typeface="Abadi MT Condensed Light" charset="0"/>
-              <a:cs typeface="Abadi MT Condensed Light" charset="0"/>
+              <a:cs typeface="Adobe Arabic" panose="02040503050201020203" charset="0"/>
             </a:endParaRPr>
           </a:p>
         </p:txBody>
@@ -11066,7 +11165,7 @@
         <p:spPr>
           <a:xfrm>
             <a:off x="4648200" y="1889570"/>
-            <a:ext cx="2819400" cy="369332"/>
+            <a:ext cx="2819400" cy="368300"/>
           </a:xfrm>
           <a:prstGeom prst="rect">
             <a:avLst/>
@@ -11090,21 +11189,21 @@
                     <a:alpha val="64000"/>
                   </a:schemeClr>
                 </a:solidFill>
-                <a:latin typeface="Abadi MT Condensed Light" charset="0"/>
+                <a:latin typeface="Adobe Arabic" panose="02040503050201020203" charset="0"/>
                 <a:ea typeface="Abadi MT Condensed Light" charset="0"/>
-                <a:cs typeface="Abadi MT Condensed Light" charset="0"/>
+                <a:cs typeface="Adobe Arabic" panose="02040503050201020203" charset="0"/>
               </a:rPr>
               <a:t>Amazon|20$|Gold</a:t>
             </a:r>
-            <a:endParaRPr lang="en-US" b="1" i="1" dirty="0">
+            <a:endParaRPr lang="en-US" b="1" i="1" dirty="0" smtClean="0">
               <a:solidFill>
                 <a:schemeClr val="tx1">
                   <a:alpha val="64000"/>
                 </a:schemeClr>
               </a:solidFill>
-              <a:latin typeface="Abadi MT Condensed Light" charset="0"/>
+              <a:latin typeface="Adobe Arabic" panose="02040503050201020203" charset="0"/>
               <a:ea typeface="Abadi MT Condensed Light" charset="0"/>
-              <a:cs typeface="Abadi MT Condensed Light" charset="0"/>
+              <a:cs typeface="Adobe Arabic" panose="02040503050201020203" charset="0"/>
             </a:endParaRPr>
           </a:p>
         </p:txBody>
@@ -11142,21 +11241,21 @@
                     <a:alpha val="64000"/>
                   </a:schemeClr>
                 </a:solidFill>
-                <a:latin typeface="Abadi MT Condensed Light" charset="0"/>
+                <a:latin typeface="Adobe Arabic" panose="02040503050201020203" charset="0"/>
                 <a:ea typeface="Abadi MT Condensed Light" charset="0"/>
-                <a:cs typeface="Abadi MT Condensed Light" charset="0"/>
+                <a:cs typeface="Adobe Arabic" panose="02040503050201020203" charset="0"/>
               </a:rPr>
               <a:t>Price: 20|Discount: Gold</a:t>
             </a:r>
-            <a:endParaRPr lang="en-US" b="1" i="1" dirty="0">
+            <a:endParaRPr lang="en-US" b="1" i="1" dirty="0" smtClean="0">
               <a:solidFill>
                 <a:schemeClr val="tx1">
                   <a:alpha val="64000"/>
                 </a:schemeClr>
               </a:solidFill>
-              <a:latin typeface="Abadi MT Condensed Light" charset="0"/>
+              <a:latin typeface="Adobe Arabic" panose="02040503050201020203" charset="0"/>
               <a:ea typeface="Abadi MT Condensed Light" charset="0"/>
-              <a:cs typeface="Abadi MT Condensed Light" charset="0"/>
+              <a:cs typeface="Adobe Arabic" panose="02040503050201020203" charset="0"/>
             </a:endParaRPr>
           </a:p>
         </p:txBody>
@@ -11194,21 +11293,21 @@
                     <a:alpha val="64000"/>
                   </a:schemeClr>
                 </a:solidFill>
-                <a:latin typeface="Abadi MT Condensed Light" charset="0"/>
+                <a:latin typeface="Adobe Arabic" panose="02040503050201020203" charset="0"/>
                 <a:ea typeface="Abadi MT Condensed Light" charset="0"/>
-                <a:cs typeface="Abadi MT Condensed Light" charset="0"/>
+                <a:cs typeface="Adobe Arabic" panose="02040503050201020203" charset="0"/>
               </a:rPr>
               <a:t>20%</a:t>
             </a:r>
-            <a:endParaRPr lang="en-US" b="1" i="1" dirty="0">
+            <a:endParaRPr lang="en-US" b="1" i="1" dirty="0" smtClean="0">
               <a:solidFill>
                 <a:schemeClr val="tx1">
                   <a:alpha val="64000"/>
                 </a:schemeClr>
               </a:solidFill>
-              <a:latin typeface="Abadi MT Condensed Light" charset="0"/>
+              <a:latin typeface="Adobe Arabic" panose="02040503050201020203" charset="0"/>
               <a:ea typeface="Abadi MT Condensed Light" charset="0"/>
-              <a:cs typeface="Abadi MT Condensed Light" charset="0"/>
+              <a:cs typeface="Adobe Arabic" panose="02040503050201020203" charset="0"/>
             </a:endParaRPr>
           </a:p>
         </p:txBody>
@@ -11246,21 +11345,21 @@
                     <a:alpha val="64000"/>
                   </a:schemeClr>
                 </a:solidFill>
-                <a:latin typeface="Abadi MT Condensed Light" charset="0"/>
+                <a:latin typeface="Adobe Arabic" panose="02040503050201020203" charset="0"/>
                 <a:ea typeface="Abadi MT Condensed Light" charset="0"/>
-                <a:cs typeface="Abadi MT Condensed Light" charset="0"/>
+                <a:cs typeface="Adobe Arabic" panose="02040503050201020203" charset="0"/>
               </a:rPr>
               <a:t>23000</a:t>
             </a:r>
-            <a:endParaRPr lang="en-US" b="1" i="1" dirty="0">
+            <a:endParaRPr lang="en-US" b="1" i="1" dirty="0" smtClean="0">
               <a:solidFill>
                 <a:schemeClr val="tx1">
                   <a:alpha val="64000"/>
                 </a:schemeClr>
               </a:solidFill>
-              <a:latin typeface="Abadi MT Condensed Light" charset="0"/>
+              <a:latin typeface="Adobe Arabic" panose="02040503050201020203" charset="0"/>
               <a:ea typeface="Abadi MT Condensed Light" charset="0"/>
-              <a:cs typeface="Abadi MT Condensed Light" charset="0"/>
+              <a:cs typeface="Adobe Arabic" panose="02040503050201020203" charset="0"/>
             </a:endParaRPr>
           </a:p>
         </p:txBody>
@@ -11319,21 +11418,21 @@
                     <a:alpha val="64000"/>
                   </a:schemeClr>
                 </a:solidFill>
-                <a:latin typeface="Abadi MT Condensed Light" charset="0"/>
+                <a:latin typeface="Adobe Arabic" panose="02040503050201020203" charset="0"/>
                 <a:ea typeface="Abadi MT Condensed Light" charset="0"/>
-                <a:cs typeface="Abadi MT Condensed Light" charset="0"/>
+                <a:cs typeface="Adobe Arabic" panose="02040503050201020203" charset="0"/>
               </a:rPr>
               <a:t>getPrice</a:t>
             </a:r>
-            <a:endParaRPr lang="en-US" sz="2000" dirty="0">
+            <a:endParaRPr lang="en-US" sz="2000" dirty="0" err="1" smtClean="0">
               <a:solidFill>
                 <a:schemeClr val="tx1">
                   <a:alpha val="64000"/>
                 </a:schemeClr>
               </a:solidFill>
-              <a:latin typeface="Abadi MT Condensed Light" charset="0"/>
+              <a:latin typeface="Adobe Arabic" panose="02040503050201020203" charset="0"/>
               <a:ea typeface="Abadi MT Condensed Light" charset="0"/>
-              <a:cs typeface="Abadi MT Condensed Light" charset="0"/>
+              <a:cs typeface="Adobe Arabic" panose="02040503050201020203" charset="0"/>
             </a:endParaRPr>
           </a:p>
         </p:txBody>
@@ -11388,9 +11487,9 @@
                     <a:alpha val="64000"/>
                   </a:schemeClr>
                 </a:solidFill>
-                <a:latin typeface="Abadi MT Condensed Light" charset="0"/>
+                <a:latin typeface="Adobe Arabic" panose="02040503050201020203" charset="0"/>
                 <a:ea typeface="Abadi MT Condensed Light" charset="0"/>
-                <a:cs typeface="Abadi MT Condensed Light" charset="0"/>
+                <a:cs typeface="Adobe Arabic" panose="02040503050201020203" charset="0"/>
               </a:rPr>
               <a:t>getNonDiscountPrice</a:t>
             </a:r>
@@ -11401,9 +11500,9 @@
                     <a:alpha val="64000"/>
                   </a:schemeClr>
                 </a:solidFill>
-                <a:latin typeface="Abadi MT Condensed Light" charset="0"/>
+                <a:latin typeface="Adobe Arabic" panose="02040503050201020203" charset="0"/>
                 <a:ea typeface="Abadi MT Condensed Light" charset="0"/>
-                <a:cs typeface="Abadi MT Condensed Light" charset="0"/>
+                <a:cs typeface="Adobe Arabic" panose="02040503050201020203" charset="0"/>
               </a:rPr>
               <a:t>()</a:t>
             </a:r>
@@ -11413,9 +11512,9 @@
                   <a:alpha val="64000"/>
                 </a:schemeClr>
               </a:solidFill>
-              <a:latin typeface="Abadi MT Condensed Light" charset="0"/>
+              <a:latin typeface="Adobe Arabic" panose="02040503050201020203" charset="0"/>
               <a:ea typeface="Abadi MT Condensed Light" charset="0"/>
-              <a:cs typeface="Abadi MT Condensed Light" charset="0"/>
+              <a:cs typeface="Adobe Arabic" panose="02040503050201020203" charset="0"/>
             </a:endParaRPr>
           </a:p>
           <a:p>
@@ -11426,9 +11525,9 @@
                     <a:alpha val="64000"/>
                   </a:schemeClr>
                 </a:solidFill>
-                <a:latin typeface="Abadi MT Condensed Light" charset="0"/>
+                <a:latin typeface="Adobe Arabic" panose="02040503050201020203" charset="0"/>
                 <a:ea typeface="Abadi MT Condensed Light" charset="0"/>
-                <a:cs typeface="Abadi MT Condensed Light" charset="0"/>
+                <a:cs typeface="Adobe Arabic" panose="02040503050201020203" charset="0"/>
               </a:rPr>
               <a:t>extractData</a:t>
             </a:r>
@@ -11439,9 +11538,9 @@
                     <a:alpha val="64000"/>
                   </a:schemeClr>
                 </a:solidFill>
-                <a:latin typeface="Abadi MT Condensed Light" charset="0"/>
+                <a:latin typeface="Adobe Arabic" panose="02040503050201020203" charset="0"/>
                 <a:ea typeface="Abadi MT Condensed Light" charset="0"/>
-                <a:cs typeface="Abadi MT Condensed Light" charset="0"/>
+                <a:cs typeface="Adobe Arabic" panose="02040503050201020203" charset="0"/>
               </a:rPr>
               <a:t>()</a:t>
             </a:r>
@@ -11451,9 +11550,9 @@
                   <a:alpha val="64000"/>
                 </a:schemeClr>
               </a:solidFill>
-              <a:latin typeface="Abadi MT Condensed Light" charset="0"/>
+              <a:latin typeface="Adobe Arabic" panose="02040503050201020203" charset="0"/>
               <a:ea typeface="Abadi MT Condensed Light" charset="0"/>
-              <a:cs typeface="Abadi MT Condensed Light" charset="0"/>
+              <a:cs typeface="Adobe Arabic" panose="02040503050201020203" charset="0"/>
             </a:endParaRPr>
           </a:p>
           <a:p>
@@ -11464,9 +11563,9 @@
                     <a:alpha val="64000"/>
                   </a:schemeClr>
                 </a:solidFill>
-                <a:latin typeface="Abadi MT Condensed Light" charset="0"/>
+                <a:latin typeface="Adobe Arabic" panose="02040503050201020203" charset="0"/>
                 <a:ea typeface="Abadi MT Condensed Light" charset="0"/>
-                <a:cs typeface="Abadi MT Condensed Light" charset="0"/>
+                <a:cs typeface="Adobe Arabic" panose="02040503050201020203" charset="0"/>
               </a:rPr>
               <a:t>getDiscountPercent</a:t>
             </a:r>
@@ -11477,9 +11576,9 @@
                     <a:alpha val="64000"/>
                   </a:schemeClr>
                 </a:solidFill>
-                <a:latin typeface="Abadi MT Condensed Light" charset="0"/>
+                <a:latin typeface="Adobe Arabic" panose="02040503050201020203" charset="0"/>
                 <a:ea typeface="Abadi MT Condensed Light" charset="0"/>
-                <a:cs typeface="Abadi MT Condensed Light" charset="0"/>
+                <a:cs typeface="Adobe Arabic" panose="02040503050201020203" charset="0"/>
               </a:rPr>
               <a:t>()</a:t>
             </a:r>
@@ -11489,9 +11588,9 @@
                   <a:alpha val="64000"/>
                 </a:schemeClr>
               </a:solidFill>
-              <a:latin typeface="Abadi MT Condensed Light" charset="0"/>
+              <a:latin typeface="Adobe Arabic" panose="02040503050201020203" charset="0"/>
               <a:ea typeface="Abadi MT Condensed Light" charset="0"/>
-              <a:cs typeface="Abadi MT Condensed Light" charset="0"/>
+              <a:cs typeface="Adobe Arabic" panose="02040503050201020203" charset="0"/>
             </a:endParaRPr>
           </a:p>
           <a:p>
@@ -11502,9 +11601,9 @@
                     <a:alpha val="64000"/>
                   </a:schemeClr>
                 </a:solidFill>
-                <a:latin typeface="Abadi MT Condensed Light" charset="0"/>
+                <a:latin typeface="Adobe Arabic" panose="02040503050201020203" charset="0"/>
                 <a:ea typeface="Abadi MT Condensed Light" charset="0"/>
-                <a:cs typeface="Abadi MT Condensed Light" charset="0"/>
+                <a:cs typeface="Adobe Arabic" panose="02040503050201020203" charset="0"/>
               </a:rPr>
               <a:t>getExchangeCurrency</a:t>
             </a:r>
@@ -11515,9 +11614,9 @@
                     <a:alpha val="64000"/>
                   </a:schemeClr>
                 </a:solidFill>
-                <a:latin typeface="Abadi MT Condensed Light" charset="0"/>
+                <a:latin typeface="Adobe Arabic" panose="02040503050201020203" charset="0"/>
                 <a:ea typeface="Abadi MT Condensed Light" charset="0"/>
-                <a:cs typeface="Abadi MT Condensed Light" charset="0"/>
+                <a:cs typeface="Adobe Arabic" panose="02040503050201020203" charset="0"/>
               </a:rPr>
               <a:t>()</a:t>
             </a:r>
@@ -11527,9 +11626,9 @@
                   <a:alpha val="64000"/>
                 </a:schemeClr>
               </a:solidFill>
-              <a:latin typeface="Abadi MT Condensed Light" charset="0"/>
+              <a:latin typeface="Adobe Arabic" panose="02040503050201020203" charset="0"/>
               <a:ea typeface="Abadi MT Condensed Light" charset="0"/>
-              <a:cs typeface="Abadi MT Condensed Light" charset="0"/>
+              <a:cs typeface="Adobe Arabic" panose="02040503050201020203" charset="0"/>
             </a:endParaRPr>
           </a:p>
         </p:txBody>
@@ -11567,21 +11666,21 @@
                     <a:alpha val="64000"/>
                   </a:schemeClr>
                 </a:solidFill>
-                <a:latin typeface="Abadi MT Condensed Light" charset="0"/>
+                <a:latin typeface="Adobe Arabic" panose="02040503050201020203" charset="0"/>
                 <a:ea typeface="Abadi MT Condensed Light" charset="0"/>
-                <a:cs typeface="Abadi MT Condensed Light" charset="0"/>
+                <a:cs typeface="Adobe Arabic" panose="02040503050201020203" charset="0"/>
               </a:rPr>
               <a:t>Ebay|20$|Silver</a:t>
             </a:r>
-            <a:endParaRPr lang="en-US" b="1" i="1" dirty="0">
+            <a:endParaRPr lang="en-US" b="1" i="1" dirty="0" smtClean="0">
               <a:solidFill>
                 <a:schemeClr val="tx1">
                   <a:alpha val="64000"/>
                 </a:schemeClr>
               </a:solidFill>
-              <a:latin typeface="Abadi MT Condensed Light" charset="0"/>
+              <a:latin typeface="Adobe Arabic" panose="02040503050201020203" charset="0"/>
               <a:ea typeface="Abadi MT Condensed Light" charset="0"/>
-              <a:cs typeface="Abadi MT Condensed Light" charset="0"/>
+              <a:cs typeface="Adobe Arabic" panose="02040503050201020203" charset="0"/>
             </a:endParaRPr>
           </a:p>
         </p:txBody>
@@ -11619,21 +11718,21 @@
                     <a:alpha val="64000"/>
                   </a:schemeClr>
                 </a:solidFill>
-                <a:latin typeface="Abadi MT Condensed Light" charset="0"/>
+                <a:latin typeface="Adobe Arabic" panose="02040503050201020203" charset="0"/>
                 <a:ea typeface="Abadi MT Condensed Light" charset="0"/>
-                <a:cs typeface="Abadi MT Condensed Light" charset="0"/>
+                <a:cs typeface="Adobe Arabic" panose="02040503050201020203" charset="0"/>
               </a:rPr>
               <a:t>Price: 25|Discount: Silver</a:t>
             </a:r>
-            <a:endParaRPr lang="en-US" b="1" i="1" dirty="0">
+            <a:endParaRPr lang="en-US" b="1" i="1" dirty="0" smtClean="0">
               <a:solidFill>
                 <a:schemeClr val="tx1">
                   <a:alpha val="64000"/>
                 </a:schemeClr>
               </a:solidFill>
-              <a:latin typeface="Abadi MT Condensed Light" charset="0"/>
+              <a:latin typeface="Adobe Arabic" panose="02040503050201020203" charset="0"/>
               <a:ea typeface="Abadi MT Condensed Light" charset="0"/>
-              <a:cs typeface="Abadi MT Condensed Light" charset="0"/>
+              <a:cs typeface="Adobe Arabic" panose="02040503050201020203" charset="0"/>
             </a:endParaRPr>
           </a:p>
         </p:txBody>
@@ -11671,21 +11770,21 @@
                     <a:alpha val="64000"/>
                   </a:schemeClr>
                 </a:solidFill>
-                <a:latin typeface="Abadi MT Condensed Light" charset="0"/>
+                <a:latin typeface="Adobe Arabic" panose="02040503050201020203" charset="0"/>
                 <a:ea typeface="Abadi MT Condensed Light" charset="0"/>
-                <a:cs typeface="Abadi MT Condensed Light" charset="0"/>
+                <a:cs typeface="Adobe Arabic" panose="02040503050201020203" charset="0"/>
               </a:rPr>
               <a:t>10%</a:t>
             </a:r>
-            <a:endParaRPr lang="en-US" b="1" i="1" dirty="0">
+            <a:endParaRPr lang="en-US" b="1" i="1" dirty="0" smtClean="0">
               <a:solidFill>
                 <a:schemeClr val="tx1">
                   <a:alpha val="64000"/>
                 </a:schemeClr>
               </a:solidFill>
-              <a:latin typeface="Abadi MT Condensed Light" charset="0"/>
+              <a:latin typeface="Adobe Arabic" panose="02040503050201020203" charset="0"/>
               <a:ea typeface="Abadi MT Condensed Light" charset="0"/>
-              <a:cs typeface="Abadi MT Condensed Light" charset="0"/>
+              <a:cs typeface="Adobe Arabic" panose="02040503050201020203" charset="0"/>
             </a:endParaRPr>
           </a:p>
         </p:txBody>
@@ -11723,21 +11822,21 @@
                     <a:alpha val="64000"/>
                   </a:schemeClr>
                 </a:solidFill>
-                <a:latin typeface="Abadi MT Condensed Light" charset="0"/>
+                <a:latin typeface="Adobe Arabic" panose="02040503050201020203" charset="0"/>
                 <a:ea typeface="Abadi MT Condensed Light" charset="0"/>
-                <a:cs typeface="Abadi MT Condensed Light" charset="0"/>
+                <a:cs typeface="Adobe Arabic" panose="02040503050201020203" charset="0"/>
               </a:rPr>
               <a:t>22500</a:t>
             </a:r>
-            <a:endParaRPr lang="en-US" b="1" i="1" dirty="0">
+            <a:endParaRPr lang="en-US" b="1" i="1" dirty="0" smtClean="0">
               <a:solidFill>
                 <a:schemeClr val="tx1">
                   <a:alpha val="64000"/>
                 </a:schemeClr>
               </a:solidFill>
-              <a:latin typeface="Abadi MT Condensed Light" charset="0"/>
+              <a:latin typeface="Adobe Arabic" panose="02040503050201020203" charset="0"/>
               <a:ea typeface="Abadi MT Condensed Light" charset="0"/>
-              <a:cs typeface="Abadi MT Condensed Light" charset="0"/>
+              <a:cs typeface="Adobe Arabic" panose="02040503050201020203" charset="0"/>
             </a:endParaRPr>
           </a:p>
         </p:txBody>
@@ -12068,9 +12167,9 @@
                 <a:solidFill>
                   <a:sysClr val="windowText" lastClr="000000"/>
                 </a:solidFill>
-                <a:latin typeface="Abadi MT Condensed Light" charset="0"/>
+                <a:latin typeface="Adobe Arabic" panose="02040503050201020203" charset="0"/>
                 <a:ea typeface="Abadi MT Condensed Light" charset="0"/>
-                <a:cs typeface="Abadi MT Condensed Light" charset="0"/>
+                <a:cs typeface="Adobe Arabic" panose="02040503050201020203" charset="0"/>
               </a:rPr>
               <a:t>getNonDiscountPrice</a:t>
             </a:r>
@@ -12079,9 +12178,9 @@
                 <a:solidFill>
                   <a:sysClr val="windowText" lastClr="000000"/>
                 </a:solidFill>
-                <a:latin typeface="Abadi MT Condensed Light" charset="0"/>
+                <a:latin typeface="Adobe Arabic" panose="02040503050201020203" charset="0"/>
                 <a:ea typeface="Abadi MT Condensed Light" charset="0"/>
-                <a:cs typeface="Abadi MT Condensed Light" charset="0"/>
+                <a:cs typeface="Adobe Arabic" panose="02040503050201020203" charset="0"/>
               </a:rPr>
               <a:t>()</a:t>
             </a:r>
@@ -12089,9 +12188,9 @@
               <a:solidFill>
                 <a:sysClr val="windowText" lastClr="000000"/>
               </a:solidFill>
-              <a:latin typeface="Abadi MT Condensed Light" charset="0"/>
+              <a:latin typeface="Adobe Arabic" panose="02040503050201020203" charset="0"/>
               <a:ea typeface="Abadi MT Condensed Light" charset="0"/>
-              <a:cs typeface="Abadi MT Condensed Light" charset="0"/>
+              <a:cs typeface="Adobe Arabic" panose="02040503050201020203" charset="0"/>
             </a:endParaRPr>
           </a:p>
         </p:txBody>
@@ -12145,9 +12244,9 @@
                 <a:solidFill>
                   <a:sysClr val="windowText" lastClr="000000"/>
                 </a:solidFill>
-                <a:latin typeface="Abadi MT Condensed Light" charset="0"/>
+                <a:latin typeface="Adobe Arabic" panose="02040503050201020203" charset="0"/>
                 <a:ea typeface="Abadi MT Condensed Light" charset="0"/>
-                <a:cs typeface="Abadi MT Condensed Light" charset="0"/>
+                <a:cs typeface="Adobe Arabic" panose="02040503050201020203" charset="0"/>
               </a:rPr>
               <a:t>getDiscountPercent</a:t>
             </a:r>
@@ -12156,9 +12255,9 @@
                 <a:solidFill>
                   <a:sysClr val="windowText" lastClr="000000"/>
                 </a:solidFill>
-                <a:latin typeface="Abadi MT Condensed Light" charset="0"/>
+                <a:latin typeface="Adobe Arabic" panose="02040503050201020203" charset="0"/>
                 <a:ea typeface="Abadi MT Condensed Light" charset="0"/>
-                <a:cs typeface="Abadi MT Condensed Light" charset="0"/>
+                <a:cs typeface="Adobe Arabic" panose="02040503050201020203" charset="0"/>
               </a:rPr>
               <a:t>()</a:t>
             </a:r>
@@ -12166,9 +12265,9 @@
               <a:solidFill>
                 <a:sysClr val="windowText" lastClr="000000"/>
               </a:solidFill>
-              <a:latin typeface="Abadi MT Condensed Light" charset="0"/>
+              <a:latin typeface="Adobe Arabic" panose="02040503050201020203" charset="0"/>
               <a:ea typeface="Abadi MT Condensed Light" charset="0"/>
-              <a:cs typeface="Abadi MT Condensed Light" charset="0"/>
+              <a:cs typeface="Adobe Arabic" panose="02040503050201020203" charset="0"/>
             </a:endParaRPr>
           </a:p>
         </p:txBody>
@@ -12222,9 +12321,9 @@
                 <a:solidFill>
                   <a:sysClr val="windowText" lastClr="000000"/>
                 </a:solidFill>
-                <a:latin typeface="Abadi MT Condensed Light" charset="0"/>
+                <a:latin typeface="Adobe Arabic" panose="02040503050201020203" charset="0"/>
                 <a:ea typeface="Abadi MT Condensed Light" charset="0"/>
-                <a:cs typeface="Abadi MT Condensed Light" charset="0"/>
+                <a:cs typeface="Adobe Arabic" panose="02040503050201020203" charset="0"/>
               </a:rPr>
               <a:t>extractData</a:t>
             </a:r>
@@ -12233,9 +12332,9 @@
                 <a:solidFill>
                   <a:sysClr val="windowText" lastClr="000000"/>
                 </a:solidFill>
-                <a:latin typeface="Abadi MT Condensed Light" charset="0"/>
+                <a:latin typeface="Adobe Arabic" panose="02040503050201020203" charset="0"/>
                 <a:ea typeface="Abadi MT Condensed Light" charset="0"/>
-                <a:cs typeface="Abadi MT Condensed Light" charset="0"/>
+                <a:cs typeface="Adobe Arabic" panose="02040503050201020203" charset="0"/>
               </a:rPr>
               <a:t>()</a:t>
             </a:r>
@@ -12243,9 +12342,9 @@
               <a:solidFill>
                 <a:sysClr val="windowText" lastClr="000000"/>
               </a:solidFill>
-              <a:latin typeface="Abadi MT Condensed Light" charset="0"/>
+              <a:latin typeface="Adobe Arabic" panose="02040503050201020203" charset="0"/>
               <a:ea typeface="Abadi MT Condensed Light" charset="0"/>
-              <a:cs typeface="Abadi MT Condensed Light" charset="0"/>
+              <a:cs typeface="Adobe Arabic" panose="02040503050201020203" charset="0"/>
             </a:endParaRPr>
           </a:p>
         </p:txBody>
@@ -12290,6 +12389,8 @@
               <a:solidFill>
                 <a:schemeClr val="tx1"/>
               </a:solidFill>
+              <a:latin typeface="Adobe Arabic" panose="02040503050201020203" charset="0"/>
+              <a:cs typeface="Adobe Arabic" panose="02040503050201020203" charset="0"/>
             </a:endParaRPr>
           </a:p>
         </p:txBody>
@@ -12403,73 +12504,20 @@
                 <a:solidFill>
                   <a:srgbClr val="D78000"/>
                 </a:solidFill>
-                <a:latin typeface="Abadi MT Condensed Light" charset="0"/>
+                <a:latin typeface="Adobe Arabic" panose="02040503050201020203" charset="0"/>
                 <a:ea typeface="Abadi MT Condensed Light" charset="0"/>
-                <a:cs typeface="Abadi MT Condensed Light" charset="0"/>
+                <a:cs typeface="Adobe Arabic" panose="02040503050201020203" charset="0"/>
               </a:rPr>
               <a:t>0%</a:t>
             </a:r>
-            <a:endParaRPr lang="en-US" b="1" i="1" dirty="0">
+            <a:endParaRPr lang="en-US" b="1" i="1" dirty="0" smtClean="0">
               <a:solidFill>
                 <a:srgbClr val="D78000"/>
               </a:solidFill>
-              <a:latin typeface="Abadi MT Condensed Light" charset="0"/>
+              <a:latin typeface="Adobe Arabic" panose="02040503050201020203" charset="0"/>
               <a:ea typeface="Abadi MT Condensed Light" charset="0"/>
-              <a:cs typeface="Abadi MT Condensed Light" charset="0"/>
+              <a:cs typeface="Adobe Arabic" panose="02040503050201020203" charset="0"/>
             </a:endParaRPr>
-          </a:p>
-        </p:txBody>
-      </p:sp>
-      <p:sp>
-        <p:nvSpPr>
-          <p:cNvPr id="68" name="Rounded Rectangle 67"/>
-          <p:cNvSpPr/>
-          <p:nvPr/>
-        </p:nvSpPr>
-        <p:spPr>
-          <a:xfrm>
-            <a:off x="6739693" y="3581400"/>
-            <a:ext cx="4226418" cy="2925885"/>
-          </a:xfrm>
-          <a:prstGeom prst="roundRect">
-            <a:avLst/>
-          </a:prstGeom>
-          <a:solidFill>
-            <a:schemeClr val="bg2">
-              <a:alpha val="36000"/>
-            </a:schemeClr>
-          </a:solidFill>
-          <a:ln>
-            <a:solidFill>
-              <a:schemeClr val="tx1">
-                <a:lumMod val="20000"/>
-                <a:lumOff val="80000"/>
-              </a:schemeClr>
-            </a:solidFill>
-          </a:ln>
-        </p:spPr>
-        <p:style>
-          <a:lnRef idx="2">
-            <a:schemeClr val="accent1">
-              <a:shade val="50000"/>
-            </a:schemeClr>
-          </a:lnRef>
-          <a:fillRef idx="1">
-            <a:schemeClr val="accent1"/>
-          </a:fillRef>
-          <a:effectRef idx="0">
-            <a:schemeClr val="accent1"/>
-          </a:effectRef>
-          <a:fontRef idx="minor">
-            <a:schemeClr val="lt1"/>
-          </a:fontRef>
-        </p:style>
-        <p:txBody>
-          <a:bodyPr rtlCol="0" anchor="ctr"/>
-          <a:lstStyle/>
-          <a:p>
-            <a:pPr algn="ctr"/>
-            <a:endParaRPr lang="en-US"/>
           </a:p>
         </p:txBody>
       </p:sp>
@@ -13296,19 +13344,19 @@
                 <a:solidFill>
                   <a:sysClr val="windowText" lastClr="000000"/>
                 </a:solidFill>
-                <a:latin typeface="Abadi MT Condensed Light" charset="0"/>
+                <a:latin typeface="Adobe Arabic" panose="02040503050201020203" charset="0"/>
                 <a:ea typeface="Abadi MT Condensed Light" charset="0"/>
-                <a:cs typeface="Abadi MT Condensed Light" charset="0"/>
+                <a:cs typeface="Adobe Arabic" panose="02040503050201020203" charset="0"/>
               </a:rPr>
               <a:t>Executor Thread</a:t>
             </a:r>
-            <a:endParaRPr lang="en-US" sz="2400" b="1" dirty="0">
+            <a:endParaRPr lang="en-US" sz="2400" b="1" dirty="0" smtClean="0">
               <a:solidFill>
                 <a:sysClr val="windowText" lastClr="000000"/>
               </a:solidFill>
-              <a:latin typeface="Abadi MT Condensed Light" charset="0"/>
+              <a:latin typeface="Adobe Arabic" panose="02040503050201020203" charset="0"/>
               <a:ea typeface="Abadi MT Condensed Light" charset="0"/>
-              <a:cs typeface="Abadi MT Condensed Light" charset="0"/>
+              <a:cs typeface="Adobe Arabic" panose="02040503050201020203" charset="0"/>
             </a:endParaRPr>
           </a:p>
         </p:txBody>
@@ -13358,19 +13406,19 @@
                 <a:solidFill>
                   <a:sysClr val="windowText" lastClr="000000"/>
                 </a:solidFill>
-                <a:latin typeface="Abadi MT Condensed Light" charset="0"/>
+                <a:latin typeface="Adobe Arabic" panose="02040503050201020203" charset="0"/>
                 <a:ea typeface="Abadi MT Condensed Light" charset="0"/>
-                <a:cs typeface="Abadi MT Condensed Light" charset="0"/>
+                <a:cs typeface="Adobe Arabic" panose="02040503050201020203" charset="0"/>
               </a:rPr>
               <a:t>Executor Thread</a:t>
             </a:r>
-            <a:endParaRPr lang="en-US" sz="2400" b="1" dirty="0">
+            <a:endParaRPr lang="en-US" sz="2400" b="1" dirty="0" smtClean="0">
               <a:solidFill>
                 <a:sysClr val="windowText" lastClr="000000"/>
               </a:solidFill>
-              <a:latin typeface="Abadi MT Condensed Light" charset="0"/>
+              <a:latin typeface="Adobe Arabic" panose="02040503050201020203" charset="0"/>
               <a:ea typeface="Abadi MT Condensed Light" charset="0"/>
-              <a:cs typeface="Abadi MT Condensed Light" charset="0"/>
+              <a:cs typeface="Adobe Arabic" panose="02040503050201020203" charset="0"/>
             </a:endParaRPr>
           </a:p>
         </p:txBody>
@@ -13756,6 +13804,59 @@
       </p:grpSpPr>
       <p:sp>
         <p:nvSpPr>
+          <p:cNvPr id="29" name="Rounded Rectangle 28"/>
+          <p:cNvSpPr/>
+          <p:nvPr/>
+        </p:nvSpPr>
+        <p:spPr>
+          <a:xfrm>
+            <a:off x="4780974" y="0"/>
+            <a:ext cx="6897249" cy="2362200"/>
+          </a:xfrm>
+          <a:prstGeom prst="roundRect">
+            <a:avLst/>
+          </a:prstGeom>
+          <a:solidFill>
+            <a:schemeClr val="bg2">
+              <a:alpha val="36000"/>
+            </a:schemeClr>
+          </a:solidFill>
+          <a:ln>
+            <a:solidFill>
+              <a:schemeClr val="tx1">
+                <a:lumMod val="20000"/>
+                <a:lumOff val="80000"/>
+              </a:schemeClr>
+            </a:solidFill>
+          </a:ln>
+        </p:spPr>
+        <p:style>
+          <a:lnRef idx="2">
+            <a:schemeClr val="accent1">
+              <a:shade val="50000"/>
+            </a:schemeClr>
+          </a:lnRef>
+          <a:fillRef idx="1">
+            <a:schemeClr val="accent1"/>
+          </a:fillRef>
+          <a:effectRef idx="0">
+            <a:schemeClr val="accent1"/>
+          </a:effectRef>
+          <a:fontRef idx="minor">
+            <a:schemeClr val="lt1"/>
+          </a:fontRef>
+        </p:style>
+        <p:txBody>
+          <a:bodyPr rtlCol="0" anchor="ctr"/>
+          <a:lstStyle/>
+          <a:p>
+            <a:pPr algn="ctr"/>
+            <a:endParaRPr lang="en-US"/>
+          </a:p>
+        </p:txBody>
+      </p:sp>
+      <p:sp>
+        <p:nvSpPr>
           <p:cNvPr id="26" name="Rectangle 25"/>
           <p:cNvSpPr/>
           <p:nvPr/>
@@ -14539,9 +14640,9 @@
                 <a:solidFill>
                   <a:sysClr val="windowText" lastClr="000000"/>
                 </a:solidFill>
-                <a:latin typeface="Abadi MT Condensed Light" charset="0"/>
+                <a:latin typeface="Adobe Arabic" panose="02040503050201020203" charset="0"/>
                 <a:ea typeface="Abadi MT Condensed Light" charset="0"/>
-                <a:cs typeface="Abadi MT Condensed Light" charset="0"/>
+                <a:cs typeface="Adobe Arabic" panose="02040503050201020203" charset="0"/>
               </a:rPr>
               <a:t>Executor Thread</a:t>
             </a:r>
@@ -14549,9 +14650,9 @@
               <a:solidFill>
                 <a:sysClr val="windowText" lastClr="000000"/>
               </a:solidFill>
-              <a:latin typeface="Abadi MT Condensed Light" charset="0"/>
+              <a:latin typeface="Adobe Arabic" panose="02040503050201020203" charset="0"/>
               <a:ea typeface="Abadi MT Condensed Light" charset="0"/>
-              <a:cs typeface="Abadi MT Condensed Light" charset="0"/>
+              <a:cs typeface="Adobe Arabic" panose="02040503050201020203" charset="0"/>
             </a:endParaRPr>
           </a:p>
         </p:txBody>
@@ -14782,59 +14883,6 @@
               <a:ea typeface="Abadi MT Condensed Light" charset="0"/>
               <a:cs typeface="Adobe Arabic" panose="02040503050201020203" charset="0"/>
             </a:endParaRPr>
-          </a:p>
-        </p:txBody>
-      </p:sp>
-      <p:sp>
-        <p:nvSpPr>
-          <p:cNvPr id="29" name="Rounded Rectangle 28"/>
-          <p:cNvSpPr/>
-          <p:nvPr/>
-        </p:nvSpPr>
-        <p:spPr>
-          <a:xfrm>
-            <a:off x="4780974" y="0"/>
-            <a:ext cx="6897249" cy="2362200"/>
-          </a:xfrm>
-          <a:prstGeom prst="roundRect">
-            <a:avLst/>
-          </a:prstGeom>
-          <a:solidFill>
-            <a:schemeClr val="bg2">
-              <a:alpha val="36000"/>
-            </a:schemeClr>
-          </a:solidFill>
-          <a:ln>
-            <a:solidFill>
-              <a:schemeClr val="tx1">
-                <a:lumMod val="20000"/>
-                <a:lumOff val="80000"/>
-              </a:schemeClr>
-            </a:solidFill>
-          </a:ln>
-        </p:spPr>
-        <p:style>
-          <a:lnRef idx="2">
-            <a:schemeClr val="accent1">
-              <a:shade val="50000"/>
-            </a:schemeClr>
-          </a:lnRef>
-          <a:fillRef idx="1">
-            <a:schemeClr val="accent1"/>
-          </a:fillRef>
-          <a:effectRef idx="0">
-            <a:schemeClr val="accent1"/>
-          </a:effectRef>
-          <a:fontRef idx="minor">
-            <a:schemeClr val="lt1"/>
-          </a:fontRef>
-        </p:style>
-        <p:txBody>
-          <a:bodyPr rtlCol="0" anchor="ctr"/>
-          <a:lstStyle/>
-          <a:p>
-            <a:pPr algn="ctr"/>
-            <a:endParaRPr lang="en-US"/>
           </a:p>
         </p:txBody>
       </p:sp>
@@ -14872,6 +14920,59 @@
       </p:grpSpPr>
       <p:sp>
         <p:nvSpPr>
+          <p:cNvPr id="26" name="Rounded Rectangle 25"/>
+          <p:cNvSpPr/>
+          <p:nvPr/>
+        </p:nvSpPr>
+        <p:spPr>
+          <a:xfrm>
+            <a:off x="4800598" y="-13432"/>
+            <a:ext cx="7391402" cy="2362200"/>
+          </a:xfrm>
+          <a:prstGeom prst="roundRect">
+            <a:avLst/>
+          </a:prstGeom>
+          <a:solidFill>
+            <a:schemeClr val="bg2">
+              <a:alpha val="36000"/>
+            </a:schemeClr>
+          </a:solidFill>
+          <a:ln>
+            <a:solidFill>
+              <a:schemeClr val="tx1">
+                <a:lumMod val="20000"/>
+                <a:lumOff val="80000"/>
+              </a:schemeClr>
+            </a:solidFill>
+          </a:ln>
+        </p:spPr>
+        <p:style>
+          <a:lnRef idx="2">
+            <a:schemeClr val="accent1">
+              <a:shade val="50000"/>
+            </a:schemeClr>
+          </a:lnRef>
+          <a:fillRef idx="1">
+            <a:schemeClr val="accent1"/>
+          </a:fillRef>
+          <a:effectRef idx="0">
+            <a:schemeClr val="accent1"/>
+          </a:effectRef>
+          <a:fontRef idx="minor">
+            <a:schemeClr val="lt1"/>
+          </a:fontRef>
+        </p:style>
+        <p:txBody>
+          <a:bodyPr rtlCol="0" anchor="ctr"/>
+          <a:lstStyle/>
+          <a:p>
+            <a:pPr algn="ctr"/>
+            <a:endParaRPr lang="en-US"/>
+          </a:p>
+        </p:txBody>
+      </p:sp>
+      <p:sp>
+        <p:nvSpPr>
           <p:cNvPr id="3" name="Rectangle 2"/>
           <p:cNvSpPr/>
           <p:nvPr/>
@@ -15801,19 +15902,19 @@
                 <a:solidFill>
                   <a:sysClr val="windowText" lastClr="000000"/>
                 </a:solidFill>
-                <a:latin typeface="Abadi MT Condensed Light" charset="0"/>
+                <a:latin typeface="Adobe Arabic" panose="02040503050201020203" charset="0"/>
                 <a:ea typeface="Abadi MT Condensed Light" charset="0"/>
-                <a:cs typeface="Abadi MT Condensed Light" charset="0"/>
+                <a:cs typeface="Adobe Arabic" panose="02040503050201020203" charset="0"/>
               </a:rPr>
               <a:t>Executor Thread</a:t>
             </a:r>
-            <a:endParaRPr lang="en-US" sz="2400" b="1" dirty="0">
+            <a:endParaRPr lang="en-US" sz="2400" b="1" dirty="0" smtClean="0">
               <a:solidFill>
                 <a:sysClr val="windowText" lastClr="000000"/>
               </a:solidFill>
-              <a:latin typeface="Abadi MT Condensed Light" charset="0"/>
+              <a:latin typeface="Adobe Arabic" panose="02040503050201020203" charset="0"/>
               <a:ea typeface="Abadi MT Condensed Light" charset="0"/>
-              <a:cs typeface="Abadi MT Condensed Light" charset="0"/>
+              <a:cs typeface="Adobe Arabic" panose="02040503050201020203" charset="0"/>
             </a:endParaRPr>
           </a:p>
         </p:txBody>
@@ -15863,19 +15964,19 @@
                 <a:solidFill>
                   <a:sysClr val="windowText" lastClr="000000"/>
                 </a:solidFill>
-                <a:latin typeface="Abadi MT Condensed Light" charset="0"/>
+                <a:latin typeface="Adobe Arabic" panose="02040503050201020203" charset="0"/>
                 <a:ea typeface="Abadi MT Condensed Light" charset="0"/>
-                <a:cs typeface="Abadi MT Condensed Light" charset="0"/>
+                <a:cs typeface="Adobe Arabic" panose="02040503050201020203" charset="0"/>
               </a:rPr>
               <a:t>Executor Thread</a:t>
             </a:r>
-            <a:endParaRPr lang="en-US" sz="2400" b="1" dirty="0">
+            <a:endParaRPr lang="en-US" sz="2400" b="1" dirty="0" smtClean="0">
               <a:solidFill>
                 <a:sysClr val="windowText" lastClr="000000"/>
               </a:solidFill>
-              <a:latin typeface="Abadi MT Condensed Light" charset="0"/>
+              <a:latin typeface="Adobe Arabic" panose="02040503050201020203" charset="0"/>
               <a:ea typeface="Abadi MT Condensed Light" charset="0"/>
-              <a:cs typeface="Abadi MT Condensed Light" charset="0"/>
+              <a:cs typeface="Adobe Arabic" panose="02040503050201020203" charset="0"/>
             </a:endParaRPr>
           </a:p>
         </p:txBody>
@@ -16298,59 +16399,6 @@
               <a:ea typeface="Abadi MT Condensed Light" charset="0"/>
               <a:cs typeface="Adobe Arabic" panose="02040503050201020203" charset="0"/>
             </a:endParaRPr>
-          </a:p>
-        </p:txBody>
-      </p:sp>
-      <p:sp>
-        <p:nvSpPr>
-          <p:cNvPr id="26" name="Rounded Rectangle 25"/>
-          <p:cNvSpPr/>
-          <p:nvPr/>
-        </p:nvSpPr>
-        <p:spPr>
-          <a:xfrm>
-            <a:off x="4800598" y="-13432"/>
-            <a:ext cx="7391402" cy="2362200"/>
-          </a:xfrm>
-          <a:prstGeom prst="roundRect">
-            <a:avLst/>
-          </a:prstGeom>
-          <a:solidFill>
-            <a:schemeClr val="bg2">
-              <a:alpha val="36000"/>
-            </a:schemeClr>
-          </a:solidFill>
-          <a:ln>
-            <a:solidFill>
-              <a:schemeClr val="tx1">
-                <a:lumMod val="20000"/>
-                <a:lumOff val="80000"/>
-              </a:schemeClr>
-            </a:solidFill>
-          </a:ln>
-        </p:spPr>
-        <p:style>
-          <a:lnRef idx="2">
-            <a:schemeClr val="accent1">
-              <a:shade val="50000"/>
-            </a:schemeClr>
-          </a:lnRef>
-          <a:fillRef idx="1">
-            <a:schemeClr val="accent1"/>
-          </a:fillRef>
-          <a:effectRef idx="0">
-            <a:schemeClr val="accent1"/>
-          </a:effectRef>
-          <a:fontRef idx="minor">
-            <a:schemeClr val="lt1"/>
-          </a:fontRef>
-        </p:style>
-        <p:txBody>
-          <a:bodyPr rtlCol="0" anchor="ctr"/>
-          <a:lstStyle/>
-          <a:p>
-            <a:pPr algn="ctr"/>
-            <a:endParaRPr lang="en-US"/>
           </a:p>
         </p:txBody>
       </p:sp>
@@ -17295,19 +17343,19 @@
                 <a:solidFill>
                   <a:sysClr val="windowText" lastClr="000000"/>
                 </a:solidFill>
-                <a:latin typeface="Abadi MT Condensed Light" charset="0"/>
+                <a:latin typeface="Adobe Arabic" panose="02040503050201020203" charset="0"/>
                 <a:ea typeface="Abadi MT Condensed Light" charset="0"/>
-                <a:cs typeface="Abadi MT Condensed Light" charset="0"/>
+                <a:cs typeface="Adobe Arabic" panose="02040503050201020203" charset="0"/>
               </a:rPr>
               <a:t>Executor Thread</a:t>
             </a:r>
-            <a:endParaRPr lang="en-US" sz="2400" b="1" dirty="0">
+            <a:endParaRPr lang="en-US" sz="2400" b="1" dirty="0" smtClean="0">
               <a:solidFill>
                 <a:sysClr val="windowText" lastClr="000000"/>
               </a:solidFill>
-              <a:latin typeface="Abadi MT Condensed Light" charset="0"/>
+              <a:latin typeface="Adobe Arabic" panose="02040503050201020203" charset="0"/>
               <a:ea typeface="Abadi MT Condensed Light" charset="0"/>
-              <a:cs typeface="Abadi MT Condensed Light" charset="0"/>
+              <a:cs typeface="Adobe Arabic" panose="02040503050201020203" charset="0"/>
             </a:endParaRPr>
           </a:p>
         </p:txBody>
@@ -18910,9 +18958,9 @@
                 <a:solidFill>
                   <a:sysClr val="windowText" lastClr="000000"/>
                 </a:solidFill>
-                <a:latin typeface="Abadi MT Condensed Light" charset="0"/>
+                <a:latin typeface="Adobe Arabic" panose="02040503050201020203" charset="0"/>
                 <a:ea typeface="Abadi MT Condensed Light" charset="0"/>
-                <a:cs typeface="Abadi MT Condensed Light" charset="0"/>
+                <a:cs typeface="Adobe Arabic" panose="02040503050201020203" charset="0"/>
               </a:rPr>
               <a:t>Executor Thread</a:t>
             </a:r>
@@ -18920,9 +18968,9 @@
               <a:solidFill>
                 <a:sysClr val="windowText" lastClr="000000"/>
               </a:solidFill>
-              <a:latin typeface="Abadi MT Condensed Light" charset="0"/>
+              <a:latin typeface="Adobe Arabic" panose="02040503050201020203" charset="0"/>
               <a:ea typeface="Abadi MT Condensed Light" charset="0"/>
-              <a:cs typeface="Abadi MT Condensed Light" charset="0"/>
+              <a:cs typeface="Adobe Arabic" panose="02040503050201020203" charset="0"/>
             </a:endParaRPr>
           </a:p>
         </p:txBody>
@@ -20772,19 +20820,19 @@
                 <a:solidFill>
                   <a:sysClr val="windowText" lastClr="000000"/>
                 </a:solidFill>
-                <a:latin typeface="Abadi MT Condensed Light" charset="0"/>
+                <a:latin typeface="Adobe Arabic" panose="02040503050201020203" charset="0"/>
                 <a:ea typeface="Abadi MT Condensed Light" charset="0"/>
-                <a:cs typeface="Abadi MT Condensed Light" charset="0"/>
+                <a:cs typeface="Adobe Arabic" panose="02040503050201020203" charset="0"/>
               </a:rPr>
               <a:t>Executor Thread</a:t>
             </a:r>
-            <a:endParaRPr lang="en-US" sz="2400" b="1" dirty="0">
+            <a:endParaRPr lang="en-US" sz="2400" b="1" dirty="0" smtClean="0">
               <a:solidFill>
                 <a:sysClr val="windowText" lastClr="000000"/>
               </a:solidFill>
-              <a:latin typeface="Abadi MT Condensed Light" charset="0"/>
+              <a:latin typeface="Adobe Arabic" panose="02040503050201020203" charset="0"/>
               <a:ea typeface="Abadi MT Condensed Light" charset="0"/>
-              <a:cs typeface="Abadi MT Condensed Light" charset="0"/>
+              <a:cs typeface="Adobe Arabic" panose="02040503050201020203" charset="0"/>
             </a:endParaRPr>
           </a:p>
         </p:txBody>
@@ -21219,19 +21267,19 @@
                 <a:solidFill>
                   <a:sysClr val="windowText" lastClr="000000"/>
                 </a:solidFill>
-                <a:latin typeface="Abadi MT Condensed Light" charset="0"/>
+                <a:latin typeface="Adobe Arabic" panose="02040503050201020203" charset="0"/>
                 <a:ea typeface="Abadi MT Condensed Light" charset="0"/>
-                <a:cs typeface="Abadi MT Condensed Light" charset="0"/>
+                <a:cs typeface="Adobe Arabic" panose="02040503050201020203" charset="0"/>
               </a:rPr>
               <a:t>Executor Thread</a:t>
             </a:r>
-            <a:endParaRPr lang="en-US" sz="2400" b="1" dirty="0">
+            <a:endParaRPr lang="en-US" sz="2400" b="1" dirty="0" smtClean="0">
               <a:solidFill>
                 <a:sysClr val="windowText" lastClr="000000"/>
               </a:solidFill>
-              <a:latin typeface="Abadi MT Condensed Light" charset="0"/>
+              <a:latin typeface="Adobe Arabic" panose="02040503050201020203" charset="0"/>
               <a:ea typeface="Abadi MT Condensed Light" charset="0"/>
-              <a:cs typeface="Abadi MT Condensed Light" charset="0"/>
+              <a:cs typeface="Adobe Arabic" panose="02040503050201020203" charset="0"/>
             </a:endParaRPr>
           </a:p>
         </p:txBody>
@@ -22351,6 +22399,62 @@
       </p:grpSpPr>
       <p:sp>
         <p:nvSpPr>
+          <p:cNvPr id="49" name="Rounded Rectangle 48"/>
+          <p:cNvSpPr/>
+          <p:nvPr/>
+        </p:nvSpPr>
+        <p:spPr>
+          <a:xfrm>
+            <a:off x="3697404" y="2630507"/>
+            <a:ext cx="7503996" cy="2362200"/>
+          </a:xfrm>
+          <a:prstGeom prst="roundRect">
+            <a:avLst/>
+          </a:prstGeom>
+          <a:solidFill>
+            <a:schemeClr val="bg2">
+              <a:alpha val="36000"/>
+            </a:schemeClr>
+          </a:solidFill>
+          <a:ln>
+            <a:solidFill>
+              <a:schemeClr val="tx1">
+                <a:lumMod val="20000"/>
+                <a:lumOff val="80000"/>
+              </a:schemeClr>
+            </a:solidFill>
+          </a:ln>
+        </p:spPr>
+        <p:style>
+          <a:lnRef idx="2">
+            <a:schemeClr val="accent1">
+              <a:shade val="50000"/>
+            </a:schemeClr>
+          </a:lnRef>
+          <a:fillRef idx="1">
+            <a:schemeClr val="accent1"/>
+          </a:fillRef>
+          <a:effectRef idx="0">
+            <a:schemeClr val="accent1"/>
+          </a:effectRef>
+          <a:fontRef idx="minor">
+            <a:schemeClr val="lt1"/>
+          </a:fontRef>
+        </p:style>
+        <p:txBody>
+          <a:bodyPr rtlCol="0" anchor="ctr"/>
+          <a:lstStyle/>
+          <a:p>
+            <a:pPr algn="ctr"/>
+            <a:endParaRPr lang="en-US">
+              <a:latin typeface="Adobe Arabic" panose="02040503050201020203" charset="0"/>
+              <a:cs typeface="Adobe Arabic" panose="02040503050201020203" charset="0"/>
+            </a:endParaRPr>
+          </a:p>
+        </p:txBody>
+      </p:sp>
+      <p:sp>
+        <p:nvSpPr>
           <p:cNvPr id="12" name="Content Placeholder 1"/>
           <p:cNvSpPr txBox="1"/>
           <p:nvPr/>
@@ -23680,62 +23784,6 @@
               </a:solidFill>
               <a:latin typeface="Adobe Arabic" panose="02040503050201020203" charset="0"/>
               <a:ea typeface="Abadi MT Condensed Light" charset="0"/>
-              <a:cs typeface="Adobe Arabic" panose="02040503050201020203" charset="0"/>
-            </a:endParaRPr>
-          </a:p>
-        </p:txBody>
-      </p:sp>
-      <p:sp>
-        <p:nvSpPr>
-          <p:cNvPr id="49" name="Rounded Rectangle 48"/>
-          <p:cNvSpPr/>
-          <p:nvPr/>
-        </p:nvSpPr>
-        <p:spPr>
-          <a:xfrm>
-            <a:off x="3697404" y="2630507"/>
-            <a:ext cx="7503996" cy="2362200"/>
-          </a:xfrm>
-          <a:prstGeom prst="roundRect">
-            <a:avLst/>
-          </a:prstGeom>
-          <a:solidFill>
-            <a:schemeClr val="bg2">
-              <a:alpha val="36000"/>
-            </a:schemeClr>
-          </a:solidFill>
-          <a:ln>
-            <a:solidFill>
-              <a:schemeClr val="tx1">
-                <a:lumMod val="20000"/>
-                <a:lumOff val="80000"/>
-              </a:schemeClr>
-            </a:solidFill>
-          </a:ln>
-        </p:spPr>
-        <p:style>
-          <a:lnRef idx="2">
-            <a:schemeClr val="accent1">
-              <a:shade val="50000"/>
-            </a:schemeClr>
-          </a:lnRef>
-          <a:fillRef idx="1">
-            <a:schemeClr val="accent1"/>
-          </a:fillRef>
-          <a:effectRef idx="0">
-            <a:schemeClr val="accent1"/>
-          </a:effectRef>
-          <a:fontRef idx="minor">
-            <a:schemeClr val="lt1"/>
-          </a:fontRef>
-        </p:style>
-        <p:txBody>
-          <a:bodyPr rtlCol="0" anchor="ctr"/>
-          <a:lstStyle/>
-          <a:p>
-            <a:pPr algn="ctr"/>
-            <a:endParaRPr lang="en-US">
-              <a:latin typeface="Adobe Arabic" panose="02040503050201020203" charset="0"/>
               <a:cs typeface="Adobe Arabic" panose="02040503050201020203" charset="0"/>
             </a:endParaRPr>
           </a:p>

--- a/presentations/java_future.pptx
+++ b/presentations/java_future.pptx
@@ -1,33 +1,33 @@
 
 <file path=ppt/presentation.xml><?xml version="1.0" encoding="utf-8"?>
-<p:presentation xmlns:a="http://schemas.openxmlformats.org/drawingml/2006/main" xmlns:r="http://schemas.openxmlformats.org/officeDocument/2006/relationships" xmlns:p="http://schemas.openxmlformats.org/presentationml/2006/main" saveSubsetFonts="1">
+<p:presentation xmlns:a="http://schemas.openxmlformats.org/drawingml/2006/main" xmlns:r="http://schemas.openxmlformats.org/officeDocument/2006/relationships" xmlns:p="http://schemas.openxmlformats.org/presentationml/2006/main">
   <p:sldMasterIdLst>
     <p:sldMasterId id="2147483648" r:id="rId1"/>
   </p:sldMasterIdLst>
   <p:notesMasterIdLst>
-    <p:notesMasterId r:id="rId19"/>
+    <p:notesMasterId r:id="rId4"/>
   </p:notesMasterIdLst>
   <p:handoutMasterIdLst>
-    <p:handoutMasterId r:id="rId20"/>
+    <p:handoutMasterId r:id="rId21"/>
   </p:handoutMasterIdLst>
   <p:sldIdLst>
-    <p:sldId id="299" r:id="rId2"/>
-    <p:sldId id="394" r:id="rId3"/>
-    <p:sldId id="360" r:id="rId4"/>
-    <p:sldId id="359" r:id="rId5"/>
-    <p:sldId id="361" r:id="rId6"/>
-    <p:sldId id="385" r:id="rId7"/>
-    <p:sldId id="373" r:id="rId8"/>
-    <p:sldId id="378" r:id="rId9"/>
-    <p:sldId id="384" r:id="rId10"/>
-    <p:sldId id="365" r:id="rId11"/>
-    <p:sldId id="388" r:id="rId12"/>
-    <p:sldId id="367" r:id="rId13"/>
-    <p:sldId id="391" r:id="rId14"/>
-    <p:sldId id="390" r:id="rId15"/>
-    <p:sldId id="392" r:id="rId16"/>
-    <p:sldId id="369" r:id="rId17"/>
-    <p:sldId id="370" r:id="rId18"/>
+    <p:sldId id="299" r:id="rId3"/>
+    <p:sldId id="394" r:id="rId5"/>
+    <p:sldId id="360" r:id="rId6"/>
+    <p:sldId id="359" r:id="rId7"/>
+    <p:sldId id="361" r:id="rId8"/>
+    <p:sldId id="385" r:id="rId9"/>
+    <p:sldId id="373" r:id="rId10"/>
+    <p:sldId id="378" r:id="rId11"/>
+    <p:sldId id="384" r:id="rId12"/>
+    <p:sldId id="365" r:id="rId13"/>
+    <p:sldId id="388" r:id="rId14"/>
+    <p:sldId id="367" r:id="rId15"/>
+    <p:sldId id="391" r:id="rId16"/>
+    <p:sldId id="390" r:id="rId17"/>
+    <p:sldId id="392" r:id="rId18"/>
+    <p:sldId id="369" r:id="rId19"/>
+    <p:sldId id="370" r:id="rId20"/>
   </p:sldIdLst>
   <p:sldSz cx="12192000" cy="6858000"/>
   <p:notesSz cx="6858000" cy="9144000"/>
@@ -126,35 +126,6 @@
       </a:defRPr>
     </a:lvl9pPr>
   </p:defaultTextStyle>
-  <p:extLst>
-    <p:ext uri="{EFAFB233-063F-42B5-8137-9DF3F51BA10A}">
-      <p15:sldGuideLst xmlns:p15="http://schemas.microsoft.com/office/powerpoint/2012/main">
-        <p15:guide id="1" orient="horz" pos="407">
-          <p15:clr>
-            <a:srgbClr val="A4A3A4"/>
-          </p15:clr>
-        </p15:guide>
-        <p15:guide id="2" pos="528">
-          <p15:clr>
-            <a:srgbClr val="A4A3A4"/>
-          </p15:clr>
-        </p15:guide>
-        <p15:guide id="3" pos="7156">
-          <p15:clr>
-            <a:srgbClr val="A4A3A4"/>
-          </p15:clr>
-        </p15:guide>
-        <p15:guide id="4" orient="horz" pos="3859">
-          <p15:clr>
-            <a:srgbClr val="A4A3A4"/>
-          </p15:clr>
-        </p15:guide>
-      </p15:sldGuideLst>
-    </p:ext>
-    <p:ext uri="{2D200454-40CA-4A62-9FC3-DE9A4176ACB9}">
-      <p15:notesGuideLst xmlns:p15="http://schemas.microsoft.com/office/powerpoint/2012/main"/>
-    </p:ext>
-  </p:extLst>
 </p:presentation>
 </file>
 
@@ -240,7 +211,6 @@
           <a:p>
             <a:fld id="{D426F103-508E-467C-AF53-B35FDC2F36C0}" type="datetimeFigureOut">
               <a:rPr lang="en-US" smtClean="0"/>
-              <a:t>11/14/19</a:t>
             </a:fld>
             <a:endParaRPr lang="en-US"/>
           </a:p>
@@ -306,7 +276,6 @@
           <a:p>
             <a:fld id="{4C600A97-EEC9-4A42-B3B4-F5007EC270F7}" type="slidenum">
               <a:rPr lang="en-US" smtClean="0"/>
-              <a:t>‹#›</a:t>
             </a:fld>
             <a:endParaRPr lang="en-US"/>
           </a:p>
@@ -400,7 +369,6 @@
           <a:p>
             <a:fld id="{A90D6CB4-478E-4505-A839-A5849C2F988C}" type="datetimeFigureOut">
               <a:rPr lang="en-US" smtClean="0"/>
-              <a:t>11/14/19</a:t>
             </a:fld>
             <a:endParaRPr lang="en-US"/>
           </a:p>
@@ -467,6 +435,7 @@
               <a:rPr lang="en-US"/>
               <a:t>Edit Master text styles</a:t>
             </a:r>
+            <a:endParaRPr lang="en-US"/>
           </a:p>
           <a:p>
             <a:pPr lvl="1"/>
@@ -474,6 +443,7 @@
               <a:rPr lang="en-US"/>
               <a:t>Second level</a:t>
             </a:r>
+            <a:endParaRPr lang="en-US"/>
           </a:p>
           <a:p>
             <a:pPr lvl="2"/>
@@ -481,6 +451,7 @@
               <a:rPr lang="en-US"/>
               <a:t>Third level</a:t>
             </a:r>
+            <a:endParaRPr lang="en-US"/>
           </a:p>
           <a:p>
             <a:pPr lvl="3"/>
@@ -488,6 +459,7 @@
               <a:rPr lang="en-US"/>
               <a:t>Fourth level</a:t>
             </a:r>
+            <a:endParaRPr lang="en-US"/>
           </a:p>
           <a:p>
             <a:pPr lvl="4"/>
@@ -495,6 +467,7 @@
               <a:rPr lang="en-US"/>
               <a:t>Fifth level</a:t>
             </a:r>
+            <a:endParaRPr lang="en-US"/>
           </a:p>
         </p:txBody>
       </p:sp>
@@ -558,7 +531,6 @@
           <a:p>
             <a:fld id="{FEC4ED2C-DC4C-4AFD-8B22-623D9727471E}" type="slidenum">
               <a:rPr lang="en-US" smtClean="0"/>
-              <a:t>‹#›</a:t>
             </a:fld>
             <a:endParaRPr lang="en-US"/>
           </a:p>
@@ -727,7 +699,6 @@
           <a:p>
             <a:fld id="{FEC4ED2C-DC4C-4AFD-8B22-623D9727471E}" type="slidenum">
               <a:rPr lang="en-US" smtClean="0"/>
-              <a:t>1</a:t>
             </a:fld>
             <a:endParaRPr lang="en-US"/>
           </a:p>
@@ -797,20 +768,6 @@
               </a:rPr>
               <a:t>Advantage;</a:t>
             </a:r>
-          </a:p>
-          <a:p>
-            <a:r>
-              <a:rPr lang="en-US" sz="1200" b="1" i="0" kern="1200" dirty="0" smtClean="0">
-                <a:solidFill>
-                  <a:schemeClr val="tx1"/>
-                </a:solidFill>
-                <a:effectLst/>
-                <a:latin typeface="+mn-lt"/>
-                <a:ea typeface="+mn-ea"/>
-                <a:cs typeface="+mn-cs"/>
-              </a:rPr>
-              <a:t>Thread Creation, Thread Management, Task submission and execution</a:t>
-            </a:r>
             <a:endParaRPr lang="en-US" sz="1000" b="0" i="0" kern="1200" dirty="0" smtClean="0">
               <a:solidFill>
                 <a:schemeClr val="tx1"/>
@@ -823,7 +780,7 @@
           </a:p>
           <a:p>
             <a:r>
-              <a:rPr lang="en-US" sz="1000" b="0" i="0" kern="1200" dirty="0" smtClean="0">
+              <a:rPr lang="en-US" sz="1200" b="1" i="0" kern="1200" dirty="0" smtClean="0">
                 <a:solidFill>
                   <a:schemeClr val="tx1"/>
                 </a:solidFill>
@@ -832,12 +789,21 @@
                 <a:ea typeface="+mn-ea"/>
                 <a:cs typeface="+mn-cs"/>
               </a:rPr>
-              <a:t>shutdown() </a:t>
-            </a:r>
-          </a:p>
-          <a:p>
-            <a:r>
-              <a:rPr lang="en-US" sz="1000" b="0" i="0" kern="1200" dirty="0" err="1" smtClean="0">
+              <a:t>Thread Creation, Thread Management, Task submission and execution</a:t>
+            </a:r>
+            <a:endParaRPr lang="en-US" sz="1000" b="0" i="0" kern="1200" dirty="0" smtClean="0">
+              <a:solidFill>
+                <a:schemeClr val="tx1"/>
+              </a:solidFill>
+              <a:effectLst/>
+              <a:latin typeface="+mn-lt"/>
+              <a:ea typeface="+mn-ea"/>
+              <a:cs typeface="+mn-cs"/>
+            </a:endParaRPr>
+          </a:p>
+          <a:p>
+            <a:r>
+              <a:rPr lang="en-US" sz="1000" b="0" i="0" kern="1200" dirty="0" smtClean="0">
                 <a:solidFill>
                   <a:schemeClr val="tx1"/>
                 </a:solidFill>
@@ -846,10 +812,21 @@
                 <a:ea typeface="+mn-ea"/>
                 <a:cs typeface="+mn-cs"/>
               </a:rPr>
-              <a:t>shutdownNow</a:t>
-            </a:r>
-            <a:r>
-              <a:rPr lang="en-US" sz="1000" b="0" i="0" kern="1200" dirty="0" smtClean="0">
+              <a:t>shutdown() </a:t>
+            </a:r>
+            <a:endParaRPr lang="en-US" sz="1000" b="0" i="0" kern="1200" dirty="0" smtClean="0">
+              <a:solidFill>
+                <a:schemeClr val="tx1"/>
+              </a:solidFill>
+              <a:effectLst/>
+              <a:latin typeface="+mn-lt"/>
+              <a:ea typeface="+mn-ea"/>
+              <a:cs typeface="+mn-cs"/>
+            </a:endParaRPr>
+          </a:p>
+          <a:p>
+            <a:r>
+              <a:rPr lang="en-US" sz="1000" b="0" i="0" kern="1200" dirty="0" err="1" smtClean="0">
                 <a:solidFill>
                   <a:schemeClr val="tx1"/>
                 </a:solidFill>
@@ -858,8 +835,29 @@
                 <a:ea typeface="+mn-ea"/>
                 <a:cs typeface="+mn-cs"/>
               </a:rPr>
+              <a:t>shutdownNow</a:t>
+            </a:r>
+            <a:r>
+              <a:rPr lang="en-US" sz="1000" b="0" i="0" kern="1200" dirty="0" smtClean="0">
+                <a:solidFill>
+                  <a:schemeClr val="tx1"/>
+                </a:solidFill>
+                <a:effectLst/>
+                <a:latin typeface="+mn-lt"/>
+                <a:ea typeface="+mn-ea"/>
+                <a:cs typeface="+mn-cs"/>
+              </a:rPr>
               <a:t>() </a:t>
             </a:r>
+            <a:endParaRPr lang="en-US" sz="1000" b="0" i="0" kern="1200" dirty="0" smtClean="0">
+              <a:solidFill>
+                <a:schemeClr val="tx1"/>
+              </a:solidFill>
+              <a:effectLst/>
+              <a:latin typeface="+mn-lt"/>
+              <a:ea typeface="+mn-ea"/>
+              <a:cs typeface="+mn-cs"/>
+            </a:endParaRPr>
           </a:p>
           <a:p>
             <a:endParaRPr lang="en-US" sz="1000" b="0" i="0" kern="1200" dirty="0" smtClean="0">
@@ -891,7 +889,6 @@
           <a:p>
             <a:fld id="{FEC4ED2C-DC4C-4AFD-8B22-623D9727471E}" type="slidenum">
               <a:rPr lang="en-US" smtClean="0"/>
-              <a:t>4</a:t>
             </a:fld>
             <a:endParaRPr lang="en-US"/>
           </a:p>
@@ -969,6 +966,7 @@
               <a:rPr lang="en-US" dirty="0"/>
               <a:t>Edit Master text styles</a:t>
             </a:r>
+            <a:endParaRPr lang="en-US" dirty="0"/>
           </a:p>
         </p:txBody>
       </p:sp>
@@ -1009,6 +1007,7 @@
               <a:rPr lang="en-US" dirty="0"/>
               <a:t>Edit Master text styles</a:t>
             </a:r>
+            <a:endParaRPr lang="en-US" dirty="0"/>
           </a:p>
         </p:txBody>
       </p:sp>
@@ -1183,6 +1182,7 @@
               <a:rPr lang="en-US" dirty="0"/>
               <a:t>Edit Master text styles</a:t>
             </a:r>
+            <a:endParaRPr lang="en-US" dirty="0"/>
           </a:p>
         </p:txBody>
       </p:sp>
@@ -1238,6 +1238,7 @@
               <a:rPr lang="en-US" dirty="0"/>
               <a:t>Edit Master text styles</a:t>
             </a:r>
+            <a:endParaRPr lang="en-US" dirty="0"/>
           </a:p>
           <a:p>
             <a:pPr lvl="1"/>
@@ -1245,6 +1246,7 @@
               <a:rPr lang="en-US" dirty="0"/>
               <a:t>Second level</a:t>
             </a:r>
+            <a:endParaRPr lang="en-US" dirty="0"/>
           </a:p>
         </p:txBody>
       </p:sp>
@@ -1369,6 +1371,7 @@
               <a:rPr lang="en-US" dirty="0"/>
               <a:t>Edit Master text styles</a:t>
             </a:r>
+            <a:endParaRPr lang="en-US" dirty="0"/>
           </a:p>
         </p:txBody>
       </p:sp>
@@ -1541,6 +1544,7 @@
               <a:rPr lang="en-US" dirty="0"/>
               <a:t>Click to edit Master title style</a:t>
             </a:r>
+            <a:endParaRPr lang="en-US" dirty="0"/>
           </a:p>
         </p:txBody>
       </p:sp>
@@ -1586,6 +1590,7 @@
               <a:rPr lang="en-US" dirty="0"/>
               <a:t>Edit Master text styles</a:t>
             </a:r>
+            <a:endParaRPr lang="en-US" dirty="0"/>
           </a:p>
         </p:txBody>
       </p:sp>
@@ -1620,6 +1625,7 @@
               <a:rPr lang="en-US" dirty="0"/>
               <a:t>Insert Picture &gt; Send to Back</a:t>
             </a:r>
+            <a:endParaRPr lang="en-US" dirty="0"/>
           </a:p>
         </p:txBody>
       </p:sp>
@@ -1662,7 +1668,7 @@
           <p:nvPr userDrawn="1"/>
         </p:nvPicPr>
         <p:blipFill>
-          <a:blip r:embed="rId6" cstate="print">
+          <a:blip r:embed="rId5" cstate="print">
             <a:extLst>
               <a:ext uri="{28A0092B-C50C-407E-A947-70E740481C1C}">
                 <a14:useLocalDpi xmlns:a14="http://schemas.microsoft.com/office/drawing/2010/main" val="0"/>
@@ -2339,7 +2345,7 @@
             <a:avLst/>
           </a:prstGeom>
           <a:blipFill>
-            <a:blip r:embed="rId3"/>
+            <a:blip r:embed="rId1"/>
             <a:stretch>
               <a:fillRect/>
             </a:stretch>
@@ -2384,7 +2390,7 @@
           <p:nvPr/>
         </p:nvPicPr>
         <p:blipFill>
-          <a:blip r:embed="rId4">
+          <a:blip r:embed="rId2">
             <a:extLst>
               <a:ext uri="{28A0092B-C50C-407E-A947-70E740481C1C}">
                 <a14:useLocalDpi xmlns:a14="http://schemas.microsoft.com/office/drawing/2010/main" val="0"/>
@@ -2456,6 +2462,14 @@
               </a:rPr>
               <a:t>Thread1</a:t>
             </a:r>
+            <a:endParaRPr lang="en-US" sz="2400" b="1" dirty="0" smtClean="0">
+              <a:solidFill>
+                <a:sysClr val="windowText" lastClr="000000"/>
+              </a:solidFill>
+              <a:latin typeface="Adobe Arabic" panose="02040503050201020203" charset="0"/>
+              <a:ea typeface="Abadi MT Condensed Light" charset="0"/>
+              <a:cs typeface="Adobe Arabic" panose="02040503050201020203" charset="0"/>
+            </a:endParaRPr>
           </a:p>
         </p:txBody>
       </p:sp>
@@ -2598,7 +2612,7 @@
             <a:avLst/>
           </a:prstGeom>
           <a:blipFill>
-            <a:blip r:embed="rId5"/>
+            <a:blip r:embed="rId3"/>
             <a:stretch>
               <a:fillRect/>
             </a:stretch>
@@ -2649,7 +2663,7 @@
             <a:avLst/>
           </a:prstGeom>
           <a:blipFill>
-            <a:blip r:embed="rId6"/>
+            <a:blip r:embed="rId4"/>
             <a:stretch>
               <a:fillRect/>
             </a:stretch>
@@ -2694,7 +2708,7 @@
           <p:nvPr/>
         </p:nvPicPr>
         <p:blipFill>
-          <a:blip r:embed="rId7">
+          <a:blip r:embed="rId5">
             <a:extLst>
               <a:ext uri="{28A0092B-C50C-407E-A947-70E740481C1C}">
                 <a14:useLocalDpi xmlns:a14="http://schemas.microsoft.com/office/drawing/2010/main" val="0"/>
@@ -2784,7 +2798,7 @@
           <p:nvPr/>
         </p:nvPicPr>
         <p:blipFill>
-          <a:blip r:embed="rId7">
+          <a:blip r:embed="rId5">
             <a:extLst>
               <a:ext uri="{28A0092B-C50C-407E-A947-70E740481C1C}">
                 <a14:useLocalDpi xmlns:a14="http://schemas.microsoft.com/office/drawing/2010/main" val="0"/>
@@ -2956,7 +2970,7 @@
           <p:nvPr/>
         </p:nvPicPr>
         <p:blipFill rotWithShape="1">
-          <a:blip r:embed="rId8">
+          <a:blip r:embed="rId6">
             <a:extLst>
               <a:ext uri="{28A0092B-C50C-407E-A947-70E740481C1C}">
                 <a14:useLocalDpi xmlns:a14="http://schemas.microsoft.com/office/drawing/2010/main" val="0"/>
@@ -2964,7 +2978,9 @@
             </a:extLst>
           </a:blip>
           <a:srcRect l="18537" t="8685" r="16076" b="5798"/>
-          <a:stretch/>
+          <a:stretch>
+            <a:fillRect/>
+          </a:stretch>
         </p:blipFill>
         <p:spPr>
           <a:xfrm>
@@ -2990,7 +3006,7 @@
           <p:nvPr/>
         </p:nvPicPr>
         <p:blipFill rotWithShape="1">
-          <a:blip r:embed="rId9">
+          <a:blip r:embed="rId7">
             <a:extLst>
               <a:ext uri="{28A0092B-C50C-407E-A947-70E740481C1C}">
                 <a14:useLocalDpi xmlns:a14="http://schemas.microsoft.com/office/drawing/2010/main" val="0"/>
@@ -2998,7 +3014,9 @@
             </a:extLst>
           </a:blip>
           <a:srcRect l="17736" t="-6079" r="15402"/>
-          <a:stretch/>
+          <a:stretch>
+            <a:fillRect/>
+          </a:stretch>
         </p:blipFill>
         <p:spPr>
           <a:xfrm>
@@ -3019,7 +3037,7 @@
           <p:nvPr/>
         </p:nvPicPr>
         <p:blipFill>
-          <a:blip r:embed="rId4">
+          <a:blip r:embed="rId2">
             <a:extLst>
               <a:ext uri="{28A0092B-C50C-407E-A947-70E740481C1C}">
                 <a14:useLocalDpi xmlns:a14="http://schemas.microsoft.com/office/drawing/2010/main" val="0"/>
@@ -3049,7 +3067,7 @@
           <p:nvPr/>
         </p:nvPicPr>
         <p:blipFill rotWithShape="1">
-          <a:blip r:embed="rId10">
+          <a:blip r:embed="rId8">
             <a:extLst>
               <a:ext uri="{28A0092B-C50C-407E-A947-70E740481C1C}">
                 <a14:useLocalDpi xmlns:a14="http://schemas.microsoft.com/office/drawing/2010/main" val="0"/>
@@ -3057,7 +3075,9 @@
             </a:extLst>
           </a:blip>
           <a:srcRect l="-5916" t="1" b="34414"/>
-          <a:stretch/>
+          <a:stretch>
+            <a:fillRect/>
+          </a:stretch>
         </p:blipFill>
         <p:spPr>
           <a:xfrm>
@@ -3078,7 +3098,7 @@
           <p:nvPr/>
         </p:nvPicPr>
         <p:blipFill>
-          <a:blip r:embed="rId11">
+          <a:blip r:embed="rId9">
             <a:extLst>
               <a:ext uri="{28A0092B-C50C-407E-A947-70E740481C1C}">
                 <a14:useLocalDpi xmlns:a14="http://schemas.microsoft.com/office/drawing/2010/main" val="0"/>
@@ -3108,7 +3128,7 @@
           <p:nvPr/>
         </p:nvPicPr>
         <p:blipFill>
-          <a:blip r:embed="rId11">
+          <a:blip r:embed="rId9">
             <a:extLst>
               <a:ext uri="{28A0092B-C50C-407E-A947-70E740481C1C}">
                 <a14:useLocalDpi xmlns:a14="http://schemas.microsoft.com/office/drawing/2010/main" val="0"/>
@@ -3320,142 +3340,148 @@
               </a:rPr>
               <a:t>(100);</a:t>
             </a:r>
-          </a:p>
-          <a:p>
-            <a:r>
-              <a:rPr lang="en-US" sz="1400" b="1" dirty="0">
-                <a:solidFill>
-                  <a:srgbClr val="7F0055"/>
-                </a:solidFill>
-                <a:latin typeface="Menlo" charset="0"/>
-              </a:rPr>
-              <a:t>public</a:t>
-            </a:r>
-            <a:r>
-              <a:rPr lang="en-US" sz="1400" dirty="0">
-                <a:latin typeface="Menlo" charset="0"/>
-              </a:rPr>
-              <a:t> </a:t>
-            </a:r>
-            <a:r>
-              <a:rPr lang="en-US" sz="1400" b="1" dirty="0">
-                <a:solidFill>
-                  <a:srgbClr val="7F0055"/>
-                </a:solidFill>
-                <a:latin typeface="Menlo" charset="0"/>
-              </a:rPr>
-              <a:t>static</a:t>
-            </a:r>
-            <a:r>
-              <a:rPr lang="en-US" sz="1400" dirty="0">
-                <a:latin typeface="Menlo" charset="0"/>
-              </a:rPr>
-              <a:t> </a:t>
-            </a:r>
-            <a:r>
-              <a:rPr lang="en-US" sz="1400" dirty="0" err="1">
-                <a:latin typeface="Menlo" charset="0"/>
-              </a:rPr>
-              <a:t>CompletableFuture</a:t>
-            </a:r>
-            <a:r>
-              <a:rPr lang="en-US" sz="1400" dirty="0">
-                <a:latin typeface="Menlo" charset="0"/>
-              </a:rPr>
-              <a:t>&lt;String&gt; </a:t>
-            </a:r>
-            <a:r>
-              <a:rPr lang="en-US" sz="1400" dirty="0" err="1" smtClean="0">
-                <a:latin typeface="Menlo" charset="0"/>
-              </a:rPr>
-              <a:t>findPrice</a:t>
-            </a:r>
-            <a:r>
-              <a:rPr lang="en-US" sz="1400" dirty="0" smtClean="0">
-                <a:latin typeface="Menlo" charset="0"/>
-              </a:rPr>
-              <a:t>(String </a:t>
-            </a:r>
-            <a:r>
-              <a:rPr lang="en-US" sz="1400" dirty="0">
-                <a:solidFill>
-                  <a:srgbClr val="6A3E3E"/>
-                </a:solidFill>
-                <a:latin typeface="Menlo" charset="0"/>
-              </a:rPr>
-              <a:t>product</a:t>
-            </a:r>
-            <a:r>
-              <a:rPr lang="en-US" sz="1400" dirty="0">
-                <a:latin typeface="Menlo" charset="0"/>
-              </a:rPr>
-              <a:t>) {</a:t>
-            </a:r>
-          </a:p>
-          <a:p>
-            <a:r>
-              <a:rPr lang="en-US" sz="1400" dirty="0" smtClean="0">
-                <a:latin typeface="Menlo" charset="0"/>
-              </a:rPr>
-              <a:t>	Shop </a:t>
-            </a:r>
-            <a:r>
-              <a:rPr lang="en-US" sz="1400" dirty="0">
-                <a:solidFill>
-                  <a:srgbClr val="6A3E3E"/>
-                </a:solidFill>
-                <a:latin typeface="Menlo" charset="0"/>
-              </a:rPr>
-              <a:t>amazon</a:t>
-            </a:r>
-            <a:r>
-              <a:rPr lang="en-US" sz="1400" dirty="0">
-                <a:latin typeface="Menlo" charset="0"/>
-              </a:rPr>
-              <a:t> = </a:t>
-            </a:r>
-            <a:r>
-              <a:rPr lang="en-US" sz="1400" b="1" dirty="0">
-                <a:solidFill>
-                  <a:srgbClr val="7F0055"/>
-                </a:solidFill>
-                <a:latin typeface="Menlo" charset="0"/>
-              </a:rPr>
-              <a:t>new</a:t>
-            </a:r>
-            <a:r>
-              <a:rPr lang="en-US" sz="1400" dirty="0">
-                <a:latin typeface="Menlo" charset="0"/>
-              </a:rPr>
-              <a:t> Shop</a:t>
-            </a:r>
-            <a:r>
-              <a:rPr lang="en-US" sz="1400" dirty="0" smtClean="0">
-                <a:latin typeface="Menlo" charset="0"/>
-              </a:rPr>
-              <a:t>(</a:t>
-            </a:r>
-            <a:r>
-              <a:rPr lang="en-US" sz="1400" dirty="0" smtClean="0">
-                <a:solidFill>
-                  <a:srgbClr val="2A00FF"/>
-                </a:solidFill>
-                <a:latin typeface="Menlo" charset="0"/>
-              </a:rPr>
-              <a:t>”Amazon"</a:t>
-            </a:r>
-            <a:r>
-              <a:rPr lang="en-US" sz="1400" dirty="0" smtClean="0">
-                <a:latin typeface="Menlo" charset="0"/>
-              </a:rPr>
-              <a:t>);</a:t>
-            </a:r>
             <a:endParaRPr lang="en-US" sz="1400" dirty="0">
               <a:latin typeface="Menlo" charset="0"/>
             </a:endParaRPr>
           </a:p>
           <a:p>
             <a:r>
+              <a:rPr lang="en-US" sz="1400" b="1" dirty="0">
+                <a:solidFill>
+                  <a:srgbClr val="7F0055"/>
+                </a:solidFill>
+                <a:latin typeface="Menlo" charset="0"/>
+              </a:rPr>
+              <a:t>public</a:t>
+            </a:r>
+            <a:r>
+              <a:rPr lang="en-US" sz="1400" dirty="0">
+                <a:latin typeface="Menlo" charset="0"/>
+              </a:rPr>
+              <a:t> </a:t>
+            </a:r>
+            <a:r>
+              <a:rPr lang="en-US" sz="1400" b="1" dirty="0">
+                <a:solidFill>
+                  <a:srgbClr val="7F0055"/>
+                </a:solidFill>
+                <a:latin typeface="Menlo" charset="0"/>
+              </a:rPr>
+              <a:t>static</a:t>
+            </a:r>
+            <a:r>
+              <a:rPr lang="en-US" sz="1400" dirty="0">
+                <a:latin typeface="Menlo" charset="0"/>
+              </a:rPr>
+              <a:t> </a:t>
+            </a:r>
+            <a:r>
+              <a:rPr lang="en-US" sz="1400" dirty="0" err="1">
+                <a:latin typeface="Menlo" charset="0"/>
+              </a:rPr>
+              <a:t>CompletableFuture</a:t>
+            </a:r>
+            <a:r>
+              <a:rPr lang="en-US" sz="1400" dirty="0">
+                <a:latin typeface="Menlo" charset="0"/>
+              </a:rPr>
+              <a:t>&lt;String&gt; </a:t>
+            </a:r>
+            <a:r>
+              <a:rPr lang="en-US" sz="1400" dirty="0" err="1" smtClean="0">
+                <a:latin typeface="Menlo" charset="0"/>
+              </a:rPr>
+              <a:t>findPrice</a:t>
+            </a:r>
+            <a:r>
+              <a:rPr lang="en-US" sz="1400" dirty="0" smtClean="0">
+                <a:latin typeface="Menlo" charset="0"/>
+              </a:rPr>
+              <a:t>(String </a:t>
+            </a:r>
+            <a:r>
+              <a:rPr lang="en-US" sz="1400" dirty="0">
+                <a:solidFill>
+                  <a:srgbClr val="6A3E3E"/>
+                </a:solidFill>
+                <a:latin typeface="Menlo" charset="0"/>
+              </a:rPr>
+              <a:t>product</a:t>
+            </a:r>
+            <a:r>
+              <a:rPr lang="en-US" sz="1400" dirty="0">
+                <a:latin typeface="Menlo" charset="0"/>
+              </a:rPr>
+              <a:t>) {</a:t>
+            </a:r>
+            <a:endParaRPr lang="en-US" sz="1400" dirty="0">
+              <a:latin typeface="Menlo" charset="0"/>
+            </a:endParaRPr>
+          </a:p>
+          <a:p>
+            <a:r>
+              <a:rPr lang="en-US" sz="1400" dirty="0" smtClean="0">
+                <a:latin typeface="Menlo" charset="0"/>
+              </a:rPr>
+              <a:t>	Shop </a:t>
+            </a:r>
+            <a:r>
+              <a:rPr lang="en-US" sz="1400" dirty="0">
+                <a:solidFill>
+                  <a:srgbClr val="6A3E3E"/>
+                </a:solidFill>
+                <a:latin typeface="Menlo" charset="0"/>
+              </a:rPr>
+              <a:t>amazon</a:t>
+            </a:r>
+            <a:r>
+              <a:rPr lang="en-US" sz="1400" dirty="0">
+                <a:latin typeface="Menlo" charset="0"/>
+              </a:rPr>
+              <a:t> = </a:t>
+            </a:r>
+            <a:r>
+              <a:rPr lang="en-US" sz="1400" b="1" dirty="0">
+                <a:solidFill>
+                  <a:srgbClr val="7F0055"/>
+                </a:solidFill>
+                <a:latin typeface="Menlo" charset="0"/>
+              </a:rPr>
+              <a:t>new</a:t>
+            </a:r>
+            <a:r>
+              <a:rPr lang="en-US" sz="1400" dirty="0">
+                <a:latin typeface="Menlo" charset="0"/>
+              </a:rPr>
+              <a:t> Shop</a:t>
+            </a:r>
+            <a:r>
+              <a:rPr lang="en-US" sz="1400" dirty="0" smtClean="0">
+                <a:latin typeface="Menlo" charset="0"/>
+              </a:rPr>
+              <a:t>(</a:t>
+            </a:r>
+            <a:r>
+              <a:rPr lang="en-US" sz="1400" dirty="0" smtClean="0">
+                <a:solidFill>
+                  <a:srgbClr val="2A00FF"/>
+                </a:solidFill>
+                <a:latin typeface="Menlo" charset="0"/>
+              </a:rPr>
+              <a:t>”Amazon"</a:t>
+            </a:r>
+            <a:r>
+              <a:rPr lang="en-US" sz="1400" dirty="0" smtClean="0">
+                <a:latin typeface="Menlo" charset="0"/>
+              </a:rPr>
+              <a:t>);</a:t>
+            </a:r>
+            <a:endParaRPr lang="en-US" sz="1400" dirty="0">
+              <a:latin typeface="Menlo" charset="0"/>
+            </a:endParaRPr>
+          </a:p>
+          <a:p>
+            <a:r>
               <a:rPr lang="en-US" sz="1400" b="1" dirty="0" smtClean="0">
                 <a:solidFill>
                   <a:srgbClr val="7F0055"/>
@@ -3548,6 +3574,9 @@
               </a:rPr>
               <a:t>);</a:t>
             </a:r>
+            <a:endParaRPr lang="en-US" sz="1400" dirty="0">
+              <a:latin typeface="Menlo" charset="0"/>
+            </a:endParaRPr>
           </a:p>
           <a:p>
             <a:r>
@@ -4088,6 +4117,13 @@
               </a:rPr>
               <a:t>)</a:t>
             </a:r>
+            <a:endParaRPr lang="en-US" i="1" dirty="0" smtClean="0">
+              <a:solidFill>
+                <a:schemeClr val="tx1">
+                  <a:alpha val="50000"/>
+                </a:schemeClr>
+              </a:solidFill>
+            </a:endParaRPr>
           </a:p>
           <a:p>
             <a:r>
@@ -4148,8 +4184,8 @@
         </p:nvSpPr>
         <p:spPr>
           <a:xfrm>
-            <a:off x="2194772" y="3200400"/>
-            <a:ext cx="3748828" cy="334354"/>
+            <a:off x="2194560" y="3200400"/>
+            <a:ext cx="3178810" cy="260985"/>
           </a:xfrm>
           <a:prstGeom prst="rect">
             <a:avLst/>
@@ -4218,6 +4254,14 @@
               </a:rPr>
               <a:t>Amazon|20$|Gold</a:t>
             </a:r>
+            <a:endParaRPr lang="en-US" b="1" i="1" dirty="0" smtClean="0">
+              <a:solidFill>
+                <a:srgbClr val="D78000"/>
+              </a:solidFill>
+              <a:latin typeface="Adobe Arabic" panose="02040503050201020203" charset="0"/>
+              <a:ea typeface="Abadi MT Condensed Light" charset="0"/>
+              <a:cs typeface="Adobe Arabic" panose="02040503050201020203" charset="0"/>
+            </a:endParaRPr>
           </a:p>
         </p:txBody>
       </p:sp>
@@ -4314,8 +4358,8 @@
         </p:nvSpPr>
         <p:spPr>
           <a:xfrm>
-            <a:off x="580768" y="2577811"/>
-            <a:ext cx="10468232" cy="1384995"/>
+            <a:off x="581025" y="2578100"/>
+            <a:ext cx="11339830" cy="1383665"/>
           </a:xfrm>
           <a:prstGeom prst="rect">
             <a:avLst/>
@@ -4412,6 +4456,9 @@
               </a:rPr>
               <a:t>(100);</a:t>
             </a:r>
+            <a:endParaRPr lang="en-US" sz="1400" dirty="0">
+              <a:latin typeface="Menlo" charset="0"/>
+            </a:endParaRPr>
           </a:p>
           <a:p>
             <a:r>
@@ -4594,6 +4641,9 @@
               </a:rPr>
               <a:t>));</a:t>
             </a:r>
+            <a:endParaRPr lang="en-US" sz="1400" dirty="0">
+              <a:latin typeface="Menlo" charset="0"/>
+            </a:endParaRPr>
           </a:p>
           <a:p>
             <a:r>
@@ -4665,6 +4715,9 @@
               </a:rPr>
               <a:t>) {</a:t>
             </a:r>
+            <a:endParaRPr lang="en-US" sz="1400" dirty="0">
+              <a:latin typeface="Menlo" charset="0"/>
+            </a:endParaRPr>
           </a:p>
           <a:p>
             <a:r>
@@ -4703,6 +4756,9 @@
               </a:rPr>
               <a:t>().map(</a:t>
             </a:r>
+            <a:endParaRPr lang="en-US" sz="1400" dirty="0">
+              <a:latin typeface="Menlo" charset="0"/>
+            </a:endParaRPr>
           </a:p>
           <a:p>
             <a:r>
@@ -4787,8 +4843,27 @@
               <a:rPr lang="en-US" sz="1400" dirty="0">
                 <a:latin typeface="Menlo" charset="0"/>
               </a:rPr>
-              <a:t>)));</a:t>
-            </a:r>
+              <a:t>), </a:t>
+            </a:r>
+            <a:r>
+              <a:rPr lang="en-US" sz="1400" b="1" i="1" dirty="0">
+                <a:solidFill>
+                  <a:srgbClr val="0000C0"/>
+                </a:solidFill>
+                <a:latin typeface="Menlo" charset="0"/>
+                <a:sym typeface="+mn-ea"/>
+              </a:rPr>
+              <a:t>executor</a:t>
+            </a:r>
+            <a:r>
+              <a:rPr lang="en-US" sz="1400" dirty="0">
+                <a:latin typeface="Menlo" charset="0"/>
+              </a:rPr>
+              <a:t>));</a:t>
+            </a:r>
+            <a:endParaRPr lang="en-US" sz="1400" dirty="0">
+              <a:latin typeface="Menlo" charset="0"/>
+            </a:endParaRPr>
           </a:p>
           <a:p>
             <a:r>
@@ -5240,6 +5315,14 @@
               </a:rPr>
               <a:t>Executor Thread</a:t>
             </a:r>
+            <a:endParaRPr lang="en-US" sz="2400" b="1" dirty="0" smtClean="0">
+              <a:solidFill>
+                <a:sysClr val="windowText" lastClr="000000"/>
+              </a:solidFill>
+              <a:latin typeface="Adobe Arabic" panose="02040503050201020203" charset="0"/>
+              <a:ea typeface="Abadi MT Condensed Light" charset="0"/>
+              <a:cs typeface="Adobe Arabic" panose="02040503050201020203" charset="0"/>
+            </a:endParaRPr>
           </a:p>
         </p:txBody>
       </p:sp>
@@ -5504,6 +5587,13 @@
               </a:rPr>
               <a:t>)</a:t>
             </a:r>
+            <a:endParaRPr lang="en-US" i="1" dirty="0" smtClean="0">
+              <a:solidFill>
+                <a:schemeClr val="tx1">
+                  <a:alpha val="54000"/>
+                </a:schemeClr>
+              </a:solidFill>
+            </a:endParaRPr>
           </a:p>
           <a:p>
             <a:r>
@@ -5564,8 +5654,8 @@
         </p:nvSpPr>
         <p:spPr>
           <a:xfrm>
-            <a:off x="2209800" y="3279940"/>
-            <a:ext cx="2209800" cy="225260"/>
+            <a:off x="2331085" y="3279775"/>
+            <a:ext cx="1934210" cy="225425"/>
           </a:xfrm>
           <a:prstGeom prst="rect">
             <a:avLst/>
@@ -5610,7 +5700,7 @@
           <p:nvPr/>
         </p:nvPicPr>
         <p:blipFill>
-          <a:blip r:embed="rId2">
+          <a:blip r:embed="rId1">
             <a:duotone>
               <a:schemeClr val="accent4">
                 <a:shade val="45000"/>
@@ -5647,7 +5737,7 @@
           <p:nvPr/>
         </p:nvPicPr>
         <p:blipFill>
-          <a:blip r:embed="rId2">
+          <a:blip r:embed="rId1">
             <a:duotone>
               <a:schemeClr val="accent4">
                 <a:shade val="45000"/>
@@ -5708,6 +5798,14 @@
               </a:rPr>
               <a:t>Amazon|20$|Gold</a:t>
             </a:r>
+            <a:endParaRPr lang="en-US" b="1" i="1" dirty="0" smtClean="0">
+              <a:solidFill>
+                <a:srgbClr val="D78000"/>
+              </a:solidFill>
+              <a:latin typeface="Adobe Arabic" panose="02040503050201020203" charset="0"/>
+              <a:ea typeface="Abadi MT Condensed Light" charset="0"/>
+              <a:cs typeface="Adobe Arabic" panose="02040503050201020203" charset="0"/>
+            </a:endParaRPr>
           </a:p>
         </p:txBody>
       </p:sp>
@@ -6181,6 +6279,13 @@
               </a:rPr>
               <a:t>)</a:t>
             </a:r>
+            <a:endParaRPr lang="en-US" i="1" dirty="0" smtClean="0">
+              <a:solidFill>
+                <a:schemeClr val="tx1">
+                  <a:alpha val="49000"/>
+                </a:schemeClr>
+              </a:solidFill>
+            </a:endParaRPr>
           </a:p>
           <a:p>
             <a:r>
@@ -6293,6 +6398,13 @@
               </a:rPr>
               <a:t>)</a:t>
             </a:r>
+            <a:endParaRPr lang="en-US" i="1" dirty="0" smtClean="0">
+              <a:solidFill>
+                <a:schemeClr val="tx1">
+                  <a:alpha val="49000"/>
+                </a:schemeClr>
+              </a:solidFill>
+            </a:endParaRPr>
           </a:p>
           <a:p>
             <a:r>
@@ -6464,6 +6576,7 @@
             <a:solidFill>
               <a:schemeClr val="accent2">
                 <a:lumMod val="50000"/>
+                <a:alpha val="48000"/>
               </a:schemeClr>
             </a:solidFill>
           </a:ln>
@@ -6492,7 +6605,9 @@
             <a:r>
               <a:rPr lang="en-US" sz="2000" dirty="0" err="1" smtClean="0">
                 <a:solidFill>
-                  <a:sysClr val="windowText" lastClr="000000"/>
+                  <a:sysClr val="windowText" lastClr="000000">
+                    <a:alpha val="32000"/>
+                  </a:sysClr>
                 </a:solidFill>
                 <a:latin typeface="Adobe Arabic" panose="02040503050201020203" charset="0"/>
                 <a:ea typeface="Abadi MT Condensed Light" charset="0"/>
@@ -6503,7 +6618,9 @@
             <a:r>
               <a:rPr lang="en-US" sz="2000" dirty="0" smtClean="0">
                 <a:solidFill>
-                  <a:sysClr val="windowText" lastClr="000000"/>
+                  <a:sysClr val="windowText" lastClr="000000">
+                    <a:alpha val="32000"/>
+                  </a:sysClr>
                 </a:solidFill>
                 <a:latin typeface="Adobe Arabic" panose="02040503050201020203" charset="0"/>
                 <a:ea typeface="Abadi MT Condensed Light" charset="0"/>
@@ -6511,9 +6628,11 @@
               </a:rPr>
               <a:t>()</a:t>
             </a:r>
-            <a:endParaRPr lang="en-US" sz="2000" dirty="0">
+            <a:endParaRPr lang="en-US" sz="2000" dirty="0" smtClean="0">
               <a:solidFill>
-                <a:sysClr val="windowText" lastClr="000000"/>
+                <a:sysClr val="windowText" lastClr="000000">
+                  <a:alpha val="32000"/>
+                </a:sysClr>
               </a:solidFill>
               <a:latin typeface="Adobe Arabic" panose="02040503050201020203" charset="0"/>
               <a:ea typeface="Abadi MT Condensed Light" charset="0"/>
@@ -6541,6 +6660,7 @@
             <a:solidFill>
               <a:schemeClr val="accent2">
                 <a:lumMod val="50000"/>
+                <a:alpha val="48000"/>
               </a:schemeClr>
             </a:solidFill>
           </a:ln>
@@ -6569,7 +6689,9 @@
             <a:r>
               <a:rPr lang="en-US" sz="2000" dirty="0" err="1" smtClean="0">
                 <a:solidFill>
-                  <a:sysClr val="windowText" lastClr="000000"/>
+                  <a:sysClr val="windowText" lastClr="000000">
+                    <a:alpha val="32000"/>
+                  </a:sysClr>
                 </a:solidFill>
                 <a:latin typeface="Adobe Arabic" panose="02040503050201020203" charset="0"/>
                 <a:ea typeface="Abadi MT Condensed Light" charset="0"/>
@@ -6580,7 +6702,9 @@
             <a:r>
               <a:rPr lang="en-US" sz="2000" dirty="0" smtClean="0">
                 <a:solidFill>
-                  <a:sysClr val="windowText" lastClr="000000"/>
+                  <a:sysClr val="windowText" lastClr="000000">
+                    <a:alpha val="32000"/>
+                  </a:sysClr>
                 </a:solidFill>
                 <a:latin typeface="Adobe Arabic" panose="02040503050201020203" charset="0"/>
                 <a:ea typeface="Abadi MT Condensed Light" charset="0"/>
@@ -6588,9 +6712,11 @@
               </a:rPr>
               <a:t>()</a:t>
             </a:r>
-            <a:endParaRPr lang="en-US" sz="2000" dirty="0">
+            <a:endParaRPr lang="en-US" sz="2000" dirty="0" smtClean="0">
               <a:solidFill>
-                <a:sysClr val="windowText" lastClr="000000"/>
+                <a:sysClr val="windowText" lastClr="000000">
+                  <a:alpha val="32000"/>
+                </a:sysClr>
               </a:solidFill>
               <a:latin typeface="Adobe Arabic" panose="02040503050201020203" charset="0"/>
               <a:ea typeface="Abadi MT Condensed Light" charset="0"/>
@@ -6690,6 +6816,14 @@
               </a:rPr>
               <a:t>Executor Thread</a:t>
             </a:r>
+            <a:endParaRPr lang="en-US" sz="2400" b="1" dirty="0" smtClean="0">
+              <a:solidFill>
+                <a:sysClr val="windowText" lastClr="000000"/>
+              </a:solidFill>
+              <a:latin typeface="Adobe Arabic" panose="02040503050201020203" charset="0"/>
+              <a:ea typeface="Abadi MT Condensed Light" charset="0"/>
+              <a:cs typeface="Adobe Arabic" panose="02040503050201020203" charset="0"/>
+            </a:endParaRPr>
           </a:p>
         </p:txBody>
       </p:sp>
@@ -6701,7 +6835,7 @@
         </p:nvSpPr>
         <p:spPr>
           <a:xfrm>
-            <a:off x="8657672" y="2415608"/>
+            <a:off x="8696407" y="2415608"/>
             <a:ext cx="2619928" cy="533400"/>
           </a:xfrm>
           <a:prstGeom prst="roundRect">
@@ -6764,13 +6898,14 @@
           <p:cNvPr id="18" name="Straight Arrow Connector 17"/>
           <p:cNvCxnSpPr>
             <a:stCxn id="7" idx="2"/>
+            <a:endCxn id="17" idx="0"/>
           </p:cNvCxnSpPr>
           <p:nvPr/>
         </p:nvCxnSpPr>
         <p:spPr>
           <a:xfrm flipH="1">
-            <a:off x="9982200" y="2069036"/>
-            <a:ext cx="61785" cy="346572"/>
+            <a:off x="10006330" y="2068830"/>
+            <a:ext cx="38100" cy="346710"/>
           </a:xfrm>
           <a:prstGeom prst="straightConnector1">
             <a:avLst/>
@@ -6807,8 +6942,8 @@
         </p:nvSpPr>
         <p:spPr>
           <a:xfrm>
-            <a:off x="9982200" y="2128889"/>
-            <a:ext cx="2819400" cy="369332"/>
+            <a:off x="10203180" y="2129155"/>
+            <a:ext cx="2598420" cy="368300"/>
           </a:xfrm>
           <a:prstGeom prst="rect">
             <a:avLst/>
@@ -6832,6 +6967,14 @@
               </a:rPr>
               <a:t>Amazon|20$|Gold</a:t>
             </a:r>
+            <a:endParaRPr lang="en-US" b="1" i="1" dirty="0" smtClean="0">
+              <a:solidFill>
+                <a:srgbClr val="02A9F7"/>
+              </a:solidFill>
+              <a:latin typeface="Adobe Arabic" panose="02040503050201020203" charset="0"/>
+              <a:ea typeface="Abadi MT Condensed Light" charset="0"/>
+              <a:cs typeface="Adobe Arabic" panose="02040503050201020203" charset="0"/>
+            </a:endParaRPr>
           </a:p>
         </p:txBody>
       </p:sp>
@@ -6872,6 +7015,14 @@
               </a:rPr>
               <a:t>Price: 20|Discount: Gold</a:t>
             </a:r>
+            <a:endParaRPr lang="en-US" b="1" i="1" dirty="0" smtClean="0">
+              <a:solidFill>
+                <a:srgbClr val="D78000"/>
+              </a:solidFill>
+              <a:latin typeface="Adobe Arabic" panose="02040503050201020203" charset="0"/>
+              <a:ea typeface="Abadi MT Condensed Light" charset="0"/>
+              <a:cs typeface="Adobe Arabic" panose="02040503050201020203" charset="0"/>
+            </a:endParaRPr>
           </a:p>
         </p:txBody>
       </p:sp>
@@ -6884,7 +7035,7 @@
           <p:nvPr/>
         </p:nvPicPr>
         <p:blipFill>
-          <a:blip r:embed="rId2">
+          <a:blip r:embed="rId1">
             <a:duotone>
               <a:schemeClr val="accent4">
                 <a:shade val="45000"/>
@@ -7054,6 +7205,9 @@
               </a:rPr>
               <a:t>) {</a:t>
             </a:r>
+            <a:endParaRPr lang="en-US" sz="1400" dirty="0">
+              <a:latin typeface="Menlo" charset="0"/>
+            </a:endParaRPr>
           </a:p>
           <a:p>
             <a:r>
@@ -7092,6 +7246,9 @@
               </a:rPr>
               <a:t>()</a:t>
             </a:r>
+            <a:endParaRPr lang="en-US" sz="1400" dirty="0">
+              <a:latin typeface="Menlo" charset="0"/>
+            </a:endParaRPr>
           </a:p>
           <a:p>
             <a:r>
@@ -7190,6 +7347,9 @@
               </a:rPr>
               <a:t>)))</a:t>
             </a:r>
+            <a:endParaRPr lang="en-US" sz="1400" dirty="0">
+              <a:latin typeface="Menlo" charset="0"/>
+            </a:endParaRPr>
           </a:p>
           <a:p>
             <a:r>
@@ -7252,6 +7412,9 @@
               </a:rPr>
               <a:t>));</a:t>
             </a:r>
+            <a:endParaRPr lang="en-US" sz="1400" dirty="0">
+              <a:latin typeface="Menlo" charset="0"/>
+            </a:endParaRPr>
           </a:p>
           <a:p>
             <a:r>
@@ -7430,6 +7593,9 @@
               </a:rPr>
               <a:t>) {</a:t>
             </a:r>
+            <a:endParaRPr lang="en-US" sz="1400" dirty="0">
+              <a:latin typeface="Menlo" charset="0"/>
+            </a:endParaRPr>
           </a:p>
           <a:p>
             <a:pPr lvl="1"/>
@@ -7469,6 +7635,9 @@
               </a:rPr>
               <a:t>()</a:t>
             </a:r>
+            <a:endParaRPr lang="en-US" sz="1400" dirty="0">
+              <a:latin typeface="Menlo" charset="0"/>
+            </a:endParaRPr>
           </a:p>
           <a:p>
             <a:pPr lvl="1"/>
@@ -7511,6 +7680,9 @@
               </a:rPr>
               <a:t>(</a:t>
             </a:r>
+            <a:endParaRPr lang="en-US" sz="1400" dirty="0" smtClean="0">
+              <a:latin typeface="Menlo" charset="0"/>
+            </a:endParaRPr>
           </a:p>
           <a:p>
             <a:pPr lvl="1"/>
@@ -7598,6 +7770,9 @@
               </a:rPr>
               <a:t>))</a:t>
             </a:r>
+            <a:endParaRPr lang="en-US" sz="1400" dirty="0">
+              <a:latin typeface="Menlo" charset="0"/>
+            </a:endParaRPr>
           </a:p>
           <a:p>
             <a:pPr lvl="1"/>
@@ -7655,6 +7830,9 @@
               </a:rPr>
               <a:t>))</a:t>
             </a:r>
+            <a:endParaRPr lang="en-US" sz="1400" dirty="0">
+              <a:latin typeface="Menlo" charset="0"/>
+            </a:endParaRPr>
           </a:p>
           <a:p>
             <a:pPr lvl="1"/>
@@ -7700,6 +7878,9 @@
               </a:rPr>
               <a:t>(</a:t>
             </a:r>
+            <a:endParaRPr lang="en-US" sz="1400" dirty="0">
+              <a:latin typeface="Menlo" charset="0"/>
+            </a:endParaRPr>
           </a:p>
           <a:p>
             <a:pPr lvl="1"/>
@@ -7742,6 +7923,9 @@
               </a:rPr>
               <a:t>(</a:t>
             </a:r>
+            <a:endParaRPr lang="en-US" sz="1400" dirty="0">
+              <a:latin typeface="Menlo" charset="0"/>
+            </a:endParaRPr>
           </a:p>
           <a:p>
             <a:pPr lvl="1"/>
@@ -7804,12 +7988,6 @@
                 <a:latin typeface="Menlo" charset="0"/>
               </a:rPr>
               <a:t>)));</a:t>
-            </a:r>
-            <a:r>
-              <a:rPr lang="en-US" sz="1400" dirty="0">
-                <a:latin typeface="Menlo" charset="0"/>
-              </a:rPr>
-              <a:t/>
             </a:r>
             <a:br>
               <a:rPr lang="en-US" sz="1400" dirty="0">
@@ -8041,8 +8219,8 @@
           <a:noFill/>
           <a:ln>
             <a:solidFill>
-              <a:schemeClr val="accent2">
-                <a:lumMod val="50000"/>
+              <a:schemeClr val="tx1">
+                <a:alpha val="12000"/>
               </a:schemeClr>
             </a:solidFill>
           </a:ln>
@@ -8071,7 +8249,9 @@
             <a:r>
               <a:rPr lang="en-US" sz="2000" dirty="0" err="1" smtClean="0">
                 <a:solidFill>
-                  <a:sysClr val="windowText" lastClr="000000"/>
+                  <a:sysClr val="windowText" lastClr="000000">
+                    <a:alpha val="44000"/>
+                  </a:sysClr>
                 </a:solidFill>
                 <a:latin typeface="Adobe Arabic" panose="02040503050201020203" charset="0"/>
                 <a:ea typeface="Abadi MT Condensed Light" charset="0"/>
@@ -8082,7 +8262,9 @@
             <a:r>
               <a:rPr lang="en-US" sz="2000" dirty="0" smtClean="0">
                 <a:solidFill>
-                  <a:sysClr val="windowText" lastClr="000000"/>
+                  <a:sysClr val="windowText" lastClr="000000">
+                    <a:alpha val="44000"/>
+                  </a:sysClr>
                 </a:solidFill>
                 <a:latin typeface="Adobe Arabic" panose="02040503050201020203" charset="0"/>
                 <a:ea typeface="Abadi MT Condensed Light" charset="0"/>
@@ -8090,9 +8272,11 @@
               </a:rPr>
               <a:t>()</a:t>
             </a:r>
-            <a:endParaRPr lang="en-US" sz="2000" dirty="0">
+            <a:endParaRPr lang="en-US" sz="2000" dirty="0" smtClean="0">
               <a:solidFill>
-                <a:sysClr val="windowText" lastClr="000000"/>
+                <a:sysClr val="windowText" lastClr="000000">
+                  <a:alpha val="44000"/>
+                </a:sysClr>
               </a:solidFill>
               <a:latin typeface="Adobe Arabic" panose="02040503050201020203" charset="0"/>
               <a:ea typeface="Abadi MT Condensed Light" charset="0"/>
@@ -8118,8 +8302,8 @@
           <a:noFill/>
           <a:ln>
             <a:solidFill>
-              <a:schemeClr val="accent2">
-                <a:lumMod val="50000"/>
+              <a:schemeClr val="tx1">
+                <a:alpha val="12000"/>
               </a:schemeClr>
             </a:solidFill>
           </a:ln>
@@ -8148,7 +8332,9 @@
             <a:r>
               <a:rPr lang="en-US" sz="2000" dirty="0" err="1" smtClean="0">
                 <a:solidFill>
-                  <a:sysClr val="windowText" lastClr="000000"/>
+                  <a:sysClr val="windowText" lastClr="000000">
+                    <a:alpha val="44000"/>
+                  </a:sysClr>
                 </a:solidFill>
                 <a:latin typeface="Adobe Arabic" panose="02040503050201020203" charset="0"/>
                 <a:ea typeface="Abadi MT Condensed Light" charset="0"/>
@@ -8159,7 +8345,9 @@
             <a:r>
               <a:rPr lang="en-US" sz="2000" dirty="0" smtClean="0">
                 <a:solidFill>
-                  <a:sysClr val="windowText" lastClr="000000"/>
+                  <a:sysClr val="windowText" lastClr="000000">
+                    <a:alpha val="44000"/>
+                  </a:sysClr>
                 </a:solidFill>
                 <a:latin typeface="Adobe Arabic" panose="02040503050201020203" charset="0"/>
                 <a:ea typeface="Abadi MT Condensed Light" charset="0"/>
@@ -8167,9 +8355,11 @@
               </a:rPr>
               <a:t>()</a:t>
             </a:r>
-            <a:endParaRPr lang="en-US" sz="2000" dirty="0">
+            <a:endParaRPr lang="en-US" sz="2000" dirty="0" smtClean="0">
               <a:solidFill>
-                <a:sysClr val="windowText" lastClr="000000"/>
+                <a:sysClr val="windowText" lastClr="000000">
+                  <a:alpha val="44000"/>
+                </a:sysClr>
               </a:solidFill>
               <a:latin typeface="Adobe Arabic" panose="02040503050201020203" charset="0"/>
               <a:ea typeface="Abadi MT Condensed Light" charset="0"/>
@@ -8196,8 +8386,8 @@
           </a:prstGeom>
           <a:ln>
             <a:solidFill>
-              <a:schemeClr val="accent2">
-                <a:lumMod val="50000"/>
+              <a:schemeClr val="tx1">
+                <a:alpha val="12000"/>
               </a:schemeClr>
             </a:solidFill>
             <a:tailEnd type="triangle"/>
@@ -8297,8 +8487,8 @@
           <a:noFill/>
           <a:ln>
             <a:solidFill>
-              <a:schemeClr val="accent2">
-                <a:lumMod val="50000"/>
+              <a:schemeClr val="tx1">
+                <a:alpha val="12000"/>
               </a:schemeClr>
             </a:solidFill>
           </a:ln>
@@ -8327,7 +8517,9 @@
             <a:r>
               <a:rPr lang="en-US" sz="2000" dirty="0" smtClean="0">
                 <a:solidFill>
-                  <a:sysClr val="windowText" lastClr="000000"/>
+                  <a:sysClr val="windowText" lastClr="000000">
+                    <a:alpha val="44000"/>
+                  </a:sysClr>
                 </a:solidFill>
                 <a:latin typeface="Adobe Arabic" panose="02040503050201020203" charset="0"/>
                 <a:ea typeface="Abadi MT Condensed Light" charset="0"/>
@@ -8335,9 +8527,11 @@
               </a:rPr>
               <a:t>parse()</a:t>
             </a:r>
-            <a:endParaRPr lang="en-US" sz="2000" dirty="0">
+            <a:endParaRPr lang="en-US" sz="2000" dirty="0" smtClean="0">
               <a:solidFill>
-                <a:sysClr val="windowText" lastClr="000000"/>
+                <a:sysClr val="windowText" lastClr="000000">
+                  <a:alpha val="44000"/>
+                </a:sysClr>
               </a:solidFill>
               <a:latin typeface="Adobe Arabic" panose="02040503050201020203" charset="0"/>
               <a:ea typeface="Abadi MT Condensed Light" charset="0"/>
@@ -8365,8 +8559,8 @@
           </a:prstGeom>
           <a:ln>
             <a:solidFill>
-              <a:schemeClr val="accent2">
-                <a:lumMod val="50000"/>
+              <a:schemeClr val="tx1">
+                <a:alpha val="12000"/>
               </a:schemeClr>
             </a:solidFill>
             <a:tailEnd type="triangle"/>
@@ -8396,7 +8590,7 @@
           <p:nvPr/>
         </p:nvPicPr>
         <p:blipFill>
-          <a:blip r:embed="rId2">
+          <a:blip r:embed="rId1">
             <a:duotone>
               <a:schemeClr val="accent4">
                 <a:shade val="45000"/>
@@ -8422,6 +8616,13 @@
           <a:prstGeom prst="rect">
             <a:avLst/>
           </a:prstGeom>
+          <a:ln>
+            <a:solidFill>
+              <a:schemeClr val="tx1">
+                <a:alpha val="12000"/>
+              </a:schemeClr>
+            </a:solidFill>
+          </a:ln>
         </p:spPr>
       </p:pic>
       <p:sp>
@@ -8432,8 +8633,8 @@
         </p:nvSpPr>
         <p:spPr>
           <a:xfrm>
-            <a:off x="1219364" y="4500570"/>
-            <a:ext cx="7538358" cy="705928"/>
+            <a:off x="2135505" y="4500880"/>
+            <a:ext cx="1941195" cy="250190"/>
           </a:xfrm>
           <a:prstGeom prst="rect">
             <a:avLst/>
@@ -8579,6 +8780,14 @@
               </a:rPr>
               <a:t>20%</a:t>
             </a:r>
+            <a:endParaRPr lang="en-US" b="1" i="1" dirty="0" smtClean="0">
+              <a:solidFill>
+                <a:srgbClr val="D78000"/>
+              </a:solidFill>
+              <a:latin typeface="Adobe Arabic" panose="02040503050201020203" charset="0"/>
+              <a:ea typeface="Abadi MT Condensed Light" charset="0"/>
+              <a:cs typeface="Adobe Arabic" panose="02040503050201020203" charset="0"/>
+            </a:endParaRPr>
           </a:p>
         </p:txBody>
       </p:sp>
@@ -8615,6 +8824,14 @@
               </a:rPr>
               <a:t>Gold</a:t>
             </a:r>
+            <a:endParaRPr lang="en-US" b="1" i="1" dirty="0" smtClean="0">
+              <a:solidFill>
+                <a:srgbClr val="02A9F7"/>
+              </a:solidFill>
+              <a:latin typeface="Adobe Arabic" panose="02040503050201020203" charset="0"/>
+              <a:ea typeface="Abadi MT Condensed Light" charset="0"/>
+              <a:cs typeface="Adobe Arabic" panose="02040503050201020203" charset="0"/>
+            </a:endParaRPr>
           </a:p>
         </p:txBody>
       </p:sp>
@@ -8627,7 +8844,7 @@
           <p:nvPr/>
         </p:nvPicPr>
         <p:blipFill>
-          <a:blip r:embed="rId2">
+          <a:blip r:embed="rId1">
             <a:duotone>
               <a:schemeClr val="accent4">
                 <a:shade val="45000"/>
@@ -8988,8 +9205,8 @@
           <a:noFill/>
           <a:ln>
             <a:solidFill>
-              <a:schemeClr val="accent2">
-                <a:lumMod val="50000"/>
+              <a:schemeClr val="tx1">
+                <a:alpha val="37000"/>
               </a:schemeClr>
             </a:solidFill>
           </a:ln>
@@ -9018,7 +9235,9 @@
             <a:r>
               <a:rPr lang="en-US" sz="2000" dirty="0" err="1" smtClean="0">
                 <a:solidFill>
-                  <a:sysClr val="windowText" lastClr="000000"/>
+                  <a:sysClr val="windowText" lastClr="000000">
+                    <a:alpha val="24000"/>
+                  </a:sysClr>
                 </a:solidFill>
                 <a:latin typeface="Adobe Arabic" panose="02040503050201020203" charset="0"/>
                 <a:ea typeface="Abadi MT Condensed Light" charset="0"/>
@@ -9029,7 +9248,9 @@
             <a:r>
               <a:rPr lang="en-US" sz="2000" dirty="0" smtClean="0">
                 <a:solidFill>
-                  <a:sysClr val="windowText" lastClr="000000"/>
+                  <a:sysClr val="windowText" lastClr="000000">
+                    <a:alpha val="24000"/>
+                  </a:sysClr>
                 </a:solidFill>
                 <a:latin typeface="Adobe Arabic" panose="02040503050201020203" charset="0"/>
                 <a:ea typeface="Abadi MT Condensed Light" charset="0"/>
@@ -9037,9 +9258,11 @@
               </a:rPr>
               <a:t>()</a:t>
             </a:r>
-            <a:endParaRPr lang="en-US" sz="2000" dirty="0">
+            <a:endParaRPr lang="en-US" sz="2000" dirty="0" smtClean="0">
               <a:solidFill>
-                <a:sysClr val="windowText" lastClr="000000"/>
+                <a:sysClr val="windowText" lastClr="000000">
+                  <a:alpha val="24000"/>
+                </a:sysClr>
               </a:solidFill>
               <a:latin typeface="Adobe Arabic" panose="02040503050201020203" charset="0"/>
               <a:ea typeface="Abadi MT Condensed Light" charset="0"/>
@@ -9065,8 +9288,8 @@
           <a:noFill/>
           <a:ln>
             <a:solidFill>
-              <a:schemeClr val="accent2">
-                <a:lumMod val="50000"/>
+              <a:schemeClr val="tx1">
+                <a:alpha val="37000"/>
               </a:schemeClr>
             </a:solidFill>
           </a:ln>
@@ -9095,7 +9318,9 @@
             <a:r>
               <a:rPr lang="en-US" sz="2000" dirty="0" err="1" smtClean="0">
                 <a:solidFill>
-                  <a:sysClr val="windowText" lastClr="000000"/>
+                  <a:sysClr val="windowText" lastClr="000000">
+                    <a:alpha val="24000"/>
+                  </a:sysClr>
                 </a:solidFill>
                 <a:latin typeface="Adobe Arabic" panose="02040503050201020203" charset="0"/>
                 <a:ea typeface="Abadi MT Condensed Light" charset="0"/>
@@ -9106,7 +9331,9 @@
             <a:r>
               <a:rPr lang="en-US" sz="2000" dirty="0" smtClean="0">
                 <a:solidFill>
-                  <a:sysClr val="windowText" lastClr="000000"/>
+                  <a:sysClr val="windowText" lastClr="000000">
+                    <a:alpha val="24000"/>
+                  </a:sysClr>
                 </a:solidFill>
                 <a:latin typeface="Adobe Arabic" panose="02040503050201020203" charset="0"/>
                 <a:ea typeface="Abadi MT Condensed Light" charset="0"/>
@@ -9114,9 +9341,11 @@
               </a:rPr>
               <a:t>()</a:t>
             </a:r>
-            <a:endParaRPr lang="en-US" sz="2000" dirty="0">
+            <a:endParaRPr lang="en-US" sz="2000" dirty="0" smtClean="0">
               <a:solidFill>
-                <a:sysClr val="windowText" lastClr="000000"/>
+                <a:sysClr val="windowText" lastClr="000000">
+                  <a:alpha val="24000"/>
+                </a:sysClr>
               </a:solidFill>
               <a:latin typeface="Adobe Arabic" panose="02040503050201020203" charset="0"/>
               <a:ea typeface="Abadi MT Condensed Light" charset="0"/>
@@ -9130,23 +9359,22 @@
           <p:cNvPr id="11" name="Curved Connector 10"/>
           <p:cNvCxnSpPr>
             <a:stCxn id="8" idx="3"/>
+            <a:endCxn id="7" idx="0"/>
           </p:cNvCxnSpPr>
           <p:nvPr/>
         </p:nvCxnSpPr>
         <p:spPr>
           <a:xfrm>
-            <a:off x="6292634" y="732175"/>
-            <a:ext cx="1965797" cy="723900"/>
-          </a:xfrm>
-          <a:prstGeom prst="curvedConnector3">
-            <a:avLst>
-              <a:gd name="adj1" fmla="val 50000"/>
-            </a:avLst>
+            <a:off x="6292850" y="732155"/>
+            <a:ext cx="1760855" cy="723900"/>
+          </a:xfrm>
+          <a:prstGeom prst="curvedConnector2">
+            <a:avLst/>
           </a:prstGeom>
           <a:ln>
             <a:solidFill>
-              <a:schemeClr val="accent2">
-                <a:lumMod val="50000"/>
+              <a:schemeClr val="tx1">
+                <a:alpha val="37000"/>
               </a:schemeClr>
             </a:solidFill>
             <a:tailEnd type="triangle"/>
@@ -9218,6 +9446,14 @@
               </a:rPr>
               <a:t>Executor Thread</a:t>
             </a:r>
+            <a:endParaRPr lang="en-US" sz="2400" b="1" dirty="0" smtClean="0">
+              <a:solidFill>
+                <a:sysClr val="windowText" lastClr="000000"/>
+              </a:solidFill>
+              <a:latin typeface="Adobe Arabic" panose="02040503050201020203" charset="0"/>
+              <a:ea typeface="Abadi MT Condensed Light" charset="0"/>
+              <a:cs typeface="Adobe Arabic" panose="02040503050201020203" charset="0"/>
+            </a:endParaRPr>
           </a:p>
         </p:txBody>
       </p:sp>
@@ -9238,8 +9474,8 @@
           <a:noFill/>
           <a:ln>
             <a:solidFill>
-              <a:schemeClr val="accent2">
-                <a:lumMod val="50000"/>
+              <a:schemeClr val="tx1">
+                <a:alpha val="37000"/>
               </a:schemeClr>
             </a:solidFill>
           </a:ln>
@@ -9268,7 +9504,9 @@
             <a:r>
               <a:rPr lang="en-US" sz="2000" dirty="0" smtClean="0">
                 <a:solidFill>
-                  <a:sysClr val="windowText" lastClr="000000"/>
+                  <a:sysClr val="windowText" lastClr="000000">
+                    <a:alpha val="24000"/>
+                  </a:sysClr>
                 </a:solidFill>
                 <a:latin typeface="Adobe Arabic" panose="02040503050201020203" charset="0"/>
                 <a:ea typeface="Abadi MT Condensed Light" charset="0"/>
@@ -9276,9 +9514,11 @@
               </a:rPr>
               <a:t>parse()</a:t>
             </a:r>
-            <a:endParaRPr lang="en-US" sz="2000" dirty="0">
+            <a:endParaRPr lang="en-US" sz="2000" dirty="0" smtClean="0">
               <a:solidFill>
-                <a:sysClr val="windowText" lastClr="000000"/>
+                <a:sysClr val="windowText" lastClr="000000">
+                  <a:alpha val="24000"/>
+                </a:sysClr>
               </a:solidFill>
               <a:latin typeface="Adobe Arabic" panose="02040503050201020203" charset="0"/>
               <a:ea typeface="Abadi MT Condensed Light" charset="0"/>
@@ -9292,21 +9532,22 @@
           <p:cNvPr id="18" name="Straight Arrow Connector 17"/>
           <p:cNvCxnSpPr>
             <a:stCxn id="7" idx="2"/>
+            <a:endCxn id="17" idx="0"/>
           </p:cNvCxnSpPr>
           <p:nvPr/>
         </p:nvCxnSpPr>
         <p:spPr>
           <a:xfrm>
-            <a:off x="8053516" y="1989475"/>
-            <a:ext cx="0" cy="420852"/>
+            <a:off x="8053705" y="1989455"/>
+            <a:ext cx="0" cy="360680"/>
           </a:xfrm>
           <a:prstGeom prst="straightConnector1">
             <a:avLst/>
           </a:prstGeom>
           <a:ln>
             <a:solidFill>
-              <a:schemeClr val="accent2">
-                <a:lumMod val="50000"/>
+              <a:schemeClr val="tx1">
+                <a:alpha val="37000"/>
               </a:schemeClr>
             </a:solidFill>
             <a:tailEnd type="triangle"/>
@@ -9336,7 +9577,7 @@
           <p:nvPr/>
         </p:nvPicPr>
         <p:blipFill>
-          <a:blip r:embed="rId2">
+          <a:blip r:embed="rId1">
             <a:duotone>
               <a:schemeClr val="accent4">
                 <a:shade val="45000"/>
@@ -9362,6 +9603,13 @@
           <a:prstGeom prst="rect">
             <a:avLst/>
           </a:prstGeom>
+          <a:ln>
+            <a:solidFill>
+              <a:schemeClr val="tx1">
+                <a:alpha val="37000"/>
+              </a:schemeClr>
+            </a:solidFill>
+          </a:ln>
         </p:spPr>
       </p:pic>
       <p:sp>
@@ -9381,8 +9629,8 @@
           <a:noFill/>
           <a:ln>
             <a:solidFill>
-              <a:schemeClr val="accent2">
-                <a:lumMod val="50000"/>
+              <a:schemeClr val="tx1">
+                <a:alpha val="37000"/>
               </a:schemeClr>
             </a:solidFill>
           </a:ln>
@@ -9411,7 +9659,9 @@
             <a:r>
               <a:rPr lang="en-US" sz="2000" dirty="0" err="1" smtClean="0">
                 <a:solidFill>
-                  <a:sysClr val="windowText" lastClr="000000"/>
+                  <a:sysClr val="windowText" lastClr="000000">
+                    <a:alpha val="24000"/>
+                  </a:sysClr>
                 </a:solidFill>
                 <a:latin typeface="Adobe Arabic" panose="02040503050201020203" charset="0"/>
                 <a:ea typeface="Abadi MT Condensed Light" charset="0"/>
@@ -9422,7 +9672,9 @@
             <a:r>
               <a:rPr lang="en-US" sz="2000" dirty="0" smtClean="0">
                 <a:solidFill>
-                  <a:sysClr val="windowText" lastClr="000000"/>
+                  <a:sysClr val="windowText" lastClr="000000">
+                    <a:alpha val="24000"/>
+                  </a:sysClr>
                 </a:solidFill>
                 <a:latin typeface="Adobe Arabic" panose="02040503050201020203" charset="0"/>
                 <a:ea typeface="Abadi MT Condensed Light" charset="0"/>
@@ -9430,9 +9682,11 @@
               </a:rPr>
               <a:t>()</a:t>
             </a:r>
-            <a:endParaRPr lang="en-US" sz="2000" dirty="0">
+            <a:endParaRPr lang="en-US" sz="2000" dirty="0" smtClean="0">
               <a:solidFill>
-                <a:sysClr val="windowText" lastClr="000000"/>
+                <a:sysClr val="windowText" lastClr="000000">
+                  <a:alpha val="24000"/>
+                </a:sysClr>
               </a:solidFill>
               <a:latin typeface="Adobe Arabic" panose="02040503050201020203" charset="0"/>
               <a:ea typeface="Abadi MT Condensed Light" charset="0"/>
@@ -9450,7 +9704,7 @@
           <p:nvPr/>
         </p:nvPicPr>
         <p:blipFill>
-          <a:blip r:embed="rId2">
+          <a:blip r:embed="rId1">
             <a:duotone>
               <a:schemeClr val="accent4">
                 <a:shade val="45000"/>
@@ -9476,6 +9730,13 @@
           <a:prstGeom prst="rect">
             <a:avLst/>
           </a:prstGeom>
+          <a:ln>
+            <a:solidFill>
+              <a:schemeClr val="tx1">
+                <a:alpha val="37000"/>
+              </a:schemeClr>
+            </a:solidFill>
+          </a:ln>
         </p:spPr>
       </p:pic>
       <p:cxnSp>
@@ -9496,8 +9757,8 @@
           </a:prstGeom>
           <a:ln>
             <a:solidFill>
-              <a:schemeClr val="accent2">
-                <a:lumMod val="50000"/>
+              <a:schemeClr val="tx1">
+                <a:alpha val="37000"/>
               </a:schemeClr>
             </a:solidFill>
             <a:tailEnd type="triangle"/>
@@ -9666,7 +9927,7 @@
           <p:nvPr/>
         </p:nvPicPr>
         <p:blipFill>
-          <a:blip r:embed="rId2">
+          <a:blip r:embed="rId1">
             <a:duotone>
               <a:schemeClr val="accent4">
                 <a:shade val="45000"/>
@@ -9772,430 +10033,322 @@
               </a:rPr>
               <a:t>) {</a:t>
             </a:r>
-          </a:p>
-          <a:p>
-            <a:r>
-              <a:rPr lang="en-US" sz="1400" b="1" dirty="0" smtClean="0">
-                <a:solidFill>
-                  <a:srgbClr val="7F0055"/>
-                </a:solidFill>
-                <a:latin typeface="Menlo" charset="0"/>
-              </a:rPr>
-              <a:t>	return</a:t>
-            </a:r>
-            <a:r>
-              <a:rPr lang="en-US" sz="1400" dirty="0" smtClean="0">
-                <a:latin typeface="Menlo" charset="0"/>
-              </a:rPr>
-              <a:t> </a:t>
-            </a:r>
-            <a:r>
-              <a:rPr lang="en-US" sz="1400" i="1" dirty="0" err="1">
-                <a:solidFill>
-                  <a:srgbClr val="0000C0"/>
-                </a:solidFill>
-                <a:latin typeface="Menlo" charset="0"/>
-              </a:rPr>
-              <a:t>shops</a:t>
-            </a:r>
-            <a:r>
-              <a:rPr lang="en-US" sz="1400" dirty="0" err="1">
-                <a:latin typeface="Menlo" charset="0"/>
-              </a:rPr>
-              <a:t>.stream</a:t>
-            </a:r>
-            <a:r>
-              <a:rPr lang="en-US" sz="1400" dirty="0" smtClean="0">
-                <a:latin typeface="Menlo" charset="0"/>
-              </a:rPr>
-              <a:t>() </a:t>
-            </a:r>
-          </a:p>
-          <a:p>
-            <a:r>
-              <a:rPr lang="en-US" sz="1400" dirty="0">
-                <a:latin typeface="Menlo" charset="0"/>
-              </a:rPr>
-              <a:t>	</a:t>
-            </a:r>
-            <a:r>
-              <a:rPr lang="en-US" sz="1400" dirty="0" smtClean="0">
-                <a:latin typeface="Menlo" charset="0"/>
-              </a:rPr>
-              <a:t>.</a:t>
-            </a:r>
-            <a:r>
-              <a:rPr lang="en-US" sz="1400" dirty="0">
-                <a:latin typeface="Menlo" charset="0"/>
-              </a:rPr>
-              <a:t>map(</a:t>
-            </a:r>
-            <a:r>
-              <a:rPr lang="en-US" sz="1400" dirty="0">
-                <a:solidFill>
-                  <a:srgbClr val="6A3E3E"/>
-                </a:solidFill>
-                <a:latin typeface="Menlo" charset="0"/>
-              </a:rPr>
-              <a:t>shop</a:t>
-            </a:r>
-            <a:r>
-              <a:rPr lang="en-US" sz="1400" dirty="0">
-                <a:latin typeface="Menlo" charset="0"/>
-              </a:rPr>
-              <a:t> -&gt; </a:t>
-            </a:r>
-            <a:r>
-              <a:rPr lang="en-US" sz="1400" dirty="0" err="1">
-                <a:latin typeface="Menlo" charset="0"/>
-              </a:rPr>
-              <a:t>CompletableFuture.</a:t>
-            </a:r>
-            <a:r>
-              <a:rPr lang="en-US" sz="1400" i="1" dirty="0" err="1">
-                <a:latin typeface="Menlo" charset="0"/>
-              </a:rPr>
-              <a:t>supplyAsync</a:t>
-            </a:r>
-            <a:r>
-              <a:rPr lang="en-US" sz="1400" dirty="0" smtClean="0">
-                <a:latin typeface="Menlo" charset="0"/>
-              </a:rPr>
-              <a:t>(</a:t>
-            </a:r>
-          </a:p>
-          <a:p>
-            <a:r>
-              <a:rPr lang="en-US" sz="1400" dirty="0">
-                <a:latin typeface="Menlo" charset="0"/>
-              </a:rPr>
-              <a:t>	</a:t>
-            </a:r>
-            <a:r>
-              <a:rPr lang="en-US" sz="1400" dirty="0" smtClean="0">
-                <a:latin typeface="Menlo" charset="0"/>
-              </a:rPr>
-              <a:t>		() </a:t>
-            </a:r>
-            <a:r>
-              <a:rPr lang="en-US" sz="1400" dirty="0">
-                <a:latin typeface="Menlo" charset="0"/>
-              </a:rPr>
-              <a:t>-&gt; </a:t>
-            </a:r>
-            <a:r>
-              <a:rPr lang="en-US" sz="1400" dirty="0">
-                <a:solidFill>
-                  <a:srgbClr val="6A3E3E"/>
-                </a:solidFill>
-                <a:latin typeface="Menlo" charset="0"/>
-              </a:rPr>
-              <a:t>shop</a:t>
-            </a:r>
-            <a:r>
-              <a:rPr lang="en-US" sz="1400" dirty="0">
-                <a:latin typeface="Menlo" charset="0"/>
-              </a:rPr>
-              <a:t>. </a:t>
-            </a:r>
-            <a:r>
-              <a:rPr lang="en-US" sz="1400" dirty="0" err="1">
-                <a:latin typeface="Menlo" charset="0"/>
-              </a:rPr>
-              <a:t>getNonDiscountPrice</a:t>
-            </a:r>
-            <a:r>
-              <a:rPr lang="en-US" sz="1400" dirty="0">
-                <a:latin typeface="Menlo" charset="0"/>
-              </a:rPr>
-              <a:t>(</a:t>
-            </a:r>
-            <a:r>
-              <a:rPr lang="en-US" sz="1400" dirty="0" smtClean="0">
-                <a:solidFill>
-                  <a:srgbClr val="2A00FF"/>
-                </a:solidFill>
-                <a:latin typeface="Menlo" charset="0"/>
-              </a:rPr>
-              <a:t>"</a:t>
-            </a:r>
-            <a:r>
-              <a:rPr lang="en-US" sz="1400" dirty="0">
-                <a:solidFill>
-                  <a:srgbClr val="2A00FF"/>
-                </a:solidFill>
-                <a:latin typeface="Menlo" charset="0"/>
-              </a:rPr>
-              <a:t>iphone11"</a:t>
-            </a:r>
-            <a:r>
-              <a:rPr lang="en-US" sz="1400" dirty="0">
-                <a:latin typeface="Menlo" charset="0"/>
-              </a:rPr>
-              <a:t>), </a:t>
-            </a:r>
-            <a:r>
-              <a:rPr lang="en-US" sz="1400" b="1" i="1" dirty="0">
-                <a:solidFill>
-                  <a:srgbClr val="0000C0"/>
-                </a:solidFill>
-                <a:latin typeface="Menlo" charset="0"/>
-              </a:rPr>
-              <a:t>executor</a:t>
-            </a:r>
-            <a:r>
-              <a:rPr lang="en-US" sz="1400" dirty="0">
-                <a:latin typeface="Menlo" charset="0"/>
-              </a:rPr>
-              <a:t>))</a:t>
-            </a:r>
-          </a:p>
-          <a:p>
-            <a:pPr lvl="2"/>
-            <a:r>
-              <a:rPr lang="en-US" sz="1400" dirty="0">
-                <a:latin typeface="Menlo" charset="0"/>
-              </a:rPr>
-              <a:t>.map(</a:t>
-            </a:r>
-            <a:r>
-              <a:rPr lang="en-US" sz="1400" dirty="0">
-                <a:solidFill>
-                  <a:srgbClr val="6A3E3E"/>
-                </a:solidFill>
-                <a:latin typeface="Menlo" charset="0"/>
-              </a:rPr>
-              <a:t>future</a:t>
-            </a:r>
-            <a:r>
-              <a:rPr lang="en-US" sz="1400" dirty="0">
-                <a:latin typeface="Menlo" charset="0"/>
-              </a:rPr>
-              <a:t> -&gt; </a:t>
-            </a:r>
-            <a:r>
-              <a:rPr lang="en-US" sz="1400" dirty="0" err="1">
-                <a:solidFill>
-                  <a:srgbClr val="6A3E3E"/>
-                </a:solidFill>
-                <a:latin typeface="Menlo" charset="0"/>
-              </a:rPr>
-              <a:t>future</a:t>
-            </a:r>
-            <a:r>
-              <a:rPr lang="en-US" sz="1400" dirty="0" err="1">
-                <a:latin typeface="Menlo" charset="0"/>
-              </a:rPr>
-              <a:t>.thenApply</a:t>
-            </a:r>
-            <a:r>
-              <a:rPr lang="en-US" sz="1400" dirty="0">
-                <a:latin typeface="Menlo" charset="0"/>
-              </a:rPr>
-              <a:t>(Quote::</a:t>
-            </a:r>
-            <a:r>
-              <a:rPr lang="en-US" sz="1400" i="1" dirty="0">
-                <a:latin typeface="Menlo" charset="0"/>
-              </a:rPr>
-              <a:t>parse</a:t>
-            </a:r>
-            <a:r>
-              <a:rPr lang="en-US" sz="1400" dirty="0">
-                <a:latin typeface="Menlo" charset="0"/>
-              </a:rPr>
-              <a:t>))</a:t>
-            </a:r>
-          </a:p>
-          <a:p>
-            <a:pPr lvl="2"/>
-            <a:r>
-              <a:rPr lang="en-US" sz="1400" dirty="0">
-                <a:latin typeface="Menlo" charset="0"/>
-              </a:rPr>
-              <a:t>.map(</a:t>
-            </a:r>
-            <a:r>
-              <a:rPr lang="en-US" sz="1400" dirty="0">
-                <a:solidFill>
-                  <a:srgbClr val="6A3E3E"/>
-                </a:solidFill>
-                <a:latin typeface="Menlo" charset="0"/>
-              </a:rPr>
-              <a:t>future</a:t>
-            </a:r>
-            <a:r>
-              <a:rPr lang="en-US" sz="1400" dirty="0">
-                <a:latin typeface="Menlo" charset="0"/>
-              </a:rPr>
-              <a:t> -&gt; </a:t>
-            </a:r>
-            <a:r>
-              <a:rPr lang="en-US" sz="1400" dirty="0" err="1">
-                <a:solidFill>
-                  <a:srgbClr val="6A3E3E"/>
-                </a:solidFill>
-                <a:latin typeface="Menlo" charset="0"/>
-              </a:rPr>
-              <a:t>future</a:t>
-            </a:r>
-            <a:r>
-              <a:rPr lang="en-US" sz="1400" dirty="0" err="1">
-                <a:latin typeface="Menlo" charset="0"/>
-              </a:rPr>
-              <a:t>.thenCompose</a:t>
-            </a:r>
-            <a:r>
-              <a:rPr lang="en-US" sz="1400" dirty="0">
-                <a:latin typeface="Menlo" charset="0"/>
-              </a:rPr>
-              <a:t>(</a:t>
-            </a:r>
-          </a:p>
-          <a:p>
-            <a:pPr lvl="6"/>
-            <a:r>
-              <a:rPr lang="en-US" sz="1400" dirty="0">
-                <a:solidFill>
-                  <a:srgbClr val="6A3E3E"/>
-                </a:solidFill>
-                <a:latin typeface="Menlo" charset="0"/>
-              </a:rPr>
-              <a:t>quote</a:t>
-            </a:r>
-            <a:r>
-              <a:rPr lang="en-US" sz="1400" dirty="0">
-                <a:latin typeface="Menlo" charset="0"/>
-              </a:rPr>
-              <a:t> -&gt; </a:t>
-            </a:r>
-            <a:r>
-              <a:rPr lang="en-US" sz="1400" dirty="0" err="1">
-                <a:latin typeface="Menlo" charset="0"/>
-              </a:rPr>
-              <a:t>CompletableFuture.</a:t>
-            </a:r>
-            <a:r>
-              <a:rPr lang="en-US" sz="1400" i="1" dirty="0" err="1">
-                <a:latin typeface="Menlo" charset="0"/>
-              </a:rPr>
-              <a:t>supplyAsync</a:t>
-            </a:r>
-            <a:r>
-              <a:rPr lang="en-US" sz="1400" dirty="0">
-                <a:latin typeface="Menlo" charset="0"/>
-              </a:rPr>
-              <a:t>(</a:t>
-            </a:r>
-          </a:p>
-          <a:p>
-            <a:pPr lvl="6"/>
-            <a:r>
-              <a:rPr lang="en-US" sz="1400" dirty="0">
-                <a:latin typeface="Menlo" charset="0"/>
-              </a:rPr>
-              <a:t>() -&gt; </a:t>
-            </a:r>
-            <a:r>
-              <a:rPr lang="en-US" sz="1400" dirty="0" err="1" smtClean="0">
-                <a:latin typeface="Menlo" charset="0"/>
-              </a:rPr>
-              <a:t>Discount.</a:t>
-            </a:r>
-            <a:r>
-              <a:rPr lang="en-US" sz="1400" i="1" dirty="0" err="1" smtClean="0">
-                <a:latin typeface="Menlo" charset="0"/>
-              </a:rPr>
-              <a:t>getDiscountPercent</a:t>
-            </a:r>
-            <a:r>
-              <a:rPr lang="en-US" sz="1400" dirty="0" smtClean="0">
-                <a:latin typeface="Menlo" charset="0"/>
-              </a:rPr>
-              <a:t>(</a:t>
-            </a:r>
-            <a:r>
-              <a:rPr lang="en-US" sz="1400" dirty="0" smtClean="0">
-                <a:solidFill>
-                  <a:srgbClr val="6A3E3E"/>
-                </a:solidFill>
-                <a:latin typeface="Menlo" charset="0"/>
-              </a:rPr>
-              <a:t>quote</a:t>
-            </a:r>
-            <a:r>
-              <a:rPr lang="en-US" sz="1400" dirty="0">
-                <a:latin typeface="Menlo" charset="0"/>
-              </a:rPr>
-              <a:t>), </a:t>
-            </a:r>
-            <a:r>
-              <a:rPr lang="en-US" sz="1400" b="1" i="1" dirty="0">
-                <a:solidFill>
-                  <a:srgbClr val="0000C0"/>
-                </a:solidFill>
-                <a:latin typeface="Menlo" charset="0"/>
-              </a:rPr>
-              <a:t>executor</a:t>
-            </a:r>
-            <a:r>
-              <a:rPr lang="en-US" sz="1400" dirty="0">
-                <a:latin typeface="Menlo" charset="0"/>
-              </a:rPr>
-              <a:t>)))</a:t>
-            </a:r>
-          </a:p>
-          <a:p>
-            <a:pPr lvl="2"/>
-            <a:r>
-              <a:rPr lang="en-US" sz="1400" dirty="0">
-                <a:latin typeface="Menlo" charset="0"/>
-              </a:rPr>
-              <a:t>.map(</a:t>
-            </a:r>
-            <a:r>
-              <a:rPr lang="en-US" sz="1400" dirty="0">
-                <a:solidFill>
-                  <a:srgbClr val="6A3E3E"/>
-                </a:solidFill>
-                <a:latin typeface="Menlo" charset="0"/>
-              </a:rPr>
-              <a:t>future</a:t>
-            </a:r>
-            <a:r>
-              <a:rPr lang="en-US" sz="1400" dirty="0">
-                <a:latin typeface="Menlo" charset="0"/>
-              </a:rPr>
-              <a:t> -&gt; </a:t>
-            </a:r>
-            <a:r>
-              <a:rPr lang="en-US" sz="1400" dirty="0" err="1" smtClean="0">
-                <a:solidFill>
-                  <a:srgbClr val="6A3E3E"/>
-                </a:solidFill>
-                <a:latin typeface="Menlo" charset="0"/>
-              </a:rPr>
-              <a:t>future</a:t>
-            </a:r>
-            <a:r>
-              <a:rPr lang="en-US" sz="1400" dirty="0" err="1" smtClean="0">
-                <a:latin typeface="Menlo" charset="0"/>
-              </a:rPr>
-              <a:t>.thenCombine</a:t>
-            </a:r>
-            <a:r>
-              <a:rPr lang="en-US" sz="1400" dirty="0" smtClean="0">
-                <a:latin typeface="Menlo" charset="0"/>
-              </a:rPr>
-              <a:t>(</a:t>
-            </a:r>
             <a:endParaRPr lang="en-US" sz="1400" dirty="0">
               <a:latin typeface="Menlo" charset="0"/>
             </a:endParaRPr>
           </a:p>
           <a:p>
+            <a:r>
+              <a:rPr lang="en-US" sz="1400" b="1" dirty="0" smtClean="0">
+                <a:solidFill>
+                  <a:srgbClr val="7F0055"/>
+                </a:solidFill>
+                <a:latin typeface="Menlo" charset="0"/>
+              </a:rPr>
+              <a:t>	return</a:t>
+            </a:r>
+            <a:r>
+              <a:rPr lang="en-US" sz="1400" dirty="0" smtClean="0">
+                <a:latin typeface="Menlo" charset="0"/>
+              </a:rPr>
+              <a:t> </a:t>
+            </a:r>
+            <a:r>
+              <a:rPr lang="en-US" sz="1400" i="1" dirty="0" err="1">
+                <a:solidFill>
+                  <a:srgbClr val="0000C0"/>
+                </a:solidFill>
+                <a:latin typeface="Menlo" charset="0"/>
+              </a:rPr>
+              <a:t>shops</a:t>
+            </a:r>
+            <a:r>
+              <a:rPr lang="en-US" sz="1400" dirty="0" err="1">
+                <a:latin typeface="Menlo" charset="0"/>
+              </a:rPr>
+              <a:t>.stream</a:t>
+            </a:r>
+            <a:r>
+              <a:rPr lang="en-US" sz="1400" dirty="0" smtClean="0">
+                <a:latin typeface="Menlo" charset="0"/>
+              </a:rPr>
+              <a:t>() </a:t>
+            </a:r>
+            <a:endParaRPr lang="en-US" sz="1400" dirty="0" smtClean="0">
+              <a:latin typeface="Menlo" charset="0"/>
+            </a:endParaRPr>
+          </a:p>
+          <a:p>
+            <a:r>
+              <a:rPr lang="en-US" sz="1400" dirty="0">
+                <a:latin typeface="Menlo" charset="0"/>
+              </a:rPr>
+              <a:t>	</a:t>
+            </a:r>
+            <a:r>
+              <a:rPr lang="en-US" sz="1400" dirty="0" smtClean="0">
+                <a:latin typeface="Menlo" charset="0"/>
+              </a:rPr>
+              <a:t>.</a:t>
+            </a:r>
+            <a:r>
+              <a:rPr lang="en-US" sz="1400" dirty="0">
+                <a:latin typeface="Menlo" charset="0"/>
+              </a:rPr>
+              <a:t>map(</a:t>
+            </a:r>
+            <a:r>
+              <a:rPr lang="en-US" sz="1400" dirty="0">
+                <a:solidFill>
+                  <a:srgbClr val="6A3E3E"/>
+                </a:solidFill>
+                <a:latin typeface="Menlo" charset="0"/>
+              </a:rPr>
+              <a:t>shop</a:t>
+            </a:r>
+            <a:r>
+              <a:rPr lang="en-US" sz="1400" dirty="0">
+                <a:latin typeface="Menlo" charset="0"/>
+              </a:rPr>
+              <a:t> -&gt; </a:t>
+            </a:r>
+            <a:r>
+              <a:rPr lang="en-US" sz="1400" dirty="0" err="1">
+                <a:latin typeface="Menlo" charset="0"/>
+              </a:rPr>
+              <a:t>CompletableFuture.</a:t>
+            </a:r>
+            <a:r>
+              <a:rPr lang="en-US" sz="1400" i="1" dirty="0" err="1">
+                <a:latin typeface="Menlo" charset="0"/>
+              </a:rPr>
+              <a:t>supplyAsync</a:t>
+            </a:r>
+            <a:r>
+              <a:rPr lang="en-US" sz="1400" dirty="0" smtClean="0">
+                <a:latin typeface="Menlo" charset="0"/>
+              </a:rPr>
+              <a:t>(</a:t>
+            </a:r>
+            <a:endParaRPr lang="en-US" sz="1400" dirty="0" smtClean="0">
+              <a:latin typeface="Menlo" charset="0"/>
+            </a:endParaRPr>
+          </a:p>
+          <a:p>
+            <a:r>
+              <a:rPr lang="en-US" sz="1400" dirty="0">
+                <a:latin typeface="Menlo" charset="0"/>
+              </a:rPr>
+              <a:t>	</a:t>
+            </a:r>
+            <a:r>
+              <a:rPr lang="en-US" sz="1400" dirty="0" smtClean="0">
+                <a:latin typeface="Menlo" charset="0"/>
+              </a:rPr>
+              <a:t>		() </a:t>
+            </a:r>
+            <a:r>
+              <a:rPr lang="en-US" sz="1400" dirty="0">
+                <a:latin typeface="Menlo" charset="0"/>
+              </a:rPr>
+              <a:t>-&gt; </a:t>
+            </a:r>
+            <a:r>
+              <a:rPr lang="en-US" sz="1400" dirty="0">
+                <a:solidFill>
+                  <a:srgbClr val="6A3E3E"/>
+                </a:solidFill>
+                <a:latin typeface="Menlo" charset="0"/>
+              </a:rPr>
+              <a:t>shop</a:t>
+            </a:r>
+            <a:r>
+              <a:rPr lang="en-US" sz="1400" dirty="0">
+                <a:latin typeface="Menlo" charset="0"/>
+              </a:rPr>
+              <a:t>. </a:t>
+            </a:r>
+            <a:r>
+              <a:rPr lang="en-US" sz="1400" dirty="0" err="1">
+                <a:latin typeface="Menlo" charset="0"/>
+              </a:rPr>
+              <a:t>getNonDiscountPrice</a:t>
+            </a:r>
+            <a:r>
+              <a:rPr lang="en-US" sz="1400" dirty="0">
+                <a:latin typeface="Menlo" charset="0"/>
+              </a:rPr>
+              <a:t>(</a:t>
+            </a:r>
+            <a:r>
+              <a:rPr lang="en-US" sz="1400" dirty="0" smtClean="0">
+                <a:solidFill>
+                  <a:srgbClr val="2A00FF"/>
+                </a:solidFill>
+                <a:latin typeface="Menlo" charset="0"/>
+              </a:rPr>
+              <a:t>"</a:t>
+            </a:r>
+            <a:r>
+              <a:rPr lang="en-US" sz="1400" dirty="0">
+                <a:solidFill>
+                  <a:srgbClr val="2A00FF"/>
+                </a:solidFill>
+                <a:latin typeface="Menlo" charset="0"/>
+              </a:rPr>
+              <a:t>iphone11"</a:t>
+            </a:r>
+            <a:r>
+              <a:rPr lang="en-US" sz="1400" dirty="0">
+                <a:latin typeface="Menlo" charset="0"/>
+              </a:rPr>
+              <a:t>), </a:t>
+            </a:r>
+            <a:r>
+              <a:rPr lang="en-US" sz="1400" b="1" i="1" dirty="0">
+                <a:solidFill>
+                  <a:srgbClr val="0000C0"/>
+                </a:solidFill>
+                <a:latin typeface="Menlo" charset="0"/>
+              </a:rPr>
+              <a:t>executor</a:t>
+            </a:r>
+            <a:r>
+              <a:rPr lang="en-US" sz="1400" dirty="0">
+                <a:latin typeface="Menlo" charset="0"/>
+              </a:rPr>
+              <a:t>))</a:t>
+            </a:r>
+            <a:endParaRPr lang="en-US" sz="1400" dirty="0">
+              <a:latin typeface="Menlo" charset="0"/>
+            </a:endParaRPr>
+          </a:p>
+          <a:p>
+            <a:pPr lvl="2"/>
+            <a:r>
+              <a:rPr lang="en-US" sz="1400" dirty="0">
+                <a:latin typeface="Menlo" charset="0"/>
+              </a:rPr>
+              <a:t>.map(</a:t>
+            </a:r>
+            <a:r>
+              <a:rPr lang="en-US" sz="1400" dirty="0">
+                <a:solidFill>
+                  <a:srgbClr val="6A3E3E"/>
+                </a:solidFill>
+                <a:latin typeface="Menlo" charset="0"/>
+              </a:rPr>
+              <a:t>future</a:t>
+            </a:r>
+            <a:r>
+              <a:rPr lang="en-US" sz="1400" dirty="0">
+                <a:latin typeface="Menlo" charset="0"/>
+              </a:rPr>
+              <a:t> -&gt; </a:t>
+            </a:r>
+            <a:r>
+              <a:rPr lang="en-US" sz="1400" dirty="0" err="1">
+                <a:solidFill>
+                  <a:srgbClr val="6A3E3E"/>
+                </a:solidFill>
+                <a:latin typeface="Menlo" charset="0"/>
+              </a:rPr>
+              <a:t>future</a:t>
+            </a:r>
+            <a:r>
+              <a:rPr lang="en-US" sz="1400" dirty="0" err="1">
+                <a:latin typeface="Menlo" charset="0"/>
+              </a:rPr>
+              <a:t>.thenApply</a:t>
+            </a:r>
+            <a:r>
+              <a:rPr lang="en-US" sz="1400" dirty="0">
+                <a:latin typeface="Menlo" charset="0"/>
+              </a:rPr>
+              <a:t>(Quote::</a:t>
+            </a:r>
+            <a:r>
+              <a:rPr lang="en-US" sz="1400" i="1" dirty="0">
+                <a:latin typeface="Menlo" charset="0"/>
+              </a:rPr>
+              <a:t>parse</a:t>
+            </a:r>
+            <a:r>
+              <a:rPr lang="en-US" sz="1400" dirty="0">
+                <a:latin typeface="Menlo" charset="0"/>
+              </a:rPr>
+              <a:t>))</a:t>
+            </a:r>
+            <a:endParaRPr lang="en-US" sz="1400" dirty="0">
+              <a:latin typeface="Menlo" charset="0"/>
+            </a:endParaRPr>
+          </a:p>
+          <a:p>
+            <a:pPr lvl="2"/>
+            <a:r>
+              <a:rPr lang="en-US" sz="1400" dirty="0">
+                <a:latin typeface="Menlo" charset="0"/>
+              </a:rPr>
+              <a:t>.map(</a:t>
+            </a:r>
+            <a:r>
+              <a:rPr lang="en-US" sz="1400" dirty="0">
+                <a:solidFill>
+                  <a:srgbClr val="6A3E3E"/>
+                </a:solidFill>
+                <a:latin typeface="Menlo" charset="0"/>
+              </a:rPr>
+              <a:t>future</a:t>
+            </a:r>
+            <a:r>
+              <a:rPr lang="en-US" sz="1400" dirty="0">
+                <a:latin typeface="Menlo" charset="0"/>
+              </a:rPr>
+              <a:t> -&gt; </a:t>
+            </a:r>
+            <a:r>
+              <a:rPr lang="en-US" sz="1400" dirty="0" err="1">
+                <a:solidFill>
+                  <a:srgbClr val="6A3E3E"/>
+                </a:solidFill>
+                <a:latin typeface="Menlo" charset="0"/>
+              </a:rPr>
+              <a:t>future</a:t>
+            </a:r>
+            <a:r>
+              <a:rPr lang="en-US" sz="1400" dirty="0" err="1">
+                <a:latin typeface="Menlo" charset="0"/>
+              </a:rPr>
+              <a:t>.thenCompose</a:t>
+            </a:r>
+            <a:r>
+              <a:rPr lang="en-US" sz="1400" dirty="0">
+                <a:latin typeface="Menlo" charset="0"/>
+              </a:rPr>
+              <a:t>(</a:t>
+            </a:r>
+            <a:endParaRPr lang="en-US" sz="1400" dirty="0">
+              <a:latin typeface="Menlo" charset="0"/>
+            </a:endParaRPr>
+          </a:p>
+          <a:p>
             <a:pPr lvl="6"/>
             <a:r>
+              <a:rPr lang="en-US" sz="1400" dirty="0">
+                <a:solidFill>
+                  <a:srgbClr val="6A3E3E"/>
+                </a:solidFill>
+                <a:latin typeface="Menlo" charset="0"/>
+              </a:rPr>
+              <a:t>quote</a:t>
+            </a:r>
+            <a:r>
+              <a:rPr lang="en-US" sz="1400" dirty="0">
+                <a:latin typeface="Menlo" charset="0"/>
+              </a:rPr>
+              <a:t> -&gt; </a:t>
+            </a:r>
+            <a:r>
               <a:rPr lang="en-US" sz="1400" dirty="0" err="1">
                 <a:latin typeface="Menlo" charset="0"/>
               </a:rPr>
@@ -10211,6 +10364,138 @@
               <a:rPr lang="en-US" sz="1400" dirty="0">
                 <a:latin typeface="Menlo" charset="0"/>
               </a:rPr>
+              <a:t>(</a:t>
+            </a:r>
+            <a:endParaRPr lang="en-US" sz="1400" dirty="0">
+              <a:latin typeface="Menlo" charset="0"/>
+            </a:endParaRPr>
+          </a:p>
+          <a:p>
+            <a:pPr lvl="6"/>
+            <a:r>
+              <a:rPr lang="en-US" sz="1400" dirty="0">
+                <a:latin typeface="Menlo" charset="0"/>
+              </a:rPr>
+              <a:t>() -&gt; </a:t>
+            </a:r>
+            <a:r>
+              <a:rPr lang="en-US" sz="1400" dirty="0" err="1" smtClean="0">
+                <a:latin typeface="Menlo" charset="0"/>
+              </a:rPr>
+              <a:t>Discount.</a:t>
+            </a:r>
+            <a:r>
+              <a:rPr lang="en-US" sz="1400" i="1" dirty="0" err="1" smtClean="0">
+                <a:latin typeface="Menlo" charset="0"/>
+              </a:rPr>
+              <a:t>getDiscountPercent</a:t>
+            </a:r>
+            <a:r>
+              <a:rPr lang="en-US" sz="1400" dirty="0" smtClean="0">
+                <a:latin typeface="Menlo" charset="0"/>
+              </a:rPr>
+              <a:t>(</a:t>
+            </a:r>
+            <a:r>
+              <a:rPr lang="en-US" sz="1400" dirty="0" smtClean="0">
+                <a:solidFill>
+                  <a:srgbClr val="6A3E3E"/>
+                </a:solidFill>
+                <a:latin typeface="Menlo" charset="0"/>
+              </a:rPr>
+              <a:t>quote</a:t>
+            </a:r>
+            <a:r>
+              <a:rPr lang="en-US" sz="1400" dirty="0">
+                <a:latin typeface="Menlo" charset="0"/>
+              </a:rPr>
+              <a:t>), </a:t>
+            </a:r>
+            <a:r>
+              <a:rPr lang="en-US" sz="1400" b="1" i="1" dirty="0">
+                <a:solidFill>
+                  <a:srgbClr val="0000C0"/>
+                </a:solidFill>
+                <a:latin typeface="Menlo" charset="0"/>
+              </a:rPr>
+              <a:t>executor</a:t>
+            </a:r>
+            <a:r>
+              <a:rPr lang="en-US" sz="1400" dirty="0">
+                <a:latin typeface="Menlo" charset="0"/>
+              </a:rPr>
+              <a:t>)))</a:t>
+            </a:r>
+            <a:endParaRPr lang="en-US" sz="1400" dirty="0">
+              <a:latin typeface="Menlo" charset="0"/>
+            </a:endParaRPr>
+          </a:p>
+          <a:p>
+            <a:pPr lvl="2"/>
+            <a:r>
+              <a:rPr lang="en-US" sz="1400" dirty="0">
+                <a:latin typeface="Menlo" charset="0"/>
+              </a:rPr>
+              <a:t>.map(</a:t>
+            </a:r>
+            <a:r>
+              <a:rPr lang="en-US" sz="1400" dirty="0">
+                <a:solidFill>
+                  <a:srgbClr val="6A3E3E"/>
+                </a:solidFill>
+                <a:latin typeface="Menlo" charset="0"/>
+              </a:rPr>
+              <a:t>future</a:t>
+            </a:r>
+            <a:r>
+              <a:rPr lang="en-US" sz="1400" dirty="0">
+                <a:latin typeface="Menlo" charset="0"/>
+              </a:rPr>
+              <a:t> -&gt; </a:t>
+            </a:r>
+            <a:r>
+              <a:rPr lang="en-US" sz="1400" dirty="0" err="1" smtClean="0">
+                <a:solidFill>
+                  <a:srgbClr val="6A3E3E"/>
+                </a:solidFill>
+                <a:latin typeface="Menlo" charset="0"/>
+              </a:rPr>
+              <a:t>future</a:t>
+            </a:r>
+            <a:r>
+              <a:rPr lang="en-US" sz="1400" dirty="0" err="1" smtClean="0">
+                <a:latin typeface="Menlo" charset="0"/>
+              </a:rPr>
+              <a:t>.thenCombine</a:t>
+            </a:r>
+            <a:r>
+              <a:rPr lang="en-US" sz="1400" dirty="0" smtClean="0">
+                <a:latin typeface="Menlo" charset="0"/>
+              </a:rPr>
+              <a:t>(</a:t>
+            </a:r>
+            <a:endParaRPr lang="en-US" sz="1400" dirty="0">
+              <a:latin typeface="Menlo" charset="0"/>
+            </a:endParaRPr>
+          </a:p>
+          <a:p>
+            <a:pPr lvl="6"/>
+            <a:r>
+              <a:rPr lang="en-US" sz="1400" dirty="0" err="1">
+                <a:latin typeface="Menlo" charset="0"/>
+              </a:rPr>
+              <a:t>CompletableFuture.</a:t>
+            </a:r>
+            <a:r>
+              <a:rPr lang="en-US" sz="1400" i="1" dirty="0" err="1">
+                <a:latin typeface="Menlo" charset="0"/>
+              </a:rPr>
+              <a:t>supplyAsync</a:t>
+            </a:r>
+            <a:r>
+              <a:rPr lang="en-US" sz="1400" dirty="0">
+                <a:latin typeface="Menlo" charset="0"/>
+              </a:rPr>
               <a:t>(() -&gt;  </a:t>
             </a:r>
             <a:r>
@@ -10261,6 +10546,9 @@
               </a:rPr>
               <a:t>)), </a:t>
             </a:r>
+            <a:endParaRPr lang="en-US" sz="1400" dirty="0">
+              <a:latin typeface="Menlo" charset="0"/>
+            </a:endParaRPr>
           </a:p>
           <a:p>
             <a:pPr lvl="6"/>
@@ -10445,6 +10733,14 @@
               </a:rPr>
               <a:t>calculate()</a:t>
             </a:r>
+            <a:endParaRPr lang="en-US" sz="2000" dirty="0" smtClean="0">
+              <a:solidFill>
+                <a:sysClr val="windowText" lastClr="000000"/>
+              </a:solidFill>
+              <a:latin typeface="Adobe Arabic" panose="02040503050201020203" charset="0"/>
+              <a:ea typeface="Abadi MT Condensed Light" charset="0"/>
+              <a:cs typeface="Adobe Arabic" panose="02040503050201020203" charset="0"/>
+            </a:endParaRPr>
           </a:p>
         </p:txBody>
       </p:sp>
@@ -10662,6 +10958,14 @@
               </a:rPr>
               <a:t>Quote</a:t>
             </a:r>
+            <a:endParaRPr lang="en-US" b="1" i="1" dirty="0" smtClean="0">
+              <a:solidFill>
+                <a:srgbClr val="D78000"/>
+              </a:solidFill>
+              <a:latin typeface="Adobe Arabic" panose="02040503050201020203" charset="0"/>
+              <a:ea typeface="Abadi MT Condensed Light" charset="0"/>
+              <a:cs typeface="Adobe Arabic" panose="02040503050201020203" charset="0"/>
+            </a:endParaRPr>
           </a:p>
         </p:txBody>
       </p:sp>
@@ -10673,8 +10977,8 @@
         </p:nvSpPr>
         <p:spPr>
           <a:xfrm>
-            <a:off x="1035943" y="5446712"/>
-            <a:ext cx="10169741" cy="705928"/>
+            <a:off x="2565400" y="5408295"/>
+            <a:ext cx="2006600" cy="217170"/>
           </a:xfrm>
           <a:prstGeom prst="rect">
             <a:avLst/>
@@ -10997,7 +11301,7 @@
         <p:spPr>
           <a:xfrm>
             <a:off x="832756" y="1676400"/>
-            <a:ext cx="9301844" cy="954107"/>
+            <a:ext cx="9301844" cy="953135"/>
           </a:xfrm>
           <a:prstGeom prst="rect">
             <a:avLst/>
@@ -11037,7 +11341,7 @@
               <a:t> = </a:t>
             </a:r>
             <a:r>
-              <a:rPr lang="en-US" sz="1400" i="1" dirty="0" err="1">
+              <a:rPr lang="en-US" sz="1400" b="1" i="1" dirty="0" err="1">
                 <a:latin typeface="Menlo" charset="0"/>
               </a:rPr>
               <a:t>findPrice</a:t>
@@ -11110,6 +11414,9 @@
               </a:rPr>
               <a:t>(</a:t>
             </a:r>
+            <a:endParaRPr lang="en-US" sz="1400" dirty="0">
+              <a:latin typeface="Menlo" charset="0"/>
+            </a:endParaRPr>
           </a:p>
           <a:p>
             <a:r>
@@ -11175,6 +11482,9 @@
               </a:rPr>
               <a:t>)))</a:t>
             </a:r>
+            <a:endParaRPr lang="en-US" sz="1400" dirty="0">
+              <a:latin typeface="Menlo" charset="0"/>
+            </a:endParaRPr>
           </a:p>
           <a:p>
             <a:r>
@@ -11577,8 +11887,8 @@
         </p:nvSpPr>
         <p:spPr>
           <a:xfrm>
-            <a:off x="6128657" y="3584052"/>
-            <a:ext cx="3080493" cy="533400"/>
+            <a:off x="6128385" y="3583940"/>
+            <a:ext cx="3277235" cy="533400"/>
           </a:xfrm>
           <a:prstGeom prst="roundRect">
             <a:avLst/>
@@ -11697,6 +12007,14 @@
               </a:rPr>
               <a:t>Executor Thread</a:t>
             </a:r>
+            <a:endParaRPr lang="en-US" sz="2400" b="1" dirty="0" smtClean="0">
+              <a:solidFill>
+                <a:sysClr val="windowText" lastClr="000000"/>
+              </a:solidFill>
+              <a:latin typeface="Adobe Arabic" panose="02040503050201020203" charset="0"/>
+              <a:ea typeface="Abadi MT Condensed Light" charset="0"/>
+              <a:cs typeface="Adobe Arabic" panose="02040503050201020203" charset="0"/>
+            </a:endParaRPr>
           </a:p>
         </p:txBody>
       </p:sp>
@@ -11751,6 +12069,14 @@
               </a:rPr>
               <a:t>Executor Thread</a:t>
             </a:r>
+            <a:endParaRPr lang="en-US" sz="2400" b="1" dirty="0" smtClean="0">
+              <a:solidFill>
+                <a:sysClr val="windowText" lastClr="000000"/>
+              </a:solidFill>
+              <a:latin typeface="Adobe Arabic" panose="02040503050201020203" charset="0"/>
+              <a:ea typeface="Abadi MT Condensed Light" charset="0"/>
+              <a:cs typeface="Adobe Arabic" panose="02040503050201020203" charset="0"/>
+            </a:endParaRPr>
           </a:p>
         </p:txBody>
       </p:sp>
@@ -11768,7 +12094,10 @@
           <a:prstGeom prst="line">
             <a:avLst/>
           </a:prstGeom>
-          <a:ln>
+          <a:ln w="25400">
+            <a:solidFill>
+              <a:srgbClr val="B16B02"/>
+            </a:solidFill>
             <a:prstDash val="sysDot"/>
           </a:ln>
         </p:spPr>
@@ -11830,18 +12159,23 @@
       <p:cxnSp>
         <p:nvCxnSpPr>
           <p:cNvPr id="44" name="Straight Connector 43"/>
-          <p:cNvCxnSpPr/>
+          <p:cNvCxnSpPr>
+            <a:endCxn id="45" idx="0"/>
+          </p:cNvCxnSpPr>
           <p:nvPr/>
         </p:nvCxnSpPr>
         <p:spPr>
           <a:xfrm>
-            <a:off x="9405257" y="2643864"/>
-            <a:ext cx="0" cy="1865293"/>
+            <a:off x="9382125" y="2644140"/>
+            <a:ext cx="48260" cy="3248025"/>
           </a:xfrm>
           <a:prstGeom prst="line">
             <a:avLst/>
           </a:prstGeom>
-          <a:ln>
+          <a:ln w="25400">
+            <a:solidFill>
+              <a:srgbClr val="B16B02"/>
+            </a:solidFill>
             <a:prstDash val="sysDot"/>
           </a:ln>
         </p:spPr>
@@ -11868,13 +12202,15 @@
         </p:nvSpPr>
         <p:spPr>
           <a:xfrm>
-            <a:off x="9171214" y="4448632"/>
+            <a:off x="8872129" y="5891987"/>
             <a:ext cx="1115786" cy="533400"/>
           </a:xfrm>
           <a:prstGeom prst="roundRect">
             <a:avLst/>
           </a:prstGeom>
-          <a:noFill/>
+          <a:solidFill>
+            <a:schemeClr val="tx1"/>
+          </a:solidFill>
           <a:ln>
             <a:solidFill>
               <a:schemeClr val="accent2">
@@ -11907,7 +12243,7 @@
             <a:r>
               <a:rPr lang="en-US" sz="2000" smtClean="0">
                 <a:solidFill>
-                  <a:sysClr val="windowText" lastClr="000000"/>
+                  <a:schemeClr val="bg1"/>
                 </a:solidFill>
                 <a:latin typeface="Adobe Arabic" panose="02040503050201020203" charset="0"/>
                 <a:ea typeface="Abadi MT Condensed Light" charset="0"/>
@@ -11917,7 +12253,7 @@
             </a:r>
             <a:endParaRPr lang="en-US" sz="2000" dirty="0" smtClean="0">
               <a:solidFill>
-                <a:sysClr val="windowText" lastClr="000000"/>
+                <a:schemeClr val="bg1"/>
               </a:solidFill>
               <a:latin typeface="Adobe Arabic" panose="02040503050201020203" charset="0"/>
               <a:ea typeface="Abadi MT Condensed Light" charset="0"/>
@@ -11936,8 +12272,8 @@
         </p:nvCxnSpPr>
         <p:spPr>
           <a:xfrm>
-            <a:off x="9209150" y="3850752"/>
-            <a:ext cx="1763650" cy="0"/>
+            <a:off x="9405620" y="3850640"/>
+            <a:ext cx="1530350" cy="0"/>
           </a:xfrm>
           <a:prstGeom prst="straightConnector1">
             <a:avLst/>
@@ -12109,6 +12445,620 @@
               <a:ea typeface="Abadi MT Condensed Light" charset="0"/>
               <a:cs typeface="Adobe Arabic" panose="02040503050201020203" charset="0"/>
             </a:endParaRPr>
+          </a:p>
+        </p:txBody>
+      </p:sp>
+      <p:sp>
+        <p:nvSpPr>
+          <p:cNvPr id="41" name="Rectangle 40"/>
+          <p:cNvSpPr/>
+          <p:nvPr/>
+        </p:nvSpPr>
+        <p:spPr>
+          <a:xfrm>
+            <a:off x="3041650" y="1924050"/>
+            <a:ext cx="1388745" cy="217170"/>
+          </a:xfrm>
+          <a:prstGeom prst="rect">
+            <a:avLst/>
+          </a:prstGeom>
+          <a:solidFill>
+            <a:srgbClr val="02A9F7">
+              <a:alpha val="14000"/>
+            </a:srgbClr>
+          </a:solidFill>
+        </p:spPr>
+        <p:style>
+          <a:lnRef idx="2">
+            <a:schemeClr val="accent4">
+              <a:shade val="50000"/>
+            </a:schemeClr>
+          </a:lnRef>
+          <a:fillRef idx="1">
+            <a:schemeClr val="accent4"/>
+          </a:fillRef>
+          <a:effectRef idx="0">
+            <a:schemeClr val="accent4"/>
+          </a:effectRef>
+          <a:fontRef idx="minor">
+            <a:schemeClr val="lt1"/>
+          </a:fontRef>
+        </p:style>
+        <p:txBody>
+          <a:bodyPr rtlCol="0" anchor="ctr"/>
+          <a:p>
+            <a:pPr algn="ctr"/>
+            <a:endParaRPr lang="en-US"/>
+          </a:p>
+        </p:txBody>
+      </p:sp>
+      <p:sp>
+        <p:nvSpPr>
+          <p:cNvPr id="9" name="Rectangle 8"/>
+          <p:cNvSpPr/>
+          <p:nvPr/>
+        </p:nvSpPr>
+        <p:spPr>
+          <a:xfrm>
+            <a:off x="6610985" y="471170"/>
+            <a:ext cx="2939415" cy="553085"/>
+          </a:xfrm>
+          <a:prstGeom prst="rect">
+            <a:avLst/>
+          </a:prstGeom>
+          <a:solidFill>
+            <a:schemeClr val="lt1"/>
+          </a:solidFill>
+        </p:spPr>
+        <p:style>
+          <a:lnRef idx="2">
+            <a:schemeClr val="dk1"/>
+          </a:lnRef>
+          <a:fillRef idx="1">
+            <a:schemeClr val="lt1"/>
+          </a:fillRef>
+          <a:effectRef idx="0">
+            <a:schemeClr val="dk1"/>
+          </a:effectRef>
+          <a:fontRef idx="minor">
+            <a:schemeClr val="dk1"/>
+          </a:fontRef>
+        </p:style>
+        <p:txBody>
+          <a:bodyPr wrap="square">
+            <a:spAutoFit/>
+          </a:bodyPr>
+          <a:p>
+            <a:r>
+              <a:rPr lang="en-US" sz="500" b="1" dirty="0">
+                <a:solidFill>
+                  <a:srgbClr val="7F0055">
+                    <a:alpha val="80000"/>
+                  </a:srgbClr>
+                </a:solidFill>
+                <a:latin typeface="Menlo" charset="0"/>
+              </a:rPr>
+              <a:t>public</a:t>
+            </a:r>
+            <a:r>
+              <a:rPr lang="en-US" sz="500" dirty="0">
+                <a:solidFill>
+                  <a:schemeClr val="dk1">
+                    <a:alpha val="80000"/>
+                  </a:schemeClr>
+                </a:solidFill>
+                <a:latin typeface="Menlo" charset="0"/>
+              </a:rPr>
+              <a:t> </a:t>
+            </a:r>
+            <a:r>
+              <a:rPr lang="en-US" sz="500" b="1" dirty="0">
+                <a:solidFill>
+                  <a:srgbClr val="7F0055">
+                    <a:alpha val="80000"/>
+                  </a:srgbClr>
+                </a:solidFill>
+                <a:latin typeface="Menlo" charset="0"/>
+              </a:rPr>
+              <a:t>static</a:t>
+            </a:r>
+            <a:r>
+              <a:rPr lang="en-US" sz="500" dirty="0">
+                <a:solidFill>
+                  <a:schemeClr val="dk1">
+                    <a:alpha val="80000"/>
+                  </a:schemeClr>
+                </a:solidFill>
+                <a:latin typeface="Menlo" charset="0"/>
+              </a:rPr>
+              <a:t> Stream&lt;Object&gt; </a:t>
+            </a:r>
+            <a:r>
+              <a:rPr lang="en-US" sz="500" dirty="0" err="1">
+                <a:solidFill>
+                  <a:schemeClr val="dk1">
+                    <a:alpha val="80000"/>
+                  </a:schemeClr>
+                </a:solidFill>
+                <a:latin typeface="Menlo" charset="0"/>
+              </a:rPr>
+              <a:t>findPrice</a:t>
+            </a:r>
+            <a:r>
+              <a:rPr lang="en-US" sz="500" dirty="0">
+                <a:solidFill>
+                  <a:schemeClr val="dk1">
+                    <a:alpha val="80000"/>
+                  </a:schemeClr>
+                </a:solidFill>
+                <a:latin typeface="Menlo" charset="0"/>
+              </a:rPr>
+              <a:t>(String </a:t>
+            </a:r>
+            <a:r>
+              <a:rPr lang="en-US" sz="500" dirty="0">
+                <a:solidFill>
+                  <a:srgbClr val="6A3E3E">
+                    <a:alpha val="80000"/>
+                  </a:srgbClr>
+                </a:solidFill>
+                <a:latin typeface="Menlo" charset="0"/>
+              </a:rPr>
+              <a:t>product</a:t>
+            </a:r>
+            <a:r>
+              <a:rPr lang="en-US" sz="500" dirty="0">
+                <a:solidFill>
+                  <a:schemeClr val="dk1">
+                    <a:alpha val="80000"/>
+                  </a:schemeClr>
+                </a:solidFill>
+                <a:latin typeface="Menlo" charset="0"/>
+              </a:rPr>
+              <a:t>) {</a:t>
+            </a:r>
+            <a:endParaRPr lang="en-US" sz="500" dirty="0">
+              <a:solidFill>
+                <a:schemeClr val="dk1">
+                  <a:alpha val="80000"/>
+                </a:schemeClr>
+              </a:solidFill>
+              <a:latin typeface="Menlo" charset="0"/>
+            </a:endParaRPr>
+          </a:p>
+          <a:p>
+            <a:r>
+              <a:rPr lang="en-US" sz="500" b="1" dirty="0" smtClean="0">
+                <a:solidFill>
+                  <a:srgbClr val="7F0055">
+                    <a:alpha val="80000"/>
+                  </a:srgbClr>
+                </a:solidFill>
+                <a:latin typeface="Menlo" charset="0"/>
+              </a:rPr>
+              <a:t>return</a:t>
+            </a:r>
+            <a:r>
+              <a:rPr lang="en-US" sz="500" dirty="0" smtClean="0">
+                <a:solidFill>
+                  <a:schemeClr val="dk1">
+                    <a:alpha val="80000"/>
+                  </a:schemeClr>
+                </a:solidFill>
+                <a:latin typeface="Menlo" charset="0"/>
+              </a:rPr>
+              <a:t> </a:t>
+            </a:r>
+            <a:r>
+              <a:rPr lang="en-US" sz="500" i="1" dirty="0" err="1">
+                <a:solidFill>
+                  <a:srgbClr val="0000C0">
+                    <a:alpha val="80000"/>
+                  </a:srgbClr>
+                </a:solidFill>
+                <a:latin typeface="Menlo" charset="0"/>
+              </a:rPr>
+              <a:t>shops</a:t>
+            </a:r>
+            <a:r>
+              <a:rPr lang="en-US" sz="500" dirty="0" err="1">
+                <a:solidFill>
+                  <a:schemeClr val="dk1">
+                    <a:alpha val="80000"/>
+                  </a:schemeClr>
+                </a:solidFill>
+                <a:latin typeface="Menlo" charset="0"/>
+              </a:rPr>
+              <a:t>.stream</a:t>
+            </a:r>
+            <a:r>
+              <a:rPr lang="en-US" sz="500" dirty="0" smtClean="0">
+                <a:solidFill>
+                  <a:schemeClr val="dk1">
+                    <a:alpha val="80000"/>
+                  </a:schemeClr>
+                </a:solidFill>
+                <a:latin typeface="Menlo" charset="0"/>
+              </a:rPr>
+              <a:t>() </a:t>
+            </a:r>
+            <a:endParaRPr lang="en-US" sz="500" dirty="0" smtClean="0">
+              <a:solidFill>
+                <a:schemeClr val="dk1">
+                  <a:alpha val="80000"/>
+                </a:schemeClr>
+              </a:solidFill>
+              <a:latin typeface="Menlo" charset="0"/>
+            </a:endParaRPr>
+          </a:p>
+          <a:p>
+            <a:r>
+              <a:rPr lang="en-US" sz="500" dirty="0" smtClean="0">
+                <a:solidFill>
+                  <a:schemeClr val="dk1">
+                    <a:alpha val="80000"/>
+                  </a:schemeClr>
+                </a:solidFill>
+                <a:latin typeface="Menlo" charset="0"/>
+              </a:rPr>
+              <a:t>.</a:t>
+            </a:r>
+            <a:r>
+              <a:rPr lang="en-US" sz="500" dirty="0">
+                <a:solidFill>
+                  <a:schemeClr val="dk1">
+                    <a:alpha val="80000"/>
+                  </a:schemeClr>
+                </a:solidFill>
+                <a:latin typeface="Menlo" charset="0"/>
+              </a:rPr>
+              <a:t>map(</a:t>
+            </a:r>
+            <a:r>
+              <a:rPr lang="en-US" sz="500" dirty="0">
+                <a:solidFill>
+                  <a:srgbClr val="6A3E3E">
+                    <a:alpha val="80000"/>
+                  </a:srgbClr>
+                </a:solidFill>
+                <a:latin typeface="Menlo" charset="0"/>
+              </a:rPr>
+              <a:t>shop</a:t>
+            </a:r>
+            <a:r>
+              <a:rPr lang="en-US" sz="500" dirty="0">
+                <a:solidFill>
+                  <a:schemeClr val="dk1">
+                    <a:alpha val="80000"/>
+                  </a:schemeClr>
+                </a:solidFill>
+                <a:latin typeface="Menlo" charset="0"/>
+              </a:rPr>
+              <a:t> -&gt; </a:t>
+            </a:r>
+            <a:r>
+              <a:rPr lang="en-US" sz="500" dirty="0" err="1">
+                <a:solidFill>
+                  <a:schemeClr val="dk1">
+                    <a:alpha val="80000"/>
+                  </a:schemeClr>
+                </a:solidFill>
+                <a:latin typeface="Menlo" charset="0"/>
+              </a:rPr>
+              <a:t>CompletableFuture.</a:t>
+            </a:r>
+            <a:r>
+              <a:rPr lang="en-US" sz="500" i="1" dirty="0" err="1">
+                <a:solidFill>
+                  <a:schemeClr val="dk1">
+                    <a:alpha val="80000"/>
+                  </a:schemeClr>
+                </a:solidFill>
+                <a:latin typeface="Menlo" charset="0"/>
+              </a:rPr>
+              <a:t>supplyAsync</a:t>
+            </a:r>
+            <a:r>
+              <a:rPr lang="en-US" sz="500" dirty="0" smtClean="0">
+                <a:solidFill>
+                  <a:schemeClr val="dk1">
+                    <a:alpha val="80000"/>
+                  </a:schemeClr>
+                </a:solidFill>
+                <a:latin typeface="Menlo" charset="0"/>
+              </a:rPr>
+              <a:t>(</a:t>
+            </a:r>
+            <a:endParaRPr lang="en-US" sz="500" dirty="0" smtClean="0">
+              <a:solidFill>
+                <a:schemeClr val="dk1">
+                  <a:alpha val="80000"/>
+                </a:schemeClr>
+              </a:solidFill>
+              <a:latin typeface="Menlo" charset="0"/>
+            </a:endParaRPr>
+          </a:p>
+          <a:p>
+            <a:r>
+              <a:rPr lang="en-US" sz="500" dirty="0">
+                <a:solidFill>
+                  <a:schemeClr val="dk1">
+                    <a:alpha val="80000"/>
+                  </a:schemeClr>
+                </a:solidFill>
+                <a:latin typeface="Menlo" charset="0"/>
+              </a:rPr>
+              <a:t>	</a:t>
+            </a:r>
+            <a:r>
+              <a:rPr lang="en-US" sz="500" dirty="0" smtClean="0">
+                <a:solidFill>
+                  <a:schemeClr val="dk1">
+                    <a:alpha val="80000"/>
+                  </a:schemeClr>
+                </a:solidFill>
+                <a:latin typeface="Menlo" charset="0"/>
+              </a:rPr>
+              <a:t>() </a:t>
+            </a:r>
+            <a:r>
+              <a:rPr lang="en-US" sz="500" dirty="0">
+                <a:solidFill>
+                  <a:schemeClr val="dk1">
+                    <a:alpha val="80000"/>
+                  </a:schemeClr>
+                </a:solidFill>
+                <a:latin typeface="Menlo" charset="0"/>
+              </a:rPr>
+              <a:t>-&gt; </a:t>
+            </a:r>
+            <a:r>
+              <a:rPr lang="en-US" sz="500" dirty="0">
+                <a:solidFill>
+                  <a:srgbClr val="6A3E3E">
+                    <a:alpha val="80000"/>
+                  </a:srgbClr>
+                </a:solidFill>
+                <a:latin typeface="Menlo" charset="0"/>
+              </a:rPr>
+              <a:t>shop</a:t>
+            </a:r>
+            <a:r>
+              <a:rPr lang="en-US" sz="500" dirty="0">
+                <a:solidFill>
+                  <a:schemeClr val="dk1">
+                    <a:alpha val="80000"/>
+                  </a:schemeClr>
+                </a:solidFill>
+                <a:latin typeface="Menlo" charset="0"/>
+              </a:rPr>
+              <a:t>. </a:t>
+            </a:r>
+            <a:r>
+              <a:rPr lang="en-US" sz="500" dirty="0" err="1">
+                <a:solidFill>
+                  <a:schemeClr val="dk1">
+                    <a:alpha val="80000"/>
+                  </a:schemeClr>
+                </a:solidFill>
+                <a:latin typeface="Menlo" charset="0"/>
+              </a:rPr>
+              <a:t>getNonDiscountPrice</a:t>
+            </a:r>
+            <a:r>
+              <a:rPr lang="en-US" sz="500" dirty="0">
+                <a:solidFill>
+                  <a:schemeClr val="dk1">
+                    <a:alpha val="80000"/>
+                  </a:schemeClr>
+                </a:solidFill>
+                <a:latin typeface="Menlo" charset="0"/>
+              </a:rPr>
+              <a:t>(</a:t>
+            </a:r>
+            <a:r>
+              <a:rPr lang="en-US" sz="500" dirty="0" smtClean="0">
+                <a:solidFill>
+                  <a:srgbClr val="2A00FF">
+                    <a:alpha val="80000"/>
+                  </a:srgbClr>
+                </a:solidFill>
+                <a:latin typeface="Menlo" charset="0"/>
+              </a:rPr>
+              <a:t>"</a:t>
+            </a:r>
+            <a:r>
+              <a:rPr lang="en-US" sz="500" dirty="0">
+                <a:solidFill>
+                  <a:srgbClr val="2A00FF">
+                    <a:alpha val="80000"/>
+                  </a:srgbClr>
+                </a:solidFill>
+                <a:latin typeface="Menlo" charset="0"/>
+              </a:rPr>
+              <a:t>iphone11"</a:t>
+            </a:r>
+            <a:r>
+              <a:rPr lang="en-US" sz="500" dirty="0">
+                <a:solidFill>
+                  <a:schemeClr val="dk1">
+                    <a:alpha val="80000"/>
+                  </a:schemeClr>
+                </a:solidFill>
+                <a:latin typeface="Menlo" charset="0"/>
+              </a:rPr>
+              <a:t>), 			</a:t>
+            </a:r>
+            <a:r>
+              <a:rPr lang="en-US" sz="500" b="1" i="1" dirty="0">
+                <a:solidFill>
+                  <a:srgbClr val="0000C0">
+                    <a:alpha val="80000"/>
+                  </a:srgbClr>
+                </a:solidFill>
+                <a:latin typeface="Menlo" charset="0"/>
+              </a:rPr>
+              <a:t>executor</a:t>
+            </a:r>
+            <a:r>
+              <a:rPr lang="en-US" sz="500" dirty="0">
+                <a:solidFill>
+                  <a:schemeClr val="dk1">
+                    <a:alpha val="80000"/>
+                  </a:schemeClr>
+                </a:solidFill>
+                <a:latin typeface="Menlo" charset="0"/>
+              </a:rPr>
+              <a:t>))</a:t>
+            </a:r>
+            <a:endParaRPr lang="en-US" sz="500" dirty="0">
+              <a:solidFill>
+                <a:schemeClr val="dk1">
+                  <a:alpha val="80000"/>
+                </a:schemeClr>
+              </a:solidFill>
+              <a:latin typeface="Menlo" charset="0"/>
+            </a:endParaRPr>
+          </a:p>
+          <a:p>
+            <a:pPr lvl="2"/>
+            <a:endParaRPr lang="en-US" sz="500" dirty="0">
+              <a:solidFill>
+                <a:schemeClr val="dk1">
+                  <a:alpha val="80000"/>
+                </a:schemeClr>
+              </a:solidFill>
+              <a:effectLst/>
+              <a:latin typeface="Menlo" charset="0"/>
+            </a:endParaRPr>
+          </a:p>
+        </p:txBody>
+      </p:sp>
+      <p:sp>
+        <p:nvSpPr>
+          <p:cNvPr id="4" name="Rectangle 40"/>
+          <p:cNvSpPr/>
+          <p:nvPr/>
+        </p:nvSpPr>
+        <p:spPr>
+          <a:xfrm>
+            <a:off x="4027805" y="1676400"/>
+            <a:ext cx="1388745" cy="217170"/>
+          </a:xfrm>
+          <a:prstGeom prst="rect">
+            <a:avLst/>
+          </a:prstGeom>
+          <a:noFill/>
+          <a:ln>
+            <a:noFill/>
+          </a:ln>
+        </p:spPr>
+        <p:style>
+          <a:lnRef idx="2">
+            <a:schemeClr val="accent4">
+              <a:shade val="50000"/>
+            </a:schemeClr>
+          </a:lnRef>
+          <a:fillRef idx="1">
+            <a:schemeClr val="accent4"/>
+          </a:fillRef>
+          <a:effectRef idx="0">
+            <a:schemeClr val="accent4"/>
+          </a:effectRef>
+          <a:fontRef idx="minor">
+            <a:schemeClr val="lt1"/>
+          </a:fontRef>
+        </p:style>
+        <p:txBody>
+          <a:bodyPr rtlCol="0" anchor="ctr"/>
+          <a:p>
+            <a:pPr algn="ctr"/>
+            <a:endParaRPr lang="en-US"/>
+          </a:p>
+        </p:txBody>
+      </p:sp>
+      <p:cxnSp>
+        <p:nvCxnSpPr>
+          <p:cNvPr id="11" name="Curved Connector 10"/>
+          <p:cNvCxnSpPr>
+            <a:stCxn id="9" idx="1"/>
+            <a:endCxn id="4" idx="0"/>
+          </p:cNvCxnSpPr>
+          <p:nvPr/>
+        </p:nvCxnSpPr>
+        <p:spPr>
+          <a:xfrm rot="10800000" flipV="1">
+            <a:off x="4722495" y="748030"/>
+            <a:ext cx="1888490" cy="928370"/>
+          </a:xfrm>
+          <a:prstGeom prst="curvedConnector2">
+            <a:avLst/>
+          </a:prstGeom>
+          <a:ln>
+            <a:solidFill>
+              <a:schemeClr val="accent2">
+                <a:lumMod val="50000"/>
+              </a:schemeClr>
+            </a:solidFill>
+            <a:tailEnd type="triangle"/>
+          </a:ln>
+        </p:spPr>
+        <p:style>
+          <a:lnRef idx="1">
+            <a:schemeClr val="accent1"/>
+          </a:lnRef>
+          <a:fillRef idx="0">
+            <a:schemeClr val="accent1"/>
+          </a:fillRef>
+          <a:effectRef idx="0">
+            <a:schemeClr val="accent1"/>
+          </a:effectRef>
+          <a:fontRef idx="minor">
+            <a:schemeClr val="tx1"/>
+          </a:fontRef>
+        </p:style>
+      </p:cxnSp>
+      <p:sp>
+        <p:nvSpPr>
+          <p:cNvPr id="6" name="Rectangle 40"/>
+          <p:cNvSpPr/>
+          <p:nvPr/>
+        </p:nvSpPr>
+        <p:spPr>
+          <a:xfrm>
+            <a:off x="4411345" y="5834380"/>
+            <a:ext cx="919480" cy="306705"/>
+          </a:xfrm>
+          <a:prstGeom prst="rect">
+            <a:avLst/>
+          </a:prstGeom>
+          <a:solidFill>
+            <a:srgbClr val="02A9F7">
+              <a:alpha val="14000"/>
+            </a:srgbClr>
+          </a:solidFill>
+        </p:spPr>
+        <p:style>
+          <a:lnRef idx="2">
+            <a:schemeClr val="accent4">
+              <a:shade val="50000"/>
+            </a:schemeClr>
+          </a:lnRef>
+          <a:fillRef idx="1">
+            <a:schemeClr val="accent4"/>
+          </a:fillRef>
+          <a:effectRef idx="0">
+            <a:schemeClr val="accent4"/>
+          </a:effectRef>
+          <a:fontRef idx="minor">
+            <a:schemeClr val="lt1"/>
+          </a:fontRef>
+        </p:style>
+        <p:txBody>
+          <a:bodyPr rtlCol="0" anchor="ctr"/>
+          <a:p>
+            <a:pPr algn="ctr"/>
+            <a:endParaRPr lang="en-US"/>
           </a:p>
         </p:txBody>
       </p:sp>
@@ -12424,258 +13374,6 @@
               </a:rPr>
               <a:t>) {</a:t>
             </a:r>
-          </a:p>
-          <a:p>
-            <a:pPr lvl="1"/>
-            <a:r>
-              <a:rPr lang="en-US" sz="1400" b="1" dirty="0">
-                <a:solidFill>
-                  <a:srgbClr val="7F0055"/>
-                </a:solidFill>
-                <a:latin typeface="Menlo" charset="0"/>
-              </a:rPr>
-              <a:t>return</a:t>
-            </a:r>
-            <a:r>
-              <a:rPr lang="en-US" sz="1400" dirty="0">
-                <a:latin typeface="Menlo" charset="0"/>
-              </a:rPr>
-              <a:t> </a:t>
-            </a:r>
-            <a:r>
-              <a:rPr lang="en-US" sz="1400" i="1" dirty="0" err="1">
-                <a:solidFill>
-                  <a:srgbClr val="0000C0"/>
-                </a:solidFill>
-                <a:latin typeface="Menlo" charset="0"/>
-              </a:rPr>
-              <a:t>shops</a:t>
-            </a:r>
-            <a:r>
-              <a:rPr lang="en-US" sz="1400" dirty="0" err="1">
-                <a:latin typeface="Menlo" charset="0"/>
-              </a:rPr>
-              <a:t>.stream</a:t>
-            </a:r>
-            <a:r>
-              <a:rPr lang="en-US" sz="1400" dirty="0">
-                <a:latin typeface="Menlo" charset="0"/>
-              </a:rPr>
-              <a:t>()</a:t>
-            </a:r>
-          </a:p>
-          <a:p>
-            <a:pPr lvl="1"/>
-            <a:r>
-              <a:rPr lang="en-US" sz="1400" dirty="0">
-                <a:latin typeface="Menlo" charset="0"/>
-              </a:rPr>
-              <a:t>.map(</a:t>
-            </a:r>
-            <a:r>
-              <a:rPr lang="en-US" sz="1400" dirty="0">
-                <a:solidFill>
-                  <a:srgbClr val="6A3E3E"/>
-                </a:solidFill>
-                <a:latin typeface="Menlo" charset="0"/>
-              </a:rPr>
-              <a:t>shop</a:t>
-            </a:r>
-            <a:r>
-              <a:rPr lang="en-US" sz="1400" dirty="0">
-                <a:latin typeface="Menlo" charset="0"/>
-              </a:rPr>
-              <a:t> -&gt; </a:t>
-            </a:r>
-            <a:r>
-              <a:rPr lang="en-US" sz="1400" dirty="0" err="1">
-                <a:latin typeface="Menlo" charset="0"/>
-              </a:rPr>
-              <a:t>CompletableFuture.</a:t>
-            </a:r>
-            <a:r>
-              <a:rPr lang="en-US" sz="1400" i="1" dirty="0" err="1">
-                <a:latin typeface="Menlo" charset="0"/>
-              </a:rPr>
-              <a:t>supplyAsync</a:t>
-            </a:r>
-            <a:r>
-              <a:rPr lang="en-US" sz="1400" dirty="0">
-                <a:latin typeface="Menlo" charset="0"/>
-              </a:rPr>
-              <a:t>(() -&gt; </a:t>
-            </a:r>
-            <a:r>
-              <a:rPr lang="en-US" sz="1400" dirty="0" err="1">
-                <a:solidFill>
-                  <a:srgbClr val="6A3E3E"/>
-                </a:solidFill>
-                <a:latin typeface="Menlo" charset="0"/>
-              </a:rPr>
-              <a:t>shop</a:t>
-            </a:r>
-            <a:r>
-              <a:rPr lang="en-US" sz="1400" dirty="0" err="1">
-                <a:latin typeface="Menlo" charset="0"/>
-              </a:rPr>
-              <a:t>.getPrice</a:t>
-            </a:r>
-            <a:r>
-              <a:rPr lang="en-US" sz="1400" dirty="0">
-                <a:latin typeface="Menlo" charset="0"/>
-              </a:rPr>
-              <a:t>(</a:t>
-            </a:r>
-            <a:r>
-              <a:rPr lang="en-US" sz="1400" dirty="0">
-                <a:solidFill>
-                  <a:srgbClr val="2A00FF"/>
-                </a:solidFill>
-                <a:latin typeface="Menlo" charset="0"/>
-              </a:rPr>
-              <a:t>"iphone11"</a:t>
-            </a:r>
-            <a:r>
-              <a:rPr lang="en-US" sz="1400" dirty="0">
-                <a:latin typeface="Menlo" charset="0"/>
-              </a:rPr>
-              <a:t>), </a:t>
-            </a:r>
-            <a:r>
-              <a:rPr lang="en-US" sz="1400" b="1" i="1" dirty="0">
-                <a:solidFill>
-                  <a:srgbClr val="0000C0"/>
-                </a:solidFill>
-                <a:latin typeface="Menlo" charset="0"/>
-              </a:rPr>
-              <a:t>executor</a:t>
-            </a:r>
-            <a:r>
-              <a:rPr lang="en-US" sz="1400" dirty="0">
-                <a:latin typeface="Menlo" charset="0"/>
-              </a:rPr>
-              <a:t>))</a:t>
-            </a:r>
-          </a:p>
-          <a:p>
-            <a:pPr lvl="1"/>
-            <a:r>
-              <a:rPr lang="en-US" sz="1400" dirty="0" smtClean="0">
-                <a:latin typeface="Menlo" charset="0"/>
-              </a:rPr>
-              <a:t>.</a:t>
-            </a:r>
-            <a:r>
-              <a:rPr lang="en-US" sz="1400" dirty="0">
-                <a:latin typeface="Menlo" charset="0"/>
-              </a:rPr>
-              <a:t>map(</a:t>
-            </a:r>
-            <a:r>
-              <a:rPr lang="en-US" sz="1400" dirty="0">
-                <a:solidFill>
-                  <a:srgbClr val="6A3E3E"/>
-                </a:solidFill>
-                <a:latin typeface="Menlo" charset="0"/>
-              </a:rPr>
-              <a:t>future</a:t>
-            </a:r>
-            <a:r>
-              <a:rPr lang="en-US" sz="1400" dirty="0">
-                <a:latin typeface="Menlo" charset="0"/>
-              </a:rPr>
-              <a:t> -&gt; </a:t>
-            </a:r>
-            <a:r>
-              <a:rPr lang="en-US" sz="1400" dirty="0" err="1">
-                <a:solidFill>
-                  <a:srgbClr val="6A3E3E"/>
-                </a:solidFill>
-                <a:latin typeface="Menlo" charset="0"/>
-              </a:rPr>
-              <a:t>future</a:t>
-            </a:r>
-            <a:r>
-              <a:rPr lang="en-US" sz="1400" dirty="0" err="1">
-                <a:latin typeface="Menlo" charset="0"/>
-              </a:rPr>
-              <a:t>.exceptionally</a:t>
-            </a:r>
-            <a:r>
-              <a:rPr lang="en-US" sz="1400" dirty="0">
-                <a:latin typeface="Menlo" charset="0"/>
-              </a:rPr>
-              <a:t>(</a:t>
-            </a:r>
-            <a:r>
-              <a:rPr lang="en-US" sz="1400" dirty="0">
-                <a:solidFill>
-                  <a:srgbClr val="6A3E3E"/>
-                </a:solidFill>
-                <a:latin typeface="Menlo" charset="0"/>
-              </a:rPr>
-              <a:t>ex</a:t>
-            </a:r>
-            <a:r>
-              <a:rPr lang="en-US" sz="1400" dirty="0">
-                <a:latin typeface="Menlo" charset="0"/>
-              </a:rPr>
-              <a:t> -&gt; </a:t>
-            </a:r>
-            <a:r>
-              <a:rPr lang="en-US" sz="1400" dirty="0" smtClean="0">
-                <a:latin typeface="Menlo" charset="0"/>
-              </a:rPr>
-              <a:t>{</a:t>
-            </a:r>
-            <a:r>
-              <a:rPr lang="en-US" sz="1400" b="1" dirty="0" smtClean="0">
-                <a:solidFill>
-                  <a:srgbClr val="7F0055"/>
-                </a:solidFill>
-                <a:latin typeface="Menlo" charset="0"/>
-              </a:rPr>
-              <a:t>return</a:t>
-            </a:r>
-            <a:r>
-              <a:rPr lang="en-US" sz="1400" dirty="0" smtClean="0">
-                <a:latin typeface="Menlo" charset="0"/>
-              </a:rPr>
-              <a:t> </a:t>
-            </a:r>
-            <a:r>
-              <a:rPr lang="en-US" sz="1400" dirty="0" smtClean="0">
-                <a:solidFill>
-                  <a:srgbClr val="2A00FF"/>
-                </a:solidFill>
-                <a:latin typeface="Menlo" charset="0"/>
-              </a:rPr>
-              <a:t>”</a:t>
-            </a:r>
-            <a:r>
-              <a:rPr lang="en-US" sz="1400" dirty="0" err="1" smtClean="0">
-                <a:solidFill>
-                  <a:srgbClr val="2A00FF"/>
-                </a:solidFill>
-                <a:latin typeface="Menlo" charset="0"/>
-              </a:rPr>
-              <a:t>Unknow</a:t>
-            </a:r>
-            <a:r>
-              <a:rPr lang="en-US" sz="1400" dirty="0" smtClean="0">
-                <a:solidFill>
-                  <a:srgbClr val="2A00FF"/>
-                </a:solidFill>
-                <a:latin typeface="Menlo" charset="0"/>
-              </a:rPr>
-              <a:t>"</a:t>
-            </a:r>
-            <a:r>
-              <a:rPr lang="en-US" sz="1400" dirty="0" smtClean="0">
-                <a:latin typeface="Menlo" charset="0"/>
-              </a:rPr>
-              <a:t>;}</a:t>
-            </a:r>
             <a:endParaRPr lang="en-US" sz="1400" dirty="0">
               <a:latin typeface="Menlo" charset="0"/>
             </a:endParaRPr>
@@ -12683,11 +13381,275 @@
           <a:p>
             <a:pPr lvl="1"/>
             <a:r>
+              <a:rPr lang="en-US" sz="1400" b="1" dirty="0">
+                <a:solidFill>
+                  <a:srgbClr val="7F0055"/>
+                </a:solidFill>
+                <a:latin typeface="Menlo" charset="0"/>
+              </a:rPr>
+              <a:t>return</a:t>
+            </a:r>
+            <a:r>
               <a:rPr lang="en-US" sz="1400" dirty="0">
                 <a:latin typeface="Menlo" charset="0"/>
               </a:rPr>
+              <a:t> </a:t>
+            </a:r>
+            <a:r>
+              <a:rPr lang="en-US" sz="1400" i="1" dirty="0" err="1">
+                <a:solidFill>
+                  <a:srgbClr val="0000C0"/>
+                </a:solidFill>
+                <a:latin typeface="Menlo" charset="0"/>
+              </a:rPr>
+              <a:t>shops</a:t>
+            </a:r>
+            <a:r>
+              <a:rPr lang="en-US" sz="1400" dirty="0" err="1">
+                <a:latin typeface="Menlo" charset="0"/>
+              </a:rPr>
+              <a:t>.stream</a:t>
+            </a:r>
+            <a:r>
+              <a:rPr lang="en-US" sz="1400" dirty="0">
+                <a:latin typeface="Menlo" charset="0"/>
+              </a:rPr>
+              <a:t>()</a:t>
+            </a:r>
+            <a:endParaRPr lang="en-US" sz="1400" dirty="0">
+              <a:latin typeface="Menlo" charset="0"/>
+            </a:endParaRPr>
+          </a:p>
+          <a:p>
+            <a:pPr lvl="1"/>
+            <a:r>
+              <a:rPr lang="en-US" sz="1400" dirty="0">
+                <a:latin typeface="Menlo" charset="0"/>
+              </a:rPr>
+              <a:t>.map(</a:t>
+            </a:r>
+            <a:r>
+              <a:rPr lang="en-US" sz="1400" dirty="0">
+                <a:solidFill>
+                  <a:srgbClr val="6A3E3E"/>
+                </a:solidFill>
+                <a:latin typeface="Menlo" charset="0"/>
+              </a:rPr>
+              <a:t>shop</a:t>
+            </a:r>
+            <a:r>
+              <a:rPr lang="en-US" sz="1400" dirty="0">
+                <a:latin typeface="Menlo" charset="0"/>
+              </a:rPr>
+              <a:t> -&gt; </a:t>
+            </a:r>
+            <a:r>
+              <a:rPr lang="en-US" sz="1400" dirty="0" err="1">
+                <a:latin typeface="Menlo" charset="0"/>
+              </a:rPr>
+              <a:t>CompletableFuture.</a:t>
+            </a:r>
+            <a:r>
+              <a:rPr lang="en-US" sz="1400" i="1" dirty="0" err="1">
+                <a:latin typeface="Menlo" charset="0"/>
+              </a:rPr>
+              <a:t>supplyAsync</a:t>
+            </a:r>
+            <a:r>
+              <a:rPr lang="en-US" sz="1400" dirty="0">
+                <a:latin typeface="Menlo" charset="0"/>
+              </a:rPr>
+              <a:t>(() -&gt; </a:t>
+            </a:r>
+            <a:r>
+              <a:rPr lang="en-US" sz="1400" dirty="0" err="1">
+                <a:solidFill>
+                  <a:srgbClr val="6A3E3E"/>
+                </a:solidFill>
+                <a:latin typeface="Menlo" charset="0"/>
+              </a:rPr>
+              <a:t>shop</a:t>
+            </a:r>
+            <a:r>
+              <a:rPr lang="en-US" sz="1400" dirty="0" err="1">
+                <a:latin typeface="Menlo" charset="0"/>
+              </a:rPr>
+              <a:t>.getPrice</a:t>
+            </a:r>
+            <a:r>
+              <a:rPr lang="en-US" sz="1400" dirty="0">
+                <a:latin typeface="Menlo" charset="0"/>
+              </a:rPr>
+              <a:t>(</a:t>
+            </a:r>
+            <a:r>
+              <a:rPr lang="en-US" sz="1400" dirty="0">
+                <a:solidFill>
+                  <a:srgbClr val="2A00FF"/>
+                </a:solidFill>
+                <a:latin typeface="Menlo" charset="0"/>
+              </a:rPr>
+              <a:t>"iphone11"</a:t>
+            </a:r>
+            <a:r>
+              <a:rPr lang="en-US" sz="1400" dirty="0">
+                <a:latin typeface="Menlo" charset="0"/>
+              </a:rPr>
+              <a:t>), </a:t>
+            </a:r>
+            <a:r>
+              <a:rPr lang="en-US" sz="1400" b="1" i="1" dirty="0">
+                <a:solidFill>
+                  <a:srgbClr val="0000C0"/>
+                </a:solidFill>
+                <a:latin typeface="Menlo" charset="0"/>
+              </a:rPr>
+              <a:t>executor</a:t>
+            </a:r>
+            <a:r>
+              <a:rPr lang="en-US" sz="1400" dirty="0">
+                <a:latin typeface="Menlo" charset="0"/>
+              </a:rPr>
+              <a:t>))</a:t>
+            </a:r>
+            <a:endParaRPr lang="en-US" sz="1400" dirty="0">
+              <a:latin typeface="Menlo" charset="0"/>
+            </a:endParaRPr>
+          </a:p>
+          <a:p>
+            <a:pPr lvl="1"/>
+            <a:r>
+              <a:rPr lang="en-US" sz="1400" dirty="0" smtClean="0">
+                <a:latin typeface="Menlo" charset="0"/>
+              </a:rPr>
+              <a:t>.</a:t>
+            </a:r>
+            <a:r>
+              <a:rPr lang="en-US" sz="1400" dirty="0">
+                <a:latin typeface="Menlo" charset="0"/>
+              </a:rPr>
+              <a:t>map(</a:t>
+            </a:r>
+            <a:r>
+              <a:rPr lang="en-US" sz="1400" dirty="0">
+                <a:solidFill>
+                  <a:srgbClr val="6A3E3E"/>
+                </a:solidFill>
+                <a:latin typeface="Menlo" charset="0"/>
+              </a:rPr>
+              <a:t>future</a:t>
+            </a:r>
+            <a:r>
+              <a:rPr lang="en-US" sz="1400" dirty="0">
+                <a:latin typeface="Menlo" charset="0"/>
+              </a:rPr>
+              <a:t> -&gt; </a:t>
+            </a:r>
+            <a:r>
+              <a:rPr lang="en-US" sz="1400" dirty="0" err="1">
+                <a:solidFill>
+                  <a:srgbClr val="6A3E3E"/>
+                </a:solidFill>
+                <a:latin typeface="Menlo" charset="0"/>
+              </a:rPr>
+              <a:t>future</a:t>
+            </a:r>
+            <a:r>
+              <a:rPr lang="en-US" sz="1400" dirty="0" err="1">
+                <a:latin typeface="Menlo" charset="0"/>
+              </a:rPr>
+              <a:t>.exceptionally</a:t>
+            </a:r>
+            <a:r>
+              <a:rPr lang="en-US" sz="1400" dirty="0">
+                <a:latin typeface="Menlo" charset="0"/>
+              </a:rPr>
+              <a:t>(</a:t>
+            </a:r>
+            <a:r>
+              <a:rPr lang="en-US" sz="1400" dirty="0">
+                <a:solidFill>
+                  <a:srgbClr val="6A3E3E"/>
+                </a:solidFill>
+                <a:latin typeface="Menlo" charset="0"/>
+              </a:rPr>
+              <a:t>ex</a:t>
+            </a:r>
+            <a:r>
+              <a:rPr lang="en-US" sz="1400" dirty="0">
+                <a:latin typeface="Menlo" charset="0"/>
+              </a:rPr>
+              <a:t> -&gt; </a:t>
+            </a:r>
+            <a:r>
+              <a:rPr lang="en-US" sz="1400" dirty="0" smtClean="0">
+                <a:latin typeface="Menlo" charset="0"/>
+              </a:rPr>
+              <a:t>{</a:t>
+            </a:r>
+            <a:r>
+              <a:rPr lang="en-US" sz="1400" b="1" dirty="0" smtClean="0">
+                <a:solidFill>
+                  <a:srgbClr val="7F0055"/>
+                </a:solidFill>
+                <a:latin typeface="Menlo" charset="0"/>
+              </a:rPr>
+              <a:t>return</a:t>
+            </a:r>
+            <a:r>
+              <a:rPr lang="en-US" sz="1400" dirty="0" smtClean="0">
+                <a:latin typeface="Menlo" charset="0"/>
+              </a:rPr>
+              <a:t> </a:t>
+            </a:r>
+            <a:r>
+              <a:rPr lang="en-US" sz="1400" dirty="0" smtClean="0">
+                <a:solidFill>
+                  <a:srgbClr val="2A00FF"/>
+                </a:solidFill>
+                <a:latin typeface="Menlo" charset="0"/>
+              </a:rPr>
+              <a:t>”</a:t>
+            </a:r>
+            <a:r>
+              <a:rPr lang="en-US" sz="1400" dirty="0" err="1" smtClean="0">
+                <a:solidFill>
+                  <a:srgbClr val="2A00FF"/>
+                </a:solidFill>
+                <a:latin typeface="Menlo" charset="0"/>
+              </a:rPr>
+              <a:t>Unknow</a:t>
+            </a:r>
+            <a:r>
+              <a:rPr lang="en-US" sz="1400" dirty="0" smtClean="0">
+                <a:solidFill>
+                  <a:srgbClr val="2A00FF"/>
+                </a:solidFill>
+                <a:latin typeface="Menlo" charset="0"/>
+              </a:rPr>
+              <a:t>"</a:t>
+            </a:r>
+            <a:r>
+              <a:rPr lang="en-US" sz="1400" dirty="0" smtClean="0">
+                <a:latin typeface="Menlo" charset="0"/>
+              </a:rPr>
+              <a:t>;}</a:t>
+            </a:r>
+            <a:endParaRPr lang="en-US" sz="1400" dirty="0">
+              <a:latin typeface="Menlo" charset="0"/>
+            </a:endParaRPr>
+          </a:p>
+          <a:p>
+            <a:pPr lvl="1"/>
+            <a:r>
+              <a:rPr lang="en-US" sz="1400" dirty="0">
+                <a:latin typeface="Menlo" charset="0"/>
+              </a:rPr>
               <a:t>));</a:t>
             </a:r>
+            <a:endParaRPr lang="en-US" sz="1400" dirty="0">
+              <a:latin typeface="Menlo" charset="0"/>
+            </a:endParaRPr>
           </a:p>
           <a:p>
             <a:r>
@@ -12711,8 +13673,8 @@
         </p:nvSpPr>
         <p:spPr>
           <a:xfrm>
-            <a:off x="1142998" y="2323349"/>
-            <a:ext cx="7924800" cy="276172"/>
+            <a:off x="3679190" y="2323465"/>
+            <a:ext cx="1461770" cy="276225"/>
           </a:xfrm>
           <a:prstGeom prst="rect">
             <a:avLst/>
@@ -13051,6 +14013,7 @@
               <a:rPr lang="en-US" sz="2400" b="1" dirty="0" smtClean="0"/>
               <a:t>SIMPLE!!!</a:t>
             </a:r>
+            <a:endParaRPr lang="en-US" sz="2400" b="1" dirty="0" smtClean="0"/>
           </a:p>
           <a:p>
             <a:r>
@@ -13065,6 +14028,7 @@
               <a:rPr lang="en-US" sz="2400" dirty="0" smtClean="0"/>
               <a:t> Future in</a:t>
             </a:r>
+            <a:endParaRPr lang="en-US" sz="2400" dirty="0" smtClean="0"/>
           </a:p>
           <a:p>
             <a:r>
@@ -13138,7 +14102,7 @@
             <a:avLst/>
           </a:prstGeom>
           <a:blipFill>
-            <a:blip r:embed="rId2"/>
+            <a:blip r:embed="rId1"/>
             <a:stretch>
               <a:fillRect/>
             </a:stretch>
@@ -13189,7 +14153,7 @@
             <a:avLst/>
           </a:prstGeom>
           <a:blipFill>
-            <a:blip r:embed="rId3"/>
+            <a:blip r:embed="rId2"/>
             <a:stretch>
               <a:fillRect/>
             </a:stretch>
@@ -13234,7 +14198,7 @@
           <p:nvPr/>
         </p:nvPicPr>
         <p:blipFill>
-          <a:blip r:embed="rId4">
+          <a:blip r:embed="rId3">
             <a:extLst>
               <a:ext uri="{28A0092B-C50C-407E-A947-70E740481C1C}">
                 <a14:useLocalDpi xmlns:a14="http://schemas.microsoft.com/office/drawing/2010/main" val="0"/>
@@ -13360,7 +14324,7 @@
           <p:nvPr/>
         </p:nvPicPr>
         <p:blipFill rotWithShape="1">
-          <a:blip r:embed="rId5">
+          <a:blip r:embed="rId4">
             <a:extLst>
               <a:ext uri="{28A0092B-C50C-407E-A947-70E740481C1C}">
                 <a14:useLocalDpi xmlns:a14="http://schemas.microsoft.com/office/drawing/2010/main" val="0"/>
@@ -13368,7 +14332,9 @@
             </a:extLst>
           </a:blip>
           <a:srcRect l="-5916" t="1" b="34414"/>
-          <a:stretch/>
+          <a:stretch>
+            <a:fillRect/>
+          </a:stretch>
         </p:blipFill>
         <p:spPr>
           <a:xfrm>
@@ -13389,7 +14355,7 @@
           <p:nvPr/>
         </p:nvPicPr>
         <p:blipFill>
-          <a:blip r:embed="rId6">
+          <a:blip r:embed="rId5">
             <a:extLst>
               <a:ext uri="{28A0092B-C50C-407E-A947-70E740481C1C}">
                 <a14:useLocalDpi xmlns:a14="http://schemas.microsoft.com/office/drawing/2010/main" val="0"/>
@@ -13419,7 +14385,7 @@
           <p:nvPr/>
         </p:nvPicPr>
         <p:blipFill rotWithShape="1">
-          <a:blip r:embed="rId7">
+          <a:blip r:embed="rId6">
             <a:extLst>
               <a:ext uri="{28A0092B-C50C-407E-A947-70E740481C1C}">
                 <a14:useLocalDpi xmlns:a14="http://schemas.microsoft.com/office/drawing/2010/main" val="0"/>
@@ -13427,7 +14393,9 @@
             </a:extLst>
           </a:blip>
           <a:srcRect l="18537" t="8685" r="16076" b="5798"/>
-          <a:stretch/>
+          <a:stretch>
+            <a:fillRect/>
+          </a:stretch>
         </p:blipFill>
         <p:spPr>
           <a:xfrm>
@@ -13453,7 +14421,7 @@
           <p:nvPr/>
         </p:nvPicPr>
         <p:blipFill>
-          <a:blip r:embed="rId8">
+          <a:blip r:embed="rId7">
             <a:extLst>
               <a:ext uri="{28A0092B-C50C-407E-A947-70E740481C1C}">
                 <a14:useLocalDpi xmlns:a14="http://schemas.microsoft.com/office/drawing/2010/main" val="0"/>
@@ -13507,6 +14475,14 @@
               </a:rPr>
               <a:t>supplyAsync</a:t>
             </a:r>
+            <a:endParaRPr lang="en-US" b="1" i="1" dirty="0" err="1" smtClean="0">
+              <a:solidFill>
+                <a:srgbClr val="D78000"/>
+              </a:solidFill>
+              <a:latin typeface="Adobe Arabic" panose="02040503050201020203" charset="0"/>
+              <a:ea typeface="Abadi MT Condensed Light" charset="0"/>
+              <a:cs typeface="Adobe Arabic" panose="02040503050201020203" charset="0"/>
+            </a:endParaRPr>
           </a:p>
         </p:txBody>
       </p:sp>
@@ -13631,6 +14607,14 @@
               </a:rPr>
               <a:t>thenCompose</a:t>
             </a:r>
+            <a:endParaRPr lang="en-US" b="1" i="1" dirty="0" err="1" smtClean="0">
+              <a:solidFill>
+                <a:srgbClr val="D78000"/>
+              </a:solidFill>
+              <a:latin typeface="Adobe Arabic" panose="02040503050201020203" charset="0"/>
+              <a:ea typeface="Abadi MT Condensed Light" charset="0"/>
+              <a:cs typeface="Adobe Arabic" panose="02040503050201020203" charset="0"/>
+            </a:endParaRPr>
           </a:p>
         </p:txBody>
       </p:sp>
@@ -14026,7 +15010,7 @@
         <p:spPr>
           <a:xfrm>
             <a:off x="5486400" y="3048000"/>
-            <a:ext cx="6318250" cy="581025"/>
+            <a:ext cx="6305550" cy="581025"/>
           </a:xfrm>
           <a:prstGeom prst="rect">
             <a:avLst/>
@@ -14075,7 +15059,7 @@
                 <a:ea typeface="Abadi MT Condensed Light" charset="0"/>
                 <a:cs typeface="Abadi MT Condensed Light" charset="0"/>
               </a:rPr>
-              <a:t>JAVA5					</a:t>
+              <a:t>Since JAVA5			</a:t>
             </a:r>
             <a:r>
               <a:rPr lang="en-US" sz="3200" b="1" dirty="0" smtClean="0">
@@ -14100,11 +15084,6 @@
         </p:txBody>
       </p:sp>
     </p:spTree>
-    <p:extLst>
-      <p:ext uri="{BB962C8B-B14F-4D97-AF65-F5344CB8AC3E}">
-        <p14:creationId xmlns:p14="http://schemas.microsoft.com/office/powerpoint/2010/main" val="836592686"/>
-      </p:ext>
-    </p:extLst>
   </p:cSld>
   <p:clrMapOvr>
     <a:masterClrMapping/>
@@ -14210,6 +15189,9 @@
               </a:rPr>
               <a:t>(</a:t>
             </a:r>
+            <a:endParaRPr lang="en-US" sz="1400" dirty="0" smtClean="0">
+              <a:latin typeface="Menlo" charset="0"/>
+            </a:endParaRPr>
           </a:p>
           <a:p>
             <a:r>
@@ -14227,6 +15209,9 @@
               </a:rPr>
               <a:t> Callable&lt;Integer&gt;() {</a:t>
             </a:r>
+            <a:endParaRPr lang="en-US" sz="1400" dirty="0" smtClean="0">
+              <a:latin typeface="Menlo" charset="0"/>
+            </a:endParaRPr>
           </a:p>
           <a:p>
             <a:pPr lvl="1"/>
@@ -14265,39 +15250,6 @@
                 <a:latin typeface="Menlo" charset="0"/>
               </a:rPr>
               <a:t> Exception {</a:t>
-            </a:r>
-          </a:p>
-          <a:p>
-            <a:pPr lvl="1"/>
-            <a:r>
-              <a:rPr lang="en-US" sz="1400" b="1" dirty="0" smtClean="0">
-                <a:solidFill>
-                  <a:srgbClr val="7F0055"/>
-                </a:solidFill>
-                <a:latin typeface="Menlo" charset="0"/>
-              </a:rPr>
-              <a:t>	return</a:t>
-            </a:r>
-            <a:r>
-              <a:rPr lang="en-US" sz="1400" dirty="0" smtClean="0">
-                <a:latin typeface="Menlo" charset="0"/>
-              </a:rPr>
-              <a:t> </a:t>
-            </a:r>
-            <a:r>
-              <a:rPr lang="en-US" sz="1400" dirty="0">
-                <a:latin typeface="Menlo" charset="0"/>
-              </a:rPr>
-              <a:t>2 * 3;</a:t>
-            </a:r>
-          </a:p>
-          <a:p>
-            <a:pPr lvl="1"/>
-            <a:r>
-              <a:rPr lang="en-US" sz="1400" dirty="0" smtClean="0">
-                <a:latin typeface="Menlo" charset="0"/>
-              </a:rPr>
-              <a:t>	}</a:t>
             </a:r>
             <a:endParaRPr lang="en-US" sz="1400" dirty="0">
               <a:latin typeface="Menlo" charset="0"/>
@@ -14306,11 +15258,53 @@
           <a:p>
             <a:pPr lvl="1"/>
             <a:r>
+              <a:rPr lang="en-US" sz="1400" b="1" dirty="0" smtClean="0">
+                <a:solidFill>
+                  <a:srgbClr val="7F0055"/>
+                </a:solidFill>
+                <a:latin typeface="Menlo" charset="0"/>
+              </a:rPr>
+              <a:t>	return</a:t>
+            </a:r>
+            <a:r>
+              <a:rPr lang="en-US" sz="1400" dirty="0" smtClean="0">
+                <a:latin typeface="Menlo" charset="0"/>
+              </a:rPr>
+              <a:t> </a:t>
+            </a:r>
+            <a:r>
               <a:rPr lang="en-US" sz="1400" dirty="0">
                 <a:latin typeface="Menlo" charset="0"/>
               </a:rPr>
+              <a:t>2 * 3;</a:t>
+            </a:r>
+            <a:endParaRPr lang="en-US" sz="1400" dirty="0">
+              <a:latin typeface="Menlo" charset="0"/>
+            </a:endParaRPr>
+          </a:p>
+          <a:p>
+            <a:pPr lvl="1"/>
+            <a:r>
+              <a:rPr lang="en-US" sz="1400" dirty="0" smtClean="0">
+                <a:latin typeface="Menlo" charset="0"/>
+              </a:rPr>
+              <a:t>	}</a:t>
+            </a:r>
+            <a:endParaRPr lang="en-US" sz="1400" dirty="0">
+              <a:latin typeface="Menlo" charset="0"/>
+            </a:endParaRPr>
+          </a:p>
+          <a:p>
+            <a:pPr lvl="1"/>
+            <a:r>
+              <a:rPr lang="en-US" sz="1400" dirty="0">
+                <a:latin typeface="Menlo" charset="0"/>
+              </a:rPr>
               <a:t>});</a:t>
             </a:r>
+            <a:endParaRPr lang="en-US" sz="1400" dirty="0">
+              <a:latin typeface="Menlo" charset="0"/>
+            </a:endParaRPr>
           </a:p>
           <a:p>
             <a:r>
@@ -14322,6 +15316,12 @@
               </a:rPr>
               <a:t>//do something else</a:t>
             </a:r>
+            <a:endParaRPr lang="en-US" sz="1400" dirty="0">
+              <a:solidFill>
+                <a:srgbClr val="3F7F5F"/>
+              </a:solidFill>
+              <a:latin typeface="Menlo" charset="0"/>
+            </a:endParaRPr>
           </a:p>
           <a:p>
             <a:r>
@@ -14484,8 +15484,8 @@
         </p:nvSpPr>
         <p:spPr>
           <a:xfrm>
-            <a:off x="2020844" y="1874214"/>
-            <a:ext cx="2133600" cy="457200"/>
+            <a:off x="2020570" y="1874520"/>
+            <a:ext cx="3046095" cy="457200"/>
           </a:xfrm>
           <a:prstGeom prst="rect">
             <a:avLst/>
@@ -14671,7 +15671,7 @@
         </p:nvSpPr>
         <p:spPr>
           <a:xfrm>
-            <a:off x="420645" y="1890696"/>
+            <a:off x="420645" y="1524301"/>
             <a:ext cx="1714500" cy="457200"/>
           </a:xfrm>
           <a:prstGeom prst="rect">
@@ -14918,8 +15918,8 @@
         </p:nvSpPr>
         <p:spPr>
           <a:xfrm>
-            <a:off x="8549331" y="1890696"/>
-            <a:ext cx="2133600" cy="457200"/>
+            <a:off x="8915400" y="1905000"/>
+            <a:ext cx="2939415" cy="457200"/>
           </a:xfrm>
           <a:prstGeom prst="rect">
             <a:avLst/>
@@ -14949,7 +15949,7 @@
           <a:bodyPr rtlCol="0" anchor="ctr"/>
           <a:lstStyle/>
           <a:p>
-            <a:pPr algn="ctr"/>
+            <a:pPr algn="l"/>
             <a:r>
               <a:rPr lang="en-US" dirty="0" smtClean="0">
                 <a:solidFill>
@@ -15094,7 +16094,7 @@
         </p:nvSpPr>
         <p:spPr>
           <a:xfrm>
-            <a:off x="6779516" y="1921410"/>
+            <a:off x="6934456" y="1447700"/>
             <a:ext cx="1714500" cy="457200"/>
           </a:xfrm>
           <a:prstGeom prst="rect">
@@ -15505,7 +16505,6 @@
             <a:pPr algn="ctr"/>
             <a:r>
               <a:rPr lang="en-US" sz="2000" b="1" i="1" dirty="0" smtClean="0">
-                <a:ln/>
                 <a:solidFill>
                   <a:schemeClr val="accent3"/>
                 </a:solidFill>
@@ -15516,7 +16515,6 @@
               <a:t>Runnable</a:t>
             </a:r>
             <a:endParaRPr lang="en-US" sz="2000" b="1" i="1" dirty="0">
-              <a:ln/>
               <a:solidFill>
                 <a:schemeClr val="accent3"/>
               </a:solidFill>
@@ -15878,7 +16876,6 @@
             <a:pPr algn="ctr"/>
             <a:r>
               <a:rPr lang="en-US" sz="2000" b="1" i="1" dirty="0" smtClean="0">
-                <a:ln/>
                 <a:solidFill>
                   <a:schemeClr val="accent3"/>
                 </a:solidFill>
@@ -15889,7 +16886,6 @@
               <a:t>Callable</a:t>
             </a:r>
             <a:endParaRPr lang="en-US" sz="2000" b="1" i="1" dirty="0">
-              <a:ln/>
               <a:solidFill>
                 <a:schemeClr val="accent3"/>
               </a:solidFill>
@@ -16105,126 +17101,147 @@
               </a:rPr>
               <a:t> Runnable() {</a:t>
             </a:r>
-          </a:p>
-          <a:p>
-            <a:pPr lvl="1"/>
-            <a:r>
-              <a:rPr lang="en-US" sz="1400" dirty="0">
-                <a:solidFill>
-                  <a:srgbClr val="646464"/>
-                </a:solidFill>
-                <a:latin typeface="Menlo" charset="0"/>
-              </a:rPr>
-              <a:t>@Override</a:t>
-            </a:r>
-          </a:p>
-          <a:p>
-            <a:pPr lvl="1"/>
-            <a:r>
-              <a:rPr lang="en-US" sz="1400" b="1" dirty="0">
-                <a:solidFill>
-                  <a:srgbClr val="7F0055"/>
-                </a:solidFill>
-                <a:latin typeface="Menlo" charset="0"/>
-              </a:rPr>
-              <a:t>public</a:t>
-            </a:r>
-            <a:r>
-              <a:rPr lang="en-US" sz="1400" dirty="0">
-                <a:latin typeface="Menlo" charset="0"/>
-              </a:rPr>
-              <a:t> </a:t>
-            </a:r>
-            <a:r>
-              <a:rPr lang="en-US" sz="1400" b="1" dirty="0">
-                <a:solidFill>
-                  <a:srgbClr val="7F0055"/>
-                </a:solidFill>
-                <a:latin typeface="Menlo" charset="0"/>
-              </a:rPr>
-              <a:t>void</a:t>
-            </a:r>
-            <a:r>
-              <a:rPr lang="en-US" sz="1400" dirty="0">
-                <a:latin typeface="Menlo" charset="0"/>
-              </a:rPr>
-              <a:t> run() {</a:t>
-            </a:r>
-          </a:p>
-          <a:p>
-            <a:pPr lvl="1"/>
-            <a:r>
-              <a:rPr lang="en-US" sz="1400" dirty="0" smtClean="0">
-                <a:latin typeface="Menlo" charset="0"/>
-              </a:rPr>
-              <a:t>	</a:t>
-            </a:r>
-            <a:r>
-              <a:rPr lang="en-US" sz="1400" dirty="0" err="1" smtClean="0">
-                <a:latin typeface="Menlo" charset="0"/>
-              </a:rPr>
-              <a:t>System.</a:t>
-            </a:r>
-            <a:r>
-              <a:rPr lang="en-US" sz="1400" b="1" i="1" dirty="0" err="1" smtClean="0">
-                <a:solidFill>
-                  <a:srgbClr val="0000C0"/>
-                </a:solidFill>
-                <a:latin typeface="Menlo" charset="0"/>
-              </a:rPr>
-              <a:t>out</a:t>
-            </a:r>
-            <a:r>
-              <a:rPr lang="en-US" sz="1400" dirty="0" err="1" smtClean="0">
-                <a:latin typeface="Menlo" charset="0"/>
-              </a:rPr>
-              <a:t>.println</a:t>
-            </a:r>
-            <a:r>
-              <a:rPr lang="en-US" sz="1400" dirty="0" smtClean="0">
-                <a:latin typeface="Menlo" charset="0"/>
-              </a:rPr>
-              <a:t>(2 </a:t>
-            </a:r>
-            <a:r>
-              <a:rPr lang="en-US" sz="1400" dirty="0">
-                <a:latin typeface="Menlo" charset="0"/>
-              </a:rPr>
-              <a:t>* 3); </a:t>
-            </a:r>
-          </a:p>
-          <a:p>
-            <a:pPr lvl="1"/>
-            <a:r>
-              <a:rPr lang="en-US" sz="1400" dirty="0">
-                <a:latin typeface="Menlo" charset="0"/>
-              </a:rPr>
-              <a:t>}</a:t>
-            </a:r>
-          </a:p>
-          <a:p>
-            <a:r>
-              <a:rPr lang="en-US" sz="1400" dirty="0" smtClean="0">
-                <a:latin typeface="Menlo" charset="0"/>
-              </a:rPr>
-              <a:t>});</a:t>
-            </a:r>
-          </a:p>
-          <a:p>
-            <a:r>
-              <a:rPr lang="en-US" sz="1400" dirty="0" smtClean="0">
-                <a:latin typeface="Menlo" charset="0"/>
-              </a:rPr>
-              <a:t>//do something else</a:t>
-            </a:r>
             <a:endParaRPr lang="en-US" sz="1400" dirty="0">
               <a:latin typeface="Menlo" charset="0"/>
             </a:endParaRPr>
           </a:p>
           <a:p>
+            <a:pPr lvl="1"/>
             <a:r>
               <a:rPr lang="en-US" sz="1400" dirty="0">
                 <a:solidFill>
+                  <a:srgbClr val="646464"/>
+                </a:solidFill>
+                <a:latin typeface="Menlo" charset="0"/>
+              </a:rPr>
+              <a:t>@Override</a:t>
+            </a:r>
+            <a:endParaRPr lang="en-US" sz="1400" dirty="0">
+              <a:solidFill>
+                <a:srgbClr val="646464"/>
+              </a:solidFill>
+              <a:latin typeface="Menlo" charset="0"/>
+            </a:endParaRPr>
+          </a:p>
+          <a:p>
+            <a:pPr lvl="1"/>
+            <a:r>
+              <a:rPr lang="en-US" sz="1400" b="1" dirty="0">
+                <a:solidFill>
+                  <a:srgbClr val="7F0055"/>
+                </a:solidFill>
+                <a:latin typeface="Menlo" charset="0"/>
+              </a:rPr>
+              <a:t>public</a:t>
+            </a:r>
+            <a:r>
+              <a:rPr lang="en-US" sz="1400" dirty="0">
+                <a:latin typeface="Menlo" charset="0"/>
+              </a:rPr>
+              <a:t> </a:t>
+            </a:r>
+            <a:r>
+              <a:rPr lang="en-US" sz="1400" b="1" dirty="0">
+                <a:solidFill>
+                  <a:srgbClr val="7F0055"/>
+                </a:solidFill>
+                <a:latin typeface="Menlo" charset="0"/>
+              </a:rPr>
+              <a:t>void</a:t>
+            </a:r>
+            <a:r>
+              <a:rPr lang="en-US" sz="1400" dirty="0">
+                <a:latin typeface="Menlo" charset="0"/>
+              </a:rPr>
+              <a:t> run() {</a:t>
+            </a:r>
+            <a:endParaRPr lang="en-US" sz="1400" dirty="0">
+              <a:latin typeface="Menlo" charset="0"/>
+            </a:endParaRPr>
+          </a:p>
+          <a:p>
+            <a:pPr lvl="1"/>
+            <a:r>
+              <a:rPr lang="en-US" sz="1400" dirty="0" smtClean="0">
+                <a:latin typeface="Menlo" charset="0"/>
+              </a:rPr>
+              <a:t>	</a:t>
+            </a:r>
+            <a:r>
+              <a:rPr lang="en-US" sz="1400" dirty="0" err="1" smtClean="0">
+                <a:latin typeface="Menlo" charset="0"/>
+              </a:rPr>
+              <a:t>System.</a:t>
+            </a:r>
+            <a:r>
+              <a:rPr lang="en-US" sz="1400" b="1" i="1" dirty="0" err="1" smtClean="0">
+                <a:solidFill>
+                  <a:srgbClr val="0000C0"/>
+                </a:solidFill>
+                <a:latin typeface="Menlo" charset="0"/>
+              </a:rPr>
+              <a:t>out</a:t>
+            </a:r>
+            <a:r>
+              <a:rPr lang="en-US" sz="1400" dirty="0" err="1" smtClean="0">
+                <a:latin typeface="Menlo" charset="0"/>
+              </a:rPr>
+              <a:t>.println</a:t>
+            </a:r>
+            <a:r>
+              <a:rPr lang="en-US" sz="1400" dirty="0" smtClean="0">
+                <a:latin typeface="Menlo" charset="0"/>
+              </a:rPr>
+              <a:t>(2 </a:t>
+            </a:r>
+            <a:r>
+              <a:rPr lang="en-US" sz="1400" dirty="0">
+                <a:latin typeface="Menlo" charset="0"/>
+              </a:rPr>
+              <a:t>* 3); </a:t>
+            </a:r>
+            <a:endParaRPr lang="en-US" sz="1400" dirty="0">
+              <a:latin typeface="Menlo" charset="0"/>
+            </a:endParaRPr>
+          </a:p>
+          <a:p>
+            <a:pPr lvl="1"/>
+            <a:r>
+              <a:rPr lang="en-US" sz="1400" dirty="0">
+                <a:latin typeface="Menlo" charset="0"/>
+              </a:rPr>
+              <a:t>}</a:t>
+            </a:r>
+            <a:endParaRPr lang="en-US" sz="1400" dirty="0">
+              <a:latin typeface="Menlo" charset="0"/>
+            </a:endParaRPr>
+          </a:p>
+          <a:p>
+            <a:r>
+              <a:rPr lang="en-US" sz="1400" dirty="0" smtClean="0">
+                <a:latin typeface="Menlo" charset="0"/>
+              </a:rPr>
+              <a:t>});</a:t>
+            </a:r>
+            <a:endParaRPr lang="en-US" sz="1400" dirty="0" smtClean="0">
+              <a:latin typeface="Menlo" charset="0"/>
+            </a:endParaRPr>
+          </a:p>
+          <a:p>
+            <a:r>
+              <a:rPr lang="en-US" sz="1400" dirty="0" smtClean="0">
+                <a:latin typeface="Menlo" charset="0"/>
+              </a:rPr>
+              <a:t>//do something else</a:t>
+            </a:r>
+            <a:endParaRPr lang="en-US" sz="1400" dirty="0">
+              <a:latin typeface="Menlo" charset="0"/>
+            </a:endParaRPr>
+          </a:p>
+          <a:p>
+            <a:r>
+              <a:rPr lang="en-US" sz="1400" dirty="0">
+                <a:solidFill>
                   <a:srgbClr val="6A3E3E"/>
                 </a:solidFill>
                 <a:latin typeface="Menlo" charset="0"/>
@@ -16237,6 +17254,9 @@
               </a:rPr>
               <a:t>.start();</a:t>
             </a:r>
+            <a:endParaRPr lang="en-US" sz="1400" dirty="0">
+              <a:latin typeface="Menlo" charset="0"/>
+            </a:endParaRPr>
           </a:p>
           <a:p>
             <a:r>
@@ -16667,10 +17687,10 @@
     <p:bldLst>
       <p:bldP spid="41" grpId="0" animBg="1"/>
       <p:bldP spid="17" grpId="0"/>
-      <p:bldP spid="21" grpId="0"/>
+      <p:bldP spid="21" grpId="0" bldLvl="0" animBg="1"/>
       <p:bldP spid="23" grpId="0" animBg="1"/>
       <p:bldP spid="27" grpId="0" animBg="1"/>
-      <p:bldP spid="28" grpId="0"/>
+      <p:bldP spid="28" grpId="0" bldLvl="0" animBg="1"/>
       <p:bldP spid="31" grpId="0" animBg="1"/>
       <p:bldP spid="33" grpId="0" animBg="1"/>
       <p:bldP spid="34" grpId="0"/>
@@ -16699,6 +17719,247 @@
           <a:chExt cx="0" cy="0"/>
         </a:xfrm>
       </p:grpSpPr>
+      <p:sp>
+        <p:nvSpPr>
+          <p:cNvPr id="2" name="Rectangle 1"/>
+          <p:cNvSpPr/>
+          <p:nvPr/>
+        </p:nvSpPr>
+        <p:spPr>
+          <a:xfrm>
+            <a:off x="235637" y="5213856"/>
+            <a:ext cx="8764367" cy="954107"/>
+          </a:xfrm>
+          <a:prstGeom prst="rect">
+            <a:avLst/>
+          </a:prstGeom>
+        </p:spPr>
+        <p:txBody>
+          <a:bodyPr wrap="square">
+            <a:spAutoFit/>
+          </a:bodyPr>
+          <a:lstStyle/>
+          <a:p>
+            <a:r>
+              <a:rPr lang="en-US" sz="1400" dirty="0" err="1">
+                <a:latin typeface="Menlo" charset="0"/>
+              </a:rPr>
+              <a:t>ExecutorService</a:t>
+            </a:r>
+            <a:r>
+              <a:rPr lang="en-US" sz="1400" dirty="0">
+                <a:latin typeface="Menlo" charset="0"/>
+              </a:rPr>
+              <a:t> </a:t>
+            </a:r>
+            <a:r>
+              <a:rPr lang="en-US" sz="1400" dirty="0">
+                <a:solidFill>
+                  <a:srgbClr val="6A3E3E"/>
+                </a:solidFill>
+                <a:latin typeface="Menlo" charset="0"/>
+              </a:rPr>
+              <a:t>executor</a:t>
+            </a:r>
+            <a:r>
+              <a:rPr lang="en-US" sz="1400" dirty="0">
+                <a:latin typeface="Menlo" charset="0"/>
+              </a:rPr>
+              <a:t> = </a:t>
+            </a:r>
+            <a:r>
+              <a:rPr lang="en-US" sz="1400" dirty="0" err="1">
+                <a:latin typeface="Menlo" charset="0"/>
+              </a:rPr>
+              <a:t>Executors.</a:t>
+            </a:r>
+            <a:r>
+              <a:rPr lang="en-US" sz="1400" i="1" dirty="0" err="1">
+                <a:latin typeface="Menlo" charset="0"/>
+              </a:rPr>
+              <a:t>newFixedThreadPool</a:t>
+            </a:r>
+            <a:r>
+              <a:rPr lang="en-US" sz="1400" dirty="0">
+                <a:latin typeface="Menlo" charset="0"/>
+              </a:rPr>
+              <a:t>(10);</a:t>
+            </a:r>
+            <a:endParaRPr lang="en-US" sz="1400" dirty="0">
+              <a:latin typeface="Menlo" charset="0"/>
+            </a:endParaRPr>
+          </a:p>
+          <a:p>
+            <a:r>
+              <a:rPr lang="en-US" sz="1400" b="1" dirty="0">
+                <a:solidFill>
+                  <a:srgbClr val="7F0055"/>
+                </a:solidFill>
+                <a:latin typeface="Menlo" charset="0"/>
+              </a:rPr>
+              <a:t>for</a:t>
+            </a:r>
+            <a:r>
+              <a:rPr lang="en-US" sz="1400" dirty="0">
+                <a:latin typeface="Menlo" charset="0"/>
+              </a:rPr>
+              <a:t> (</a:t>
+            </a:r>
+            <a:r>
+              <a:rPr lang="en-US" sz="1400" b="1" dirty="0" err="1">
+                <a:solidFill>
+                  <a:srgbClr val="7F0055"/>
+                </a:solidFill>
+                <a:latin typeface="Menlo" charset="0"/>
+              </a:rPr>
+              <a:t>int</a:t>
+            </a:r>
+            <a:r>
+              <a:rPr lang="en-US" sz="1400" dirty="0">
+                <a:latin typeface="Menlo" charset="0"/>
+              </a:rPr>
+              <a:t> </a:t>
+            </a:r>
+            <a:r>
+              <a:rPr lang="en-US" sz="1400" dirty="0" err="1">
+                <a:solidFill>
+                  <a:srgbClr val="6A3E3E"/>
+                </a:solidFill>
+                <a:latin typeface="Menlo" charset="0"/>
+              </a:rPr>
+              <a:t>i</a:t>
+            </a:r>
+            <a:r>
+              <a:rPr lang="en-US" sz="1400" dirty="0">
+                <a:latin typeface="Menlo" charset="0"/>
+              </a:rPr>
+              <a:t>= 0; </a:t>
+            </a:r>
+            <a:r>
+              <a:rPr lang="en-US" sz="1400" dirty="0" err="1">
+                <a:solidFill>
+                  <a:srgbClr val="6A3E3E"/>
+                </a:solidFill>
+                <a:latin typeface="Menlo" charset="0"/>
+              </a:rPr>
+              <a:t>i</a:t>
+            </a:r>
+            <a:r>
+              <a:rPr lang="en-US" sz="1400" dirty="0">
+                <a:latin typeface="Menlo" charset="0"/>
+              </a:rPr>
+              <a:t> &lt; 100000; </a:t>
+            </a:r>
+            <a:r>
+              <a:rPr lang="en-US" sz="1400" dirty="0" err="1">
+                <a:solidFill>
+                  <a:srgbClr val="6A3E3E"/>
+                </a:solidFill>
+                <a:latin typeface="Menlo" charset="0"/>
+              </a:rPr>
+              <a:t>i</a:t>
+            </a:r>
+            <a:r>
+              <a:rPr lang="en-US" sz="1400" dirty="0">
+                <a:latin typeface="Menlo" charset="0"/>
+              </a:rPr>
+              <a:t>++) {</a:t>
+            </a:r>
+            <a:endParaRPr lang="en-US" sz="1400" dirty="0">
+              <a:latin typeface="Menlo" charset="0"/>
+            </a:endParaRPr>
+          </a:p>
+          <a:p>
+            <a:r>
+              <a:rPr lang="en-US" sz="1400" dirty="0" smtClean="0">
+                <a:solidFill>
+                  <a:srgbClr val="6A3E3E"/>
+                </a:solidFill>
+                <a:latin typeface="Menlo" charset="0"/>
+              </a:rPr>
+              <a:t>	</a:t>
+            </a:r>
+            <a:r>
+              <a:rPr lang="en-US" sz="1400" dirty="0" err="1" smtClean="0">
+                <a:solidFill>
+                  <a:srgbClr val="6A3E3E"/>
+                </a:solidFill>
+                <a:latin typeface="Menlo" charset="0"/>
+              </a:rPr>
+              <a:t>executor</a:t>
+            </a:r>
+            <a:r>
+              <a:rPr lang="en-US" sz="1400" dirty="0" err="1" smtClean="0">
+                <a:latin typeface="Menlo" charset="0"/>
+              </a:rPr>
+              <a:t>.submit</a:t>
+            </a:r>
+            <a:r>
+              <a:rPr lang="en-US" sz="1400" dirty="0">
+                <a:latin typeface="Menlo" charset="0"/>
+              </a:rPr>
+              <a:t>(() -&gt; </a:t>
+            </a:r>
+            <a:r>
+              <a:rPr lang="en-US" sz="1400" dirty="0" err="1">
+                <a:latin typeface="Menlo" charset="0"/>
+              </a:rPr>
+              <a:t>System.</a:t>
+            </a:r>
+            <a:r>
+              <a:rPr lang="en-US" sz="1400" b="1" i="1" dirty="0" err="1">
+                <a:solidFill>
+                  <a:srgbClr val="0000C0"/>
+                </a:solidFill>
+                <a:latin typeface="Menlo" charset="0"/>
+              </a:rPr>
+              <a:t>out</a:t>
+            </a:r>
+            <a:r>
+              <a:rPr lang="en-US" sz="1400" dirty="0" err="1">
+                <a:latin typeface="Menlo" charset="0"/>
+              </a:rPr>
+              <a:t>.println</a:t>
+            </a:r>
+            <a:r>
+              <a:rPr lang="en-US" sz="1400" dirty="0">
+                <a:latin typeface="Menlo" charset="0"/>
+              </a:rPr>
+              <a:t>(</a:t>
+            </a:r>
+            <a:r>
+              <a:rPr lang="en-US" sz="1400" dirty="0">
+                <a:solidFill>
+                  <a:srgbClr val="2A00FF"/>
+                </a:solidFill>
+                <a:latin typeface="Menlo" charset="0"/>
+              </a:rPr>
+              <a:t>"My Class is running"</a:t>
+            </a:r>
+            <a:r>
+              <a:rPr lang="en-US" sz="1400" dirty="0">
+                <a:latin typeface="Menlo" charset="0"/>
+              </a:rPr>
+              <a:t>));</a:t>
+            </a:r>
+            <a:endParaRPr lang="en-US" sz="1400" dirty="0">
+              <a:latin typeface="Menlo" charset="0"/>
+            </a:endParaRPr>
+          </a:p>
+          <a:p>
+            <a:r>
+              <a:rPr lang="en-US" sz="1400" dirty="0">
+                <a:latin typeface="Menlo" charset="0"/>
+              </a:rPr>
+              <a:t>}</a:t>
+            </a:r>
+            <a:endParaRPr lang="en-US" sz="1400" dirty="0">
+              <a:effectLst/>
+              <a:latin typeface="Menlo" charset="0"/>
+            </a:endParaRPr>
+          </a:p>
+        </p:txBody>
+      </p:sp>
       <p:pic>
         <p:nvPicPr>
           <p:cNvPr id="23" name="Picture 22"/>
@@ -16708,7 +17969,7 @@
           <p:nvPr/>
         </p:nvPicPr>
         <p:blipFill>
-          <a:blip r:embed="rId3"/>
+          <a:blip r:embed="rId1"/>
           <a:stretch>
             <a:fillRect/>
           </a:stretch>
@@ -16777,7 +18038,7 @@
           <p:nvPr/>
         </p:nvPicPr>
         <p:blipFill>
-          <a:blip r:embed="rId4">
+          <a:blip r:embed="rId2">
             <a:extLst>
               <a:ext uri="{28A0092B-C50C-407E-A947-70E740481C1C}">
                 <a14:useLocalDpi xmlns:a14="http://schemas.microsoft.com/office/drawing/2010/main" val="0"/>
@@ -17150,6 +18411,11 @@
               </a:rPr>
               <a:t>Task </a:t>
             </a:r>
+            <a:endParaRPr lang="en-US" sz="1400" dirty="0" smtClean="0">
+              <a:solidFill>
+                <a:schemeClr val="tx1"/>
+              </a:solidFill>
+            </a:endParaRPr>
           </a:p>
           <a:p>
             <a:pPr algn="ctr"/>
@@ -17224,6 +18490,11 @@
               </a:rPr>
               <a:t>Task </a:t>
             </a:r>
+            <a:endParaRPr lang="en-US" sz="1400" dirty="0" smtClean="0">
+              <a:solidFill>
+                <a:schemeClr val="tx1"/>
+              </a:solidFill>
+            </a:endParaRPr>
           </a:p>
           <a:p>
             <a:pPr algn="ctr"/>
@@ -17298,6 +18569,11 @@
               </a:rPr>
               <a:t>Task </a:t>
             </a:r>
+            <a:endParaRPr lang="en-US" sz="1400" dirty="0" smtClean="0">
+              <a:solidFill>
+                <a:schemeClr val="tx1"/>
+              </a:solidFill>
+            </a:endParaRPr>
           </a:p>
           <a:p>
             <a:pPr algn="ctr"/>
@@ -17945,8 +19221,8 @@
         </p:nvSpPr>
         <p:spPr>
           <a:xfrm>
-            <a:off x="235637" y="5207000"/>
-            <a:ext cx="6553202" cy="355600"/>
+            <a:off x="235585" y="5232400"/>
+            <a:ext cx="6553200" cy="226695"/>
           </a:xfrm>
           <a:prstGeom prst="rect">
             <a:avLst/>
@@ -18173,238 +19449,6 @@
               <a:t>PERFORMANCE</a:t>
             </a:r>
             <a:endParaRPr lang="en-US" i="1" dirty="0"/>
-          </a:p>
-        </p:txBody>
-      </p:sp>
-      <p:sp>
-        <p:nvSpPr>
-          <p:cNvPr id="2" name="Rectangle 1"/>
-          <p:cNvSpPr/>
-          <p:nvPr/>
-        </p:nvSpPr>
-        <p:spPr>
-          <a:xfrm>
-            <a:off x="235637" y="5213856"/>
-            <a:ext cx="8764367" cy="954107"/>
-          </a:xfrm>
-          <a:prstGeom prst="rect">
-            <a:avLst/>
-          </a:prstGeom>
-        </p:spPr>
-        <p:txBody>
-          <a:bodyPr wrap="square">
-            <a:spAutoFit/>
-          </a:bodyPr>
-          <a:lstStyle/>
-          <a:p>
-            <a:r>
-              <a:rPr lang="en-US" sz="1400" dirty="0" err="1">
-                <a:latin typeface="Menlo" charset="0"/>
-              </a:rPr>
-              <a:t>ExecutorService</a:t>
-            </a:r>
-            <a:r>
-              <a:rPr lang="en-US" sz="1400" dirty="0">
-                <a:latin typeface="Menlo" charset="0"/>
-              </a:rPr>
-              <a:t> </a:t>
-            </a:r>
-            <a:r>
-              <a:rPr lang="en-US" sz="1400" dirty="0">
-                <a:solidFill>
-                  <a:srgbClr val="6A3E3E"/>
-                </a:solidFill>
-                <a:latin typeface="Menlo" charset="0"/>
-              </a:rPr>
-              <a:t>executor</a:t>
-            </a:r>
-            <a:r>
-              <a:rPr lang="en-US" sz="1400" dirty="0">
-                <a:latin typeface="Menlo" charset="0"/>
-              </a:rPr>
-              <a:t> = </a:t>
-            </a:r>
-            <a:r>
-              <a:rPr lang="en-US" sz="1400" dirty="0" err="1">
-                <a:latin typeface="Menlo" charset="0"/>
-              </a:rPr>
-              <a:t>Executors.</a:t>
-            </a:r>
-            <a:r>
-              <a:rPr lang="en-US" sz="1400" i="1" dirty="0" err="1">
-                <a:latin typeface="Menlo" charset="0"/>
-              </a:rPr>
-              <a:t>newFixedThreadPool</a:t>
-            </a:r>
-            <a:r>
-              <a:rPr lang="en-US" sz="1400" dirty="0">
-                <a:latin typeface="Menlo" charset="0"/>
-              </a:rPr>
-              <a:t>(10);</a:t>
-            </a:r>
-          </a:p>
-          <a:p>
-            <a:r>
-              <a:rPr lang="en-US" sz="1400" b="1" dirty="0">
-                <a:solidFill>
-                  <a:srgbClr val="7F0055"/>
-                </a:solidFill>
-                <a:latin typeface="Menlo" charset="0"/>
-              </a:rPr>
-              <a:t>for</a:t>
-            </a:r>
-            <a:r>
-              <a:rPr lang="en-US" sz="1400" dirty="0">
-                <a:latin typeface="Menlo" charset="0"/>
-              </a:rPr>
-              <a:t> (</a:t>
-            </a:r>
-            <a:r>
-              <a:rPr lang="en-US" sz="1400" b="1" dirty="0" err="1">
-                <a:solidFill>
-                  <a:srgbClr val="7F0055"/>
-                </a:solidFill>
-                <a:latin typeface="Menlo" charset="0"/>
-              </a:rPr>
-              <a:t>int</a:t>
-            </a:r>
-            <a:r>
-              <a:rPr lang="en-US" sz="1400" dirty="0">
-                <a:latin typeface="Menlo" charset="0"/>
-              </a:rPr>
-              <a:t> </a:t>
-            </a:r>
-            <a:r>
-              <a:rPr lang="en-US" sz="1400" dirty="0" err="1">
-                <a:solidFill>
-                  <a:srgbClr val="6A3E3E"/>
-                </a:solidFill>
-                <a:latin typeface="Menlo" charset="0"/>
-              </a:rPr>
-              <a:t>i</a:t>
-            </a:r>
-            <a:r>
-              <a:rPr lang="en-US" sz="1400" dirty="0">
-                <a:latin typeface="Menlo" charset="0"/>
-              </a:rPr>
-              <a:t>= 0; </a:t>
-            </a:r>
-            <a:r>
-              <a:rPr lang="en-US" sz="1400" dirty="0" err="1">
-                <a:solidFill>
-                  <a:srgbClr val="6A3E3E"/>
-                </a:solidFill>
-                <a:latin typeface="Menlo" charset="0"/>
-              </a:rPr>
-              <a:t>i</a:t>
-            </a:r>
-            <a:r>
-              <a:rPr lang="en-US" sz="1400" dirty="0">
-                <a:latin typeface="Menlo" charset="0"/>
-              </a:rPr>
-              <a:t> &lt; 100000; </a:t>
-            </a:r>
-            <a:r>
-              <a:rPr lang="en-US" sz="1400" dirty="0" err="1">
-                <a:solidFill>
-                  <a:srgbClr val="6A3E3E"/>
-                </a:solidFill>
-                <a:latin typeface="Menlo" charset="0"/>
-              </a:rPr>
-              <a:t>i</a:t>
-            </a:r>
-            <a:r>
-              <a:rPr lang="en-US" sz="1400" dirty="0">
-                <a:latin typeface="Menlo" charset="0"/>
-              </a:rPr>
-              <a:t>++) {</a:t>
-            </a:r>
-          </a:p>
-          <a:p>
-            <a:r>
-              <a:rPr lang="en-US" sz="1400" dirty="0" smtClean="0">
-                <a:solidFill>
-                  <a:srgbClr val="6A3E3E"/>
-                </a:solidFill>
-                <a:latin typeface="Menlo" charset="0"/>
-              </a:rPr>
-              <a:t>	</a:t>
-            </a:r>
-            <a:r>
-              <a:rPr lang="en-US" sz="1400" dirty="0" err="1" smtClean="0">
-                <a:solidFill>
-                  <a:srgbClr val="6A3E3E"/>
-                </a:solidFill>
-                <a:latin typeface="Menlo" charset="0"/>
-              </a:rPr>
-              <a:t>executor</a:t>
-            </a:r>
-            <a:r>
-              <a:rPr lang="en-US" sz="1400" dirty="0" err="1" smtClean="0">
-                <a:latin typeface="Menlo" charset="0"/>
-              </a:rPr>
-              <a:t>.submit</a:t>
-            </a:r>
-            <a:r>
-              <a:rPr lang="en-US" sz="1400" dirty="0">
-                <a:latin typeface="Menlo" charset="0"/>
-              </a:rPr>
-              <a:t>(() -&gt; </a:t>
-            </a:r>
-            <a:r>
-              <a:rPr lang="en-US" sz="1400" dirty="0" err="1">
-                <a:latin typeface="Menlo" charset="0"/>
-              </a:rPr>
-              <a:t>System.</a:t>
-            </a:r>
-            <a:r>
-              <a:rPr lang="en-US" sz="1400" b="1" i="1" dirty="0" err="1">
-                <a:solidFill>
-                  <a:srgbClr val="0000C0"/>
-                </a:solidFill>
-                <a:latin typeface="Menlo" charset="0"/>
-              </a:rPr>
-              <a:t>out</a:t>
-            </a:r>
-            <a:r>
-              <a:rPr lang="en-US" sz="1400" dirty="0" err="1">
-                <a:latin typeface="Menlo" charset="0"/>
-              </a:rPr>
-              <a:t>.println</a:t>
-            </a:r>
-            <a:r>
-              <a:rPr lang="en-US" sz="1400" dirty="0">
-                <a:latin typeface="Menlo" charset="0"/>
-              </a:rPr>
-              <a:t>(</a:t>
-            </a:r>
-            <a:r>
-              <a:rPr lang="en-US" sz="1400" dirty="0">
-                <a:solidFill>
-                  <a:srgbClr val="2A00FF"/>
-                </a:solidFill>
-                <a:latin typeface="Menlo" charset="0"/>
-              </a:rPr>
-              <a:t>"My Class is running"</a:t>
-            </a:r>
-            <a:r>
-              <a:rPr lang="en-US" sz="1400" dirty="0">
-                <a:latin typeface="Menlo" charset="0"/>
-              </a:rPr>
-              <a:t>));</a:t>
-            </a:r>
-          </a:p>
-          <a:p>
-            <a:r>
-              <a:rPr lang="en-US" sz="1400" dirty="0">
-                <a:latin typeface="Menlo" charset="0"/>
-              </a:rPr>
-              <a:t>}</a:t>
-            </a:r>
-            <a:endParaRPr lang="en-US" sz="1400" dirty="0">
-              <a:effectLst/>
-              <a:latin typeface="Menlo" charset="0"/>
-            </a:endParaRPr>
           </a:p>
         </p:txBody>
       </p:sp>
@@ -19033,7 +20077,7 @@
       <p:bldP spid="46" grpId="0" animBg="1"/>
       <p:bldP spid="47" grpId="0"/>
       <p:bldP spid="69" grpId="0" animBg="1"/>
-      <p:bldP spid="82" grpId="0" animBg="1"/>
+      <p:bldP spid="82" grpId="0" bldLvl="0" animBg="1"/>
       <p:bldP spid="2" grpId="0"/>
     </p:bldLst>
   </p:timing>
@@ -19066,7 +20110,7 @@
           <p:nvPr/>
         </p:nvPicPr>
         <p:blipFill>
-          <a:blip r:embed="rId2"/>
+          <a:blip r:embed="rId1"/>
           <a:stretch>
             <a:fillRect/>
           </a:stretch>
@@ -19267,6 +20311,7 @@
               <a:rPr lang="en-US" dirty="0"/>
               <a:t>FEATURES OF FUTURE</a:t>
             </a:r>
+            <a:endParaRPr lang="en-US" dirty="0"/>
           </a:p>
         </p:txBody>
       </p:sp>
@@ -19279,7 +20324,7 @@
           <p:nvPr/>
         </p:nvPicPr>
         <p:blipFill>
-          <a:blip r:embed="rId3"/>
+          <a:blip r:embed="rId2"/>
           <a:stretch>
             <a:fillRect/>
           </a:stretch>
@@ -19407,8 +20452,8 @@
         </p:nvSpPr>
         <p:spPr>
           <a:xfrm>
-            <a:off x="2691765" y="3145790"/>
-            <a:ext cx="3982085" cy="228600"/>
+            <a:off x="2691765" y="3120390"/>
+            <a:ext cx="4095750" cy="228600"/>
           </a:xfrm>
           <a:prstGeom prst="rect">
             <a:avLst/>
@@ -19529,7 +20574,7 @@
           <p:nvPr/>
         </p:nvPicPr>
         <p:blipFill>
-          <a:blip r:embed="rId2"/>
+          <a:blip r:embed="rId1"/>
           <a:stretch>
             <a:fillRect/>
           </a:stretch>
@@ -19558,7 +20603,7 @@
         <p:spPr>
           <a:xfrm>
             <a:off x="1040130" y="3791585"/>
-            <a:ext cx="4326890" cy="228600"/>
+            <a:ext cx="4427220" cy="228600"/>
           </a:xfrm>
           <a:prstGeom prst="rect">
             <a:avLst/>
@@ -19866,8 +20911,8 @@
         </p:nvSpPr>
         <p:spPr>
           <a:xfrm>
-            <a:off x="4993322" y="2569845"/>
-            <a:ext cx="2188845" cy="368300"/>
+            <a:off x="4993005" y="2569845"/>
+            <a:ext cx="3329940" cy="368300"/>
           </a:xfrm>
           <a:prstGeom prst="rect">
             <a:avLst/>
@@ -20099,6 +21144,7 @@
               <a:rPr lang="en-US" dirty="0"/>
               <a:t>FEATURES OF FUTURE</a:t>
             </a:r>
+            <a:endParaRPr lang="en-US" dirty="0"/>
           </a:p>
         </p:txBody>
       </p:sp>
@@ -20461,7 +21507,7 @@
             <a:avLst/>
           </a:prstGeom>
           <a:blipFill>
-            <a:blip r:embed="rId2"/>
+            <a:blip r:embed="rId1"/>
             <a:stretch>
               <a:fillRect/>
             </a:stretch>
@@ -20506,7 +21552,7 @@
           <p:nvPr/>
         </p:nvPicPr>
         <p:blipFill>
-          <a:blip r:embed="rId3">
+          <a:blip r:embed="rId2">
             <a:extLst>
               <a:ext uri="{28A0092B-C50C-407E-A947-70E740481C1C}">
                 <a14:useLocalDpi xmlns:a14="http://schemas.microsoft.com/office/drawing/2010/main" val="0"/>
@@ -20583,6 +21629,14 @@
               </a:rPr>
               <a:t>Thread1</a:t>
             </a:r>
+            <a:endParaRPr lang="en-US" sz="2400" b="1" dirty="0" smtClean="0">
+              <a:solidFill>
+                <a:schemeClr val="bg1"/>
+              </a:solidFill>
+              <a:latin typeface="Adobe Arabic" panose="02040503050201020203" charset="0"/>
+              <a:ea typeface="Abadi MT Condensed Light" charset="0"/>
+              <a:cs typeface="Adobe Arabic" panose="02040503050201020203" charset="0"/>
+            </a:endParaRPr>
           </a:p>
         </p:txBody>
       </p:sp>
@@ -20729,6 +21783,57 @@
         <p:spPr>
           <a:xfrm>
             <a:off x="9753600" y="1371079"/>
+            <a:ext cx="990600" cy="838200"/>
+          </a:xfrm>
+          <a:prstGeom prst="ellipse">
+            <a:avLst/>
+          </a:prstGeom>
+          <a:blipFill>
+            <a:blip r:embed="rId3"/>
+            <a:stretch>
+              <a:fillRect/>
+            </a:stretch>
+          </a:blipFill>
+          <a:ln w="38100" cmpd="dbl">
+            <a:solidFill>
+              <a:srgbClr val="FF9900"/>
+            </a:solidFill>
+          </a:ln>
+        </p:spPr>
+        <p:style>
+          <a:lnRef idx="2">
+            <a:schemeClr val="accent1">
+              <a:shade val="50000"/>
+            </a:schemeClr>
+          </a:lnRef>
+          <a:fillRef idx="1">
+            <a:schemeClr val="accent1"/>
+          </a:fillRef>
+          <a:effectRef idx="0">
+            <a:schemeClr val="accent1"/>
+          </a:effectRef>
+          <a:fontRef idx="minor">
+            <a:schemeClr val="lt1"/>
+          </a:fontRef>
+        </p:style>
+        <p:txBody>
+          <a:bodyPr rtlCol="0" anchor="ctr"/>
+          <a:lstStyle/>
+          <a:p>
+            <a:pPr algn="ctr"/>
+            <a:endParaRPr lang="en-US"/>
+          </a:p>
+        </p:txBody>
+      </p:sp>
+      <p:sp>
+        <p:nvSpPr>
+          <p:cNvPr id="54" name="Oval 53"/>
+          <p:cNvSpPr/>
+          <p:nvPr/>
+        </p:nvSpPr>
+        <p:spPr>
+          <a:xfrm>
+            <a:off x="4343401" y="1394892"/>
             <a:ext cx="990600" cy="838200"/>
           </a:xfrm>
           <a:prstGeom prst="ellipse">
@@ -20771,57 +21876,6 @@
           </a:p>
         </p:txBody>
       </p:sp>
-      <p:sp>
-        <p:nvSpPr>
-          <p:cNvPr id="54" name="Oval 53"/>
-          <p:cNvSpPr/>
-          <p:nvPr/>
-        </p:nvSpPr>
-        <p:spPr>
-          <a:xfrm>
-            <a:off x="4343401" y="1394892"/>
-            <a:ext cx="990600" cy="838200"/>
-          </a:xfrm>
-          <a:prstGeom prst="ellipse">
-            <a:avLst/>
-          </a:prstGeom>
-          <a:blipFill>
-            <a:blip r:embed="rId5"/>
-            <a:stretch>
-              <a:fillRect/>
-            </a:stretch>
-          </a:blipFill>
-          <a:ln w="38100" cmpd="dbl">
-            <a:solidFill>
-              <a:srgbClr val="FF9900"/>
-            </a:solidFill>
-          </a:ln>
-        </p:spPr>
-        <p:style>
-          <a:lnRef idx="2">
-            <a:schemeClr val="accent1">
-              <a:shade val="50000"/>
-            </a:schemeClr>
-          </a:lnRef>
-          <a:fillRef idx="1">
-            <a:schemeClr val="accent1"/>
-          </a:fillRef>
-          <a:effectRef idx="0">
-            <a:schemeClr val="accent1"/>
-          </a:effectRef>
-          <a:fontRef idx="minor">
-            <a:schemeClr val="lt1"/>
-          </a:fontRef>
-        </p:style>
-        <p:txBody>
-          <a:bodyPr rtlCol="0" anchor="ctr"/>
-          <a:lstStyle/>
-          <a:p>
-            <a:pPr algn="ctr"/>
-            <a:endParaRPr lang="en-US"/>
-          </a:p>
-        </p:txBody>
-      </p:sp>
       <p:pic>
         <p:nvPicPr>
           <p:cNvPr id="55" name="Picture 54"/>
@@ -20831,7 +21885,7 @@
           <p:nvPr/>
         </p:nvPicPr>
         <p:blipFill>
-          <a:blip r:embed="rId6">
+          <a:blip r:embed="rId5">
             <a:extLst>
               <a:ext uri="{28A0092B-C50C-407E-A947-70E740481C1C}">
                 <a14:useLocalDpi xmlns:a14="http://schemas.microsoft.com/office/drawing/2010/main" val="0"/>
@@ -20921,7 +21975,7 @@
           <p:nvPr/>
         </p:nvPicPr>
         <p:blipFill>
-          <a:blip r:embed="rId6">
+          <a:blip r:embed="rId5">
             <a:extLst>
               <a:ext uri="{28A0092B-C50C-407E-A947-70E740481C1C}">
                 <a14:useLocalDpi xmlns:a14="http://schemas.microsoft.com/office/drawing/2010/main" val="0"/>
@@ -21091,7 +22145,7 @@
           <p:nvPr/>
         </p:nvPicPr>
         <p:blipFill rotWithShape="1">
-          <a:blip r:embed="rId7">
+          <a:blip r:embed="rId6">
             <a:extLst>
               <a:ext uri="{28A0092B-C50C-407E-A947-70E740481C1C}">
                 <a14:useLocalDpi xmlns:a14="http://schemas.microsoft.com/office/drawing/2010/main" val="0"/>
@@ -21099,7 +22153,9 @@
             </a:extLst>
           </a:blip>
           <a:srcRect l="17736" t="-6079" r="15402"/>
-          <a:stretch/>
+          <a:stretch>
+            <a:fillRect/>
+          </a:stretch>
         </p:blipFill>
         <p:spPr>
           <a:xfrm>
@@ -21120,7 +22176,7 @@
           <p:nvPr/>
         </p:nvPicPr>
         <p:blipFill>
-          <a:blip r:embed="rId3">
+          <a:blip r:embed="rId2">
             <a:extLst>
               <a:ext uri="{28A0092B-C50C-407E-A947-70E740481C1C}">
                 <a14:useLocalDpi xmlns:a14="http://schemas.microsoft.com/office/drawing/2010/main" val="0"/>
@@ -21150,7 +22206,7 @@
           <p:nvPr/>
         </p:nvPicPr>
         <p:blipFill rotWithShape="1">
-          <a:blip r:embed="rId8">
+          <a:blip r:embed="rId7">
             <a:extLst>
               <a:ext uri="{28A0092B-C50C-407E-A947-70E740481C1C}">
                 <a14:useLocalDpi xmlns:a14="http://schemas.microsoft.com/office/drawing/2010/main" val="0"/>
@@ -21158,7 +22214,9 @@
             </a:extLst>
           </a:blip>
           <a:srcRect l="-5916" t="1" b="34414"/>
-          <a:stretch/>
+          <a:stretch>
+            <a:fillRect/>
+          </a:stretch>
         </p:blipFill>
         <p:spPr>
           <a:xfrm>
@@ -21179,7 +22237,7 @@
           <p:nvPr/>
         </p:nvPicPr>
         <p:blipFill>
-          <a:blip r:embed="rId9">
+          <a:blip r:embed="rId8">
             <a:extLst>
               <a:ext uri="{28A0092B-C50C-407E-A947-70E740481C1C}">
                 <a14:useLocalDpi xmlns:a14="http://schemas.microsoft.com/office/drawing/2010/main" val="0"/>
@@ -21209,7 +22267,7 @@
           <p:nvPr/>
         </p:nvPicPr>
         <p:blipFill>
-          <a:blip r:embed="rId9">
+          <a:blip r:embed="rId8">
             <a:extLst>
               <a:ext uri="{28A0092B-C50C-407E-A947-70E740481C1C}">
                 <a14:useLocalDpi xmlns:a14="http://schemas.microsoft.com/office/drawing/2010/main" val="0"/>
@@ -21676,7 +22734,7 @@
         </p:nvSpPr>
         <p:spPr>
           <a:xfrm>
-            <a:off x="-156364" y="5703651"/>
+            <a:off x="-25554" y="5703651"/>
             <a:ext cx="2286000" cy="533400"/>
           </a:xfrm>
           <a:prstGeom prst="roundRect">
@@ -21717,7 +22775,7 @@
                 <a:ea typeface="Abadi MT Condensed Light" charset="0"/>
                 <a:cs typeface="Adobe Arabic" panose="02040503050201020203" charset="0"/>
               </a:rPr>
-              <a:t>Unblocking</a:t>
+              <a:t>Non-blocking</a:t>
             </a:r>
             <a:endParaRPr lang="en-US" sz="2400" i="1" dirty="0" smtClean="0">
               <a:solidFill>
@@ -21941,7 +22999,7 @@
           <p:nvPr/>
         </p:nvPicPr>
         <p:blipFill rotWithShape="1">
-          <a:blip r:embed="rId10">
+          <a:blip r:embed="rId9">
             <a:extLst>
               <a:ext uri="{28A0092B-C50C-407E-A947-70E740481C1C}">
                 <a14:useLocalDpi xmlns:a14="http://schemas.microsoft.com/office/drawing/2010/main" val="0"/>
@@ -21949,7 +23007,9 @@
             </a:extLst>
           </a:blip>
           <a:srcRect l="18537" t="8685" r="16076" b="5798"/>
-          <a:stretch/>
+          <a:stretch>
+            <a:fillRect/>
+          </a:stretch>
         </p:blipFill>
         <p:spPr>
           <a:xfrm>
@@ -21977,12 +23037,12 @@
         </p:nvCxnSpPr>
         <p:spPr>
           <a:xfrm rot="5400000">
-            <a:off x="3234089" y="3298941"/>
-            <a:ext cx="690658" cy="5185563"/>
+            <a:off x="3300095" y="3364230"/>
+            <a:ext cx="690245" cy="5055235"/>
           </a:xfrm>
           <a:prstGeom prst="bentConnector3">
             <a:avLst>
-              <a:gd name="adj1" fmla="val 133099"/>
+              <a:gd name="adj1" fmla="val 134499"/>
             </a:avLst>
           </a:prstGeom>
           <a:ln>
@@ -22018,8 +23078,8 @@
         </p:nvCxnSpPr>
         <p:spPr>
           <a:xfrm rot="5400000">
-            <a:off x="5236555" y="2117905"/>
-            <a:ext cx="745527" cy="6959364"/>
+            <a:off x="5302250" y="2183130"/>
+            <a:ext cx="745490" cy="6828790"/>
           </a:xfrm>
           <a:prstGeom prst="bentConnector2">
             <a:avLst/>
@@ -22935,7 +23995,7 @@
       <p:bldP spid="54" grpId="1" animBg="1"/>
       <p:bldP spid="71" grpId="0"/>
       <p:bldP spid="102" grpId="0"/>
-      <p:bldP spid="108" grpId="0"/>
+      <p:bldP spid="108" grpId="0" bldLvl="0" animBg="1"/>
       <p:bldP spid="119" grpId="0"/>
       <p:bldP spid="120" grpId="0"/>
     </p:bldLst>
@@ -23001,7 +24061,7 @@
             <a:avLst/>
           </a:prstGeom>
           <a:blipFill>
-            <a:blip r:embed="rId2"/>
+            <a:blip r:embed="rId1"/>
             <a:stretch>
               <a:fillRect/>
             </a:stretch>
@@ -23046,7 +24106,7 @@
           <p:nvPr/>
         </p:nvPicPr>
         <p:blipFill>
-          <a:blip r:embed="rId3">
+          <a:blip r:embed="rId2">
             <a:extLst>
               <a:ext uri="{28A0092B-C50C-407E-A947-70E740481C1C}">
                 <a14:useLocalDpi xmlns:a14="http://schemas.microsoft.com/office/drawing/2010/main" val="0"/>
@@ -23123,6 +24183,14 @@
               </a:rPr>
               <a:t>Thread1</a:t>
             </a:r>
+            <a:endParaRPr lang="en-US" sz="2400" b="1" dirty="0" smtClean="0">
+              <a:solidFill>
+                <a:schemeClr val="bg1"/>
+              </a:solidFill>
+              <a:latin typeface="Adobe Arabic" panose="02040503050201020203" charset="0"/>
+              <a:ea typeface="Abadi MT Condensed Light" charset="0"/>
+              <a:cs typeface="Adobe Arabic" panose="02040503050201020203" charset="0"/>
+            </a:endParaRPr>
           </a:p>
         </p:txBody>
       </p:sp>
@@ -23202,6 +24270,57 @@
         <p:spPr>
           <a:xfrm>
             <a:off x="9887451" y="1364198"/>
+            <a:ext cx="990600" cy="838200"/>
+          </a:xfrm>
+          <a:prstGeom prst="ellipse">
+            <a:avLst/>
+          </a:prstGeom>
+          <a:blipFill>
+            <a:blip r:embed="rId3"/>
+            <a:stretch>
+              <a:fillRect/>
+            </a:stretch>
+          </a:blipFill>
+          <a:ln w="38100" cmpd="dbl">
+            <a:solidFill>
+              <a:srgbClr val="FF9900"/>
+            </a:solidFill>
+          </a:ln>
+        </p:spPr>
+        <p:style>
+          <a:lnRef idx="2">
+            <a:schemeClr val="accent1">
+              <a:shade val="50000"/>
+            </a:schemeClr>
+          </a:lnRef>
+          <a:fillRef idx="1">
+            <a:schemeClr val="accent1"/>
+          </a:fillRef>
+          <a:effectRef idx="0">
+            <a:schemeClr val="accent1"/>
+          </a:effectRef>
+          <a:fontRef idx="minor">
+            <a:schemeClr val="lt1"/>
+          </a:fontRef>
+        </p:style>
+        <p:txBody>
+          <a:bodyPr rtlCol="0" anchor="ctr"/>
+          <a:lstStyle/>
+          <a:p>
+            <a:pPr algn="ctr"/>
+            <a:endParaRPr lang="en-US"/>
+          </a:p>
+        </p:txBody>
+      </p:sp>
+      <p:sp>
+        <p:nvSpPr>
+          <p:cNvPr id="50" name="Oval 49"/>
+          <p:cNvSpPr/>
+          <p:nvPr/>
+        </p:nvSpPr>
+        <p:spPr>
+          <a:xfrm>
+            <a:off x="6714756" y="1394892"/>
             <a:ext cx="990600" cy="838200"/>
           </a:xfrm>
           <a:prstGeom prst="ellipse">
@@ -23244,57 +24363,6 @@
           </a:p>
         </p:txBody>
       </p:sp>
-      <p:sp>
-        <p:nvSpPr>
-          <p:cNvPr id="50" name="Oval 49"/>
-          <p:cNvSpPr/>
-          <p:nvPr/>
-        </p:nvSpPr>
-        <p:spPr>
-          <a:xfrm>
-            <a:off x="6714756" y="1394892"/>
-            <a:ext cx="990600" cy="838200"/>
-          </a:xfrm>
-          <a:prstGeom prst="ellipse">
-            <a:avLst/>
-          </a:prstGeom>
-          <a:blipFill>
-            <a:blip r:embed="rId5"/>
-            <a:stretch>
-              <a:fillRect/>
-            </a:stretch>
-          </a:blipFill>
-          <a:ln w="38100" cmpd="dbl">
-            <a:solidFill>
-              <a:srgbClr val="FF9900"/>
-            </a:solidFill>
-          </a:ln>
-        </p:spPr>
-        <p:style>
-          <a:lnRef idx="2">
-            <a:schemeClr val="accent1">
-              <a:shade val="50000"/>
-            </a:schemeClr>
-          </a:lnRef>
-          <a:fillRef idx="1">
-            <a:schemeClr val="accent1"/>
-          </a:fillRef>
-          <a:effectRef idx="0">
-            <a:schemeClr val="accent1"/>
-          </a:effectRef>
-          <a:fontRef idx="minor">
-            <a:schemeClr val="lt1"/>
-          </a:fontRef>
-        </p:style>
-        <p:txBody>
-          <a:bodyPr rtlCol="0" anchor="ctr"/>
-          <a:lstStyle/>
-          <a:p>
-            <a:pPr algn="ctr"/>
-            <a:endParaRPr lang="en-US"/>
-          </a:p>
-        </p:txBody>
-      </p:sp>
       <p:pic>
         <p:nvPicPr>
           <p:cNvPr id="51" name="Picture 50"/>
@@ -23304,7 +24372,7 @@
           <p:nvPr/>
         </p:nvPicPr>
         <p:blipFill>
-          <a:blip r:embed="rId6">
+          <a:blip r:embed="rId5">
             <a:extLst>
               <a:ext uri="{28A0092B-C50C-407E-A947-70E740481C1C}">
                 <a14:useLocalDpi xmlns:a14="http://schemas.microsoft.com/office/drawing/2010/main" val="0"/>
@@ -23364,7 +24432,7 @@
           <p:nvPr/>
         </p:nvPicPr>
         <p:blipFill>
-          <a:blip r:embed="rId6">
+          <a:blip r:embed="rId5">
             <a:extLst>
               <a:ext uri="{28A0092B-C50C-407E-A947-70E740481C1C}">
                 <a14:useLocalDpi xmlns:a14="http://schemas.microsoft.com/office/drawing/2010/main" val="0"/>
@@ -23394,7 +24462,7 @@
           <p:nvPr/>
         </p:nvPicPr>
         <p:blipFill rotWithShape="1">
-          <a:blip r:embed="rId7">
+          <a:blip r:embed="rId6">
             <a:extLst>
               <a:ext uri="{28A0092B-C50C-407E-A947-70E740481C1C}">
                 <a14:useLocalDpi xmlns:a14="http://schemas.microsoft.com/office/drawing/2010/main" val="0"/>
@@ -23402,7 +24470,9 @@
             </a:extLst>
           </a:blip>
           <a:srcRect l="17736" t="-6079" r="15402"/>
-          <a:stretch/>
+          <a:stretch>
+            <a:fillRect/>
+          </a:stretch>
         </p:blipFill>
         <p:spPr>
           <a:xfrm>
@@ -23423,7 +24493,7 @@
           <p:nvPr/>
         </p:nvPicPr>
         <p:blipFill>
-          <a:blip r:embed="rId3">
+          <a:blip r:embed="rId2">
             <a:extLst>
               <a:ext uri="{28A0092B-C50C-407E-A947-70E740481C1C}">
                 <a14:useLocalDpi xmlns:a14="http://schemas.microsoft.com/office/drawing/2010/main" val="0"/>
@@ -23453,7 +24523,7 @@
           <p:nvPr/>
         </p:nvPicPr>
         <p:blipFill rotWithShape="1">
-          <a:blip r:embed="rId8">
+          <a:blip r:embed="rId7">
             <a:extLst>
               <a:ext uri="{28A0092B-C50C-407E-A947-70E740481C1C}">
                 <a14:useLocalDpi xmlns:a14="http://schemas.microsoft.com/office/drawing/2010/main" val="0"/>
@@ -23461,7 +24531,9 @@
             </a:extLst>
           </a:blip>
           <a:srcRect l="-5916" t="1" b="34414"/>
-          <a:stretch/>
+          <a:stretch>
+            <a:fillRect/>
+          </a:stretch>
         </p:blipFill>
         <p:spPr>
           <a:xfrm>
@@ -23482,7 +24554,7 @@
           <p:nvPr/>
         </p:nvPicPr>
         <p:blipFill>
-          <a:blip r:embed="rId9">
+          <a:blip r:embed="rId8">
             <a:extLst>
               <a:ext uri="{28A0092B-C50C-407E-A947-70E740481C1C}">
                 <a14:useLocalDpi xmlns:a14="http://schemas.microsoft.com/office/drawing/2010/main" val="0"/>
@@ -23512,7 +24584,7 @@
           <p:nvPr/>
         </p:nvPicPr>
         <p:blipFill>
-          <a:blip r:embed="rId9">
+          <a:blip r:embed="rId8">
             <a:extLst>
               <a:ext uri="{28A0092B-C50C-407E-A947-70E740481C1C}">
                 <a14:useLocalDpi xmlns:a14="http://schemas.microsoft.com/office/drawing/2010/main" val="0"/>
@@ -23548,7 +24620,7 @@
             <a:avLst/>
           </a:prstGeom>
           <a:blipFill>
-            <a:blip r:embed="rId2"/>
+            <a:blip r:embed="rId1"/>
             <a:stretch>
               <a:fillRect/>
             </a:stretch>
@@ -23829,6 +24901,7 @@
               <a:rPr lang="en-US" b="1" i="1" strike="sngStrike" dirty="0" smtClean="0"/>
               <a:t>Synchronous)</a:t>
             </a:r>
+            <a:endParaRPr lang="en-US" b="1" i="1" strike="sngStrike" dirty="0" smtClean="0"/>
           </a:p>
         </p:txBody>
       </p:sp>
@@ -23870,6 +24943,7 @@
               <a:rPr lang="en-US" b="1" i="1" strike="sngStrike" dirty="0" smtClean="0"/>
               <a:t>combine (Asynchronous)</a:t>
             </a:r>
+            <a:endParaRPr lang="en-US" b="1" i="1" strike="sngStrike" dirty="0" smtClean="0"/>
           </a:p>
         </p:txBody>
       </p:sp>
@@ -23916,6 +24990,7 @@
               <a:rPr lang="en-US" b="1" i="1" strike="sngStrike" dirty="0" smtClean="0"/>
               <a:t>Manually Completed</a:t>
             </a:r>
+            <a:endParaRPr lang="en-US" b="1" i="1" strike="sngStrike" dirty="0" smtClean="0"/>
           </a:p>
         </p:txBody>
       </p:sp>
@@ -23947,11 +25022,11 @@
                 </a:solidFill>
                 <a:latin typeface="raleway" charset="0"/>
               </a:rPr>
-              <a:t>1. </a:t>
+              <a:t>1. Non-</a:t>
             </a:r>
             <a:r>
               <a:rPr lang="en-US" b="1" i="1" strike="sngStrike" dirty="0" smtClean="0"/>
-              <a:t>Unblocking</a:t>
+              <a:t>blocking</a:t>
             </a:r>
             <a:endParaRPr lang="en-US" b="1" i="1" strike="sngStrike" dirty="0">
               <a:solidFill>
@@ -24239,7 +25314,7 @@
         <p:spPr>
           <a:xfrm>
             <a:off x="1287145" y="3299460"/>
-            <a:ext cx="6210300" cy="581025"/>
+            <a:ext cx="4383405" cy="581025"/>
           </a:xfrm>
           <a:prstGeom prst="rect">
             <a:avLst/>
@@ -24288,10 +25363,10 @@
                 <a:ea typeface="Abadi MT Condensed Light" charset="0"/>
                 <a:cs typeface="Abadi MT Condensed Light" charset="0"/>
               </a:rPr>
-              <a:t>JAVA8</a:t>
-            </a:r>
-            <a:r>
-              <a:rPr lang="en-US" sz="3200" b="1" u="sng" dirty="0" smtClean="0">
+              <a:t>Since JAVA8 	</a:t>
+            </a:r>
+            <a:r>
+              <a:rPr lang="en-US" sz="3200" b="1" dirty="0" smtClean="0">
                 <a:solidFill>
                   <a:schemeClr val="accent4"/>
                 </a:solidFill>
@@ -24299,29 +25374,7 @@
                 <a:ea typeface="Abadi MT Condensed Light" charset="0"/>
                 <a:cs typeface="Abadi MT Condensed Light" charset="0"/>
               </a:rPr>
-              <a:t>+</a:t>
-            </a:r>
-            <a:r>
-              <a:rPr lang="en-US" sz="3200" b="1" u="sng" dirty="0" smtClean="0">
-                <a:solidFill>
-                  <a:schemeClr val="accent4"/>
-                </a:solidFill>
-                <a:latin typeface="Abadi MT Condensed Light" charset="0"/>
-                <a:ea typeface="Abadi MT Condensed Light" charset="0"/>
-                <a:cs typeface="Abadi MT Condensed Light" charset="0"/>
-              </a:rPr>
-              <a:t>			</a:t>
-            </a:r>
-            <a:r>
-              <a:rPr lang="en-US" sz="3200" b="1" dirty="0" smtClean="0">
-                <a:solidFill>
-                  <a:schemeClr val="accent4"/>
-                </a:solidFill>
-                <a:latin typeface="Abadi MT Condensed Light" charset="0"/>
-                <a:ea typeface="Abadi MT Condensed Light" charset="0"/>
-                <a:cs typeface="Abadi MT Condensed Light" charset="0"/>
-              </a:rPr>
-              <a:t>                      </a:t>
+              <a:t>                    </a:t>
             </a:r>
             <a:endParaRPr lang="en-US" sz="3200" b="1" dirty="0">
               <a:solidFill>
@@ -24397,7 +25450,7 @@
             <a:avLst/>
           </a:prstGeom>
           <a:blipFill>
-            <a:blip r:embed="rId2"/>
+            <a:blip r:embed="rId1"/>
             <a:stretch>
               <a:fillRect/>
             </a:stretch>
@@ -24448,7 +25501,7 @@
             <a:avLst/>
           </a:prstGeom>
           <a:blipFill>
-            <a:blip r:embed="rId3"/>
+            <a:blip r:embed="rId2"/>
             <a:stretch>
               <a:fillRect/>
             </a:stretch>
@@ -24493,7 +25546,7 @@
           <p:nvPr/>
         </p:nvPicPr>
         <p:blipFill>
-          <a:blip r:embed="rId4">
+          <a:blip r:embed="rId3">
             <a:extLst>
               <a:ext uri="{28A0092B-C50C-407E-A947-70E740481C1C}">
                 <a14:useLocalDpi xmlns:a14="http://schemas.microsoft.com/office/drawing/2010/main" val="0"/>
@@ -24619,7 +25672,7 @@
           <p:nvPr/>
         </p:nvPicPr>
         <p:blipFill rotWithShape="1">
-          <a:blip r:embed="rId5">
+          <a:blip r:embed="rId4">
             <a:extLst>
               <a:ext uri="{28A0092B-C50C-407E-A947-70E740481C1C}">
                 <a14:useLocalDpi xmlns:a14="http://schemas.microsoft.com/office/drawing/2010/main" val="0"/>
@@ -24627,7 +25680,9 @@
             </a:extLst>
           </a:blip>
           <a:srcRect l="-5916" t="1" b="34414"/>
-          <a:stretch/>
+          <a:stretch>
+            <a:fillRect/>
+          </a:stretch>
         </p:blipFill>
         <p:spPr>
           <a:xfrm>
@@ -24648,7 +25703,7 @@
           <p:nvPr/>
         </p:nvPicPr>
         <p:blipFill>
-          <a:blip r:embed="rId6">
+          <a:blip r:embed="rId5">
             <a:extLst>
               <a:ext uri="{28A0092B-C50C-407E-A947-70E740481C1C}">
                 <a14:useLocalDpi xmlns:a14="http://schemas.microsoft.com/office/drawing/2010/main" val="0"/>
@@ -24678,7 +25733,7 @@
           <p:nvPr/>
         </p:nvPicPr>
         <p:blipFill rotWithShape="1">
-          <a:blip r:embed="rId7">
+          <a:blip r:embed="rId6">
             <a:extLst>
               <a:ext uri="{28A0092B-C50C-407E-A947-70E740481C1C}">
                 <a14:useLocalDpi xmlns:a14="http://schemas.microsoft.com/office/drawing/2010/main" val="0"/>
@@ -24686,7 +25741,9 @@
             </a:extLst>
           </a:blip>
           <a:srcRect l="18537" t="8685" r="16076" b="5798"/>
-          <a:stretch/>
+          <a:stretch>
+            <a:fillRect/>
+          </a:stretch>
         </p:blipFill>
         <p:spPr>
           <a:xfrm>
@@ -24943,7 +26000,7 @@
           <p:nvPr/>
         </p:nvPicPr>
         <p:blipFill>
-          <a:blip r:embed="rId8">
+          <a:blip r:embed="rId7">
             <a:extLst>
               <a:ext uri="{28A0092B-C50C-407E-A947-70E740481C1C}">
                 <a14:useLocalDpi xmlns:a14="http://schemas.microsoft.com/office/drawing/2010/main" val="0"/>
@@ -25313,8 +26370,6 @@
       </a:bgFillStyleLst>
     </a:fmtScheme>
   </a:themeElements>
-  <a:objectDefaults/>
-  <a:extraClrSchemeLst/>
   <a:extLst>
     <a:ext uri="{05A4C25C-085E-4340-85A3-A5531E510DB2}">
       <thm15:themeFamily xmlns:thm15="http://schemas.microsoft.com/office/thememl/2012/main" name="Office Theme" id="{62F939B6-93AF-4DB8-9C6B-D6C7DFDC589F}" vid="{4A3C46E8-61CC-4603-A589-7422A47A8E4A}"/>
@@ -25574,8 +26629,6 @@
       </a:bgFillStyleLst>
     </a:fmtScheme>
   </a:themeElements>
-  <a:objectDefaults/>
-  <a:extraClrSchemeLst/>
   <a:extLst>
     <a:ext uri="{05A4C25C-085E-4340-85A3-A5531E510DB2}">
       <thm15:themeFamily xmlns:thm15="http://schemas.microsoft.com/office/thememl/2012/main" name="Office Theme" id="{62F939B6-93AF-4DB8-9C6B-D6C7DFDC589F}" vid="{4A3C46E8-61CC-4603-A589-7422A47A8E4A}"/>
@@ -25835,8 +26888,6 @@
       </a:bgFillStyleLst>
     </a:fmtScheme>
   </a:themeElements>
-  <a:objectDefaults/>
-  <a:extraClrSchemeLst/>
   <a:extLst>
     <a:ext uri="{05A4C25C-085E-4340-85A3-A5531E510DB2}">
       <thm15:themeFamily xmlns:thm15="http://schemas.microsoft.com/office/thememl/2012/main" name="Office Theme" id="{62F939B6-93AF-4DB8-9C6B-D6C7DFDC589F}" vid="{4A3C46E8-61CC-4603-A589-7422A47A8E4A}"/>
